--- a/JavaScript.pptx
+++ b/JavaScript.pptx
@@ -27,6 +27,19 @@
     <p:sldId id="275" r:id="rId21"/>
     <p:sldId id="276" r:id="rId22"/>
     <p:sldId id="277" r:id="rId23"/>
+    <p:sldId id="278" r:id="rId24"/>
+    <p:sldId id="279" r:id="rId25"/>
+    <p:sldId id="280" r:id="rId26"/>
+    <p:sldId id="281" r:id="rId27"/>
+    <p:sldId id="282" r:id="rId28"/>
+    <p:sldId id="283" r:id="rId29"/>
+    <p:sldId id="284" r:id="rId30"/>
+    <p:sldId id="285" r:id="rId31"/>
+    <p:sldId id="286" r:id="rId32"/>
+    <p:sldId id="287" r:id="rId33"/>
+    <p:sldId id="288" r:id="rId34"/>
+    <p:sldId id="289" r:id="rId35"/>
+    <p:sldId id="290" r:id="rId36"/>
   </p:sldIdLst>
   <p:sldSz cx="12192000" cy="6858000"/>
   <p:notesSz cx="6858000" cy="9144000"/>
@@ -156,6 +169,19 @@
             <p14:sldId id="275"/>
             <p14:sldId id="276"/>
             <p14:sldId id="277"/>
+            <p14:sldId id="278"/>
+            <p14:sldId id="279"/>
+            <p14:sldId id="280"/>
+            <p14:sldId id="281"/>
+            <p14:sldId id="282"/>
+            <p14:sldId id="283"/>
+            <p14:sldId id="284"/>
+            <p14:sldId id="285"/>
+            <p14:sldId id="286"/>
+            <p14:sldId id="287"/>
+            <p14:sldId id="288"/>
+            <p14:sldId id="289"/>
+            <p14:sldId id="290"/>
           </p14:sldIdLst>
         </p14:section>
       </p14:sectionLst>
@@ -314,7 +340,7 @@
           <a:p>
             <a:fld id="{B0FD79F2-F8AC-467F-AA9E-9C9DDF51E646}" type="datetimeFigureOut">
               <a:rPr lang="en-US" smtClean="0"/>
-              <a:t>1/3/2023</a:t>
+              <a:t>1/4/2023</a:t>
             </a:fld>
             <a:endParaRPr lang="en-US"/>
           </a:p>
@@ -512,7 +538,7 @@
           <a:p>
             <a:fld id="{B0FD79F2-F8AC-467F-AA9E-9C9DDF51E646}" type="datetimeFigureOut">
               <a:rPr lang="en-US" smtClean="0"/>
-              <a:t>1/3/2023</a:t>
+              <a:t>1/4/2023</a:t>
             </a:fld>
             <a:endParaRPr lang="en-US"/>
           </a:p>
@@ -720,7 +746,7 @@
           <a:p>
             <a:fld id="{B0FD79F2-F8AC-467F-AA9E-9C9DDF51E646}" type="datetimeFigureOut">
               <a:rPr lang="en-US" smtClean="0"/>
-              <a:t>1/3/2023</a:t>
+              <a:t>1/4/2023</a:t>
             </a:fld>
             <a:endParaRPr lang="en-US"/>
           </a:p>
@@ -918,7 +944,7 @@
           <a:p>
             <a:fld id="{B0FD79F2-F8AC-467F-AA9E-9C9DDF51E646}" type="datetimeFigureOut">
               <a:rPr lang="en-US" smtClean="0"/>
-              <a:t>1/3/2023</a:t>
+              <a:t>1/4/2023</a:t>
             </a:fld>
             <a:endParaRPr lang="en-US"/>
           </a:p>
@@ -1193,7 +1219,7 @@
           <a:p>
             <a:fld id="{B0FD79F2-F8AC-467F-AA9E-9C9DDF51E646}" type="datetimeFigureOut">
               <a:rPr lang="en-US" smtClean="0"/>
-              <a:t>1/3/2023</a:t>
+              <a:t>1/4/2023</a:t>
             </a:fld>
             <a:endParaRPr lang="en-US"/>
           </a:p>
@@ -1458,7 +1484,7 @@
           <a:p>
             <a:fld id="{B0FD79F2-F8AC-467F-AA9E-9C9DDF51E646}" type="datetimeFigureOut">
               <a:rPr lang="en-US" smtClean="0"/>
-              <a:t>1/3/2023</a:t>
+              <a:t>1/4/2023</a:t>
             </a:fld>
             <a:endParaRPr lang="en-US"/>
           </a:p>
@@ -1870,7 +1896,7 @@
           <a:p>
             <a:fld id="{B0FD79F2-F8AC-467F-AA9E-9C9DDF51E646}" type="datetimeFigureOut">
               <a:rPr lang="en-US" smtClean="0"/>
-              <a:t>1/3/2023</a:t>
+              <a:t>1/4/2023</a:t>
             </a:fld>
             <a:endParaRPr lang="en-US"/>
           </a:p>
@@ -2011,7 +2037,7 @@
           <a:p>
             <a:fld id="{B0FD79F2-F8AC-467F-AA9E-9C9DDF51E646}" type="datetimeFigureOut">
               <a:rPr lang="en-US" smtClean="0"/>
-              <a:t>1/3/2023</a:t>
+              <a:t>1/4/2023</a:t>
             </a:fld>
             <a:endParaRPr lang="en-US"/>
           </a:p>
@@ -2124,7 +2150,7 @@
           <a:p>
             <a:fld id="{B0FD79F2-F8AC-467F-AA9E-9C9DDF51E646}" type="datetimeFigureOut">
               <a:rPr lang="en-US" smtClean="0"/>
-              <a:t>1/3/2023</a:t>
+              <a:t>1/4/2023</a:t>
             </a:fld>
             <a:endParaRPr lang="en-US"/>
           </a:p>
@@ -2435,7 +2461,7 @@
           <a:p>
             <a:fld id="{B0FD79F2-F8AC-467F-AA9E-9C9DDF51E646}" type="datetimeFigureOut">
               <a:rPr lang="en-US" smtClean="0"/>
-              <a:t>1/3/2023</a:t>
+              <a:t>1/4/2023</a:t>
             </a:fld>
             <a:endParaRPr lang="en-US"/>
           </a:p>
@@ -2723,7 +2749,7 @@
           <a:p>
             <a:fld id="{B0FD79F2-F8AC-467F-AA9E-9C9DDF51E646}" type="datetimeFigureOut">
               <a:rPr lang="en-US" smtClean="0"/>
-              <a:t>1/3/2023</a:t>
+              <a:t>1/4/2023</a:t>
             </a:fld>
             <a:endParaRPr lang="en-US"/>
           </a:p>
@@ -2964,7 +2990,7 @@
           <a:p>
             <a:fld id="{B0FD79F2-F8AC-467F-AA9E-9C9DDF51E646}" type="datetimeFigureOut">
               <a:rPr lang="en-US" smtClean="0"/>
-              <a:t>1/3/2023</a:t>
+              <a:t>1/4/2023</a:t>
             </a:fld>
             <a:endParaRPr lang="en-US"/>
           </a:p>
@@ -5703,6 +5729,2039 @@
 </p:sld>
 </file>
 
+<file path=ppt/slides/slide23.xml><?xml version="1.0" encoding="utf-8"?>
+<p:sld xmlns:a="http://schemas.openxmlformats.org/drawingml/2006/main" xmlns:r="http://schemas.openxmlformats.org/officeDocument/2006/relationships" xmlns:p="http://schemas.openxmlformats.org/presentationml/2006/main">
+  <p:cSld>
+    <p:spTree>
+      <p:nvGrpSpPr>
+        <p:cNvPr id="1" name=""/>
+        <p:cNvGrpSpPr/>
+        <p:nvPr/>
+      </p:nvGrpSpPr>
+      <p:grpSpPr>
+        <a:xfrm>
+          <a:off x="0" y="0"/>
+          <a:ext cx="0" cy="0"/>
+          <a:chOff x="0" y="0"/>
+          <a:chExt cx="0" cy="0"/>
+        </a:xfrm>
+      </p:grpSpPr>
+      <p:sp>
+        <p:nvSpPr>
+          <p:cNvPr id="2" name="Title 1">
+            <a:extLst>
+              <a:ext uri="{FF2B5EF4-FFF2-40B4-BE49-F238E27FC236}">
+                <a16:creationId xmlns:a16="http://schemas.microsoft.com/office/drawing/2014/main" id="{372FC047-277F-0878-D9A2-93AB8F69E790}"/>
+              </a:ext>
+            </a:extLst>
+          </p:cNvPr>
+          <p:cNvSpPr>
+            <a:spLocks noGrp="1"/>
+          </p:cNvSpPr>
+          <p:nvPr>
+            <p:ph type="title"/>
+          </p:nvPr>
+        </p:nvSpPr>
+        <p:spPr/>
+        <p:txBody>
+          <a:bodyPr/>
+          <a:lstStyle/>
+          <a:p>
+            <a:r>
+              <a:rPr lang="en-US" dirty="0"/>
+              <a:t>JS: Assignment Operators</a:t>
+            </a:r>
+          </a:p>
+        </p:txBody>
+      </p:sp>
+      <p:graphicFrame>
+        <p:nvGraphicFramePr>
+          <p:cNvPr id="6" name="Table 6">
+            <a:extLst>
+              <a:ext uri="{FF2B5EF4-FFF2-40B4-BE49-F238E27FC236}">
+                <a16:creationId xmlns:a16="http://schemas.microsoft.com/office/drawing/2014/main" id="{7B82A836-3F72-EB45-0E08-AEB9BD980689}"/>
+              </a:ext>
+            </a:extLst>
+          </p:cNvPr>
+          <p:cNvGraphicFramePr>
+            <a:graphicFrameLocks noGrp="1"/>
+          </p:cNvGraphicFramePr>
+          <p:nvPr>
+            <p:ph idx="1"/>
+            <p:extLst>
+              <p:ext uri="{D42A27DB-BD31-4B8C-83A1-F6EECF244321}">
+                <p14:modId xmlns:p14="http://schemas.microsoft.com/office/powerpoint/2010/main" val="3317180031"/>
+              </p:ext>
+            </p:extLst>
+          </p:nvPr>
+        </p:nvGraphicFramePr>
+        <p:xfrm>
+          <a:off x="838200" y="1825624"/>
+          <a:ext cx="10515597" cy="4138448"/>
+        </p:xfrm>
+        <a:graphic>
+          <a:graphicData uri="http://schemas.openxmlformats.org/drawingml/2006/table">
+            <a:tbl>
+              <a:tblPr firstRow="1" bandRow="1">
+                <a:tableStyleId>{5C22544A-7EE6-4342-B048-85BDC9FD1C3A}</a:tableStyleId>
+              </a:tblPr>
+              <a:tblGrid>
+                <a:gridCol w="3505199">
+                  <a:extLst>
+                    <a:ext uri="{9D8B030D-6E8A-4147-A177-3AD203B41FA5}">
+                      <a16:colId xmlns:a16="http://schemas.microsoft.com/office/drawing/2014/main" val="784641932"/>
+                    </a:ext>
+                  </a:extLst>
+                </a:gridCol>
+                <a:gridCol w="3505199">
+                  <a:extLst>
+                    <a:ext uri="{9D8B030D-6E8A-4147-A177-3AD203B41FA5}">
+                      <a16:colId xmlns:a16="http://schemas.microsoft.com/office/drawing/2014/main" val="2248740344"/>
+                    </a:ext>
+                  </a:extLst>
+                </a:gridCol>
+                <a:gridCol w="3505199">
+                  <a:extLst>
+                    <a:ext uri="{9D8B030D-6E8A-4147-A177-3AD203B41FA5}">
+                      <a16:colId xmlns:a16="http://schemas.microsoft.com/office/drawing/2014/main" val="1521544195"/>
+                    </a:ext>
+                  </a:extLst>
+                </a:gridCol>
+              </a:tblGrid>
+              <a:tr h="517306">
+                <a:tc>
+                  <a:txBody>
+                    <a:bodyPr/>
+                    <a:lstStyle/>
+                    <a:p>
+                      <a:pPr algn="ctr"/>
+                      <a:r>
+                        <a:rPr lang="en-US" dirty="0"/>
+                        <a:t>Operator</a:t>
+                      </a:r>
+                    </a:p>
+                  </a:txBody>
+                  <a:tcPr/>
+                </a:tc>
+                <a:tc>
+                  <a:txBody>
+                    <a:bodyPr/>
+                    <a:lstStyle/>
+                    <a:p>
+                      <a:pPr algn="ctr"/>
+                      <a:r>
+                        <a:rPr lang="en-US" dirty="0"/>
+                        <a:t>Example</a:t>
+                      </a:r>
+                    </a:p>
+                  </a:txBody>
+                  <a:tcPr/>
+                </a:tc>
+                <a:tc>
+                  <a:txBody>
+                    <a:bodyPr/>
+                    <a:lstStyle/>
+                    <a:p>
+                      <a:pPr algn="ctr"/>
+                      <a:r>
+                        <a:rPr lang="en-US" dirty="0"/>
+                        <a:t>Same As</a:t>
+                      </a:r>
+                    </a:p>
+                  </a:txBody>
+                  <a:tcPr/>
+                </a:tc>
+                <a:extLst>
+                  <a:ext uri="{0D108BD9-81ED-4DB2-BD59-A6C34878D82A}">
+                    <a16:rowId xmlns:a16="http://schemas.microsoft.com/office/drawing/2014/main" val="831133712"/>
+                  </a:ext>
+                </a:extLst>
+              </a:tr>
+              <a:tr h="517306">
+                <a:tc>
+                  <a:txBody>
+                    <a:bodyPr/>
+                    <a:lstStyle/>
+                    <a:p>
+                      <a:pPr algn="ctr"/>
+                      <a:r>
+                        <a:rPr lang="en-US" dirty="0"/>
+                        <a:t>=</a:t>
+                      </a:r>
+                    </a:p>
+                  </a:txBody>
+                  <a:tcPr/>
+                </a:tc>
+                <a:tc>
+                  <a:txBody>
+                    <a:bodyPr/>
+                    <a:lstStyle/>
+                    <a:p>
+                      <a:pPr algn="ctr"/>
+                      <a:r>
+                        <a:rPr lang="en-US" dirty="0"/>
+                        <a:t>X = y</a:t>
+                      </a:r>
+                    </a:p>
+                  </a:txBody>
+                  <a:tcPr/>
+                </a:tc>
+                <a:tc>
+                  <a:txBody>
+                    <a:bodyPr/>
+                    <a:lstStyle/>
+                    <a:p>
+                      <a:pPr algn="ctr"/>
+                      <a:r>
+                        <a:rPr lang="en-US" dirty="0"/>
+                        <a:t>X  = y</a:t>
+                      </a:r>
+                    </a:p>
+                  </a:txBody>
+                  <a:tcPr/>
+                </a:tc>
+                <a:extLst>
+                  <a:ext uri="{0D108BD9-81ED-4DB2-BD59-A6C34878D82A}">
+                    <a16:rowId xmlns:a16="http://schemas.microsoft.com/office/drawing/2014/main" val="1416168624"/>
+                  </a:ext>
+                </a:extLst>
+              </a:tr>
+              <a:tr h="517306">
+                <a:tc>
+                  <a:txBody>
+                    <a:bodyPr/>
+                    <a:lstStyle/>
+                    <a:p>
+                      <a:pPr algn="ctr"/>
+                      <a:r>
+                        <a:rPr lang="en-US" dirty="0"/>
+                        <a:t>+=</a:t>
+                      </a:r>
+                    </a:p>
+                  </a:txBody>
+                  <a:tcPr/>
+                </a:tc>
+                <a:tc>
+                  <a:txBody>
+                    <a:bodyPr/>
+                    <a:lstStyle/>
+                    <a:p>
+                      <a:pPr algn="ctr"/>
+                      <a:r>
+                        <a:rPr lang="en-US" dirty="0"/>
+                        <a:t>X += y </a:t>
+                      </a:r>
+                    </a:p>
+                  </a:txBody>
+                  <a:tcPr/>
+                </a:tc>
+                <a:tc>
+                  <a:txBody>
+                    <a:bodyPr/>
+                    <a:lstStyle/>
+                    <a:p>
+                      <a:pPr algn="ctr"/>
+                      <a:r>
+                        <a:rPr lang="en-US" dirty="0"/>
+                        <a:t>X = x +y</a:t>
+                      </a:r>
+                    </a:p>
+                  </a:txBody>
+                  <a:tcPr/>
+                </a:tc>
+                <a:extLst>
+                  <a:ext uri="{0D108BD9-81ED-4DB2-BD59-A6C34878D82A}">
+                    <a16:rowId xmlns:a16="http://schemas.microsoft.com/office/drawing/2014/main" val="404698057"/>
+                  </a:ext>
+                </a:extLst>
+              </a:tr>
+              <a:tr h="517306">
+                <a:tc>
+                  <a:txBody>
+                    <a:bodyPr/>
+                    <a:lstStyle/>
+                    <a:p>
+                      <a:pPr algn="ctr"/>
+                      <a:r>
+                        <a:rPr lang="en-US" dirty="0"/>
+                        <a:t>-=</a:t>
+                      </a:r>
+                    </a:p>
+                  </a:txBody>
+                  <a:tcPr/>
+                </a:tc>
+                <a:tc>
+                  <a:txBody>
+                    <a:bodyPr/>
+                    <a:lstStyle/>
+                    <a:p>
+                      <a:pPr algn="ctr"/>
+                      <a:r>
+                        <a:rPr lang="en-US" dirty="0"/>
+                        <a:t>X -= y</a:t>
+                      </a:r>
+                    </a:p>
+                  </a:txBody>
+                  <a:tcPr/>
+                </a:tc>
+                <a:tc>
+                  <a:txBody>
+                    <a:bodyPr/>
+                    <a:lstStyle/>
+                    <a:p>
+                      <a:pPr algn="ctr"/>
+                      <a:r>
+                        <a:rPr lang="en-US" dirty="0"/>
+                        <a:t>X = x – y</a:t>
+                      </a:r>
+                    </a:p>
+                  </a:txBody>
+                  <a:tcPr/>
+                </a:tc>
+                <a:extLst>
+                  <a:ext uri="{0D108BD9-81ED-4DB2-BD59-A6C34878D82A}">
+                    <a16:rowId xmlns:a16="http://schemas.microsoft.com/office/drawing/2014/main" val="2080022058"/>
+                  </a:ext>
+                </a:extLst>
+              </a:tr>
+              <a:tr h="517306">
+                <a:tc>
+                  <a:txBody>
+                    <a:bodyPr/>
+                    <a:lstStyle/>
+                    <a:p>
+                      <a:pPr algn="ctr"/>
+                      <a:r>
+                        <a:rPr lang="en-US" dirty="0"/>
+                        <a:t>*=</a:t>
+                      </a:r>
+                    </a:p>
+                  </a:txBody>
+                  <a:tcPr/>
+                </a:tc>
+                <a:tc>
+                  <a:txBody>
+                    <a:bodyPr/>
+                    <a:lstStyle/>
+                    <a:p>
+                      <a:pPr algn="ctr"/>
+                      <a:r>
+                        <a:rPr lang="en-US" dirty="0"/>
+                        <a:t>X * = y</a:t>
+                      </a:r>
+                    </a:p>
+                  </a:txBody>
+                  <a:tcPr/>
+                </a:tc>
+                <a:tc>
+                  <a:txBody>
+                    <a:bodyPr/>
+                    <a:lstStyle/>
+                    <a:p>
+                      <a:pPr algn="ctr"/>
+                      <a:r>
+                        <a:rPr lang="en-US" dirty="0"/>
+                        <a:t>X = x * y</a:t>
+                      </a:r>
+                    </a:p>
+                  </a:txBody>
+                  <a:tcPr/>
+                </a:tc>
+                <a:extLst>
+                  <a:ext uri="{0D108BD9-81ED-4DB2-BD59-A6C34878D82A}">
+                    <a16:rowId xmlns:a16="http://schemas.microsoft.com/office/drawing/2014/main" val="2109538318"/>
+                  </a:ext>
+                </a:extLst>
+              </a:tr>
+              <a:tr h="517306">
+                <a:tc>
+                  <a:txBody>
+                    <a:bodyPr/>
+                    <a:lstStyle/>
+                    <a:p>
+                      <a:pPr algn="ctr"/>
+                      <a:r>
+                        <a:rPr lang="en-US" dirty="0"/>
+                        <a:t>/=</a:t>
+                      </a:r>
+                    </a:p>
+                  </a:txBody>
+                  <a:tcPr/>
+                </a:tc>
+                <a:tc>
+                  <a:txBody>
+                    <a:bodyPr/>
+                    <a:lstStyle/>
+                    <a:p>
+                      <a:pPr algn="ctr"/>
+                      <a:r>
+                        <a:rPr lang="en-US" dirty="0"/>
+                        <a:t>X /= y</a:t>
+                      </a:r>
+                    </a:p>
+                  </a:txBody>
+                  <a:tcPr/>
+                </a:tc>
+                <a:tc>
+                  <a:txBody>
+                    <a:bodyPr/>
+                    <a:lstStyle/>
+                    <a:p>
+                      <a:pPr algn="ctr"/>
+                      <a:r>
+                        <a:rPr lang="en-US" dirty="0"/>
+                        <a:t>X = x/y</a:t>
+                      </a:r>
+                    </a:p>
+                  </a:txBody>
+                  <a:tcPr/>
+                </a:tc>
+                <a:extLst>
+                  <a:ext uri="{0D108BD9-81ED-4DB2-BD59-A6C34878D82A}">
+                    <a16:rowId xmlns:a16="http://schemas.microsoft.com/office/drawing/2014/main" val="44906953"/>
+                  </a:ext>
+                </a:extLst>
+              </a:tr>
+              <a:tr h="517306">
+                <a:tc>
+                  <a:txBody>
+                    <a:bodyPr/>
+                    <a:lstStyle/>
+                    <a:p>
+                      <a:pPr algn="ctr"/>
+                      <a:r>
+                        <a:rPr lang="en-US" dirty="0"/>
+                        <a:t>%=</a:t>
+                      </a:r>
+                    </a:p>
+                  </a:txBody>
+                  <a:tcPr/>
+                </a:tc>
+                <a:tc>
+                  <a:txBody>
+                    <a:bodyPr/>
+                    <a:lstStyle/>
+                    <a:p>
+                      <a:pPr algn="ctr"/>
+                      <a:r>
+                        <a:rPr lang="en-US" dirty="0"/>
+                        <a:t>X %= y</a:t>
+                      </a:r>
+                    </a:p>
+                  </a:txBody>
+                  <a:tcPr/>
+                </a:tc>
+                <a:tc>
+                  <a:txBody>
+                    <a:bodyPr/>
+                    <a:lstStyle/>
+                    <a:p>
+                      <a:pPr algn="ctr"/>
+                      <a:r>
+                        <a:rPr lang="en-US" dirty="0"/>
+                        <a:t>X = </a:t>
+                      </a:r>
+                      <a:r>
+                        <a:rPr lang="en-US" dirty="0" err="1"/>
+                        <a:t>x%y</a:t>
+                      </a:r>
+                      <a:endParaRPr lang="en-US" dirty="0"/>
+                    </a:p>
+                  </a:txBody>
+                  <a:tcPr/>
+                </a:tc>
+                <a:extLst>
+                  <a:ext uri="{0D108BD9-81ED-4DB2-BD59-A6C34878D82A}">
+                    <a16:rowId xmlns:a16="http://schemas.microsoft.com/office/drawing/2014/main" val="2500236701"/>
+                  </a:ext>
+                </a:extLst>
+              </a:tr>
+              <a:tr h="517306">
+                <a:tc>
+                  <a:txBody>
+                    <a:bodyPr/>
+                    <a:lstStyle/>
+                    <a:p>
+                      <a:pPr algn="ctr"/>
+                      <a:r>
+                        <a:rPr lang="en-US" dirty="0"/>
+                        <a:t>**=</a:t>
+                      </a:r>
+                    </a:p>
+                  </a:txBody>
+                  <a:tcPr/>
+                </a:tc>
+                <a:tc>
+                  <a:txBody>
+                    <a:bodyPr/>
+                    <a:lstStyle/>
+                    <a:p>
+                      <a:pPr algn="ctr"/>
+                      <a:r>
+                        <a:rPr lang="en-US" dirty="0"/>
+                        <a:t>X **=y</a:t>
+                      </a:r>
+                    </a:p>
+                  </a:txBody>
+                  <a:tcPr/>
+                </a:tc>
+                <a:tc>
+                  <a:txBody>
+                    <a:bodyPr/>
+                    <a:lstStyle/>
+                    <a:p>
+                      <a:pPr algn="ctr"/>
+                      <a:r>
+                        <a:rPr lang="en-US" dirty="0"/>
+                        <a:t>X = x ** y</a:t>
+                      </a:r>
+                    </a:p>
+                  </a:txBody>
+                  <a:tcPr/>
+                </a:tc>
+                <a:extLst>
+                  <a:ext uri="{0D108BD9-81ED-4DB2-BD59-A6C34878D82A}">
+                    <a16:rowId xmlns:a16="http://schemas.microsoft.com/office/drawing/2014/main" val="3283803181"/>
+                  </a:ext>
+                </a:extLst>
+              </a:tr>
+            </a:tbl>
+          </a:graphicData>
+        </a:graphic>
+      </p:graphicFrame>
+    </p:spTree>
+    <p:extLst>
+      <p:ext uri="{BB962C8B-B14F-4D97-AF65-F5344CB8AC3E}">
+        <p14:creationId xmlns:p14="http://schemas.microsoft.com/office/powerpoint/2010/main" val="444221355"/>
+      </p:ext>
+    </p:extLst>
+  </p:cSld>
+  <p:clrMapOvr>
+    <a:masterClrMapping/>
+  </p:clrMapOvr>
+</p:sld>
+</file>
+
+<file path=ppt/slides/slide24.xml><?xml version="1.0" encoding="utf-8"?>
+<p:sld xmlns:a="http://schemas.openxmlformats.org/drawingml/2006/main" xmlns:r="http://schemas.openxmlformats.org/officeDocument/2006/relationships" xmlns:p="http://schemas.openxmlformats.org/presentationml/2006/main">
+  <p:cSld>
+    <p:spTree>
+      <p:nvGrpSpPr>
+        <p:cNvPr id="1" name=""/>
+        <p:cNvGrpSpPr/>
+        <p:nvPr/>
+      </p:nvGrpSpPr>
+      <p:grpSpPr>
+        <a:xfrm>
+          <a:off x="0" y="0"/>
+          <a:ext cx="0" cy="0"/>
+          <a:chOff x="0" y="0"/>
+          <a:chExt cx="0" cy="0"/>
+        </a:xfrm>
+      </p:grpSpPr>
+      <p:sp>
+        <p:nvSpPr>
+          <p:cNvPr id="2" name="Title 1">
+            <a:extLst>
+              <a:ext uri="{FF2B5EF4-FFF2-40B4-BE49-F238E27FC236}">
+                <a16:creationId xmlns:a16="http://schemas.microsoft.com/office/drawing/2014/main" id="{1426B174-20A4-BB44-2E36-B4C3D00E5E05}"/>
+              </a:ext>
+            </a:extLst>
+          </p:cNvPr>
+          <p:cNvSpPr>
+            <a:spLocks noGrp="1"/>
+          </p:cNvSpPr>
+          <p:nvPr>
+            <p:ph type="title"/>
+          </p:nvPr>
+        </p:nvSpPr>
+        <p:spPr/>
+        <p:txBody>
+          <a:bodyPr/>
+          <a:lstStyle/>
+          <a:p>
+            <a:r>
+              <a:rPr lang="en-US" dirty="0"/>
+              <a:t>JS: Google Chrome Console</a:t>
+            </a:r>
+          </a:p>
+        </p:txBody>
+      </p:sp>
+      <p:sp>
+        <p:nvSpPr>
+          <p:cNvPr id="3" name="Content Placeholder 2">
+            <a:extLst>
+              <a:ext uri="{FF2B5EF4-FFF2-40B4-BE49-F238E27FC236}">
+                <a16:creationId xmlns:a16="http://schemas.microsoft.com/office/drawing/2014/main" id="{5ACC60F5-98AB-C152-CEA2-2FE68F9F18CD}"/>
+              </a:ext>
+            </a:extLst>
+          </p:cNvPr>
+          <p:cNvSpPr>
+            <a:spLocks noGrp="1"/>
+          </p:cNvSpPr>
+          <p:nvPr>
+            <p:ph idx="1"/>
+          </p:nvPr>
+        </p:nvSpPr>
+        <p:spPr/>
+        <p:txBody>
+          <a:bodyPr/>
+          <a:lstStyle/>
+          <a:p>
+            <a:endParaRPr lang="en-US"/>
+          </a:p>
+        </p:txBody>
+      </p:sp>
+    </p:spTree>
+    <p:extLst>
+      <p:ext uri="{BB962C8B-B14F-4D97-AF65-F5344CB8AC3E}">
+        <p14:creationId xmlns:p14="http://schemas.microsoft.com/office/powerpoint/2010/main" val="836615491"/>
+      </p:ext>
+    </p:extLst>
+  </p:cSld>
+  <p:clrMapOvr>
+    <a:masterClrMapping/>
+  </p:clrMapOvr>
+</p:sld>
+</file>
+
+<file path=ppt/slides/slide25.xml><?xml version="1.0" encoding="utf-8"?>
+<p:sld xmlns:a="http://schemas.openxmlformats.org/drawingml/2006/main" xmlns:r="http://schemas.openxmlformats.org/officeDocument/2006/relationships" xmlns:p="http://schemas.openxmlformats.org/presentationml/2006/main">
+  <p:cSld>
+    <p:spTree>
+      <p:nvGrpSpPr>
+        <p:cNvPr id="1" name=""/>
+        <p:cNvGrpSpPr/>
+        <p:nvPr/>
+      </p:nvGrpSpPr>
+      <p:grpSpPr>
+        <a:xfrm>
+          <a:off x="0" y="0"/>
+          <a:ext cx="0" cy="0"/>
+          <a:chOff x="0" y="0"/>
+          <a:chExt cx="0" cy="0"/>
+        </a:xfrm>
+      </p:grpSpPr>
+      <p:sp>
+        <p:nvSpPr>
+          <p:cNvPr id="2" name="Title 1">
+            <a:extLst>
+              <a:ext uri="{FF2B5EF4-FFF2-40B4-BE49-F238E27FC236}">
+                <a16:creationId xmlns:a16="http://schemas.microsoft.com/office/drawing/2014/main" id="{E602EA98-5EE5-0CD6-BCF4-E94C4B96C155}"/>
+              </a:ext>
+            </a:extLst>
+          </p:cNvPr>
+          <p:cNvSpPr>
+            <a:spLocks noGrp="1"/>
+          </p:cNvSpPr>
+          <p:nvPr>
+            <p:ph type="title"/>
+          </p:nvPr>
+        </p:nvSpPr>
+        <p:spPr/>
+        <p:txBody>
+          <a:bodyPr/>
+          <a:lstStyle/>
+          <a:p>
+            <a:r>
+              <a:rPr lang="en-US" dirty="0"/>
+              <a:t>JS: Comparison Operators</a:t>
+            </a:r>
+          </a:p>
+        </p:txBody>
+      </p:sp>
+      <p:sp>
+        <p:nvSpPr>
+          <p:cNvPr id="3" name="Content Placeholder 2">
+            <a:extLst>
+              <a:ext uri="{FF2B5EF4-FFF2-40B4-BE49-F238E27FC236}">
+                <a16:creationId xmlns:a16="http://schemas.microsoft.com/office/drawing/2014/main" id="{CE347942-4CB5-62BD-A683-9FE2D69B5FDD}"/>
+              </a:ext>
+            </a:extLst>
+          </p:cNvPr>
+          <p:cNvSpPr>
+            <a:spLocks noGrp="1"/>
+          </p:cNvSpPr>
+          <p:nvPr>
+            <p:ph idx="1"/>
+          </p:nvPr>
+        </p:nvSpPr>
+        <p:spPr/>
+        <p:txBody>
+          <a:bodyPr/>
+          <a:lstStyle/>
+          <a:p>
+            <a:pPr marL="0" indent="0">
+              <a:buNone/>
+            </a:pPr>
+            <a:r>
+              <a:rPr lang="en-US" dirty="0"/>
+              <a:t>var x = 15;</a:t>
+            </a:r>
+          </a:p>
+          <a:p>
+            <a:pPr marL="0" indent="0">
+              <a:buNone/>
+            </a:pPr>
+            <a:r>
+              <a:rPr lang="en-US" dirty="0"/>
+              <a:t>Var y = 25;</a:t>
+            </a:r>
+          </a:p>
+          <a:p>
+            <a:pPr marL="0" indent="0">
+              <a:buNone/>
+            </a:pPr>
+            <a:endParaRPr lang="en-US" dirty="0"/>
+          </a:p>
+          <a:p>
+            <a:pPr marL="0" indent="0">
+              <a:buNone/>
+            </a:pPr>
+            <a:r>
+              <a:rPr lang="en-US" dirty="0"/>
+              <a:t>X&gt;y</a:t>
+            </a:r>
+          </a:p>
+          <a:p>
+            <a:pPr marL="0" indent="0">
+              <a:buNone/>
+            </a:pPr>
+            <a:r>
+              <a:rPr lang="en-US" dirty="0"/>
+              <a:t>True/False</a:t>
+            </a:r>
+          </a:p>
+        </p:txBody>
+      </p:sp>
+    </p:spTree>
+    <p:extLst>
+      <p:ext uri="{BB962C8B-B14F-4D97-AF65-F5344CB8AC3E}">
+        <p14:creationId xmlns:p14="http://schemas.microsoft.com/office/powerpoint/2010/main" val="3572717456"/>
+      </p:ext>
+    </p:extLst>
+  </p:cSld>
+  <p:clrMapOvr>
+    <a:masterClrMapping/>
+  </p:clrMapOvr>
+</p:sld>
+</file>
+
+<file path=ppt/slides/slide26.xml><?xml version="1.0" encoding="utf-8"?>
+<p:sld xmlns:a="http://schemas.openxmlformats.org/drawingml/2006/main" xmlns:r="http://schemas.openxmlformats.org/officeDocument/2006/relationships" xmlns:p="http://schemas.openxmlformats.org/presentationml/2006/main">
+  <p:cSld>
+    <p:spTree>
+      <p:nvGrpSpPr>
+        <p:cNvPr id="1" name=""/>
+        <p:cNvGrpSpPr/>
+        <p:nvPr/>
+      </p:nvGrpSpPr>
+      <p:grpSpPr>
+        <a:xfrm>
+          <a:off x="0" y="0"/>
+          <a:ext cx="0" cy="0"/>
+          <a:chOff x="0" y="0"/>
+          <a:chExt cx="0" cy="0"/>
+        </a:xfrm>
+      </p:grpSpPr>
+      <p:sp>
+        <p:nvSpPr>
+          <p:cNvPr id="2" name="Title 1">
+            <a:extLst>
+              <a:ext uri="{FF2B5EF4-FFF2-40B4-BE49-F238E27FC236}">
+                <a16:creationId xmlns:a16="http://schemas.microsoft.com/office/drawing/2014/main" id="{AB35F488-06A3-7397-7364-B43046CE5C4A}"/>
+              </a:ext>
+            </a:extLst>
+          </p:cNvPr>
+          <p:cNvSpPr>
+            <a:spLocks noGrp="1"/>
+          </p:cNvSpPr>
+          <p:nvPr>
+            <p:ph type="title"/>
+          </p:nvPr>
+        </p:nvSpPr>
+        <p:spPr/>
+        <p:txBody>
+          <a:bodyPr/>
+          <a:lstStyle/>
+          <a:p>
+            <a:r>
+              <a:rPr lang="en-US" dirty="0"/>
+              <a:t>Different Type of Comparison Operators:</a:t>
+            </a:r>
+          </a:p>
+        </p:txBody>
+      </p:sp>
+      <p:graphicFrame>
+        <p:nvGraphicFramePr>
+          <p:cNvPr id="4" name="Table 4">
+            <a:extLst>
+              <a:ext uri="{FF2B5EF4-FFF2-40B4-BE49-F238E27FC236}">
+                <a16:creationId xmlns:a16="http://schemas.microsoft.com/office/drawing/2014/main" id="{7779A4C5-DBF0-B5FC-D12D-D10ECDD69204}"/>
+              </a:ext>
+            </a:extLst>
+          </p:cNvPr>
+          <p:cNvGraphicFramePr>
+            <a:graphicFrameLocks noGrp="1"/>
+          </p:cNvGraphicFramePr>
+          <p:nvPr>
+            <p:extLst>
+              <p:ext uri="{D42A27DB-BD31-4B8C-83A1-F6EECF244321}">
+                <p14:modId xmlns:p14="http://schemas.microsoft.com/office/powerpoint/2010/main" val="2884372257"/>
+              </p:ext>
+            </p:extLst>
+          </p:nvPr>
+        </p:nvGraphicFramePr>
+        <p:xfrm>
+          <a:off x="838200" y="1505268"/>
+          <a:ext cx="9779758" cy="3337560"/>
+        </p:xfrm>
+        <a:graphic>
+          <a:graphicData uri="http://schemas.openxmlformats.org/drawingml/2006/table">
+            <a:tbl>
+              <a:tblPr firstRow="1" bandRow="1">
+                <a:tableStyleId>{5C22544A-7EE6-4342-B048-85BDC9FD1C3A}</a:tableStyleId>
+              </a:tblPr>
+              <a:tblGrid>
+                <a:gridCol w="4889879">
+                  <a:extLst>
+                    <a:ext uri="{9D8B030D-6E8A-4147-A177-3AD203B41FA5}">
+                      <a16:colId xmlns:a16="http://schemas.microsoft.com/office/drawing/2014/main" val="3967250767"/>
+                    </a:ext>
+                  </a:extLst>
+                </a:gridCol>
+                <a:gridCol w="4889879">
+                  <a:extLst>
+                    <a:ext uri="{9D8B030D-6E8A-4147-A177-3AD203B41FA5}">
+                      <a16:colId xmlns:a16="http://schemas.microsoft.com/office/drawing/2014/main" val="3613314562"/>
+                    </a:ext>
+                  </a:extLst>
+                </a:gridCol>
+              </a:tblGrid>
+              <a:tr h="370840">
+                <a:tc>
+                  <a:txBody>
+                    <a:bodyPr/>
+                    <a:lstStyle/>
+                    <a:p>
+                      <a:r>
+                        <a:rPr lang="en-US" dirty="0"/>
+                        <a:t>Operator</a:t>
+                      </a:r>
+                    </a:p>
+                  </a:txBody>
+                  <a:tcPr/>
+                </a:tc>
+                <a:tc>
+                  <a:txBody>
+                    <a:bodyPr/>
+                    <a:lstStyle/>
+                    <a:p>
+                      <a:r>
+                        <a:rPr lang="en-US" dirty="0"/>
+                        <a:t>Description</a:t>
+                      </a:r>
+                    </a:p>
+                  </a:txBody>
+                  <a:tcPr/>
+                </a:tc>
+                <a:extLst>
+                  <a:ext uri="{0D108BD9-81ED-4DB2-BD59-A6C34878D82A}">
+                    <a16:rowId xmlns:a16="http://schemas.microsoft.com/office/drawing/2014/main" val="1289723661"/>
+                  </a:ext>
+                </a:extLst>
+              </a:tr>
+              <a:tr h="370840">
+                <a:tc>
+                  <a:txBody>
+                    <a:bodyPr/>
+                    <a:lstStyle/>
+                    <a:p>
+                      <a:r>
+                        <a:rPr lang="en-US" dirty="0"/>
+                        <a:t>==</a:t>
+                      </a:r>
+                    </a:p>
+                  </a:txBody>
+                  <a:tcPr/>
+                </a:tc>
+                <a:tc>
+                  <a:txBody>
+                    <a:bodyPr/>
+                    <a:lstStyle/>
+                    <a:p>
+                      <a:r>
+                        <a:rPr lang="en-US" dirty="0"/>
+                        <a:t>Equal to</a:t>
+                      </a:r>
+                    </a:p>
+                  </a:txBody>
+                  <a:tcPr/>
+                </a:tc>
+                <a:extLst>
+                  <a:ext uri="{0D108BD9-81ED-4DB2-BD59-A6C34878D82A}">
+                    <a16:rowId xmlns:a16="http://schemas.microsoft.com/office/drawing/2014/main" val="3620583656"/>
+                  </a:ext>
+                </a:extLst>
+              </a:tr>
+              <a:tr h="370840">
+                <a:tc>
+                  <a:txBody>
+                    <a:bodyPr/>
+                    <a:lstStyle/>
+                    <a:p>
+                      <a:r>
+                        <a:rPr lang="en-US" dirty="0"/>
+                        <a:t>===</a:t>
+                      </a:r>
+                    </a:p>
+                  </a:txBody>
+                  <a:tcPr/>
+                </a:tc>
+                <a:tc>
+                  <a:txBody>
+                    <a:bodyPr/>
+                    <a:lstStyle/>
+                    <a:p>
+                      <a:r>
+                        <a:rPr lang="en-US" dirty="0"/>
+                        <a:t>Equal value and equal type</a:t>
+                      </a:r>
+                    </a:p>
+                  </a:txBody>
+                  <a:tcPr/>
+                </a:tc>
+                <a:extLst>
+                  <a:ext uri="{0D108BD9-81ED-4DB2-BD59-A6C34878D82A}">
+                    <a16:rowId xmlns:a16="http://schemas.microsoft.com/office/drawing/2014/main" val="2512982118"/>
+                  </a:ext>
+                </a:extLst>
+              </a:tr>
+              <a:tr h="370840">
+                <a:tc>
+                  <a:txBody>
+                    <a:bodyPr/>
+                    <a:lstStyle/>
+                    <a:p>
+                      <a:r>
+                        <a:rPr lang="en-US" dirty="0"/>
+                        <a:t>!=</a:t>
+                      </a:r>
+                    </a:p>
+                  </a:txBody>
+                  <a:tcPr/>
+                </a:tc>
+                <a:tc>
+                  <a:txBody>
+                    <a:bodyPr/>
+                    <a:lstStyle/>
+                    <a:p>
+                      <a:r>
+                        <a:rPr lang="en-US" dirty="0"/>
+                        <a:t>Not equal</a:t>
+                      </a:r>
+                    </a:p>
+                  </a:txBody>
+                  <a:tcPr/>
+                </a:tc>
+                <a:extLst>
+                  <a:ext uri="{0D108BD9-81ED-4DB2-BD59-A6C34878D82A}">
+                    <a16:rowId xmlns:a16="http://schemas.microsoft.com/office/drawing/2014/main" val="322232814"/>
+                  </a:ext>
+                </a:extLst>
+              </a:tr>
+              <a:tr h="370840">
+                <a:tc>
+                  <a:txBody>
+                    <a:bodyPr/>
+                    <a:lstStyle/>
+                    <a:p>
+                      <a:r>
+                        <a:rPr lang="en-US" dirty="0"/>
+                        <a:t>!==</a:t>
+                      </a:r>
+                    </a:p>
+                  </a:txBody>
+                  <a:tcPr/>
+                </a:tc>
+                <a:tc>
+                  <a:txBody>
+                    <a:bodyPr/>
+                    <a:lstStyle/>
+                    <a:p>
+                      <a:r>
+                        <a:rPr lang="en-US" dirty="0"/>
+                        <a:t>Not equal value or not equal type</a:t>
+                      </a:r>
+                    </a:p>
+                  </a:txBody>
+                  <a:tcPr/>
+                </a:tc>
+                <a:extLst>
+                  <a:ext uri="{0D108BD9-81ED-4DB2-BD59-A6C34878D82A}">
+                    <a16:rowId xmlns:a16="http://schemas.microsoft.com/office/drawing/2014/main" val="1554212429"/>
+                  </a:ext>
+                </a:extLst>
+              </a:tr>
+              <a:tr h="370840">
+                <a:tc>
+                  <a:txBody>
+                    <a:bodyPr/>
+                    <a:lstStyle/>
+                    <a:p>
+                      <a:r>
+                        <a:rPr lang="en-US" dirty="0"/>
+                        <a:t>&gt;</a:t>
+                      </a:r>
+                    </a:p>
+                  </a:txBody>
+                  <a:tcPr/>
+                </a:tc>
+                <a:tc>
+                  <a:txBody>
+                    <a:bodyPr/>
+                    <a:lstStyle/>
+                    <a:p>
+                      <a:r>
+                        <a:rPr lang="en-US" dirty="0"/>
+                        <a:t>Greater than</a:t>
+                      </a:r>
+                    </a:p>
+                  </a:txBody>
+                  <a:tcPr/>
+                </a:tc>
+                <a:extLst>
+                  <a:ext uri="{0D108BD9-81ED-4DB2-BD59-A6C34878D82A}">
+                    <a16:rowId xmlns:a16="http://schemas.microsoft.com/office/drawing/2014/main" val="3812916353"/>
+                  </a:ext>
+                </a:extLst>
+              </a:tr>
+              <a:tr h="370840">
+                <a:tc>
+                  <a:txBody>
+                    <a:bodyPr/>
+                    <a:lstStyle/>
+                    <a:p>
+                      <a:r>
+                        <a:rPr lang="en-US" dirty="0"/>
+                        <a:t>&lt;</a:t>
+                      </a:r>
+                    </a:p>
+                  </a:txBody>
+                  <a:tcPr/>
+                </a:tc>
+                <a:tc>
+                  <a:txBody>
+                    <a:bodyPr/>
+                    <a:lstStyle/>
+                    <a:p>
+                      <a:r>
+                        <a:rPr lang="en-US" dirty="0"/>
+                        <a:t>Less than</a:t>
+                      </a:r>
+                    </a:p>
+                  </a:txBody>
+                  <a:tcPr/>
+                </a:tc>
+                <a:extLst>
+                  <a:ext uri="{0D108BD9-81ED-4DB2-BD59-A6C34878D82A}">
+                    <a16:rowId xmlns:a16="http://schemas.microsoft.com/office/drawing/2014/main" val="4284954747"/>
+                  </a:ext>
+                </a:extLst>
+              </a:tr>
+              <a:tr h="370840">
+                <a:tc>
+                  <a:txBody>
+                    <a:bodyPr/>
+                    <a:lstStyle/>
+                    <a:p>
+                      <a:r>
+                        <a:rPr lang="en-US" dirty="0"/>
+                        <a:t>&gt;=</a:t>
+                      </a:r>
+                    </a:p>
+                  </a:txBody>
+                  <a:tcPr/>
+                </a:tc>
+                <a:tc>
+                  <a:txBody>
+                    <a:bodyPr/>
+                    <a:lstStyle/>
+                    <a:p>
+                      <a:r>
+                        <a:rPr lang="en-US" dirty="0"/>
+                        <a:t>Greater than or equal to</a:t>
+                      </a:r>
+                    </a:p>
+                  </a:txBody>
+                  <a:tcPr/>
+                </a:tc>
+                <a:extLst>
+                  <a:ext uri="{0D108BD9-81ED-4DB2-BD59-A6C34878D82A}">
+                    <a16:rowId xmlns:a16="http://schemas.microsoft.com/office/drawing/2014/main" val="1567162675"/>
+                  </a:ext>
+                </a:extLst>
+              </a:tr>
+              <a:tr h="370840">
+                <a:tc>
+                  <a:txBody>
+                    <a:bodyPr/>
+                    <a:lstStyle/>
+                    <a:p>
+                      <a:r>
+                        <a:rPr lang="en-US" dirty="0"/>
+                        <a:t>&lt;=</a:t>
+                      </a:r>
+                    </a:p>
+                  </a:txBody>
+                  <a:tcPr/>
+                </a:tc>
+                <a:tc>
+                  <a:txBody>
+                    <a:bodyPr/>
+                    <a:lstStyle/>
+                    <a:p>
+                      <a:r>
+                        <a:rPr lang="en-US" dirty="0"/>
+                        <a:t>Less than or equal to</a:t>
+                      </a:r>
+                    </a:p>
+                  </a:txBody>
+                  <a:tcPr/>
+                </a:tc>
+                <a:extLst>
+                  <a:ext uri="{0D108BD9-81ED-4DB2-BD59-A6C34878D82A}">
+                    <a16:rowId xmlns:a16="http://schemas.microsoft.com/office/drawing/2014/main" val="637207179"/>
+                  </a:ext>
+                </a:extLst>
+              </a:tr>
+            </a:tbl>
+          </a:graphicData>
+        </a:graphic>
+      </p:graphicFrame>
+    </p:spTree>
+    <p:extLst>
+      <p:ext uri="{BB962C8B-B14F-4D97-AF65-F5344CB8AC3E}">
+        <p14:creationId xmlns:p14="http://schemas.microsoft.com/office/powerpoint/2010/main" val="1348741208"/>
+      </p:ext>
+    </p:extLst>
+  </p:cSld>
+  <p:clrMapOvr>
+    <a:masterClrMapping/>
+  </p:clrMapOvr>
+</p:sld>
+</file>
+
+<file path=ppt/slides/slide27.xml><?xml version="1.0" encoding="utf-8"?>
+<p:sld xmlns:a="http://schemas.openxmlformats.org/drawingml/2006/main" xmlns:r="http://schemas.openxmlformats.org/officeDocument/2006/relationships" xmlns:p="http://schemas.openxmlformats.org/presentationml/2006/main">
+  <p:cSld>
+    <p:spTree>
+      <p:nvGrpSpPr>
+        <p:cNvPr id="1" name=""/>
+        <p:cNvGrpSpPr/>
+        <p:nvPr/>
+      </p:nvGrpSpPr>
+      <p:grpSpPr>
+        <a:xfrm>
+          <a:off x="0" y="0"/>
+          <a:ext cx="0" cy="0"/>
+          <a:chOff x="0" y="0"/>
+          <a:chExt cx="0" cy="0"/>
+        </a:xfrm>
+      </p:grpSpPr>
+      <p:sp>
+        <p:nvSpPr>
+          <p:cNvPr id="2" name="Title 1">
+            <a:extLst>
+              <a:ext uri="{FF2B5EF4-FFF2-40B4-BE49-F238E27FC236}">
+                <a16:creationId xmlns:a16="http://schemas.microsoft.com/office/drawing/2014/main" id="{7E721DEC-C0FB-E742-A632-F3801836C098}"/>
+              </a:ext>
+            </a:extLst>
+          </p:cNvPr>
+          <p:cNvSpPr>
+            <a:spLocks noGrp="1"/>
+          </p:cNvSpPr>
+          <p:nvPr>
+            <p:ph type="title"/>
+          </p:nvPr>
+        </p:nvSpPr>
+        <p:spPr/>
+        <p:txBody>
+          <a:bodyPr/>
+          <a:lstStyle/>
+          <a:p>
+            <a:r>
+              <a:rPr lang="en-US" dirty="0"/>
+              <a:t>JS: IF Statement</a:t>
+            </a:r>
+          </a:p>
+        </p:txBody>
+      </p:sp>
+      <p:sp>
+        <p:nvSpPr>
+          <p:cNvPr id="4" name="TextBox 3">
+            <a:extLst>
+              <a:ext uri="{FF2B5EF4-FFF2-40B4-BE49-F238E27FC236}">
+                <a16:creationId xmlns:a16="http://schemas.microsoft.com/office/drawing/2014/main" id="{E15276C2-31AA-5349-5336-587FF1CF4CCE}"/>
+              </a:ext>
+            </a:extLst>
+          </p:cNvPr>
+          <p:cNvSpPr txBox="1"/>
+          <p:nvPr/>
+        </p:nvSpPr>
+        <p:spPr>
+          <a:xfrm>
+            <a:off x="2674961" y="2115403"/>
+            <a:ext cx="348172" cy="369332"/>
+          </a:xfrm>
+          <a:prstGeom prst="rect">
+            <a:avLst/>
+          </a:prstGeom>
+          <a:noFill/>
+        </p:spPr>
+        <p:txBody>
+          <a:bodyPr wrap="none" rtlCol="0">
+            <a:spAutoFit/>
+          </a:bodyPr>
+          <a:lstStyle/>
+          <a:p>
+            <a:r>
+              <a:rPr lang="en-US" dirty="0"/>
+              <a:t>IF</a:t>
+            </a:r>
+          </a:p>
+        </p:txBody>
+      </p:sp>
+      <p:cxnSp>
+        <p:nvCxnSpPr>
+          <p:cNvPr id="6" name="Straight Arrow Connector 5">
+            <a:extLst>
+              <a:ext uri="{FF2B5EF4-FFF2-40B4-BE49-F238E27FC236}">
+                <a16:creationId xmlns:a16="http://schemas.microsoft.com/office/drawing/2014/main" id="{65219860-1AD7-B529-DA05-32889D7F9987}"/>
+              </a:ext>
+            </a:extLst>
+          </p:cNvPr>
+          <p:cNvCxnSpPr>
+            <a:stCxn id="4" idx="3"/>
+          </p:cNvCxnSpPr>
+          <p:nvPr/>
+        </p:nvCxnSpPr>
+        <p:spPr>
+          <a:xfrm flipV="1">
+            <a:off x="3023133" y="2279176"/>
+            <a:ext cx="1617106" cy="20893"/>
+          </a:xfrm>
+          <a:prstGeom prst="straightConnector1">
+            <a:avLst/>
+          </a:prstGeom>
+          <a:ln>
+            <a:tailEnd type="triangle"/>
+          </a:ln>
+        </p:spPr>
+        <p:style>
+          <a:lnRef idx="1">
+            <a:schemeClr val="accent1"/>
+          </a:lnRef>
+          <a:fillRef idx="0">
+            <a:schemeClr val="accent1"/>
+          </a:fillRef>
+          <a:effectRef idx="0">
+            <a:schemeClr val="accent1"/>
+          </a:effectRef>
+          <a:fontRef idx="minor">
+            <a:schemeClr val="tx1"/>
+          </a:fontRef>
+        </p:style>
+      </p:cxnSp>
+      <p:sp>
+        <p:nvSpPr>
+          <p:cNvPr id="7" name="TextBox 6">
+            <a:extLst>
+              <a:ext uri="{FF2B5EF4-FFF2-40B4-BE49-F238E27FC236}">
+                <a16:creationId xmlns:a16="http://schemas.microsoft.com/office/drawing/2014/main" id="{7E51F78E-51AF-CD29-2B63-336BF3A540EC}"/>
+              </a:ext>
+            </a:extLst>
+          </p:cNvPr>
+          <p:cNvSpPr txBox="1"/>
+          <p:nvPr/>
+        </p:nvSpPr>
+        <p:spPr>
+          <a:xfrm>
+            <a:off x="4763069" y="2094510"/>
+            <a:ext cx="1189749" cy="369332"/>
+          </a:xfrm>
+          <a:prstGeom prst="rect">
+            <a:avLst/>
+          </a:prstGeom>
+          <a:noFill/>
+        </p:spPr>
+        <p:txBody>
+          <a:bodyPr wrap="none" rtlCol="0">
+            <a:spAutoFit/>
+          </a:bodyPr>
+          <a:lstStyle/>
+          <a:p>
+            <a:r>
+              <a:rPr lang="en-US" dirty="0"/>
+              <a:t>Conditions</a:t>
+            </a:r>
+          </a:p>
+        </p:txBody>
+      </p:sp>
+      <p:sp>
+        <p:nvSpPr>
+          <p:cNvPr id="8" name="TextBox 7">
+            <a:extLst>
+              <a:ext uri="{FF2B5EF4-FFF2-40B4-BE49-F238E27FC236}">
+                <a16:creationId xmlns:a16="http://schemas.microsoft.com/office/drawing/2014/main" id="{0509A740-6CD9-6269-56B9-CB5E2A47256F}"/>
+              </a:ext>
+            </a:extLst>
+          </p:cNvPr>
+          <p:cNvSpPr txBox="1"/>
+          <p:nvPr/>
+        </p:nvSpPr>
+        <p:spPr>
+          <a:xfrm>
+            <a:off x="5213445" y="3429000"/>
+            <a:ext cx="599972" cy="369332"/>
+          </a:xfrm>
+          <a:prstGeom prst="rect">
+            <a:avLst/>
+          </a:prstGeom>
+          <a:noFill/>
+        </p:spPr>
+        <p:txBody>
+          <a:bodyPr wrap="none" rtlCol="0">
+            <a:spAutoFit/>
+          </a:bodyPr>
+          <a:lstStyle/>
+          <a:p>
+            <a:r>
+              <a:rPr lang="en-US" dirty="0"/>
+              <a:t>True</a:t>
+            </a:r>
+          </a:p>
+        </p:txBody>
+      </p:sp>
+      <p:sp>
+        <p:nvSpPr>
+          <p:cNvPr id="9" name="TextBox 8">
+            <a:extLst>
+              <a:ext uri="{FF2B5EF4-FFF2-40B4-BE49-F238E27FC236}">
+                <a16:creationId xmlns:a16="http://schemas.microsoft.com/office/drawing/2014/main" id="{860B2723-AAD7-B7C9-5785-5EFEFCBE9C6E}"/>
+              </a:ext>
+            </a:extLst>
+          </p:cNvPr>
+          <p:cNvSpPr txBox="1"/>
+          <p:nvPr/>
+        </p:nvSpPr>
+        <p:spPr>
+          <a:xfrm>
+            <a:off x="7670042" y="2094510"/>
+            <a:ext cx="652936" cy="369332"/>
+          </a:xfrm>
+          <a:prstGeom prst="rect">
+            <a:avLst/>
+          </a:prstGeom>
+          <a:noFill/>
+        </p:spPr>
+        <p:txBody>
+          <a:bodyPr wrap="none" rtlCol="0">
+            <a:spAutoFit/>
+          </a:bodyPr>
+          <a:lstStyle/>
+          <a:p>
+            <a:r>
+              <a:rPr lang="en-US" dirty="0"/>
+              <a:t>False</a:t>
+            </a:r>
+          </a:p>
+        </p:txBody>
+      </p:sp>
+      <p:cxnSp>
+        <p:nvCxnSpPr>
+          <p:cNvPr id="11" name="Straight Arrow Connector 10">
+            <a:extLst>
+              <a:ext uri="{FF2B5EF4-FFF2-40B4-BE49-F238E27FC236}">
+                <a16:creationId xmlns:a16="http://schemas.microsoft.com/office/drawing/2014/main" id="{151C5E76-D31D-D0B3-F4C2-749943BCC663}"/>
+              </a:ext>
+            </a:extLst>
+          </p:cNvPr>
+          <p:cNvCxnSpPr>
+            <a:stCxn id="7" idx="2"/>
+            <a:endCxn id="8" idx="0"/>
+          </p:cNvCxnSpPr>
+          <p:nvPr/>
+        </p:nvCxnSpPr>
+        <p:spPr>
+          <a:xfrm>
+            <a:off x="5357944" y="2463842"/>
+            <a:ext cx="155487" cy="965158"/>
+          </a:xfrm>
+          <a:prstGeom prst="straightConnector1">
+            <a:avLst/>
+          </a:prstGeom>
+          <a:ln>
+            <a:tailEnd type="triangle"/>
+          </a:ln>
+        </p:spPr>
+        <p:style>
+          <a:lnRef idx="1">
+            <a:schemeClr val="accent1"/>
+          </a:lnRef>
+          <a:fillRef idx="0">
+            <a:schemeClr val="accent1"/>
+          </a:fillRef>
+          <a:effectRef idx="0">
+            <a:schemeClr val="accent1"/>
+          </a:effectRef>
+          <a:fontRef idx="minor">
+            <a:schemeClr val="tx1"/>
+          </a:fontRef>
+        </p:style>
+      </p:cxnSp>
+      <p:sp>
+        <p:nvSpPr>
+          <p:cNvPr id="12" name="TextBox 11">
+            <a:extLst>
+              <a:ext uri="{FF2B5EF4-FFF2-40B4-BE49-F238E27FC236}">
+                <a16:creationId xmlns:a16="http://schemas.microsoft.com/office/drawing/2014/main" id="{21EFBC05-28CC-BDC1-97CB-10D2D30C627A}"/>
+              </a:ext>
+            </a:extLst>
+          </p:cNvPr>
+          <p:cNvSpPr txBox="1"/>
+          <p:nvPr/>
+        </p:nvSpPr>
+        <p:spPr>
+          <a:xfrm>
+            <a:off x="5008728" y="4162567"/>
+            <a:ext cx="1159356" cy="369332"/>
+          </a:xfrm>
+          <a:prstGeom prst="rect">
+            <a:avLst/>
+          </a:prstGeom>
+          <a:noFill/>
+        </p:spPr>
+        <p:txBody>
+          <a:bodyPr wrap="none" rtlCol="0">
+            <a:spAutoFit/>
+          </a:bodyPr>
+          <a:lstStyle/>
+          <a:p>
+            <a:r>
+              <a:rPr lang="en-US" dirty="0"/>
+              <a:t>Statement</a:t>
+            </a:r>
+          </a:p>
+        </p:txBody>
+      </p:sp>
+      <p:sp>
+        <p:nvSpPr>
+          <p:cNvPr id="13" name="TextBox 12">
+            <a:extLst>
+              <a:ext uri="{FF2B5EF4-FFF2-40B4-BE49-F238E27FC236}">
+                <a16:creationId xmlns:a16="http://schemas.microsoft.com/office/drawing/2014/main" id="{D7E5DF99-C76D-B213-49D6-CC5C0D4F4897}"/>
+              </a:ext>
+            </a:extLst>
+          </p:cNvPr>
+          <p:cNvSpPr txBox="1"/>
+          <p:nvPr/>
+        </p:nvSpPr>
+        <p:spPr>
+          <a:xfrm>
+            <a:off x="9307773" y="2115403"/>
+            <a:ext cx="535724" cy="369332"/>
+          </a:xfrm>
+          <a:prstGeom prst="rect">
+            <a:avLst/>
+          </a:prstGeom>
+          <a:noFill/>
+        </p:spPr>
+        <p:txBody>
+          <a:bodyPr wrap="none" rtlCol="0">
+            <a:spAutoFit/>
+          </a:bodyPr>
+          <a:lstStyle/>
+          <a:p>
+            <a:r>
+              <a:rPr lang="en-US" dirty="0"/>
+              <a:t>Out</a:t>
+            </a:r>
+          </a:p>
+        </p:txBody>
+      </p:sp>
+      <p:cxnSp>
+        <p:nvCxnSpPr>
+          <p:cNvPr id="15" name="Straight Arrow Connector 14">
+            <a:extLst>
+              <a:ext uri="{FF2B5EF4-FFF2-40B4-BE49-F238E27FC236}">
+                <a16:creationId xmlns:a16="http://schemas.microsoft.com/office/drawing/2014/main" id="{65ACDDD9-97D9-FFD7-BDC6-F100DF83CD42}"/>
+              </a:ext>
+            </a:extLst>
+          </p:cNvPr>
+          <p:cNvCxnSpPr>
+            <a:stCxn id="7" idx="3"/>
+          </p:cNvCxnSpPr>
+          <p:nvPr/>
+        </p:nvCxnSpPr>
+        <p:spPr>
+          <a:xfrm>
+            <a:off x="5952818" y="2279176"/>
+            <a:ext cx="1512507" cy="20893"/>
+          </a:xfrm>
+          <a:prstGeom prst="straightConnector1">
+            <a:avLst/>
+          </a:prstGeom>
+          <a:ln>
+            <a:tailEnd type="triangle"/>
+          </a:ln>
+        </p:spPr>
+        <p:style>
+          <a:lnRef idx="1">
+            <a:schemeClr val="accent1"/>
+          </a:lnRef>
+          <a:fillRef idx="0">
+            <a:schemeClr val="accent1"/>
+          </a:fillRef>
+          <a:effectRef idx="0">
+            <a:schemeClr val="accent1"/>
+          </a:effectRef>
+          <a:fontRef idx="minor">
+            <a:schemeClr val="tx1"/>
+          </a:fontRef>
+        </p:style>
+      </p:cxnSp>
+      <p:cxnSp>
+        <p:nvCxnSpPr>
+          <p:cNvPr id="17" name="Straight Arrow Connector 16">
+            <a:extLst>
+              <a:ext uri="{FF2B5EF4-FFF2-40B4-BE49-F238E27FC236}">
+                <a16:creationId xmlns:a16="http://schemas.microsoft.com/office/drawing/2014/main" id="{24AE5DF3-F2B5-C558-F510-80D20335C81B}"/>
+              </a:ext>
+            </a:extLst>
+          </p:cNvPr>
+          <p:cNvCxnSpPr/>
+          <p:nvPr/>
+        </p:nvCxnSpPr>
+        <p:spPr>
+          <a:xfrm>
+            <a:off x="8447964" y="2279176"/>
+            <a:ext cx="736979" cy="0"/>
+          </a:xfrm>
+          <a:prstGeom prst="straightConnector1">
+            <a:avLst/>
+          </a:prstGeom>
+          <a:ln>
+            <a:tailEnd type="triangle"/>
+          </a:ln>
+        </p:spPr>
+        <p:style>
+          <a:lnRef idx="1">
+            <a:schemeClr val="accent1"/>
+          </a:lnRef>
+          <a:fillRef idx="0">
+            <a:schemeClr val="accent1"/>
+          </a:fillRef>
+          <a:effectRef idx="0">
+            <a:schemeClr val="accent1"/>
+          </a:effectRef>
+          <a:fontRef idx="minor">
+            <a:schemeClr val="tx1"/>
+          </a:fontRef>
+        </p:style>
+      </p:cxnSp>
+      <p:cxnSp>
+        <p:nvCxnSpPr>
+          <p:cNvPr id="19" name="Straight Arrow Connector 18">
+            <a:extLst>
+              <a:ext uri="{FF2B5EF4-FFF2-40B4-BE49-F238E27FC236}">
+                <a16:creationId xmlns:a16="http://schemas.microsoft.com/office/drawing/2014/main" id="{F523E9A9-5C45-BD0E-8C10-85D7923707C0}"/>
+              </a:ext>
+            </a:extLst>
+          </p:cNvPr>
+          <p:cNvCxnSpPr/>
+          <p:nvPr/>
+        </p:nvCxnSpPr>
+        <p:spPr>
+          <a:xfrm>
+            <a:off x="5588406" y="3916907"/>
+            <a:ext cx="116358" cy="245660"/>
+          </a:xfrm>
+          <a:prstGeom prst="straightConnector1">
+            <a:avLst/>
+          </a:prstGeom>
+          <a:ln>
+            <a:tailEnd type="triangle"/>
+          </a:ln>
+        </p:spPr>
+        <p:style>
+          <a:lnRef idx="1">
+            <a:schemeClr val="accent1"/>
+          </a:lnRef>
+          <a:fillRef idx="0">
+            <a:schemeClr val="accent1"/>
+          </a:fillRef>
+          <a:effectRef idx="0">
+            <a:schemeClr val="accent1"/>
+          </a:effectRef>
+          <a:fontRef idx="minor">
+            <a:schemeClr val="tx1"/>
+          </a:fontRef>
+        </p:style>
+      </p:cxnSp>
+    </p:spTree>
+    <p:extLst>
+      <p:ext uri="{BB962C8B-B14F-4D97-AF65-F5344CB8AC3E}">
+        <p14:creationId xmlns:p14="http://schemas.microsoft.com/office/powerpoint/2010/main" val="1331474979"/>
+      </p:ext>
+    </p:extLst>
+  </p:cSld>
+  <p:clrMapOvr>
+    <a:masterClrMapping/>
+  </p:clrMapOvr>
+</p:sld>
+</file>
+
+<file path=ppt/slides/slide28.xml><?xml version="1.0" encoding="utf-8"?>
+<p:sld xmlns:a="http://schemas.openxmlformats.org/drawingml/2006/main" xmlns:r="http://schemas.openxmlformats.org/officeDocument/2006/relationships" xmlns:p="http://schemas.openxmlformats.org/presentationml/2006/main">
+  <p:cSld>
+    <p:spTree>
+      <p:nvGrpSpPr>
+        <p:cNvPr id="1" name=""/>
+        <p:cNvGrpSpPr/>
+        <p:nvPr/>
+      </p:nvGrpSpPr>
+      <p:grpSpPr>
+        <a:xfrm>
+          <a:off x="0" y="0"/>
+          <a:ext cx="0" cy="0"/>
+          <a:chOff x="0" y="0"/>
+          <a:chExt cx="0" cy="0"/>
+        </a:xfrm>
+      </p:grpSpPr>
+      <p:sp>
+        <p:nvSpPr>
+          <p:cNvPr id="4" name="TextBox 3">
+            <a:extLst>
+              <a:ext uri="{FF2B5EF4-FFF2-40B4-BE49-F238E27FC236}">
+                <a16:creationId xmlns:a16="http://schemas.microsoft.com/office/drawing/2014/main" id="{2894DDB7-E89A-6C4B-C9D0-444C75C677EA}"/>
+              </a:ext>
+            </a:extLst>
+          </p:cNvPr>
+          <p:cNvSpPr txBox="1"/>
+          <p:nvPr/>
+        </p:nvSpPr>
+        <p:spPr>
+          <a:xfrm>
+            <a:off x="4107976" y="641445"/>
+            <a:ext cx="5152373" cy="2031325"/>
+          </a:xfrm>
+          <a:prstGeom prst="rect">
+            <a:avLst/>
+          </a:prstGeom>
+          <a:noFill/>
+        </p:spPr>
+        <p:txBody>
+          <a:bodyPr wrap="none" rtlCol="0">
+            <a:spAutoFit/>
+          </a:bodyPr>
+          <a:lstStyle/>
+          <a:p>
+            <a:r>
+              <a:rPr lang="en-US" dirty="0"/>
+              <a:t>IF</a:t>
+            </a:r>
+          </a:p>
+          <a:p>
+            <a:endParaRPr lang="en-US" dirty="0"/>
+          </a:p>
+          <a:p>
+            <a:r>
+              <a:rPr lang="en-US" dirty="0"/>
+              <a:t>Today is Monday		False 		Out</a:t>
+            </a:r>
+          </a:p>
+          <a:p>
+            <a:endParaRPr lang="en-US" dirty="0"/>
+          </a:p>
+          <a:p>
+            <a:r>
+              <a:rPr lang="en-US" dirty="0"/>
+              <a:t>True</a:t>
+            </a:r>
+          </a:p>
+          <a:p>
+            <a:endParaRPr lang="en-US" dirty="0"/>
+          </a:p>
+          <a:p>
+            <a:r>
+              <a:rPr lang="en-US" dirty="0"/>
+              <a:t>Print “Mon”</a:t>
+            </a:r>
+          </a:p>
+        </p:txBody>
+      </p:sp>
+      <p:cxnSp>
+        <p:nvCxnSpPr>
+          <p:cNvPr id="6" name="Straight Arrow Connector 5">
+            <a:extLst>
+              <a:ext uri="{FF2B5EF4-FFF2-40B4-BE49-F238E27FC236}">
+                <a16:creationId xmlns:a16="http://schemas.microsoft.com/office/drawing/2014/main" id="{E15FF416-B80C-096E-B2F9-084FF13FB2E9}"/>
+              </a:ext>
+            </a:extLst>
+          </p:cNvPr>
+          <p:cNvCxnSpPr/>
+          <p:nvPr/>
+        </p:nvCxnSpPr>
+        <p:spPr>
+          <a:xfrm>
+            <a:off x="4517409" y="928048"/>
+            <a:ext cx="0" cy="286603"/>
+          </a:xfrm>
+          <a:prstGeom prst="straightConnector1">
+            <a:avLst/>
+          </a:prstGeom>
+          <a:ln>
+            <a:tailEnd type="triangle"/>
+          </a:ln>
+        </p:spPr>
+        <p:style>
+          <a:lnRef idx="1">
+            <a:schemeClr val="accent1"/>
+          </a:lnRef>
+          <a:fillRef idx="0">
+            <a:schemeClr val="accent1"/>
+          </a:fillRef>
+          <a:effectRef idx="0">
+            <a:schemeClr val="accent1"/>
+          </a:effectRef>
+          <a:fontRef idx="minor">
+            <a:schemeClr val="tx1"/>
+          </a:fontRef>
+        </p:style>
+      </p:cxnSp>
+      <p:cxnSp>
+        <p:nvCxnSpPr>
+          <p:cNvPr id="8" name="Straight Arrow Connector 7">
+            <a:extLst>
+              <a:ext uri="{FF2B5EF4-FFF2-40B4-BE49-F238E27FC236}">
+                <a16:creationId xmlns:a16="http://schemas.microsoft.com/office/drawing/2014/main" id="{91A403BE-5395-B994-245A-FAA042CA0DED}"/>
+              </a:ext>
+            </a:extLst>
+          </p:cNvPr>
+          <p:cNvCxnSpPr/>
+          <p:nvPr/>
+        </p:nvCxnSpPr>
+        <p:spPr>
+          <a:xfrm>
+            <a:off x="5991367" y="1337481"/>
+            <a:ext cx="655093" cy="0"/>
+          </a:xfrm>
+          <a:prstGeom prst="straightConnector1">
+            <a:avLst/>
+          </a:prstGeom>
+          <a:ln>
+            <a:tailEnd type="triangle"/>
+          </a:ln>
+        </p:spPr>
+        <p:style>
+          <a:lnRef idx="1">
+            <a:schemeClr val="accent1"/>
+          </a:lnRef>
+          <a:fillRef idx="0">
+            <a:schemeClr val="accent1"/>
+          </a:fillRef>
+          <a:effectRef idx="0">
+            <a:schemeClr val="accent1"/>
+          </a:effectRef>
+          <a:fontRef idx="minor">
+            <a:schemeClr val="tx1"/>
+          </a:fontRef>
+        </p:style>
+      </p:cxnSp>
+      <p:cxnSp>
+        <p:nvCxnSpPr>
+          <p:cNvPr id="10" name="Straight Arrow Connector 9">
+            <a:extLst>
+              <a:ext uri="{FF2B5EF4-FFF2-40B4-BE49-F238E27FC236}">
+                <a16:creationId xmlns:a16="http://schemas.microsoft.com/office/drawing/2014/main" id="{6C54F142-EB0D-B022-7E22-5086C43D1438}"/>
+              </a:ext>
+            </a:extLst>
+          </p:cNvPr>
+          <p:cNvCxnSpPr/>
+          <p:nvPr/>
+        </p:nvCxnSpPr>
+        <p:spPr>
+          <a:xfrm>
+            <a:off x="7629099" y="1337481"/>
+            <a:ext cx="900752" cy="0"/>
+          </a:xfrm>
+          <a:prstGeom prst="straightConnector1">
+            <a:avLst/>
+          </a:prstGeom>
+          <a:ln>
+            <a:tailEnd type="triangle"/>
+          </a:ln>
+        </p:spPr>
+        <p:style>
+          <a:lnRef idx="1">
+            <a:schemeClr val="accent1"/>
+          </a:lnRef>
+          <a:fillRef idx="0">
+            <a:schemeClr val="accent1"/>
+          </a:fillRef>
+          <a:effectRef idx="0">
+            <a:schemeClr val="accent1"/>
+          </a:effectRef>
+          <a:fontRef idx="minor">
+            <a:schemeClr val="tx1"/>
+          </a:fontRef>
+        </p:style>
+      </p:cxnSp>
+      <p:cxnSp>
+        <p:nvCxnSpPr>
+          <p:cNvPr id="12" name="Straight Arrow Connector 11">
+            <a:extLst>
+              <a:ext uri="{FF2B5EF4-FFF2-40B4-BE49-F238E27FC236}">
+                <a16:creationId xmlns:a16="http://schemas.microsoft.com/office/drawing/2014/main" id="{320B1E40-8563-5F8F-72FD-F3326C86A7E0}"/>
+              </a:ext>
+            </a:extLst>
+          </p:cNvPr>
+          <p:cNvCxnSpPr/>
+          <p:nvPr/>
+        </p:nvCxnSpPr>
+        <p:spPr>
+          <a:xfrm>
+            <a:off x="4517409" y="1665027"/>
+            <a:ext cx="0" cy="163773"/>
+          </a:xfrm>
+          <a:prstGeom prst="straightConnector1">
+            <a:avLst/>
+          </a:prstGeom>
+          <a:ln>
+            <a:tailEnd type="triangle"/>
+          </a:ln>
+        </p:spPr>
+        <p:style>
+          <a:lnRef idx="1">
+            <a:schemeClr val="accent1"/>
+          </a:lnRef>
+          <a:fillRef idx="0">
+            <a:schemeClr val="accent1"/>
+          </a:fillRef>
+          <a:effectRef idx="0">
+            <a:schemeClr val="accent1"/>
+          </a:effectRef>
+          <a:fontRef idx="minor">
+            <a:schemeClr val="tx1"/>
+          </a:fontRef>
+        </p:style>
+      </p:cxnSp>
+      <p:cxnSp>
+        <p:nvCxnSpPr>
+          <p:cNvPr id="14" name="Straight Arrow Connector 13">
+            <a:extLst>
+              <a:ext uri="{FF2B5EF4-FFF2-40B4-BE49-F238E27FC236}">
+                <a16:creationId xmlns:a16="http://schemas.microsoft.com/office/drawing/2014/main" id="{8E4FD60B-EA67-61C8-BF4A-9AB8F2048FEA}"/>
+              </a:ext>
+            </a:extLst>
+          </p:cNvPr>
+          <p:cNvCxnSpPr/>
+          <p:nvPr/>
+        </p:nvCxnSpPr>
+        <p:spPr>
+          <a:xfrm>
+            <a:off x="4517409" y="2033516"/>
+            <a:ext cx="122830" cy="245660"/>
+          </a:xfrm>
+          <a:prstGeom prst="straightConnector1">
+            <a:avLst/>
+          </a:prstGeom>
+          <a:ln>
+            <a:tailEnd type="triangle"/>
+          </a:ln>
+        </p:spPr>
+        <p:style>
+          <a:lnRef idx="1">
+            <a:schemeClr val="accent1"/>
+          </a:lnRef>
+          <a:fillRef idx="0">
+            <a:schemeClr val="accent1"/>
+          </a:fillRef>
+          <a:effectRef idx="0">
+            <a:schemeClr val="accent1"/>
+          </a:effectRef>
+          <a:fontRef idx="minor">
+            <a:schemeClr val="tx1"/>
+          </a:fontRef>
+        </p:style>
+      </p:cxnSp>
+    </p:spTree>
+    <p:extLst>
+      <p:ext uri="{BB962C8B-B14F-4D97-AF65-F5344CB8AC3E}">
+        <p14:creationId xmlns:p14="http://schemas.microsoft.com/office/powerpoint/2010/main" val="414359532"/>
+      </p:ext>
+    </p:extLst>
+  </p:cSld>
+  <p:clrMapOvr>
+    <a:masterClrMapping/>
+  </p:clrMapOvr>
+</p:sld>
+</file>
+
+<file path=ppt/slides/slide29.xml><?xml version="1.0" encoding="utf-8"?>
+<p:sld xmlns:a="http://schemas.openxmlformats.org/drawingml/2006/main" xmlns:r="http://schemas.openxmlformats.org/officeDocument/2006/relationships" xmlns:p="http://schemas.openxmlformats.org/presentationml/2006/main">
+  <p:cSld>
+    <p:spTree>
+      <p:nvGrpSpPr>
+        <p:cNvPr id="1" name=""/>
+        <p:cNvGrpSpPr/>
+        <p:nvPr/>
+      </p:nvGrpSpPr>
+      <p:grpSpPr>
+        <a:xfrm>
+          <a:off x="0" y="0"/>
+          <a:ext cx="0" cy="0"/>
+          <a:chOff x="0" y="0"/>
+          <a:chExt cx="0" cy="0"/>
+        </a:xfrm>
+      </p:grpSpPr>
+      <p:sp>
+        <p:nvSpPr>
+          <p:cNvPr id="2" name="Title 1">
+            <a:extLst>
+              <a:ext uri="{FF2B5EF4-FFF2-40B4-BE49-F238E27FC236}">
+                <a16:creationId xmlns:a16="http://schemas.microsoft.com/office/drawing/2014/main" id="{2B1DC0EA-A949-2A7A-F1A1-20D03F00488D}"/>
+              </a:ext>
+            </a:extLst>
+          </p:cNvPr>
+          <p:cNvSpPr>
+            <a:spLocks noGrp="1"/>
+          </p:cNvSpPr>
+          <p:nvPr>
+            <p:ph type="title"/>
+          </p:nvPr>
+        </p:nvSpPr>
+        <p:spPr/>
+        <p:txBody>
+          <a:bodyPr/>
+          <a:lstStyle/>
+          <a:p>
+            <a:r>
+              <a:rPr lang="en-US" dirty="0"/>
+              <a:t>IF Statement in JS:</a:t>
+            </a:r>
+          </a:p>
+        </p:txBody>
+      </p:sp>
+      <p:sp>
+        <p:nvSpPr>
+          <p:cNvPr id="3" name="Content Placeholder 2">
+            <a:extLst>
+              <a:ext uri="{FF2B5EF4-FFF2-40B4-BE49-F238E27FC236}">
+                <a16:creationId xmlns:a16="http://schemas.microsoft.com/office/drawing/2014/main" id="{C76B60CD-72AD-B227-AFD8-61CD892C66A7}"/>
+              </a:ext>
+            </a:extLst>
+          </p:cNvPr>
+          <p:cNvSpPr>
+            <a:spLocks noGrp="1"/>
+          </p:cNvSpPr>
+          <p:nvPr>
+            <p:ph idx="1"/>
+          </p:nvPr>
+        </p:nvSpPr>
+        <p:spPr/>
+        <p:txBody>
+          <a:bodyPr/>
+          <a:lstStyle/>
+          <a:p>
+            <a:pPr marL="0" indent="0">
+              <a:buNone/>
+            </a:pPr>
+            <a:r>
+              <a:rPr lang="en-US" dirty="0"/>
+              <a:t>If(Condition True){</a:t>
+            </a:r>
+          </a:p>
+          <a:p>
+            <a:pPr marL="0" indent="0">
+              <a:buNone/>
+            </a:pPr>
+            <a:r>
+              <a:rPr lang="en-US" dirty="0"/>
+              <a:t>	Statement</a:t>
+            </a:r>
+          </a:p>
+          <a:p>
+            <a:pPr marL="0" indent="0">
+              <a:buNone/>
+            </a:pPr>
+            <a:r>
+              <a:rPr lang="en-US" dirty="0"/>
+              <a:t>}</a:t>
+            </a:r>
+          </a:p>
+          <a:p>
+            <a:pPr marL="0" indent="0">
+              <a:buNone/>
+            </a:pPr>
+            <a:r>
+              <a:rPr lang="en-US" dirty="0"/>
+              <a:t>Var x = 8;</a:t>
+            </a:r>
+          </a:p>
+          <a:p>
+            <a:pPr marL="0" indent="0">
+              <a:buNone/>
+            </a:pPr>
+            <a:r>
+              <a:rPr lang="en-US" dirty="0"/>
+              <a:t>If(x&gt;10){</a:t>
+            </a:r>
+          </a:p>
+          <a:p>
+            <a:pPr marL="0" indent="0">
+              <a:buNone/>
+            </a:pPr>
+            <a:r>
+              <a:rPr lang="en-US" dirty="0" err="1"/>
+              <a:t>Document.write</a:t>
+            </a:r>
+            <a:r>
+              <a:rPr lang="en-US" dirty="0"/>
+              <a:t>(“X is Greater”);</a:t>
+            </a:r>
+          </a:p>
+          <a:p>
+            <a:pPr marL="0" indent="0">
+              <a:buNone/>
+            </a:pPr>
+            <a:r>
+              <a:rPr lang="en-US" dirty="0"/>
+              <a:t>}</a:t>
+            </a:r>
+          </a:p>
+          <a:p>
+            <a:pPr marL="0" indent="0">
+              <a:buNone/>
+            </a:pPr>
+            <a:endParaRPr lang="en-US" dirty="0"/>
+          </a:p>
+        </p:txBody>
+      </p:sp>
+    </p:spTree>
+    <p:extLst>
+      <p:ext uri="{BB962C8B-B14F-4D97-AF65-F5344CB8AC3E}">
+        <p14:creationId xmlns:p14="http://schemas.microsoft.com/office/powerpoint/2010/main" val="1357321794"/>
+      </p:ext>
+    </p:extLst>
+  </p:cSld>
+  <p:clrMapOvr>
+    <a:masterClrMapping/>
+  </p:clrMapOvr>
+</p:sld>
+</file>
+
 <file path=ppt/slides/slide3.xml><?xml version="1.0" encoding="utf-8"?>
 <p:sld xmlns:a="http://schemas.openxmlformats.org/drawingml/2006/main" xmlns:r="http://schemas.openxmlformats.org/officeDocument/2006/relationships" xmlns:p="http://schemas.openxmlformats.org/presentationml/2006/main">
   <p:cSld>
@@ -5916,6 +7975,1611 @@
     <p:extLst>
       <p:ext uri="{BB962C8B-B14F-4D97-AF65-F5344CB8AC3E}">
         <p14:creationId xmlns:p14="http://schemas.microsoft.com/office/powerpoint/2010/main" val="4070225879"/>
+      </p:ext>
+    </p:extLst>
+  </p:cSld>
+  <p:clrMapOvr>
+    <a:masterClrMapping/>
+  </p:clrMapOvr>
+</p:sld>
+</file>
+
+<file path=ppt/slides/slide30.xml><?xml version="1.0" encoding="utf-8"?>
+<p:sld xmlns:a="http://schemas.openxmlformats.org/drawingml/2006/main" xmlns:r="http://schemas.openxmlformats.org/officeDocument/2006/relationships" xmlns:p="http://schemas.openxmlformats.org/presentationml/2006/main">
+  <p:cSld>
+    <p:spTree>
+      <p:nvGrpSpPr>
+        <p:cNvPr id="1" name=""/>
+        <p:cNvGrpSpPr/>
+        <p:nvPr/>
+      </p:nvGrpSpPr>
+      <p:grpSpPr>
+        <a:xfrm>
+          <a:off x="0" y="0"/>
+          <a:ext cx="0" cy="0"/>
+          <a:chOff x="0" y="0"/>
+          <a:chExt cx="0" cy="0"/>
+        </a:xfrm>
+      </p:grpSpPr>
+      <p:sp>
+        <p:nvSpPr>
+          <p:cNvPr id="2" name="Title 1">
+            <a:extLst>
+              <a:ext uri="{FF2B5EF4-FFF2-40B4-BE49-F238E27FC236}">
+                <a16:creationId xmlns:a16="http://schemas.microsoft.com/office/drawing/2014/main" id="{DDAE9A40-A014-F7AA-A9D8-447FC52018B2}"/>
+              </a:ext>
+            </a:extLst>
+          </p:cNvPr>
+          <p:cNvSpPr>
+            <a:spLocks noGrp="1"/>
+          </p:cNvSpPr>
+          <p:nvPr>
+            <p:ph type="title"/>
+          </p:nvPr>
+        </p:nvSpPr>
+        <p:spPr/>
+        <p:txBody>
+          <a:bodyPr/>
+          <a:lstStyle/>
+          <a:p>
+            <a:r>
+              <a:rPr lang="en-US" dirty="0"/>
+              <a:t>JS: Logical Operators</a:t>
+            </a:r>
+          </a:p>
+        </p:txBody>
+      </p:sp>
+      <p:sp>
+        <p:nvSpPr>
+          <p:cNvPr id="4" name="TextBox 3">
+            <a:extLst>
+              <a:ext uri="{FF2B5EF4-FFF2-40B4-BE49-F238E27FC236}">
+                <a16:creationId xmlns:a16="http://schemas.microsoft.com/office/drawing/2014/main" id="{81997871-A552-CD8D-66FB-B2AE3ACB642D}"/>
+              </a:ext>
+            </a:extLst>
+          </p:cNvPr>
+          <p:cNvSpPr txBox="1"/>
+          <p:nvPr/>
+        </p:nvSpPr>
+        <p:spPr>
+          <a:xfrm>
+            <a:off x="2674961" y="2115403"/>
+            <a:ext cx="348172" cy="369332"/>
+          </a:xfrm>
+          <a:prstGeom prst="rect">
+            <a:avLst/>
+          </a:prstGeom>
+          <a:noFill/>
+        </p:spPr>
+        <p:txBody>
+          <a:bodyPr wrap="none" rtlCol="0">
+            <a:spAutoFit/>
+          </a:bodyPr>
+          <a:lstStyle/>
+          <a:p>
+            <a:r>
+              <a:rPr lang="en-US" dirty="0"/>
+              <a:t>IF</a:t>
+            </a:r>
+          </a:p>
+        </p:txBody>
+      </p:sp>
+      <p:cxnSp>
+        <p:nvCxnSpPr>
+          <p:cNvPr id="5" name="Straight Arrow Connector 4">
+            <a:extLst>
+              <a:ext uri="{FF2B5EF4-FFF2-40B4-BE49-F238E27FC236}">
+                <a16:creationId xmlns:a16="http://schemas.microsoft.com/office/drawing/2014/main" id="{DD34F6F4-4FB9-D577-D8CC-13D0D8AC8F7A}"/>
+              </a:ext>
+            </a:extLst>
+          </p:cNvPr>
+          <p:cNvCxnSpPr>
+            <a:stCxn id="4" idx="3"/>
+          </p:cNvCxnSpPr>
+          <p:nvPr/>
+        </p:nvCxnSpPr>
+        <p:spPr>
+          <a:xfrm flipV="1">
+            <a:off x="3023133" y="2279176"/>
+            <a:ext cx="1617106" cy="20893"/>
+          </a:xfrm>
+          <a:prstGeom prst="straightConnector1">
+            <a:avLst/>
+          </a:prstGeom>
+          <a:ln>
+            <a:tailEnd type="triangle"/>
+          </a:ln>
+        </p:spPr>
+        <p:style>
+          <a:lnRef idx="1">
+            <a:schemeClr val="accent1"/>
+          </a:lnRef>
+          <a:fillRef idx="0">
+            <a:schemeClr val="accent1"/>
+          </a:fillRef>
+          <a:effectRef idx="0">
+            <a:schemeClr val="accent1"/>
+          </a:effectRef>
+          <a:fontRef idx="minor">
+            <a:schemeClr val="tx1"/>
+          </a:fontRef>
+        </p:style>
+      </p:cxnSp>
+      <p:sp>
+        <p:nvSpPr>
+          <p:cNvPr id="6" name="TextBox 5">
+            <a:extLst>
+              <a:ext uri="{FF2B5EF4-FFF2-40B4-BE49-F238E27FC236}">
+                <a16:creationId xmlns:a16="http://schemas.microsoft.com/office/drawing/2014/main" id="{6ABDAFF2-1D54-B7ED-96AE-87601CCF8051}"/>
+              </a:ext>
+            </a:extLst>
+          </p:cNvPr>
+          <p:cNvSpPr txBox="1"/>
+          <p:nvPr/>
+        </p:nvSpPr>
+        <p:spPr>
+          <a:xfrm>
+            <a:off x="4763069" y="2094510"/>
+            <a:ext cx="1359668" cy="646331"/>
+          </a:xfrm>
+          <a:prstGeom prst="rect">
+            <a:avLst/>
+          </a:prstGeom>
+          <a:noFill/>
+        </p:spPr>
+        <p:txBody>
+          <a:bodyPr wrap="none" rtlCol="0">
+            <a:spAutoFit/>
+          </a:bodyPr>
+          <a:lstStyle/>
+          <a:p>
+            <a:r>
+              <a:rPr lang="en-US" dirty="0"/>
+              <a:t>Conditions 1</a:t>
+            </a:r>
+          </a:p>
+          <a:p>
+            <a:r>
+              <a:rPr lang="en-US" dirty="0"/>
+              <a:t>Conditions 2</a:t>
+            </a:r>
+          </a:p>
+        </p:txBody>
+      </p:sp>
+      <p:sp>
+        <p:nvSpPr>
+          <p:cNvPr id="7" name="TextBox 6">
+            <a:extLst>
+              <a:ext uri="{FF2B5EF4-FFF2-40B4-BE49-F238E27FC236}">
+                <a16:creationId xmlns:a16="http://schemas.microsoft.com/office/drawing/2014/main" id="{E3B75C6E-DBCE-5D36-81A6-ED0E9FE2713F}"/>
+              </a:ext>
+            </a:extLst>
+          </p:cNvPr>
+          <p:cNvSpPr txBox="1"/>
+          <p:nvPr/>
+        </p:nvSpPr>
+        <p:spPr>
+          <a:xfrm>
+            <a:off x="5213445" y="3429000"/>
+            <a:ext cx="599972" cy="369332"/>
+          </a:xfrm>
+          <a:prstGeom prst="rect">
+            <a:avLst/>
+          </a:prstGeom>
+          <a:noFill/>
+        </p:spPr>
+        <p:txBody>
+          <a:bodyPr wrap="none" rtlCol="0">
+            <a:spAutoFit/>
+          </a:bodyPr>
+          <a:lstStyle/>
+          <a:p>
+            <a:r>
+              <a:rPr lang="en-US" dirty="0"/>
+              <a:t>True</a:t>
+            </a:r>
+          </a:p>
+        </p:txBody>
+      </p:sp>
+      <p:sp>
+        <p:nvSpPr>
+          <p:cNvPr id="8" name="TextBox 7">
+            <a:extLst>
+              <a:ext uri="{FF2B5EF4-FFF2-40B4-BE49-F238E27FC236}">
+                <a16:creationId xmlns:a16="http://schemas.microsoft.com/office/drawing/2014/main" id="{73F0E2B3-2F13-4E03-C3B3-F768377E41AB}"/>
+              </a:ext>
+            </a:extLst>
+          </p:cNvPr>
+          <p:cNvSpPr txBox="1"/>
+          <p:nvPr/>
+        </p:nvSpPr>
+        <p:spPr>
+          <a:xfrm>
+            <a:off x="7670042" y="2094510"/>
+            <a:ext cx="652936" cy="369332"/>
+          </a:xfrm>
+          <a:prstGeom prst="rect">
+            <a:avLst/>
+          </a:prstGeom>
+          <a:noFill/>
+        </p:spPr>
+        <p:txBody>
+          <a:bodyPr wrap="none" rtlCol="0">
+            <a:spAutoFit/>
+          </a:bodyPr>
+          <a:lstStyle/>
+          <a:p>
+            <a:r>
+              <a:rPr lang="en-US" dirty="0"/>
+              <a:t>False</a:t>
+            </a:r>
+          </a:p>
+        </p:txBody>
+      </p:sp>
+      <p:cxnSp>
+        <p:nvCxnSpPr>
+          <p:cNvPr id="9" name="Straight Arrow Connector 8">
+            <a:extLst>
+              <a:ext uri="{FF2B5EF4-FFF2-40B4-BE49-F238E27FC236}">
+                <a16:creationId xmlns:a16="http://schemas.microsoft.com/office/drawing/2014/main" id="{125507F5-65D4-4129-376E-E60F5DCE2E30}"/>
+              </a:ext>
+            </a:extLst>
+          </p:cNvPr>
+          <p:cNvCxnSpPr>
+            <a:stCxn id="6" idx="2"/>
+            <a:endCxn id="7" idx="0"/>
+          </p:cNvCxnSpPr>
+          <p:nvPr/>
+        </p:nvCxnSpPr>
+        <p:spPr>
+          <a:xfrm>
+            <a:off x="5442903" y="2740841"/>
+            <a:ext cx="70528" cy="688159"/>
+          </a:xfrm>
+          <a:prstGeom prst="straightConnector1">
+            <a:avLst/>
+          </a:prstGeom>
+          <a:ln>
+            <a:tailEnd type="triangle"/>
+          </a:ln>
+        </p:spPr>
+        <p:style>
+          <a:lnRef idx="1">
+            <a:schemeClr val="accent1"/>
+          </a:lnRef>
+          <a:fillRef idx="0">
+            <a:schemeClr val="accent1"/>
+          </a:fillRef>
+          <a:effectRef idx="0">
+            <a:schemeClr val="accent1"/>
+          </a:effectRef>
+          <a:fontRef idx="minor">
+            <a:schemeClr val="tx1"/>
+          </a:fontRef>
+        </p:style>
+      </p:cxnSp>
+      <p:sp>
+        <p:nvSpPr>
+          <p:cNvPr id="10" name="TextBox 9">
+            <a:extLst>
+              <a:ext uri="{FF2B5EF4-FFF2-40B4-BE49-F238E27FC236}">
+                <a16:creationId xmlns:a16="http://schemas.microsoft.com/office/drawing/2014/main" id="{04302DD0-69A2-C9AF-FE05-3EF2A6903AB8}"/>
+              </a:ext>
+            </a:extLst>
+          </p:cNvPr>
+          <p:cNvSpPr txBox="1"/>
+          <p:nvPr/>
+        </p:nvSpPr>
+        <p:spPr>
+          <a:xfrm>
+            <a:off x="5008728" y="4162567"/>
+            <a:ext cx="1159356" cy="369332"/>
+          </a:xfrm>
+          <a:prstGeom prst="rect">
+            <a:avLst/>
+          </a:prstGeom>
+          <a:noFill/>
+        </p:spPr>
+        <p:txBody>
+          <a:bodyPr wrap="none" rtlCol="0">
+            <a:spAutoFit/>
+          </a:bodyPr>
+          <a:lstStyle/>
+          <a:p>
+            <a:r>
+              <a:rPr lang="en-US" dirty="0"/>
+              <a:t>Statement</a:t>
+            </a:r>
+          </a:p>
+        </p:txBody>
+      </p:sp>
+      <p:sp>
+        <p:nvSpPr>
+          <p:cNvPr id="11" name="TextBox 10">
+            <a:extLst>
+              <a:ext uri="{FF2B5EF4-FFF2-40B4-BE49-F238E27FC236}">
+                <a16:creationId xmlns:a16="http://schemas.microsoft.com/office/drawing/2014/main" id="{F5CC1375-905D-C8C1-6248-D7F22BFC856D}"/>
+              </a:ext>
+            </a:extLst>
+          </p:cNvPr>
+          <p:cNvSpPr txBox="1"/>
+          <p:nvPr/>
+        </p:nvSpPr>
+        <p:spPr>
+          <a:xfrm>
+            <a:off x="9307773" y="2115403"/>
+            <a:ext cx="535724" cy="369332"/>
+          </a:xfrm>
+          <a:prstGeom prst="rect">
+            <a:avLst/>
+          </a:prstGeom>
+          <a:noFill/>
+        </p:spPr>
+        <p:txBody>
+          <a:bodyPr wrap="none" rtlCol="0">
+            <a:spAutoFit/>
+          </a:bodyPr>
+          <a:lstStyle/>
+          <a:p>
+            <a:r>
+              <a:rPr lang="en-US" dirty="0"/>
+              <a:t>Out</a:t>
+            </a:r>
+          </a:p>
+        </p:txBody>
+      </p:sp>
+      <p:cxnSp>
+        <p:nvCxnSpPr>
+          <p:cNvPr id="12" name="Straight Arrow Connector 11">
+            <a:extLst>
+              <a:ext uri="{FF2B5EF4-FFF2-40B4-BE49-F238E27FC236}">
+                <a16:creationId xmlns:a16="http://schemas.microsoft.com/office/drawing/2014/main" id="{0BCB86FD-D0A4-3BDA-8086-7ABF0D30F6CC}"/>
+              </a:ext>
+            </a:extLst>
+          </p:cNvPr>
+          <p:cNvCxnSpPr>
+            <a:stCxn id="6" idx="3"/>
+          </p:cNvCxnSpPr>
+          <p:nvPr/>
+        </p:nvCxnSpPr>
+        <p:spPr>
+          <a:xfrm flipV="1">
+            <a:off x="6122737" y="2300069"/>
+            <a:ext cx="1342588" cy="117607"/>
+          </a:xfrm>
+          <a:prstGeom prst="straightConnector1">
+            <a:avLst/>
+          </a:prstGeom>
+          <a:ln>
+            <a:tailEnd type="triangle"/>
+          </a:ln>
+        </p:spPr>
+        <p:style>
+          <a:lnRef idx="1">
+            <a:schemeClr val="accent1"/>
+          </a:lnRef>
+          <a:fillRef idx="0">
+            <a:schemeClr val="accent1"/>
+          </a:fillRef>
+          <a:effectRef idx="0">
+            <a:schemeClr val="accent1"/>
+          </a:effectRef>
+          <a:fontRef idx="minor">
+            <a:schemeClr val="tx1"/>
+          </a:fontRef>
+        </p:style>
+      </p:cxnSp>
+      <p:cxnSp>
+        <p:nvCxnSpPr>
+          <p:cNvPr id="13" name="Straight Arrow Connector 12">
+            <a:extLst>
+              <a:ext uri="{FF2B5EF4-FFF2-40B4-BE49-F238E27FC236}">
+                <a16:creationId xmlns:a16="http://schemas.microsoft.com/office/drawing/2014/main" id="{5A4EEFC4-F4A9-A35F-A2E0-4EC156002965}"/>
+              </a:ext>
+            </a:extLst>
+          </p:cNvPr>
+          <p:cNvCxnSpPr/>
+          <p:nvPr/>
+        </p:nvCxnSpPr>
+        <p:spPr>
+          <a:xfrm>
+            <a:off x="8447964" y="2279176"/>
+            <a:ext cx="736979" cy="0"/>
+          </a:xfrm>
+          <a:prstGeom prst="straightConnector1">
+            <a:avLst/>
+          </a:prstGeom>
+          <a:ln>
+            <a:tailEnd type="triangle"/>
+          </a:ln>
+        </p:spPr>
+        <p:style>
+          <a:lnRef idx="1">
+            <a:schemeClr val="accent1"/>
+          </a:lnRef>
+          <a:fillRef idx="0">
+            <a:schemeClr val="accent1"/>
+          </a:fillRef>
+          <a:effectRef idx="0">
+            <a:schemeClr val="accent1"/>
+          </a:effectRef>
+          <a:fontRef idx="minor">
+            <a:schemeClr val="tx1"/>
+          </a:fontRef>
+        </p:style>
+      </p:cxnSp>
+      <p:cxnSp>
+        <p:nvCxnSpPr>
+          <p:cNvPr id="14" name="Straight Arrow Connector 13">
+            <a:extLst>
+              <a:ext uri="{FF2B5EF4-FFF2-40B4-BE49-F238E27FC236}">
+                <a16:creationId xmlns:a16="http://schemas.microsoft.com/office/drawing/2014/main" id="{7E22514E-7ADE-80EB-752A-F5364FB86E56}"/>
+              </a:ext>
+            </a:extLst>
+          </p:cNvPr>
+          <p:cNvCxnSpPr/>
+          <p:nvPr/>
+        </p:nvCxnSpPr>
+        <p:spPr>
+          <a:xfrm>
+            <a:off x="5588406" y="3916907"/>
+            <a:ext cx="116358" cy="245660"/>
+          </a:xfrm>
+          <a:prstGeom prst="straightConnector1">
+            <a:avLst/>
+          </a:prstGeom>
+          <a:ln>
+            <a:tailEnd type="triangle"/>
+          </a:ln>
+        </p:spPr>
+        <p:style>
+          <a:lnRef idx="1">
+            <a:schemeClr val="accent1"/>
+          </a:lnRef>
+          <a:fillRef idx="0">
+            <a:schemeClr val="accent1"/>
+          </a:fillRef>
+          <a:effectRef idx="0">
+            <a:schemeClr val="accent1"/>
+          </a:effectRef>
+          <a:fontRef idx="minor">
+            <a:schemeClr val="tx1"/>
+          </a:fontRef>
+        </p:style>
+      </p:cxnSp>
+    </p:spTree>
+    <p:extLst>
+      <p:ext uri="{BB962C8B-B14F-4D97-AF65-F5344CB8AC3E}">
+        <p14:creationId xmlns:p14="http://schemas.microsoft.com/office/powerpoint/2010/main" val="466706954"/>
+      </p:ext>
+    </p:extLst>
+  </p:cSld>
+  <p:clrMapOvr>
+    <a:masterClrMapping/>
+  </p:clrMapOvr>
+</p:sld>
+</file>
+
+<file path=ppt/slides/slide31.xml><?xml version="1.0" encoding="utf-8"?>
+<p:sld xmlns:a="http://schemas.openxmlformats.org/drawingml/2006/main" xmlns:r="http://schemas.openxmlformats.org/officeDocument/2006/relationships" xmlns:p="http://schemas.openxmlformats.org/presentationml/2006/main">
+  <p:cSld>
+    <p:spTree>
+      <p:nvGrpSpPr>
+        <p:cNvPr id="1" name=""/>
+        <p:cNvGrpSpPr/>
+        <p:nvPr/>
+      </p:nvGrpSpPr>
+      <p:grpSpPr>
+        <a:xfrm>
+          <a:off x="0" y="0"/>
+          <a:ext cx="0" cy="0"/>
+          <a:chOff x="0" y="0"/>
+          <a:chExt cx="0" cy="0"/>
+        </a:xfrm>
+      </p:grpSpPr>
+      <p:sp>
+        <p:nvSpPr>
+          <p:cNvPr id="2" name="Title 1">
+            <a:extLst>
+              <a:ext uri="{FF2B5EF4-FFF2-40B4-BE49-F238E27FC236}">
+                <a16:creationId xmlns:a16="http://schemas.microsoft.com/office/drawing/2014/main" id="{E462CFF4-A763-2955-96E3-DBA451B4B6BF}"/>
+              </a:ext>
+            </a:extLst>
+          </p:cNvPr>
+          <p:cNvSpPr>
+            <a:spLocks noGrp="1"/>
+          </p:cNvSpPr>
+          <p:nvPr>
+            <p:ph type="title"/>
+          </p:nvPr>
+        </p:nvSpPr>
+        <p:spPr/>
+        <p:txBody>
+          <a:bodyPr/>
+          <a:lstStyle/>
+          <a:p>
+            <a:r>
+              <a:rPr lang="en-US" dirty="0"/>
+              <a:t>Different type of Logical Operators</a:t>
+            </a:r>
+          </a:p>
+        </p:txBody>
+      </p:sp>
+      <p:graphicFrame>
+        <p:nvGraphicFramePr>
+          <p:cNvPr id="4" name="Table 4">
+            <a:extLst>
+              <a:ext uri="{FF2B5EF4-FFF2-40B4-BE49-F238E27FC236}">
+                <a16:creationId xmlns:a16="http://schemas.microsoft.com/office/drawing/2014/main" id="{7F030AAC-257C-4AD0-5688-D90931F772FA}"/>
+              </a:ext>
+            </a:extLst>
+          </p:cNvPr>
+          <p:cNvGraphicFramePr>
+            <a:graphicFrameLocks noGrp="1"/>
+          </p:cNvGraphicFramePr>
+          <p:nvPr>
+            <p:extLst>
+              <p:ext uri="{D42A27DB-BD31-4B8C-83A1-F6EECF244321}">
+                <p14:modId xmlns:p14="http://schemas.microsoft.com/office/powerpoint/2010/main" val="3950074831"/>
+              </p:ext>
+            </p:extLst>
+          </p:nvPr>
+        </p:nvGraphicFramePr>
+        <p:xfrm>
+          <a:off x="2277660" y="1907021"/>
+          <a:ext cx="8128000" cy="1483360"/>
+        </p:xfrm>
+        <a:graphic>
+          <a:graphicData uri="http://schemas.openxmlformats.org/drawingml/2006/table">
+            <a:tbl>
+              <a:tblPr firstRow="1" bandRow="1">
+                <a:tableStyleId>{5C22544A-7EE6-4342-B048-85BDC9FD1C3A}</a:tableStyleId>
+              </a:tblPr>
+              <a:tblGrid>
+                <a:gridCol w="4064000">
+                  <a:extLst>
+                    <a:ext uri="{9D8B030D-6E8A-4147-A177-3AD203B41FA5}">
+                      <a16:colId xmlns:a16="http://schemas.microsoft.com/office/drawing/2014/main" val="740497891"/>
+                    </a:ext>
+                  </a:extLst>
+                </a:gridCol>
+                <a:gridCol w="4064000">
+                  <a:extLst>
+                    <a:ext uri="{9D8B030D-6E8A-4147-A177-3AD203B41FA5}">
+                      <a16:colId xmlns:a16="http://schemas.microsoft.com/office/drawing/2014/main" val="1251246800"/>
+                    </a:ext>
+                  </a:extLst>
+                </a:gridCol>
+              </a:tblGrid>
+              <a:tr h="370840">
+                <a:tc>
+                  <a:txBody>
+                    <a:bodyPr/>
+                    <a:lstStyle/>
+                    <a:p>
+                      <a:r>
+                        <a:rPr lang="en-US" dirty="0"/>
+                        <a:t>Operator</a:t>
+                      </a:r>
+                    </a:p>
+                  </a:txBody>
+                  <a:tcPr/>
+                </a:tc>
+                <a:tc>
+                  <a:txBody>
+                    <a:bodyPr/>
+                    <a:lstStyle/>
+                    <a:p>
+                      <a:r>
+                        <a:rPr lang="en-US" dirty="0"/>
+                        <a:t>Name</a:t>
+                      </a:r>
+                    </a:p>
+                  </a:txBody>
+                  <a:tcPr/>
+                </a:tc>
+                <a:extLst>
+                  <a:ext uri="{0D108BD9-81ED-4DB2-BD59-A6C34878D82A}">
+                    <a16:rowId xmlns:a16="http://schemas.microsoft.com/office/drawing/2014/main" val="1812625139"/>
+                  </a:ext>
+                </a:extLst>
+              </a:tr>
+              <a:tr h="370840">
+                <a:tc>
+                  <a:txBody>
+                    <a:bodyPr/>
+                    <a:lstStyle/>
+                    <a:p>
+                      <a:r>
+                        <a:rPr lang="en-US" dirty="0"/>
+                        <a:t>&amp;&amp;</a:t>
+                      </a:r>
+                    </a:p>
+                  </a:txBody>
+                  <a:tcPr/>
+                </a:tc>
+                <a:tc>
+                  <a:txBody>
+                    <a:bodyPr/>
+                    <a:lstStyle/>
+                    <a:p>
+                      <a:r>
+                        <a:rPr lang="en-US" dirty="0"/>
+                        <a:t>Logical AND</a:t>
+                      </a:r>
+                    </a:p>
+                  </a:txBody>
+                  <a:tcPr/>
+                </a:tc>
+                <a:extLst>
+                  <a:ext uri="{0D108BD9-81ED-4DB2-BD59-A6C34878D82A}">
+                    <a16:rowId xmlns:a16="http://schemas.microsoft.com/office/drawing/2014/main" val="3992739683"/>
+                  </a:ext>
+                </a:extLst>
+              </a:tr>
+              <a:tr h="370840">
+                <a:tc>
+                  <a:txBody>
+                    <a:bodyPr/>
+                    <a:lstStyle/>
+                    <a:p>
+                      <a:r>
+                        <a:rPr lang="en-US" dirty="0"/>
+                        <a:t>||</a:t>
+                      </a:r>
+                    </a:p>
+                  </a:txBody>
+                  <a:tcPr/>
+                </a:tc>
+                <a:tc>
+                  <a:txBody>
+                    <a:bodyPr/>
+                    <a:lstStyle/>
+                    <a:p>
+                      <a:r>
+                        <a:rPr lang="en-US" dirty="0"/>
+                        <a:t>Logical OR</a:t>
+                      </a:r>
+                    </a:p>
+                  </a:txBody>
+                  <a:tcPr/>
+                </a:tc>
+                <a:extLst>
+                  <a:ext uri="{0D108BD9-81ED-4DB2-BD59-A6C34878D82A}">
+                    <a16:rowId xmlns:a16="http://schemas.microsoft.com/office/drawing/2014/main" val="2244579222"/>
+                  </a:ext>
+                </a:extLst>
+              </a:tr>
+              <a:tr h="370840">
+                <a:tc>
+                  <a:txBody>
+                    <a:bodyPr/>
+                    <a:lstStyle/>
+                    <a:p>
+                      <a:r>
+                        <a:rPr lang="en-US" dirty="0"/>
+                        <a:t>!</a:t>
+                      </a:r>
+                    </a:p>
+                  </a:txBody>
+                  <a:tcPr/>
+                </a:tc>
+                <a:tc>
+                  <a:txBody>
+                    <a:bodyPr/>
+                    <a:lstStyle/>
+                    <a:p>
+                      <a:r>
+                        <a:rPr lang="en-US" dirty="0"/>
+                        <a:t>Logical NOT</a:t>
+                      </a:r>
+                    </a:p>
+                  </a:txBody>
+                  <a:tcPr/>
+                </a:tc>
+                <a:extLst>
+                  <a:ext uri="{0D108BD9-81ED-4DB2-BD59-A6C34878D82A}">
+                    <a16:rowId xmlns:a16="http://schemas.microsoft.com/office/drawing/2014/main" val="1091908056"/>
+                  </a:ext>
+                </a:extLst>
+              </a:tr>
+            </a:tbl>
+          </a:graphicData>
+        </a:graphic>
+      </p:graphicFrame>
+    </p:spTree>
+    <p:extLst>
+      <p:ext uri="{BB962C8B-B14F-4D97-AF65-F5344CB8AC3E}">
+        <p14:creationId xmlns:p14="http://schemas.microsoft.com/office/powerpoint/2010/main" val="1784812819"/>
+      </p:ext>
+    </p:extLst>
+  </p:cSld>
+  <p:clrMapOvr>
+    <a:masterClrMapping/>
+  </p:clrMapOvr>
+</p:sld>
+</file>
+
+<file path=ppt/slides/slide32.xml><?xml version="1.0" encoding="utf-8"?>
+<p:sld xmlns:a="http://schemas.openxmlformats.org/drawingml/2006/main" xmlns:r="http://schemas.openxmlformats.org/officeDocument/2006/relationships" xmlns:p="http://schemas.openxmlformats.org/presentationml/2006/main">
+  <p:cSld>
+    <p:spTree>
+      <p:nvGrpSpPr>
+        <p:cNvPr id="1" name=""/>
+        <p:cNvGrpSpPr/>
+        <p:nvPr/>
+      </p:nvGrpSpPr>
+      <p:grpSpPr>
+        <a:xfrm>
+          <a:off x="0" y="0"/>
+          <a:ext cx="0" cy="0"/>
+          <a:chOff x="0" y="0"/>
+          <a:chExt cx="0" cy="0"/>
+        </a:xfrm>
+      </p:grpSpPr>
+      <p:sp>
+        <p:nvSpPr>
+          <p:cNvPr id="2" name="Title 1">
+            <a:extLst>
+              <a:ext uri="{FF2B5EF4-FFF2-40B4-BE49-F238E27FC236}">
+                <a16:creationId xmlns:a16="http://schemas.microsoft.com/office/drawing/2014/main" id="{F66176EF-52C6-1988-C4BB-9259DA401D22}"/>
+              </a:ext>
+            </a:extLst>
+          </p:cNvPr>
+          <p:cNvSpPr>
+            <a:spLocks noGrp="1"/>
+          </p:cNvSpPr>
+          <p:nvPr>
+            <p:ph type="title"/>
+          </p:nvPr>
+        </p:nvSpPr>
+        <p:spPr/>
+        <p:txBody>
+          <a:bodyPr/>
+          <a:lstStyle/>
+          <a:p>
+            <a:r>
+              <a:rPr lang="en-US" dirty="0"/>
+              <a:t>If statement with logical AND:</a:t>
+            </a:r>
+          </a:p>
+        </p:txBody>
+      </p:sp>
+      <p:sp>
+        <p:nvSpPr>
+          <p:cNvPr id="4" name="TextBox 3">
+            <a:extLst>
+              <a:ext uri="{FF2B5EF4-FFF2-40B4-BE49-F238E27FC236}">
+                <a16:creationId xmlns:a16="http://schemas.microsoft.com/office/drawing/2014/main" id="{6775D245-589A-09AA-6CFC-948C2EA023A5}"/>
+              </a:ext>
+            </a:extLst>
+          </p:cNvPr>
+          <p:cNvSpPr txBox="1"/>
+          <p:nvPr/>
+        </p:nvSpPr>
+        <p:spPr>
+          <a:xfrm>
+            <a:off x="2429301" y="2142698"/>
+            <a:ext cx="6683240" cy="1938992"/>
+          </a:xfrm>
+          <a:prstGeom prst="rect">
+            <a:avLst/>
+          </a:prstGeom>
+          <a:noFill/>
+        </p:spPr>
+        <p:txBody>
+          <a:bodyPr wrap="none" rtlCol="0">
+            <a:spAutoFit/>
+          </a:bodyPr>
+          <a:lstStyle/>
+          <a:p>
+            <a:r>
+              <a:rPr lang="en-US" sz="4000" dirty="0"/>
+              <a:t>If(Condition 1 &amp;&amp; Condition 2){</a:t>
+            </a:r>
+          </a:p>
+          <a:p>
+            <a:r>
+              <a:rPr lang="en-US" sz="4000" dirty="0"/>
+              <a:t>…</a:t>
+            </a:r>
+          </a:p>
+          <a:p>
+            <a:r>
+              <a:rPr lang="en-US" sz="4000" dirty="0"/>
+              <a:t>}</a:t>
+            </a:r>
+          </a:p>
+        </p:txBody>
+      </p:sp>
+      <p:sp>
+        <p:nvSpPr>
+          <p:cNvPr id="5" name="TextBox 4">
+            <a:extLst>
+              <a:ext uri="{FF2B5EF4-FFF2-40B4-BE49-F238E27FC236}">
+                <a16:creationId xmlns:a16="http://schemas.microsoft.com/office/drawing/2014/main" id="{7EE00A30-3216-4295-584F-EB4F45011C6D}"/>
+              </a:ext>
+            </a:extLst>
+          </p:cNvPr>
+          <p:cNvSpPr txBox="1"/>
+          <p:nvPr/>
+        </p:nvSpPr>
+        <p:spPr>
+          <a:xfrm>
+            <a:off x="1241946" y="5213445"/>
+            <a:ext cx="6849376" cy="523220"/>
+          </a:xfrm>
+          <a:prstGeom prst="rect">
+            <a:avLst/>
+          </a:prstGeom>
+          <a:noFill/>
+        </p:spPr>
+        <p:txBody>
+          <a:bodyPr wrap="none" rtlCol="0">
+            <a:spAutoFit/>
+          </a:bodyPr>
+          <a:lstStyle/>
+          <a:p>
+            <a:r>
+              <a:rPr lang="en-US" sz="2800" dirty="0"/>
+              <a:t>Run only when both conditions must be TRUE</a:t>
+            </a:r>
+          </a:p>
+        </p:txBody>
+      </p:sp>
+    </p:spTree>
+    <p:extLst>
+      <p:ext uri="{BB962C8B-B14F-4D97-AF65-F5344CB8AC3E}">
+        <p14:creationId xmlns:p14="http://schemas.microsoft.com/office/powerpoint/2010/main" val="2756091838"/>
+      </p:ext>
+    </p:extLst>
+  </p:cSld>
+  <p:clrMapOvr>
+    <a:masterClrMapping/>
+  </p:clrMapOvr>
+</p:sld>
+</file>
+
+<file path=ppt/slides/slide33.xml><?xml version="1.0" encoding="utf-8"?>
+<p:sld xmlns:a="http://schemas.openxmlformats.org/drawingml/2006/main" xmlns:r="http://schemas.openxmlformats.org/officeDocument/2006/relationships" xmlns:p="http://schemas.openxmlformats.org/presentationml/2006/main">
+  <p:cSld>
+    <p:spTree>
+      <p:nvGrpSpPr>
+        <p:cNvPr id="1" name=""/>
+        <p:cNvGrpSpPr/>
+        <p:nvPr/>
+      </p:nvGrpSpPr>
+      <p:grpSpPr>
+        <a:xfrm>
+          <a:off x="0" y="0"/>
+          <a:ext cx="0" cy="0"/>
+          <a:chOff x="0" y="0"/>
+          <a:chExt cx="0" cy="0"/>
+        </a:xfrm>
+      </p:grpSpPr>
+      <p:sp>
+        <p:nvSpPr>
+          <p:cNvPr id="2" name="Title 1">
+            <a:extLst>
+              <a:ext uri="{FF2B5EF4-FFF2-40B4-BE49-F238E27FC236}">
+                <a16:creationId xmlns:a16="http://schemas.microsoft.com/office/drawing/2014/main" id="{F66176EF-52C6-1988-C4BB-9259DA401D22}"/>
+              </a:ext>
+            </a:extLst>
+          </p:cNvPr>
+          <p:cNvSpPr>
+            <a:spLocks noGrp="1"/>
+          </p:cNvSpPr>
+          <p:nvPr>
+            <p:ph type="title"/>
+          </p:nvPr>
+        </p:nvSpPr>
+        <p:spPr/>
+        <p:txBody>
+          <a:bodyPr/>
+          <a:lstStyle/>
+          <a:p>
+            <a:r>
+              <a:rPr lang="en-US" dirty="0"/>
+              <a:t>If statement with logical OR:</a:t>
+            </a:r>
+          </a:p>
+        </p:txBody>
+      </p:sp>
+      <p:sp>
+        <p:nvSpPr>
+          <p:cNvPr id="4" name="TextBox 3">
+            <a:extLst>
+              <a:ext uri="{FF2B5EF4-FFF2-40B4-BE49-F238E27FC236}">
+                <a16:creationId xmlns:a16="http://schemas.microsoft.com/office/drawing/2014/main" id="{6775D245-589A-09AA-6CFC-948C2EA023A5}"/>
+              </a:ext>
+            </a:extLst>
+          </p:cNvPr>
+          <p:cNvSpPr txBox="1"/>
+          <p:nvPr/>
+        </p:nvSpPr>
+        <p:spPr>
+          <a:xfrm>
+            <a:off x="2429301" y="2142698"/>
+            <a:ext cx="6455613" cy="1938992"/>
+          </a:xfrm>
+          <a:prstGeom prst="rect">
+            <a:avLst/>
+          </a:prstGeom>
+          <a:noFill/>
+        </p:spPr>
+        <p:txBody>
+          <a:bodyPr wrap="none" rtlCol="0">
+            <a:spAutoFit/>
+          </a:bodyPr>
+          <a:lstStyle/>
+          <a:p>
+            <a:r>
+              <a:rPr lang="en-US" sz="4000" dirty="0"/>
+              <a:t>If(Condition 1 || Condition 2){</a:t>
+            </a:r>
+          </a:p>
+          <a:p>
+            <a:r>
+              <a:rPr lang="en-US" sz="4000" dirty="0"/>
+              <a:t>…</a:t>
+            </a:r>
+          </a:p>
+          <a:p>
+            <a:r>
+              <a:rPr lang="en-US" sz="4000" dirty="0"/>
+              <a:t>}</a:t>
+            </a:r>
+          </a:p>
+        </p:txBody>
+      </p:sp>
+      <p:sp>
+        <p:nvSpPr>
+          <p:cNvPr id="5" name="TextBox 4">
+            <a:extLst>
+              <a:ext uri="{FF2B5EF4-FFF2-40B4-BE49-F238E27FC236}">
+                <a16:creationId xmlns:a16="http://schemas.microsoft.com/office/drawing/2014/main" id="{7EE00A30-3216-4295-584F-EB4F45011C6D}"/>
+              </a:ext>
+            </a:extLst>
+          </p:cNvPr>
+          <p:cNvSpPr txBox="1"/>
+          <p:nvPr/>
+        </p:nvSpPr>
+        <p:spPr>
+          <a:xfrm>
+            <a:off x="1241946" y="5213445"/>
+            <a:ext cx="6717929" cy="523220"/>
+          </a:xfrm>
+          <a:prstGeom prst="rect">
+            <a:avLst/>
+          </a:prstGeom>
+          <a:noFill/>
+        </p:spPr>
+        <p:txBody>
+          <a:bodyPr wrap="none" rtlCol="0">
+            <a:spAutoFit/>
+          </a:bodyPr>
+          <a:lstStyle/>
+          <a:p>
+            <a:r>
+              <a:rPr lang="en-US" sz="2800" dirty="0"/>
+              <a:t>Run only when one conditions must be TRUE</a:t>
+            </a:r>
+          </a:p>
+        </p:txBody>
+      </p:sp>
+    </p:spTree>
+    <p:extLst>
+      <p:ext uri="{BB962C8B-B14F-4D97-AF65-F5344CB8AC3E}">
+        <p14:creationId xmlns:p14="http://schemas.microsoft.com/office/powerpoint/2010/main" val="2775559102"/>
+      </p:ext>
+    </p:extLst>
+  </p:cSld>
+  <p:clrMapOvr>
+    <a:masterClrMapping/>
+  </p:clrMapOvr>
+</p:sld>
+</file>
+
+<file path=ppt/slides/slide34.xml><?xml version="1.0" encoding="utf-8"?>
+<p:sld xmlns:a="http://schemas.openxmlformats.org/drawingml/2006/main" xmlns:r="http://schemas.openxmlformats.org/officeDocument/2006/relationships" xmlns:p="http://schemas.openxmlformats.org/presentationml/2006/main">
+  <p:cSld>
+    <p:spTree>
+      <p:nvGrpSpPr>
+        <p:cNvPr id="1" name=""/>
+        <p:cNvGrpSpPr/>
+        <p:nvPr/>
+      </p:nvGrpSpPr>
+      <p:grpSpPr>
+        <a:xfrm>
+          <a:off x="0" y="0"/>
+          <a:ext cx="0" cy="0"/>
+          <a:chOff x="0" y="0"/>
+          <a:chExt cx="0" cy="0"/>
+        </a:xfrm>
+      </p:grpSpPr>
+      <p:sp>
+        <p:nvSpPr>
+          <p:cNvPr id="2" name="Title 1">
+            <a:extLst>
+              <a:ext uri="{FF2B5EF4-FFF2-40B4-BE49-F238E27FC236}">
+                <a16:creationId xmlns:a16="http://schemas.microsoft.com/office/drawing/2014/main" id="{6FB36443-423A-08B6-C146-0923404F24D8}"/>
+              </a:ext>
+            </a:extLst>
+          </p:cNvPr>
+          <p:cNvSpPr>
+            <a:spLocks noGrp="1"/>
+          </p:cNvSpPr>
+          <p:nvPr>
+            <p:ph type="title"/>
+          </p:nvPr>
+        </p:nvSpPr>
+        <p:spPr/>
+        <p:txBody>
+          <a:bodyPr/>
+          <a:lstStyle/>
+          <a:p>
+            <a:r>
+              <a:rPr lang="en-US" dirty="0"/>
+              <a:t>JS: If Else statement</a:t>
+            </a:r>
+          </a:p>
+        </p:txBody>
+      </p:sp>
+      <p:sp>
+        <p:nvSpPr>
+          <p:cNvPr id="4" name="TextBox 3">
+            <a:extLst>
+              <a:ext uri="{FF2B5EF4-FFF2-40B4-BE49-F238E27FC236}">
+                <a16:creationId xmlns:a16="http://schemas.microsoft.com/office/drawing/2014/main" id="{3A6BD4AB-C2C2-00A3-EF03-7E3985AD6548}"/>
+              </a:ext>
+            </a:extLst>
+          </p:cNvPr>
+          <p:cNvSpPr txBox="1"/>
+          <p:nvPr/>
+        </p:nvSpPr>
+        <p:spPr>
+          <a:xfrm>
+            <a:off x="2674961" y="2115403"/>
+            <a:ext cx="348172" cy="369332"/>
+          </a:xfrm>
+          <a:prstGeom prst="rect">
+            <a:avLst/>
+          </a:prstGeom>
+          <a:noFill/>
+        </p:spPr>
+        <p:txBody>
+          <a:bodyPr wrap="none" rtlCol="0">
+            <a:spAutoFit/>
+          </a:bodyPr>
+          <a:lstStyle/>
+          <a:p>
+            <a:r>
+              <a:rPr lang="en-US" dirty="0"/>
+              <a:t>IF</a:t>
+            </a:r>
+          </a:p>
+        </p:txBody>
+      </p:sp>
+      <p:cxnSp>
+        <p:nvCxnSpPr>
+          <p:cNvPr id="5" name="Straight Arrow Connector 4">
+            <a:extLst>
+              <a:ext uri="{FF2B5EF4-FFF2-40B4-BE49-F238E27FC236}">
+                <a16:creationId xmlns:a16="http://schemas.microsoft.com/office/drawing/2014/main" id="{6DD55CB8-97B6-C1CE-AD87-F6EDF4A3C656}"/>
+              </a:ext>
+            </a:extLst>
+          </p:cNvPr>
+          <p:cNvCxnSpPr>
+            <a:stCxn id="4" idx="3"/>
+          </p:cNvCxnSpPr>
+          <p:nvPr/>
+        </p:nvCxnSpPr>
+        <p:spPr>
+          <a:xfrm flipV="1">
+            <a:off x="3023133" y="2279176"/>
+            <a:ext cx="1617106" cy="20893"/>
+          </a:xfrm>
+          <a:prstGeom prst="straightConnector1">
+            <a:avLst/>
+          </a:prstGeom>
+          <a:ln>
+            <a:tailEnd type="triangle"/>
+          </a:ln>
+        </p:spPr>
+        <p:style>
+          <a:lnRef idx="1">
+            <a:schemeClr val="accent1"/>
+          </a:lnRef>
+          <a:fillRef idx="0">
+            <a:schemeClr val="accent1"/>
+          </a:fillRef>
+          <a:effectRef idx="0">
+            <a:schemeClr val="accent1"/>
+          </a:effectRef>
+          <a:fontRef idx="minor">
+            <a:schemeClr val="tx1"/>
+          </a:fontRef>
+        </p:style>
+      </p:cxnSp>
+      <p:sp>
+        <p:nvSpPr>
+          <p:cNvPr id="6" name="TextBox 5">
+            <a:extLst>
+              <a:ext uri="{FF2B5EF4-FFF2-40B4-BE49-F238E27FC236}">
+                <a16:creationId xmlns:a16="http://schemas.microsoft.com/office/drawing/2014/main" id="{85BE5612-CEF8-210A-867C-1616180AAB9B}"/>
+              </a:ext>
+            </a:extLst>
+          </p:cNvPr>
+          <p:cNvSpPr txBox="1"/>
+          <p:nvPr/>
+        </p:nvSpPr>
+        <p:spPr>
+          <a:xfrm>
+            <a:off x="4763069" y="2094510"/>
+            <a:ext cx="1359668" cy="646331"/>
+          </a:xfrm>
+          <a:prstGeom prst="rect">
+            <a:avLst/>
+          </a:prstGeom>
+          <a:noFill/>
+        </p:spPr>
+        <p:txBody>
+          <a:bodyPr wrap="none" rtlCol="0">
+            <a:spAutoFit/>
+          </a:bodyPr>
+          <a:lstStyle/>
+          <a:p>
+            <a:r>
+              <a:rPr lang="en-US" dirty="0"/>
+              <a:t>Conditions 1</a:t>
+            </a:r>
+          </a:p>
+          <a:p>
+            <a:r>
+              <a:rPr lang="en-US" dirty="0"/>
+              <a:t>Conditions 2</a:t>
+            </a:r>
+          </a:p>
+        </p:txBody>
+      </p:sp>
+      <p:sp>
+        <p:nvSpPr>
+          <p:cNvPr id="7" name="TextBox 6">
+            <a:extLst>
+              <a:ext uri="{FF2B5EF4-FFF2-40B4-BE49-F238E27FC236}">
+                <a16:creationId xmlns:a16="http://schemas.microsoft.com/office/drawing/2014/main" id="{AFB2DC3D-33B4-AB45-891B-D6503A5881FE}"/>
+              </a:ext>
+            </a:extLst>
+          </p:cNvPr>
+          <p:cNvSpPr txBox="1"/>
+          <p:nvPr/>
+        </p:nvSpPr>
+        <p:spPr>
+          <a:xfrm>
+            <a:off x="5213445" y="3429000"/>
+            <a:ext cx="599972" cy="369332"/>
+          </a:xfrm>
+          <a:prstGeom prst="rect">
+            <a:avLst/>
+          </a:prstGeom>
+          <a:noFill/>
+        </p:spPr>
+        <p:txBody>
+          <a:bodyPr wrap="none" rtlCol="0">
+            <a:spAutoFit/>
+          </a:bodyPr>
+          <a:lstStyle/>
+          <a:p>
+            <a:r>
+              <a:rPr lang="en-US" dirty="0"/>
+              <a:t>True</a:t>
+            </a:r>
+          </a:p>
+        </p:txBody>
+      </p:sp>
+      <p:sp>
+        <p:nvSpPr>
+          <p:cNvPr id="8" name="TextBox 7">
+            <a:extLst>
+              <a:ext uri="{FF2B5EF4-FFF2-40B4-BE49-F238E27FC236}">
+                <a16:creationId xmlns:a16="http://schemas.microsoft.com/office/drawing/2014/main" id="{0EE4F97B-7C39-9FE9-1C62-2A51DF626CF0}"/>
+              </a:ext>
+            </a:extLst>
+          </p:cNvPr>
+          <p:cNvSpPr txBox="1"/>
+          <p:nvPr/>
+        </p:nvSpPr>
+        <p:spPr>
+          <a:xfrm>
+            <a:off x="7670042" y="2094510"/>
+            <a:ext cx="652936" cy="369332"/>
+          </a:xfrm>
+          <a:prstGeom prst="rect">
+            <a:avLst/>
+          </a:prstGeom>
+          <a:noFill/>
+        </p:spPr>
+        <p:txBody>
+          <a:bodyPr wrap="none" rtlCol="0">
+            <a:spAutoFit/>
+          </a:bodyPr>
+          <a:lstStyle/>
+          <a:p>
+            <a:r>
+              <a:rPr lang="en-US" dirty="0"/>
+              <a:t>False</a:t>
+            </a:r>
+          </a:p>
+        </p:txBody>
+      </p:sp>
+      <p:cxnSp>
+        <p:nvCxnSpPr>
+          <p:cNvPr id="9" name="Straight Arrow Connector 8">
+            <a:extLst>
+              <a:ext uri="{FF2B5EF4-FFF2-40B4-BE49-F238E27FC236}">
+                <a16:creationId xmlns:a16="http://schemas.microsoft.com/office/drawing/2014/main" id="{D457EDAF-A064-A087-ED72-B61006BA162A}"/>
+              </a:ext>
+            </a:extLst>
+          </p:cNvPr>
+          <p:cNvCxnSpPr>
+            <a:stCxn id="6" idx="2"/>
+            <a:endCxn id="7" idx="0"/>
+          </p:cNvCxnSpPr>
+          <p:nvPr/>
+        </p:nvCxnSpPr>
+        <p:spPr>
+          <a:xfrm>
+            <a:off x="5442903" y="2740841"/>
+            <a:ext cx="70528" cy="688159"/>
+          </a:xfrm>
+          <a:prstGeom prst="straightConnector1">
+            <a:avLst/>
+          </a:prstGeom>
+          <a:ln>
+            <a:tailEnd type="triangle"/>
+          </a:ln>
+        </p:spPr>
+        <p:style>
+          <a:lnRef idx="1">
+            <a:schemeClr val="accent1"/>
+          </a:lnRef>
+          <a:fillRef idx="0">
+            <a:schemeClr val="accent1"/>
+          </a:fillRef>
+          <a:effectRef idx="0">
+            <a:schemeClr val="accent1"/>
+          </a:effectRef>
+          <a:fontRef idx="minor">
+            <a:schemeClr val="tx1"/>
+          </a:fontRef>
+        </p:style>
+      </p:cxnSp>
+      <p:sp>
+        <p:nvSpPr>
+          <p:cNvPr id="10" name="TextBox 9">
+            <a:extLst>
+              <a:ext uri="{FF2B5EF4-FFF2-40B4-BE49-F238E27FC236}">
+                <a16:creationId xmlns:a16="http://schemas.microsoft.com/office/drawing/2014/main" id="{B6E7F97E-42DF-1E4D-9EB3-DC46A71C0967}"/>
+              </a:ext>
+            </a:extLst>
+          </p:cNvPr>
+          <p:cNvSpPr txBox="1"/>
+          <p:nvPr/>
+        </p:nvSpPr>
+        <p:spPr>
+          <a:xfrm>
+            <a:off x="5008728" y="4162567"/>
+            <a:ext cx="1159356" cy="369332"/>
+          </a:xfrm>
+          <a:prstGeom prst="rect">
+            <a:avLst/>
+          </a:prstGeom>
+          <a:noFill/>
+        </p:spPr>
+        <p:txBody>
+          <a:bodyPr wrap="none" rtlCol="0">
+            <a:spAutoFit/>
+          </a:bodyPr>
+          <a:lstStyle/>
+          <a:p>
+            <a:r>
+              <a:rPr lang="en-US" dirty="0"/>
+              <a:t>Statement</a:t>
+            </a:r>
+          </a:p>
+        </p:txBody>
+      </p:sp>
+      <p:sp>
+        <p:nvSpPr>
+          <p:cNvPr id="11" name="TextBox 10">
+            <a:extLst>
+              <a:ext uri="{FF2B5EF4-FFF2-40B4-BE49-F238E27FC236}">
+                <a16:creationId xmlns:a16="http://schemas.microsoft.com/office/drawing/2014/main" id="{6020E872-8205-CA34-4191-A4955E169759}"/>
+              </a:ext>
+            </a:extLst>
+          </p:cNvPr>
+          <p:cNvSpPr txBox="1"/>
+          <p:nvPr/>
+        </p:nvSpPr>
+        <p:spPr>
+          <a:xfrm>
+            <a:off x="9307773" y="2115403"/>
+            <a:ext cx="1276375" cy="369332"/>
+          </a:xfrm>
+          <a:prstGeom prst="rect">
+            <a:avLst/>
+          </a:prstGeom>
+          <a:noFill/>
+        </p:spPr>
+        <p:txBody>
+          <a:bodyPr wrap="none" rtlCol="0">
+            <a:spAutoFit/>
+          </a:bodyPr>
+          <a:lstStyle/>
+          <a:p>
+            <a:r>
+              <a:rPr lang="en-US" dirty="0"/>
+              <a:t>Statement2</a:t>
+            </a:r>
+          </a:p>
+        </p:txBody>
+      </p:sp>
+      <p:cxnSp>
+        <p:nvCxnSpPr>
+          <p:cNvPr id="12" name="Straight Arrow Connector 11">
+            <a:extLst>
+              <a:ext uri="{FF2B5EF4-FFF2-40B4-BE49-F238E27FC236}">
+                <a16:creationId xmlns:a16="http://schemas.microsoft.com/office/drawing/2014/main" id="{8FC88421-6E77-9ECD-1F94-045CBF32A36B}"/>
+              </a:ext>
+            </a:extLst>
+          </p:cNvPr>
+          <p:cNvCxnSpPr>
+            <a:stCxn id="6" idx="3"/>
+          </p:cNvCxnSpPr>
+          <p:nvPr/>
+        </p:nvCxnSpPr>
+        <p:spPr>
+          <a:xfrm flipV="1">
+            <a:off x="6122737" y="2300069"/>
+            <a:ext cx="1342588" cy="117607"/>
+          </a:xfrm>
+          <a:prstGeom prst="straightConnector1">
+            <a:avLst/>
+          </a:prstGeom>
+          <a:ln>
+            <a:tailEnd type="triangle"/>
+          </a:ln>
+        </p:spPr>
+        <p:style>
+          <a:lnRef idx="1">
+            <a:schemeClr val="accent1"/>
+          </a:lnRef>
+          <a:fillRef idx="0">
+            <a:schemeClr val="accent1"/>
+          </a:fillRef>
+          <a:effectRef idx="0">
+            <a:schemeClr val="accent1"/>
+          </a:effectRef>
+          <a:fontRef idx="minor">
+            <a:schemeClr val="tx1"/>
+          </a:fontRef>
+        </p:style>
+      </p:cxnSp>
+      <p:cxnSp>
+        <p:nvCxnSpPr>
+          <p:cNvPr id="13" name="Straight Arrow Connector 12">
+            <a:extLst>
+              <a:ext uri="{FF2B5EF4-FFF2-40B4-BE49-F238E27FC236}">
+                <a16:creationId xmlns:a16="http://schemas.microsoft.com/office/drawing/2014/main" id="{7F9DAD73-68EA-91F3-0C19-7D743E317E65}"/>
+              </a:ext>
+            </a:extLst>
+          </p:cNvPr>
+          <p:cNvCxnSpPr/>
+          <p:nvPr/>
+        </p:nvCxnSpPr>
+        <p:spPr>
+          <a:xfrm>
+            <a:off x="8447964" y="2279176"/>
+            <a:ext cx="736979" cy="0"/>
+          </a:xfrm>
+          <a:prstGeom prst="straightConnector1">
+            <a:avLst/>
+          </a:prstGeom>
+          <a:ln>
+            <a:tailEnd type="triangle"/>
+          </a:ln>
+        </p:spPr>
+        <p:style>
+          <a:lnRef idx="1">
+            <a:schemeClr val="accent1"/>
+          </a:lnRef>
+          <a:fillRef idx="0">
+            <a:schemeClr val="accent1"/>
+          </a:fillRef>
+          <a:effectRef idx="0">
+            <a:schemeClr val="accent1"/>
+          </a:effectRef>
+          <a:fontRef idx="minor">
+            <a:schemeClr val="tx1"/>
+          </a:fontRef>
+        </p:style>
+      </p:cxnSp>
+      <p:cxnSp>
+        <p:nvCxnSpPr>
+          <p:cNvPr id="14" name="Straight Arrow Connector 13">
+            <a:extLst>
+              <a:ext uri="{FF2B5EF4-FFF2-40B4-BE49-F238E27FC236}">
+                <a16:creationId xmlns:a16="http://schemas.microsoft.com/office/drawing/2014/main" id="{A2524EA7-94A6-A902-D4ED-2D3AB2661A2C}"/>
+              </a:ext>
+            </a:extLst>
+          </p:cNvPr>
+          <p:cNvCxnSpPr/>
+          <p:nvPr/>
+        </p:nvCxnSpPr>
+        <p:spPr>
+          <a:xfrm>
+            <a:off x="5588406" y="3916907"/>
+            <a:ext cx="116358" cy="245660"/>
+          </a:xfrm>
+          <a:prstGeom prst="straightConnector1">
+            <a:avLst/>
+          </a:prstGeom>
+          <a:ln>
+            <a:tailEnd type="triangle"/>
+          </a:ln>
+        </p:spPr>
+        <p:style>
+          <a:lnRef idx="1">
+            <a:schemeClr val="accent1"/>
+          </a:lnRef>
+          <a:fillRef idx="0">
+            <a:schemeClr val="accent1"/>
+          </a:fillRef>
+          <a:effectRef idx="0">
+            <a:schemeClr val="accent1"/>
+          </a:effectRef>
+          <a:fontRef idx="minor">
+            <a:schemeClr val="tx1"/>
+          </a:fontRef>
+        </p:style>
+      </p:cxnSp>
+    </p:spTree>
+    <p:extLst>
+      <p:ext uri="{BB962C8B-B14F-4D97-AF65-F5344CB8AC3E}">
+        <p14:creationId xmlns:p14="http://schemas.microsoft.com/office/powerpoint/2010/main" val="2849404473"/>
+      </p:ext>
+    </p:extLst>
+  </p:cSld>
+  <p:clrMapOvr>
+    <a:masterClrMapping/>
+  </p:clrMapOvr>
+</p:sld>
+</file>
+
+<file path=ppt/slides/slide35.xml><?xml version="1.0" encoding="utf-8"?>
+<p:sld xmlns:a="http://schemas.openxmlformats.org/drawingml/2006/main" xmlns:r="http://schemas.openxmlformats.org/officeDocument/2006/relationships" xmlns:p="http://schemas.openxmlformats.org/presentationml/2006/main">
+  <p:cSld>
+    <p:spTree>
+      <p:nvGrpSpPr>
+        <p:cNvPr id="1" name=""/>
+        <p:cNvGrpSpPr/>
+        <p:nvPr/>
+      </p:nvGrpSpPr>
+      <p:grpSpPr>
+        <a:xfrm>
+          <a:off x="0" y="0"/>
+          <a:ext cx="0" cy="0"/>
+          <a:chOff x="0" y="0"/>
+          <a:chExt cx="0" cy="0"/>
+        </a:xfrm>
+      </p:grpSpPr>
+      <p:sp>
+        <p:nvSpPr>
+          <p:cNvPr id="2" name="Title 1">
+            <a:extLst>
+              <a:ext uri="{FF2B5EF4-FFF2-40B4-BE49-F238E27FC236}">
+                <a16:creationId xmlns:a16="http://schemas.microsoft.com/office/drawing/2014/main" id="{2B1DC0EA-A949-2A7A-F1A1-20D03F00488D}"/>
+              </a:ext>
+            </a:extLst>
+          </p:cNvPr>
+          <p:cNvSpPr>
+            <a:spLocks noGrp="1"/>
+          </p:cNvSpPr>
+          <p:nvPr>
+            <p:ph type="title"/>
+          </p:nvPr>
+        </p:nvSpPr>
+        <p:spPr/>
+        <p:txBody>
+          <a:bodyPr/>
+          <a:lstStyle/>
+          <a:p>
+            <a:r>
+              <a:rPr lang="en-US" dirty="0"/>
+              <a:t>IF/Else Statement in JS:</a:t>
+            </a:r>
+          </a:p>
+        </p:txBody>
+      </p:sp>
+      <p:sp>
+        <p:nvSpPr>
+          <p:cNvPr id="3" name="Content Placeholder 2">
+            <a:extLst>
+              <a:ext uri="{FF2B5EF4-FFF2-40B4-BE49-F238E27FC236}">
+                <a16:creationId xmlns:a16="http://schemas.microsoft.com/office/drawing/2014/main" id="{C76B60CD-72AD-B227-AFD8-61CD892C66A7}"/>
+              </a:ext>
+            </a:extLst>
+          </p:cNvPr>
+          <p:cNvSpPr>
+            <a:spLocks noGrp="1"/>
+          </p:cNvSpPr>
+          <p:nvPr>
+            <p:ph idx="1"/>
+          </p:nvPr>
+        </p:nvSpPr>
+        <p:spPr/>
+        <p:txBody>
+          <a:bodyPr>
+            <a:normAutofit/>
+          </a:bodyPr>
+          <a:lstStyle/>
+          <a:p>
+            <a:pPr marL="0" indent="0">
+              <a:buNone/>
+            </a:pPr>
+            <a:r>
+              <a:rPr lang="en-US" dirty="0"/>
+              <a:t>If(Condition True){</a:t>
+            </a:r>
+          </a:p>
+          <a:p>
+            <a:pPr marL="0" indent="0">
+              <a:buNone/>
+            </a:pPr>
+            <a:r>
+              <a:rPr lang="en-US" dirty="0"/>
+              <a:t>	Statement for True</a:t>
+            </a:r>
+          </a:p>
+          <a:p>
+            <a:pPr marL="0" indent="0">
+              <a:buNone/>
+            </a:pPr>
+            <a:r>
+              <a:rPr lang="en-US" dirty="0"/>
+              <a:t>}else{</a:t>
+            </a:r>
+          </a:p>
+          <a:p>
+            <a:pPr marL="0" indent="0">
+              <a:buNone/>
+            </a:pPr>
+            <a:r>
+              <a:rPr lang="en-US" dirty="0"/>
+              <a:t>	Statement for False</a:t>
+            </a:r>
+          </a:p>
+          <a:p>
+            <a:pPr marL="0" indent="0">
+              <a:buNone/>
+            </a:pPr>
+            <a:r>
+              <a:rPr lang="en-US" dirty="0"/>
+              <a:t>}</a:t>
+            </a:r>
+          </a:p>
+          <a:p>
+            <a:pPr marL="0" indent="0">
+              <a:buNone/>
+            </a:pPr>
+            <a:endParaRPr lang="en-US" dirty="0"/>
+          </a:p>
+        </p:txBody>
+      </p:sp>
+    </p:spTree>
+    <p:extLst>
+      <p:ext uri="{BB962C8B-B14F-4D97-AF65-F5344CB8AC3E}">
+        <p14:creationId xmlns:p14="http://schemas.microsoft.com/office/powerpoint/2010/main" val="4022039044"/>
       </p:ext>
     </p:extLst>
   </p:cSld>

--- a/JavaScript.pptx
+++ b/JavaScript.pptx
@@ -40,6 +40,11 @@
     <p:sldId id="288" r:id="rId34"/>
     <p:sldId id="289" r:id="rId35"/>
     <p:sldId id="290" r:id="rId36"/>
+    <p:sldId id="291" r:id="rId37"/>
+    <p:sldId id="292" r:id="rId38"/>
+    <p:sldId id="293" r:id="rId39"/>
+    <p:sldId id="294" r:id="rId40"/>
+    <p:sldId id="295" r:id="rId41"/>
   </p:sldIdLst>
   <p:sldSz cx="12192000" cy="6858000"/>
   <p:notesSz cx="6858000" cy="9144000"/>
@@ -182,6 +187,11 @@
             <p14:sldId id="288"/>
             <p14:sldId id="289"/>
             <p14:sldId id="290"/>
+            <p14:sldId id="291"/>
+            <p14:sldId id="292"/>
+            <p14:sldId id="293"/>
+            <p14:sldId id="294"/>
+            <p14:sldId id="295"/>
           </p14:sldIdLst>
         </p14:section>
       </p14:sectionLst>
@@ -340,7 +350,7 @@
           <a:p>
             <a:fld id="{B0FD79F2-F8AC-467F-AA9E-9C9DDF51E646}" type="datetimeFigureOut">
               <a:rPr lang="en-US" smtClean="0"/>
-              <a:t>1/4/2023</a:t>
+              <a:t>1/5/2023</a:t>
             </a:fld>
             <a:endParaRPr lang="en-US"/>
           </a:p>
@@ -538,7 +548,7 @@
           <a:p>
             <a:fld id="{B0FD79F2-F8AC-467F-AA9E-9C9DDF51E646}" type="datetimeFigureOut">
               <a:rPr lang="en-US" smtClean="0"/>
-              <a:t>1/4/2023</a:t>
+              <a:t>1/5/2023</a:t>
             </a:fld>
             <a:endParaRPr lang="en-US"/>
           </a:p>
@@ -746,7 +756,7 @@
           <a:p>
             <a:fld id="{B0FD79F2-F8AC-467F-AA9E-9C9DDF51E646}" type="datetimeFigureOut">
               <a:rPr lang="en-US" smtClean="0"/>
-              <a:t>1/4/2023</a:t>
+              <a:t>1/5/2023</a:t>
             </a:fld>
             <a:endParaRPr lang="en-US"/>
           </a:p>
@@ -944,7 +954,7 @@
           <a:p>
             <a:fld id="{B0FD79F2-F8AC-467F-AA9E-9C9DDF51E646}" type="datetimeFigureOut">
               <a:rPr lang="en-US" smtClean="0"/>
-              <a:t>1/4/2023</a:t>
+              <a:t>1/5/2023</a:t>
             </a:fld>
             <a:endParaRPr lang="en-US"/>
           </a:p>
@@ -1219,7 +1229,7 @@
           <a:p>
             <a:fld id="{B0FD79F2-F8AC-467F-AA9E-9C9DDF51E646}" type="datetimeFigureOut">
               <a:rPr lang="en-US" smtClean="0"/>
-              <a:t>1/4/2023</a:t>
+              <a:t>1/5/2023</a:t>
             </a:fld>
             <a:endParaRPr lang="en-US"/>
           </a:p>
@@ -1484,7 +1494,7 @@
           <a:p>
             <a:fld id="{B0FD79F2-F8AC-467F-AA9E-9C9DDF51E646}" type="datetimeFigureOut">
               <a:rPr lang="en-US" smtClean="0"/>
-              <a:t>1/4/2023</a:t>
+              <a:t>1/5/2023</a:t>
             </a:fld>
             <a:endParaRPr lang="en-US"/>
           </a:p>
@@ -1896,7 +1906,7 @@
           <a:p>
             <a:fld id="{B0FD79F2-F8AC-467F-AA9E-9C9DDF51E646}" type="datetimeFigureOut">
               <a:rPr lang="en-US" smtClean="0"/>
-              <a:t>1/4/2023</a:t>
+              <a:t>1/5/2023</a:t>
             </a:fld>
             <a:endParaRPr lang="en-US"/>
           </a:p>
@@ -2037,7 +2047,7 @@
           <a:p>
             <a:fld id="{B0FD79F2-F8AC-467F-AA9E-9C9DDF51E646}" type="datetimeFigureOut">
               <a:rPr lang="en-US" smtClean="0"/>
-              <a:t>1/4/2023</a:t>
+              <a:t>1/5/2023</a:t>
             </a:fld>
             <a:endParaRPr lang="en-US"/>
           </a:p>
@@ -2150,7 +2160,7 @@
           <a:p>
             <a:fld id="{B0FD79F2-F8AC-467F-AA9E-9C9DDF51E646}" type="datetimeFigureOut">
               <a:rPr lang="en-US" smtClean="0"/>
-              <a:t>1/4/2023</a:t>
+              <a:t>1/5/2023</a:t>
             </a:fld>
             <a:endParaRPr lang="en-US"/>
           </a:p>
@@ -2461,7 +2471,7 @@
           <a:p>
             <a:fld id="{B0FD79F2-F8AC-467F-AA9E-9C9DDF51E646}" type="datetimeFigureOut">
               <a:rPr lang="en-US" smtClean="0"/>
-              <a:t>1/4/2023</a:t>
+              <a:t>1/5/2023</a:t>
             </a:fld>
             <a:endParaRPr lang="en-US"/>
           </a:p>
@@ -2749,7 +2759,7 @@
           <a:p>
             <a:fld id="{B0FD79F2-F8AC-467F-AA9E-9C9DDF51E646}" type="datetimeFigureOut">
               <a:rPr lang="en-US" smtClean="0"/>
-              <a:t>1/4/2023</a:t>
+              <a:t>1/5/2023</a:t>
             </a:fld>
             <a:endParaRPr lang="en-US"/>
           </a:p>
@@ -2990,7 +3000,7 @@
           <a:p>
             <a:fld id="{B0FD79F2-F8AC-467F-AA9E-9C9DDF51E646}" type="datetimeFigureOut">
               <a:rPr lang="en-US" smtClean="0"/>
-              <a:t>1/4/2023</a:t>
+              <a:t>1/5/2023</a:t>
             </a:fld>
             <a:endParaRPr lang="en-US"/>
           </a:p>
@@ -7705,6 +7715,12 @@
             <a:pPr marL="0" indent="0">
               <a:buNone/>
             </a:pPr>
+            <a:endParaRPr lang="en-US" dirty="0"/>
+          </a:p>
+          <a:p>
+            <a:pPr marL="0" indent="0">
+              <a:buNone/>
+            </a:pPr>
             <a:r>
               <a:rPr lang="en-US" dirty="0"/>
               <a:t>Var x = 8;</a:t>
@@ -9589,6 +9605,566 @@
 </p:sld>
 </file>
 
+<file path=ppt/slides/slide36.xml><?xml version="1.0" encoding="utf-8"?>
+<p:sld xmlns:a="http://schemas.openxmlformats.org/drawingml/2006/main" xmlns:r="http://schemas.openxmlformats.org/officeDocument/2006/relationships" xmlns:p="http://schemas.openxmlformats.org/presentationml/2006/main">
+  <p:cSld>
+    <p:spTree>
+      <p:nvGrpSpPr>
+        <p:cNvPr id="1" name=""/>
+        <p:cNvGrpSpPr/>
+        <p:nvPr/>
+      </p:nvGrpSpPr>
+      <p:grpSpPr>
+        <a:xfrm>
+          <a:off x="0" y="0"/>
+          <a:ext cx="0" cy="0"/>
+          <a:chOff x="0" y="0"/>
+          <a:chExt cx="0" cy="0"/>
+        </a:xfrm>
+      </p:grpSpPr>
+      <p:sp>
+        <p:nvSpPr>
+          <p:cNvPr id="2" name="Title 1">
+            <a:extLst>
+              <a:ext uri="{FF2B5EF4-FFF2-40B4-BE49-F238E27FC236}">
+                <a16:creationId xmlns:a16="http://schemas.microsoft.com/office/drawing/2014/main" id="{36996AF1-8E70-AF1B-27AC-3C64769BCB06}"/>
+              </a:ext>
+            </a:extLst>
+          </p:cNvPr>
+          <p:cNvSpPr>
+            <a:spLocks noGrp="1"/>
+          </p:cNvSpPr>
+          <p:nvPr>
+            <p:ph type="title"/>
+          </p:nvPr>
+        </p:nvSpPr>
+        <p:spPr/>
+        <p:txBody>
+          <a:bodyPr/>
+          <a:lstStyle/>
+          <a:p>
+            <a:r>
+              <a:rPr lang="en-US" dirty="0"/>
+              <a:t>IF Else IF statement</a:t>
+            </a:r>
+          </a:p>
+        </p:txBody>
+      </p:sp>
+      <p:sp>
+        <p:nvSpPr>
+          <p:cNvPr id="4" name="TextBox 3">
+            <a:extLst>
+              <a:ext uri="{FF2B5EF4-FFF2-40B4-BE49-F238E27FC236}">
+                <a16:creationId xmlns:a16="http://schemas.microsoft.com/office/drawing/2014/main" id="{67CA432F-BACF-AE2D-47B3-B6EFDAECCF5A}"/>
+              </a:ext>
+            </a:extLst>
+          </p:cNvPr>
+          <p:cNvSpPr txBox="1"/>
+          <p:nvPr/>
+        </p:nvSpPr>
+        <p:spPr>
+          <a:xfrm>
+            <a:off x="3862316" y="1690688"/>
+            <a:ext cx="5486400" cy="3539430"/>
+          </a:xfrm>
+          <a:prstGeom prst="rect">
+            <a:avLst/>
+          </a:prstGeom>
+          <a:noFill/>
+        </p:spPr>
+        <p:txBody>
+          <a:bodyPr wrap="square" rtlCol="0">
+            <a:spAutoFit/>
+          </a:bodyPr>
+          <a:lstStyle/>
+          <a:p>
+            <a:r>
+              <a:rPr lang="en-US" sz="3200" dirty="0"/>
+              <a:t>If(Condition 1){</a:t>
+            </a:r>
+          </a:p>
+          <a:p>
+            <a:r>
+              <a:rPr lang="en-US" sz="3200" dirty="0"/>
+              <a:t>….</a:t>
+            </a:r>
+          </a:p>
+          <a:p>
+            <a:r>
+              <a:rPr lang="en-US" sz="3200" dirty="0"/>
+              <a:t>}else if(Condition 2){</a:t>
+            </a:r>
+          </a:p>
+          <a:p>
+            <a:r>
+              <a:rPr lang="en-US" sz="3200" dirty="0"/>
+              <a:t>…</a:t>
+            </a:r>
+          </a:p>
+          <a:p>
+            <a:r>
+              <a:rPr lang="en-US" sz="3200" dirty="0"/>
+              <a:t>}else{</a:t>
+            </a:r>
+          </a:p>
+          <a:p>
+            <a:r>
+              <a:rPr lang="en-US" sz="3200" dirty="0"/>
+              <a:t>…</a:t>
+            </a:r>
+          </a:p>
+          <a:p>
+            <a:r>
+              <a:rPr lang="en-US" sz="3200" dirty="0"/>
+              <a:t>}</a:t>
+            </a:r>
+          </a:p>
+        </p:txBody>
+      </p:sp>
+    </p:spTree>
+    <p:extLst>
+      <p:ext uri="{BB962C8B-B14F-4D97-AF65-F5344CB8AC3E}">
+        <p14:creationId xmlns:p14="http://schemas.microsoft.com/office/powerpoint/2010/main" val="910917709"/>
+      </p:ext>
+    </p:extLst>
+  </p:cSld>
+  <p:clrMapOvr>
+    <a:masterClrMapping/>
+  </p:clrMapOvr>
+</p:sld>
+</file>
+
+<file path=ppt/slides/slide37.xml><?xml version="1.0" encoding="utf-8"?>
+<p:sld xmlns:a="http://schemas.openxmlformats.org/drawingml/2006/main" xmlns:r="http://schemas.openxmlformats.org/officeDocument/2006/relationships" xmlns:p="http://schemas.openxmlformats.org/presentationml/2006/main">
+  <p:cSld>
+    <p:spTree>
+      <p:nvGrpSpPr>
+        <p:cNvPr id="1" name=""/>
+        <p:cNvGrpSpPr/>
+        <p:nvPr/>
+      </p:nvGrpSpPr>
+      <p:grpSpPr>
+        <a:xfrm>
+          <a:off x="0" y="0"/>
+          <a:ext cx="0" cy="0"/>
+          <a:chOff x="0" y="0"/>
+          <a:chExt cx="0" cy="0"/>
+        </a:xfrm>
+      </p:grpSpPr>
+      <p:sp>
+        <p:nvSpPr>
+          <p:cNvPr id="2" name="Title 1">
+            <a:extLst>
+              <a:ext uri="{FF2B5EF4-FFF2-40B4-BE49-F238E27FC236}">
+                <a16:creationId xmlns:a16="http://schemas.microsoft.com/office/drawing/2014/main" id="{378CF044-9D99-9F9A-3752-8661B5A60793}"/>
+              </a:ext>
+            </a:extLst>
+          </p:cNvPr>
+          <p:cNvSpPr>
+            <a:spLocks noGrp="1"/>
+          </p:cNvSpPr>
+          <p:nvPr>
+            <p:ph type="title"/>
+          </p:nvPr>
+        </p:nvSpPr>
+        <p:spPr>
+          <a:xfrm>
+            <a:off x="838200" y="365125"/>
+            <a:ext cx="10515600" cy="5967436"/>
+          </a:xfrm>
+        </p:spPr>
+        <p:txBody>
+          <a:bodyPr/>
+          <a:lstStyle/>
+          <a:p>
+            <a:r>
+              <a:rPr lang="en-US" dirty="0"/>
+              <a:t>Percentage 			Grade</a:t>
+            </a:r>
+            <a:br>
+              <a:rPr lang="en-US" dirty="0"/>
+            </a:br>
+            <a:r>
+              <a:rPr lang="en-US" dirty="0"/>
+              <a:t>80-100%			merit</a:t>
+            </a:r>
+            <a:br>
+              <a:rPr lang="en-US" dirty="0"/>
+            </a:br>
+            <a:r>
+              <a:rPr lang="en-US" dirty="0"/>
+              <a:t>60-79%				I Division</a:t>
+            </a:r>
+            <a:br>
+              <a:rPr lang="en-US" dirty="0"/>
+            </a:br>
+            <a:r>
+              <a:rPr lang="en-US" dirty="0"/>
+              <a:t>45-59%				II Division</a:t>
+            </a:r>
+            <a:br>
+              <a:rPr lang="en-US" dirty="0"/>
+            </a:br>
+            <a:r>
+              <a:rPr lang="en-US" dirty="0"/>
+              <a:t>33-44%				III Division</a:t>
+            </a:r>
+            <a:br>
+              <a:rPr lang="en-US" dirty="0"/>
+            </a:br>
+            <a:r>
+              <a:rPr lang="en-US" dirty="0"/>
+              <a:t>less than 33%		Fail</a:t>
+            </a:r>
+          </a:p>
+        </p:txBody>
+      </p:sp>
+    </p:spTree>
+    <p:extLst>
+      <p:ext uri="{BB962C8B-B14F-4D97-AF65-F5344CB8AC3E}">
+        <p14:creationId xmlns:p14="http://schemas.microsoft.com/office/powerpoint/2010/main" val="4011363078"/>
+      </p:ext>
+    </p:extLst>
+  </p:cSld>
+  <p:clrMapOvr>
+    <a:masterClrMapping/>
+  </p:clrMapOvr>
+</p:sld>
+</file>
+
+<file path=ppt/slides/slide38.xml><?xml version="1.0" encoding="utf-8"?>
+<p:sld xmlns:a="http://schemas.openxmlformats.org/drawingml/2006/main" xmlns:r="http://schemas.openxmlformats.org/officeDocument/2006/relationships" xmlns:p="http://schemas.openxmlformats.org/presentationml/2006/main">
+  <p:cSld>
+    <p:spTree>
+      <p:nvGrpSpPr>
+        <p:cNvPr id="1" name=""/>
+        <p:cNvGrpSpPr/>
+        <p:nvPr/>
+      </p:nvGrpSpPr>
+      <p:grpSpPr>
+        <a:xfrm>
+          <a:off x="0" y="0"/>
+          <a:ext cx="0" cy="0"/>
+          <a:chOff x="0" y="0"/>
+          <a:chExt cx="0" cy="0"/>
+        </a:xfrm>
+      </p:grpSpPr>
+      <p:sp>
+        <p:nvSpPr>
+          <p:cNvPr id="2" name="Title 1">
+            <a:extLst>
+              <a:ext uri="{FF2B5EF4-FFF2-40B4-BE49-F238E27FC236}">
+                <a16:creationId xmlns:a16="http://schemas.microsoft.com/office/drawing/2014/main" id="{14A7B10C-8D67-6676-0039-360625A44B41}"/>
+              </a:ext>
+            </a:extLst>
+          </p:cNvPr>
+          <p:cNvSpPr>
+            <a:spLocks noGrp="1"/>
+          </p:cNvSpPr>
+          <p:nvPr>
+            <p:ph type="title"/>
+          </p:nvPr>
+        </p:nvSpPr>
+        <p:spPr/>
+        <p:txBody>
+          <a:bodyPr/>
+          <a:lstStyle/>
+          <a:p>
+            <a:r>
+              <a:rPr lang="en-US" dirty="0"/>
+              <a:t>JS: Conditional(ternary) Operator</a:t>
+            </a:r>
+          </a:p>
+        </p:txBody>
+      </p:sp>
+      <p:sp>
+        <p:nvSpPr>
+          <p:cNvPr id="4" name="TextBox 3">
+            <a:extLst>
+              <a:ext uri="{FF2B5EF4-FFF2-40B4-BE49-F238E27FC236}">
+                <a16:creationId xmlns:a16="http://schemas.microsoft.com/office/drawing/2014/main" id="{D79DF344-FE52-3C37-6F84-24FC7190FF35}"/>
+              </a:ext>
+            </a:extLst>
+          </p:cNvPr>
+          <p:cNvSpPr txBox="1"/>
+          <p:nvPr/>
+        </p:nvSpPr>
+        <p:spPr>
+          <a:xfrm>
+            <a:off x="1748079" y="1690688"/>
+            <a:ext cx="8695842" cy="646331"/>
+          </a:xfrm>
+          <a:prstGeom prst="rect">
+            <a:avLst/>
+          </a:prstGeom>
+          <a:noFill/>
+        </p:spPr>
+        <p:txBody>
+          <a:bodyPr wrap="none" rtlCol="0">
+            <a:spAutoFit/>
+          </a:bodyPr>
+          <a:lstStyle/>
+          <a:p>
+            <a:r>
+              <a:rPr lang="en-US" sz="3600" dirty="0"/>
+              <a:t>(Condition)?True Statement : False Statement</a:t>
+            </a:r>
+          </a:p>
+        </p:txBody>
+      </p:sp>
+      <p:sp>
+        <p:nvSpPr>
+          <p:cNvPr id="5" name="TextBox 4">
+            <a:extLst>
+              <a:ext uri="{FF2B5EF4-FFF2-40B4-BE49-F238E27FC236}">
+                <a16:creationId xmlns:a16="http://schemas.microsoft.com/office/drawing/2014/main" id="{40F108DF-AD63-2DFF-9C31-E8B5F527CE32}"/>
+              </a:ext>
+            </a:extLst>
+          </p:cNvPr>
+          <p:cNvSpPr txBox="1"/>
+          <p:nvPr/>
+        </p:nvSpPr>
+        <p:spPr>
+          <a:xfrm>
+            <a:off x="1941342" y="3699803"/>
+            <a:ext cx="5028300" cy="2062103"/>
+          </a:xfrm>
+          <a:prstGeom prst="rect">
+            <a:avLst/>
+          </a:prstGeom>
+          <a:noFill/>
+        </p:spPr>
+        <p:txBody>
+          <a:bodyPr wrap="none" rtlCol="0">
+            <a:spAutoFit/>
+          </a:bodyPr>
+          <a:lstStyle/>
+          <a:p>
+            <a:r>
+              <a:rPr lang="en-US" sz="3200" dirty="0"/>
+              <a:t>Let x = 15;</a:t>
+            </a:r>
+          </a:p>
+          <a:p>
+            <a:r>
+              <a:rPr lang="en-US" sz="3200" dirty="0"/>
+              <a:t>Let z;</a:t>
+            </a:r>
+          </a:p>
+          <a:p>
+            <a:r>
+              <a:rPr lang="en-US" sz="3200" dirty="0"/>
+              <a:t>(x&gt;10) ? z=“True” : z=“False”;</a:t>
+            </a:r>
+          </a:p>
+          <a:p>
+            <a:r>
+              <a:rPr lang="en-US" sz="3200" dirty="0" err="1"/>
+              <a:t>Document.write</a:t>
+            </a:r>
+            <a:r>
+              <a:rPr lang="en-US" sz="3200" dirty="0"/>
+              <a:t>(z);</a:t>
+            </a:r>
+          </a:p>
+        </p:txBody>
+      </p:sp>
+    </p:spTree>
+    <p:extLst>
+      <p:ext uri="{BB962C8B-B14F-4D97-AF65-F5344CB8AC3E}">
+        <p14:creationId xmlns:p14="http://schemas.microsoft.com/office/powerpoint/2010/main" val="3370917512"/>
+      </p:ext>
+    </p:extLst>
+  </p:cSld>
+  <p:clrMapOvr>
+    <a:masterClrMapping/>
+  </p:clrMapOvr>
+</p:sld>
+</file>
+
+<file path=ppt/slides/slide39.xml><?xml version="1.0" encoding="utf-8"?>
+<p:sld xmlns:a="http://schemas.openxmlformats.org/drawingml/2006/main" xmlns:r="http://schemas.openxmlformats.org/officeDocument/2006/relationships" xmlns:p="http://schemas.openxmlformats.org/presentationml/2006/main">
+  <p:cSld>
+    <p:spTree>
+      <p:nvGrpSpPr>
+        <p:cNvPr id="1" name=""/>
+        <p:cNvGrpSpPr/>
+        <p:nvPr/>
+      </p:nvGrpSpPr>
+      <p:grpSpPr>
+        <a:xfrm>
+          <a:off x="0" y="0"/>
+          <a:ext cx="0" cy="0"/>
+          <a:chOff x="0" y="0"/>
+          <a:chExt cx="0" cy="0"/>
+        </a:xfrm>
+      </p:grpSpPr>
+      <p:sp>
+        <p:nvSpPr>
+          <p:cNvPr id="2" name="Title 1">
+            <a:extLst>
+              <a:ext uri="{FF2B5EF4-FFF2-40B4-BE49-F238E27FC236}">
+                <a16:creationId xmlns:a16="http://schemas.microsoft.com/office/drawing/2014/main" id="{3C2178CF-D1AC-6579-F6C5-B615F00EBA3B}"/>
+              </a:ext>
+            </a:extLst>
+          </p:cNvPr>
+          <p:cNvSpPr>
+            <a:spLocks noGrp="1"/>
+          </p:cNvSpPr>
+          <p:nvPr>
+            <p:ph type="title"/>
+          </p:nvPr>
+        </p:nvSpPr>
+        <p:spPr/>
+        <p:txBody>
+          <a:bodyPr/>
+          <a:lstStyle/>
+          <a:p>
+            <a:r>
+              <a:rPr lang="en-US" dirty="0"/>
+              <a:t>JS: Switch Statement</a:t>
+            </a:r>
+          </a:p>
+        </p:txBody>
+      </p:sp>
+      <p:sp>
+        <p:nvSpPr>
+          <p:cNvPr id="3" name="Content Placeholder 2">
+            <a:extLst>
+              <a:ext uri="{FF2B5EF4-FFF2-40B4-BE49-F238E27FC236}">
+                <a16:creationId xmlns:a16="http://schemas.microsoft.com/office/drawing/2014/main" id="{2ADBAD0A-3A73-7067-D823-82E189799CDC}"/>
+              </a:ext>
+            </a:extLst>
+          </p:cNvPr>
+          <p:cNvSpPr>
+            <a:spLocks noGrp="1"/>
+          </p:cNvSpPr>
+          <p:nvPr>
+            <p:ph idx="1"/>
+          </p:nvPr>
+        </p:nvSpPr>
+        <p:spPr/>
+        <p:txBody>
+          <a:bodyPr>
+            <a:normAutofit fontScale="85000" lnSpcReduction="20000"/>
+          </a:bodyPr>
+          <a:lstStyle/>
+          <a:p>
+            <a:pPr marL="0" indent="0">
+              <a:buNone/>
+            </a:pPr>
+            <a:r>
+              <a:rPr lang="en-US" dirty="0"/>
+              <a:t>Switch (expression){</a:t>
+            </a:r>
+          </a:p>
+          <a:p>
+            <a:pPr marL="0" indent="0">
+              <a:buNone/>
+            </a:pPr>
+            <a:r>
+              <a:rPr lang="en-US" dirty="0"/>
+              <a:t>	case condition1: statement(s);</a:t>
+            </a:r>
+          </a:p>
+          <a:p>
+            <a:pPr marL="0" indent="0">
+              <a:buNone/>
+            </a:pPr>
+            <a:r>
+              <a:rPr lang="en-US" dirty="0"/>
+              <a:t>	break;</a:t>
+            </a:r>
+          </a:p>
+          <a:p>
+            <a:pPr marL="0" indent="0">
+              <a:buNone/>
+            </a:pPr>
+            <a:r>
+              <a:rPr lang="en-US" dirty="0"/>
+              <a:t>	case condition2: statement(s)</a:t>
+            </a:r>
+          </a:p>
+          <a:p>
+            <a:pPr marL="0" indent="0">
+              <a:buNone/>
+            </a:pPr>
+            <a:r>
+              <a:rPr lang="en-US" dirty="0"/>
+              <a:t>	break;</a:t>
+            </a:r>
+          </a:p>
+          <a:p>
+            <a:pPr marL="0" indent="0">
+              <a:buNone/>
+            </a:pPr>
+            <a:r>
+              <a:rPr lang="en-US" dirty="0"/>
+              <a:t>	case condition3: statement(s)</a:t>
+            </a:r>
+          </a:p>
+          <a:p>
+            <a:pPr marL="0" indent="0">
+              <a:buNone/>
+            </a:pPr>
+            <a:r>
+              <a:rPr lang="en-US" dirty="0"/>
+              <a:t>	break;</a:t>
+            </a:r>
+          </a:p>
+          <a:p>
+            <a:pPr marL="0" indent="0">
+              <a:buNone/>
+            </a:pPr>
+            <a:endParaRPr lang="en-US" dirty="0"/>
+          </a:p>
+          <a:p>
+            <a:pPr marL="0" indent="0">
+              <a:buNone/>
+            </a:pPr>
+            <a:r>
+              <a:rPr lang="en-US" dirty="0"/>
+              <a:t>	</a:t>
+            </a:r>
+            <a:r>
+              <a:rPr lang="en-US" dirty="0" err="1"/>
+              <a:t>default:statement</a:t>
+            </a:r>
+            <a:r>
+              <a:rPr lang="en-US" dirty="0"/>
+              <a:t>(s)</a:t>
+            </a:r>
+          </a:p>
+          <a:p>
+            <a:pPr marL="0" indent="0">
+              <a:buNone/>
+            </a:pPr>
+            <a:endParaRPr lang="en-US" dirty="0"/>
+          </a:p>
+          <a:p>
+            <a:pPr marL="0" indent="0">
+              <a:buNone/>
+            </a:pPr>
+            <a:r>
+              <a:rPr lang="en-US" dirty="0"/>
+              <a:t>}</a:t>
+            </a:r>
+          </a:p>
+        </p:txBody>
+      </p:sp>
+    </p:spTree>
+    <p:extLst>
+      <p:ext uri="{BB962C8B-B14F-4D97-AF65-F5344CB8AC3E}">
+        <p14:creationId xmlns:p14="http://schemas.microsoft.com/office/powerpoint/2010/main" val="4283658276"/>
+      </p:ext>
+    </p:extLst>
+  </p:cSld>
+  <p:clrMapOvr>
+    <a:masterClrMapping/>
+  </p:clrMapOvr>
+</p:sld>
+</file>
+
 <file path=ppt/slides/slide4.xml><?xml version="1.0" encoding="utf-8"?>
 <p:sld xmlns:a="http://schemas.openxmlformats.org/drawingml/2006/main" xmlns:r="http://schemas.openxmlformats.org/officeDocument/2006/relationships" xmlns:p="http://schemas.openxmlformats.org/presentationml/2006/main">
   <p:cSld>
@@ -10044,6 +10620,83 @@
     <p:extLst>
       <p:ext uri="{BB962C8B-B14F-4D97-AF65-F5344CB8AC3E}">
         <p14:creationId xmlns:p14="http://schemas.microsoft.com/office/powerpoint/2010/main" val="2610756864"/>
+      </p:ext>
+    </p:extLst>
+  </p:cSld>
+  <p:clrMapOvr>
+    <a:masterClrMapping/>
+  </p:clrMapOvr>
+</p:sld>
+</file>
+
+<file path=ppt/slides/slide40.xml><?xml version="1.0" encoding="utf-8"?>
+<p:sld xmlns:a="http://schemas.openxmlformats.org/drawingml/2006/main" xmlns:r="http://schemas.openxmlformats.org/officeDocument/2006/relationships" xmlns:p="http://schemas.openxmlformats.org/presentationml/2006/main">
+  <p:cSld>
+    <p:spTree>
+      <p:nvGrpSpPr>
+        <p:cNvPr id="1" name=""/>
+        <p:cNvGrpSpPr/>
+        <p:nvPr/>
+      </p:nvGrpSpPr>
+      <p:grpSpPr>
+        <a:xfrm>
+          <a:off x="0" y="0"/>
+          <a:ext cx="0" cy="0"/>
+          <a:chOff x="0" y="0"/>
+          <a:chExt cx="0" cy="0"/>
+        </a:xfrm>
+      </p:grpSpPr>
+      <p:sp>
+        <p:nvSpPr>
+          <p:cNvPr id="2" name="Title 1">
+            <a:extLst>
+              <a:ext uri="{FF2B5EF4-FFF2-40B4-BE49-F238E27FC236}">
+                <a16:creationId xmlns:a16="http://schemas.microsoft.com/office/drawing/2014/main" id="{91387D16-8F44-59EB-9CE9-DA8D5C318173}"/>
+              </a:ext>
+            </a:extLst>
+          </p:cNvPr>
+          <p:cNvSpPr>
+            <a:spLocks noGrp="1"/>
+          </p:cNvSpPr>
+          <p:nvPr>
+            <p:ph type="title"/>
+          </p:nvPr>
+        </p:nvSpPr>
+        <p:spPr>
+          <a:xfrm>
+            <a:off x="838200" y="365125"/>
+            <a:ext cx="10515600" cy="5749072"/>
+          </a:xfrm>
+        </p:spPr>
+        <p:txBody>
+          <a:bodyPr/>
+          <a:lstStyle/>
+          <a:p>
+            <a:r>
+              <a:rPr lang="en-US" dirty="0"/>
+              <a:t>JS: Alert Box</a:t>
+            </a:r>
+            <a:br>
+              <a:rPr lang="en-US" dirty="0"/>
+            </a:br>
+            <a:r>
+              <a:rPr lang="en-US" dirty="0"/>
+              <a:t>JS: Confirm Box</a:t>
+            </a:r>
+            <a:br>
+              <a:rPr lang="en-US" dirty="0"/>
+            </a:br>
+            <a:r>
+              <a:rPr lang="en-US" dirty="0"/>
+              <a:t>JS: Prompt Box</a:t>
+            </a:r>
+          </a:p>
+        </p:txBody>
+      </p:sp>
+    </p:spTree>
+    <p:extLst>
+      <p:ext uri="{BB962C8B-B14F-4D97-AF65-F5344CB8AC3E}">
+        <p14:creationId xmlns:p14="http://schemas.microsoft.com/office/powerpoint/2010/main" val="2595755913"/>
       </p:ext>
     </p:extLst>
   </p:cSld>

--- a/JavaScript.pptx
+++ b/JavaScript.pptx
@@ -45,6 +45,11 @@
     <p:sldId id="293" r:id="rId39"/>
     <p:sldId id="294" r:id="rId40"/>
     <p:sldId id="295" r:id="rId41"/>
+    <p:sldId id="296" r:id="rId42"/>
+    <p:sldId id="297" r:id="rId43"/>
+    <p:sldId id="298" r:id="rId44"/>
+    <p:sldId id="299" r:id="rId45"/>
+    <p:sldId id="300" r:id="rId46"/>
   </p:sldIdLst>
   <p:sldSz cx="12192000" cy="6858000"/>
   <p:notesSz cx="6858000" cy="9144000"/>
@@ -192,6 +197,11 @@
             <p14:sldId id="293"/>
             <p14:sldId id="294"/>
             <p14:sldId id="295"/>
+            <p14:sldId id="296"/>
+            <p14:sldId id="297"/>
+            <p14:sldId id="298"/>
+            <p14:sldId id="299"/>
+            <p14:sldId id="300"/>
           </p14:sldIdLst>
         </p14:section>
       </p14:sectionLst>
@@ -350,7 +360,7 @@
           <a:p>
             <a:fld id="{B0FD79F2-F8AC-467F-AA9E-9C9DDF51E646}" type="datetimeFigureOut">
               <a:rPr lang="en-US" smtClean="0"/>
-              <a:t>1/5/2023</a:t>
+              <a:t>1/6/2023</a:t>
             </a:fld>
             <a:endParaRPr lang="en-US"/>
           </a:p>
@@ -548,7 +558,7 @@
           <a:p>
             <a:fld id="{B0FD79F2-F8AC-467F-AA9E-9C9DDF51E646}" type="datetimeFigureOut">
               <a:rPr lang="en-US" smtClean="0"/>
-              <a:t>1/5/2023</a:t>
+              <a:t>1/6/2023</a:t>
             </a:fld>
             <a:endParaRPr lang="en-US"/>
           </a:p>
@@ -756,7 +766,7 @@
           <a:p>
             <a:fld id="{B0FD79F2-F8AC-467F-AA9E-9C9DDF51E646}" type="datetimeFigureOut">
               <a:rPr lang="en-US" smtClean="0"/>
-              <a:t>1/5/2023</a:t>
+              <a:t>1/6/2023</a:t>
             </a:fld>
             <a:endParaRPr lang="en-US"/>
           </a:p>
@@ -954,7 +964,7 @@
           <a:p>
             <a:fld id="{B0FD79F2-F8AC-467F-AA9E-9C9DDF51E646}" type="datetimeFigureOut">
               <a:rPr lang="en-US" smtClean="0"/>
-              <a:t>1/5/2023</a:t>
+              <a:t>1/6/2023</a:t>
             </a:fld>
             <a:endParaRPr lang="en-US"/>
           </a:p>
@@ -1229,7 +1239,7 @@
           <a:p>
             <a:fld id="{B0FD79F2-F8AC-467F-AA9E-9C9DDF51E646}" type="datetimeFigureOut">
               <a:rPr lang="en-US" smtClean="0"/>
-              <a:t>1/5/2023</a:t>
+              <a:t>1/6/2023</a:t>
             </a:fld>
             <a:endParaRPr lang="en-US"/>
           </a:p>
@@ -1494,7 +1504,7 @@
           <a:p>
             <a:fld id="{B0FD79F2-F8AC-467F-AA9E-9C9DDF51E646}" type="datetimeFigureOut">
               <a:rPr lang="en-US" smtClean="0"/>
-              <a:t>1/5/2023</a:t>
+              <a:t>1/6/2023</a:t>
             </a:fld>
             <a:endParaRPr lang="en-US"/>
           </a:p>
@@ -1906,7 +1916,7 @@
           <a:p>
             <a:fld id="{B0FD79F2-F8AC-467F-AA9E-9C9DDF51E646}" type="datetimeFigureOut">
               <a:rPr lang="en-US" smtClean="0"/>
-              <a:t>1/5/2023</a:t>
+              <a:t>1/6/2023</a:t>
             </a:fld>
             <a:endParaRPr lang="en-US"/>
           </a:p>
@@ -2047,7 +2057,7 @@
           <a:p>
             <a:fld id="{B0FD79F2-F8AC-467F-AA9E-9C9DDF51E646}" type="datetimeFigureOut">
               <a:rPr lang="en-US" smtClean="0"/>
-              <a:t>1/5/2023</a:t>
+              <a:t>1/6/2023</a:t>
             </a:fld>
             <a:endParaRPr lang="en-US"/>
           </a:p>
@@ -2160,7 +2170,7 @@
           <a:p>
             <a:fld id="{B0FD79F2-F8AC-467F-AA9E-9C9DDF51E646}" type="datetimeFigureOut">
               <a:rPr lang="en-US" smtClean="0"/>
-              <a:t>1/5/2023</a:t>
+              <a:t>1/6/2023</a:t>
             </a:fld>
             <a:endParaRPr lang="en-US"/>
           </a:p>
@@ -2471,7 +2481,7 @@
           <a:p>
             <a:fld id="{B0FD79F2-F8AC-467F-AA9E-9C9DDF51E646}" type="datetimeFigureOut">
               <a:rPr lang="en-US" smtClean="0"/>
-              <a:t>1/5/2023</a:t>
+              <a:t>1/6/2023</a:t>
             </a:fld>
             <a:endParaRPr lang="en-US"/>
           </a:p>
@@ -2759,7 +2769,7 @@
           <a:p>
             <a:fld id="{B0FD79F2-F8AC-467F-AA9E-9C9DDF51E646}" type="datetimeFigureOut">
               <a:rPr lang="en-US" smtClean="0"/>
-              <a:t>1/5/2023</a:t>
+              <a:t>1/6/2023</a:t>
             </a:fld>
             <a:endParaRPr lang="en-US"/>
           </a:p>
@@ -3000,7 +3010,7 @@
           <a:p>
             <a:fld id="{B0FD79F2-F8AC-467F-AA9E-9C9DDF51E646}" type="datetimeFigureOut">
               <a:rPr lang="en-US" smtClean="0"/>
-              <a:t>1/5/2023</a:t>
+              <a:t>1/6/2023</a:t>
             </a:fld>
             <a:endParaRPr lang="en-US"/>
           </a:p>
@@ -10706,6 +10716,1723 @@
 </p:sld>
 </file>
 
+<file path=ppt/slides/slide41.xml><?xml version="1.0" encoding="utf-8"?>
+<p:sld xmlns:a="http://schemas.openxmlformats.org/drawingml/2006/main" xmlns:r="http://schemas.openxmlformats.org/officeDocument/2006/relationships" xmlns:p="http://schemas.openxmlformats.org/presentationml/2006/main">
+  <p:cSld>
+    <p:spTree>
+      <p:nvGrpSpPr>
+        <p:cNvPr id="1" name=""/>
+        <p:cNvGrpSpPr/>
+        <p:nvPr/>
+      </p:nvGrpSpPr>
+      <p:grpSpPr>
+        <a:xfrm>
+          <a:off x="0" y="0"/>
+          <a:ext cx="0" cy="0"/>
+          <a:chOff x="0" y="0"/>
+          <a:chExt cx="0" cy="0"/>
+        </a:xfrm>
+      </p:grpSpPr>
+      <p:sp>
+        <p:nvSpPr>
+          <p:cNvPr id="2" name="Title 1">
+            <a:extLst>
+              <a:ext uri="{FF2B5EF4-FFF2-40B4-BE49-F238E27FC236}">
+                <a16:creationId xmlns:a16="http://schemas.microsoft.com/office/drawing/2014/main" id="{378A16D6-A496-981B-5AAB-7CBAEFEDADA3}"/>
+              </a:ext>
+            </a:extLst>
+          </p:cNvPr>
+          <p:cNvSpPr>
+            <a:spLocks noGrp="1"/>
+          </p:cNvSpPr>
+          <p:nvPr>
+            <p:ph type="title"/>
+          </p:nvPr>
+        </p:nvSpPr>
+        <p:spPr/>
+        <p:txBody>
+          <a:bodyPr/>
+          <a:lstStyle/>
+          <a:p>
+            <a:r>
+              <a:rPr lang="en-US" dirty="0"/>
+              <a:t>JS: Functions</a:t>
+            </a:r>
+          </a:p>
+        </p:txBody>
+      </p:sp>
+      <p:sp>
+        <p:nvSpPr>
+          <p:cNvPr id="3" name="Content Placeholder 2">
+            <a:extLst>
+              <a:ext uri="{FF2B5EF4-FFF2-40B4-BE49-F238E27FC236}">
+                <a16:creationId xmlns:a16="http://schemas.microsoft.com/office/drawing/2014/main" id="{77B2E6F6-F335-59ED-E788-491A30DD9604}"/>
+              </a:ext>
+            </a:extLst>
+          </p:cNvPr>
+          <p:cNvSpPr>
+            <a:spLocks noGrp="1"/>
+          </p:cNvSpPr>
+          <p:nvPr>
+            <p:ph idx="1"/>
+          </p:nvPr>
+        </p:nvSpPr>
+        <p:spPr>
+          <a:xfrm>
+            <a:off x="495300" y="1482724"/>
+            <a:ext cx="3492500" cy="4765675"/>
+          </a:xfrm>
+        </p:spPr>
+        <p:txBody>
+          <a:bodyPr>
+            <a:normAutofit fontScale="40000" lnSpcReduction="20000"/>
+          </a:bodyPr>
+          <a:lstStyle/>
+          <a:p>
+            <a:pPr marL="0" indent="0">
+              <a:buNone/>
+            </a:pPr>
+            <a:r>
+              <a:rPr lang="en-US" dirty="0" err="1"/>
+              <a:t>Document.write</a:t>
+            </a:r>
+            <a:r>
+              <a:rPr lang="en-US" dirty="0"/>
+              <a:t>(“How are you?”);</a:t>
+            </a:r>
+          </a:p>
+          <a:p>
+            <a:pPr marL="0" indent="0">
+              <a:buNone/>
+            </a:pPr>
+            <a:r>
+              <a:rPr lang="en-US" dirty="0" err="1"/>
+              <a:t>Document.write</a:t>
+            </a:r>
+            <a:r>
+              <a:rPr lang="en-US" dirty="0"/>
+              <a:t>(“&lt;</a:t>
+            </a:r>
+            <a:r>
+              <a:rPr lang="en-US" dirty="0" err="1"/>
+              <a:t>br</a:t>
+            </a:r>
+            <a:r>
+              <a:rPr lang="en-US" dirty="0"/>
+              <a:t>&gt;”);</a:t>
+            </a:r>
+          </a:p>
+          <a:p>
+            <a:pPr marL="0" indent="0">
+              <a:buNone/>
+            </a:pPr>
+            <a:r>
+              <a:rPr lang="en-US" dirty="0" err="1"/>
+              <a:t>Document.write</a:t>
+            </a:r>
+            <a:r>
+              <a:rPr lang="en-US" dirty="0"/>
+              <a:t>(“Greater”);</a:t>
+            </a:r>
+          </a:p>
+          <a:p>
+            <a:pPr marL="0" indent="0">
+              <a:buNone/>
+            </a:pPr>
+            <a:r>
+              <a:rPr lang="en-US" dirty="0"/>
+              <a:t>….</a:t>
+            </a:r>
+          </a:p>
+          <a:p>
+            <a:pPr marL="0" indent="0">
+              <a:buNone/>
+            </a:pPr>
+            <a:r>
+              <a:rPr lang="en-US" dirty="0"/>
+              <a:t>….</a:t>
+            </a:r>
+          </a:p>
+          <a:p>
+            <a:pPr marL="0" indent="0">
+              <a:buNone/>
+            </a:pPr>
+            <a:r>
+              <a:rPr lang="en-US" dirty="0"/>
+              <a:t>….</a:t>
+            </a:r>
+          </a:p>
+          <a:p>
+            <a:pPr marL="0" indent="0">
+              <a:buNone/>
+            </a:pPr>
+            <a:r>
+              <a:rPr lang="en-US" dirty="0" err="1"/>
+              <a:t>Document.write</a:t>
+            </a:r>
+            <a:r>
+              <a:rPr lang="en-US" dirty="0"/>
+              <a:t>(“How are you?”);</a:t>
+            </a:r>
+          </a:p>
+          <a:p>
+            <a:pPr marL="0" indent="0">
+              <a:buNone/>
+            </a:pPr>
+            <a:r>
+              <a:rPr lang="en-US" dirty="0" err="1"/>
+              <a:t>Document.write</a:t>
+            </a:r>
+            <a:r>
+              <a:rPr lang="en-US" dirty="0"/>
+              <a:t>(“&lt;</a:t>
+            </a:r>
+            <a:r>
+              <a:rPr lang="en-US" dirty="0" err="1"/>
+              <a:t>br</a:t>
+            </a:r>
+            <a:r>
+              <a:rPr lang="en-US" dirty="0"/>
+              <a:t>&gt;”);</a:t>
+            </a:r>
+          </a:p>
+          <a:p>
+            <a:pPr marL="0" indent="0">
+              <a:buNone/>
+            </a:pPr>
+            <a:r>
+              <a:rPr lang="en-US" dirty="0" err="1"/>
+              <a:t>Document.write</a:t>
+            </a:r>
+            <a:r>
+              <a:rPr lang="en-US" dirty="0"/>
+              <a:t>(“Greater”);</a:t>
+            </a:r>
+          </a:p>
+          <a:p>
+            <a:pPr marL="0" indent="0">
+              <a:buNone/>
+            </a:pPr>
+            <a:r>
+              <a:rPr lang="en-US" dirty="0"/>
+              <a:t>….</a:t>
+            </a:r>
+          </a:p>
+          <a:p>
+            <a:pPr marL="0" indent="0">
+              <a:buNone/>
+            </a:pPr>
+            <a:r>
+              <a:rPr lang="en-US" dirty="0"/>
+              <a:t>….</a:t>
+            </a:r>
+          </a:p>
+          <a:p>
+            <a:pPr marL="0" indent="0">
+              <a:buNone/>
+            </a:pPr>
+            <a:r>
+              <a:rPr lang="en-US" dirty="0"/>
+              <a:t>….</a:t>
+            </a:r>
+          </a:p>
+          <a:p>
+            <a:pPr marL="0" indent="0">
+              <a:buNone/>
+            </a:pPr>
+            <a:r>
+              <a:rPr lang="en-US" dirty="0" err="1"/>
+              <a:t>Document.write</a:t>
+            </a:r>
+            <a:r>
+              <a:rPr lang="en-US" dirty="0"/>
+              <a:t>(“How are you?”);</a:t>
+            </a:r>
+          </a:p>
+          <a:p>
+            <a:pPr marL="0" indent="0">
+              <a:buNone/>
+            </a:pPr>
+            <a:r>
+              <a:rPr lang="en-US" dirty="0" err="1"/>
+              <a:t>Document.write</a:t>
+            </a:r>
+            <a:r>
+              <a:rPr lang="en-US" dirty="0"/>
+              <a:t>(“&lt;</a:t>
+            </a:r>
+            <a:r>
+              <a:rPr lang="en-US" dirty="0" err="1"/>
+              <a:t>br</a:t>
+            </a:r>
+            <a:r>
+              <a:rPr lang="en-US" dirty="0"/>
+              <a:t>&gt;”);</a:t>
+            </a:r>
+          </a:p>
+          <a:p>
+            <a:pPr marL="0" indent="0">
+              <a:buNone/>
+            </a:pPr>
+            <a:r>
+              <a:rPr lang="en-US" dirty="0" err="1"/>
+              <a:t>Document.write</a:t>
+            </a:r>
+            <a:r>
+              <a:rPr lang="en-US" dirty="0"/>
+              <a:t>(“Greater”);</a:t>
+            </a:r>
+          </a:p>
+          <a:p>
+            <a:pPr marL="0" indent="0">
+              <a:buNone/>
+            </a:pPr>
+            <a:endParaRPr lang="en-US" dirty="0"/>
+          </a:p>
+          <a:p>
+            <a:pPr marL="0" indent="0">
+              <a:buNone/>
+            </a:pPr>
+            <a:r>
+              <a:rPr lang="en-US" dirty="0"/>
+              <a:t>….</a:t>
+            </a:r>
+          </a:p>
+          <a:p>
+            <a:pPr marL="0" indent="0">
+              <a:buNone/>
+            </a:pPr>
+            <a:r>
+              <a:rPr lang="en-US" dirty="0"/>
+              <a:t>….</a:t>
+            </a:r>
+          </a:p>
+          <a:p>
+            <a:pPr marL="0" indent="0">
+              <a:buNone/>
+            </a:pPr>
+            <a:r>
+              <a:rPr lang="en-US" dirty="0"/>
+              <a:t>….</a:t>
+            </a:r>
+          </a:p>
+        </p:txBody>
+      </p:sp>
+      <p:sp>
+        <p:nvSpPr>
+          <p:cNvPr id="4" name="Content Placeholder 2">
+            <a:extLst>
+              <a:ext uri="{FF2B5EF4-FFF2-40B4-BE49-F238E27FC236}">
+                <a16:creationId xmlns:a16="http://schemas.microsoft.com/office/drawing/2014/main" id="{13AB429D-EE3B-2E4B-2396-56CF68BFC2FD}"/>
+              </a:ext>
+            </a:extLst>
+          </p:cNvPr>
+          <p:cNvSpPr txBox="1">
+            <a:spLocks/>
+          </p:cNvSpPr>
+          <p:nvPr/>
+        </p:nvSpPr>
+        <p:spPr>
+          <a:xfrm>
+            <a:off x="5829300" y="1482723"/>
+            <a:ext cx="3492500" cy="4765675"/>
+          </a:xfrm>
+          <a:prstGeom prst="rect">
+            <a:avLst/>
+          </a:prstGeom>
+        </p:spPr>
+        <p:txBody>
+          <a:bodyPr vert="horz" lIns="91440" tIns="45720" rIns="91440" bIns="45720" rtlCol="0">
+            <a:normAutofit fontScale="47500" lnSpcReduction="20000"/>
+          </a:bodyPr>
+          <a:lstStyle>
+            <a:lvl1pPr marL="228600" indent="-228600" algn="l" defTabSz="914400" rtl="0" eaLnBrk="1" latinLnBrk="0" hangingPunct="1">
+              <a:lnSpc>
+                <a:spcPct val="90000"/>
+              </a:lnSpc>
+              <a:spcBef>
+                <a:spcPts val="1000"/>
+              </a:spcBef>
+              <a:buFont typeface="Arial" panose="020B0604020202020204" pitchFamily="34" charset="0"/>
+              <a:buChar char="•"/>
+              <a:defRPr sz="2800" kern="1200">
+                <a:solidFill>
+                  <a:schemeClr val="tx1"/>
+                </a:solidFill>
+                <a:latin typeface="+mn-lt"/>
+                <a:ea typeface="+mn-ea"/>
+                <a:cs typeface="+mn-cs"/>
+              </a:defRPr>
+            </a:lvl1pPr>
+            <a:lvl2pPr marL="685800" indent="-228600" algn="l" defTabSz="914400" rtl="0" eaLnBrk="1" latinLnBrk="0" hangingPunct="1">
+              <a:lnSpc>
+                <a:spcPct val="90000"/>
+              </a:lnSpc>
+              <a:spcBef>
+                <a:spcPts val="500"/>
+              </a:spcBef>
+              <a:buFont typeface="Arial" panose="020B0604020202020204" pitchFamily="34" charset="0"/>
+              <a:buChar char="•"/>
+              <a:defRPr sz="2400" kern="1200">
+                <a:solidFill>
+                  <a:schemeClr val="tx1"/>
+                </a:solidFill>
+                <a:latin typeface="+mn-lt"/>
+                <a:ea typeface="+mn-ea"/>
+                <a:cs typeface="+mn-cs"/>
+              </a:defRPr>
+            </a:lvl2pPr>
+            <a:lvl3pPr marL="1143000" indent="-228600" algn="l" defTabSz="914400" rtl="0" eaLnBrk="1" latinLnBrk="0" hangingPunct="1">
+              <a:lnSpc>
+                <a:spcPct val="90000"/>
+              </a:lnSpc>
+              <a:spcBef>
+                <a:spcPts val="500"/>
+              </a:spcBef>
+              <a:buFont typeface="Arial" panose="020B0604020202020204" pitchFamily="34" charset="0"/>
+              <a:buChar char="•"/>
+              <a:defRPr sz="2000" kern="1200">
+                <a:solidFill>
+                  <a:schemeClr val="tx1"/>
+                </a:solidFill>
+                <a:latin typeface="+mn-lt"/>
+                <a:ea typeface="+mn-ea"/>
+                <a:cs typeface="+mn-cs"/>
+              </a:defRPr>
+            </a:lvl3pPr>
+            <a:lvl4pPr marL="1600200" indent="-228600" algn="l" defTabSz="914400" rtl="0" eaLnBrk="1" latinLnBrk="0" hangingPunct="1">
+              <a:lnSpc>
+                <a:spcPct val="90000"/>
+              </a:lnSpc>
+              <a:spcBef>
+                <a:spcPts val="500"/>
+              </a:spcBef>
+              <a:buFont typeface="Arial" panose="020B0604020202020204" pitchFamily="34" charset="0"/>
+              <a:buChar char="•"/>
+              <a:defRPr sz="1800" kern="1200">
+                <a:solidFill>
+                  <a:schemeClr val="tx1"/>
+                </a:solidFill>
+                <a:latin typeface="+mn-lt"/>
+                <a:ea typeface="+mn-ea"/>
+                <a:cs typeface="+mn-cs"/>
+              </a:defRPr>
+            </a:lvl4pPr>
+            <a:lvl5pPr marL="2057400" indent="-228600" algn="l" defTabSz="914400" rtl="0" eaLnBrk="1" latinLnBrk="0" hangingPunct="1">
+              <a:lnSpc>
+                <a:spcPct val="90000"/>
+              </a:lnSpc>
+              <a:spcBef>
+                <a:spcPts val="500"/>
+              </a:spcBef>
+              <a:buFont typeface="Arial" panose="020B0604020202020204" pitchFamily="34" charset="0"/>
+              <a:buChar char="•"/>
+              <a:defRPr sz="1800" kern="1200">
+                <a:solidFill>
+                  <a:schemeClr val="tx1"/>
+                </a:solidFill>
+                <a:latin typeface="+mn-lt"/>
+                <a:ea typeface="+mn-ea"/>
+                <a:cs typeface="+mn-cs"/>
+              </a:defRPr>
+            </a:lvl5pPr>
+            <a:lvl6pPr marL="2514600" indent="-228600" algn="l" defTabSz="914400" rtl="0" eaLnBrk="1" latinLnBrk="0" hangingPunct="1">
+              <a:lnSpc>
+                <a:spcPct val="90000"/>
+              </a:lnSpc>
+              <a:spcBef>
+                <a:spcPts val="500"/>
+              </a:spcBef>
+              <a:buFont typeface="Arial" panose="020B0604020202020204" pitchFamily="34" charset="0"/>
+              <a:buChar char="•"/>
+              <a:defRPr sz="1800" kern="1200">
+                <a:solidFill>
+                  <a:schemeClr val="tx1"/>
+                </a:solidFill>
+                <a:latin typeface="+mn-lt"/>
+                <a:ea typeface="+mn-ea"/>
+                <a:cs typeface="+mn-cs"/>
+              </a:defRPr>
+            </a:lvl6pPr>
+            <a:lvl7pPr marL="2971800" indent="-228600" algn="l" defTabSz="914400" rtl="0" eaLnBrk="1" latinLnBrk="0" hangingPunct="1">
+              <a:lnSpc>
+                <a:spcPct val="90000"/>
+              </a:lnSpc>
+              <a:spcBef>
+                <a:spcPts val="500"/>
+              </a:spcBef>
+              <a:buFont typeface="Arial" panose="020B0604020202020204" pitchFamily="34" charset="0"/>
+              <a:buChar char="•"/>
+              <a:defRPr sz="1800" kern="1200">
+                <a:solidFill>
+                  <a:schemeClr val="tx1"/>
+                </a:solidFill>
+                <a:latin typeface="+mn-lt"/>
+                <a:ea typeface="+mn-ea"/>
+                <a:cs typeface="+mn-cs"/>
+              </a:defRPr>
+            </a:lvl7pPr>
+            <a:lvl8pPr marL="3429000" indent="-228600" algn="l" defTabSz="914400" rtl="0" eaLnBrk="1" latinLnBrk="0" hangingPunct="1">
+              <a:lnSpc>
+                <a:spcPct val="90000"/>
+              </a:lnSpc>
+              <a:spcBef>
+                <a:spcPts val="500"/>
+              </a:spcBef>
+              <a:buFont typeface="Arial" panose="020B0604020202020204" pitchFamily="34" charset="0"/>
+              <a:buChar char="•"/>
+              <a:defRPr sz="1800" kern="1200">
+                <a:solidFill>
+                  <a:schemeClr val="tx1"/>
+                </a:solidFill>
+                <a:latin typeface="+mn-lt"/>
+                <a:ea typeface="+mn-ea"/>
+                <a:cs typeface="+mn-cs"/>
+              </a:defRPr>
+            </a:lvl8pPr>
+            <a:lvl9pPr marL="3886200" indent="-228600" algn="l" defTabSz="914400" rtl="0" eaLnBrk="1" latinLnBrk="0" hangingPunct="1">
+              <a:lnSpc>
+                <a:spcPct val="90000"/>
+              </a:lnSpc>
+              <a:spcBef>
+                <a:spcPts val="500"/>
+              </a:spcBef>
+              <a:buFont typeface="Arial" panose="020B0604020202020204" pitchFamily="34" charset="0"/>
+              <a:buChar char="•"/>
+              <a:defRPr sz="1800" kern="1200">
+                <a:solidFill>
+                  <a:schemeClr val="tx1"/>
+                </a:solidFill>
+                <a:latin typeface="+mn-lt"/>
+                <a:ea typeface="+mn-ea"/>
+                <a:cs typeface="+mn-cs"/>
+              </a:defRPr>
+            </a:lvl9pPr>
+          </a:lstStyle>
+          <a:p>
+            <a:pPr marL="0" indent="0">
+              <a:buFont typeface="Arial" panose="020B0604020202020204" pitchFamily="34" charset="0"/>
+              <a:buNone/>
+            </a:pPr>
+            <a:r>
+              <a:rPr lang="en-US" dirty="0"/>
+              <a:t>ABC{</a:t>
+            </a:r>
+          </a:p>
+          <a:p>
+            <a:pPr marL="0" indent="0">
+              <a:buFont typeface="Arial" panose="020B0604020202020204" pitchFamily="34" charset="0"/>
+              <a:buNone/>
+            </a:pPr>
+            <a:r>
+              <a:rPr lang="en-US" dirty="0" err="1"/>
+              <a:t>Document.write</a:t>
+            </a:r>
+            <a:r>
+              <a:rPr lang="en-US" dirty="0"/>
+              <a:t>(“How are you?”);</a:t>
+            </a:r>
+          </a:p>
+          <a:p>
+            <a:pPr marL="0" indent="0">
+              <a:buFont typeface="Arial" panose="020B0604020202020204" pitchFamily="34" charset="0"/>
+              <a:buNone/>
+            </a:pPr>
+            <a:r>
+              <a:rPr lang="en-US" dirty="0" err="1"/>
+              <a:t>Document.write</a:t>
+            </a:r>
+            <a:r>
+              <a:rPr lang="en-US" dirty="0"/>
+              <a:t>(“&lt;</a:t>
+            </a:r>
+            <a:r>
+              <a:rPr lang="en-US" dirty="0" err="1"/>
+              <a:t>br</a:t>
+            </a:r>
+            <a:r>
+              <a:rPr lang="en-US" dirty="0"/>
+              <a:t>&gt;”);</a:t>
+            </a:r>
+          </a:p>
+          <a:p>
+            <a:pPr marL="0" indent="0">
+              <a:buFont typeface="Arial" panose="020B0604020202020204" pitchFamily="34" charset="0"/>
+              <a:buNone/>
+            </a:pPr>
+            <a:r>
+              <a:rPr lang="en-US" dirty="0" err="1"/>
+              <a:t>Document.write</a:t>
+            </a:r>
+            <a:r>
+              <a:rPr lang="en-US" dirty="0"/>
+              <a:t>(“Greater”);</a:t>
+            </a:r>
+          </a:p>
+          <a:p>
+            <a:pPr marL="0" indent="0">
+              <a:buFont typeface="Arial" panose="020B0604020202020204" pitchFamily="34" charset="0"/>
+              <a:buNone/>
+            </a:pPr>
+            <a:r>
+              <a:rPr lang="en-US" dirty="0"/>
+              <a:t>}</a:t>
+            </a:r>
+          </a:p>
+          <a:p>
+            <a:pPr marL="0" indent="0">
+              <a:buFont typeface="Arial" panose="020B0604020202020204" pitchFamily="34" charset="0"/>
+              <a:buNone/>
+            </a:pPr>
+            <a:r>
+              <a:rPr lang="en-US" dirty="0"/>
+              <a:t>….</a:t>
+            </a:r>
+          </a:p>
+          <a:p>
+            <a:pPr marL="0" indent="0">
+              <a:buFont typeface="Arial" panose="020B0604020202020204" pitchFamily="34" charset="0"/>
+              <a:buNone/>
+            </a:pPr>
+            <a:r>
+              <a:rPr lang="en-US" dirty="0"/>
+              <a:t>….</a:t>
+            </a:r>
+          </a:p>
+          <a:p>
+            <a:pPr marL="0" indent="0">
+              <a:buFont typeface="Arial" panose="020B0604020202020204" pitchFamily="34" charset="0"/>
+              <a:buNone/>
+            </a:pPr>
+            <a:r>
+              <a:rPr lang="en-US" dirty="0"/>
+              <a:t>….</a:t>
+            </a:r>
+          </a:p>
+          <a:p>
+            <a:pPr marL="0" indent="0">
+              <a:buFont typeface="Arial" panose="020B0604020202020204" pitchFamily="34" charset="0"/>
+              <a:buNone/>
+            </a:pPr>
+            <a:r>
+              <a:rPr lang="en-US" dirty="0"/>
+              <a:t>ABC()</a:t>
+            </a:r>
+          </a:p>
+          <a:p>
+            <a:pPr marL="0" indent="0">
+              <a:buFont typeface="Arial" panose="020B0604020202020204" pitchFamily="34" charset="0"/>
+              <a:buNone/>
+            </a:pPr>
+            <a:r>
+              <a:rPr lang="en-US" dirty="0"/>
+              <a:t>….</a:t>
+            </a:r>
+          </a:p>
+          <a:p>
+            <a:pPr marL="0" indent="0">
+              <a:buFont typeface="Arial" panose="020B0604020202020204" pitchFamily="34" charset="0"/>
+              <a:buNone/>
+            </a:pPr>
+            <a:r>
+              <a:rPr lang="en-US" dirty="0"/>
+              <a:t>….</a:t>
+            </a:r>
+          </a:p>
+          <a:p>
+            <a:pPr marL="0" indent="0">
+              <a:buFont typeface="Arial" panose="020B0604020202020204" pitchFamily="34" charset="0"/>
+              <a:buNone/>
+            </a:pPr>
+            <a:r>
+              <a:rPr lang="en-US" dirty="0"/>
+              <a:t>….</a:t>
+            </a:r>
+          </a:p>
+          <a:p>
+            <a:pPr marL="0" indent="0">
+              <a:buFont typeface="Arial" panose="020B0604020202020204" pitchFamily="34" charset="0"/>
+              <a:buNone/>
+            </a:pPr>
+            <a:r>
+              <a:rPr lang="en-US" dirty="0"/>
+              <a:t>ABC()</a:t>
+            </a:r>
+          </a:p>
+          <a:p>
+            <a:pPr marL="0" indent="0">
+              <a:buFont typeface="Arial" panose="020B0604020202020204" pitchFamily="34" charset="0"/>
+              <a:buNone/>
+            </a:pPr>
+            <a:r>
+              <a:rPr lang="en-US" dirty="0"/>
+              <a:t>….</a:t>
+            </a:r>
+          </a:p>
+          <a:p>
+            <a:pPr marL="0" indent="0">
+              <a:buFont typeface="Arial" panose="020B0604020202020204" pitchFamily="34" charset="0"/>
+              <a:buNone/>
+            </a:pPr>
+            <a:r>
+              <a:rPr lang="en-US" dirty="0"/>
+              <a:t>….</a:t>
+            </a:r>
+          </a:p>
+          <a:p>
+            <a:pPr marL="0" indent="0">
+              <a:buFont typeface="Arial" panose="020B0604020202020204" pitchFamily="34" charset="0"/>
+              <a:buNone/>
+            </a:pPr>
+            <a:r>
+              <a:rPr lang="en-US" dirty="0"/>
+              <a:t>….</a:t>
+            </a:r>
+          </a:p>
+          <a:p>
+            <a:pPr marL="0" indent="0">
+              <a:buFont typeface="Arial" panose="020B0604020202020204" pitchFamily="34" charset="0"/>
+              <a:buNone/>
+            </a:pPr>
+            <a:r>
+              <a:rPr lang="en-US" dirty="0"/>
+              <a:t>ABC();</a:t>
+            </a:r>
+          </a:p>
+        </p:txBody>
+      </p:sp>
+    </p:spTree>
+    <p:extLst>
+      <p:ext uri="{BB962C8B-B14F-4D97-AF65-F5344CB8AC3E}">
+        <p14:creationId xmlns:p14="http://schemas.microsoft.com/office/powerpoint/2010/main" val="558870592"/>
+      </p:ext>
+    </p:extLst>
+  </p:cSld>
+  <p:clrMapOvr>
+    <a:masterClrMapping/>
+  </p:clrMapOvr>
+</p:sld>
+</file>
+
+<file path=ppt/slides/slide42.xml><?xml version="1.0" encoding="utf-8"?>
+<p:sld xmlns:a="http://schemas.openxmlformats.org/drawingml/2006/main" xmlns:r="http://schemas.openxmlformats.org/officeDocument/2006/relationships" xmlns:p="http://schemas.openxmlformats.org/presentationml/2006/main">
+  <p:cSld>
+    <p:spTree>
+      <p:nvGrpSpPr>
+        <p:cNvPr id="1" name=""/>
+        <p:cNvGrpSpPr/>
+        <p:nvPr/>
+      </p:nvGrpSpPr>
+      <p:grpSpPr>
+        <a:xfrm>
+          <a:off x="0" y="0"/>
+          <a:ext cx="0" cy="0"/>
+          <a:chOff x="0" y="0"/>
+          <a:chExt cx="0" cy="0"/>
+        </a:xfrm>
+      </p:grpSpPr>
+      <p:sp>
+        <p:nvSpPr>
+          <p:cNvPr id="2" name="Title 1">
+            <a:extLst>
+              <a:ext uri="{FF2B5EF4-FFF2-40B4-BE49-F238E27FC236}">
+                <a16:creationId xmlns:a16="http://schemas.microsoft.com/office/drawing/2014/main" id="{D945AE0D-E3B7-0B58-8282-B597405D6279}"/>
+              </a:ext>
+            </a:extLst>
+          </p:cNvPr>
+          <p:cNvSpPr>
+            <a:spLocks noGrp="1"/>
+          </p:cNvSpPr>
+          <p:nvPr>
+            <p:ph type="title"/>
+          </p:nvPr>
+        </p:nvSpPr>
+        <p:spPr/>
+        <p:txBody>
+          <a:bodyPr/>
+          <a:lstStyle/>
+          <a:p>
+            <a:r>
+              <a:rPr lang="en-US" dirty="0"/>
+              <a:t>Functions Syntax in JS:</a:t>
+            </a:r>
+          </a:p>
+        </p:txBody>
+      </p:sp>
+      <p:sp>
+        <p:nvSpPr>
+          <p:cNvPr id="3" name="Content Placeholder 2">
+            <a:extLst>
+              <a:ext uri="{FF2B5EF4-FFF2-40B4-BE49-F238E27FC236}">
+                <a16:creationId xmlns:a16="http://schemas.microsoft.com/office/drawing/2014/main" id="{BBC5D192-B94D-1B9F-BA79-569D482ACAE0}"/>
+              </a:ext>
+            </a:extLst>
+          </p:cNvPr>
+          <p:cNvSpPr>
+            <a:spLocks noGrp="1"/>
+          </p:cNvSpPr>
+          <p:nvPr>
+            <p:ph idx="1"/>
+          </p:nvPr>
+        </p:nvSpPr>
+        <p:spPr/>
+        <p:txBody>
+          <a:bodyPr/>
+          <a:lstStyle/>
+          <a:p>
+            <a:pPr marL="0" indent="0">
+              <a:buNone/>
+            </a:pPr>
+            <a:r>
+              <a:rPr lang="en-US" dirty="0"/>
+              <a:t>Function </a:t>
+            </a:r>
+            <a:r>
+              <a:rPr lang="en-US" dirty="0" err="1"/>
+              <a:t>functionName</a:t>
+            </a:r>
+            <a:r>
+              <a:rPr lang="en-US" dirty="0"/>
+              <a:t>(){</a:t>
+            </a:r>
+          </a:p>
+          <a:p>
+            <a:pPr marL="0" indent="0">
+              <a:buNone/>
+            </a:pPr>
+            <a:r>
+              <a:rPr lang="en-US" dirty="0"/>
+              <a:t>Statement</a:t>
+            </a:r>
+          </a:p>
+          <a:p>
+            <a:pPr marL="0" indent="0">
+              <a:buNone/>
+            </a:pPr>
+            <a:r>
+              <a:rPr lang="en-US" dirty="0"/>
+              <a:t>}</a:t>
+            </a:r>
+          </a:p>
+          <a:p>
+            <a:pPr marL="0" indent="0">
+              <a:buNone/>
+            </a:pPr>
+            <a:endParaRPr lang="en-US" dirty="0"/>
+          </a:p>
+          <a:p>
+            <a:pPr marL="0" indent="0">
+              <a:buNone/>
+            </a:pPr>
+            <a:r>
+              <a:rPr lang="en-US" dirty="0" err="1"/>
+              <a:t>functionName</a:t>
+            </a:r>
+            <a:r>
+              <a:rPr lang="en-US" dirty="0"/>
+              <a:t>();</a:t>
+            </a:r>
+          </a:p>
+        </p:txBody>
+      </p:sp>
+    </p:spTree>
+    <p:extLst>
+      <p:ext uri="{BB962C8B-B14F-4D97-AF65-F5344CB8AC3E}">
+        <p14:creationId xmlns:p14="http://schemas.microsoft.com/office/powerpoint/2010/main" val="1590524079"/>
+      </p:ext>
+    </p:extLst>
+  </p:cSld>
+  <p:clrMapOvr>
+    <a:masterClrMapping/>
+  </p:clrMapOvr>
+</p:sld>
+</file>
+
+<file path=ppt/slides/slide43.xml><?xml version="1.0" encoding="utf-8"?>
+<p:sld xmlns:a="http://schemas.openxmlformats.org/drawingml/2006/main" xmlns:r="http://schemas.openxmlformats.org/officeDocument/2006/relationships" xmlns:p="http://schemas.openxmlformats.org/presentationml/2006/main">
+  <p:cSld>
+    <p:spTree>
+      <p:nvGrpSpPr>
+        <p:cNvPr id="1" name=""/>
+        <p:cNvGrpSpPr/>
+        <p:nvPr/>
+      </p:nvGrpSpPr>
+      <p:grpSpPr>
+        <a:xfrm>
+          <a:off x="0" y="0"/>
+          <a:ext cx="0" cy="0"/>
+          <a:chOff x="0" y="0"/>
+          <a:chExt cx="0" cy="0"/>
+        </a:xfrm>
+      </p:grpSpPr>
+      <p:sp>
+        <p:nvSpPr>
+          <p:cNvPr id="2" name="Title 1">
+            <a:extLst>
+              <a:ext uri="{FF2B5EF4-FFF2-40B4-BE49-F238E27FC236}">
+                <a16:creationId xmlns:a16="http://schemas.microsoft.com/office/drawing/2014/main" id="{5E1EDDBF-0E69-5E78-C9FB-DFFCCDA8DA84}"/>
+              </a:ext>
+            </a:extLst>
+          </p:cNvPr>
+          <p:cNvSpPr>
+            <a:spLocks noGrp="1"/>
+          </p:cNvSpPr>
+          <p:nvPr>
+            <p:ph type="title"/>
+          </p:nvPr>
+        </p:nvSpPr>
+        <p:spPr/>
+        <p:txBody>
+          <a:bodyPr/>
+          <a:lstStyle/>
+          <a:p>
+            <a:r>
+              <a:rPr lang="en-US" dirty="0"/>
+              <a:t>Functions with Parameters</a:t>
+            </a:r>
+          </a:p>
+        </p:txBody>
+      </p:sp>
+      <p:sp>
+        <p:nvSpPr>
+          <p:cNvPr id="3" name="Content Placeholder 2">
+            <a:extLst>
+              <a:ext uri="{FF2B5EF4-FFF2-40B4-BE49-F238E27FC236}">
+                <a16:creationId xmlns:a16="http://schemas.microsoft.com/office/drawing/2014/main" id="{E9ACFE60-B24B-3A0C-3A88-B220EC100BA2}"/>
+              </a:ext>
+            </a:extLst>
+          </p:cNvPr>
+          <p:cNvSpPr>
+            <a:spLocks noGrp="1"/>
+          </p:cNvSpPr>
+          <p:nvPr>
+            <p:ph idx="1"/>
+          </p:nvPr>
+        </p:nvSpPr>
+        <p:spPr>
+          <a:xfrm>
+            <a:off x="838200" y="1825625"/>
+            <a:ext cx="2730500" cy="4351338"/>
+          </a:xfrm>
+        </p:spPr>
+        <p:txBody>
+          <a:bodyPr>
+            <a:normAutofit fontScale="55000" lnSpcReduction="20000"/>
+          </a:bodyPr>
+          <a:lstStyle/>
+          <a:p>
+            <a:pPr marL="0" indent="0">
+              <a:buNone/>
+            </a:pPr>
+            <a:r>
+              <a:rPr lang="en-US" dirty="0"/>
+              <a:t>Var a = 10;</a:t>
+            </a:r>
+          </a:p>
+          <a:p>
+            <a:pPr marL="0" indent="0">
+              <a:buNone/>
+            </a:pPr>
+            <a:r>
+              <a:rPr lang="en-US" dirty="0"/>
+              <a:t> var b = 20;</a:t>
+            </a:r>
+          </a:p>
+          <a:p>
+            <a:pPr marL="0" indent="0">
+              <a:buNone/>
+            </a:pPr>
+            <a:r>
+              <a:rPr lang="en-US" dirty="0" err="1"/>
+              <a:t>Documet.write</a:t>
+            </a:r>
+            <a:r>
+              <a:rPr lang="en-US" dirty="0"/>
+              <a:t> (</a:t>
+            </a:r>
+            <a:r>
+              <a:rPr lang="en-US" dirty="0" err="1"/>
+              <a:t>a+b</a:t>
+            </a:r>
+            <a:r>
+              <a:rPr lang="en-US" dirty="0"/>
+              <a:t>)</a:t>
+            </a:r>
+          </a:p>
+          <a:p>
+            <a:pPr marL="0" indent="0">
+              <a:buNone/>
+            </a:pPr>
+            <a:r>
+              <a:rPr lang="en-US" dirty="0"/>
+              <a:t>…</a:t>
+            </a:r>
+          </a:p>
+          <a:p>
+            <a:pPr marL="0" indent="0">
+              <a:buNone/>
+            </a:pPr>
+            <a:r>
+              <a:rPr lang="en-US" dirty="0"/>
+              <a:t>…</a:t>
+            </a:r>
+          </a:p>
+          <a:p>
+            <a:pPr marL="0" indent="0">
+              <a:buNone/>
+            </a:pPr>
+            <a:r>
+              <a:rPr lang="en-US" dirty="0"/>
+              <a:t>…</a:t>
+            </a:r>
+          </a:p>
+          <a:p>
+            <a:pPr marL="0" indent="0">
+              <a:buNone/>
+            </a:pPr>
+            <a:r>
+              <a:rPr lang="en-US" dirty="0"/>
+              <a:t>Var a = 40;</a:t>
+            </a:r>
+          </a:p>
+          <a:p>
+            <a:pPr marL="0" indent="0">
+              <a:buNone/>
+            </a:pPr>
+            <a:r>
+              <a:rPr lang="en-US" dirty="0"/>
+              <a:t> var b = 60;</a:t>
+            </a:r>
+          </a:p>
+          <a:p>
+            <a:pPr marL="0" indent="0">
+              <a:buNone/>
+            </a:pPr>
+            <a:r>
+              <a:rPr lang="en-US" dirty="0" err="1"/>
+              <a:t>Documet.write</a:t>
+            </a:r>
+            <a:r>
+              <a:rPr lang="en-US" dirty="0"/>
+              <a:t> (</a:t>
+            </a:r>
+            <a:r>
+              <a:rPr lang="en-US" dirty="0" err="1"/>
+              <a:t>a+b</a:t>
+            </a:r>
+            <a:r>
+              <a:rPr lang="en-US" dirty="0"/>
+              <a:t>)</a:t>
+            </a:r>
+          </a:p>
+          <a:p>
+            <a:pPr marL="0" indent="0">
+              <a:buNone/>
+            </a:pPr>
+            <a:r>
+              <a:rPr lang="en-US" dirty="0"/>
+              <a:t>…</a:t>
+            </a:r>
+          </a:p>
+          <a:p>
+            <a:pPr marL="0" indent="0">
+              <a:buNone/>
+            </a:pPr>
+            <a:r>
+              <a:rPr lang="en-US" dirty="0"/>
+              <a:t>…</a:t>
+            </a:r>
+          </a:p>
+          <a:p>
+            <a:pPr marL="0" indent="0">
+              <a:buNone/>
+            </a:pPr>
+            <a:r>
+              <a:rPr lang="en-US" dirty="0"/>
+              <a:t>Var a = 100;</a:t>
+            </a:r>
+          </a:p>
+          <a:p>
+            <a:pPr marL="0" indent="0">
+              <a:buNone/>
+            </a:pPr>
+            <a:r>
+              <a:rPr lang="en-US" dirty="0"/>
+              <a:t> var b = 200;</a:t>
+            </a:r>
+          </a:p>
+          <a:p>
+            <a:pPr marL="0" indent="0">
+              <a:buNone/>
+            </a:pPr>
+            <a:r>
+              <a:rPr lang="en-US" dirty="0" err="1"/>
+              <a:t>Documet.write</a:t>
+            </a:r>
+            <a:r>
+              <a:rPr lang="en-US" dirty="0"/>
+              <a:t> (</a:t>
+            </a:r>
+            <a:r>
+              <a:rPr lang="en-US" dirty="0" err="1"/>
+              <a:t>a+b</a:t>
+            </a:r>
+            <a:r>
+              <a:rPr lang="en-US" dirty="0"/>
+              <a:t>)</a:t>
+            </a:r>
+          </a:p>
+          <a:p>
+            <a:pPr marL="0" indent="0">
+              <a:buNone/>
+            </a:pPr>
+            <a:endParaRPr lang="en-US" dirty="0"/>
+          </a:p>
+          <a:p>
+            <a:pPr marL="0" indent="0">
+              <a:buNone/>
+            </a:pPr>
+            <a:endParaRPr lang="en-US" dirty="0"/>
+          </a:p>
+        </p:txBody>
+      </p:sp>
+      <p:sp>
+        <p:nvSpPr>
+          <p:cNvPr id="4" name="Content Placeholder 2">
+            <a:extLst>
+              <a:ext uri="{FF2B5EF4-FFF2-40B4-BE49-F238E27FC236}">
+                <a16:creationId xmlns:a16="http://schemas.microsoft.com/office/drawing/2014/main" id="{497BDE74-20DD-3A96-22C3-9548041F7578}"/>
+              </a:ext>
+            </a:extLst>
+          </p:cNvPr>
+          <p:cNvSpPr txBox="1">
+            <a:spLocks/>
+          </p:cNvSpPr>
+          <p:nvPr/>
+        </p:nvSpPr>
+        <p:spPr>
+          <a:xfrm>
+            <a:off x="6286500" y="1825625"/>
+            <a:ext cx="4559300" cy="4351338"/>
+          </a:xfrm>
+          <a:prstGeom prst="rect">
+            <a:avLst/>
+          </a:prstGeom>
+        </p:spPr>
+        <p:txBody>
+          <a:bodyPr vert="horz" lIns="91440" tIns="45720" rIns="91440" bIns="45720" rtlCol="0">
+            <a:normAutofit fontScale="62500" lnSpcReduction="20000"/>
+          </a:bodyPr>
+          <a:lstStyle>
+            <a:lvl1pPr marL="228600" indent="-228600" algn="l" defTabSz="914400" rtl="0" eaLnBrk="1" latinLnBrk="0" hangingPunct="1">
+              <a:lnSpc>
+                <a:spcPct val="90000"/>
+              </a:lnSpc>
+              <a:spcBef>
+                <a:spcPts val="1000"/>
+              </a:spcBef>
+              <a:buFont typeface="Arial" panose="020B0604020202020204" pitchFamily="34" charset="0"/>
+              <a:buChar char="•"/>
+              <a:defRPr sz="2800" kern="1200">
+                <a:solidFill>
+                  <a:schemeClr val="tx1"/>
+                </a:solidFill>
+                <a:latin typeface="+mn-lt"/>
+                <a:ea typeface="+mn-ea"/>
+                <a:cs typeface="+mn-cs"/>
+              </a:defRPr>
+            </a:lvl1pPr>
+            <a:lvl2pPr marL="685800" indent="-228600" algn="l" defTabSz="914400" rtl="0" eaLnBrk="1" latinLnBrk="0" hangingPunct="1">
+              <a:lnSpc>
+                <a:spcPct val="90000"/>
+              </a:lnSpc>
+              <a:spcBef>
+                <a:spcPts val="500"/>
+              </a:spcBef>
+              <a:buFont typeface="Arial" panose="020B0604020202020204" pitchFamily="34" charset="0"/>
+              <a:buChar char="•"/>
+              <a:defRPr sz="2400" kern="1200">
+                <a:solidFill>
+                  <a:schemeClr val="tx1"/>
+                </a:solidFill>
+                <a:latin typeface="+mn-lt"/>
+                <a:ea typeface="+mn-ea"/>
+                <a:cs typeface="+mn-cs"/>
+              </a:defRPr>
+            </a:lvl2pPr>
+            <a:lvl3pPr marL="1143000" indent="-228600" algn="l" defTabSz="914400" rtl="0" eaLnBrk="1" latinLnBrk="0" hangingPunct="1">
+              <a:lnSpc>
+                <a:spcPct val="90000"/>
+              </a:lnSpc>
+              <a:spcBef>
+                <a:spcPts val="500"/>
+              </a:spcBef>
+              <a:buFont typeface="Arial" panose="020B0604020202020204" pitchFamily="34" charset="0"/>
+              <a:buChar char="•"/>
+              <a:defRPr sz="2000" kern="1200">
+                <a:solidFill>
+                  <a:schemeClr val="tx1"/>
+                </a:solidFill>
+                <a:latin typeface="+mn-lt"/>
+                <a:ea typeface="+mn-ea"/>
+                <a:cs typeface="+mn-cs"/>
+              </a:defRPr>
+            </a:lvl3pPr>
+            <a:lvl4pPr marL="1600200" indent="-228600" algn="l" defTabSz="914400" rtl="0" eaLnBrk="1" latinLnBrk="0" hangingPunct="1">
+              <a:lnSpc>
+                <a:spcPct val="90000"/>
+              </a:lnSpc>
+              <a:spcBef>
+                <a:spcPts val="500"/>
+              </a:spcBef>
+              <a:buFont typeface="Arial" panose="020B0604020202020204" pitchFamily="34" charset="0"/>
+              <a:buChar char="•"/>
+              <a:defRPr sz="1800" kern="1200">
+                <a:solidFill>
+                  <a:schemeClr val="tx1"/>
+                </a:solidFill>
+                <a:latin typeface="+mn-lt"/>
+                <a:ea typeface="+mn-ea"/>
+                <a:cs typeface="+mn-cs"/>
+              </a:defRPr>
+            </a:lvl4pPr>
+            <a:lvl5pPr marL="2057400" indent="-228600" algn="l" defTabSz="914400" rtl="0" eaLnBrk="1" latinLnBrk="0" hangingPunct="1">
+              <a:lnSpc>
+                <a:spcPct val="90000"/>
+              </a:lnSpc>
+              <a:spcBef>
+                <a:spcPts val="500"/>
+              </a:spcBef>
+              <a:buFont typeface="Arial" panose="020B0604020202020204" pitchFamily="34" charset="0"/>
+              <a:buChar char="•"/>
+              <a:defRPr sz="1800" kern="1200">
+                <a:solidFill>
+                  <a:schemeClr val="tx1"/>
+                </a:solidFill>
+                <a:latin typeface="+mn-lt"/>
+                <a:ea typeface="+mn-ea"/>
+                <a:cs typeface="+mn-cs"/>
+              </a:defRPr>
+            </a:lvl5pPr>
+            <a:lvl6pPr marL="2514600" indent="-228600" algn="l" defTabSz="914400" rtl="0" eaLnBrk="1" latinLnBrk="0" hangingPunct="1">
+              <a:lnSpc>
+                <a:spcPct val="90000"/>
+              </a:lnSpc>
+              <a:spcBef>
+                <a:spcPts val="500"/>
+              </a:spcBef>
+              <a:buFont typeface="Arial" panose="020B0604020202020204" pitchFamily="34" charset="0"/>
+              <a:buChar char="•"/>
+              <a:defRPr sz="1800" kern="1200">
+                <a:solidFill>
+                  <a:schemeClr val="tx1"/>
+                </a:solidFill>
+                <a:latin typeface="+mn-lt"/>
+                <a:ea typeface="+mn-ea"/>
+                <a:cs typeface="+mn-cs"/>
+              </a:defRPr>
+            </a:lvl6pPr>
+            <a:lvl7pPr marL="2971800" indent="-228600" algn="l" defTabSz="914400" rtl="0" eaLnBrk="1" latinLnBrk="0" hangingPunct="1">
+              <a:lnSpc>
+                <a:spcPct val="90000"/>
+              </a:lnSpc>
+              <a:spcBef>
+                <a:spcPts val="500"/>
+              </a:spcBef>
+              <a:buFont typeface="Arial" panose="020B0604020202020204" pitchFamily="34" charset="0"/>
+              <a:buChar char="•"/>
+              <a:defRPr sz="1800" kern="1200">
+                <a:solidFill>
+                  <a:schemeClr val="tx1"/>
+                </a:solidFill>
+                <a:latin typeface="+mn-lt"/>
+                <a:ea typeface="+mn-ea"/>
+                <a:cs typeface="+mn-cs"/>
+              </a:defRPr>
+            </a:lvl7pPr>
+            <a:lvl8pPr marL="3429000" indent="-228600" algn="l" defTabSz="914400" rtl="0" eaLnBrk="1" latinLnBrk="0" hangingPunct="1">
+              <a:lnSpc>
+                <a:spcPct val="90000"/>
+              </a:lnSpc>
+              <a:spcBef>
+                <a:spcPts val="500"/>
+              </a:spcBef>
+              <a:buFont typeface="Arial" panose="020B0604020202020204" pitchFamily="34" charset="0"/>
+              <a:buChar char="•"/>
+              <a:defRPr sz="1800" kern="1200">
+                <a:solidFill>
+                  <a:schemeClr val="tx1"/>
+                </a:solidFill>
+                <a:latin typeface="+mn-lt"/>
+                <a:ea typeface="+mn-ea"/>
+                <a:cs typeface="+mn-cs"/>
+              </a:defRPr>
+            </a:lvl8pPr>
+            <a:lvl9pPr marL="3886200" indent="-228600" algn="l" defTabSz="914400" rtl="0" eaLnBrk="1" latinLnBrk="0" hangingPunct="1">
+              <a:lnSpc>
+                <a:spcPct val="90000"/>
+              </a:lnSpc>
+              <a:spcBef>
+                <a:spcPts val="500"/>
+              </a:spcBef>
+              <a:buFont typeface="Arial" panose="020B0604020202020204" pitchFamily="34" charset="0"/>
+              <a:buChar char="•"/>
+              <a:defRPr sz="1800" kern="1200">
+                <a:solidFill>
+                  <a:schemeClr val="tx1"/>
+                </a:solidFill>
+                <a:latin typeface="+mn-lt"/>
+                <a:ea typeface="+mn-ea"/>
+                <a:cs typeface="+mn-cs"/>
+              </a:defRPr>
+            </a:lvl9pPr>
+          </a:lstStyle>
+          <a:p>
+            <a:pPr marL="0" indent="0">
+              <a:buFont typeface="Arial" panose="020B0604020202020204" pitchFamily="34" charset="0"/>
+              <a:buNone/>
+            </a:pPr>
+            <a:r>
+              <a:rPr lang="en-US" dirty="0" err="1"/>
+              <a:t>Funtion</a:t>
+            </a:r>
+            <a:r>
+              <a:rPr lang="en-US" dirty="0"/>
+              <a:t> sum(</a:t>
+            </a:r>
+            <a:r>
+              <a:rPr lang="en-US" dirty="0" err="1"/>
+              <a:t>a,b</a:t>
+            </a:r>
+            <a:r>
+              <a:rPr lang="en-US" dirty="0"/>
+              <a:t>){</a:t>
+            </a:r>
+          </a:p>
+          <a:p>
+            <a:pPr marL="0" indent="0">
+              <a:buFont typeface="Arial" panose="020B0604020202020204" pitchFamily="34" charset="0"/>
+              <a:buNone/>
+            </a:pPr>
+            <a:r>
+              <a:rPr lang="en-US" dirty="0"/>
+              <a:t>	</a:t>
+            </a:r>
+            <a:r>
+              <a:rPr lang="en-US" dirty="0" err="1"/>
+              <a:t>document.write</a:t>
+            </a:r>
+            <a:r>
+              <a:rPr lang="en-US" dirty="0"/>
+              <a:t>(</a:t>
+            </a:r>
+            <a:r>
+              <a:rPr lang="en-US" dirty="0" err="1"/>
+              <a:t>a+b</a:t>
+            </a:r>
+            <a:r>
+              <a:rPr lang="en-US" dirty="0"/>
+              <a:t>);</a:t>
+            </a:r>
+          </a:p>
+          <a:p>
+            <a:pPr marL="0" indent="0">
+              <a:buFont typeface="Arial" panose="020B0604020202020204" pitchFamily="34" charset="0"/>
+              <a:buNone/>
+            </a:pPr>
+            <a:r>
+              <a:rPr lang="en-US" dirty="0"/>
+              <a:t>}</a:t>
+            </a:r>
+          </a:p>
+          <a:p>
+            <a:pPr marL="0" indent="0">
+              <a:buFont typeface="Arial" panose="020B0604020202020204" pitchFamily="34" charset="0"/>
+              <a:buNone/>
+            </a:pPr>
+            <a:r>
+              <a:rPr lang="en-US" dirty="0"/>
+              <a:t>….</a:t>
+            </a:r>
+          </a:p>
+          <a:p>
+            <a:pPr marL="0" indent="0">
+              <a:buFont typeface="Arial" panose="020B0604020202020204" pitchFamily="34" charset="0"/>
+              <a:buNone/>
+            </a:pPr>
+            <a:r>
+              <a:rPr lang="en-US" dirty="0"/>
+              <a:t>…</a:t>
+            </a:r>
+          </a:p>
+          <a:p>
+            <a:pPr marL="0" indent="0">
+              <a:buFont typeface="Arial" panose="020B0604020202020204" pitchFamily="34" charset="0"/>
+              <a:buNone/>
+            </a:pPr>
+            <a:r>
+              <a:rPr lang="en-US" dirty="0"/>
+              <a:t>Sum(10,20);</a:t>
+            </a:r>
+          </a:p>
+          <a:p>
+            <a:pPr marL="0" indent="0">
+              <a:buFont typeface="Arial" panose="020B0604020202020204" pitchFamily="34" charset="0"/>
+              <a:buNone/>
+            </a:pPr>
+            <a:r>
+              <a:rPr lang="en-US" dirty="0"/>
+              <a:t>…</a:t>
+            </a:r>
+          </a:p>
+          <a:p>
+            <a:pPr marL="0" indent="0">
+              <a:buFont typeface="Arial" panose="020B0604020202020204" pitchFamily="34" charset="0"/>
+              <a:buNone/>
+            </a:pPr>
+            <a:r>
+              <a:rPr lang="en-US" dirty="0"/>
+              <a:t>..</a:t>
+            </a:r>
+          </a:p>
+          <a:p>
+            <a:pPr marL="0" indent="0">
+              <a:buFont typeface="Arial" panose="020B0604020202020204" pitchFamily="34" charset="0"/>
+              <a:buNone/>
+            </a:pPr>
+            <a:r>
+              <a:rPr lang="en-US" dirty="0"/>
+              <a:t>Sum(40,60);</a:t>
+            </a:r>
+          </a:p>
+          <a:p>
+            <a:pPr marL="0" indent="0">
+              <a:buFont typeface="Arial" panose="020B0604020202020204" pitchFamily="34" charset="0"/>
+              <a:buNone/>
+            </a:pPr>
+            <a:r>
+              <a:rPr lang="en-US" dirty="0"/>
+              <a:t>…</a:t>
+            </a:r>
+          </a:p>
+          <a:p>
+            <a:pPr marL="0" indent="0">
+              <a:buFont typeface="Arial" panose="020B0604020202020204" pitchFamily="34" charset="0"/>
+              <a:buNone/>
+            </a:pPr>
+            <a:r>
+              <a:rPr lang="en-US" dirty="0"/>
+              <a:t>…</a:t>
+            </a:r>
+          </a:p>
+          <a:p>
+            <a:pPr marL="0" indent="0">
+              <a:buFont typeface="Arial" panose="020B0604020202020204" pitchFamily="34" charset="0"/>
+              <a:buNone/>
+            </a:pPr>
+            <a:r>
+              <a:rPr lang="en-US" dirty="0"/>
+              <a:t>….</a:t>
+            </a:r>
+          </a:p>
+          <a:p>
+            <a:pPr marL="0" indent="0">
+              <a:buFont typeface="Arial" panose="020B0604020202020204" pitchFamily="34" charset="0"/>
+              <a:buNone/>
+            </a:pPr>
+            <a:r>
+              <a:rPr lang="en-US" dirty="0"/>
+              <a:t>Sum(100,200);</a:t>
+            </a:r>
+          </a:p>
+        </p:txBody>
+      </p:sp>
+    </p:spTree>
+    <p:extLst>
+      <p:ext uri="{BB962C8B-B14F-4D97-AF65-F5344CB8AC3E}">
+        <p14:creationId xmlns:p14="http://schemas.microsoft.com/office/powerpoint/2010/main" val="445325763"/>
+      </p:ext>
+    </p:extLst>
+  </p:cSld>
+  <p:clrMapOvr>
+    <a:masterClrMapping/>
+  </p:clrMapOvr>
+</p:sld>
+</file>
+
+<file path=ppt/slides/slide44.xml><?xml version="1.0" encoding="utf-8"?>
+<p:sld xmlns:a="http://schemas.openxmlformats.org/drawingml/2006/main" xmlns:r="http://schemas.openxmlformats.org/officeDocument/2006/relationships" xmlns:p="http://schemas.openxmlformats.org/presentationml/2006/main">
+  <p:cSld>
+    <p:spTree>
+      <p:nvGrpSpPr>
+        <p:cNvPr id="1" name=""/>
+        <p:cNvGrpSpPr/>
+        <p:nvPr/>
+      </p:nvGrpSpPr>
+      <p:grpSpPr>
+        <a:xfrm>
+          <a:off x="0" y="0"/>
+          <a:ext cx="0" cy="0"/>
+          <a:chOff x="0" y="0"/>
+          <a:chExt cx="0" cy="0"/>
+        </a:xfrm>
+      </p:grpSpPr>
+      <p:sp>
+        <p:nvSpPr>
+          <p:cNvPr id="2" name="Title 1">
+            <a:extLst>
+              <a:ext uri="{FF2B5EF4-FFF2-40B4-BE49-F238E27FC236}">
+                <a16:creationId xmlns:a16="http://schemas.microsoft.com/office/drawing/2014/main" id="{770112B0-336D-5A85-645B-2CD50CF16165}"/>
+              </a:ext>
+            </a:extLst>
+          </p:cNvPr>
+          <p:cNvSpPr>
+            <a:spLocks noGrp="1"/>
+          </p:cNvSpPr>
+          <p:nvPr>
+            <p:ph type="title"/>
+          </p:nvPr>
+        </p:nvSpPr>
+        <p:spPr/>
+        <p:txBody>
+          <a:bodyPr/>
+          <a:lstStyle/>
+          <a:p>
+            <a:r>
+              <a:rPr lang="en-US" dirty="0"/>
+              <a:t>Functions Param in JS:</a:t>
+            </a:r>
+          </a:p>
+        </p:txBody>
+      </p:sp>
+      <p:sp>
+        <p:nvSpPr>
+          <p:cNvPr id="3" name="Content Placeholder 2">
+            <a:extLst>
+              <a:ext uri="{FF2B5EF4-FFF2-40B4-BE49-F238E27FC236}">
+                <a16:creationId xmlns:a16="http://schemas.microsoft.com/office/drawing/2014/main" id="{AEBB0EF7-D072-A8A7-CFD0-FECA9875F6FF}"/>
+              </a:ext>
+            </a:extLst>
+          </p:cNvPr>
+          <p:cNvSpPr>
+            <a:spLocks noGrp="1"/>
+          </p:cNvSpPr>
+          <p:nvPr>
+            <p:ph idx="1"/>
+          </p:nvPr>
+        </p:nvSpPr>
+        <p:spPr/>
+        <p:txBody>
+          <a:bodyPr/>
+          <a:lstStyle/>
+          <a:p>
+            <a:pPr marL="0" indent="0">
+              <a:buNone/>
+            </a:pPr>
+            <a:r>
+              <a:rPr lang="en-US" dirty="0"/>
+              <a:t>Function </a:t>
+            </a:r>
+            <a:r>
+              <a:rPr lang="en-US" dirty="0" err="1"/>
+              <a:t>functionName</a:t>
+            </a:r>
+            <a:r>
+              <a:rPr lang="en-US" dirty="0"/>
+              <a:t>(parameter1,parameter2){</a:t>
+            </a:r>
+          </a:p>
+          <a:p>
+            <a:pPr marL="0" indent="0">
+              <a:buNone/>
+            </a:pPr>
+            <a:r>
+              <a:rPr lang="en-US" dirty="0"/>
+              <a:t>Statement;</a:t>
+            </a:r>
+          </a:p>
+          <a:p>
+            <a:pPr marL="0" indent="0">
+              <a:buNone/>
+            </a:pPr>
+            <a:r>
+              <a:rPr lang="en-US" dirty="0"/>
+              <a:t>}</a:t>
+            </a:r>
+          </a:p>
+          <a:p>
+            <a:pPr marL="0" indent="0">
+              <a:buNone/>
+            </a:pPr>
+            <a:r>
+              <a:rPr lang="en-US" dirty="0" err="1"/>
+              <a:t>functionName</a:t>
+            </a:r>
+            <a:r>
+              <a:rPr lang="en-US" dirty="0"/>
+              <a:t>(argument1, argument2);</a:t>
+            </a:r>
+          </a:p>
+        </p:txBody>
+      </p:sp>
+    </p:spTree>
+    <p:extLst>
+      <p:ext uri="{BB962C8B-B14F-4D97-AF65-F5344CB8AC3E}">
+        <p14:creationId xmlns:p14="http://schemas.microsoft.com/office/powerpoint/2010/main" val="3514720194"/>
+      </p:ext>
+    </p:extLst>
+  </p:cSld>
+  <p:clrMapOvr>
+    <a:masterClrMapping/>
+  </p:clrMapOvr>
+</p:sld>
+</file>
+
+<file path=ppt/slides/slide45.xml><?xml version="1.0" encoding="utf-8"?>
+<p:sld xmlns:a="http://schemas.openxmlformats.org/drawingml/2006/main" xmlns:r="http://schemas.openxmlformats.org/officeDocument/2006/relationships" xmlns:p="http://schemas.openxmlformats.org/presentationml/2006/main">
+  <p:cSld>
+    <p:spTree>
+      <p:nvGrpSpPr>
+        <p:cNvPr id="1" name=""/>
+        <p:cNvGrpSpPr/>
+        <p:nvPr/>
+      </p:nvGrpSpPr>
+      <p:grpSpPr>
+        <a:xfrm>
+          <a:off x="0" y="0"/>
+          <a:ext cx="0" cy="0"/>
+          <a:chOff x="0" y="0"/>
+          <a:chExt cx="0" cy="0"/>
+        </a:xfrm>
+      </p:grpSpPr>
+      <p:sp>
+        <p:nvSpPr>
+          <p:cNvPr id="2" name="Title 1">
+            <a:extLst>
+              <a:ext uri="{FF2B5EF4-FFF2-40B4-BE49-F238E27FC236}">
+                <a16:creationId xmlns:a16="http://schemas.microsoft.com/office/drawing/2014/main" id="{136B8A80-2A5E-ECFE-F7E8-803649B1B794}"/>
+              </a:ext>
+            </a:extLst>
+          </p:cNvPr>
+          <p:cNvSpPr>
+            <a:spLocks noGrp="1"/>
+          </p:cNvSpPr>
+          <p:nvPr>
+            <p:ph type="title"/>
+          </p:nvPr>
+        </p:nvSpPr>
+        <p:spPr/>
+        <p:txBody>
+          <a:bodyPr/>
+          <a:lstStyle/>
+          <a:p>
+            <a:r>
+              <a:rPr lang="en-US" dirty="0"/>
+              <a:t>Functions with Return Value</a:t>
+            </a:r>
+          </a:p>
+        </p:txBody>
+      </p:sp>
+      <p:sp>
+        <p:nvSpPr>
+          <p:cNvPr id="3" name="Content Placeholder 2">
+            <a:extLst>
+              <a:ext uri="{FF2B5EF4-FFF2-40B4-BE49-F238E27FC236}">
+                <a16:creationId xmlns:a16="http://schemas.microsoft.com/office/drawing/2014/main" id="{ACE1C6EB-2BAB-E6B0-5B5E-793C22EFAB6A}"/>
+              </a:ext>
+            </a:extLst>
+          </p:cNvPr>
+          <p:cNvSpPr>
+            <a:spLocks noGrp="1"/>
+          </p:cNvSpPr>
+          <p:nvPr>
+            <p:ph idx="1"/>
+          </p:nvPr>
+        </p:nvSpPr>
+        <p:spPr/>
+        <p:txBody>
+          <a:bodyPr/>
+          <a:lstStyle/>
+          <a:p>
+            <a:pPr marL="0" indent="0">
+              <a:buNone/>
+            </a:pPr>
+            <a:r>
+              <a:rPr lang="en-US" dirty="0"/>
+              <a:t>Function </a:t>
+            </a:r>
+            <a:r>
+              <a:rPr lang="en-US" dirty="0" err="1"/>
+              <a:t>functionName</a:t>
+            </a:r>
+            <a:r>
+              <a:rPr lang="en-US" dirty="0"/>
+              <a:t>(parameter1, parameter2){</a:t>
+            </a:r>
+          </a:p>
+          <a:p>
+            <a:pPr marL="0" indent="0">
+              <a:buNone/>
+            </a:pPr>
+            <a:r>
+              <a:rPr lang="en-US" dirty="0"/>
+              <a:t>Statements</a:t>
+            </a:r>
+          </a:p>
+          <a:p>
+            <a:pPr marL="0" indent="0">
+              <a:buNone/>
+            </a:pPr>
+            <a:r>
+              <a:rPr lang="en-US" dirty="0"/>
+              <a:t>Return value</a:t>
+            </a:r>
+            <a:br>
+              <a:rPr lang="en-US" dirty="0"/>
+            </a:br>
+            <a:r>
+              <a:rPr lang="en-US" dirty="0"/>
+              <a:t>}</a:t>
+            </a:r>
+          </a:p>
+          <a:p>
+            <a:pPr marL="0" indent="0">
+              <a:buNone/>
+            </a:pPr>
+            <a:endParaRPr lang="en-US" dirty="0"/>
+          </a:p>
+          <a:p>
+            <a:pPr marL="0" indent="0">
+              <a:buNone/>
+            </a:pPr>
+            <a:r>
+              <a:rPr lang="en-US" dirty="0"/>
+              <a:t>Var a = </a:t>
+            </a:r>
+            <a:r>
+              <a:rPr lang="en-US" dirty="0" err="1"/>
+              <a:t>functionName</a:t>
+            </a:r>
+            <a:r>
+              <a:rPr lang="en-US" dirty="0"/>
+              <a:t>(argument 1, argument 2);</a:t>
+            </a:r>
+          </a:p>
+        </p:txBody>
+      </p:sp>
+    </p:spTree>
+    <p:extLst>
+      <p:ext uri="{BB962C8B-B14F-4D97-AF65-F5344CB8AC3E}">
+        <p14:creationId xmlns:p14="http://schemas.microsoft.com/office/powerpoint/2010/main" val="3819668289"/>
+      </p:ext>
+    </p:extLst>
+  </p:cSld>
+  <p:clrMapOvr>
+    <a:masterClrMapping/>
+  </p:clrMapOvr>
+</p:sld>
+</file>
+
 <file path=ppt/slides/slide5.xml><?xml version="1.0" encoding="utf-8"?>
 <p:sld xmlns:a="http://schemas.openxmlformats.org/drawingml/2006/main" xmlns:r="http://schemas.openxmlformats.org/officeDocument/2006/relationships" xmlns:p="http://schemas.openxmlformats.org/presentationml/2006/main">
   <p:cSld>

--- a/JavaScript.pptx
+++ b/JavaScript.pptx
@@ -50,6 +50,14 @@
     <p:sldId id="298" r:id="rId44"/>
     <p:sldId id="299" r:id="rId45"/>
     <p:sldId id="300" r:id="rId46"/>
+    <p:sldId id="301" r:id="rId47"/>
+    <p:sldId id="302" r:id="rId48"/>
+    <p:sldId id="303" r:id="rId49"/>
+    <p:sldId id="304" r:id="rId50"/>
+    <p:sldId id="305" r:id="rId51"/>
+    <p:sldId id="306" r:id="rId52"/>
+    <p:sldId id="307" r:id="rId53"/>
+    <p:sldId id="308" r:id="rId54"/>
   </p:sldIdLst>
   <p:sldSz cx="12192000" cy="6858000"/>
   <p:notesSz cx="6858000" cy="9144000"/>
@@ -202,6 +210,14 @@
             <p14:sldId id="298"/>
             <p14:sldId id="299"/>
             <p14:sldId id="300"/>
+            <p14:sldId id="301"/>
+            <p14:sldId id="302"/>
+            <p14:sldId id="303"/>
+            <p14:sldId id="304"/>
+            <p14:sldId id="305"/>
+            <p14:sldId id="306"/>
+            <p14:sldId id="307"/>
+            <p14:sldId id="308"/>
           </p14:sldIdLst>
         </p14:section>
       </p14:sectionLst>
@@ -360,7 +376,7 @@
           <a:p>
             <a:fld id="{B0FD79F2-F8AC-467F-AA9E-9C9DDF51E646}" type="datetimeFigureOut">
               <a:rPr lang="en-US" smtClean="0"/>
-              <a:t>1/6/2023</a:t>
+              <a:t>1/9/2023</a:t>
             </a:fld>
             <a:endParaRPr lang="en-US"/>
           </a:p>
@@ -558,7 +574,7 @@
           <a:p>
             <a:fld id="{B0FD79F2-F8AC-467F-AA9E-9C9DDF51E646}" type="datetimeFigureOut">
               <a:rPr lang="en-US" smtClean="0"/>
-              <a:t>1/6/2023</a:t>
+              <a:t>1/9/2023</a:t>
             </a:fld>
             <a:endParaRPr lang="en-US"/>
           </a:p>
@@ -766,7 +782,7 @@
           <a:p>
             <a:fld id="{B0FD79F2-F8AC-467F-AA9E-9C9DDF51E646}" type="datetimeFigureOut">
               <a:rPr lang="en-US" smtClean="0"/>
-              <a:t>1/6/2023</a:t>
+              <a:t>1/9/2023</a:t>
             </a:fld>
             <a:endParaRPr lang="en-US"/>
           </a:p>
@@ -964,7 +980,7 @@
           <a:p>
             <a:fld id="{B0FD79F2-F8AC-467F-AA9E-9C9DDF51E646}" type="datetimeFigureOut">
               <a:rPr lang="en-US" smtClean="0"/>
-              <a:t>1/6/2023</a:t>
+              <a:t>1/9/2023</a:t>
             </a:fld>
             <a:endParaRPr lang="en-US"/>
           </a:p>
@@ -1239,7 +1255,7 @@
           <a:p>
             <a:fld id="{B0FD79F2-F8AC-467F-AA9E-9C9DDF51E646}" type="datetimeFigureOut">
               <a:rPr lang="en-US" smtClean="0"/>
-              <a:t>1/6/2023</a:t>
+              <a:t>1/9/2023</a:t>
             </a:fld>
             <a:endParaRPr lang="en-US"/>
           </a:p>
@@ -1504,7 +1520,7 @@
           <a:p>
             <a:fld id="{B0FD79F2-F8AC-467F-AA9E-9C9DDF51E646}" type="datetimeFigureOut">
               <a:rPr lang="en-US" smtClean="0"/>
-              <a:t>1/6/2023</a:t>
+              <a:t>1/9/2023</a:t>
             </a:fld>
             <a:endParaRPr lang="en-US"/>
           </a:p>
@@ -1916,7 +1932,7 @@
           <a:p>
             <a:fld id="{B0FD79F2-F8AC-467F-AA9E-9C9DDF51E646}" type="datetimeFigureOut">
               <a:rPr lang="en-US" smtClean="0"/>
-              <a:t>1/6/2023</a:t>
+              <a:t>1/9/2023</a:t>
             </a:fld>
             <a:endParaRPr lang="en-US"/>
           </a:p>
@@ -2057,7 +2073,7 @@
           <a:p>
             <a:fld id="{B0FD79F2-F8AC-467F-AA9E-9C9DDF51E646}" type="datetimeFigureOut">
               <a:rPr lang="en-US" smtClean="0"/>
-              <a:t>1/6/2023</a:t>
+              <a:t>1/9/2023</a:t>
             </a:fld>
             <a:endParaRPr lang="en-US"/>
           </a:p>
@@ -2170,7 +2186,7 @@
           <a:p>
             <a:fld id="{B0FD79F2-F8AC-467F-AA9E-9C9DDF51E646}" type="datetimeFigureOut">
               <a:rPr lang="en-US" smtClean="0"/>
-              <a:t>1/6/2023</a:t>
+              <a:t>1/9/2023</a:t>
             </a:fld>
             <a:endParaRPr lang="en-US"/>
           </a:p>
@@ -2481,7 +2497,7 @@
           <a:p>
             <a:fld id="{B0FD79F2-F8AC-467F-AA9E-9C9DDF51E646}" type="datetimeFigureOut">
               <a:rPr lang="en-US" smtClean="0"/>
-              <a:t>1/6/2023</a:t>
+              <a:t>1/9/2023</a:t>
             </a:fld>
             <a:endParaRPr lang="en-US"/>
           </a:p>
@@ -2769,7 +2785,7 @@
           <a:p>
             <a:fld id="{B0FD79F2-F8AC-467F-AA9E-9C9DDF51E646}" type="datetimeFigureOut">
               <a:rPr lang="en-US" smtClean="0"/>
-              <a:t>1/6/2023</a:t>
+              <a:t>1/9/2023</a:t>
             </a:fld>
             <a:endParaRPr lang="en-US"/>
           </a:p>
@@ -3010,7 +3026,7 @@
           <a:p>
             <a:fld id="{B0FD79F2-F8AC-467F-AA9E-9C9DDF51E646}" type="datetimeFigureOut">
               <a:rPr lang="en-US" smtClean="0"/>
-              <a:t>1/6/2023</a:t>
+              <a:t>1/9/2023</a:t>
             </a:fld>
             <a:endParaRPr lang="en-US"/>
           </a:p>
@@ -12433,6 +12449,1357 @@
 </p:sld>
 </file>
 
+<file path=ppt/slides/slide46.xml><?xml version="1.0" encoding="utf-8"?>
+<p:sld xmlns:a="http://schemas.openxmlformats.org/drawingml/2006/main" xmlns:r="http://schemas.openxmlformats.org/officeDocument/2006/relationships" xmlns:p="http://schemas.openxmlformats.org/presentationml/2006/main">
+  <p:cSld>
+    <p:spTree>
+      <p:nvGrpSpPr>
+        <p:cNvPr id="1" name=""/>
+        <p:cNvGrpSpPr/>
+        <p:nvPr/>
+      </p:nvGrpSpPr>
+      <p:grpSpPr>
+        <a:xfrm>
+          <a:off x="0" y="0"/>
+          <a:ext cx="0" cy="0"/>
+          <a:chOff x="0" y="0"/>
+          <a:chExt cx="0" cy="0"/>
+        </a:xfrm>
+      </p:grpSpPr>
+      <p:sp>
+        <p:nvSpPr>
+          <p:cNvPr id="2" name="Title 1">
+            <a:extLst>
+              <a:ext uri="{FF2B5EF4-FFF2-40B4-BE49-F238E27FC236}">
+                <a16:creationId xmlns:a16="http://schemas.microsoft.com/office/drawing/2014/main" id="{264B879A-4ACA-214C-7841-A22E86A816C8}"/>
+              </a:ext>
+            </a:extLst>
+          </p:cNvPr>
+          <p:cNvSpPr>
+            <a:spLocks noGrp="1"/>
+          </p:cNvSpPr>
+          <p:nvPr>
+            <p:ph type="title"/>
+          </p:nvPr>
+        </p:nvSpPr>
+        <p:spPr/>
+        <p:txBody>
+          <a:bodyPr/>
+          <a:lstStyle/>
+          <a:p>
+            <a:r>
+              <a:rPr lang="en-US" dirty="0"/>
+              <a:t>JS: Global &amp; Local Variables</a:t>
+            </a:r>
+          </a:p>
+        </p:txBody>
+      </p:sp>
+      <p:sp>
+        <p:nvSpPr>
+          <p:cNvPr id="3" name="Content Placeholder 2">
+            <a:extLst>
+              <a:ext uri="{FF2B5EF4-FFF2-40B4-BE49-F238E27FC236}">
+                <a16:creationId xmlns:a16="http://schemas.microsoft.com/office/drawing/2014/main" id="{ED5AD4EA-188E-6476-7DF6-0FE1334F0DB8}"/>
+              </a:ext>
+            </a:extLst>
+          </p:cNvPr>
+          <p:cNvSpPr>
+            <a:spLocks noGrp="1"/>
+          </p:cNvSpPr>
+          <p:nvPr>
+            <p:ph idx="1"/>
+          </p:nvPr>
+        </p:nvSpPr>
+        <p:spPr/>
+        <p:txBody>
+          <a:bodyPr/>
+          <a:lstStyle/>
+          <a:p>
+            <a:pPr marL="0" indent="0">
+              <a:buNone/>
+            </a:pPr>
+            <a:r>
+              <a:rPr lang="en-US" dirty="0"/>
+              <a:t>Var a = 10; --- Global Variable</a:t>
+            </a:r>
+          </a:p>
+          <a:p>
+            <a:pPr marL="0" indent="0">
+              <a:buNone/>
+            </a:pPr>
+            <a:endParaRPr lang="en-US" dirty="0"/>
+          </a:p>
+          <a:p>
+            <a:pPr marL="0" indent="0">
+              <a:buNone/>
+            </a:pPr>
+            <a:r>
+              <a:rPr lang="en-US" dirty="0"/>
+              <a:t>Function </a:t>
+            </a:r>
+            <a:r>
+              <a:rPr lang="en-US" dirty="0" err="1"/>
+              <a:t>functionName</a:t>
+            </a:r>
+            <a:r>
+              <a:rPr lang="en-US" dirty="0"/>
+              <a:t>(){</a:t>
+            </a:r>
+          </a:p>
+          <a:p>
+            <a:pPr marL="0" indent="0">
+              <a:buNone/>
+            </a:pPr>
+            <a:r>
+              <a:rPr lang="en-US" dirty="0"/>
+              <a:t>Var b = 30; --- Local Variable</a:t>
+            </a:r>
+          </a:p>
+          <a:p>
+            <a:pPr marL="0" indent="0">
+              <a:buNone/>
+            </a:pPr>
+            <a:r>
+              <a:rPr lang="en-US" dirty="0"/>
+              <a:t>}</a:t>
+            </a:r>
+          </a:p>
+        </p:txBody>
+      </p:sp>
+    </p:spTree>
+    <p:extLst>
+      <p:ext uri="{BB962C8B-B14F-4D97-AF65-F5344CB8AC3E}">
+        <p14:creationId xmlns:p14="http://schemas.microsoft.com/office/powerpoint/2010/main" val="3841304211"/>
+      </p:ext>
+    </p:extLst>
+  </p:cSld>
+  <p:clrMapOvr>
+    <a:masterClrMapping/>
+  </p:clrMapOvr>
+</p:sld>
+</file>
+
+<file path=ppt/slides/slide47.xml><?xml version="1.0" encoding="utf-8"?>
+<p:sld xmlns:a="http://schemas.openxmlformats.org/drawingml/2006/main" xmlns:r="http://schemas.openxmlformats.org/officeDocument/2006/relationships" xmlns:p="http://schemas.openxmlformats.org/presentationml/2006/main">
+  <p:cSld>
+    <p:spTree>
+      <p:nvGrpSpPr>
+        <p:cNvPr id="1" name=""/>
+        <p:cNvGrpSpPr/>
+        <p:nvPr/>
+      </p:nvGrpSpPr>
+      <p:grpSpPr>
+        <a:xfrm>
+          <a:off x="0" y="0"/>
+          <a:ext cx="0" cy="0"/>
+          <a:chOff x="0" y="0"/>
+          <a:chExt cx="0" cy="0"/>
+        </a:xfrm>
+      </p:grpSpPr>
+      <p:sp>
+        <p:nvSpPr>
+          <p:cNvPr id="2" name="Title 1">
+            <a:extLst>
+              <a:ext uri="{FF2B5EF4-FFF2-40B4-BE49-F238E27FC236}">
+                <a16:creationId xmlns:a16="http://schemas.microsoft.com/office/drawing/2014/main" id="{6ECC9720-B435-2DBF-F4D0-822D56BA525A}"/>
+              </a:ext>
+            </a:extLst>
+          </p:cNvPr>
+          <p:cNvSpPr>
+            <a:spLocks noGrp="1"/>
+          </p:cNvSpPr>
+          <p:nvPr>
+            <p:ph type="title"/>
+          </p:nvPr>
+        </p:nvSpPr>
+        <p:spPr/>
+        <p:txBody>
+          <a:bodyPr/>
+          <a:lstStyle/>
+          <a:p>
+            <a:r>
+              <a:rPr lang="en-US" dirty="0" err="1"/>
+              <a:t>JS:Events</a:t>
+            </a:r>
+            <a:endParaRPr lang="en-US" dirty="0"/>
+          </a:p>
+        </p:txBody>
+      </p:sp>
+      <p:sp>
+        <p:nvSpPr>
+          <p:cNvPr id="3" name="Content Placeholder 2">
+            <a:extLst>
+              <a:ext uri="{FF2B5EF4-FFF2-40B4-BE49-F238E27FC236}">
+                <a16:creationId xmlns:a16="http://schemas.microsoft.com/office/drawing/2014/main" id="{A3353CC9-57B6-ADCA-5A74-9B7E5B6FCA1A}"/>
+              </a:ext>
+            </a:extLst>
+          </p:cNvPr>
+          <p:cNvSpPr>
+            <a:spLocks noGrp="1"/>
+          </p:cNvSpPr>
+          <p:nvPr>
+            <p:ph idx="1"/>
+          </p:nvPr>
+        </p:nvSpPr>
+        <p:spPr/>
+        <p:txBody>
+          <a:bodyPr numCol="2">
+            <a:normAutofit fontScale="92500"/>
+          </a:bodyPr>
+          <a:lstStyle/>
+          <a:p>
+            <a:r>
+              <a:rPr lang="en-US" sz="3600" dirty="0">
+                <a:solidFill>
+                  <a:srgbClr val="FF0000"/>
+                </a:solidFill>
+              </a:rPr>
+              <a:t>Click (onclick)</a:t>
+            </a:r>
+          </a:p>
+          <a:p>
+            <a:r>
+              <a:rPr lang="en-US" sz="3600" dirty="0">
+                <a:solidFill>
+                  <a:srgbClr val="FF0000"/>
+                </a:solidFill>
+              </a:rPr>
+              <a:t>Double click (</a:t>
+            </a:r>
+            <a:r>
+              <a:rPr lang="en-US" sz="3600" dirty="0" err="1">
+                <a:solidFill>
+                  <a:srgbClr val="FF0000"/>
+                </a:solidFill>
+              </a:rPr>
+              <a:t>ondblclick</a:t>
+            </a:r>
+            <a:r>
+              <a:rPr lang="en-US" sz="3600" dirty="0">
+                <a:solidFill>
+                  <a:srgbClr val="FF0000"/>
+                </a:solidFill>
+              </a:rPr>
+              <a:t>)</a:t>
+            </a:r>
+          </a:p>
+          <a:p>
+            <a:r>
+              <a:rPr lang="en-US" sz="3600" dirty="0">
+                <a:solidFill>
+                  <a:srgbClr val="FF0000"/>
+                </a:solidFill>
+              </a:rPr>
+              <a:t>Right click(</a:t>
+            </a:r>
+            <a:r>
+              <a:rPr lang="en-US" sz="3600" dirty="0" err="1">
+                <a:solidFill>
+                  <a:srgbClr val="FF0000"/>
+                </a:solidFill>
+              </a:rPr>
+              <a:t>oncontextmenu</a:t>
+            </a:r>
+            <a:r>
+              <a:rPr lang="en-US" sz="3600" dirty="0">
+                <a:solidFill>
+                  <a:srgbClr val="FF0000"/>
+                </a:solidFill>
+              </a:rPr>
+              <a:t>)</a:t>
+            </a:r>
+          </a:p>
+          <a:p>
+            <a:r>
+              <a:rPr lang="en-US" sz="3600" dirty="0">
+                <a:solidFill>
+                  <a:srgbClr val="00B050"/>
+                </a:solidFill>
+              </a:rPr>
+              <a:t>Mouse Hover(</a:t>
+            </a:r>
+            <a:r>
+              <a:rPr lang="en-US" sz="3600" dirty="0" err="1">
+                <a:solidFill>
+                  <a:srgbClr val="00B050"/>
+                </a:solidFill>
+              </a:rPr>
+              <a:t>onmouseenter</a:t>
+            </a:r>
+            <a:r>
+              <a:rPr lang="en-US" sz="3600" dirty="0">
+                <a:solidFill>
+                  <a:srgbClr val="00B050"/>
+                </a:solidFill>
+              </a:rPr>
+              <a:t>)</a:t>
+            </a:r>
+          </a:p>
+          <a:p>
+            <a:r>
+              <a:rPr lang="en-US" sz="3600" dirty="0">
+                <a:solidFill>
+                  <a:srgbClr val="00B050"/>
+                </a:solidFill>
+              </a:rPr>
+              <a:t>Mouse Out(</a:t>
+            </a:r>
+            <a:r>
+              <a:rPr lang="en-US" sz="3600" dirty="0" err="1">
+                <a:solidFill>
+                  <a:srgbClr val="00B050"/>
+                </a:solidFill>
+              </a:rPr>
+              <a:t>onmouseout</a:t>
+            </a:r>
+            <a:r>
+              <a:rPr lang="en-US" sz="3600" dirty="0">
+                <a:solidFill>
+                  <a:srgbClr val="00B050"/>
+                </a:solidFill>
+              </a:rPr>
+              <a:t>)</a:t>
+            </a:r>
+          </a:p>
+          <a:p>
+            <a:r>
+              <a:rPr lang="en-US" sz="3600" dirty="0">
+                <a:solidFill>
+                  <a:srgbClr val="00B050"/>
+                </a:solidFill>
+              </a:rPr>
+              <a:t>Mouse Down(</a:t>
+            </a:r>
+            <a:r>
+              <a:rPr lang="en-US" sz="3600" dirty="0" err="1">
+                <a:solidFill>
+                  <a:srgbClr val="00B050"/>
+                </a:solidFill>
+              </a:rPr>
+              <a:t>onmousedown</a:t>
+            </a:r>
+            <a:r>
+              <a:rPr lang="en-US" sz="3600" dirty="0">
+                <a:solidFill>
+                  <a:srgbClr val="00B050"/>
+                </a:solidFill>
+              </a:rPr>
+              <a:t>)</a:t>
+            </a:r>
+          </a:p>
+          <a:p>
+            <a:r>
+              <a:rPr lang="en-US" sz="3600" dirty="0">
+                <a:solidFill>
+                  <a:srgbClr val="00B050"/>
+                </a:solidFill>
+              </a:rPr>
+              <a:t>Mouse Up(</a:t>
+            </a:r>
+            <a:r>
+              <a:rPr lang="en-US" sz="3600" dirty="0" err="1">
+                <a:solidFill>
+                  <a:srgbClr val="00B050"/>
+                </a:solidFill>
+              </a:rPr>
+              <a:t>onmouseup</a:t>
+            </a:r>
+            <a:r>
+              <a:rPr lang="en-US" sz="3600" dirty="0">
+                <a:solidFill>
+                  <a:srgbClr val="00B050"/>
+                </a:solidFill>
+              </a:rPr>
+              <a:t>)</a:t>
+            </a:r>
+          </a:p>
+          <a:p>
+            <a:r>
+              <a:rPr lang="en-US" sz="3600" dirty="0">
+                <a:solidFill>
+                  <a:schemeClr val="accent5">
+                    <a:lumMod val="50000"/>
+                  </a:schemeClr>
+                </a:solidFill>
+              </a:rPr>
+              <a:t>Key Press(</a:t>
+            </a:r>
+            <a:r>
+              <a:rPr lang="en-US" sz="3600" dirty="0" err="1">
+                <a:solidFill>
+                  <a:schemeClr val="accent5">
+                    <a:lumMod val="50000"/>
+                  </a:schemeClr>
+                </a:solidFill>
+              </a:rPr>
+              <a:t>onkeypress</a:t>
+            </a:r>
+            <a:r>
+              <a:rPr lang="en-US" sz="3600" dirty="0">
+                <a:solidFill>
+                  <a:schemeClr val="accent5">
+                    <a:lumMod val="50000"/>
+                  </a:schemeClr>
+                </a:solidFill>
+              </a:rPr>
+              <a:t>)</a:t>
+            </a:r>
+          </a:p>
+          <a:p>
+            <a:r>
+              <a:rPr lang="en-US" sz="3600" dirty="0">
+                <a:solidFill>
+                  <a:schemeClr val="accent5">
+                    <a:lumMod val="50000"/>
+                  </a:schemeClr>
+                </a:solidFill>
+              </a:rPr>
+              <a:t>Key Up(</a:t>
+            </a:r>
+            <a:r>
+              <a:rPr lang="en-US" sz="3600" dirty="0" err="1">
+                <a:solidFill>
+                  <a:schemeClr val="accent5">
+                    <a:lumMod val="50000"/>
+                  </a:schemeClr>
+                </a:solidFill>
+              </a:rPr>
+              <a:t>onkeyup</a:t>
+            </a:r>
+            <a:r>
+              <a:rPr lang="en-US" sz="3600" dirty="0">
+                <a:solidFill>
+                  <a:schemeClr val="accent5">
+                    <a:lumMod val="50000"/>
+                  </a:schemeClr>
+                </a:solidFill>
+              </a:rPr>
+              <a:t>)</a:t>
+            </a:r>
+          </a:p>
+          <a:p>
+            <a:r>
+              <a:rPr lang="en-US" sz="3600" dirty="0">
+                <a:solidFill>
+                  <a:srgbClr val="7030A0"/>
+                </a:solidFill>
+              </a:rPr>
+              <a:t>Load(onload)</a:t>
+            </a:r>
+          </a:p>
+          <a:p>
+            <a:r>
+              <a:rPr lang="en-US" sz="3600" dirty="0">
+                <a:solidFill>
+                  <a:srgbClr val="7030A0"/>
+                </a:solidFill>
+              </a:rPr>
+              <a:t>Unload(</a:t>
+            </a:r>
+            <a:r>
+              <a:rPr lang="en-US" sz="3600" dirty="0" err="1">
+                <a:solidFill>
+                  <a:srgbClr val="7030A0"/>
+                </a:solidFill>
+              </a:rPr>
+              <a:t>onunload</a:t>
+            </a:r>
+            <a:r>
+              <a:rPr lang="en-US" sz="3600" dirty="0">
+                <a:solidFill>
+                  <a:srgbClr val="7030A0"/>
+                </a:solidFill>
+              </a:rPr>
+              <a:t>)</a:t>
+            </a:r>
+          </a:p>
+          <a:p>
+            <a:r>
+              <a:rPr lang="en-US" sz="3600" dirty="0">
+                <a:solidFill>
+                  <a:srgbClr val="7030A0"/>
+                </a:solidFill>
+              </a:rPr>
+              <a:t>Resize(</a:t>
+            </a:r>
+            <a:r>
+              <a:rPr lang="en-US" sz="3600" dirty="0" err="1">
+                <a:solidFill>
+                  <a:srgbClr val="7030A0"/>
+                </a:solidFill>
+              </a:rPr>
+              <a:t>onresize</a:t>
+            </a:r>
+            <a:r>
+              <a:rPr lang="en-US" sz="3600" dirty="0">
+                <a:solidFill>
+                  <a:srgbClr val="7030A0"/>
+                </a:solidFill>
+              </a:rPr>
+              <a:t>)</a:t>
+            </a:r>
+          </a:p>
+          <a:p>
+            <a:r>
+              <a:rPr lang="en-US" sz="3600" dirty="0">
+                <a:solidFill>
+                  <a:srgbClr val="7030A0"/>
+                </a:solidFill>
+              </a:rPr>
+              <a:t>Scroll (</a:t>
+            </a:r>
+            <a:r>
+              <a:rPr lang="en-US" sz="3600" dirty="0" err="1">
+                <a:solidFill>
+                  <a:srgbClr val="7030A0"/>
+                </a:solidFill>
+              </a:rPr>
+              <a:t>onscroll</a:t>
+            </a:r>
+            <a:r>
+              <a:rPr lang="en-US" sz="3600" dirty="0">
+                <a:solidFill>
+                  <a:srgbClr val="7030A0"/>
+                </a:solidFill>
+              </a:rPr>
+              <a:t>)</a:t>
+            </a:r>
+          </a:p>
+        </p:txBody>
+      </p:sp>
+    </p:spTree>
+    <p:extLst>
+      <p:ext uri="{BB962C8B-B14F-4D97-AF65-F5344CB8AC3E}">
+        <p14:creationId xmlns:p14="http://schemas.microsoft.com/office/powerpoint/2010/main" val="266301080"/>
+      </p:ext>
+    </p:extLst>
+  </p:cSld>
+  <p:clrMapOvr>
+    <a:masterClrMapping/>
+  </p:clrMapOvr>
+</p:sld>
+</file>
+
+<file path=ppt/slides/slide48.xml><?xml version="1.0" encoding="utf-8"?>
+<p:sld xmlns:a="http://schemas.openxmlformats.org/drawingml/2006/main" xmlns:r="http://schemas.openxmlformats.org/officeDocument/2006/relationships" xmlns:p="http://schemas.openxmlformats.org/presentationml/2006/main">
+  <p:cSld>
+    <p:spTree>
+      <p:nvGrpSpPr>
+        <p:cNvPr id="1" name=""/>
+        <p:cNvGrpSpPr/>
+        <p:nvPr/>
+      </p:nvGrpSpPr>
+      <p:grpSpPr>
+        <a:xfrm>
+          <a:off x="0" y="0"/>
+          <a:ext cx="0" cy="0"/>
+          <a:chOff x="0" y="0"/>
+          <a:chExt cx="0" cy="0"/>
+        </a:xfrm>
+      </p:grpSpPr>
+      <p:sp>
+        <p:nvSpPr>
+          <p:cNvPr id="2" name="Title 1">
+            <a:extLst>
+              <a:ext uri="{FF2B5EF4-FFF2-40B4-BE49-F238E27FC236}">
+                <a16:creationId xmlns:a16="http://schemas.microsoft.com/office/drawing/2014/main" id="{6AF41A78-6D7E-BC5A-192A-9435FEFAA995}"/>
+              </a:ext>
+            </a:extLst>
+          </p:cNvPr>
+          <p:cNvSpPr>
+            <a:spLocks noGrp="1"/>
+          </p:cNvSpPr>
+          <p:nvPr>
+            <p:ph type="title"/>
+          </p:nvPr>
+        </p:nvSpPr>
+        <p:spPr/>
+        <p:txBody>
+          <a:bodyPr/>
+          <a:lstStyle/>
+          <a:p>
+            <a:r>
+              <a:rPr lang="en-US" dirty="0"/>
+              <a:t>JS: While Loop</a:t>
+            </a:r>
+          </a:p>
+        </p:txBody>
+      </p:sp>
+      <p:sp>
+        <p:nvSpPr>
+          <p:cNvPr id="3" name="Content Placeholder 2">
+            <a:extLst>
+              <a:ext uri="{FF2B5EF4-FFF2-40B4-BE49-F238E27FC236}">
+                <a16:creationId xmlns:a16="http://schemas.microsoft.com/office/drawing/2014/main" id="{958BE9D7-C57A-0801-3244-311AC5B825D3}"/>
+              </a:ext>
+            </a:extLst>
+          </p:cNvPr>
+          <p:cNvSpPr>
+            <a:spLocks noGrp="1"/>
+          </p:cNvSpPr>
+          <p:nvPr>
+            <p:ph idx="1"/>
+          </p:nvPr>
+        </p:nvSpPr>
+        <p:spPr/>
+        <p:txBody>
+          <a:bodyPr numCol="3">
+            <a:normAutofit fontScale="92500"/>
+          </a:bodyPr>
+          <a:lstStyle/>
+          <a:p>
+            <a:pPr marL="0" indent="0">
+              <a:buNone/>
+            </a:pPr>
+            <a:r>
+              <a:rPr lang="en-US" dirty="0" err="1"/>
+              <a:t>Document.write</a:t>
+            </a:r>
+            <a:r>
+              <a:rPr lang="en-US" dirty="0"/>
+              <a:t>(“Hello”); </a:t>
+            </a:r>
+            <a:r>
+              <a:rPr lang="en-US" dirty="0" err="1"/>
+              <a:t>Document.write</a:t>
+            </a:r>
+            <a:r>
+              <a:rPr lang="en-US" dirty="0"/>
+              <a:t>(“Hello”);</a:t>
+            </a:r>
+          </a:p>
+          <a:p>
+            <a:pPr marL="0" indent="0">
+              <a:buNone/>
+            </a:pPr>
+            <a:r>
+              <a:rPr lang="en-US" dirty="0" err="1"/>
+              <a:t>Document.write</a:t>
+            </a:r>
+            <a:r>
+              <a:rPr lang="en-US" dirty="0"/>
+              <a:t>(“Hello”);</a:t>
+            </a:r>
+          </a:p>
+          <a:p>
+            <a:pPr marL="0" indent="0">
+              <a:buNone/>
+            </a:pPr>
+            <a:r>
+              <a:rPr lang="en-US" dirty="0" err="1"/>
+              <a:t>Document.write</a:t>
+            </a:r>
+            <a:r>
+              <a:rPr lang="en-US" dirty="0"/>
+              <a:t>(“Hello”);</a:t>
+            </a:r>
+          </a:p>
+          <a:p>
+            <a:pPr marL="0" indent="0">
+              <a:buNone/>
+            </a:pPr>
+            <a:r>
+              <a:rPr lang="en-US" dirty="0" err="1"/>
+              <a:t>Document.write</a:t>
+            </a:r>
+            <a:r>
+              <a:rPr lang="en-US" dirty="0"/>
+              <a:t>(“Hello”);</a:t>
+            </a:r>
+          </a:p>
+          <a:p>
+            <a:pPr marL="0" indent="0">
+              <a:buNone/>
+            </a:pPr>
+            <a:r>
+              <a:rPr lang="en-US" dirty="0" err="1"/>
+              <a:t>Document.write</a:t>
+            </a:r>
+            <a:r>
+              <a:rPr lang="en-US" dirty="0"/>
+              <a:t>(“Hello”);</a:t>
+            </a:r>
+          </a:p>
+          <a:p>
+            <a:pPr marL="0" indent="0">
+              <a:buNone/>
+            </a:pPr>
+            <a:r>
+              <a:rPr lang="en-US" dirty="0" err="1"/>
+              <a:t>Document.write</a:t>
+            </a:r>
+            <a:r>
+              <a:rPr lang="en-US" dirty="0"/>
+              <a:t>(“Hello”);</a:t>
+            </a:r>
+          </a:p>
+          <a:p>
+            <a:pPr marL="0" indent="0">
+              <a:buNone/>
+            </a:pPr>
+            <a:r>
+              <a:rPr lang="en-US" dirty="0" err="1"/>
+              <a:t>Document.write</a:t>
+            </a:r>
+            <a:r>
+              <a:rPr lang="en-US" dirty="0"/>
+              <a:t>(“Hello”);</a:t>
+            </a:r>
+          </a:p>
+          <a:p>
+            <a:pPr marL="0" indent="0">
+              <a:buNone/>
+            </a:pPr>
+            <a:r>
+              <a:rPr lang="en-US" dirty="0" err="1"/>
+              <a:t>Document.write</a:t>
+            </a:r>
+            <a:r>
+              <a:rPr lang="en-US" dirty="0"/>
+              <a:t>(“Hello”);</a:t>
+            </a:r>
+          </a:p>
+          <a:p>
+            <a:pPr marL="0" indent="0">
+              <a:buNone/>
+            </a:pPr>
+            <a:r>
+              <a:rPr lang="en-US" dirty="0" err="1"/>
+              <a:t>Document.write</a:t>
+            </a:r>
+            <a:r>
+              <a:rPr lang="en-US" dirty="0"/>
+              <a:t>(“Hello”);</a:t>
+            </a:r>
+          </a:p>
+          <a:p>
+            <a:pPr marL="0" indent="0">
+              <a:buNone/>
+            </a:pPr>
+            <a:r>
+              <a:rPr lang="en-US" dirty="0" err="1"/>
+              <a:t>Document.write</a:t>
+            </a:r>
+            <a:r>
+              <a:rPr lang="en-US" dirty="0"/>
+              <a:t>(“Hello”);</a:t>
+            </a:r>
+          </a:p>
+          <a:p>
+            <a:pPr marL="0" indent="0">
+              <a:buNone/>
+            </a:pPr>
+            <a:r>
+              <a:rPr lang="en-US" dirty="0" err="1"/>
+              <a:t>Document.write</a:t>
+            </a:r>
+            <a:r>
+              <a:rPr lang="en-US" dirty="0"/>
+              <a:t>(“Hello”);</a:t>
+            </a:r>
+          </a:p>
+          <a:p>
+            <a:pPr marL="0" indent="0">
+              <a:buNone/>
+            </a:pPr>
+            <a:r>
+              <a:rPr lang="en-US" dirty="0" err="1"/>
+              <a:t>Document.write</a:t>
+            </a:r>
+            <a:r>
+              <a:rPr lang="en-US" dirty="0"/>
+              <a:t>(“Hello”);</a:t>
+            </a:r>
+          </a:p>
+          <a:p>
+            <a:pPr marL="0" indent="0">
+              <a:buNone/>
+            </a:pPr>
+            <a:r>
+              <a:rPr lang="en-US" dirty="0" err="1"/>
+              <a:t>Document.write</a:t>
+            </a:r>
+            <a:r>
+              <a:rPr lang="en-US" dirty="0"/>
+              <a:t>(“Hello”);</a:t>
+            </a:r>
+          </a:p>
+          <a:p>
+            <a:pPr marL="0" indent="0">
+              <a:buNone/>
+            </a:pPr>
+            <a:r>
+              <a:rPr lang="en-US" dirty="0" err="1"/>
+              <a:t>Document.write</a:t>
+            </a:r>
+            <a:r>
+              <a:rPr lang="en-US" dirty="0"/>
+              <a:t>(“Hello”);</a:t>
+            </a:r>
+          </a:p>
+          <a:p>
+            <a:pPr marL="0" indent="0">
+              <a:buNone/>
+            </a:pPr>
+            <a:r>
+              <a:rPr lang="en-US" dirty="0" err="1"/>
+              <a:t>Document.write</a:t>
+            </a:r>
+            <a:r>
+              <a:rPr lang="en-US" dirty="0"/>
+              <a:t>(“Hello”);</a:t>
+            </a:r>
+          </a:p>
+          <a:p>
+            <a:pPr marL="0" indent="0">
+              <a:buNone/>
+            </a:pPr>
+            <a:r>
+              <a:rPr lang="en-US" dirty="0" err="1"/>
+              <a:t>Document.write</a:t>
+            </a:r>
+            <a:r>
+              <a:rPr lang="en-US" dirty="0"/>
+              <a:t>(“Hello”);</a:t>
+            </a:r>
+          </a:p>
+          <a:p>
+            <a:pPr marL="0" indent="0">
+              <a:buNone/>
+            </a:pPr>
+            <a:r>
+              <a:rPr lang="en-US" dirty="0" err="1"/>
+              <a:t>Document.write</a:t>
+            </a:r>
+            <a:r>
+              <a:rPr lang="en-US" dirty="0"/>
+              <a:t>(“Hello”);</a:t>
+            </a:r>
+          </a:p>
+          <a:p>
+            <a:pPr marL="0" indent="0">
+              <a:buNone/>
+            </a:pPr>
+            <a:r>
+              <a:rPr lang="en-US" dirty="0"/>
+              <a:t> </a:t>
+            </a:r>
+          </a:p>
+          <a:p>
+            <a:pPr marL="0" indent="0">
+              <a:buNone/>
+            </a:pPr>
+            <a:endParaRPr lang="en-US" dirty="0"/>
+          </a:p>
+          <a:p>
+            <a:pPr marL="0" indent="0">
+              <a:buNone/>
+            </a:pPr>
+            <a:endParaRPr lang="en-US" dirty="0"/>
+          </a:p>
+          <a:p>
+            <a:pPr marL="0" indent="0">
+              <a:buNone/>
+            </a:pPr>
+            <a:r>
+              <a:rPr lang="en-US" dirty="0"/>
+              <a:t>Loop(18Time){</a:t>
+            </a:r>
+          </a:p>
+          <a:p>
+            <a:pPr marL="0" indent="0">
+              <a:buNone/>
+            </a:pPr>
+            <a:r>
+              <a:rPr lang="en-US" dirty="0" err="1"/>
+              <a:t>Document.write</a:t>
+            </a:r>
+            <a:r>
+              <a:rPr lang="en-US" dirty="0"/>
+              <a:t>(“Hello”);</a:t>
+            </a:r>
+          </a:p>
+          <a:p>
+            <a:pPr marL="0" indent="0">
+              <a:buNone/>
+            </a:pPr>
+            <a:r>
+              <a:rPr lang="en-US" dirty="0"/>
+              <a:t>}</a:t>
+            </a:r>
+          </a:p>
+        </p:txBody>
+      </p:sp>
+    </p:spTree>
+    <p:extLst>
+      <p:ext uri="{BB962C8B-B14F-4D97-AF65-F5344CB8AC3E}">
+        <p14:creationId xmlns:p14="http://schemas.microsoft.com/office/powerpoint/2010/main" val="1488236628"/>
+      </p:ext>
+    </p:extLst>
+  </p:cSld>
+  <p:clrMapOvr>
+    <a:masterClrMapping/>
+  </p:clrMapOvr>
+</p:sld>
+</file>
+
+<file path=ppt/slides/slide49.xml><?xml version="1.0" encoding="utf-8"?>
+<p:sld xmlns:a="http://schemas.openxmlformats.org/drawingml/2006/main" xmlns:r="http://schemas.openxmlformats.org/officeDocument/2006/relationships" xmlns:p="http://schemas.openxmlformats.org/presentationml/2006/main">
+  <p:cSld>
+    <p:spTree>
+      <p:nvGrpSpPr>
+        <p:cNvPr id="1" name=""/>
+        <p:cNvGrpSpPr/>
+        <p:nvPr/>
+      </p:nvGrpSpPr>
+      <p:grpSpPr>
+        <a:xfrm>
+          <a:off x="0" y="0"/>
+          <a:ext cx="0" cy="0"/>
+          <a:chOff x="0" y="0"/>
+          <a:chExt cx="0" cy="0"/>
+        </a:xfrm>
+      </p:grpSpPr>
+      <p:sp>
+        <p:nvSpPr>
+          <p:cNvPr id="2" name="Title 1">
+            <a:extLst>
+              <a:ext uri="{FF2B5EF4-FFF2-40B4-BE49-F238E27FC236}">
+                <a16:creationId xmlns:a16="http://schemas.microsoft.com/office/drawing/2014/main" id="{0CA0A1F1-C7AC-9CF3-2E45-874EFE0234DB}"/>
+              </a:ext>
+            </a:extLst>
+          </p:cNvPr>
+          <p:cNvSpPr>
+            <a:spLocks noGrp="1"/>
+          </p:cNvSpPr>
+          <p:nvPr>
+            <p:ph type="title"/>
+          </p:nvPr>
+        </p:nvSpPr>
+        <p:spPr/>
+        <p:txBody>
+          <a:bodyPr/>
+          <a:lstStyle/>
+          <a:p>
+            <a:r>
+              <a:rPr lang="en-US" dirty="0"/>
+              <a:t>Loop is divided in 3 Parts:</a:t>
+            </a:r>
+          </a:p>
+        </p:txBody>
+      </p:sp>
+      <p:sp>
+        <p:nvSpPr>
+          <p:cNvPr id="4" name="TextBox 3">
+            <a:extLst>
+              <a:ext uri="{FF2B5EF4-FFF2-40B4-BE49-F238E27FC236}">
+                <a16:creationId xmlns:a16="http://schemas.microsoft.com/office/drawing/2014/main" id="{E93DC912-B008-974D-2433-B2DEE304881B}"/>
+              </a:ext>
+            </a:extLst>
+          </p:cNvPr>
+          <p:cNvSpPr txBox="1"/>
+          <p:nvPr/>
+        </p:nvSpPr>
+        <p:spPr>
+          <a:xfrm>
+            <a:off x="4640238" y="1459855"/>
+            <a:ext cx="1713931" cy="461665"/>
+          </a:xfrm>
+          <a:prstGeom prst="rect">
+            <a:avLst/>
+          </a:prstGeom>
+          <a:noFill/>
+        </p:spPr>
+        <p:txBody>
+          <a:bodyPr wrap="none" rtlCol="0">
+            <a:spAutoFit/>
+          </a:bodyPr>
+          <a:lstStyle/>
+          <a:p>
+            <a:r>
+              <a:rPr lang="en-US" sz="2400" dirty="0"/>
+              <a:t>Initialization</a:t>
+            </a:r>
+          </a:p>
+        </p:txBody>
+      </p:sp>
+      <p:sp>
+        <p:nvSpPr>
+          <p:cNvPr id="5" name="Flowchart: Decision 4">
+            <a:extLst>
+              <a:ext uri="{FF2B5EF4-FFF2-40B4-BE49-F238E27FC236}">
+                <a16:creationId xmlns:a16="http://schemas.microsoft.com/office/drawing/2014/main" id="{AE0E76C5-C584-3F05-1579-D8207E4DB330}"/>
+              </a:ext>
+            </a:extLst>
+          </p:cNvPr>
+          <p:cNvSpPr/>
+          <p:nvPr/>
+        </p:nvSpPr>
+        <p:spPr>
+          <a:xfrm>
+            <a:off x="4435522" y="2688609"/>
+            <a:ext cx="2374711" cy="1187355"/>
+          </a:xfrm>
+          <a:prstGeom prst="flowChartDecision">
+            <a:avLst/>
+          </a:prstGeom>
+        </p:spPr>
+        <p:style>
+          <a:lnRef idx="2">
+            <a:schemeClr val="accent1">
+              <a:shade val="50000"/>
+            </a:schemeClr>
+          </a:lnRef>
+          <a:fillRef idx="1">
+            <a:schemeClr val="accent1"/>
+          </a:fillRef>
+          <a:effectRef idx="0">
+            <a:schemeClr val="accent1"/>
+          </a:effectRef>
+          <a:fontRef idx="minor">
+            <a:schemeClr val="lt1"/>
+          </a:fontRef>
+        </p:style>
+        <p:txBody>
+          <a:bodyPr rtlCol="0" anchor="ctr"/>
+          <a:lstStyle/>
+          <a:p>
+            <a:pPr algn="ctr"/>
+            <a:r>
+              <a:rPr lang="en-US" dirty="0"/>
+              <a:t>Condition</a:t>
+            </a:r>
+          </a:p>
+        </p:txBody>
+      </p:sp>
+      <p:cxnSp>
+        <p:nvCxnSpPr>
+          <p:cNvPr id="7" name="Straight Arrow Connector 6">
+            <a:extLst>
+              <a:ext uri="{FF2B5EF4-FFF2-40B4-BE49-F238E27FC236}">
+                <a16:creationId xmlns:a16="http://schemas.microsoft.com/office/drawing/2014/main" id="{7E6BA2E3-4601-37D0-79BC-F6692AD8E3E4}"/>
+              </a:ext>
+            </a:extLst>
+          </p:cNvPr>
+          <p:cNvCxnSpPr>
+            <a:stCxn id="5" idx="2"/>
+          </p:cNvCxnSpPr>
+          <p:nvPr/>
+        </p:nvCxnSpPr>
+        <p:spPr>
+          <a:xfrm>
+            <a:off x="5622878" y="3875964"/>
+            <a:ext cx="40943" cy="859809"/>
+          </a:xfrm>
+          <a:prstGeom prst="straightConnector1">
+            <a:avLst/>
+          </a:prstGeom>
+          <a:ln>
+            <a:tailEnd type="triangle"/>
+          </a:ln>
+        </p:spPr>
+        <p:style>
+          <a:lnRef idx="1">
+            <a:schemeClr val="accent1"/>
+          </a:lnRef>
+          <a:fillRef idx="0">
+            <a:schemeClr val="accent1"/>
+          </a:fillRef>
+          <a:effectRef idx="0">
+            <a:schemeClr val="accent1"/>
+          </a:effectRef>
+          <a:fontRef idx="minor">
+            <a:schemeClr val="tx1"/>
+          </a:fontRef>
+        </p:style>
+      </p:cxnSp>
+      <p:sp>
+        <p:nvSpPr>
+          <p:cNvPr id="8" name="TextBox 7">
+            <a:extLst>
+              <a:ext uri="{FF2B5EF4-FFF2-40B4-BE49-F238E27FC236}">
+                <a16:creationId xmlns:a16="http://schemas.microsoft.com/office/drawing/2014/main" id="{F2502521-8E92-457A-D85C-45C07968B1D3}"/>
+              </a:ext>
+            </a:extLst>
+          </p:cNvPr>
+          <p:cNvSpPr txBox="1"/>
+          <p:nvPr/>
+        </p:nvSpPr>
+        <p:spPr>
+          <a:xfrm>
+            <a:off x="5131558" y="5145206"/>
+            <a:ext cx="2285562" cy="646331"/>
+          </a:xfrm>
+          <a:prstGeom prst="rect">
+            <a:avLst/>
+          </a:prstGeom>
+          <a:noFill/>
+        </p:spPr>
+        <p:txBody>
+          <a:bodyPr wrap="none" rtlCol="0">
+            <a:spAutoFit/>
+          </a:bodyPr>
+          <a:lstStyle/>
+          <a:p>
+            <a:r>
+              <a:rPr lang="en-US" dirty="0"/>
+              <a:t>Statement</a:t>
+            </a:r>
+          </a:p>
+          <a:p>
+            <a:r>
+              <a:rPr lang="en-US" dirty="0"/>
+              <a:t>Increment/Decrement</a:t>
+            </a:r>
+          </a:p>
+        </p:txBody>
+      </p:sp>
+      <p:cxnSp>
+        <p:nvCxnSpPr>
+          <p:cNvPr id="10" name="Connector: Elbow 9">
+            <a:extLst>
+              <a:ext uri="{FF2B5EF4-FFF2-40B4-BE49-F238E27FC236}">
+                <a16:creationId xmlns:a16="http://schemas.microsoft.com/office/drawing/2014/main" id="{26B7B7EA-36EE-51B7-955A-6C6B99973262}"/>
+              </a:ext>
+            </a:extLst>
+          </p:cNvPr>
+          <p:cNvCxnSpPr>
+            <a:stCxn id="8" idx="1"/>
+            <a:endCxn id="5" idx="1"/>
+          </p:cNvCxnSpPr>
+          <p:nvPr/>
+        </p:nvCxnSpPr>
+        <p:spPr>
+          <a:xfrm rot="10800000">
+            <a:off x="4435522" y="3282288"/>
+            <a:ext cx="696036" cy="2186085"/>
+          </a:xfrm>
+          <a:prstGeom prst="bentConnector3">
+            <a:avLst>
+              <a:gd name="adj1" fmla="val 132843"/>
+            </a:avLst>
+          </a:prstGeom>
+          <a:ln>
+            <a:tailEnd type="triangle"/>
+          </a:ln>
+        </p:spPr>
+        <p:style>
+          <a:lnRef idx="1">
+            <a:schemeClr val="accent1"/>
+          </a:lnRef>
+          <a:fillRef idx="0">
+            <a:schemeClr val="accent1"/>
+          </a:fillRef>
+          <a:effectRef idx="0">
+            <a:schemeClr val="accent1"/>
+          </a:effectRef>
+          <a:fontRef idx="minor">
+            <a:schemeClr val="tx1"/>
+          </a:fontRef>
+        </p:style>
+      </p:cxnSp>
+      <p:cxnSp>
+        <p:nvCxnSpPr>
+          <p:cNvPr id="12" name="Connector: Elbow 11">
+            <a:extLst>
+              <a:ext uri="{FF2B5EF4-FFF2-40B4-BE49-F238E27FC236}">
+                <a16:creationId xmlns:a16="http://schemas.microsoft.com/office/drawing/2014/main" id="{8629D9BD-602A-2AA1-EECB-D62838BA498B}"/>
+              </a:ext>
+            </a:extLst>
+          </p:cNvPr>
+          <p:cNvCxnSpPr>
+            <a:stCxn id="4" idx="2"/>
+            <a:endCxn id="5" idx="0"/>
+          </p:cNvCxnSpPr>
+          <p:nvPr/>
+        </p:nvCxnSpPr>
+        <p:spPr>
+          <a:xfrm rot="16200000" flipH="1">
+            <a:off x="5176497" y="2242227"/>
+            <a:ext cx="767089" cy="125674"/>
+          </a:xfrm>
+          <a:prstGeom prst="bentConnector3">
+            <a:avLst/>
+          </a:prstGeom>
+          <a:ln>
+            <a:tailEnd type="triangle"/>
+          </a:ln>
+        </p:spPr>
+        <p:style>
+          <a:lnRef idx="1">
+            <a:schemeClr val="accent1"/>
+          </a:lnRef>
+          <a:fillRef idx="0">
+            <a:schemeClr val="accent1"/>
+          </a:fillRef>
+          <a:effectRef idx="0">
+            <a:schemeClr val="accent1"/>
+          </a:effectRef>
+          <a:fontRef idx="minor">
+            <a:schemeClr val="tx1"/>
+          </a:fontRef>
+        </p:style>
+      </p:cxnSp>
+      <p:sp>
+        <p:nvSpPr>
+          <p:cNvPr id="13" name="TextBox 12">
+            <a:extLst>
+              <a:ext uri="{FF2B5EF4-FFF2-40B4-BE49-F238E27FC236}">
+                <a16:creationId xmlns:a16="http://schemas.microsoft.com/office/drawing/2014/main" id="{80BDFFB2-7ABE-4508-BC7D-E1D15B559B15}"/>
+              </a:ext>
+            </a:extLst>
+          </p:cNvPr>
+          <p:cNvSpPr txBox="1"/>
+          <p:nvPr/>
+        </p:nvSpPr>
+        <p:spPr>
+          <a:xfrm>
+            <a:off x="5909481" y="4203510"/>
+            <a:ext cx="599972" cy="369332"/>
+          </a:xfrm>
+          <a:prstGeom prst="rect">
+            <a:avLst/>
+          </a:prstGeom>
+          <a:noFill/>
+        </p:spPr>
+        <p:txBody>
+          <a:bodyPr wrap="none" rtlCol="0">
+            <a:spAutoFit/>
+          </a:bodyPr>
+          <a:lstStyle/>
+          <a:p>
+            <a:r>
+              <a:rPr lang="en-US" dirty="0"/>
+              <a:t>True</a:t>
+            </a:r>
+          </a:p>
+        </p:txBody>
+      </p:sp>
+      <p:sp>
+        <p:nvSpPr>
+          <p:cNvPr id="14" name="TextBox 13">
+            <a:extLst>
+              <a:ext uri="{FF2B5EF4-FFF2-40B4-BE49-F238E27FC236}">
+                <a16:creationId xmlns:a16="http://schemas.microsoft.com/office/drawing/2014/main" id="{45C9D134-E47F-47DB-417A-C80AEA95F23A}"/>
+              </a:ext>
+            </a:extLst>
+          </p:cNvPr>
+          <p:cNvSpPr txBox="1"/>
+          <p:nvPr/>
+        </p:nvSpPr>
+        <p:spPr>
+          <a:xfrm>
+            <a:off x="9676263" y="3057099"/>
+            <a:ext cx="1297150" cy="369332"/>
+          </a:xfrm>
+          <a:prstGeom prst="rect">
+            <a:avLst/>
+          </a:prstGeom>
+          <a:noFill/>
+        </p:spPr>
+        <p:txBody>
+          <a:bodyPr wrap="none" rtlCol="0">
+            <a:spAutoFit/>
+          </a:bodyPr>
+          <a:lstStyle/>
+          <a:p>
+            <a:r>
+              <a:rPr lang="en-US" dirty="0"/>
+              <a:t>Out of Loop</a:t>
+            </a:r>
+          </a:p>
+        </p:txBody>
+      </p:sp>
+      <p:cxnSp>
+        <p:nvCxnSpPr>
+          <p:cNvPr id="16" name="Connector: Elbow 15">
+            <a:extLst>
+              <a:ext uri="{FF2B5EF4-FFF2-40B4-BE49-F238E27FC236}">
+                <a16:creationId xmlns:a16="http://schemas.microsoft.com/office/drawing/2014/main" id="{C5CAEE28-8364-3708-3901-029D1D85B5A1}"/>
+              </a:ext>
+            </a:extLst>
+          </p:cNvPr>
+          <p:cNvCxnSpPr>
+            <a:stCxn id="5" idx="3"/>
+            <a:endCxn id="14" idx="1"/>
+          </p:cNvCxnSpPr>
+          <p:nvPr/>
+        </p:nvCxnSpPr>
+        <p:spPr>
+          <a:xfrm flipV="1">
+            <a:off x="6810233" y="3241765"/>
+            <a:ext cx="2866030" cy="40522"/>
+          </a:xfrm>
+          <a:prstGeom prst="bentConnector3">
+            <a:avLst/>
+          </a:prstGeom>
+          <a:ln>
+            <a:tailEnd type="triangle"/>
+          </a:ln>
+        </p:spPr>
+        <p:style>
+          <a:lnRef idx="1">
+            <a:schemeClr val="accent1"/>
+          </a:lnRef>
+          <a:fillRef idx="0">
+            <a:schemeClr val="accent1"/>
+          </a:fillRef>
+          <a:effectRef idx="0">
+            <a:schemeClr val="accent1"/>
+          </a:effectRef>
+          <a:fontRef idx="minor">
+            <a:schemeClr val="tx1"/>
+          </a:fontRef>
+        </p:style>
+      </p:cxnSp>
+      <p:sp>
+        <p:nvSpPr>
+          <p:cNvPr id="17" name="TextBox 16">
+            <a:extLst>
+              <a:ext uri="{FF2B5EF4-FFF2-40B4-BE49-F238E27FC236}">
+                <a16:creationId xmlns:a16="http://schemas.microsoft.com/office/drawing/2014/main" id="{E9F880DF-CC91-0CE0-336A-4595A3E663EF}"/>
+              </a:ext>
+            </a:extLst>
+          </p:cNvPr>
+          <p:cNvSpPr txBox="1"/>
+          <p:nvPr/>
+        </p:nvSpPr>
+        <p:spPr>
+          <a:xfrm>
+            <a:off x="7792872" y="2688609"/>
+            <a:ext cx="652936" cy="369332"/>
+          </a:xfrm>
+          <a:prstGeom prst="rect">
+            <a:avLst/>
+          </a:prstGeom>
+          <a:noFill/>
+        </p:spPr>
+        <p:txBody>
+          <a:bodyPr wrap="none" rtlCol="0">
+            <a:spAutoFit/>
+          </a:bodyPr>
+          <a:lstStyle/>
+          <a:p>
+            <a:r>
+              <a:rPr lang="en-US" dirty="0"/>
+              <a:t>False</a:t>
+            </a:r>
+          </a:p>
+        </p:txBody>
+      </p:sp>
+    </p:spTree>
+    <p:extLst>
+      <p:ext uri="{BB962C8B-B14F-4D97-AF65-F5344CB8AC3E}">
+        <p14:creationId xmlns:p14="http://schemas.microsoft.com/office/powerpoint/2010/main" val="3459610841"/>
+      </p:ext>
+    </p:extLst>
+  </p:cSld>
+  <p:clrMapOvr>
+    <a:masterClrMapping/>
+  </p:clrMapOvr>
+</p:sld>
+</file>
+
 <file path=ppt/slides/slide5.xml><?xml version="1.0" encoding="utf-8"?>
 <p:sld xmlns:a="http://schemas.openxmlformats.org/drawingml/2006/main" xmlns:r="http://schemas.openxmlformats.org/officeDocument/2006/relationships" xmlns:p="http://schemas.openxmlformats.org/presentationml/2006/main">
   <p:cSld>
@@ -12578,6 +13945,491 @@
     <p:extLst>
       <p:ext uri="{BB962C8B-B14F-4D97-AF65-F5344CB8AC3E}">
         <p14:creationId xmlns:p14="http://schemas.microsoft.com/office/powerpoint/2010/main" val="657903194"/>
+      </p:ext>
+    </p:extLst>
+  </p:cSld>
+  <p:clrMapOvr>
+    <a:masterClrMapping/>
+  </p:clrMapOvr>
+</p:sld>
+</file>
+
+<file path=ppt/slides/slide50.xml><?xml version="1.0" encoding="utf-8"?>
+<p:sld xmlns:a="http://schemas.openxmlformats.org/drawingml/2006/main" xmlns:r="http://schemas.openxmlformats.org/officeDocument/2006/relationships" xmlns:p="http://schemas.openxmlformats.org/presentationml/2006/main">
+  <p:cSld>
+    <p:spTree>
+      <p:nvGrpSpPr>
+        <p:cNvPr id="1" name=""/>
+        <p:cNvGrpSpPr/>
+        <p:nvPr/>
+      </p:nvGrpSpPr>
+      <p:grpSpPr>
+        <a:xfrm>
+          <a:off x="0" y="0"/>
+          <a:ext cx="0" cy="0"/>
+          <a:chOff x="0" y="0"/>
+          <a:chExt cx="0" cy="0"/>
+        </a:xfrm>
+      </p:grpSpPr>
+      <p:sp>
+        <p:nvSpPr>
+          <p:cNvPr id="2" name="Title 1">
+            <a:extLst>
+              <a:ext uri="{FF2B5EF4-FFF2-40B4-BE49-F238E27FC236}">
+                <a16:creationId xmlns:a16="http://schemas.microsoft.com/office/drawing/2014/main" id="{2AFB44E0-16EA-0A31-7763-BE210FF25043}"/>
+              </a:ext>
+            </a:extLst>
+          </p:cNvPr>
+          <p:cNvSpPr>
+            <a:spLocks noGrp="1"/>
+          </p:cNvSpPr>
+          <p:nvPr>
+            <p:ph type="title"/>
+          </p:nvPr>
+        </p:nvSpPr>
+        <p:spPr/>
+        <p:txBody>
+          <a:bodyPr/>
+          <a:lstStyle/>
+          <a:p>
+            <a:r>
+              <a:rPr lang="en-US" dirty="0"/>
+              <a:t>Type of Loops in JS:</a:t>
+            </a:r>
+          </a:p>
+        </p:txBody>
+      </p:sp>
+      <p:sp>
+        <p:nvSpPr>
+          <p:cNvPr id="3" name="Content Placeholder 2">
+            <a:extLst>
+              <a:ext uri="{FF2B5EF4-FFF2-40B4-BE49-F238E27FC236}">
+                <a16:creationId xmlns:a16="http://schemas.microsoft.com/office/drawing/2014/main" id="{3A7605A7-2D28-3FD8-22ED-8099CA9BA7CF}"/>
+              </a:ext>
+            </a:extLst>
+          </p:cNvPr>
+          <p:cNvSpPr>
+            <a:spLocks noGrp="1"/>
+          </p:cNvSpPr>
+          <p:nvPr>
+            <p:ph idx="1"/>
+          </p:nvPr>
+        </p:nvSpPr>
+        <p:spPr/>
+        <p:txBody>
+          <a:bodyPr/>
+          <a:lstStyle/>
+          <a:p>
+            <a:r>
+              <a:rPr lang="en-US" dirty="0"/>
+              <a:t>While Loop</a:t>
+            </a:r>
+          </a:p>
+          <a:p>
+            <a:r>
+              <a:rPr lang="en-US" dirty="0"/>
+              <a:t>Do/while loop</a:t>
+            </a:r>
+          </a:p>
+          <a:p>
+            <a:r>
+              <a:rPr lang="en-US" dirty="0"/>
+              <a:t>For loop</a:t>
+            </a:r>
+          </a:p>
+          <a:p>
+            <a:r>
+              <a:rPr lang="en-US" dirty="0"/>
+              <a:t>For/in loop (Objects)</a:t>
+            </a:r>
+          </a:p>
+          <a:p>
+            <a:r>
+              <a:rPr lang="en-US" dirty="0" err="1"/>
+              <a:t>forEach</a:t>
+            </a:r>
+            <a:r>
+              <a:rPr lang="en-US" dirty="0"/>
+              <a:t> (Array)</a:t>
+            </a:r>
+          </a:p>
+        </p:txBody>
+      </p:sp>
+    </p:spTree>
+    <p:extLst>
+      <p:ext uri="{BB962C8B-B14F-4D97-AF65-F5344CB8AC3E}">
+        <p14:creationId xmlns:p14="http://schemas.microsoft.com/office/powerpoint/2010/main" val="1758835087"/>
+      </p:ext>
+    </p:extLst>
+  </p:cSld>
+  <p:clrMapOvr>
+    <a:masterClrMapping/>
+  </p:clrMapOvr>
+</p:sld>
+</file>
+
+<file path=ppt/slides/slide51.xml><?xml version="1.0" encoding="utf-8"?>
+<p:sld xmlns:a="http://schemas.openxmlformats.org/drawingml/2006/main" xmlns:r="http://schemas.openxmlformats.org/officeDocument/2006/relationships" xmlns:p="http://schemas.openxmlformats.org/presentationml/2006/main">
+  <p:cSld>
+    <p:spTree>
+      <p:nvGrpSpPr>
+        <p:cNvPr id="1" name=""/>
+        <p:cNvGrpSpPr/>
+        <p:nvPr/>
+      </p:nvGrpSpPr>
+      <p:grpSpPr>
+        <a:xfrm>
+          <a:off x="0" y="0"/>
+          <a:ext cx="0" cy="0"/>
+          <a:chOff x="0" y="0"/>
+          <a:chExt cx="0" cy="0"/>
+        </a:xfrm>
+      </p:grpSpPr>
+      <p:sp>
+        <p:nvSpPr>
+          <p:cNvPr id="2" name="Title 1">
+            <a:extLst>
+              <a:ext uri="{FF2B5EF4-FFF2-40B4-BE49-F238E27FC236}">
+                <a16:creationId xmlns:a16="http://schemas.microsoft.com/office/drawing/2014/main" id="{CCB97922-2DDC-C59A-FC71-57393D33A495}"/>
+              </a:ext>
+            </a:extLst>
+          </p:cNvPr>
+          <p:cNvSpPr>
+            <a:spLocks noGrp="1"/>
+          </p:cNvSpPr>
+          <p:nvPr>
+            <p:ph type="title"/>
+          </p:nvPr>
+        </p:nvSpPr>
+        <p:spPr/>
+        <p:txBody>
+          <a:bodyPr/>
+          <a:lstStyle/>
+          <a:p>
+            <a:r>
+              <a:rPr lang="en-US" dirty="0"/>
+              <a:t>While Loop</a:t>
+            </a:r>
+          </a:p>
+        </p:txBody>
+      </p:sp>
+      <p:sp>
+        <p:nvSpPr>
+          <p:cNvPr id="3" name="Content Placeholder 2">
+            <a:extLst>
+              <a:ext uri="{FF2B5EF4-FFF2-40B4-BE49-F238E27FC236}">
+                <a16:creationId xmlns:a16="http://schemas.microsoft.com/office/drawing/2014/main" id="{D32EC03B-1191-8B43-B4ED-0B96DF736AF4}"/>
+              </a:ext>
+            </a:extLst>
+          </p:cNvPr>
+          <p:cNvSpPr>
+            <a:spLocks noGrp="1"/>
+          </p:cNvSpPr>
+          <p:nvPr>
+            <p:ph idx="1"/>
+          </p:nvPr>
+        </p:nvSpPr>
+        <p:spPr/>
+        <p:txBody>
+          <a:bodyPr/>
+          <a:lstStyle/>
+          <a:p>
+            <a:pPr marL="0" indent="0">
+              <a:buNone/>
+            </a:pPr>
+            <a:r>
+              <a:rPr lang="en-US" dirty="0"/>
+              <a:t>Var a = 1;</a:t>
+            </a:r>
+          </a:p>
+          <a:p>
+            <a:pPr marL="0" indent="0">
+              <a:buNone/>
+            </a:pPr>
+            <a:endParaRPr lang="en-US" dirty="0"/>
+          </a:p>
+          <a:p>
+            <a:pPr marL="0" indent="0">
+              <a:buNone/>
+            </a:pPr>
+            <a:r>
+              <a:rPr lang="en-US" dirty="0"/>
+              <a:t>While(a&lt;=10){</a:t>
+            </a:r>
+          </a:p>
+          <a:p>
+            <a:pPr marL="0" indent="0">
+              <a:buNone/>
+            </a:pPr>
+            <a:r>
+              <a:rPr lang="en-US" dirty="0" err="1"/>
+              <a:t>Document.write</a:t>
+            </a:r>
+            <a:r>
+              <a:rPr lang="en-US" dirty="0"/>
+              <a:t>(“Hello World”);</a:t>
+            </a:r>
+          </a:p>
+          <a:p>
+            <a:pPr marL="0" indent="0">
+              <a:buNone/>
+            </a:pPr>
+            <a:r>
+              <a:rPr lang="en-US" dirty="0"/>
+              <a:t>a = a + 1;</a:t>
+            </a:r>
+          </a:p>
+          <a:p>
+            <a:pPr marL="0" indent="0">
+              <a:buNone/>
+            </a:pPr>
+            <a:r>
+              <a:rPr lang="en-US" dirty="0"/>
+              <a:t>}</a:t>
+            </a:r>
+          </a:p>
+          <a:p>
+            <a:pPr marL="0" indent="0">
+              <a:buNone/>
+            </a:pPr>
+            <a:endParaRPr lang="en-US" dirty="0"/>
+          </a:p>
+        </p:txBody>
+      </p:sp>
+    </p:spTree>
+    <p:extLst>
+      <p:ext uri="{BB962C8B-B14F-4D97-AF65-F5344CB8AC3E}">
+        <p14:creationId xmlns:p14="http://schemas.microsoft.com/office/powerpoint/2010/main" val="2177290585"/>
+      </p:ext>
+    </p:extLst>
+  </p:cSld>
+  <p:clrMapOvr>
+    <a:masterClrMapping/>
+  </p:clrMapOvr>
+</p:sld>
+</file>
+
+<file path=ppt/slides/slide52.xml><?xml version="1.0" encoding="utf-8"?>
+<p:sld xmlns:a="http://schemas.openxmlformats.org/drawingml/2006/main" xmlns:r="http://schemas.openxmlformats.org/officeDocument/2006/relationships" xmlns:p="http://schemas.openxmlformats.org/presentationml/2006/main">
+  <p:cSld>
+    <p:spTree>
+      <p:nvGrpSpPr>
+        <p:cNvPr id="1" name=""/>
+        <p:cNvGrpSpPr/>
+        <p:nvPr/>
+      </p:nvGrpSpPr>
+      <p:grpSpPr>
+        <a:xfrm>
+          <a:off x="0" y="0"/>
+          <a:ext cx="0" cy="0"/>
+          <a:chOff x="0" y="0"/>
+          <a:chExt cx="0" cy="0"/>
+        </a:xfrm>
+      </p:grpSpPr>
+      <p:sp>
+        <p:nvSpPr>
+          <p:cNvPr id="2" name="Title 1">
+            <a:extLst>
+              <a:ext uri="{FF2B5EF4-FFF2-40B4-BE49-F238E27FC236}">
+                <a16:creationId xmlns:a16="http://schemas.microsoft.com/office/drawing/2014/main" id="{1825A822-66E4-59B9-33BE-759466671BDA}"/>
+              </a:ext>
+            </a:extLst>
+          </p:cNvPr>
+          <p:cNvSpPr>
+            <a:spLocks noGrp="1"/>
+          </p:cNvSpPr>
+          <p:nvPr>
+            <p:ph type="title"/>
+          </p:nvPr>
+        </p:nvSpPr>
+        <p:spPr/>
+        <p:txBody>
+          <a:bodyPr/>
+          <a:lstStyle/>
+          <a:p>
+            <a:r>
+              <a:rPr lang="en-US" dirty="0"/>
+              <a:t>Do/while Loop</a:t>
+            </a:r>
+          </a:p>
+        </p:txBody>
+      </p:sp>
+      <p:sp>
+        <p:nvSpPr>
+          <p:cNvPr id="3" name="Content Placeholder 2">
+            <a:extLst>
+              <a:ext uri="{FF2B5EF4-FFF2-40B4-BE49-F238E27FC236}">
+                <a16:creationId xmlns:a16="http://schemas.microsoft.com/office/drawing/2014/main" id="{2E22EBF2-BF0C-3672-D62E-37E83A7F88ED}"/>
+              </a:ext>
+            </a:extLst>
+          </p:cNvPr>
+          <p:cNvSpPr>
+            <a:spLocks noGrp="1"/>
+          </p:cNvSpPr>
+          <p:nvPr>
+            <p:ph idx="1"/>
+          </p:nvPr>
+        </p:nvSpPr>
+        <p:spPr/>
+        <p:txBody>
+          <a:bodyPr/>
+          <a:lstStyle/>
+          <a:p>
+            <a:pPr marL="0" indent="0">
+              <a:buNone/>
+            </a:pPr>
+            <a:r>
+              <a:rPr lang="en-US" dirty="0"/>
+              <a:t>Var a = 1</a:t>
+            </a:r>
+          </a:p>
+          <a:p>
+            <a:pPr marL="0" indent="0">
+              <a:buNone/>
+            </a:pPr>
+            <a:r>
+              <a:rPr lang="en-US" dirty="0"/>
+              <a:t>Do{</a:t>
+            </a:r>
+          </a:p>
+          <a:p>
+            <a:pPr marL="0" indent="0">
+              <a:buNone/>
+            </a:pPr>
+            <a:endParaRPr lang="en-US" dirty="0"/>
+          </a:p>
+          <a:p>
+            <a:pPr marL="0" indent="0">
+              <a:buNone/>
+            </a:pPr>
+            <a:r>
+              <a:rPr lang="en-US" dirty="0"/>
+              <a:t>}while(a&lt;=10);</a:t>
+            </a:r>
+          </a:p>
+        </p:txBody>
+      </p:sp>
+    </p:spTree>
+    <p:extLst>
+      <p:ext uri="{BB962C8B-B14F-4D97-AF65-F5344CB8AC3E}">
+        <p14:creationId xmlns:p14="http://schemas.microsoft.com/office/powerpoint/2010/main" val="3056287788"/>
+      </p:ext>
+    </p:extLst>
+  </p:cSld>
+  <p:clrMapOvr>
+    <a:masterClrMapping/>
+  </p:clrMapOvr>
+</p:sld>
+</file>
+
+<file path=ppt/slides/slide53.xml><?xml version="1.0" encoding="utf-8"?>
+<p:sld xmlns:a="http://schemas.openxmlformats.org/drawingml/2006/main" xmlns:r="http://schemas.openxmlformats.org/officeDocument/2006/relationships" xmlns:p="http://schemas.openxmlformats.org/presentationml/2006/main">
+  <p:cSld>
+    <p:spTree>
+      <p:nvGrpSpPr>
+        <p:cNvPr id="1" name=""/>
+        <p:cNvGrpSpPr/>
+        <p:nvPr/>
+      </p:nvGrpSpPr>
+      <p:grpSpPr>
+        <a:xfrm>
+          <a:off x="0" y="0"/>
+          <a:ext cx="0" cy="0"/>
+          <a:chOff x="0" y="0"/>
+          <a:chExt cx="0" cy="0"/>
+        </a:xfrm>
+      </p:grpSpPr>
+      <p:sp>
+        <p:nvSpPr>
+          <p:cNvPr id="2" name="Title 1">
+            <a:extLst>
+              <a:ext uri="{FF2B5EF4-FFF2-40B4-BE49-F238E27FC236}">
+                <a16:creationId xmlns:a16="http://schemas.microsoft.com/office/drawing/2014/main" id="{BBBDEA7D-BA7E-B815-6227-25A8D61C331B}"/>
+              </a:ext>
+            </a:extLst>
+          </p:cNvPr>
+          <p:cNvSpPr>
+            <a:spLocks noGrp="1"/>
+          </p:cNvSpPr>
+          <p:nvPr>
+            <p:ph type="title"/>
+          </p:nvPr>
+        </p:nvSpPr>
+        <p:spPr/>
+        <p:txBody>
+          <a:bodyPr/>
+          <a:lstStyle/>
+          <a:p>
+            <a:r>
+              <a:rPr lang="en-US" dirty="0"/>
+              <a:t>For Loop</a:t>
+            </a:r>
+          </a:p>
+        </p:txBody>
+      </p:sp>
+      <p:sp>
+        <p:nvSpPr>
+          <p:cNvPr id="3" name="Content Placeholder 2">
+            <a:extLst>
+              <a:ext uri="{FF2B5EF4-FFF2-40B4-BE49-F238E27FC236}">
+                <a16:creationId xmlns:a16="http://schemas.microsoft.com/office/drawing/2014/main" id="{6A866836-B799-5AD6-DB3F-CF55D6EE34EA}"/>
+              </a:ext>
+            </a:extLst>
+          </p:cNvPr>
+          <p:cNvSpPr>
+            <a:spLocks noGrp="1"/>
+          </p:cNvSpPr>
+          <p:nvPr>
+            <p:ph idx="1"/>
+          </p:nvPr>
+        </p:nvSpPr>
+        <p:spPr/>
+        <p:txBody>
+          <a:bodyPr/>
+          <a:lstStyle/>
+          <a:p>
+            <a:pPr marL="0" indent="0">
+              <a:buNone/>
+            </a:pPr>
+            <a:endParaRPr lang="en-US" dirty="0"/>
+          </a:p>
+          <a:p>
+            <a:pPr marL="0" indent="0">
+              <a:buNone/>
+            </a:pPr>
+            <a:r>
+              <a:rPr lang="en-US" dirty="0"/>
+              <a:t>For(var a =1;a&lt;=10;a++){</a:t>
+            </a:r>
+          </a:p>
+          <a:p>
+            <a:pPr marL="0" indent="0">
+              <a:buNone/>
+            </a:pPr>
+            <a:r>
+              <a:rPr lang="en-US" dirty="0" err="1"/>
+              <a:t>Document.write</a:t>
+            </a:r>
+            <a:r>
+              <a:rPr lang="en-US" dirty="0"/>
+              <a:t>(“Hello World”);</a:t>
+            </a:r>
+          </a:p>
+          <a:p>
+            <a:pPr marL="0" indent="0">
+              <a:buNone/>
+            </a:pPr>
+            <a:r>
+              <a:rPr lang="en-US" dirty="0"/>
+              <a:t>}</a:t>
+            </a:r>
+          </a:p>
+        </p:txBody>
+      </p:sp>
+    </p:spTree>
+    <p:extLst>
+      <p:ext uri="{BB962C8B-B14F-4D97-AF65-F5344CB8AC3E}">
+        <p14:creationId xmlns:p14="http://schemas.microsoft.com/office/powerpoint/2010/main" val="308007776"/>
       </p:ext>
     </p:extLst>
   </p:cSld>

--- a/JavaScript.pptx
+++ b/JavaScript.pptx
@@ -58,6 +58,18 @@
     <p:sldId id="306" r:id="rId52"/>
     <p:sldId id="307" r:id="rId53"/>
     <p:sldId id="308" r:id="rId54"/>
+    <p:sldId id="309" r:id="rId55"/>
+    <p:sldId id="310" r:id="rId56"/>
+    <p:sldId id="311" r:id="rId57"/>
+    <p:sldId id="312" r:id="rId58"/>
+    <p:sldId id="313" r:id="rId59"/>
+    <p:sldId id="314" r:id="rId60"/>
+    <p:sldId id="315" r:id="rId61"/>
+    <p:sldId id="316" r:id="rId62"/>
+    <p:sldId id="317" r:id="rId63"/>
+    <p:sldId id="318" r:id="rId64"/>
+    <p:sldId id="319" r:id="rId65"/>
+    <p:sldId id="320" r:id="rId66"/>
   </p:sldIdLst>
   <p:sldSz cx="12192000" cy="6858000"/>
   <p:notesSz cx="6858000" cy="9144000"/>
@@ -218,6 +230,18 @@
             <p14:sldId id="306"/>
             <p14:sldId id="307"/>
             <p14:sldId id="308"/>
+            <p14:sldId id="309"/>
+            <p14:sldId id="310"/>
+            <p14:sldId id="311"/>
+            <p14:sldId id="312"/>
+            <p14:sldId id="313"/>
+            <p14:sldId id="314"/>
+            <p14:sldId id="315"/>
+            <p14:sldId id="316"/>
+            <p14:sldId id="317"/>
+            <p14:sldId id="318"/>
+            <p14:sldId id="319"/>
+            <p14:sldId id="320"/>
           </p14:sldIdLst>
         </p14:section>
       </p14:sectionLst>
@@ -376,7 +400,7 @@
           <a:p>
             <a:fld id="{B0FD79F2-F8AC-467F-AA9E-9C9DDF51E646}" type="datetimeFigureOut">
               <a:rPr lang="en-US" smtClean="0"/>
-              <a:t>1/9/2023</a:t>
+              <a:t>1/11/2023</a:t>
             </a:fld>
             <a:endParaRPr lang="en-US"/>
           </a:p>
@@ -574,7 +598,7 @@
           <a:p>
             <a:fld id="{B0FD79F2-F8AC-467F-AA9E-9C9DDF51E646}" type="datetimeFigureOut">
               <a:rPr lang="en-US" smtClean="0"/>
-              <a:t>1/9/2023</a:t>
+              <a:t>1/11/2023</a:t>
             </a:fld>
             <a:endParaRPr lang="en-US"/>
           </a:p>
@@ -782,7 +806,7 @@
           <a:p>
             <a:fld id="{B0FD79F2-F8AC-467F-AA9E-9C9DDF51E646}" type="datetimeFigureOut">
               <a:rPr lang="en-US" smtClean="0"/>
-              <a:t>1/9/2023</a:t>
+              <a:t>1/11/2023</a:t>
             </a:fld>
             <a:endParaRPr lang="en-US"/>
           </a:p>
@@ -980,7 +1004,7 @@
           <a:p>
             <a:fld id="{B0FD79F2-F8AC-467F-AA9E-9C9DDF51E646}" type="datetimeFigureOut">
               <a:rPr lang="en-US" smtClean="0"/>
-              <a:t>1/9/2023</a:t>
+              <a:t>1/11/2023</a:t>
             </a:fld>
             <a:endParaRPr lang="en-US"/>
           </a:p>
@@ -1255,7 +1279,7 @@
           <a:p>
             <a:fld id="{B0FD79F2-F8AC-467F-AA9E-9C9DDF51E646}" type="datetimeFigureOut">
               <a:rPr lang="en-US" smtClean="0"/>
-              <a:t>1/9/2023</a:t>
+              <a:t>1/11/2023</a:t>
             </a:fld>
             <a:endParaRPr lang="en-US"/>
           </a:p>
@@ -1520,7 +1544,7 @@
           <a:p>
             <a:fld id="{B0FD79F2-F8AC-467F-AA9E-9C9DDF51E646}" type="datetimeFigureOut">
               <a:rPr lang="en-US" smtClean="0"/>
-              <a:t>1/9/2023</a:t>
+              <a:t>1/11/2023</a:t>
             </a:fld>
             <a:endParaRPr lang="en-US"/>
           </a:p>
@@ -1932,7 +1956,7 @@
           <a:p>
             <a:fld id="{B0FD79F2-F8AC-467F-AA9E-9C9DDF51E646}" type="datetimeFigureOut">
               <a:rPr lang="en-US" smtClean="0"/>
-              <a:t>1/9/2023</a:t>
+              <a:t>1/11/2023</a:t>
             </a:fld>
             <a:endParaRPr lang="en-US"/>
           </a:p>
@@ -2073,7 +2097,7 @@
           <a:p>
             <a:fld id="{B0FD79F2-F8AC-467F-AA9E-9C9DDF51E646}" type="datetimeFigureOut">
               <a:rPr lang="en-US" smtClean="0"/>
-              <a:t>1/9/2023</a:t>
+              <a:t>1/11/2023</a:t>
             </a:fld>
             <a:endParaRPr lang="en-US"/>
           </a:p>
@@ -2186,7 +2210,7 @@
           <a:p>
             <a:fld id="{B0FD79F2-F8AC-467F-AA9E-9C9DDF51E646}" type="datetimeFigureOut">
               <a:rPr lang="en-US" smtClean="0"/>
-              <a:t>1/9/2023</a:t>
+              <a:t>1/11/2023</a:t>
             </a:fld>
             <a:endParaRPr lang="en-US"/>
           </a:p>
@@ -2497,7 +2521,7 @@
           <a:p>
             <a:fld id="{B0FD79F2-F8AC-467F-AA9E-9C9DDF51E646}" type="datetimeFigureOut">
               <a:rPr lang="en-US" smtClean="0"/>
-              <a:t>1/9/2023</a:t>
+              <a:t>1/11/2023</a:t>
             </a:fld>
             <a:endParaRPr lang="en-US"/>
           </a:p>
@@ -2785,7 +2809,7 @@
           <a:p>
             <a:fld id="{B0FD79F2-F8AC-467F-AA9E-9C9DDF51E646}" type="datetimeFigureOut">
               <a:rPr lang="en-US" smtClean="0"/>
-              <a:t>1/9/2023</a:t>
+              <a:t>1/11/2023</a:t>
             </a:fld>
             <a:endParaRPr lang="en-US"/>
           </a:p>
@@ -3026,7 +3050,7 @@
           <a:p>
             <a:fld id="{B0FD79F2-F8AC-467F-AA9E-9C9DDF51E646}" type="datetimeFigureOut">
               <a:rPr lang="en-US" smtClean="0"/>
-              <a:t>1/9/2023</a:t>
+              <a:t>1/11/2023</a:t>
             </a:fld>
             <a:endParaRPr lang="en-US"/>
           </a:p>
@@ -14439,6 +14463,2543 @@
 </p:sld>
 </file>
 
+<file path=ppt/slides/slide54.xml><?xml version="1.0" encoding="utf-8"?>
+<p:sld xmlns:a="http://schemas.openxmlformats.org/drawingml/2006/main" xmlns:r="http://schemas.openxmlformats.org/officeDocument/2006/relationships" xmlns:p="http://schemas.openxmlformats.org/presentationml/2006/main">
+  <p:cSld>
+    <p:spTree>
+      <p:nvGrpSpPr>
+        <p:cNvPr id="1" name=""/>
+        <p:cNvGrpSpPr/>
+        <p:nvPr/>
+      </p:nvGrpSpPr>
+      <p:grpSpPr>
+        <a:xfrm>
+          <a:off x="0" y="0"/>
+          <a:ext cx="0" cy="0"/>
+          <a:chOff x="0" y="0"/>
+          <a:chExt cx="0" cy="0"/>
+        </a:xfrm>
+      </p:grpSpPr>
+      <p:sp>
+        <p:nvSpPr>
+          <p:cNvPr id="2" name="Title 1">
+            <a:extLst>
+              <a:ext uri="{FF2B5EF4-FFF2-40B4-BE49-F238E27FC236}">
+                <a16:creationId xmlns:a16="http://schemas.microsoft.com/office/drawing/2014/main" id="{D83BE4B5-4D3B-DDD6-D69C-406D9C68754A}"/>
+              </a:ext>
+            </a:extLst>
+          </p:cNvPr>
+          <p:cNvSpPr>
+            <a:spLocks noGrp="1"/>
+          </p:cNvSpPr>
+          <p:nvPr>
+            <p:ph type="title"/>
+          </p:nvPr>
+        </p:nvSpPr>
+        <p:spPr/>
+        <p:txBody>
+          <a:bodyPr/>
+          <a:lstStyle/>
+          <a:p>
+            <a:r>
+              <a:rPr lang="en-US" dirty="0"/>
+              <a:t>JS: Break &amp; Continue Statement</a:t>
+            </a:r>
+          </a:p>
+        </p:txBody>
+      </p:sp>
+      <p:sp>
+        <p:nvSpPr>
+          <p:cNvPr id="3" name="Content Placeholder 2">
+            <a:extLst>
+              <a:ext uri="{FF2B5EF4-FFF2-40B4-BE49-F238E27FC236}">
+                <a16:creationId xmlns:a16="http://schemas.microsoft.com/office/drawing/2014/main" id="{9E674FD0-74AB-9949-C6B8-FBB6A461EA0C}"/>
+              </a:ext>
+            </a:extLst>
+          </p:cNvPr>
+          <p:cNvSpPr>
+            <a:spLocks noGrp="1"/>
+          </p:cNvSpPr>
+          <p:nvPr>
+            <p:ph idx="1"/>
+          </p:nvPr>
+        </p:nvSpPr>
+        <p:spPr/>
+        <p:txBody>
+          <a:bodyPr/>
+          <a:lstStyle/>
+          <a:p>
+            <a:endParaRPr lang="en-US"/>
+          </a:p>
+        </p:txBody>
+      </p:sp>
+    </p:spTree>
+    <p:extLst>
+      <p:ext uri="{BB962C8B-B14F-4D97-AF65-F5344CB8AC3E}">
+        <p14:creationId xmlns:p14="http://schemas.microsoft.com/office/powerpoint/2010/main" val="151121794"/>
+      </p:ext>
+    </p:extLst>
+  </p:cSld>
+  <p:clrMapOvr>
+    <a:masterClrMapping/>
+  </p:clrMapOvr>
+</p:sld>
+</file>
+
+<file path=ppt/slides/slide55.xml><?xml version="1.0" encoding="utf-8"?>
+<p:sld xmlns:a="http://schemas.openxmlformats.org/drawingml/2006/main" xmlns:r="http://schemas.openxmlformats.org/officeDocument/2006/relationships" xmlns:p="http://schemas.openxmlformats.org/presentationml/2006/main">
+  <p:cSld>
+    <p:spTree>
+      <p:nvGrpSpPr>
+        <p:cNvPr id="1" name=""/>
+        <p:cNvGrpSpPr/>
+        <p:nvPr/>
+      </p:nvGrpSpPr>
+      <p:grpSpPr>
+        <a:xfrm>
+          <a:off x="0" y="0"/>
+          <a:ext cx="0" cy="0"/>
+          <a:chOff x="0" y="0"/>
+          <a:chExt cx="0" cy="0"/>
+        </a:xfrm>
+      </p:grpSpPr>
+      <p:sp>
+        <p:nvSpPr>
+          <p:cNvPr id="2" name="Title 1">
+            <a:extLst>
+              <a:ext uri="{FF2B5EF4-FFF2-40B4-BE49-F238E27FC236}">
+                <a16:creationId xmlns:a16="http://schemas.microsoft.com/office/drawing/2014/main" id="{5859C1A1-AB1F-7B20-4440-B39DFB573B3F}"/>
+              </a:ext>
+            </a:extLst>
+          </p:cNvPr>
+          <p:cNvSpPr>
+            <a:spLocks noGrp="1"/>
+          </p:cNvSpPr>
+          <p:nvPr>
+            <p:ph type="title"/>
+          </p:nvPr>
+        </p:nvSpPr>
+        <p:spPr/>
+        <p:txBody>
+          <a:bodyPr/>
+          <a:lstStyle/>
+          <a:p>
+            <a:r>
+              <a:rPr lang="en-US" dirty="0"/>
+              <a:t>JS Even/Odd Number with Loop</a:t>
+            </a:r>
+          </a:p>
+        </p:txBody>
+      </p:sp>
+      <p:sp>
+        <p:nvSpPr>
+          <p:cNvPr id="3" name="Content Placeholder 2">
+            <a:extLst>
+              <a:ext uri="{FF2B5EF4-FFF2-40B4-BE49-F238E27FC236}">
+                <a16:creationId xmlns:a16="http://schemas.microsoft.com/office/drawing/2014/main" id="{A4A4F450-2235-B4EA-DA07-8CC5EC852DE6}"/>
+              </a:ext>
+            </a:extLst>
+          </p:cNvPr>
+          <p:cNvSpPr>
+            <a:spLocks noGrp="1"/>
+          </p:cNvSpPr>
+          <p:nvPr>
+            <p:ph idx="1"/>
+          </p:nvPr>
+        </p:nvSpPr>
+        <p:spPr/>
+        <p:txBody>
+          <a:bodyPr/>
+          <a:lstStyle/>
+          <a:p>
+            <a:endParaRPr lang="en-US"/>
+          </a:p>
+        </p:txBody>
+      </p:sp>
+    </p:spTree>
+    <p:extLst>
+      <p:ext uri="{BB962C8B-B14F-4D97-AF65-F5344CB8AC3E}">
+        <p14:creationId xmlns:p14="http://schemas.microsoft.com/office/powerpoint/2010/main" val="439092603"/>
+      </p:ext>
+    </p:extLst>
+  </p:cSld>
+  <p:clrMapOvr>
+    <a:masterClrMapping/>
+  </p:clrMapOvr>
+</p:sld>
+</file>
+
+<file path=ppt/slides/slide56.xml><?xml version="1.0" encoding="utf-8"?>
+<p:sld xmlns:a="http://schemas.openxmlformats.org/drawingml/2006/main" xmlns:r="http://schemas.openxmlformats.org/officeDocument/2006/relationships" xmlns:p="http://schemas.openxmlformats.org/presentationml/2006/main">
+  <p:cSld>
+    <p:spTree>
+      <p:nvGrpSpPr>
+        <p:cNvPr id="1" name=""/>
+        <p:cNvGrpSpPr/>
+        <p:nvPr/>
+      </p:nvGrpSpPr>
+      <p:grpSpPr>
+        <a:xfrm>
+          <a:off x="0" y="0"/>
+          <a:ext cx="0" cy="0"/>
+          <a:chOff x="0" y="0"/>
+          <a:chExt cx="0" cy="0"/>
+        </a:xfrm>
+      </p:grpSpPr>
+      <p:sp>
+        <p:nvSpPr>
+          <p:cNvPr id="2" name="Title 1">
+            <a:extLst>
+              <a:ext uri="{FF2B5EF4-FFF2-40B4-BE49-F238E27FC236}">
+                <a16:creationId xmlns:a16="http://schemas.microsoft.com/office/drawing/2014/main" id="{AA7060D1-BF9C-A3FE-A10A-3405A9266A4D}"/>
+              </a:ext>
+            </a:extLst>
+          </p:cNvPr>
+          <p:cNvSpPr>
+            <a:spLocks noGrp="1"/>
+          </p:cNvSpPr>
+          <p:nvPr>
+            <p:ph type="title"/>
+          </p:nvPr>
+        </p:nvSpPr>
+        <p:spPr/>
+        <p:txBody>
+          <a:bodyPr/>
+          <a:lstStyle/>
+          <a:p>
+            <a:r>
+              <a:rPr lang="en-US" dirty="0"/>
+              <a:t>JS: Nested Loop</a:t>
+            </a:r>
+          </a:p>
+        </p:txBody>
+      </p:sp>
+      <p:sp>
+        <p:nvSpPr>
+          <p:cNvPr id="3" name="Content Placeholder 2">
+            <a:extLst>
+              <a:ext uri="{FF2B5EF4-FFF2-40B4-BE49-F238E27FC236}">
+                <a16:creationId xmlns:a16="http://schemas.microsoft.com/office/drawing/2014/main" id="{CD4160BD-090C-3FC2-A22E-0707DFDC982E}"/>
+              </a:ext>
+            </a:extLst>
+          </p:cNvPr>
+          <p:cNvSpPr>
+            <a:spLocks noGrp="1"/>
+          </p:cNvSpPr>
+          <p:nvPr>
+            <p:ph idx="1"/>
+          </p:nvPr>
+        </p:nvSpPr>
+        <p:spPr/>
+        <p:txBody>
+          <a:bodyPr/>
+          <a:lstStyle/>
+          <a:p>
+            <a:pPr marL="0" indent="0">
+              <a:buNone/>
+            </a:pPr>
+            <a:r>
+              <a:rPr lang="en-US" dirty="0"/>
+              <a:t>For(var a =1 ; a&lt;=10;a++){</a:t>
+            </a:r>
+          </a:p>
+          <a:p>
+            <a:pPr marL="0" indent="0">
+              <a:buNone/>
+            </a:pPr>
+            <a:r>
+              <a:rPr lang="en-US" dirty="0"/>
+              <a:t>	for(var b = 1; b&lt;=5;b++{</a:t>
+            </a:r>
+          </a:p>
+          <a:p>
+            <a:pPr marL="0" indent="0">
+              <a:buNone/>
+            </a:pPr>
+            <a:r>
+              <a:rPr lang="en-US" dirty="0"/>
+              <a:t>	statement</a:t>
+            </a:r>
+          </a:p>
+          <a:p>
+            <a:pPr marL="0" indent="0">
+              <a:buNone/>
+            </a:pPr>
+            <a:r>
+              <a:rPr lang="en-US" dirty="0"/>
+              <a:t>}</a:t>
+            </a:r>
+          </a:p>
+          <a:p>
+            <a:pPr marL="0" indent="0">
+              <a:buNone/>
+            </a:pPr>
+            <a:r>
+              <a:rPr lang="en-US" dirty="0"/>
+              <a:t>}</a:t>
+            </a:r>
+          </a:p>
+        </p:txBody>
+      </p:sp>
+    </p:spTree>
+    <p:extLst>
+      <p:ext uri="{BB962C8B-B14F-4D97-AF65-F5344CB8AC3E}">
+        <p14:creationId xmlns:p14="http://schemas.microsoft.com/office/powerpoint/2010/main" val="1498985456"/>
+      </p:ext>
+    </p:extLst>
+  </p:cSld>
+  <p:clrMapOvr>
+    <a:masterClrMapping/>
+  </p:clrMapOvr>
+</p:sld>
+</file>
+
+<file path=ppt/slides/slide57.xml><?xml version="1.0" encoding="utf-8"?>
+<p:sld xmlns:a="http://schemas.openxmlformats.org/drawingml/2006/main" xmlns:r="http://schemas.openxmlformats.org/officeDocument/2006/relationships" xmlns:p="http://schemas.openxmlformats.org/presentationml/2006/main">
+  <p:cSld>
+    <p:spTree>
+      <p:nvGrpSpPr>
+        <p:cNvPr id="1" name=""/>
+        <p:cNvGrpSpPr/>
+        <p:nvPr/>
+      </p:nvGrpSpPr>
+      <p:grpSpPr>
+        <a:xfrm>
+          <a:off x="0" y="0"/>
+          <a:ext cx="0" cy="0"/>
+          <a:chOff x="0" y="0"/>
+          <a:chExt cx="0" cy="0"/>
+        </a:xfrm>
+      </p:grpSpPr>
+      <p:graphicFrame>
+        <p:nvGraphicFramePr>
+          <p:cNvPr id="5" name="Table 5">
+            <a:extLst>
+              <a:ext uri="{FF2B5EF4-FFF2-40B4-BE49-F238E27FC236}">
+                <a16:creationId xmlns:a16="http://schemas.microsoft.com/office/drawing/2014/main" id="{6A9F9C4F-4596-4855-FF38-9D8C7AEB6769}"/>
+              </a:ext>
+            </a:extLst>
+          </p:cNvPr>
+          <p:cNvGraphicFramePr>
+            <a:graphicFrameLocks noGrp="1"/>
+          </p:cNvGraphicFramePr>
+          <p:nvPr>
+            <p:extLst>
+              <p:ext uri="{D42A27DB-BD31-4B8C-83A1-F6EECF244321}">
+                <p14:modId xmlns:p14="http://schemas.microsoft.com/office/powerpoint/2010/main" val="1457444005"/>
+              </p:ext>
+            </p:extLst>
+          </p:nvPr>
+        </p:nvGraphicFramePr>
+        <p:xfrm>
+          <a:off x="2032000" y="719666"/>
+          <a:ext cx="8128000" cy="3708400"/>
+        </p:xfrm>
+        <a:graphic>
+          <a:graphicData uri="http://schemas.openxmlformats.org/drawingml/2006/table">
+            <a:tbl>
+              <a:tblPr firstRow="1" bandRow="1">
+                <a:tableStyleId>{5C22544A-7EE6-4342-B048-85BDC9FD1C3A}</a:tableStyleId>
+              </a:tblPr>
+              <a:tblGrid>
+                <a:gridCol w="812800">
+                  <a:extLst>
+                    <a:ext uri="{9D8B030D-6E8A-4147-A177-3AD203B41FA5}">
+                      <a16:colId xmlns:a16="http://schemas.microsoft.com/office/drawing/2014/main" val="2765010637"/>
+                    </a:ext>
+                  </a:extLst>
+                </a:gridCol>
+                <a:gridCol w="812800">
+                  <a:extLst>
+                    <a:ext uri="{9D8B030D-6E8A-4147-A177-3AD203B41FA5}">
+                      <a16:colId xmlns:a16="http://schemas.microsoft.com/office/drawing/2014/main" val="22962390"/>
+                    </a:ext>
+                  </a:extLst>
+                </a:gridCol>
+                <a:gridCol w="812800">
+                  <a:extLst>
+                    <a:ext uri="{9D8B030D-6E8A-4147-A177-3AD203B41FA5}">
+                      <a16:colId xmlns:a16="http://schemas.microsoft.com/office/drawing/2014/main" val="1185575864"/>
+                    </a:ext>
+                  </a:extLst>
+                </a:gridCol>
+                <a:gridCol w="812800">
+                  <a:extLst>
+                    <a:ext uri="{9D8B030D-6E8A-4147-A177-3AD203B41FA5}">
+                      <a16:colId xmlns:a16="http://schemas.microsoft.com/office/drawing/2014/main" val="1898325401"/>
+                    </a:ext>
+                  </a:extLst>
+                </a:gridCol>
+                <a:gridCol w="812800">
+                  <a:extLst>
+                    <a:ext uri="{9D8B030D-6E8A-4147-A177-3AD203B41FA5}">
+                      <a16:colId xmlns:a16="http://schemas.microsoft.com/office/drawing/2014/main" val="2211471290"/>
+                    </a:ext>
+                  </a:extLst>
+                </a:gridCol>
+                <a:gridCol w="812800">
+                  <a:extLst>
+                    <a:ext uri="{9D8B030D-6E8A-4147-A177-3AD203B41FA5}">
+                      <a16:colId xmlns:a16="http://schemas.microsoft.com/office/drawing/2014/main" val="13218159"/>
+                    </a:ext>
+                  </a:extLst>
+                </a:gridCol>
+                <a:gridCol w="812800">
+                  <a:extLst>
+                    <a:ext uri="{9D8B030D-6E8A-4147-A177-3AD203B41FA5}">
+                      <a16:colId xmlns:a16="http://schemas.microsoft.com/office/drawing/2014/main" val="4168606099"/>
+                    </a:ext>
+                  </a:extLst>
+                </a:gridCol>
+                <a:gridCol w="812800">
+                  <a:extLst>
+                    <a:ext uri="{9D8B030D-6E8A-4147-A177-3AD203B41FA5}">
+                      <a16:colId xmlns:a16="http://schemas.microsoft.com/office/drawing/2014/main" val="3253782467"/>
+                    </a:ext>
+                  </a:extLst>
+                </a:gridCol>
+                <a:gridCol w="812800">
+                  <a:extLst>
+                    <a:ext uri="{9D8B030D-6E8A-4147-A177-3AD203B41FA5}">
+                      <a16:colId xmlns:a16="http://schemas.microsoft.com/office/drawing/2014/main" val="3971968682"/>
+                    </a:ext>
+                  </a:extLst>
+                </a:gridCol>
+                <a:gridCol w="812800">
+                  <a:extLst>
+                    <a:ext uri="{9D8B030D-6E8A-4147-A177-3AD203B41FA5}">
+                      <a16:colId xmlns:a16="http://schemas.microsoft.com/office/drawing/2014/main" val="2403801401"/>
+                    </a:ext>
+                  </a:extLst>
+                </a:gridCol>
+              </a:tblGrid>
+              <a:tr h="370840">
+                <a:tc>
+                  <a:txBody>
+                    <a:bodyPr/>
+                    <a:lstStyle/>
+                    <a:p>
+                      <a:r>
+                        <a:rPr lang="en-US" dirty="0"/>
+                        <a:t>1</a:t>
+                      </a:r>
+                    </a:p>
+                  </a:txBody>
+                  <a:tcPr/>
+                </a:tc>
+                <a:tc>
+                  <a:txBody>
+                    <a:bodyPr/>
+                    <a:lstStyle/>
+                    <a:p>
+                      <a:r>
+                        <a:rPr lang="en-US" dirty="0"/>
+                        <a:t>2</a:t>
+                      </a:r>
+                    </a:p>
+                  </a:txBody>
+                  <a:tcPr/>
+                </a:tc>
+                <a:tc>
+                  <a:txBody>
+                    <a:bodyPr/>
+                    <a:lstStyle/>
+                    <a:p>
+                      <a:r>
+                        <a:rPr lang="en-US" dirty="0"/>
+                        <a:t>3</a:t>
+                      </a:r>
+                    </a:p>
+                  </a:txBody>
+                  <a:tcPr/>
+                </a:tc>
+                <a:tc>
+                  <a:txBody>
+                    <a:bodyPr/>
+                    <a:lstStyle/>
+                    <a:p>
+                      <a:r>
+                        <a:rPr lang="en-US" dirty="0"/>
+                        <a:t>4</a:t>
+                      </a:r>
+                    </a:p>
+                  </a:txBody>
+                  <a:tcPr/>
+                </a:tc>
+                <a:tc>
+                  <a:txBody>
+                    <a:bodyPr/>
+                    <a:lstStyle/>
+                    <a:p>
+                      <a:r>
+                        <a:rPr lang="en-US" dirty="0"/>
+                        <a:t>5</a:t>
+                      </a:r>
+                    </a:p>
+                  </a:txBody>
+                  <a:tcPr/>
+                </a:tc>
+                <a:tc>
+                  <a:txBody>
+                    <a:bodyPr/>
+                    <a:lstStyle/>
+                    <a:p>
+                      <a:r>
+                        <a:rPr lang="en-US" dirty="0"/>
+                        <a:t>6</a:t>
+                      </a:r>
+                    </a:p>
+                  </a:txBody>
+                  <a:tcPr/>
+                </a:tc>
+                <a:tc>
+                  <a:txBody>
+                    <a:bodyPr/>
+                    <a:lstStyle/>
+                    <a:p>
+                      <a:r>
+                        <a:rPr lang="en-US" dirty="0"/>
+                        <a:t>7</a:t>
+                      </a:r>
+                    </a:p>
+                  </a:txBody>
+                  <a:tcPr/>
+                </a:tc>
+                <a:tc>
+                  <a:txBody>
+                    <a:bodyPr/>
+                    <a:lstStyle/>
+                    <a:p>
+                      <a:r>
+                        <a:rPr lang="en-US" dirty="0"/>
+                        <a:t>8</a:t>
+                      </a:r>
+                    </a:p>
+                  </a:txBody>
+                  <a:tcPr/>
+                </a:tc>
+                <a:tc>
+                  <a:txBody>
+                    <a:bodyPr/>
+                    <a:lstStyle/>
+                    <a:p>
+                      <a:r>
+                        <a:rPr lang="en-US" dirty="0"/>
+                        <a:t>9</a:t>
+                      </a:r>
+                    </a:p>
+                  </a:txBody>
+                  <a:tcPr/>
+                </a:tc>
+                <a:tc>
+                  <a:txBody>
+                    <a:bodyPr/>
+                    <a:lstStyle/>
+                    <a:p>
+                      <a:r>
+                        <a:rPr lang="en-US" dirty="0"/>
+                        <a:t>10</a:t>
+                      </a:r>
+                    </a:p>
+                  </a:txBody>
+                  <a:tcPr/>
+                </a:tc>
+                <a:extLst>
+                  <a:ext uri="{0D108BD9-81ED-4DB2-BD59-A6C34878D82A}">
+                    <a16:rowId xmlns:a16="http://schemas.microsoft.com/office/drawing/2014/main" val="3354533128"/>
+                  </a:ext>
+                </a:extLst>
+              </a:tr>
+              <a:tr h="370840">
+                <a:tc>
+                  <a:txBody>
+                    <a:bodyPr/>
+                    <a:lstStyle/>
+                    <a:p>
+                      <a:r>
+                        <a:rPr lang="en-US" dirty="0"/>
+                        <a:t>11</a:t>
+                      </a:r>
+                    </a:p>
+                  </a:txBody>
+                  <a:tcPr/>
+                </a:tc>
+                <a:tc>
+                  <a:txBody>
+                    <a:bodyPr/>
+                    <a:lstStyle/>
+                    <a:p>
+                      <a:r>
+                        <a:rPr lang="en-US" dirty="0"/>
+                        <a:t>12</a:t>
+                      </a:r>
+                    </a:p>
+                  </a:txBody>
+                  <a:tcPr/>
+                </a:tc>
+                <a:tc>
+                  <a:txBody>
+                    <a:bodyPr/>
+                    <a:lstStyle/>
+                    <a:p>
+                      <a:r>
+                        <a:rPr lang="en-US" dirty="0"/>
+                        <a:t>13</a:t>
+                      </a:r>
+                    </a:p>
+                  </a:txBody>
+                  <a:tcPr/>
+                </a:tc>
+                <a:tc>
+                  <a:txBody>
+                    <a:bodyPr/>
+                    <a:lstStyle/>
+                    <a:p>
+                      <a:r>
+                        <a:rPr lang="en-US" dirty="0"/>
+                        <a:t>14</a:t>
+                      </a:r>
+                    </a:p>
+                  </a:txBody>
+                  <a:tcPr/>
+                </a:tc>
+                <a:tc>
+                  <a:txBody>
+                    <a:bodyPr/>
+                    <a:lstStyle/>
+                    <a:p>
+                      <a:r>
+                        <a:rPr lang="en-US" dirty="0"/>
+                        <a:t>15</a:t>
+                      </a:r>
+                    </a:p>
+                  </a:txBody>
+                  <a:tcPr/>
+                </a:tc>
+                <a:tc>
+                  <a:txBody>
+                    <a:bodyPr/>
+                    <a:lstStyle/>
+                    <a:p>
+                      <a:r>
+                        <a:rPr lang="en-US" dirty="0"/>
+                        <a:t>16</a:t>
+                      </a:r>
+                    </a:p>
+                  </a:txBody>
+                  <a:tcPr/>
+                </a:tc>
+                <a:tc>
+                  <a:txBody>
+                    <a:bodyPr/>
+                    <a:lstStyle/>
+                    <a:p>
+                      <a:r>
+                        <a:rPr lang="en-US" dirty="0"/>
+                        <a:t>17</a:t>
+                      </a:r>
+                    </a:p>
+                  </a:txBody>
+                  <a:tcPr/>
+                </a:tc>
+                <a:tc>
+                  <a:txBody>
+                    <a:bodyPr/>
+                    <a:lstStyle/>
+                    <a:p>
+                      <a:r>
+                        <a:rPr lang="en-US" dirty="0"/>
+                        <a:t>18</a:t>
+                      </a:r>
+                    </a:p>
+                  </a:txBody>
+                  <a:tcPr/>
+                </a:tc>
+                <a:tc>
+                  <a:txBody>
+                    <a:bodyPr/>
+                    <a:lstStyle/>
+                    <a:p>
+                      <a:r>
+                        <a:rPr lang="en-US" dirty="0"/>
+                        <a:t>19</a:t>
+                      </a:r>
+                    </a:p>
+                  </a:txBody>
+                  <a:tcPr/>
+                </a:tc>
+                <a:tc>
+                  <a:txBody>
+                    <a:bodyPr/>
+                    <a:lstStyle/>
+                    <a:p>
+                      <a:r>
+                        <a:rPr lang="en-US" dirty="0"/>
+                        <a:t>20</a:t>
+                      </a:r>
+                    </a:p>
+                  </a:txBody>
+                  <a:tcPr/>
+                </a:tc>
+                <a:extLst>
+                  <a:ext uri="{0D108BD9-81ED-4DB2-BD59-A6C34878D82A}">
+                    <a16:rowId xmlns:a16="http://schemas.microsoft.com/office/drawing/2014/main" val="566159139"/>
+                  </a:ext>
+                </a:extLst>
+              </a:tr>
+              <a:tr h="370840">
+                <a:tc>
+                  <a:txBody>
+                    <a:bodyPr/>
+                    <a:lstStyle/>
+                    <a:p>
+                      <a:r>
+                        <a:rPr lang="en-US" dirty="0"/>
+                        <a:t>21</a:t>
+                      </a:r>
+                    </a:p>
+                  </a:txBody>
+                  <a:tcPr/>
+                </a:tc>
+                <a:tc>
+                  <a:txBody>
+                    <a:bodyPr/>
+                    <a:lstStyle/>
+                    <a:p>
+                      <a:endParaRPr lang="en-US" dirty="0"/>
+                    </a:p>
+                  </a:txBody>
+                  <a:tcPr/>
+                </a:tc>
+                <a:tc>
+                  <a:txBody>
+                    <a:bodyPr/>
+                    <a:lstStyle/>
+                    <a:p>
+                      <a:endParaRPr lang="en-US" dirty="0"/>
+                    </a:p>
+                  </a:txBody>
+                  <a:tcPr/>
+                </a:tc>
+                <a:tc>
+                  <a:txBody>
+                    <a:bodyPr/>
+                    <a:lstStyle/>
+                    <a:p>
+                      <a:endParaRPr lang="en-US" dirty="0"/>
+                    </a:p>
+                  </a:txBody>
+                  <a:tcPr/>
+                </a:tc>
+                <a:tc>
+                  <a:txBody>
+                    <a:bodyPr/>
+                    <a:lstStyle/>
+                    <a:p>
+                      <a:endParaRPr lang="en-US" dirty="0"/>
+                    </a:p>
+                  </a:txBody>
+                  <a:tcPr/>
+                </a:tc>
+                <a:tc>
+                  <a:txBody>
+                    <a:bodyPr/>
+                    <a:lstStyle/>
+                    <a:p>
+                      <a:endParaRPr lang="en-US" dirty="0"/>
+                    </a:p>
+                  </a:txBody>
+                  <a:tcPr/>
+                </a:tc>
+                <a:tc>
+                  <a:txBody>
+                    <a:bodyPr/>
+                    <a:lstStyle/>
+                    <a:p>
+                      <a:endParaRPr lang="en-US" dirty="0"/>
+                    </a:p>
+                  </a:txBody>
+                  <a:tcPr/>
+                </a:tc>
+                <a:tc>
+                  <a:txBody>
+                    <a:bodyPr/>
+                    <a:lstStyle/>
+                    <a:p>
+                      <a:endParaRPr lang="en-US" dirty="0"/>
+                    </a:p>
+                  </a:txBody>
+                  <a:tcPr/>
+                </a:tc>
+                <a:tc>
+                  <a:txBody>
+                    <a:bodyPr/>
+                    <a:lstStyle/>
+                    <a:p>
+                      <a:endParaRPr lang="en-US" dirty="0"/>
+                    </a:p>
+                  </a:txBody>
+                  <a:tcPr/>
+                </a:tc>
+                <a:tc>
+                  <a:txBody>
+                    <a:bodyPr/>
+                    <a:lstStyle/>
+                    <a:p>
+                      <a:r>
+                        <a:rPr lang="en-US" dirty="0"/>
+                        <a:t>30</a:t>
+                      </a:r>
+                    </a:p>
+                  </a:txBody>
+                  <a:tcPr/>
+                </a:tc>
+                <a:extLst>
+                  <a:ext uri="{0D108BD9-81ED-4DB2-BD59-A6C34878D82A}">
+                    <a16:rowId xmlns:a16="http://schemas.microsoft.com/office/drawing/2014/main" val="49322343"/>
+                  </a:ext>
+                </a:extLst>
+              </a:tr>
+              <a:tr h="370840">
+                <a:tc>
+                  <a:txBody>
+                    <a:bodyPr/>
+                    <a:lstStyle/>
+                    <a:p>
+                      <a:r>
+                        <a:rPr lang="en-US" dirty="0"/>
+                        <a:t>31</a:t>
+                      </a:r>
+                    </a:p>
+                  </a:txBody>
+                  <a:tcPr/>
+                </a:tc>
+                <a:tc>
+                  <a:txBody>
+                    <a:bodyPr/>
+                    <a:lstStyle/>
+                    <a:p>
+                      <a:endParaRPr lang="en-US" dirty="0"/>
+                    </a:p>
+                  </a:txBody>
+                  <a:tcPr/>
+                </a:tc>
+                <a:tc>
+                  <a:txBody>
+                    <a:bodyPr/>
+                    <a:lstStyle/>
+                    <a:p>
+                      <a:endParaRPr lang="en-US" dirty="0"/>
+                    </a:p>
+                  </a:txBody>
+                  <a:tcPr/>
+                </a:tc>
+                <a:tc>
+                  <a:txBody>
+                    <a:bodyPr/>
+                    <a:lstStyle/>
+                    <a:p>
+                      <a:endParaRPr lang="en-US" dirty="0"/>
+                    </a:p>
+                  </a:txBody>
+                  <a:tcPr/>
+                </a:tc>
+                <a:tc>
+                  <a:txBody>
+                    <a:bodyPr/>
+                    <a:lstStyle/>
+                    <a:p>
+                      <a:endParaRPr lang="en-US" dirty="0"/>
+                    </a:p>
+                  </a:txBody>
+                  <a:tcPr/>
+                </a:tc>
+                <a:tc>
+                  <a:txBody>
+                    <a:bodyPr/>
+                    <a:lstStyle/>
+                    <a:p>
+                      <a:endParaRPr lang="en-US" dirty="0"/>
+                    </a:p>
+                  </a:txBody>
+                  <a:tcPr/>
+                </a:tc>
+                <a:tc>
+                  <a:txBody>
+                    <a:bodyPr/>
+                    <a:lstStyle/>
+                    <a:p>
+                      <a:endParaRPr lang="en-US" dirty="0"/>
+                    </a:p>
+                  </a:txBody>
+                  <a:tcPr/>
+                </a:tc>
+                <a:tc>
+                  <a:txBody>
+                    <a:bodyPr/>
+                    <a:lstStyle/>
+                    <a:p>
+                      <a:endParaRPr lang="en-US" dirty="0"/>
+                    </a:p>
+                  </a:txBody>
+                  <a:tcPr/>
+                </a:tc>
+                <a:tc>
+                  <a:txBody>
+                    <a:bodyPr/>
+                    <a:lstStyle/>
+                    <a:p>
+                      <a:endParaRPr lang="en-US" dirty="0"/>
+                    </a:p>
+                  </a:txBody>
+                  <a:tcPr/>
+                </a:tc>
+                <a:tc>
+                  <a:txBody>
+                    <a:bodyPr/>
+                    <a:lstStyle/>
+                    <a:p>
+                      <a:r>
+                        <a:rPr lang="en-US" dirty="0"/>
+                        <a:t>40</a:t>
+                      </a:r>
+                    </a:p>
+                  </a:txBody>
+                  <a:tcPr/>
+                </a:tc>
+                <a:extLst>
+                  <a:ext uri="{0D108BD9-81ED-4DB2-BD59-A6C34878D82A}">
+                    <a16:rowId xmlns:a16="http://schemas.microsoft.com/office/drawing/2014/main" val="1597533366"/>
+                  </a:ext>
+                </a:extLst>
+              </a:tr>
+              <a:tr h="370840">
+                <a:tc>
+                  <a:txBody>
+                    <a:bodyPr/>
+                    <a:lstStyle/>
+                    <a:p>
+                      <a:r>
+                        <a:rPr lang="en-US" dirty="0"/>
+                        <a:t>41</a:t>
+                      </a:r>
+                    </a:p>
+                  </a:txBody>
+                  <a:tcPr/>
+                </a:tc>
+                <a:tc>
+                  <a:txBody>
+                    <a:bodyPr/>
+                    <a:lstStyle/>
+                    <a:p>
+                      <a:endParaRPr lang="en-US" dirty="0"/>
+                    </a:p>
+                  </a:txBody>
+                  <a:tcPr/>
+                </a:tc>
+                <a:tc>
+                  <a:txBody>
+                    <a:bodyPr/>
+                    <a:lstStyle/>
+                    <a:p>
+                      <a:endParaRPr lang="en-US" dirty="0"/>
+                    </a:p>
+                  </a:txBody>
+                  <a:tcPr/>
+                </a:tc>
+                <a:tc>
+                  <a:txBody>
+                    <a:bodyPr/>
+                    <a:lstStyle/>
+                    <a:p>
+                      <a:endParaRPr lang="en-US" dirty="0"/>
+                    </a:p>
+                  </a:txBody>
+                  <a:tcPr/>
+                </a:tc>
+                <a:tc>
+                  <a:txBody>
+                    <a:bodyPr/>
+                    <a:lstStyle/>
+                    <a:p>
+                      <a:endParaRPr lang="en-US" dirty="0"/>
+                    </a:p>
+                  </a:txBody>
+                  <a:tcPr/>
+                </a:tc>
+                <a:tc>
+                  <a:txBody>
+                    <a:bodyPr/>
+                    <a:lstStyle/>
+                    <a:p>
+                      <a:endParaRPr lang="en-US" dirty="0"/>
+                    </a:p>
+                  </a:txBody>
+                  <a:tcPr/>
+                </a:tc>
+                <a:tc>
+                  <a:txBody>
+                    <a:bodyPr/>
+                    <a:lstStyle/>
+                    <a:p>
+                      <a:endParaRPr lang="en-US" dirty="0"/>
+                    </a:p>
+                  </a:txBody>
+                  <a:tcPr/>
+                </a:tc>
+                <a:tc>
+                  <a:txBody>
+                    <a:bodyPr/>
+                    <a:lstStyle/>
+                    <a:p>
+                      <a:endParaRPr lang="en-US" dirty="0"/>
+                    </a:p>
+                  </a:txBody>
+                  <a:tcPr/>
+                </a:tc>
+                <a:tc>
+                  <a:txBody>
+                    <a:bodyPr/>
+                    <a:lstStyle/>
+                    <a:p>
+                      <a:endParaRPr lang="en-US" dirty="0"/>
+                    </a:p>
+                  </a:txBody>
+                  <a:tcPr/>
+                </a:tc>
+                <a:tc>
+                  <a:txBody>
+                    <a:bodyPr/>
+                    <a:lstStyle/>
+                    <a:p>
+                      <a:r>
+                        <a:rPr lang="en-US" dirty="0"/>
+                        <a:t>50</a:t>
+                      </a:r>
+                    </a:p>
+                  </a:txBody>
+                  <a:tcPr/>
+                </a:tc>
+                <a:extLst>
+                  <a:ext uri="{0D108BD9-81ED-4DB2-BD59-A6C34878D82A}">
+                    <a16:rowId xmlns:a16="http://schemas.microsoft.com/office/drawing/2014/main" val="545299992"/>
+                  </a:ext>
+                </a:extLst>
+              </a:tr>
+              <a:tr h="370840">
+                <a:tc>
+                  <a:txBody>
+                    <a:bodyPr/>
+                    <a:lstStyle/>
+                    <a:p>
+                      <a:r>
+                        <a:rPr lang="en-US" dirty="0"/>
+                        <a:t>51</a:t>
+                      </a:r>
+                    </a:p>
+                  </a:txBody>
+                  <a:tcPr/>
+                </a:tc>
+                <a:tc>
+                  <a:txBody>
+                    <a:bodyPr/>
+                    <a:lstStyle/>
+                    <a:p>
+                      <a:endParaRPr lang="en-US" dirty="0"/>
+                    </a:p>
+                  </a:txBody>
+                  <a:tcPr/>
+                </a:tc>
+                <a:tc>
+                  <a:txBody>
+                    <a:bodyPr/>
+                    <a:lstStyle/>
+                    <a:p>
+                      <a:endParaRPr lang="en-US" dirty="0"/>
+                    </a:p>
+                  </a:txBody>
+                  <a:tcPr/>
+                </a:tc>
+                <a:tc>
+                  <a:txBody>
+                    <a:bodyPr/>
+                    <a:lstStyle/>
+                    <a:p>
+                      <a:endParaRPr lang="en-US" dirty="0"/>
+                    </a:p>
+                  </a:txBody>
+                  <a:tcPr/>
+                </a:tc>
+                <a:tc>
+                  <a:txBody>
+                    <a:bodyPr/>
+                    <a:lstStyle/>
+                    <a:p>
+                      <a:endParaRPr lang="en-US" dirty="0"/>
+                    </a:p>
+                  </a:txBody>
+                  <a:tcPr/>
+                </a:tc>
+                <a:tc>
+                  <a:txBody>
+                    <a:bodyPr/>
+                    <a:lstStyle/>
+                    <a:p>
+                      <a:endParaRPr lang="en-US" dirty="0"/>
+                    </a:p>
+                  </a:txBody>
+                  <a:tcPr/>
+                </a:tc>
+                <a:tc>
+                  <a:txBody>
+                    <a:bodyPr/>
+                    <a:lstStyle/>
+                    <a:p>
+                      <a:endParaRPr lang="en-US" dirty="0"/>
+                    </a:p>
+                  </a:txBody>
+                  <a:tcPr/>
+                </a:tc>
+                <a:tc>
+                  <a:txBody>
+                    <a:bodyPr/>
+                    <a:lstStyle/>
+                    <a:p>
+                      <a:endParaRPr lang="en-US" dirty="0"/>
+                    </a:p>
+                  </a:txBody>
+                  <a:tcPr/>
+                </a:tc>
+                <a:tc>
+                  <a:txBody>
+                    <a:bodyPr/>
+                    <a:lstStyle/>
+                    <a:p>
+                      <a:endParaRPr lang="en-US" dirty="0"/>
+                    </a:p>
+                  </a:txBody>
+                  <a:tcPr/>
+                </a:tc>
+                <a:tc>
+                  <a:txBody>
+                    <a:bodyPr/>
+                    <a:lstStyle/>
+                    <a:p>
+                      <a:r>
+                        <a:rPr lang="en-US" dirty="0"/>
+                        <a:t>60</a:t>
+                      </a:r>
+                    </a:p>
+                  </a:txBody>
+                  <a:tcPr/>
+                </a:tc>
+                <a:extLst>
+                  <a:ext uri="{0D108BD9-81ED-4DB2-BD59-A6C34878D82A}">
+                    <a16:rowId xmlns:a16="http://schemas.microsoft.com/office/drawing/2014/main" val="2429469041"/>
+                  </a:ext>
+                </a:extLst>
+              </a:tr>
+              <a:tr h="370840">
+                <a:tc>
+                  <a:txBody>
+                    <a:bodyPr/>
+                    <a:lstStyle/>
+                    <a:p>
+                      <a:r>
+                        <a:rPr lang="en-US" dirty="0"/>
+                        <a:t>61</a:t>
+                      </a:r>
+                    </a:p>
+                  </a:txBody>
+                  <a:tcPr/>
+                </a:tc>
+                <a:tc>
+                  <a:txBody>
+                    <a:bodyPr/>
+                    <a:lstStyle/>
+                    <a:p>
+                      <a:endParaRPr lang="en-US" dirty="0"/>
+                    </a:p>
+                  </a:txBody>
+                  <a:tcPr/>
+                </a:tc>
+                <a:tc>
+                  <a:txBody>
+                    <a:bodyPr/>
+                    <a:lstStyle/>
+                    <a:p>
+                      <a:endParaRPr lang="en-US" dirty="0"/>
+                    </a:p>
+                  </a:txBody>
+                  <a:tcPr/>
+                </a:tc>
+                <a:tc>
+                  <a:txBody>
+                    <a:bodyPr/>
+                    <a:lstStyle/>
+                    <a:p>
+                      <a:endParaRPr lang="en-US" dirty="0"/>
+                    </a:p>
+                  </a:txBody>
+                  <a:tcPr/>
+                </a:tc>
+                <a:tc>
+                  <a:txBody>
+                    <a:bodyPr/>
+                    <a:lstStyle/>
+                    <a:p>
+                      <a:endParaRPr lang="en-US" dirty="0"/>
+                    </a:p>
+                  </a:txBody>
+                  <a:tcPr/>
+                </a:tc>
+                <a:tc>
+                  <a:txBody>
+                    <a:bodyPr/>
+                    <a:lstStyle/>
+                    <a:p>
+                      <a:endParaRPr lang="en-US" dirty="0"/>
+                    </a:p>
+                  </a:txBody>
+                  <a:tcPr/>
+                </a:tc>
+                <a:tc>
+                  <a:txBody>
+                    <a:bodyPr/>
+                    <a:lstStyle/>
+                    <a:p>
+                      <a:endParaRPr lang="en-US" dirty="0"/>
+                    </a:p>
+                  </a:txBody>
+                  <a:tcPr/>
+                </a:tc>
+                <a:tc>
+                  <a:txBody>
+                    <a:bodyPr/>
+                    <a:lstStyle/>
+                    <a:p>
+                      <a:endParaRPr lang="en-US" dirty="0"/>
+                    </a:p>
+                  </a:txBody>
+                  <a:tcPr/>
+                </a:tc>
+                <a:tc>
+                  <a:txBody>
+                    <a:bodyPr/>
+                    <a:lstStyle/>
+                    <a:p>
+                      <a:endParaRPr lang="en-US" dirty="0"/>
+                    </a:p>
+                  </a:txBody>
+                  <a:tcPr/>
+                </a:tc>
+                <a:tc>
+                  <a:txBody>
+                    <a:bodyPr/>
+                    <a:lstStyle/>
+                    <a:p>
+                      <a:r>
+                        <a:rPr lang="en-US" dirty="0"/>
+                        <a:t>70</a:t>
+                      </a:r>
+                    </a:p>
+                  </a:txBody>
+                  <a:tcPr/>
+                </a:tc>
+                <a:extLst>
+                  <a:ext uri="{0D108BD9-81ED-4DB2-BD59-A6C34878D82A}">
+                    <a16:rowId xmlns:a16="http://schemas.microsoft.com/office/drawing/2014/main" val="2692180017"/>
+                  </a:ext>
+                </a:extLst>
+              </a:tr>
+              <a:tr h="370840">
+                <a:tc>
+                  <a:txBody>
+                    <a:bodyPr/>
+                    <a:lstStyle/>
+                    <a:p>
+                      <a:r>
+                        <a:rPr lang="en-US" dirty="0"/>
+                        <a:t>71</a:t>
+                      </a:r>
+                    </a:p>
+                  </a:txBody>
+                  <a:tcPr/>
+                </a:tc>
+                <a:tc>
+                  <a:txBody>
+                    <a:bodyPr/>
+                    <a:lstStyle/>
+                    <a:p>
+                      <a:endParaRPr lang="en-US" dirty="0"/>
+                    </a:p>
+                  </a:txBody>
+                  <a:tcPr/>
+                </a:tc>
+                <a:tc>
+                  <a:txBody>
+                    <a:bodyPr/>
+                    <a:lstStyle/>
+                    <a:p>
+                      <a:endParaRPr lang="en-US" dirty="0"/>
+                    </a:p>
+                  </a:txBody>
+                  <a:tcPr/>
+                </a:tc>
+                <a:tc>
+                  <a:txBody>
+                    <a:bodyPr/>
+                    <a:lstStyle/>
+                    <a:p>
+                      <a:endParaRPr lang="en-US" dirty="0"/>
+                    </a:p>
+                  </a:txBody>
+                  <a:tcPr/>
+                </a:tc>
+                <a:tc>
+                  <a:txBody>
+                    <a:bodyPr/>
+                    <a:lstStyle/>
+                    <a:p>
+                      <a:endParaRPr lang="en-US" dirty="0"/>
+                    </a:p>
+                  </a:txBody>
+                  <a:tcPr/>
+                </a:tc>
+                <a:tc>
+                  <a:txBody>
+                    <a:bodyPr/>
+                    <a:lstStyle/>
+                    <a:p>
+                      <a:endParaRPr lang="en-US" dirty="0"/>
+                    </a:p>
+                  </a:txBody>
+                  <a:tcPr/>
+                </a:tc>
+                <a:tc>
+                  <a:txBody>
+                    <a:bodyPr/>
+                    <a:lstStyle/>
+                    <a:p>
+                      <a:endParaRPr lang="en-US" dirty="0"/>
+                    </a:p>
+                  </a:txBody>
+                  <a:tcPr/>
+                </a:tc>
+                <a:tc>
+                  <a:txBody>
+                    <a:bodyPr/>
+                    <a:lstStyle/>
+                    <a:p>
+                      <a:endParaRPr lang="en-US" dirty="0"/>
+                    </a:p>
+                  </a:txBody>
+                  <a:tcPr/>
+                </a:tc>
+                <a:tc>
+                  <a:txBody>
+                    <a:bodyPr/>
+                    <a:lstStyle/>
+                    <a:p>
+                      <a:endParaRPr lang="en-US" dirty="0"/>
+                    </a:p>
+                  </a:txBody>
+                  <a:tcPr/>
+                </a:tc>
+                <a:tc>
+                  <a:txBody>
+                    <a:bodyPr/>
+                    <a:lstStyle/>
+                    <a:p>
+                      <a:r>
+                        <a:rPr lang="en-US" dirty="0"/>
+                        <a:t>80</a:t>
+                      </a:r>
+                    </a:p>
+                  </a:txBody>
+                  <a:tcPr/>
+                </a:tc>
+                <a:extLst>
+                  <a:ext uri="{0D108BD9-81ED-4DB2-BD59-A6C34878D82A}">
+                    <a16:rowId xmlns:a16="http://schemas.microsoft.com/office/drawing/2014/main" val="1565750453"/>
+                  </a:ext>
+                </a:extLst>
+              </a:tr>
+              <a:tr h="370840">
+                <a:tc>
+                  <a:txBody>
+                    <a:bodyPr/>
+                    <a:lstStyle/>
+                    <a:p>
+                      <a:r>
+                        <a:rPr lang="en-US" dirty="0"/>
+                        <a:t>81</a:t>
+                      </a:r>
+                    </a:p>
+                  </a:txBody>
+                  <a:tcPr/>
+                </a:tc>
+                <a:tc>
+                  <a:txBody>
+                    <a:bodyPr/>
+                    <a:lstStyle/>
+                    <a:p>
+                      <a:endParaRPr lang="en-US" dirty="0"/>
+                    </a:p>
+                  </a:txBody>
+                  <a:tcPr/>
+                </a:tc>
+                <a:tc>
+                  <a:txBody>
+                    <a:bodyPr/>
+                    <a:lstStyle/>
+                    <a:p>
+                      <a:endParaRPr lang="en-US" dirty="0"/>
+                    </a:p>
+                  </a:txBody>
+                  <a:tcPr/>
+                </a:tc>
+                <a:tc>
+                  <a:txBody>
+                    <a:bodyPr/>
+                    <a:lstStyle/>
+                    <a:p>
+                      <a:endParaRPr lang="en-US" dirty="0"/>
+                    </a:p>
+                  </a:txBody>
+                  <a:tcPr/>
+                </a:tc>
+                <a:tc>
+                  <a:txBody>
+                    <a:bodyPr/>
+                    <a:lstStyle/>
+                    <a:p>
+                      <a:endParaRPr lang="en-US" dirty="0"/>
+                    </a:p>
+                  </a:txBody>
+                  <a:tcPr/>
+                </a:tc>
+                <a:tc>
+                  <a:txBody>
+                    <a:bodyPr/>
+                    <a:lstStyle/>
+                    <a:p>
+                      <a:endParaRPr lang="en-US" dirty="0"/>
+                    </a:p>
+                  </a:txBody>
+                  <a:tcPr/>
+                </a:tc>
+                <a:tc>
+                  <a:txBody>
+                    <a:bodyPr/>
+                    <a:lstStyle/>
+                    <a:p>
+                      <a:endParaRPr lang="en-US" dirty="0"/>
+                    </a:p>
+                  </a:txBody>
+                  <a:tcPr/>
+                </a:tc>
+                <a:tc>
+                  <a:txBody>
+                    <a:bodyPr/>
+                    <a:lstStyle/>
+                    <a:p>
+                      <a:endParaRPr lang="en-US" dirty="0"/>
+                    </a:p>
+                  </a:txBody>
+                  <a:tcPr/>
+                </a:tc>
+                <a:tc>
+                  <a:txBody>
+                    <a:bodyPr/>
+                    <a:lstStyle/>
+                    <a:p>
+                      <a:endParaRPr lang="en-US" dirty="0"/>
+                    </a:p>
+                  </a:txBody>
+                  <a:tcPr/>
+                </a:tc>
+                <a:tc>
+                  <a:txBody>
+                    <a:bodyPr/>
+                    <a:lstStyle/>
+                    <a:p>
+                      <a:r>
+                        <a:rPr lang="en-US" dirty="0"/>
+                        <a:t>90</a:t>
+                      </a:r>
+                    </a:p>
+                  </a:txBody>
+                  <a:tcPr/>
+                </a:tc>
+                <a:extLst>
+                  <a:ext uri="{0D108BD9-81ED-4DB2-BD59-A6C34878D82A}">
+                    <a16:rowId xmlns:a16="http://schemas.microsoft.com/office/drawing/2014/main" val="913930466"/>
+                  </a:ext>
+                </a:extLst>
+              </a:tr>
+              <a:tr h="370840">
+                <a:tc>
+                  <a:txBody>
+                    <a:bodyPr/>
+                    <a:lstStyle/>
+                    <a:p>
+                      <a:r>
+                        <a:rPr lang="en-US" dirty="0"/>
+                        <a:t>91</a:t>
+                      </a:r>
+                    </a:p>
+                  </a:txBody>
+                  <a:tcPr/>
+                </a:tc>
+                <a:tc>
+                  <a:txBody>
+                    <a:bodyPr/>
+                    <a:lstStyle/>
+                    <a:p>
+                      <a:endParaRPr lang="en-US" dirty="0"/>
+                    </a:p>
+                  </a:txBody>
+                  <a:tcPr/>
+                </a:tc>
+                <a:tc>
+                  <a:txBody>
+                    <a:bodyPr/>
+                    <a:lstStyle/>
+                    <a:p>
+                      <a:endParaRPr lang="en-US" dirty="0"/>
+                    </a:p>
+                  </a:txBody>
+                  <a:tcPr/>
+                </a:tc>
+                <a:tc>
+                  <a:txBody>
+                    <a:bodyPr/>
+                    <a:lstStyle/>
+                    <a:p>
+                      <a:endParaRPr lang="en-US" dirty="0"/>
+                    </a:p>
+                  </a:txBody>
+                  <a:tcPr/>
+                </a:tc>
+                <a:tc>
+                  <a:txBody>
+                    <a:bodyPr/>
+                    <a:lstStyle/>
+                    <a:p>
+                      <a:endParaRPr lang="en-US" dirty="0"/>
+                    </a:p>
+                  </a:txBody>
+                  <a:tcPr/>
+                </a:tc>
+                <a:tc>
+                  <a:txBody>
+                    <a:bodyPr/>
+                    <a:lstStyle/>
+                    <a:p>
+                      <a:endParaRPr lang="en-US" dirty="0"/>
+                    </a:p>
+                  </a:txBody>
+                  <a:tcPr/>
+                </a:tc>
+                <a:tc>
+                  <a:txBody>
+                    <a:bodyPr/>
+                    <a:lstStyle/>
+                    <a:p>
+                      <a:endParaRPr lang="en-US" dirty="0"/>
+                    </a:p>
+                  </a:txBody>
+                  <a:tcPr/>
+                </a:tc>
+                <a:tc>
+                  <a:txBody>
+                    <a:bodyPr/>
+                    <a:lstStyle/>
+                    <a:p>
+                      <a:endParaRPr lang="en-US" dirty="0"/>
+                    </a:p>
+                  </a:txBody>
+                  <a:tcPr/>
+                </a:tc>
+                <a:tc>
+                  <a:txBody>
+                    <a:bodyPr/>
+                    <a:lstStyle/>
+                    <a:p>
+                      <a:endParaRPr lang="en-US" dirty="0"/>
+                    </a:p>
+                  </a:txBody>
+                  <a:tcPr/>
+                </a:tc>
+                <a:tc>
+                  <a:txBody>
+                    <a:bodyPr/>
+                    <a:lstStyle/>
+                    <a:p>
+                      <a:r>
+                        <a:rPr lang="en-US" dirty="0"/>
+                        <a:t>100</a:t>
+                      </a:r>
+                    </a:p>
+                  </a:txBody>
+                  <a:tcPr/>
+                </a:tc>
+                <a:extLst>
+                  <a:ext uri="{0D108BD9-81ED-4DB2-BD59-A6C34878D82A}">
+                    <a16:rowId xmlns:a16="http://schemas.microsoft.com/office/drawing/2014/main" val="1546476449"/>
+                  </a:ext>
+                </a:extLst>
+              </a:tr>
+            </a:tbl>
+          </a:graphicData>
+        </a:graphic>
+      </p:graphicFrame>
+    </p:spTree>
+    <p:extLst>
+      <p:ext uri="{BB962C8B-B14F-4D97-AF65-F5344CB8AC3E}">
+        <p14:creationId xmlns:p14="http://schemas.microsoft.com/office/powerpoint/2010/main" val="3962394281"/>
+      </p:ext>
+    </p:extLst>
+  </p:cSld>
+  <p:clrMapOvr>
+    <a:masterClrMapping/>
+  </p:clrMapOvr>
+</p:sld>
+</file>
+
+<file path=ppt/slides/slide58.xml><?xml version="1.0" encoding="utf-8"?>
+<p:sld xmlns:a="http://schemas.openxmlformats.org/drawingml/2006/main" xmlns:r="http://schemas.openxmlformats.org/officeDocument/2006/relationships" xmlns:p="http://schemas.openxmlformats.org/presentationml/2006/main">
+  <p:cSld>
+    <p:spTree>
+      <p:nvGrpSpPr>
+        <p:cNvPr id="1" name=""/>
+        <p:cNvGrpSpPr/>
+        <p:nvPr/>
+      </p:nvGrpSpPr>
+      <p:grpSpPr>
+        <a:xfrm>
+          <a:off x="0" y="0"/>
+          <a:ext cx="0" cy="0"/>
+          <a:chOff x="0" y="0"/>
+          <a:chExt cx="0" cy="0"/>
+        </a:xfrm>
+      </p:grpSpPr>
+      <p:sp>
+        <p:nvSpPr>
+          <p:cNvPr id="2" name="Title 1">
+            <a:extLst>
+              <a:ext uri="{FF2B5EF4-FFF2-40B4-BE49-F238E27FC236}">
+                <a16:creationId xmlns:a16="http://schemas.microsoft.com/office/drawing/2014/main" id="{6AB86D77-E894-F933-215B-5F8E91AF4372}"/>
+              </a:ext>
+            </a:extLst>
+          </p:cNvPr>
+          <p:cNvSpPr>
+            <a:spLocks noGrp="1"/>
+          </p:cNvSpPr>
+          <p:nvPr>
+            <p:ph type="title"/>
+          </p:nvPr>
+        </p:nvSpPr>
+        <p:spPr/>
+        <p:txBody>
+          <a:bodyPr/>
+          <a:lstStyle/>
+          <a:p>
+            <a:r>
+              <a:rPr lang="en-US" dirty="0"/>
+              <a:t>Nested Loop Examples</a:t>
+            </a:r>
+          </a:p>
+        </p:txBody>
+      </p:sp>
+      <p:sp>
+        <p:nvSpPr>
+          <p:cNvPr id="3" name="Content Placeholder 2">
+            <a:extLst>
+              <a:ext uri="{FF2B5EF4-FFF2-40B4-BE49-F238E27FC236}">
+                <a16:creationId xmlns:a16="http://schemas.microsoft.com/office/drawing/2014/main" id="{9D2B96D7-2335-09F0-10AD-09720B2E1C02}"/>
+              </a:ext>
+            </a:extLst>
+          </p:cNvPr>
+          <p:cNvSpPr>
+            <a:spLocks noGrp="1"/>
+          </p:cNvSpPr>
+          <p:nvPr>
+            <p:ph idx="1"/>
+          </p:nvPr>
+        </p:nvSpPr>
+        <p:spPr>
+          <a:xfrm>
+            <a:off x="1984612" y="2050670"/>
+            <a:ext cx="1550158" cy="3101217"/>
+          </a:xfrm>
+        </p:spPr>
+        <p:txBody>
+          <a:bodyPr/>
+          <a:lstStyle/>
+          <a:p>
+            <a:pPr marL="0" indent="0">
+              <a:buNone/>
+            </a:pPr>
+            <a:r>
+              <a:rPr lang="en-US" dirty="0">
+                <a:solidFill>
+                  <a:srgbClr val="FF0000"/>
+                </a:solidFill>
+              </a:rPr>
+              <a:t>1</a:t>
+            </a:r>
+          </a:p>
+          <a:p>
+            <a:pPr marL="0" indent="0">
+              <a:buNone/>
+            </a:pPr>
+            <a:r>
+              <a:rPr lang="en-US" dirty="0"/>
+              <a:t>1 </a:t>
+            </a:r>
+            <a:r>
+              <a:rPr lang="en-US" dirty="0">
+                <a:solidFill>
+                  <a:srgbClr val="FF0000"/>
+                </a:solidFill>
+              </a:rPr>
+              <a:t>2</a:t>
+            </a:r>
+          </a:p>
+          <a:p>
+            <a:pPr marL="0" indent="0">
+              <a:buNone/>
+            </a:pPr>
+            <a:r>
+              <a:rPr lang="en-US" dirty="0"/>
+              <a:t>1 2 </a:t>
+            </a:r>
+            <a:r>
+              <a:rPr lang="en-US" dirty="0">
+                <a:solidFill>
+                  <a:srgbClr val="FF0000"/>
+                </a:solidFill>
+              </a:rPr>
+              <a:t>3</a:t>
+            </a:r>
+          </a:p>
+          <a:p>
+            <a:pPr marL="0" indent="0">
+              <a:buNone/>
+            </a:pPr>
+            <a:r>
+              <a:rPr lang="en-US" dirty="0"/>
+              <a:t>1 2 3 </a:t>
+            </a:r>
+            <a:r>
+              <a:rPr lang="en-US" dirty="0">
+                <a:solidFill>
+                  <a:srgbClr val="FF0000"/>
+                </a:solidFill>
+              </a:rPr>
+              <a:t>4</a:t>
+            </a:r>
+          </a:p>
+          <a:p>
+            <a:pPr marL="0" indent="0">
+              <a:buNone/>
+            </a:pPr>
+            <a:r>
+              <a:rPr lang="en-US" dirty="0"/>
+              <a:t>1 2 3 4 </a:t>
+            </a:r>
+            <a:r>
+              <a:rPr lang="en-US" dirty="0">
+                <a:solidFill>
+                  <a:srgbClr val="FF0000"/>
+                </a:solidFill>
+              </a:rPr>
+              <a:t>5</a:t>
+            </a:r>
+          </a:p>
+        </p:txBody>
+      </p:sp>
+      <p:cxnSp>
+        <p:nvCxnSpPr>
+          <p:cNvPr id="5" name="Straight Connector 4">
+            <a:extLst>
+              <a:ext uri="{FF2B5EF4-FFF2-40B4-BE49-F238E27FC236}">
+                <a16:creationId xmlns:a16="http://schemas.microsoft.com/office/drawing/2014/main" id="{C5C1A898-1454-63CB-9389-0FA935A11E9B}"/>
+              </a:ext>
+            </a:extLst>
+          </p:cNvPr>
+          <p:cNvCxnSpPr/>
+          <p:nvPr/>
+        </p:nvCxnSpPr>
+        <p:spPr>
+          <a:xfrm>
+            <a:off x="1364776" y="2050670"/>
+            <a:ext cx="3029803" cy="0"/>
+          </a:xfrm>
+          <a:prstGeom prst="line">
+            <a:avLst/>
+          </a:prstGeom>
+        </p:spPr>
+        <p:style>
+          <a:lnRef idx="1">
+            <a:schemeClr val="accent1"/>
+          </a:lnRef>
+          <a:fillRef idx="0">
+            <a:schemeClr val="accent1"/>
+          </a:fillRef>
+          <a:effectRef idx="0">
+            <a:schemeClr val="accent1"/>
+          </a:effectRef>
+          <a:fontRef idx="minor">
+            <a:schemeClr val="tx1"/>
+          </a:fontRef>
+        </p:style>
+      </p:cxnSp>
+      <p:cxnSp>
+        <p:nvCxnSpPr>
+          <p:cNvPr id="7" name="Straight Connector 6">
+            <a:extLst>
+              <a:ext uri="{FF2B5EF4-FFF2-40B4-BE49-F238E27FC236}">
+                <a16:creationId xmlns:a16="http://schemas.microsoft.com/office/drawing/2014/main" id="{0A9BA012-7EFB-71D8-CED0-914C506C83AC}"/>
+              </a:ext>
+            </a:extLst>
+          </p:cNvPr>
+          <p:cNvCxnSpPr/>
+          <p:nvPr/>
+        </p:nvCxnSpPr>
+        <p:spPr>
+          <a:xfrm>
+            <a:off x="1984612" y="1446663"/>
+            <a:ext cx="0" cy="3705224"/>
+          </a:xfrm>
+          <a:prstGeom prst="line">
+            <a:avLst/>
+          </a:prstGeom>
+        </p:spPr>
+        <p:style>
+          <a:lnRef idx="1">
+            <a:schemeClr val="accent1"/>
+          </a:lnRef>
+          <a:fillRef idx="0">
+            <a:schemeClr val="accent1"/>
+          </a:fillRef>
+          <a:effectRef idx="0">
+            <a:schemeClr val="accent1"/>
+          </a:effectRef>
+          <a:fontRef idx="minor">
+            <a:schemeClr val="tx1"/>
+          </a:fontRef>
+        </p:style>
+      </p:cxnSp>
+      <p:sp>
+        <p:nvSpPr>
+          <p:cNvPr id="8" name="TextBox 7">
+            <a:extLst>
+              <a:ext uri="{FF2B5EF4-FFF2-40B4-BE49-F238E27FC236}">
+                <a16:creationId xmlns:a16="http://schemas.microsoft.com/office/drawing/2014/main" id="{AA83A096-72FC-9D20-FF36-76F552E37696}"/>
+              </a:ext>
+            </a:extLst>
+          </p:cNvPr>
+          <p:cNvSpPr txBox="1"/>
+          <p:nvPr/>
+        </p:nvSpPr>
+        <p:spPr>
+          <a:xfrm>
+            <a:off x="1569493" y="1690688"/>
+            <a:ext cx="317716" cy="369332"/>
+          </a:xfrm>
+          <a:prstGeom prst="rect">
+            <a:avLst/>
+          </a:prstGeom>
+          <a:noFill/>
+        </p:spPr>
+        <p:txBody>
+          <a:bodyPr wrap="none" rtlCol="0">
+            <a:spAutoFit/>
+          </a:bodyPr>
+          <a:lstStyle/>
+          <a:p>
+            <a:r>
+              <a:rPr lang="en-US" dirty="0">
+                <a:solidFill>
+                  <a:srgbClr val="00B050"/>
+                </a:solidFill>
+              </a:rPr>
+              <a:t>A</a:t>
+            </a:r>
+          </a:p>
+        </p:txBody>
+      </p:sp>
+      <p:sp>
+        <p:nvSpPr>
+          <p:cNvPr id="9" name="TextBox 8">
+            <a:extLst>
+              <a:ext uri="{FF2B5EF4-FFF2-40B4-BE49-F238E27FC236}">
+                <a16:creationId xmlns:a16="http://schemas.microsoft.com/office/drawing/2014/main" id="{7C1BEA59-DC42-122A-E05F-5B6820B27E10}"/>
+              </a:ext>
+            </a:extLst>
+          </p:cNvPr>
+          <p:cNvSpPr txBox="1"/>
+          <p:nvPr/>
+        </p:nvSpPr>
+        <p:spPr>
+          <a:xfrm>
+            <a:off x="2552131" y="1690688"/>
+            <a:ext cx="45719" cy="369332"/>
+          </a:xfrm>
+          <a:prstGeom prst="rect">
+            <a:avLst/>
+          </a:prstGeom>
+          <a:noFill/>
+        </p:spPr>
+        <p:txBody>
+          <a:bodyPr wrap="square" rtlCol="0">
+            <a:spAutoFit/>
+          </a:bodyPr>
+          <a:lstStyle/>
+          <a:p>
+            <a:r>
+              <a:rPr lang="en-US" dirty="0">
+                <a:solidFill>
+                  <a:srgbClr val="FF0000"/>
+                </a:solidFill>
+              </a:rPr>
+              <a:t>B</a:t>
+            </a:r>
+          </a:p>
+        </p:txBody>
+      </p:sp>
+      <p:sp>
+        <p:nvSpPr>
+          <p:cNvPr id="10" name="TextBox 9">
+            <a:extLst>
+              <a:ext uri="{FF2B5EF4-FFF2-40B4-BE49-F238E27FC236}">
+                <a16:creationId xmlns:a16="http://schemas.microsoft.com/office/drawing/2014/main" id="{825C95AB-D6F6-C091-3A1A-5FDF56E9FFD3}"/>
+              </a:ext>
+            </a:extLst>
+          </p:cNvPr>
+          <p:cNvSpPr txBox="1"/>
+          <p:nvPr/>
+        </p:nvSpPr>
+        <p:spPr>
+          <a:xfrm>
+            <a:off x="1417094" y="2033562"/>
+            <a:ext cx="619833" cy="2554545"/>
+          </a:xfrm>
+          <a:prstGeom prst="rect">
+            <a:avLst/>
+          </a:prstGeom>
+          <a:noFill/>
+        </p:spPr>
+        <p:txBody>
+          <a:bodyPr wrap="square" rtlCol="0">
+            <a:spAutoFit/>
+          </a:bodyPr>
+          <a:lstStyle/>
+          <a:p>
+            <a:r>
+              <a:rPr lang="en-US" sz="3200" dirty="0">
+                <a:solidFill>
+                  <a:srgbClr val="00B050"/>
+                </a:solidFill>
+              </a:rPr>
+              <a:t>1</a:t>
+            </a:r>
+          </a:p>
+          <a:p>
+            <a:r>
+              <a:rPr lang="en-US" sz="3200" dirty="0">
+                <a:solidFill>
+                  <a:srgbClr val="00B050"/>
+                </a:solidFill>
+              </a:rPr>
+              <a:t>2</a:t>
+            </a:r>
+          </a:p>
+          <a:p>
+            <a:r>
+              <a:rPr lang="en-US" sz="3200" dirty="0">
+                <a:solidFill>
+                  <a:srgbClr val="00B050"/>
+                </a:solidFill>
+              </a:rPr>
+              <a:t>3</a:t>
+            </a:r>
+          </a:p>
+          <a:p>
+            <a:r>
+              <a:rPr lang="en-US" sz="3200" dirty="0">
+                <a:solidFill>
+                  <a:srgbClr val="00B050"/>
+                </a:solidFill>
+              </a:rPr>
+              <a:t>4</a:t>
+            </a:r>
+          </a:p>
+          <a:p>
+            <a:r>
+              <a:rPr lang="en-US" sz="3200" dirty="0">
+                <a:solidFill>
+                  <a:srgbClr val="00B050"/>
+                </a:solidFill>
+              </a:rPr>
+              <a:t>5</a:t>
+            </a:r>
+          </a:p>
+        </p:txBody>
+      </p:sp>
+      <p:sp>
+        <p:nvSpPr>
+          <p:cNvPr id="11" name="TextBox 10">
+            <a:extLst>
+              <a:ext uri="{FF2B5EF4-FFF2-40B4-BE49-F238E27FC236}">
+                <a16:creationId xmlns:a16="http://schemas.microsoft.com/office/drawing/2014/main" id="{7454412E-2264-0C21-DCFD-28BB72179B81}"/>
+              </a:ext>
+            </a:extLst>
+          </p:cNvPr>
+          <p:cNvSpPr txBox="1"/>
+          <p:nvPr/>
+        </p:nvSpPr>
+        <p:spPr>
+          <a:xfrm>
+            <a:off x="6728346" y="1875354"/>
+            <a:ext cx="5101589" cy="3046988"/>
+          </a:xfrm>
+          <a:prstGeom prst="rect">
+            <a:avLst/>
+          </a:prstGeom>
+          <a:noFill/>
+        </p:spPr>
+        <p:txBody>
+          <a:bodyPr wrap="none" rtlCol="0">
+            <a:spAutoFit/>
+          </a:bodyPr>
+          <a:lstStyle/>
+          <a:p>
+            <a:r>
+              <a:rPr lang="en-US" sz="4000" dirty="0"/>
+              <a:t>For(var a= 1; a&lt;=5; a++{</a:t>
+            </a:r>
+          </a:p>
+          <a:p>
+            <a:r>
+              <a:rPr lang="en-US" sz="4000" dirty="0"/>
+              <a:t>For(var b=1;b&lt;=</a:t>
+            </a:r>
+            <a:r>
+              <a:rPr lang="en-US" sz="4000" dirty="0" err="1"/>
+              <a:t>a;b</a:t>
+            </a:r>
+            <a:r>
+              <a:rPr lang="en-US" sz="4000" dirty="0"/>
+              <a:t>++){</a:t>
+            </a:r>
+          </a:p>
+          <a:p>
+            <a:r>
+              <a:rPr lang="en-US" sz="3200" dirty="0" err="1"/>
+              <a:t>Document.write</a:t>
+            </a:r>
+            <a:r>
+              <a:rPr lang="en-US" sz="3200" dirty="0"/>
+              <a:t>(b);</a:t>
+            </a:r>
+          </a:p>
+          <a:p>
+            <a:r>
+              <a:rPr lang="en-US" sz="4000" dirty="0"/>
+              <a:t>}</a:t>
+            </a:r>
+          </a:p>
+          <a:p>
+            <a:r>
+              <a:rPr lang="en-US" sz="4000" dirty="0"/>
+              <a:t>}</a:t>
+            </a:r>
+          </a:p>
+        </p:txBody>
+      </p:sp>
+    </p:spTree>
+    <p:extLst>
+      <p:ext uri="{BB962C8B-B14F-4D97-AF65-F5344CB8AC3E}">
+        <p14:creationId xmlns:p14="http://schemas.microsoft.com/office/powerpoint/2010/main" val="3104306370"/>
+      </p:ext>
+    </p:extLst>
+  </p:cSld>
+  <p:clrMapOvr>
+    <a:masterClrMapping/>
+  </p:clrMapOvr>
+</p:sld>
+</file>
+
+<file path=ppt/slides/slide59.xml><?xml version="1.0" encoding="utf-8"?>
+<p:sld xmlns:a="http://schemas.openxmlformats.org/drawingml/2006/main" xmlns:r="http://schemas.openxmlformats.org/officeDocument/2006/relationships" xmlns:p="http://schemas.openxmlformats.org/presentationml/2006/main">
+  <p:cSld>
+    <p:spTree>
+      <p:nvGrpSpPr>
+        <p:cNvPr id="1" name=""/>
+        <p:cNvGrpSpPr/>
+        <p:nvPr/>
+      </p:nvGrpSpPr>
+      <p:grpSpPr>
+        <a:xfrm>
+          <a:off x="0" y="0"/>
+          <a:ext cx="0" cy="0"/>
+          <a:chOff x="0" y="0"/>
+          <a:chExt cx="0" cy="0"/>
+        </a:xfrm>
+      </p:grpSpPr>
+      <p:sp>
+        <p:nvSpPr>
+          <p:cNvPr id="2" name="Title 1">
+            <a:extLst>
+              <a:ext uri="{FF2B5EF4-FFF2-40B4-BE49-F238E27FC236}">
+                <a16:creationId xmlns:a16="http://schemas.microsoft.com/office/drawing/2014/main" id="{6AB86D77-E894-F933-215B-5F8E91AF4372}"/>
+              </a:ext>
+            </a:extLst>
+          </p:cNvPr>
+          <p:cNvSpPr>
+            <a:spLocks noGrp="1"/>
+          </p:cNvSpPr>
+          <p:nvPr>
+            <p:ph type="title"/>
+          </p:nvPr>
+        </p:nvSpPr>
+        <p:spPr/>
+        <p:txBody>
+          <a:bodyPr/>
+          <a:lstStyle/>
+          <a:p>
+            <a:r>
+              <a:rPr lang="en-US" dirty="0"/>
+              <a:t>Nested Loop Examples</a:t>
+            </a:r>
+          </a:p>
+        </p:txBody>
+      </p:sp>
+      <p:sp>
+        <p:nvSpPr>
+          <p:cNvPr id="3" name="Content Placeholder 2">
+            <a:extLst>
+              <a:ext uri="{FF2B5EF4-FFF2-40B4-BE49-F238E27FC236}">
+                <a16:creationId xmlns:a16="http://schemas.microsoft.com/office/drawing/2014/main" id="{9D2B96D7-2335-09F0-10AD-09720B2E1C02}"/>
+              </a:ext>
+            </a:extLst>
+          </p:cNvPr>
+          <p:cNvSpPr>
+            <a:spLocks noGrp="1"/>
+          </p:cNvSpPr>
+          <p:nvPr>
+            <p:ph idx="1"/>
+          </p:nvPr>
+        </p:nvSpPr>
+        <p:spPr>
+          <a:xfrm>
+            <a:off x="1984612" y="2050670"/>
+            <a:ext cx="1550158" cy="3101217"/>
+          </a:xfrm>
+        </p:spPr>
+        <p:txBody>
+          <a:bodyPr/>
+          <a:lstStyle/>
+          <a:p>
+            <a:pPr marL="0" indent="0">
+              <a:buNone/>
+            </a:pPr>
+            <a:r>
+              <a:rPr lang="en-US" dirty="0">
+                <a:solidFill>
+                  <a:srgbClr val="FF0000"/>
+                </a:solidFill>
+              </a:rPr>
+              <a:t>1</a:t>
+            </a:r>
+          </a:p>
+          <a:p>
+            <a:pPr marL="0" indent="0">
+              <a:buNone/>
+            </a:pPr>
+            <a:r>
+              <a:rPr lang="en-US" dirty="0"/>
+              <a:t>2 </a:t>
+            </a:r>
+            <a:r>
+              <a:rPr lang="en-US" dirty="0">
+                <a:solidFill>
+                  <a:srgbClr val="FF0000"/>
+                </a:solidFill>
+              </a:rPr>
+              <a:t>2</a:t>
+            </a:r>
+          </a:p>
+          <a:p>
+            <a:pPr marL="0" indent="0">
+              <a:buNone/>
+            </a:pPr>
+            <a:r>
+              <a:rPr lang="en-US" dirty="0"/>
+              <a:t>3 3 </a:t>
+            </a:r>
+            <a:r>
+              <a:rPr lang="en-US" dirty="0">
+                <a:solidFill>
+                  <a:srgbClr val="FF0000"/>
+                </a:solidFill>
+              </a:rPr>
+              <a:t>3</a:t>
+            </a:r>
+          </a:p>
+          <a:p>
+            <a:pPr marL="0" indent="0">
+              <a:buNone/>
+            </a:pPr>
+            <a:r>
+              <a:rPr lang="en-US" dirty="0"/>
+              <a:t>4 4 4 </a:t>
+            </a:r>
+            <a:r>
+              <a:rPr lang="en-US" dirty="0">
+                <a:solidFill>
+                  <a:srgbClr val="FF0000"/>
+                </a:solidFill>
+              </a:rPr>
+              <a:t>4</a:t>
+            </a:r>
+          </a:p>
+          <a:p>
+            <a:pPr marL="0" indent="0">
+              <a:buNone/>
+            </a:pPr>
+            <a:r>
+              <a:rPr lang="en-US" dirty="0"/>
+              <a:t>5 5 5 5 </a:t>
+            </a:r>
+            <a:r>
+              <a:rPr lang="en-US" dirty="0">
+                <a:solidFill>
+                  <a:srgbClr val="FF0000"/>
+                </a:solidFill>
+              </a:rPr>
+              <a:t>5</a:t>
+            </a:r>
+          </a:p>
+        </p:txBody>
+      </p:sp>
+      <p:cxnSp>
+        <p:nvCxnSpPr>
+          <p:cNvPr id="5" name="Straight Connector 4">
+            <a:extLst>
+              <a:ext uri="{FF2B5EF4-FFF2-40B4-BE49-F238E27FC236}">
+                <a16:creationId xmlns:a16="http://schemas.microsoft.com/office/drawing/2014/main" id="{C5C1A898-1454-63CB-9389-0FA935A11E9B}"/>
+              </a:ext>
+            </a:extLst>
+          </p:cNvPr>
+          <p:cNvCxnSpPr/>
+          <p:nvPr/>
+        </p:nvCxnSpPr>
+        <p:spPr>
+          <a:xfrm>
+            <a:off x="1364776" y="2050670"/>
+            <a:ext cx="3029803" cy="0"/>
+          </a:xfrm>
+          <a:prstGeom prst="line">
+            <a:avLst/>
+          </a:prstGeom>
+        </p:spPr>
+        <p:style>
+          <a:lnRef idx="1">
+            <a:schemeClr val="accent1"/>
+          </a:lnRef>
+          <a:fillRef idx="0">
+            <a:schemeClr val="accent1"/>
+          </a:fillRef>
+          <a:effectRef idx="0">
+            <a:schemeClr val="accent1"/>
+          </a:effectRef>
+          <a:fontRef idx="minor">
+            <a:schemeClr val="tx1"/>
+          </a:fontRef>
+        </p:style>
+      </p:cxnSp>
+      <p:cxnSp>
+        <p:nvCxnSpPr>
+          <p:cNvPr id="7" name="Straight Connector 6">
+            <a:extLst>
+              <a:ext uri="{FF2B5EF4-FFF2-40B4-BE49-F238E27FC236}">
+                <a16:creationId xmlns:a16="http://schemas.microsoft.com/office/drawing/2014/main" id="{0A9BA012-7EFB-71D8-CED0-914C506C83AC}"/>
+              </a:ext>
+            </a:extLst>
+          </p:cNvPr>
+          <p:cNvCxnSpPr/>
+          <p:nvPr/>
+        </p:nvCxnSpPr>
+        <p:spPr>
+          <a:xfrm>
+            <a:off x="1984612" y="1446663"/>
+            <a:ext cx="0" cy="3705224"/>
+          </a:xfrm>
+          <a:prstGeom prst="line">
+            <a:avLst/>
+          </a:prstGeom>
+        </p:spPr>
+        <p:style>
+          <a:lnRef idx="1">
+            <a:schemeClr val="accent1"/>
+          </a:lnRef>
+          <a:fillRef idx="0">
+            <a:schemeClr val="accent1"/>
+          </a:fillRef>
+          <a:effectRef idx="0">
+            <a:schemeClr val="accent1"/>
+          </a:effectRef>
+          <a:fontRef idx="minor">
+            <a:schemeClr val="tx1"/>
+          </a:fontRef>
+        </p:style>
+      </p:cxnSp>
+      <p:sp>
+        <p:nvSpPr>
+          <p:cNvPr id="8" name="TextBox 7">
+            <a:extLst>
+              <a:ext uri="{FF2B5EF4-FFF2-40B4-BE49-F238E27FC236}">
+                <a16:creationId xmlns:a16="http://schemas.microsoft.com/office/drawing/2014/main" id="{AA83A096-72FC-9D20-FF36-76F552E37696}"/>
+              </a:ext>
+            </a:extLst>
+          </p:cNvPr>
+          <p:cNvSpPr txBox="1"/>
+          <p:nvPr/>
+        </p:nvSpPr>
+        <p:spPr>
+          <a:xfrm>
+            <a:off x="1569493" y="1690688"/>
+            <a:ext cx="317716" cy="369332"/>
+          </a:xfrm>
+          <a:prstGeom prst="rect">
+            <a:avLst/>
+          </a:prstGeom>
+          <a:noFill/>
+        </p:spPr>
+        <p:txBody>
+          <a:bodyPr wrap="none" rtlCol="0">
+            <a:spAutoFit/>
+          </a:bodyPr>
+          <a:lstStyle/>
+          <a:p>
+            <a:r>
+              <a:rPr lang="en-US" dirty="0">
+                <a:solidFill>
+                  <a:srgbClr val="00B050"/>
+                </a:solidFill>
+              </a:rPr>
+              <a:t>A</a:t>
+            </a:r>
+          </a:p>
+        </p:txBody>
+      </p:sp>
+      <p:sp>
+        <p:nvSpPr>
+          <p:cNvPr id="9" name="TextBox 8">
+            <a:extLst>
+              <a:ext uri="{FF2B5EF4-FFF2-40B4-BE49-F238E27FC236}">
+                <a16:creationId xmlns:a16="http://schemas.microsoft.com/office/drawing/2014/main" id="{7C1BEA59-DC42-122A-E05F-5B6820B27E10}"/>
+              </a:ext>
+            </a:extLst>
+          </p:cNvPr>
+          <p:cNvSpPr txBox="1"/>
+          <p:nvPr/>
+        </p:nvSpPr>
+        <p:spPr>
+          <a:xfrm>
+            <a:off x="2552131" y="1690688"/>
+            <a:ext cx="45719" cy="369332"/>
+          </a:xfrm>
+          <a:prstGeom prst="rect">
+            <a:avLst/>
+          </a:prstGeom>
+          <a:noFill/>
+        </p:spPr>
+        <p:txBody>
+          <a:bodyPr wrap="square" rtlCol="0">
+            <a:spAutoFit/>
+          </a:bodyPr>
+          <a:lstStyle/>
+          <a:p>
+            <a:r>
+              <a:rPr lang="en-US" dirty="0">
+                <a:solidFill>
+                  <a:srgbClr val="FF0000"/>
+                </a:solidFill>
+              </a:rPr>
+              <a:t>B</a:t>
+            </a:r>
+          </a:p>
+        </p:txBody>
+      </p:sp>
+      <p:sp>
+        <p:nvSpPr>
+          <p:cNvPr id="10" name="TextBox 9">
+            <a:extLst>
+              <a:ext uri="{FF2B5EF4-FFF2-40B4-BE49-F238E27FC236}">
+                <a16:creationId xmlns:a16="http://schemas.microsoft.com/office/drawing/2014/main" id="{825C95AB-D6F6-C091-3A1A-5FDF56E9FFD3}"/>
+              </a:ext>
+            </a:extLst>
+          </p:cNvPr>
+          <p:cNvSpPr txBox="1"/>
+          <p:nvPr/>
+        </p:nvSpPr>
+        <p:spPr>
+          <a:xfrm>
+            <a:off x="1417094" y="2033562"/>
+            <a:ext cx="619833" cy="2554545"/>
+          </a:xfrm>
+          <a:prstGeom prst="rect">
+            <a:avLst/>
+          </a:prstGeom>
+          <a:noFill/>
+        </p:spPr>
+        <p:txBody>
+          <a:bodyPr wrap="square" rtlCol="0">
+            <a:spAutoFit/>
+          </a:bodyPr>
+          <a:lstStyle/>
+          <a:p>
+            <a:r>
+              <a:rPr lang="en-US" sz="3200" dirty="0">
+                <a:solidFill>
+                  <a:srgbClr val="00B050"/>
+                </a:solidFill>
+              </a:rPr>
+              <a:t>1</a:t>
+            </a:r>
+          </a:p>
+          <a:p>
+            <a:r>
+              <a:rPr lang="en-US" sz="3200" dirty="0">
+                <a:solidFill>
+                  <a:srgbClr val="00B050"/>
+                </a:solidFill>
+              </a:rPr>
+              <a:t>2</a:t>
+            </a:r>
+          </a:p>
+          <a:p>
+            <a:r>
+              <a:rPr lang="en-US" sz="3200" dirty="0">
+                <a:solidFill>
+                  <a:srgbClr val="00B050"/>
+                </a:solidFill>
+              </a:rPr>
+              <a:t>3</a:t>
+            </a:r>
+          </a:p>
+          <a:p>
+            <a:r>
+              <a:rPr lang="en-US" sz="3200" dirty="0">
+                <a:solidFill>
+                  <a:srgbClr val="00B050"/>
+                </a:solidFill>
+              </a:rPr>
+              <a:t>4</a:t>
+            </a:r>
+          </a:p>
+          <a:p>
+            <a:r>
+              <a:rPr lang="en-US" sz="3200" dirty="0">
+                <a:solidFill>
+                  <a:srgbClr val="00B050"/>
+                </a:solidFill>
+              </a:rPr>
+              <a:t>5</a:t>
+            </a:r>
+          </a:p>
+        </p:txBody>
+      </p:sp>
+      <p:sp>
+        <p:nvSpPr>
+          <p:cNvPr id="11" name="TextBox 10">
+            <a:extLst>
+              <a:ext uri="{FF2B5EF4-FFF2-40B4-BE49-F238E27FC236}">
+                <a16:creationId xmlns:a16="http://schemas.microsoft.com/office/drawing/2014/main" id="{7454412E-2264-0C21-DCFD-28BB72179B81}"/>
+              </a:ext>
+            </a:extLst>
+          </p:cNvPr>
+          <p:cNvSpPr txBox="1"/>
+          <p:nvPr/>
+        </p:nvSpPr>
+        <p:spPr>
+          <a:xfrm>
+            <a:off x="6728346" y="1875354"/>
+            <a:ext cx="5101589" cy="3046988"/>
+          </a:xfrm>
+          <a:prstGeom prst="rect">
+            <a:avLst/>
+          </a:prstGeom>
+          <a:noFill/>
+        </p:spPr>
+        <p:txBody>
+          <a:bodyPr wrap="none" rtlCol="0">
+            <a:spAutoFit/>
+          </a:bodyPr>
+          <a:lstStyle/>
+          <a:p>
+            <a:r>
+              <a:rPr lang="en-US" sz="4000" dirty="0"/>
+              <a:t>For(var a= 1; a&lt;=5; a++{</a:t>
+            </a:r>
+          </a:p>
+          <a:p>
+            <a:r>
+              <a:rPr lang="en-US" sz="4000" dirty="0"/>
+              <a:t>For(var b=1;b&lt;=</a:t>
+            </a:r>
+            <a:r>
+              <a:rPr lang="en-US" sz="4000" dirty="0" err="1"/>
+              <a:t>a;b</a:t>
+            </a:r>
+            <a:r>
+              <a:rPr lang="en-US" sz="4000" dirty="0"/>
+              <a:t>++){</a:t>
+            </a:r>
+          </a:p>
+          <a:p>
+            <a:r>
+              <a:rPr lang="en-US" sz="3200" dirty="0" err="1"/>
+              <a:t>Document.write</a:t>
+            </a:r>
+            <a:r>
+              <a:rPr lang="en-US" sz="3200" dirty="0"/>
+              <a:t>(a);</a:t>
+            </a:r>
+          </a:p>
+          <a:p>
+            <a:r>
+              <a:rPr lang="en-US" sz="4000" dirty="0"/>
+              <a:t>}</a:t>
+            </a:r>
+          </a:p>
+          <a:p>
+            <a:r>
+              <a:rPr lang="en-US" sz="4000" dirty="0"/>
+              <a:t>}</a:t>
+            </a:r>
+          </a:p>
+        </p:txBody>
+      </p:sp>
+    </p:spTree>
+    <p:extLst>
+      <p:ext uri="{BB962C8B-B14F-4D97-AF65-F5344CB8AC3E}">
+        <p14:creationId xmlns:p14="http://schemas.microsoft.com/office/powerpoint/2010/main" val="781246745"/>
+      </p:ext>
+    </p:extLst>
+  </p:cSld>
+  <p:clrMapOvr>
+    <a:masterClrMapping/>
+  </p:clrMapOvr>
+</p:sld>
+</file>
+
 <file path=ppt/slides/slide6.xml><?xml version="1.0" encoding="utf-8"?>
 <p:sld xmlns:a="http://schemas.openxmlformats.org/drawingml/2006/main" xmlns:r="http://schemas.openxmlformats.org/officeDocument/2006/relationships" xmlns:p="http://schemas.openxmlformats.org/presentationml/2006/main">
   <p:cSld>
@@ -14525,6 +17086,1946 @@
     <p:extLst>
       <p:ext uri="{BB962C8B-B14F-4D97-AF65-F5344CB8AC3E}">
         <p14:creationId xmlns:p14="http://schemas.microsoft.com/office/powerpoint/2010/main" val="2057209230"/>
+      </p:ext>
+    </p:extLst>
+  </p:cSld>
+  <p:clrMapOvr>
+    <a:masterClrMapping/>
+  </p:clrMapOvr>
+</p:sld>
+</file>
+
+<file path=ppt/slides/slide60.xml><?xml version="1.0" encoding="utf-8"?>
+<p:sld xmlns:a="http://schemas.openxmlformats.org/drawingml/2006/main" xmlns:r="http://schemas.openxmlformats.org/officeDocument/2006/relationships" xmlns:p="http://schemas.openxmlformats.org/presentationml/2006/main">
+  <p:cSld>
+    <p:spTree>
+      <p:nvGrpSpPr>
+        <p:cNvPr id="1" name=""/>
+        <p:cNvGrpSpPr/>
+        <p:nvPr/>
+      </p:nvGrpSpPr>
+      <p:grpSpPr>
+        <a:xfrm>
+          <a:off x="0" y="0"/>
+          <a:ext cx="0" cy="0"/>
+          <a:chOff x="0" y="0"/>
+          <a:chExt cx="0" cy="0"/>
+        </a:xfrm>
+      </p:grpSpPr>
+      <p:sp>
+        <p:nvSpPr>
+          <p:cNvPr id="2" name="Title 1">
+            <a:extLst>
+              <a:ext uri="{FF2B5EF4-FFF2-40B4-BE49-F238E27FC236}">
+                <a16:creationId xmlns:a16="http://schemas.microsoft.com/office/drawing/2014/main" id="{6AB86D77-E894-F933-215B-5F8E91AF4372}"/>
+              </a:ext>
+            </a:extLst>
+          </p:cNvPr>
+          <p:cNvSpPr>
+            <a:spLocks noGrp="1"/>
+          </p:cNvSpPr>
+          <p:nvPr>
+            <p:ph type="title"/>
+          </p:nvPr>
+        </p:nvSpPr>
+        <p:spPr/>
+        <p:txBody>
+          <a:bodyPr/>
+          <a:lstStyle/>
+          <a:p>
+            <a:r>
+              <a:rPr lang="en-US" dirty="0"/>
+              <a:t>Nested Loop Examples</a:t>
+            </a:r>
+          </a:p>
+        </p:txBody>
+      </p:sp>
+      <p:sp>
+        <p:nvSpPr>
+          <p:cNvPr id="3" name="Content Placeholder 2">
+            <a:extLst>
+              <a:ext uri="{FF2B5EF4-FFF2-40B4-BE49-F238E27FC236}">
+                <a16:creationId xmlns:a16="http://schemas.microsoft.com/office/drawing/2014/main" id="{9D2B96D7-2335-09F0-10AD-09720B2E1C02}"/>
+              </a:ext>
+            </a:extLst>
+          </p:cNvPr>
+          <p:cNvSpPr>
+            <a:spLocks noGrp="1"/>
+          </p:cNvSpPr>
+          <p:nvPr>
+            <p:ph idx="1"/>
+          </p:nvPr>
+        </p:nvSpPr>
+        <p:spPr>
+          <a:xfrm>
+            <a:off x="1984612" y="2009726"/>
+            <a:ext cx="1550158" cy="3101217"/>
+          </a:xfrm>
+        </p:spPr>
+        <p:txBody>
+          <a:bodyPr/>
+          <a:lstStyle/>
+          <a:p>
+            <a:pPr marL="0" indent="0">
+              <a:buNone/>
+            </a:pPr>
+            <a:r>
+              <a:rPr lang="en-US" dirty="0">
+                <a:solidFill>
+                  <a:srgbClr val="FF0000"/>
+                </a:solidFill>
+              </a:rPr>
+              <a:t>5 5 5 5 5</a:t>
+            </a:r>
+          </a:p>
+          <a:p>
+            <a:pPr marL="0" indent="0">
+              <a:buNone/>
+            </a:pPr>
+            <a:r>
+              <a:rPr lang="en-US" dirty="0">
+                <a:solidFill>
+                  <a:srgbClr val="FF0000"/>
+                </a:solidFill>
+              </a:rPr>
+              <a:t>4 4 4 4</a:t>
+            </a:r>
+          </a:p>
+          <a:p>
+            <a:pPr marL="0" indent="0">
+              <a:buNone/>
+            </a:pPr>
+            <a:r>
+              <a:rPr lang="en-US" dirty="0">
+                <a:solidFill>
+                  <a:srgbClr val="FF0000"/>
+                </a:solidFill>
+              </a:rPr>
+              <a:t>3 3 3</a:t>
+            </a:r>
+          </a:p>
+          <a:p>
+            <a:pPr marL="0" indent="0">
+              <a:buNone/>
+            </a:pPr>
+            <a:r>
+              <a:rPr lang="en-US" dirty="0">
+                <a:solidFill>
+                  <a:srgbClr val="FF0000"/>
+                </a:solidFill>
+              </a:rPr>
+              <a:t>2 2 </a:t>
+            </a:r>
+          </a:p>
+          <a:p>
+            <a:pPr marL="0" indent="0">
+              <a:buNone/>
+            </a:pPr>
+            <a:r>
+              <a:rPr lang="en-US" dirty="0">
+                <a:solidFill>
+                  <a:srgbClr val="FF0000"/>
+                </a:solidFill>
+              </a:rPr>
+              <a:t>1</a:t>
+            </a:r>
+          </a:p>
+        </p:txBody>
+      </p:sp>
+      <p:cxnSp>
+        <p:nvCxnSpPr>
+          <p:cNvPr id="5" name="Straight Connector 4">
+            <a:extLst>
+              <a:ext uri="{FF2B5EF4-FFF2-40B4-BE49-F238E27FC236}">
+                <a16:creationId xmlns:a16="http://schemas.microsoft.com/office/drawing/2014/main" id="{C5C1A898-1454-63CB-9389-0FA935A11E9B}"/>
+              </a:ext>
+            </a:extLst>
+          </p:cNvPr>
+          <p:cNvCxnSpPr/>
+          <p:nvPr/>
+        </p:nvCxnSpPr>
+        <p:spPr>
+          <a:xfrm>
+            <a:off x="1364776" y="2050670"/>
+            <a:ext cx="3029803" cy="0"/>
+          </a:xfrm>
+          <a:prstGeom prst="line">
+            <a:avLst/>
+          </a:prstGeom>
+        </p:spPr>
+        <p:style>
+          <a:lnRef idx="1">
+            <a:schemeClr val="accent1"/>
+          </a:lnRef>
+          <a:fillRef idx="0">
+            <a:schemeClr val="accent1"/>
+          </a:fillRef>
+          <a:effectRef idx="0">
+            <a:schemeClr val="accent1"/>
+          </a:effectRef>
+          <a:fontRef idx="minor">
+            <a:schemeClr val="tx1"/>
+          </a:fontRef>
+        </p:style>
+      </p:cxnSp>
+      <p:cxnSp>
+        <p:nvCxnSpPr>
+          <p:cNvPr id="7" name="Straight Connector 6">
+            <a:extLst>
+              <a:ext uri="{FF2B5EF4-FFF2-40B4-BE49-F238E27FC236}">
+                <a16:creationId xmlns:a16="http://schemas.microsoft.com/office/drawing/2014/main" id="{0A9BA012-7EFB-71D8-CED0-914C506C83AC}"/>
+              </a:ext>
+            </a:extLst>
+          </p:cNvPr>
+          <p:cNvCxnSpPr/>
+          <p:nvPr/>
+        </p:nvCxnSpPr>
+        <p:spPr>
+          <a:xfrm>
+            <a:off x="1984612" y="1446663"/>
+            <a:ext cx="0" cy="3705224"/>
+          </a:xfrm>
+          <a:prstGeom prst="line">
+            <a:avLst/>
+          </a:prstGeom>
+        </p:spPr>
+        <p:style>
+          <a:lnRef idx="1">
+            <a:schemeClr val="accent1"/>
+          </a:lnRef>
+          <a:fillRef idx="0">
+            <a:schemeClr val="accent1"/>
+          </a:fillRef>
+          <a:effectRef idx="0">
+            <a:schemeClr val="accent1"/>
+          </a:effectRef>
+          <a:fontRef idx="minor">
+            <a:schemeClr val="tx1"/>
+          </a:fontRef>
+        </p:style>
+      </p:cxnSp>
+      <p:sp>
+        <p:nvSpPr>
+          <p:cNvPr id="8" name="TextBox 7">
+            <a:extLst>
+              <a:ext uri="{FF2B5EF4-FFF2-40B4-BE49-F238E27FC236}">
+                <a16:creationId xmlns:a16="http://schemas.microsoft.com/office/drawing/2014/main" id="{AA83A096-72FC-9D20-FF36-76F552E37696}"/>
+              </a:ext>
+            </a:extLst>
+          </p:cNvPr>
+          <p:cNvSpPr txBox="1"/>
+          <p:nvPr/>
+        </p:nvSpPr>
+        <p:spPr>
+          <a:xfrm>
+            <a:off x="1569493" y="1690688"/>
+            <a:ext cx="317716" cy="369332"/>
+          </a:xfrm>
+          <a:prstGeom prst="rect">
+            <a:avLst/>
+          </a:prstGeom>
+          <a:noFill/>
+        </p:spPr>
+        <p:txBody>
+          <a:bodyPr wrap="none" rtlCol="0">
+            <a:spAutoFit/>
+          </a:bodyPr>
+          <a:lstStyle/>
+          <a:p>
+            <a:r>
+              <a:rPr lang="en-US" dirty="0">
+                <a:solidFill>
+                  <a:srgbClr val="00B050"/>
+                </a:solidFill>
+              </a:rPr>
+              <a:t>A</a:t>
+            </a:r>
+          </a:p>
+        </p:txBody>
+      </p:sp>
+      <p:sp>
+        <p:nvSpPr>
+          <p:cNvPr id="9" name="TextBox 8">
+            <a:extLst>
+              <a:ext uri="{FF2B5EF4-FFF2-40B4-BE49-F238E27FC236}">
+                <a16:creationId xmlns:a16="http://schemas.microsoft.com/office/drawing/2014/main" id="{7C1BEA59-DC42-122A-E05F-5B6820B27E10}"/>
+              </a:ext>
+            </a:extLst>
+          </p:cNvPr>
+          <p:cNvSpPr txBox="1"/>
+          <p:nvPr/>
+        </p:nvSpPr>
+        <p:spPr>
+          <a:xfrm>
+            <a:off x="2552131" y="1690688"/>
+            <a:ext cx="45719" cy="369332"/>
+          </a:xfrm>
+          <a:prstGeom prst="rect">
+            <a:avLst/>
+          </a:prstGeom>
+          <a:noFill/>
+        </p:spPr>
+        <p:txBody>
+          <a:bodyPr wrap="square" rtlCol="0">
+            <a:spAutoFit/>
+          </a:bodyPr>
+          <a:lstStyle/>
+          <a:p>
+            <a:r>
+              <a:rPr lang="en-US" dirty="0">
+                <a:solidFill>
+                  <a:srgbClr val="FF0000"/>
+                </a:solidFill>
+              </a:rPr>
+              <a:t>B</a:t>
+            </a:r>
+          </a:p>
+        </p:txBody>
+      </p:sp>
+      <p:sp>
+        <p:nvSpPr>
+          <p:cNvPr id="10" name="TextBox 9">
+            <a:extLst>
+              <a:ext uri="{FF2B5EF4-FFF2-40B4-BE49-F238E27FC236}">
+                <a16:creationId xmlns:a16="http://schemas.microsoft.com/office/drawing/2014/main" id="{825C95AB-D6F6-C091-3A1A-5FDF56E9FFD3}"/>
+              </a:ext>
+            </a:extLst>
+          </p:cNvPr>
+          <p:cNvSpPr txBox="1"/>
+          <p:nvPr/>
+        </p:nvSpPr>
+        <p:spPr>
+          <a:xfrm>
+            <a:off x="1417094" y="2033562"/>
+            <a:ext cx="619833" cy="2554545"/>
+          </a:xfrm>
+          <a:prstGeom prst="rect">
+            <a:avLst/>
+          </a:prstGeom>
+          <a:noFill/>
+        </p:spPr>
+        <p:txBody>
+          <a:bodyPr wrap="square" rtlCol="0">
+            <a:spAutoFit/>
+          </a:bodyPr>
+          <a:lstStyle/>
+          <a:p>
+            <a:r>
+              <a:rPr lang="en-US" sz="3200" dirty="0">
+                <a:solidFill>
+                  <a:srgbClr val="00B050"/>
+                </a:solidFill>
+              </a:rPr>
+              <a:t>1</a:t>
+            </a:r>
+          </a:p>
+          <a:p>
+            <a:r>
+              <a:rPr lang="en-US" sz="3200" dirty="0">
+                <a:solidFill>
+                  <a:srgbClr val="00B050"/>
+                </a:solidFill>
+              </a:rPr>
+              <a:t>2</a:t>
+            </a:r>
+          </a:p>
+          <a:p>
+            <a:r>
+              <a:rPr lang="en-US" sz="3200" dirty="0">
+                <a:solidFill>
+                  <a:srgbClr val="00B050"/>
+                </a:solidFill>
+              </a:rPr>
+              <a:t>3</a:t>
+            </a:r>
+          </a:p>
+          <a:p>
+            <a:r>
+              <a:rPr lang="en-US" sz="3200" dirty="0">
+                <a:solidFill>
+                  <a:srgbClr val="00B050"/>
+                </a:solidFill>
+              </a:rPr>
+              <a:t>4</a:t>
+            </a:r>
+          </a:p>
+          <a:p>
+            <a:r>
+              <a:rPr lang="en-US" sz="3200" dirty="0">
+                <a:solidFill>
+                  <a:srgbClr val="00B050"/>
+                </a:solidFill>
+              </a:rPr>
+              <a:t>5</a:t>
+            </a:r>
+          </a:p>
+        </p:txBody>
+      </p:sp>
+      <p:sp>
+        <p:nvSpPr>
+          <p:cNvPr id="11" name="TextBox 10">
+            <a:extLst>
+              <a:ext uri="{FF2B5EF4-FFF2-40B4-BE49-F238E27FC236}">
+                <a16:creationId xmlns:a16="http://schemas.microsoft.com/office/drawing/2014/main" id="{7454412E-2264-0C21-DCFD-28BB72179B81}"/>
+              </a:ext>
+            </a:extLst>
+          </p:cNvPr>
+          <p:cNvSpPr txBox="1"/>
+          <p:nvPr/>
+        </p:nvSpPr>
+        <p:spPr>
+          <a:xfrm>
+            <a:off x="6728346" y="1875354"/>
+            <a:ext cx="5101589" cy="3046988"/>
+          </a:xfrm>
+          <a:prstGeom prst="rect">
+            <a:avLst/>
+          </a:prstGeom>
+          <a:noFill/>
+        </p:spPr>
+        <p:txBody>
+          <a:bodyPr wrap="none" rtlCol="0">
+            <a:spAutoFit/>
+          </a:bodyPr>
+          <a:lstStyle/>
+          <a:p>
+            <a:r>
+              <a:rPr lang="en-US" sz="4000" dirty="0"/>
+              <a:t>For(var a= 5; a&gt;=1; a--){</a:t>
+            </a:r>
+          </a:p>
+          <a:p>
+            <a:r>
+              <a:rPr lang="en-US" sz="4000" dirty="0"/>
+              <a:t>For(var b=1;b&lt;=</a:t>
+            </a:r>
+            <a:r>
+              <a:rPr lang="en-US" sz="4000" dirty="0" err="1"/>
+              <a:t>a;b</a:t>
+            </a:r>
+            <a:r>
+              <a:rPr lang="en-US" sz="4000" dirty="0"/>
+              <a:t>++){</a:t>
+            </a:r>
+          </a:p>
+          <a:p>
+            <a:r>
+              <a:rPr lang="en-US" sz="3200" dirty="0" err="1"/>
+              <a:t>Document.write</a:t>
+            </a:r>
+            <a:r>
+              <a:rPr lang="en-US" sz="3200" dirty="0"/>
+              <a:t>(a);</a:t>
+            </a:r>
+          </a:p>
+          <a:p>
+            <a:r>
+              <a:rPr lang="en-US" sz="4000" dirty="0"/>
+              <a:t>}</a:t>
+            </a:r>
+          </a:p>
+          <a:p>
+            <a:r>
+              <a:rPr lang="en-US" sz="4000" dirty="0"/>
+              <a:t>}</a:t>
+            </a:r>
+          </a:p>
+        </p:txBody>
+      </p:sp>
+    </p:spTree>
+    <p:extLst>
+      <p:ext uri="{BB962C8B-B14F-4D97-AF65-F5344CB8AC3E}">
+        <p14:creationId xmlns:p14="http://schemas.microsoft.com/office/powerpoint/2010/main" val="2985748225"/>
+      </p:ext>
+    </p:extLst>
+  </p:cSld>
+  <p:clrMapOvr>
+    <a:masterClrMapping/>
+  </p:clrMapOvr>
+</p:sld>
+</file>
+
+<file path=ppt/slides/slide61.xml><?xml version="1.0" encoding="utf-8"?>
+<p:sld xmlns:a="http://schemas.openxmlformats.org/drawingml/2006/main" xmlns:r="http://schemas.openxmlformats.org/officeDocument/2006/relationships" xmlns:p="http://schemas.openxmlformats.org/presentationml/2006/main">
+  <p:cSld>
+    <p:spTree>
+      <p:nvGrpSpPr>
+        <p:cNvPr id="1" name=""/>
+        <p:cNvGrpSpPr/>
+        <p:nvPr/>
+      </p:nvGrpSpPr>
+      <p:grpSpPr>
+        <a:xfrm>
+          <a:off x="0" y="0"/>
+          <a:ext cx="0" cy="0"/>
+          <a:chOff x="0" y="0"/>
+          <a:chExt cx="0" cy="0"/>
+        </a:xfrm>
+      </p:grpSpPr>
+      <p:sp>
+        <p:nvSpPr>
+          <p:cNvPr id="2" name="Title 1">
+            <a:extLst>
+              <a:ext uri="{FF2B5EF4-FFF2-40B4-BE49-F238E27FC236}">
+                <a16:creationId xmlns:a16="http://schemas.microsoft.com/office/drawing/2014/main" id="{6AB86D77-E894-F933-215B-5F8E91AF4372}"/>
+              </a:ext>
+            </a:extLst>
+          </p:cNvPr>
+          <p:cNvSpPr>
+            <a:spLocks noGrp="1"/>
+          </p:cNvSpPr>
+          <p:nvPr>
+            <p:ph type="title"/>
+          </p:nvPr>
+        </p:nvSpPr>
+        <p:spPr/>
+        <p:txBody>
+          <a:bodyPr/>
+          <a:lstStyle/>
+          <a:p>
+            <a:r>
+              <a:rPr lang="en-US" dirty="0"/>
+              <a:t>Nested Loop Examples</a:t>
+            </a:r>
+          </a:p>
+        </p:txBody>
+      </p:sp>
+      <p:sp>
+        <p:nvSpPr>
+          <p:cNvPr id="3" name="Content Placeholder 2">
+            <a:extLst>
+              <a:ext uri="{FF2B5EF4-FFF2-40B4-BE49-F238E27FC236}">
+                <a16:creationId xmlns:a16="http://schemas.microsoft.com/office/drawing/2014/main" id="{9D2B96D7-2335-09F0-10AD-09720B2E1C02}"/>
+              </a:ext>
+            </a:extLst>
+          </p:cNvPr>
+          <p:cNvSpPr>
+            <a:spLocks noGrp="1"/>
+          </p:cNvSpPr>
+          <p:nvPr>
+            <p:ph idx="1"/>
+          </p:nvPr>
+        </p:nvSpPr>
+        <p:spPr>
+          <a:xfrm>
+            <a:off x="1984612" y="2050670"/>
+            <a:ext cx="1550158" cy="3101217"/>
+          </a:xfrm>
+        </p:spPr>
+        <p:txBody>
+          <a:bodyPr/>
+          <a:lstStyle/>
+          <a:p>
+            <a:pPr marL="0" indent="0">
+              <a:buNone/>
+            </a:pPr>
+            <a:r>
+              <a:rPr lang="en-US" dirty="0">
+                <a:solidFill>
+                  <a:srgbClr val="FF0000"/>
+                </a:solidFill>
+              </a:rPr>
+              <a:t>5 4 3 2 1</a:t>
+            </a:r>
+          </a:p>
+          <a:p>
+            <a:pPr marL="0" indent="0">
+              <a:buNone/>
+            </a:pPr>
+            <a:r>
+              <a:rPr lang="en-US" dirty="0">
+                <a:solidFill>
+                  <a:srgbClr val="FF0000"/>
+                </a:solidFill>
+              </a:rPr>
+              <a:t>4 3 2 1</a:t>
+            </a:r>
+          </a:p>
+          <a:p>
+            <a:pPr marL="0" indent="0">
+              <a:buNone/>
+            </a:pPr>
+            <a:r>
+              <a:rPr lang="en-US" dirty="0">
+                <a:solidFill>
+                  <a:srgbClr val="FF0000"/>
+                </a:solidFill>
+              </a:rPr>
+              <a:t>3 2 1</a:t>
+            </a:r>
+          </a:p>
+          <a:p>
+            <a:pPr marL="0" indent="0">
+              <a:buNone/>
+            </a:pPr>
+            <a:r>
+              <a:rPr lang="en-US" dirty="0">
+                <a:solidFill>
+                  <a:srgbClr val="FF0000"/>
+                </a:solidFill>
+              </a:rPr>
+              <a:t>2 1</a:t>
+            </a:r>
+          </a:p>
+          <a:p>
+            <a:pPr marL="0" indent="0">
+              <a:buNone/>
+            </a:pPr>
+            <a:r>
+              <a:rPr lang="en-US" dirty="0">
+                <a:solidFill>
+                  <a:srgbClr val="FF0000"/>
+                </a:solidFill>
+              </a:rPr>
+              <a:t>1</a:t>
+            </a:r>
+          </a:p>
+        </p:txBody>
+      </p:sp>
+      <p:cxnSp>
+        <p:nvCxnSpPr>
+          <p:cNvPr id="5" name="Straight Connector 4">
+            <a:extLst>
+              <a:ext uri="{FF2B5EF4-FFF2-40B4-BE49-F238E27FC236}">
+                <a16:creationId xmlns:a16="http://schemas.microsoft.com/office/drawing/2014/main" id="{C5C1A898-1454-63CB-9389-0FA935A11E9B}"/>
+              </a:ext>
+            </a:extLst>
+          </p:cNvPr>
+          <p:cNvCxnSpPr/>
+          <p:nvPr/>
+        </p:nvCxnSpPr>
+        <p:spPr>
+          <a:xfrm>
+            <a:off x="1364776" y="2050670"/>
+            <a:ext cx="3029803" cy="0"/>
+          </a:xfrm>
+          <a:prstGeom prst="line">
+            <a:avLst/>
+          </a:prstGeom>
+        </p:spPr>
+        <p:style>
+          <a:lnRef idx="1">
+            <a:schemeClr val="accent1"/>
+          </a:lnRef>
+          <a:fillRef idx="0">
+            <a:schemeClr val="accent1"/>
+          </a:fillRef>
+          <a:effectRef idx="0">
+            <a:schemeClr val="accent1"/>
+          </a:effectRef>
+          <a:fontRef idx="minor">
+            <a:schemeClr val="tx1"/>
+          </a:fontRef>
+        </p:style>
+      </p:cxnSp>
+      <p:cxnSp>
+        <p:nvCxnSpPr>
+          <p:cNvPr id="7" name="Straight Connector 6">
+            <a:extLst>
+              <a:ext uri="{FF2B5EF4-FFF2-40B4-BE49-F238E27FC236}">
+                <a16:creationId xmlns:a16="http://schemas.microsoft.com/office/drawing/2014/main" id="{0A9BA012-7EFB-71D8-CED0-914C506C83AC}"/>
+              </a:ext>
+            </a:extLst>
+          </p:cNvPr>
+          <p:cNvCxnSpPr/>
+          <p:nvPr/>
+        </p:nvCxnSpPr>
+        <p:spPr>
+          <a:xfrm>
+            <a:off x="1984612" y="1446663"/>
+            <a:ext cx="0" cy="3705224"/>
+          </a:xfrm>
+          <a:prstGeom prst="line">
+            <a:avLst/>
+          </a:prstGeom>
+        </p:spPr>
+        <p:style>
+          <a:lnRef idx="1">
+            <a:schemeClr val="accent1"/>
+          </a:lnRef>
+          <a:fillRef idx="0">
+            <a:schemeClr val="accent1"/>
+          </a:fillRef>
+          <a:effectRef idx="0">
+            <a:schemeClr val="accent1"/>
+          </a:effectRef>
+          <a:fontRef idx="minor">
+            <a:schemeClr val="tx1"/>
+          </a:fontRef>
+        </p:style>
+      </p:cxnSp>
+      <p:sp>
+        <p:nvSpPr>
+          <p:cNvPr id="8" name="TextBox 7">
+            <a:extLst>
+              <a:ext uri="{FF2B5EF4-FFF2-40B4-BE49-F238E27FC236}">
+                <a16:creationId xmlns:a16="http://schemas.microsoft.com/office/drawing/2014/main" id="{AA83A096-72FC-9D20-FF36-76F552E37696}"/>
+              </a:ext>
+            </a:extLst>
+          </p:cNvPr>
+          <p:cNvSpPr txBox="1"/>
+          <p:nvPr/>
+        </p:nvSpPr>
+        <p:spPr>
+          <a:xfrm>
+            <a:off x="1569493" y="1690688"/>
+            <a:ext cx="317716" cy="369332"/>
+          </a:xfrm>
+          <a:prstGeom prst="rect">
+            <a:avLst/>
+          </a:prstGeom>
+          <a:noFill/>
+        </p:spPr>
+        <p:txBody>
+          <a:bodyPr wrap="none" rtlCol="0">
+            <a:spAutoFit/>
+          </a:bodyPr>
+          <a:lstStyle/>
+          <a:p>
+            <a:r>
+              <a:rPr lang="en-US" dirty="0">
+                <a:solidFill>
+                  <a:srgbClr val="00B050"/>
+                </a:solidFill>
+              </a:rPr>
+              <a:t>A</a:t>
+            </a:r>
+          </a:p>
+        </p:txBody>
+      </p:sp>
+      <p:sp>
+        <p:nvSpPr>
+          <p:cNvPr id="9" name="TextBox 8">
+            <a:extLst>
+              <a:ext uri="{FF2B5EF4-FFF2-40B4-BE49-F238E27FC236}">
+                <a16:creationId xmlns:a16="http://schemas.microsoft.com/office/drawing/2014/main" id="{7C1BEA59-DC42-122A-E05F-5B6820B27E10}"/>
+              </a:ext>
+            </a:extLst>
+          </p:cNvPr>
+          <p:cNvSpPr txBox="1"/>
+          <p:nvPr/>
+        </p:nvSpPr>
+        <p:spPr>
+          <a:xfrm>
+            <a:off x="2552131" y="1690688"/>
+            <a:ext cx="45719" cy="369332"/>
+          </a:xfrm>
+          <a:prstGeom prst="rect">
+            <a:avLst/>
+          </a:prstGeom>
+          <a:noFill/>
+        </p:spPr>
+        <p:txBody>
+          <a:bodyPr wrap="square" rtlCol="0">
+            <a:spAutoFit/>
+          </a:bodyPr>
+          <a:lstStyle/>
+          <a:p>
+            <a:r>
+              <a:rPr lang="en-US" dirty="0">
+                <a:solidFill>
+                  <a:srgbClr val="FF0000"/>
+                </a:solidFill>
+              </a:rPr>
+              <a:t>B</a:t>
+            </a:r>
+          </a:p>
+        </p:txBody>
+      </p:sp>
+      <p:sp>
+        <p:nvSpPr>
+          <p:cNvPr id="10" name="TextBox 9">
+            <a:extLst>
+              <a:ext uri="{FF2B5EF4-FFF2-40B4-BE49-F238E27FC236}">
+                <a16:creationId xmlns:a16="http://schemas.microsoft.com/office/drawing/2014/main" id="{825C95AB-D6F6-C091-3A1A-5FDF56E9FFD3}"/>
+              </a:ext>
+            </a:extLst>
+          </p:cNvPr>
+          <p:cNvSpPr txBox="1"/>
+          <p:nvPr/>
+        </p:nvSpPr>
+        <p:spPr>
+          <a:xfrm>
+            <a:off x="1417094" y="2033562"/>
+            <a:ext cx="619833" cy="2554545"/>
+          </a:xfrm>
+          <a:prstGeom prst="rect">
+            <a:avLst/>
+          </a:prstGeom>
+          <a:noFill/>
+        </p:spPr>
+        <p:txBody>
+          <a:bodyPr wrap="square" rtlCol="0">
+            <a:spAutoFit/>
+          </a:bodyPr>
+          <a:lstStyle/>
+          <a:p>
+            <a:r>
+              <a:rPr lang="en-US" sz="3200" dirty="0">
+                <a:solidFill>
+                  <a:srgbClr val="00B050"/>
+                </a:solidFill>
+              </a:rPr>
+              <a:t>5</a:t>
+            </a:r>
+          </a:p>
+          <a:p>
+            <a:r>
+              <a:rPr lang="en-US" sz="3200" dirty="0">
+                <a:solidFill>
+                  <a:srgbClr val="00B050"/>
+                </a:solidFill>
+              </a:rPr>
+              <a:t>4</a:t>
+            </a:r>
+          </a:p>
+          <a:p>
+            <a:r>
+              <a:rPr lang="en-US" sz="3200" dirty="0">
+                <a:solidFill>
+                  <a:srgbClr val="00B050"/>
+                </a:solidFill>
+              </a:rPr>
+              <a:t>3</a:t>
+            </a:r>
+          </a:p>
+          <a:p>
+            <a:r>
+              <a:rPr lang="en-US" sz="3200" dirty="0">
+                <a:solidFill>
+                  <a:srgbClr val="00B050"/>
+                </a:solidFill>
+              </a:rPr>
+              <a:t>2</a:t>
+            </a:r>
+          </a:p>
+          <a:p>
+            <a:r>
+              <a:rPr lang="en-US" sz="3200" dirty="0">
+                <a:solidFill>
+                  <a:srgbClr val="00B050"/>
+                </a:solidFill>
+              </a:rPr>
+              <a:t>1</a:t>
+            </a:r>
+          </a:p>
+        </p:txBody>
+      </p:sp>
+      <p:sp>
+        <p:nvSpPr>
+          <p:cNvPr id="11" name="TextBox 10">
+            <a:extLst>
+              <a:ext uri="{FF2B5EF4-FFF2-40B4-BE49-F238E27FC236}">
+                <a16:creationId xmlns:a16="http://schemas.microsoft.com/office/drawing/2014/main" id="{7454412E-2264-0C21-DCFD-28BB72179B81}"/>
+              </a:ext>
+            </a:extLst>
+          </p:cNvPr>
+          <p:cNvSpPr txBox="1"/>
+          <p:nvPr/>
+        </p:nvSpPr>
+        <p:spPr>
+          <a:xfrm>
+            <a:off x="6728346" y="1875354"/>
+            <a:ext cx="4954113" cy="3046988"/>
+          </a:xfrm>
+          <a:prstGeom prst="rect">
+            <a:avLst/>
+          </a:prstGeom>
+          <a:noFill/>
+        </p:spPr>
+        <p:txBody>
+          <a:bodyPr wrap="none" rtlCol="0">
+            <a:spAutoFit/>
+          </a:bodyPr>
+          <a:lstStyle/>
+          <a:p>
+            <a:r>
+              <a:rPr lang="en-US" sz="4000" dirty="0"/>
+              <a:t>For(var a= 5; a&gt;=1; a--{</a:t>
+            </a:r>
+          </a:p>
+          <a:p>
+            <a:r>
+              <a:rPr lang="en-US" sz="4000" dirty="0"/>
+              <a:t>For(var b=</a:t>
+            </a:r>
+            <a:r>
+              <a:rPr lang="en-US" sz="4000" dirty="0" err="1"/>
+              <a:t>a;b</a:t>
+            </a:r>
+            <a:r>
+              <a:rPr lang="en-US" sz="4000" dirty="0"/>
+              <a:t>&gt;=1;b--){</a:t>
+            </a:r>
+          </a:p>
+          <a:p>
+            <a:r>
+              <a:rPr lang="en-US" sz="3200" dirty="0" err="1"/>
+              <a:t>Document.write</a:t>
+            </a:r>
+            <a:r>
+              <a:rPr lang="en-US" sz="3200" dirty="0"/>
+              <a:t>(b);</a:t>
+            </a:r>
+          </a:p>
+          <a:p>
+            <a:r>
+              <a:rPr lang="en-US" sz="4000" dirty="0"/>
+              <a:t>}</a:t>
+            </a:r>
+          </a:p>
+          <a:p>
+            <a:r>
+              <a:rPr lang="en-US" sz="4000" dirty="0"/>
+              <a:t>}</a:t>
+            </a:r>
+          </a:p>
+        </p:txBody>
+      </p:sp>
+    </p:spTree>
+    <p:extLst>
+      <p:ext uri="{BB962C8B-B14F-4D97-AF65-F5344CB8AC3E}">
+        <p14:creationId xmlns:p14="http://schemas.microsoft.com/office/powerpoint/2010/main" val="1159650970"/>
+      </p:ext>
+    </p:extLst>
+  </p:cSld>
+  <p:clrMapOvr>
+    <a:masterClrMapping/>
+  </p:clrMapOvr>
+</p:sld>
+</file>
+
+<file path=ppt/slides/slide62.xml><?xml version="1.0" encoding="utf-8"?>
+<p:sld xmlns:a="http://schemas.openxmlformats.org/drawingml/2006/main" xmlns:r="http://schemas.openxmlformats.org/officeDocument/2006/relationships" xmlns:p="http://schemas.openxmlformats.org/presentationml/2006/main">
+  <p:cSld>
+    <p:spTree>
+      <p:nvGrpSpPr>
+        <p:cNvPr id="1" name=""/>
+        <p:cNvGrpSpPr/>
+        <p:nvPr/>
+      </p:nvGrpSpPr>
+      <p:grpSpPr>
+        <a:xfrm>
+          <a:off x="0" y="0"/>
+          <a:ext cx="0" cy="0"/>
+          <a:chOff x="0" y="0"/>
+          <a:chExt cx="0" cy="0"/>
+        </a:xfrm>
+      </p:grpSpPr>
+      <p:sp>
+        <p:nvSpPr>
+          <p:cNvPr id="2" name="Title 1">
+            <a:extLst>
+              <a:ext uri="{FF2B5EF4-FFF2-40B4-BE49-F238E27FC236}">
+                <a16:creationId xmlns:a16="http://schemas.microsoft.com/office/drawing/2014/main" id="{F40A239C-039A-247E-0366-D4B86EE25FD0}"/>
+              </a:ext>
+            </a:extLst>
+          </p:cNvPr>
+          <p:cNvSpPr>
+            <a:spLocks noGrp="1"/>
+          </p:cNvSpPr>
+          <p:nvPr>
+            <p:ph type="title"/>
+          </p:nvPr>
+        </p:nvSpPr>
+        <p:spPr/>
+        <p:txBody>
+          <a:bodyPr/>
+          <a:lstStyle/>
+          <a:p>
+            <a:r>
+              <a:rPr lang="en-US" dirty="0"/>
+              <a:t>JS: Arrays</a:t>
+            </a:r>
+          </a:p>
+        </p:txBody>
+      </p:sp>
+      <p:sp>
+        <p:nvSpPr>
+          <p:cNvPr id="3" name="Content Placeholder 2">
+            <a:extLst>
+              <a:ext uri="{FF2B5EF4-FFF2-40B4-BE49-F238E27FC236}">
+                <a16:creationId xmlns:a16="http://schemas.microsoft.com/office/drawing/2014/main" id="{30889652-1F89-3AC0-E895-7F206C16BFE4}"/>
+              </a:ext>
+            </a:extLst>
+          </p:cNvPr>
+          <p:cNvSpPr>
+            <a:spLocks noGrp="1"/>
+          </p:cNvSpPr>
+          <p:nvPr>
+            <p:ph idx="1"/>
+          </p:nvPr>
+        </p:nvSpPr>
+        <p:spPr>
+          <a:xfrm>
+            <a:off x="838200" y="1825625"/>
+            <a:ext cx="3679209" cy="4351338"/>
+          </a:xfrm>
+        </p:spPr>
+        <p:txBody>
+          <a:bodyPr/>
+          <a:lstStyle/>
+          <a:p>
+            <a:pPr marL="0" indent="0">
+              <a:buNone/>
+            </a:pPr>
+            <a:r>
+              <a:rPr lang="en-US" dirty="0"/>
+              <a:t>Data Types:</a:t>
+            </a:r>
+          </a:p>
+          <a:p>
+            <a:r>
+              <a:rPr lang="en-US" dirty="0"/>
+              <a:t>String</a:t>
+            </a:r>
+          </a:p>
+          <a:p>
+            <a:r>
+              <a:rPr lang="en-US" dirty="0"/>
+              <a:t>Number</a:t>
+            </a:r>
+          </a:p>
+          <a:p>
+            <a:r>
+              <a:rPr lang="en-US" dirty="0"/>
+              <a:t>Boolean</a:t>
+            </a:r>
+          </a:p>
+          <a:p>
+            <a:r>
+              <a:rPr lang="en-US" dirty="0"/>
+              <a:t>Array</a:t>
+            </a:r>
+          </a:p>
+          <a:p>
+            <a:r>
+              <a:rPr lang="en-US" dirty="0"/>
+              <a:t>Object</a:t>
+            </a:r>
+          </a:p>
+          <a:p>
+            <a:r>
+              <a:rPr lang="en-US" dirty="0"/>
+              <a:t>Null </a:t>
+            </a:r>
+          </a:p>
+          <a:p>
+            <a:r>
+              <a:rPr lang="en-US" dirty="0"/>
+              <a:t>undefined</a:t>
+            </a:r>
+          </a:p>
+        </p:txBody>
+      </p:sp>
+    </p:spTree>
+    <p:extLst>
+      <p:ext uri="{BB962C8B-B14F-4D97-AF65-F5344CB8AC3E}">
+        <p14:creationId xmlns:p14="http://schemas.microsoft.com/office/powerpoint/2010/main" val="1600969616"/>
+      </p:ext>
+    </p:extLst>
+  </p:cSld>
+  <p:clrMapOvr>
+    <a:masterClrMapping/>
+  </p:clrMapOvr>
+</p:sld>
+</file>
+
+<file path=ppt/slides/slide63.xml><?xml version="1.0" encoding="utf-8"?>
+<p:sld xmlns:a="http://schemas.openxmlformats.org/drawingml/2006/main" xmlns:r="http://schemas.openxmlformats.org/officeDocument/2006/relationships" xmlns:p="http://schemas.openxmlformats.org/presentationml/2006/main">
+  <p:cSld>
+    <p:spTree>
+      <p:nvGrpSpPr>
+        <p:cNvPr id="1" name=""/>
+        <p:cNvGrpSpPr/>
+        <p:nvPr/>
+      </p:nvGrpSpPr>
+      <p:grpSpPr>
+        <a:xfrm>
+          <a:off x="0" y="0"/>
+          <a:ext cx="0" cy="0"/>
+          <a:chOff x="0" y="0"/>
+          <a:chExt cx="0" cy="0"/>
+        </a:xfrm>
+      </p:grpSpPr>
+      <p:sp>
+        <p:nvSpPr>
+          <p:cNvPr id="2" name="Title 1">
+            <a:extLst>
+              <a:ext uri="{FF2B5EF4-FFF2-40B4-BE49-F238E27FC236}">
+                <a16:creationId xmlns:a16="http://schemas.microsoft.com/office/drawing/2014/main" id="{3F18399E-F00D-716C-8041-A8D038343682}"/>
+              </a:ext>
+            </a:extLst>
+          </p:cNvPr>
+          <p:cNvSpPr>
+            <a:spLocks noGrp="1"/>
+          </p:cNvSpPr>
+          <p:nvPr>
+            <p:ph type="title"/>
+          </p:nvPr>
+        </p:nvSpPr>
+        <p:spPr/>
+        <p:txBody>
+          <a:bodyPr/>
+          <a:lstStyle/>
+          <a:p>
+            <a:r>
+              <a:rPr lang="en-US" dirty="0"/>
+              <a:t>Array</a:t>
+            </a:r>
+          </a:p>
+        </p:txBody>
+      </p:sp>
+      <p:sp>
+        <p:nvSpPr>
+          <p:cNvPr id="3" name="Content Placeholder 2">
+            <a:extLst>
+              <a:ext uri="{FF2B5EF4-FFF2-40B4-BE49-F238E27FC236}">
+                <a16:creationId xmlns:a16="http://schemas.microsoft.com/office/drawing/2014/main" id="{C6DFE6B0-6E2F-86BD-0806-7D0648E70C1F}"/>
+              </a:ext>
+            </a:extLst>
+          </p:cNvPr>
+          <p:cNvSpPr>
+            <a:spLocks noGrp="1"/>
+          </p:cNvSpPr>
+          <p:nvPr>
+            <p:ph idx="1"/>
+          </p:nvPr>
+        </p:nvSpPr>
+        <p:spPr>
+          <a:xfrm>
+            <a:off x="838200" y="1825625"/>
+            <a:ext cx="4498075" cy="2459772"/>
+          </a:xfrm>
+        </p:spPr>
+        <p:txBody>
+          <a:bodyPr/>
+          <a:lstStyle/>
+          <a:p>
+            <a:pPr marL="0" indent="0">
+              <a:buNone/>
+            </a:pPr>
+            <a:r>
+              <a:rPr lang="en-US" dirty="0"/>
+              <a:t>Var a = 10;</a:t>
+            </a:r>
+          </a:p>
+          <a:p>
+            <a:pPr marL="0" indent="0">
+              <a:buNone/>
+            </a:pPr>
+            <a:r>
+              <a:rPr lang="en-US" dirty="0"/>
+              <a:t>Var a = 10,20,30  ---- Error</a:t>
+            </a:r>
+          </a:p>
+          <a:p>
+            <a:pPr marL="0" indent="0">
+              <a:buNone/>
+            </a:pPr>
+            <a:r>
+              <a:rPr lang="en-US" dirty="0"/>
+              <a:t>Var a = “10,20,30” --- String</a:t>
+            </a:r>
+          </a:p>
+          <a:p>
+            <a:pPr marL="0" indent="0">
+              <a:buNone/>
+            </a:pPr>
+            <a:r>
+              <a:rPr lang="en-US" dirty="0"/>
+              <a:t>Var a = [10,20,30] --- Array</a:t>
+            </a:r>
+          </a:p>
+        </p:txBody>
+      </p:sp>
+      <p:sp>
+        <p:nvSpPr>
+          <p:cNvPr id="4" name="TextBox 3">
+            <a:extLst>
+              <a:ext uri="{FF2B5EF4-FFF2-40B4-BE49-F238E27FC236}">
+                <a16:creationId xmlns:a16="http://schemas.microsoft.com/office/drawing/2014/main" id="{298BE5C1-BCC9-DEDD-25AA-13B873A01BDE}"/>
+              </a:ext>
+            </a:extLst>
+          </p:cNvPr>
+          <p:cNvSpPr txBox="1"/>
+          <p:nvPr/>
+        </p:nvSpPr>
+        <p:spPr>
+          <a:xfrm>
+            <a:off x="6974006" y="2647666"/>
+            <a:ext cx="3847848" cy="707886"/>
+          </a:xfrm>
+          <a:prstGeom prst="rect">
+            <a:avLst/>
+          </a:prstGeom>
+          <a:noFill/>
+        </p:spPr>
+        <p:txBody>
+          <a:bodyPr wrap="none" rtlCol="0">
+            <a:spAutoFit/>
+          </a:bodyPr>
+          <a:lstStyle/>
+          <a:p>
+            <a:r>
+              <a:rPr lang="en-US" sz="4000" dirty="0"/>
+              <a:t>Var a = [10,20,30]</a:t>
+            </a:r>
+          </a:p>
+        </p:txBody>
+      </p:sp>
+      <p:sp>
+        <p:nvSpPr>
+          <p:cNvPr id="5" name="TextBox 4">
+            <a:extLst>
+              <a:ext uri="{FF2B5EF4-FFF2-40B4-BE49-F238E27FC236}">
+                <a16:creationId xmlns:a16="http://schemas.microsoft.com/office/drawing/2014/main" id="{AB41CA04-2B0E-C541-2B97-6153A2D65694}"/>
+              </a:ext>
+            </a:extLst>
+          </p:cNvPr>
+          <p:cNvSpPr txBox="1"/>
+          <p:nvPr/>
+        </p:nvSpPr>
+        <p:spPr>
+          <a:xfrm>
+            <a:off x="8775510" y="2062891"/>
+            <a:ext cx="3234519" cy="584775"/>
+          </a:xfrm>
+          <a:prstGeom prst="rect">
+            <a:avLst/>
+          </a:prstGeom>
+          <a:noFill/>
+        </p:spPr>
+        <p:txBody>
+          <a:bodyPr wrap="square" rtlCol="0">
+            <a:spAutoFit/>
+          </a:bodyPr>
+          <a:lstStyle/>
+          <a:p>
+            <a:r>
+              <a:rPr lang="en-US" sz="3200" dirty="0"/>
+              <a:t>0    1    2 - index</a:t>
+            </a:r>
+          </a:p>
+        </p:txBody>
+      </p:sp>
+    </p:spTree>
+    <p:extLst>
+      <p:ext uri="{BB962C8B-B14F-4D97-AF65-F5344CB8AC3E}">
+        <p14:creationId xmlns:p14="http://schemas.microsoft.com/office/powerpoint/2010/main" val="908799624"/>
+      </p:ext>
+    </p:extLst>
+  </p:cSld>
+  <p:clrMapOvr>
+    <a:masterClrMapping/>
+  </p:clrMapOvr>
+</p:sld>
+</file>
+
+<file path=ppt/slides/slide64.xml><?xml version="1.0" encoding="utf-8"?>
+<p:sld xmlns:a="http://schemas.openxmlformats.org/drawingml/2006/main" xmlns:r="http://schemas.openxmlformats.org/officeDocument/2006/relationships" xmlns:p="http://schemas.openxmlformats.org/presentationml/2006/main">
+  <p:cSld>
+    <p:spTree>
+      <p:nvGrpSpPr>
+        <p:cNvPr id="1" name=""/>
+        <p:cNvGrpSpPr/>
+        <p:nvPr/>
+      </p:nvGrpSpPr>
+      <p:grpSpPr>
+        <a:xfrm>
+          <a:off x="0" y="0"/>
+          <a:ext cx="0" cy="0"/>
+          <a:chOff x="0" y="0"/>
+          <a:chExt cx="0" cy="0"/>
+        </a:xfrm>
+      </p:grpSpPr>
+      <p:sp>
+        <p:nvSpPr>
+          <p:cNvPr id="2" name="Title 1">
+            <a:extLst>
+              <a:ext uri="{FF2B5EF4-FFF2-40B4-BE49-F238E27FC236}">
+                <a16:creationId xmlns:a16="http://schemas.microsoft.com/office/drawing/2014/main" id="{A09D50F0-1A87-5A45-D784-A6ABFED5A17F}"/>
+              </a:ext>
+            </a:extLst>
+          </p:cNvPr>
+          <p:cNvSpPr>
+            <a:spLocks noGrp="1"/>
+          </p:cNvSpPr>
+          <p:nvPr>
+            <p:ph type="title"/>
+          </p:nvPr>
+        </p:nvSpPr>
+        <p:spPr/>
+        <p:txBody>
+          <a:bodyPr/>
+          <a:lstStyle/>
+          <a:p>
+            <a:r>
+              <a:rPr lang="en-US" dirty="0"/>
+              <a:t>Another way to create Array:</a:t>
+            </a:r>
+          </a:p>
+        </p:txBody>
+      </p:sp>
+      <p:sp>
+        <p:nvSpPr>
+          <p:cNvPr id="3" name="Content Placeholder 2">
+            <a:extLst>
+              <a:ext uri="{FF2B5EF4-FFF2-40B4-BE49-F238E27FC236}">
+                <a16:creationId xmlns:a16="http://schemas.microsoft.com/office/drawing/2014/main" id="{7E84EA9C-F8E2-4B56-CCC2-F8E86D919B76}"/>
+              </a:ext>
+            </a:extLst>
+          </p:cNvPr>
+          <p:cNvSpPr>
+            <a:spLocks noGrp="1"/>
+          </p:cNvSpPr>
+          <p:nvPr>
+            <p:ph idx="1"/>
+          </p:nvPr>
+        </p:nvSpPr>
+        <p:spPr/>
+        <p:txBody>
+          <a:bodyPr/>
+          <a:lstStyle/>
+          <a:p>
+            <a:pPr marL="0" indent="0">
+              <a:buNone/>
+            </a:pPr>
+            <a:r>
+              <a:rPr lang="en-US" dirty="0"/>
+              <a:t>Var a = [10,20,30];</a:t>
+            </a:r>
+          </a:p>
+          <a:p>
+            <a:pPr marL="0" indent="0">
+              <a:buNone/>
+            </a:pPr>
+            <a:endParaRPr lang="en-US" dirty="0"/>
+          </a:p>
+          <a:p>
+            <a:pPr marL="0" indent="0">
+              <a:buNone/>
+            </a:pPr>
+            <a:r>
+              <a:rPr lang="en-US" dirty="0"/>
+              <a:t>Var a = new Array();</a:t>
+            </a:r>
+          </a:p>
+        </p:txBody>
+      </p:sp>
+    </p:spTree>
+    <p:extLst>
+      <p:ext uri="{BB962C8B-B14F-4D97-AF65-F5344CB8AC3E}">
+        <p14:creationId xmlns:p14="http://schemas.microsoft.com/office/powerpoint/2010/main" val="1415529359"/>
+      </p:ext>
+    </p:extLst>
+  </p:cSld>
+  <p:clrMapOvr>
+    <a:masterClrMapping/>
+  </p:clrMapOvr>
+</p:sld>
+</file>
+
+<file path=ppt/slides/slide65.xml><?xml version="1.0" encoding="utf-8"?>
+<p:sld xmlns:a="http://schemas.openxmlformats.org/drawingml/2006/main" xmlns:r="http://schemas.openxmlformats.org/officeDocument/2006/relationships" xmlns:p="http://schemas.openxmlformats.org/presentationml/2006/main">
+  <p:cSld>
+    <p:spTree>
+      <p:nvGrpSpPr>
+        <p:cNvPr id="1" name=""/>
+        <p:cNvGrpSpPr/>
+        <p:nvPr/>
+      </p:nvGrpSpPr>
+      <p:grpSpPr>
+        <a:xfrm>
+          <a:off x="0" y="0"/>
+          <a:ext cx="0" cy="0"/>
+          <a:chOff x="0" y="0"/>
+          <a:chExt cx="0" cy="0"/>
+        </a:xfrm>
+      </p:grpSpPr>
+      <p:sp>
+        <p:nvSpPr>
+          <p:cNvPr id="2" name="Title 1">
+            <a:extLst>
+              <a:ext uri="{FF2B5EF4-FFF2-40B4-BE49-F238E27FC236}">
+                <a16:creationId xmlns:a16="http://schemas.microsoft.com/office/drawing/2014/main" id="{5F1AEE7F-761A-4769-C717-5C1AE6794FEA}"/>
+              </a:ext>
+            </a:extLst>
+          </p:cNvPr>
+          <p:cNvSpPr>
+            <a:spLocks noGrp="1"/>
+          </p:cNvSpPr>
+          <p:nvPr>
+            <p:ph type="title"/>
+          </p:nvPr>
+        </p:nvSpPr>
+        <p:spPr>
+          <a:xfrm>
+            <a:off x="838200" y="324182"/>
+            <a:ext cx="10515600" cy="1325563"/>
+          </a:xfrm>
+        </p:spPr>
+        <p:txBody>
+          <a:bodyPr/>
+          <a:lstStyle/>
+          <a:p>
+            <a:r>
+              <a:rPr lang="en-US" dirty="0"/>
+              <a:t>JS: Multidimensional Array element</a:t>
+            </a:r>
+          </a:p>
+        </p:txBody>
+      </p:sp>
+      <p:sp>
+        <p:nvSpPr>
+          <p:cNvPr id="3" name="Content Placeholder 2">
+            <a:extLst>
+              <a:ext uri="{FF2B5EF4-FFF2-40B4-BE49-F238E27FC236}">
+                <a16:creationId xmlns:a16="http://schemas.microsoft.com/office/drawing/2014/main" id="{ED705651-467A-8DBB-43BD-47337612C792}"/>
+              </a:ext>
+            </a:extLst>
+          </p:cNvPr>
+          <p:cNvSpPr>
+            <a:spLocks noGrp="1"/>
+          </p:cNvSpPr>
+          <p:nvPr>
+            <p:ph idx="1"/>
+          </p:nvPr>
+        </p:nvSpPr>
+        <p:spPr>
+          <a:xfrm>
+            <a:off x="838200" y="1784682"/>
+            <a:ext cx="5257800" cy="1217826"/>
+          </a:xfrm>
+        </p:spPr>
+        <p:txBody>
+          <a:bodyPr/>
+          <a:lstStyle/>
+          <a:p>
+            <a:pPr marL="0" indent="0">
+              <a:buNone/>
+            </a:pPr>
+            <a:r>
+              <a:rPr lang="en-US" dirty="0"/>
+              <a:t>Var a = [10,20,30];</a:t>
+            </a:r>
+          </a:p>
+          <a:p>
+            <a:pPr marL="0" indent="0">
+              <a:buNone/>
+            </a:pPr>
+            <a:r>
+              <a:rPr lang="en-US" dirty="0"/>
+              <a:t>Var a = [“Ram”,”</a:t>
+            </a:r>
+            <a:r>
+              <a:rPr lang="en-US" dirty="0" err="1"/>
+              <a:t>Shyam</a:t>
+            </a:r>
+            <a:r>
+              <a:rPr lang="en-US" dirty="0"/>
+              <a:t>”,”Mohan”];</a:t>
+            </a:r>
+          </a:p>
+        </p:txBody>
+      </p:sp>
+      <p:graphicFrame>
+        <p:nvGraphicFramePr>
+          <p:cNvPr id="4" name="Table 4">
+            <a:extLst>
+              <a:ext uri="{FF2B5EF4-FFF2-40B4-BE49-F238E27FC236}">
+                <a16:creationId xmlns:a16="http://schemas.microsoft.com/office/drawing/2014/main" id="{67CC69F1-DC14-F7A0-8D88-A86EC0EA55DA}"/>
+              </a:ext>
+            </a:extLst>
+          </p:cNvPr>
+          <p:cNvGraphicFramePr>
+            <a:graphicFrameLocks noGrp="1"/>
+          </p:cNvGraphicFramePr>
+          <p:nvPr>
+            <p:extLst>
+              <p:ext uri="{D42A27DB-BD31-4B8C-83A1-F6EECF244321}">
+                <p14:modId xmlns:p14="http://schemas.microsoft.com/office/powerpoint/2010/main" val="1017486356"/>
+              </p:ext>
+            </p:extLst>
+          </p:nvPr>
+        </p:nvGraphicFramePr>
+        <p:xfrm>
+          <a:off x="2032000" y="2952025"/>
+          <a:ext cx="6502400" cy="1483360"/>
+        </p:xfrm>
+        <a:graphic>
+          <a:graphicData uri="http://schemas.openxmlformats.org/drawingml/2006/table">
+            <a:tbl>
+              <a:tblPr firstRow="1" bandRow="1">
+                <a:tableStyleId>{5C22544A-7EE6-4342-B048-85BDC9FD1C3A}</a:tableStyleId>
+              </a:tblPr>
+              <a:tblGrid>
+                <a:gridCol w="1625600">
+                  <a:extLst>
+                    <a:ext uri="{9D8B030D-6E8A-4147-A177-3AD203B41FA5}">
+                      <a16:colId xmlns:a16="http://schemas.microsoft.com/office/drawing/2014/main" val="1360772087"/>
+                    </a:ext>
+                  </a:extLst>
+                </a:gridCol>
+                <a:gridCol w="1625600">
+                  <a:extLst>
+                    <a:ext uri="{9D8B030D-6E8A-4147-A177-3AD203B41FA5}">
+                      <a16:colId xmlns:a16="http://schemas.microsoft.com/office/drawing/2014/main" val="2448168159"/>
+                    </a:ext>
+                  </a:extLst>
+                </a:gridCol>
+                <a:gridCol w="1625600">
+                  <a:extLst>
+                    <a:ext uri="{9D8B030D-6E8A-4147-A177-3AD203B41FA5}">
+                      <a16:colId xmlns:a16="http://schemas.microsoft.com/office/drawing/2014/main" val="1523238413"/>
+                    </a:ext>
+                  </a:extLst>
+                </a:gridCol>
+                <a:gridCol w="1625600">
+                  <a:extLst>
+                    <a:ext uri="{9D8B030D-6E8A-4147-A177-3AD203B41FA5}">
+                      <a16:colId xmlns:a16="http://schemas.microsoft.com/office/drawing/2014/main" val="3636989375"/>
+                    </a:ext>
+                  </a:extLst>
+                </a:gridCol>
+              </a:tblGrid>
+              <a:tr h="370840">
+                <a:tc>
+                  <a:txBody>
+                    <a:bodyPr/>
+                    <a:lstStyle/>
+                    <a:p>
+                      <a:pPr algn="ctr"/>
+                      <a:r>
+                        <a:rPr lang="en-US" dirty="0"/>
+                        <a:t>Name</a:t>
+                      </a:r>
+                    </a:p>
+                  </a:txBody>
+                  <a:tcPr/>
+                </a:tc>
+                <a:tc>
+                  <a:txBody>
+                    <a:bodyPr/>
+                    <a:lstStyle/>
+                    <a:p>
+                      <a:pPr algn="ctr"/>
+                      <a:r>
+                        <a:rPr lang="en-US" dirty="0"/>
+                        <a:t>Age</a:t>
+                      </a:r>
+                    </a:p>
+                  </a:txBody>
+                  <a:tcPr/>
+                </a:tc>
+                <a:tc>
+                  <a:txBody>
+                    <a:bodyPr/>
+                    <a:lstStyle/>
+                    <a:p>
+                      <a:pPr algn="ctr"/>
+                      <a:r>
+                        <a:rPr lang="en-US" dirty="0"/>
+                        <a:t>Gender</a:t>
+                      </a:r>
+                    </a:p>
+                  </a:txBody>
+                  <a:tcPr/>
+                </a:tc>
+                <a:tc>
+                  <a:txBody>
+                    <a:bodyPr/>
+                    <a:lstStyle/>
+                    <a:p>
+                      <a:pPr algn="ctr"/>
+                      <a:r>
+                        <a:rPr lang="en-US" dirty="0"/>
+                        <a:t>Class</a:t>
+                      </a:r>
+                    </a:p>
+                  </a:txBody>
+                  <a:tcPr/>
+                </a:tc>
+                <a:extLst>
+                  <a:ext uri="{0D108BD9-81ED-4DB2-BD59-A6C34878D82A}">
+                    <a16:rowId xmlns:a16="http://schemas.microsoft.com/office/drawing/2014/main" val="3800936233"/>
+                  </a:ext>
+                </a:extLst>
+              </a:tr>
+              <a:tr h="370840">
+                <a:tc>
+                  <a:txBody>
+                    <a:bodyPr/>
+                    <a:lstStyle/>
+                    <a:p>
+                      <a:pPr algn="ctr"/>
+                      <a:r>
+                        <a:rPr lang="en-US" dirty="0"/>
+                        <a:t>Ram</a:t>
+                      </a:r>
+                    </a:p>
+                  </a:txBody>
+                  <a:tcPr/>
+                </a:tc>
+                <a:tc>
+                  <a:txBody>
+                    <a:bodyPr/>
+                    <a:lstStyle/>
+                    <a:p>
+                      <a:pPr algn="ctr"/>
+                      <a:r>
+                        <a:rPr lang="en-US" dirty="0"/>
+                        <a:t>18</a:t>
+                      </a:r>
+                    </a:p>
+                  </a:txBody>
+                  <a:tcPr/>
+                </a:tc>
+                <a:tc>
+                  <a:txBody>
+                    <a:bodyPr/>
+                    <a:lstStyle/>
+                    <a:p>
+                      <a:pPr algn="ctr"/>
+                      <a:r>
+                        <a:rPr lang="en-US" dirty="0"/>
+                        <a:t>Male</a:t>
+                      </a:r>
+                    </a:p>
+                  </a:txBody>
+                  <a:tcPr/>
+                </a:tc>
+                <a:tc>
+                  <a:txBody>
+                    <a:bodyPr/>
+                    <a:lstStyle/>
+                    <a:p>
+                      <a:pPr algn="ctr"/>
+                      <a:r>
+                        <a:rPr lang="en-US" dirty="0" err="1"/>
+                        <a:t>B.Com</a:t>
+                      </a:r>
+                      <a:endParaRPr lang="en-US" dirty="0"/>
+                    </a:p>
+                  </a:txBody>
+                  <a:tcPr/>
+                </a:tc>
+                <a:extLst>
+                  <a:ext uri="{0D108BD9-81ED-4DB2-BD59-A6C34878D82A}">
+                    <a16:rowId xmlns:a16="http://schemas.microsoft.com/office/drawing/2014/main" val="1659905409"/>
+                  </a:ext>
+                </a:extLst>
+              </a:tr>
+              <a:tr h="370840">
+                <a:tc>
+                  <a:txBody>
+                    <a:bodyPr/>
+                    <a:lstStyle/>
+                    <a:p>
+                      <a:pPr algn="ctr"/>
+                      <a:r>
+                        <a:rPr lang="en-US" dirty="0" err="1"/>
+                        <a:t>Shyam</a:t>
+                      </a:r>
+                      <a:endParaRPr lang="en-US" dirty="0"/>
+                    </a:p>
+                  </a:txBody>
+                  <a:tcPr/>
+                </a:tc>
+                <a:tc>
+                  <a:txBody>
+                    <a:bodyPr/>
+                    <a:lstStyle/>
+                    <a:p>
+                      <a:pPr algn="ctr"/>
+                      <a:r>
+                        <a:rPr lang="en-US" dirty="0"/>
+                        <a:t>20</a:t>
+                      </a:r>
+                    </a:p>
+                  </a:txBody>
+                  <a:tcPr/>
+                </a:tc>
+                <a:tc>
+                  <a:txBody>
+                    <a:bodyPr/>
+                    <a:lstStyle/>
+                    <a:p>
+                      <a:pPr algn="ctr"/>
+                      <a:r>
+                        <a:rPr lang="en-US" dirty="0"/>
+                        <a:t>Male</a:t>
+                      </a:r>
+                    </a:p>
+                  </a:txBody>
+                  <a:tcPr/>
+                </a:tc>
+                <a:tc>
+                  <a:txBody>
+                    <a:bodyPr/>
+                    <a:lstStyle/>
+                    <a:p>
+                      <a:pPr algn="ctr"/>
+                      <a:r>
+                        <a:rPr lang="en-US" dirty="0"/>
+                        <a:t>BA</a:t>
+                      </a:r>
+                    </a:p>
+                  </a:txBody>
+                  <a:tcPr/>
+                </a:tc>
+                <a:extLst>
+                  <a:ext uri="{0D108BD9-81ED-4DB2-BD59-A6C34878D82A}">
+                    <a16:rowId xmlns:a16="http://schemas.microsoft.com/office/drawing/2014/main" val="4161157250"/>
+                  </a:ext>
+                </a:extLst>
+              </a:tr>
+              <a:tr h="370840">
+                <a:tc>
+                  <a:txBody>
+                    <a:bodyPr/>
+                    <a:lstStyle/>
+                    <a:p>
+                      <a:pPr algn="ctr"/>
+                      <a:r>
+                        <a:rPr lang="en-US" dirty="0"/>
+                        <a:t>Sita</a:t>
+                      </a:r>
+                    </a:p>
+                  </a:txBody>
+                  <a:tcPr/>
+                </a:tc>
+                <a:tc>
+                  <a:txBody>
+                    <a:bodyPr/>
+                    <a:lstStyle/>
+                    <a:p>
+                      <a:pPr algn="ctr"/>
+                      <a:r>
+                        <a:rPr lang="en-US" dirty="0"/>
+                        <a:t>25</a:t>
+                      </a:r>
+                    </a:p>
+                  </a:txBody>
+                  <a:tcPr/>
+                </a:tc>
+                <a:tc>
+                  <a:txBody>
+                    <a:bodyPr/>
+                    <a:lstStyle/>
+                    <a:p>
+                      <a:pPr algn="ctr"/>
+                      <a:r>
+                        <a:rPr lang="en-US" dirty="0"/>
+                        <a:t>Female</a:t>
+                      </a:r>
+                    </a:p>
+                  </a:txBody>
+                  <a:tcPr/>
+                </a:tc>
+                <a:tc>
+                  <a:txBody>
+                    <a:bodyPr/>
+                    <a:lstStyle/>
+                    <a:p>
+                      <a:pPr algn="ctr"/>
+                      <a:r>
+                        <a:rPr lang="en-US" dirty="0"/>
+                        <a:t>BCA</a:t>
+                      </a:r>
+                    </a:p>
+                  </a:txBody>
+                  <a:tcPr/>
+                </a:tc>
+                <a:extLst>
+                  <a:ext uri="{0D108BD9-81ED-4DB2-BD59-A6C34878D82A}">
+                    <a16:rowId xmlns:a16="http://schemas.microsoft.com/office/drawing/2014/main" val="2474279338"/>
+                  </a:ext>
+                </a:extLst>
+              </a:tr>
+            </a:tbl>
+          </a:graphicData>
+        </a:graphic>
+      </p:graphicFrame>
+      <p:sp>
+        <p:nvSpPr>
+          <p:cNvPr id="5" name="TextBox 4">
+            <a:extLst>
+              <a:ext uri="{FF2B5EF4-FFF2-40B4-BE49-F238E27FC236}">
+                <a16:creationId xmlns:a16="http://schemas.microsoft.com/office/drawing/2014/main" id="{1945DBEE-A66F-FC55-2565-D08CA355D69A}"/>
+              </a:ext>
+            </a:extLst>
+          </p:cNvPr>
+          <p:cNvSpPr txBox="1"/>
+          <p:nvPr/>
+        </p:nvSpPr>
+        <p:spPr>
+          <a:xfrm>
+            <a:off x="1119116" y="4858603"/>
+            <a:ext cx="2772362" cy="1477328"/>
+          </a:xfrm>
+          <a:prstGeom prst="rect">
+            <a:avLst/>
+          </a:prstGeom>
+          <a:noFill/>
+        </p:spPr>
+        <p:txBody>
+          <a:bodyPr wrap="none" rtlCol="0">
+            <a:spAutoFit/>
+          </a:bodyPr>
+          <a:lstStyle/>
+          <a:p>
+            <a:r>
+              <a:rPr lang="en-US" dirty="0"/>
+              <a:t>Var a = [</a:t>
+            </a:r>
+          </a:p>
+          <a:p>
+            <a:r>
+              <a:rPr lang="en-US" dirty="0"/>
+              <a:t>[“Ram”,18,”Male”,”B.com”],</a:t>
+            </a:r>
+          </a:p>
+          <a:p>
+            <a:r>
+              <a:rPr lang="en-US" dirty="0"/>
+              <a:t>[“Shyam”,20,”male”,”BA”],</a:t>
+            </a:r>
+          </a:p>
+          <a:p>
+            <a:r>
+              <a:rPr lang="en-US" dirty="0"/>
+              <a:t>[“Sita”,25,”female”,”BCA”]</a:t>
+            </a:r>
+          </a:p>
+          <a:p>
+            <a:r>
+              <a:rPr lang="en-US" dirty="0"/>
+              <a:t>];</a:t>
+            </a:r>
+          </a:p>
+        </p:txBody>
+      </p:sp>
+      <p:sp>
+        <p:nvSpPr>
+          <p:cNvPr id="6" name="TextBox 5">
+            <a:extLst>
+              <a:ext uri="{FF2B5EF4-FFF2-40B4-BE49-F238E27FC236}">
+                <a16:creationId xmlns:a16="http://schemas.microsoft.com/office/drawing/2014/main" id="{E08F1F7A-0CF5-006D-A527-175E66FE3483}"/>
+              </a:ext>
+            </a:extLst>
+          </p:cNvPr>
+          <p:cNvSpPr txBox="1"/>
+          <p:nvPr/>
+        </p:nvSpPr>
+        <p:spPr>
+          <a:xfrm>
+            <a:off x="10032128" y="986963"/>
+            <a:ext cx="886781" cy="4801314"/>
+          </a:xfrm>
+          <a:prstGeom prst="rect">
+            <a:avLst/>
+          </a:prstGeom>
+          <a:noFill/>
+        </p:spPr>
+        <p:txBody>
+          <a:bodyPr wrap="none" rtlCol="0">
+            <a:spAutoFit/>
+          </a:bodyPr>
+          <a:lstStyle/>
+          <a:p>
+            <a:r>
+              <a:rPr lang="en-US" dirty="0"/>
+              <a:t>A[0][0]</a:t>
+            </a:r>
+          </a:p>
+          <a:p>
+            <a:r>
+              <a:rPr lang="en-US" dirty="0"/>
+              <a:t>A[0][1]</a:t>
+            </a:r>
+          </a:p>
+          <a:p>
+            <a:r>
+              <a:rPr lang="en-US" dirty="0"/>
+              <a:t>A[0][2]</a:t>
+            </a:r>
+          </a:p>
+          <a:p>
+            <a:r>
+              <a:rPr lang="en-US" dirty="0"/>
+              <a:t>A[0][3]</a:t>
+            </a:r>
+          </a:p>
+          <a:p>
+            <a:r>
+              <a:rPr lang="en-US" dirty="0"/>
+              <a:t>A[1][0]</a:t>
+            </a:r>
+          </a:p>
+          <a:p>
+            <a:r>
+              <a:rPr lang="en-US" dirty="0"/>
+              <a:t>A[1][1]</a:t>
+            </a:r>
+          </a:p>
+          <a:p>
+            <a:r>
+              <a:rPr lang="en-US" dirty="0"/>
+              <a:t>A[1][2]</a:t>
+            </a:r>
+          </a:p>
+          <a:p>
+            <a:r>
+              <a:rPr lang="en-US" dirty="0"/>
+              <a:t>A[1][3]</a:t>
+            </a:r>
+          </a:p>
+          <a:p>
+            <a:r>
+              <a:rPr lang="en-US" dirty="0"/>
+              <a:t>A[2][0]</a:t>
+            </a:r>
+          </a:p>
+          <a:p>
+            <a:r>
+              <a:rPr lang="en-US" dirty="0"/>
+              <a:t>A[2][1]</a:t>
+            </a:r>
+          </a:p>
+          <a:p>
+            <a:r>
+              <a:rPr lang="en-US" dirty="0"/>
+              <a:t>A[2][2] </a:t>
+            </a:r>
+          </a:p>
+          <a:p>
+            <a:r>
+              <a:rPr lang="en-US" dirty="0"/>
+              <a:t>A[2][3]</a:t>
+            </a:r>
+          </a:p>
+          <a:p>
+            <a:endParaRPr lang="en-US" dirty="0"/>
+          </a:p>
+          <a:p>
+            <a:endParaRPr lang="en-US" dirty="0"/>
+          </a:p>
+          <a:p>
+            <a:endParaRPr lang="en-US" dirty="0"/>
+          </a:p>
+          <a:p>
+            <a:endParaRPr lang="en-US" dirty="0"/>
+          </a:p>
+          <a:p>
+            <a:endParaRPr lang="en-US" dirty="0"/>
+          </a:p>
+        </p:txBody>
+      </p:sp>
+    </p:spTree>
+    <p:extLst>
+      <p:ext uri="{BB962C8B-B14F-4D97-AF65-F5344CB8AC3E}">
+        <p14:creationId xmlns:p14="http://schemas.microsoft.com/office/powerpoint/2010/main" val="1960142319"/>
       </p:ext>
     </p:extLst>
   </p:cSld>

--- a/JavaScript.pptx
+++ b/JavaScript.pptx
@@ -70,6 +70,11 @@
     <p:sldId id="318" r:id="rId64"/>
     <p:sldId id="319" r:id="rId65"/>
     <p:sldId id="320" r:id="rId66"/>
+    <p:sldId id="321" r:id="rId67"/>
+    <p:sldId id="322" r:id="rId68"/>
+    <p:sldId id="323" r:id="rId69"/>
+    <p:sldId id="324" r:id="rId70"/>
+    <p:sldId id="325" r:id="rId71"/>
   </p:sldIdLst>
   <p:sldSz cx="12192000" cy="6858000"/>
   <p:notesSz cx="6858000" cy="9144000"/>
@@ -242,6 +247,11 @@
             <p14:sldId id="318"/>
             <p14:sldId id="319"/>
             <p14:sldId id="320"/>
+            <p14:sldId id="321"/>
+            <p14:sldId id="322"/>
+            <p14:sldId id="323"/>
+            <p14:sldId id="324"/>
+            <p14:sldId id="325"/>
           </p14:sldIdLst>
         </p14:section>
       </p14:sectionLst>
@@ -400,7 +410,7 @@
           <a:p>
             <a:fld id="{B0FD79F2-F8AC-467F-AA9E-9C9DDF51E646}" type="datetimeFigureOut">
               <a:rPr lang="en-US" smtClean="0"/>
-              <a:t>1/11/2023</a:t>
+              <a:t>1/12/2023</a:t>
             </a:fld>
             <a:endParaRPr lang="en-US"/>
           </a:p>
@@ -598,7 +608,7 @@
           <a:p>
             <a:fld id="{B0FD79F2-F8AC-467F-AA9E-9C9DDF51E646}" type="datetimeFigureOut">
               <a:rPr lang="en-US" smtClean="0"/>
-              <a:t>1/11/2023</a:t>
+              <a:t>1/12/2023</a:t>
             </a:fld>
             <a:endParaRPr lang="en-US"/>
           </a:p>
@@ -806,7 +816,7 @@
           <a:p>
             <a:fld id="{B0FD79F2-F8AC-467F-AA9E-9C9DDF51E646}" type="datetimeFigureOut">
               <a:rPr lang="en-US" smtClean="0"/>
-              <a:t>1/11/2023</a:t>
+              <a:t>1/12/2023</a:t>
             </a:fld>
             <a:endParaRPr lang="en-US"/>
           </a:p>
@@ -1004,7 +1014,7 @@
           <a:p>
             <a:fld id="{B0FD79F2-F8AC-467F-AA9E-9C9DDF51E646}" type="datetimeFigureOut">
               <a:rPr lang="en-US" smtClean="0"/>
-              <a:t>1/11/2023</a:t>
+              <a:t>1/12/2023</a:t>
             </a:fld>
             <a:endParaRPr lang="en-US"/>
           </a:p>
@@ -1279,7 +1289,7 @@
           <a:p>
             <a:fld id="{B0FD79F2-F8AC-467F-AA9E-9C9DDF51E646}" type="datetimeFigureOut">
               <a:rPr lang="en-US" smtClean="0"/>
-              <a:t>1/11/2023</a:t>
+              <a:t>1/12/2023</a:t>
             </a:fld>
             <a:endParaRPr lang="en-US"/>
           </a:p>
@@ -1544,7 +1554,7 @@
           <a:p>
             <a:fld id="{B0FD79F2-F8AC-467F-AA9E-9C9DDF51E646}" type="datetimeFigureOut">
               <a:rPr lang="en-US" smtClean="0"/>
-              <a:t>1/11/2023</a:t>
+              <a:t>1/12/2023</a:t>
             </a:fld>
             <a:endParaRPr lang="en-US"/>
           </a:p>
@@ -1956,7 +1966,7 @@
           <a:p>
             <a:fld id="{B0FD79F2-F8AC-467F-AA9E-9C9DDF51E646}" type="datetimeFigureOut">
               <a:rPr lang="en-US" smtClean="0"/>
-              <a:t>1/11/2023</a:t>
+              <a:t>1/12/2023</a:t>
             </a:fld>
             <a:endParaRPr lang="en-US"/>
           </a:p>
@@ -2097,7 +2107,7 @@
           <a:p>
             <a:fld id="{B0FD79F2-F8AC-467F-AA9E-9C9DDF51E646}" type="datetimeFigureOut">
               <a:rPr lang="en-US" smtClean="0"/>
-              <a:t>1/11/2023</a:t>
+              <a:t>1/12/2023</a:t>
             </a:fld>
             <a:endParaRPr lang="en-US"/>
           </a:p>
@@ -2210,7 +2220,7 @@
           <a:p>
             <a:fld id="{B0FD79F2-F8AC-467F-AA9E-9C9DDF51E646}" type="datetimeFigureOut">
               <a:rPr lang="en-US" smtClean="0"/>
-              <a:t>1/11/2023</a:t>
+              <a:t>1/12/2023</a:t>
             </a:fld>
             <a:endParaRPr lang="en-US"/>
           </a:p>
@@ -2521,7 +2531,7 @@
           <a:p>
             <a:fld id="{B0FD79F2-F8AC-467F-AA9E-9C9DDF51E646}" type="datetimeFigureOut">
               <a:rPr lang="en-US" smtClean="0"/>
-              <a:t>1/11/2023</a:t>
+              <a:t>1/12/2023</a:t>
             </a:fld>
             <a:endParaRPr lang="en-US"/>
           </a:p>
@@ -2809,7 +2819,7 @@
           <a:p>
             <a:fld id="{B0FD79F2-F8AC-467F-AA9E-9C9DDF51E646}" type="datetimeFigureOut">
               <a:rPr lang="en-US" smtClean="0"/>
-              <a:t>1/11/2023</a:t>
+              <a:t>1/12/2023</a:t>
             </a:fld>
             <a:endParaRPr lang="en-US"/>
           </a:p>
@@ -3050,7 +3060,7 @@
           <a:p>
             <a:fld id="{B0FD79F2-F8AC-467F-AA9E-9C9DDF51E646}" type="datetimeFigureOut">
               <a:rPr lang="en-US" smtClean="0"/>
-              <a:t>1/11/2023</a:t>
+              <a:t>1/12/2023</a:t>
             </a:fld>
             <a:endParaRPr lang="en-US"/>
           </a:p>
@@ -19035,6 +19045,677 @@
 </p:sld>
 </file>
 
+<file path=ppt/slides/slide66.xml><?xml version="1.0" encoding="utf-8"?>
+<p:sld xmlns:a="http://schemas.openxmlformats.org/drawingml/2006/main" xmlns:r="http://schemas.openxmlformats.org/officeDocument/2006/relationships" xmlns:p="http://schemas.openxmlformats.org/presentationml/2006/main">
+  <p:cSld>
+    <p:spTree>
+      <p:nvGrpSpPr>
+        <p:cNvPr id="1" name=""/>
+        <p:cNvGrpSpPr/>
+        <p:nvPr/>
+      </p:nvGrpSpPr>
+      <p:grpSpPr>
+        <a:xfrm>
+          <a:off x="0" y="0"/>
+          <a:ext cx="0" cy="0"/>
+          <a:chOff x="0" y="0"/>
+          <a:chExt cx="0" cy="0"/>
+        </a:xfrm>
+      </p:grpSpPr>
+      <p:sp>
+        <p:nvSpPr>
+          <p:cNvPr id="2" name="Title 1">
+            <a:extLst>
+              <a:ext uri="{FF2B5EF4-FFF2-40B4-BE49-F238E27FC236}">
+                <a16:creationId xmlns:a16="http://schemas.microsoft.com/office/drawing/2014/main" id="{8A2974D5-6DE7-7C3C-836F-3C706FBD643B}"/>
+              </a:ext>
+            </a:extLst>
+          </p:cNvPr>
+          <p:cNvSpPr>
+            <a:spLocks noGrp="1"/>
+          </p:cNvSpPr>
+          <p:nvPr>
+            <p:ph type="title"/>
+          </p:nvPr>
+        </p:nvSpPr>
+        <p:spPr/>
+        <p:txBody>
+          <a:bodyPr/>
+          <a:lstStyle/>
+          <a:p>
+            <a:r>
+              <a:rPr lang="en-US" dirty="0"/>
+              <a:t>JS: Modify &amp; Remove Array Element</a:t>
+            </a:r>
+          </a:p>
+        </p:txBody>
+      </p:sp>
+      <p:sp>
+        <p:nvSpPr>
+          <p:cNvPr id="3" name="Content Placeholder 2">
+            <a:extLst>
+              <a:ext uri="{FF2B5EF4-FFF2-40B4-BE49-F238E27FC236}">
+                <a16:creationId xmlns:a16="http://schemas.microsoft.com/office/drawing/2014/main" id="{2B35B651-3772-4AA0-048A-0820D34C235F}"/>
+              </a:ext>
+            </a:extLst>
+          </p:cNvPr>
+          <p:cNvSpPr>
+            <a:spLocks noGrp="1"/>
+          </p:cNvSpPr>
+          <p:nvPr>
+            <p:ph idx="1"/>
+          </p:nvPr>
+        </p:nvSpPr>
+        <p:spPr/>
+        <p:txBody>
+          <a:bodyPr/>
+          <a:lstStyle/>
+          <a:p>
+            <a:pPr marL="0" indent="0">
+              <a:buNone/>
+            </a:pPr>
+            <a:r>
+              <a:rPr lang="en-US" dirty="0"/>
+              <a:t>Remove – delete a[1];</a:t>
+            </a:r>
+          </a:p>
+        </p:txBody>
+      </p:sp>
+    </p:spTree>
+    <p:extLst>
+      <p:ext uri="{BB962C8B-B14F-4D97-AF65-F5344CB8AC3E}">
+        <p14:creationId xmlns:p14="http://schemas.microsoft.com/office/powerpoint/2010/main" val="3065873694"/>
+      </p:ext>
+    </p:extLst>
+  </p:cSld>
+  <p:clrMapOvr>
+    <a:masterClrMapping/>
+  </p:clrMapOvr>
+</p:sld>
+</file>
+
+<file path=ppt/slides/slide67.xml><?xml version="1.0" encoding="utf-8"?>
+<p:sld xmlns:a="http://schemas.openxmlformats.org/drawingml/2006/main" xmlns:r="http://schemas.openxmlformats.org/officeDocument/2006/relationships" xmlns:p="http://schemas.openxmlformats.org/presentationml/2006/main">
+  <p:cSld>
+    <p:spTree>
+      <p:nvGrpSpPr>
+        <p:cNvPr id="1" name=""/>
+        <p:cNvGrpSpPr/>
+        <p:nvPr/>
+      </p:nvGrpSpPr>
+      <p:grpSpPr>
+        <a:xfrm>
+          <a:off x="0" y="0"/>
+          <a:ext cx="0" cy="0"/>
+          <a:chOff x="0" y="0"/>
+          <a:chExt cx="0" cy="0"/>
+        </a:xfrm>
+      </p:grpSpPr>
+      <p:sp>
+        <p:nvSpPr>
+          <p:cNvPr id="2" name="Title 1">
+            <a:extLst>
+              <a:ext uri="{FF2B5EF4-FFF2-40B4-BE49-F238E27FC236}">
+                <a16:creationId xmlns:a16="http://schemas.microsoft.com/office/drawing/2014/main" id="{0312D9B1-0825-81E6-F0D7-1BBF60C3FC4A}"/>
+              </a:ext>
+            </a:extLst>
+          </p:cNvPr>
+          <p:cNvSpPr>
+            <a:spLocks noGrp="1"/>
+          </p:cNvSpPr>
+          <p:nvPr>
+            <p:ph type="title"/>
+          </p:nvPr>
+        </p:nvSpPr>
+        <p:spPr/>
+        <p:txBody>
+          <a:bodyPr/>
+          <a:lstStyle/>
+          <a:p>
+            <a:r>
+              <a:rPr lang="en-US" dirty="0"/>
+              <a:t>JS: Array Methods</a:t>
+            </a:r>
+          </a:p>
+        </p:txBody>
+      </p:sp>
+      <p:sp>
+        <p:nvSpPr>
+          <p:cNvPr id="3" name="Content Placeholder 2">
+            <a:extLst>
+              <a:ext uri="{FF2B5EF4-FFF2-40B4-BE49-F238E27FC236}">
+                <a16:creationId xmlns:a16="http://schemas.microsoft.com/office/drawing/2014/main" id="{7AD51130-C7EB-C5DD-037D-CD2CDA6D8959}"/>
+              </a:ext>
+            </a:extLst>
+          </p:cNvPr>
+          <p:cNvSpPr>
+            <a:spLocks noGrp="1"/>
+          </p:cNvSpPr>
+          <p:nvPr>
+            <p:ph idx="1"/>
+          </p:nvPr>
+        </p:nvSpPr>
+        <p:spPr/>
+        <p:txBody>
+          <a:bodyPr numCol="3">
+            <a:normAutofit/>
+          </a:bodyPr>
+          <a:lstStyle/>
+          <a:p>
+            <a:r>
+              <a:rPr lang="en-US" dirty="0"/>
+              <a:t>Sort()</a:t>
+            </a:r>
+          </a:p>
+          <a:p>
+            <a:r>
+              <a:rPr lang="en-US" dirty="0"/>
+              <a:t>Reverse()</a:t>
+            </a:r>
+          </a:p>
+          <a:p>
+            <a:r>
+              <a:rPr lang="en-US" dirty="0"/>
+              <a:t>Pop()</a:t>
+            </a:r>
+          </a:p>
+          <a:p>
+            <a:r>
+              <a:rPr lang="en-US" dirty="0"/>
+              <a:t>Push()</a:t>
+            </a:r>
+          </a:p>
+          <a:p>
+            <a:r>
+              <a:rPr lang="en-US" dirty="0"/>
+              <a:t>Shift()</a:t>
+            </a:r>
+          </a:p>
+          <a:p>
+            <a:r>
+              <a:rPr lang="en-US" dirty="0"/>
+              <a:t>Unshift()</a:t>
+            </a:r>
+          </a:p>
+          <a:p>
+            <a:r>
+              <a:rPr lang="en-US" dirty="0" err="1"/>
+              <a:t>Concat</a:t>
+            </a:r>
+            <a:r>
+              <a:rPr lang="en-US" dirty="0"/>
+              <a:t>()</a:t>
+            </a:r>
+          </a:p>
+          <a:p>
+            <a:r>
+              <a:rPr lang="en-US" dirty="0"/>
+              <a:t>Join()</a:t>
+            </a:r>
+          </a:p>
+          <a:p>
+            <a:r>
+              <a:rPr lang="en-US" dirty="0"/>
+              <a:t>Slice()</a:t>
+            </a:r>
+          </a:p>
+          <a:p>
+            <a:r>
+              <a:rPr lang="en-US" dirty="0"/>
+              <a:t>Splice()</a:t>
+            </a:r>
+          </a:p>
+          <a:p>
+            <a:r>
+              <a:rPr lang="en-US" dirty="0" err="1"/>
+              <a:t>isArray</a:t>
+            </a:r>
+            <a:r>
+              <a:rPr lang="en-US" dirty="0"/>
+              <a:t>()</a:t>
+            </a:r>
+          </a:p>
+          <a:p>
+            <a:r>
+              <a:rPr lang="en-US" dirty="0" err="1"/>
+              <a:t>indexOf</a:t>
+            </a:r>
+            <a:r>
+              <a:rPr lang="en-US" dirty="0"/>
+              <a:t>()</a:t>
+            </a:r>
+          </a:p>
+          <a:p>
+            <a:r>
+              <a:rPr lang="en-US" dirty="0" err="1"/>
+              <a:t>lastIndexOf</a:t>
+            </a:r>
+            <a:r>
+              <a:rPr lang="en-US" dirty="0"/>
+              <a:t>()</a:t>
+            </a:r>
+          </a:p>
+          <a:p>
+            <a:r>
+              <a:rPr lang="en-US" dirty="0"/>
+              <a:t>Entries()</a:t>
+            </a:r>
+          </a:p>
+          <a:p>
+            <a:r>
+              <a:rPr lang="en-US" dirty="0"/>
+              <a:t>Every()</a:t>
+            </a:r>
+          </a:p>
+          <a:p>
+            <a:r>
+              <a:rPr lang="en-US" dirty="0"/>
+              <a:t>Filter()</a:t>
+            </a:r>
+          </a:p>
+          <a:p>
+            <a:r>
+              <a:rPr lang="en-US" dirty="0"/>
+              <a:t>Find()</a:t>
+            </a:r>
+          </a:p>
+          <a:p>
+            <a:r>
+              <a:rPr lang="en-US" dirty="0" err="1"/>
+              <a:t>findIndex</a:t>
+            </a:r>
+            <a:r>
+              <a:rPr lang="en-US" dirty="0"/>
+              <a:t>()</a:t>
+            </a:r>
+          </a:p>
+          <a:p>
+            <a:r>
+              <a:rPr lang="en-US" dirty="0"/>
+              <a:t>Includes()</a:t>
+            </a:r>
+          </a:p>
+          <a:p>
+            <a:r>
+              <a:rPr lang="en-US" dirty="0"/>
+              <a:t>Some()</a:t>
+            </a:r>
+          </a:p>
+          <a:p>
+            <a:r>
+              <a:rPr lang="en-US" dirty="0" err="1"/>
+              <a:t>forEach</a:t>
+            </a:r>
+            <a:r>
+              <a:rPr lang="en-US" dirty="0"/>
+              <a:t>()</a:t>
+            </a:r>
+          </a:p>
+          <a:p>
+            <a:r>
+              <a:rPr lang="en-US" dirty="0" err="1"/>
+              <a:t>toString</a:t>
+            </a:r>
+            <a:r>
+              <a:rPr lang="en-US" dirty="0"/>
+              <a:t>()</a:t>
+            </a:r>
+          </a:p>
+          <a:p>
+            <a:r>
+              <a:rPr lang="en-US" dirty="0" err="1"/>
+              <a:t>valueOf</a:t>
+            </a:r>
+            <a:r>
+              <a:rPr lang="en-US" dirty="0"/>
+              <a:t>()</a:t>
+            </a:r>
+          </a:p>
+          <a:p>
+            <a:r>
+              <a:rPr lang="en-US" dirty="0"/>
+              <a:t>Fill()</a:t>
+            </a:r>
+          </a:p>
+        </p:txBody>
+      </p:sp>
+    </p:spTree>
+    <p:extLst>
+      <p:ext uri="{BB962C8B-B14F-4D97-AF65-F5344CB8AC3E}">
+        <p14:creationId xmlns:p14="http://schemas.microsoft.com/office/powerpoint/2010/main" val="3107617765"/>
+      </p:ext>
+    </p:extLst>
+  </p:cSld>
+  <p:clrMapOvr>
+    <a:masterClrMapping/>
+  </p:clrMapOvr>
+</p:sld>
+</file>
+
+<file path=ppt/slides/slide68.xml><?xml version="1.0" encoding="utf-8"?>
+<p:sld xmlns:a="http://schemas.openxmlformats.org/drawingml/2006/main" xmlns:r="http://schemas.openxmlformats.org/officeDocument/2006/relationships" xmlns:p="http://schemas.openxmlformats.org/presentationml/2006/main">
+  <p:cSld>
+    <p:spTree>
+      <p:nvGrpSpPr>
+        <p:cNvPr id="1" name=""/>
+        <p:cNvGrpSpPr/>
+        <p:nvPr/>
+      </p:nvGrpSpPr>
+      <p:grpSpPr>
+        <a:xfrm>
+          <a:off x="0" y="0"/>
+          <a:ext cx="0" cy="0"/>
+          <a:chOff x="0" y="0"/>
+          <a:chExt cx="0" cy="0"/>
+        </a:xfrm>
+      </p:grpSpPr>
+      <p:sp>
+        <p:nvSpPr>
+          <p:cNvPr id="2" name="Title 1">
+            <a:extLst>
+              <a:ext uri="{FF2B5EF4-FFF2-40B4-BE49-F238E27FC236}">
+                <a16:creationId xmlns:a16="http://schemas.microsoft.com/office/drawing/2014/main" id="{CE3F26F5-F084-245F-2E23-26EAC3DAAFA3}"/>
+              </a:ext>
+            </a:extLst>
+          </p:cNvPr>
+          <p:cNvSpPr>
+            <a:spLocks noGrp="1"/>
+          </p:cNvSpPr>
+          <p:nvPr>
+            <p:ph type="title"/>
+          </p:nvPr>
+        </p:nvSpPr>
+        <p:spPr/>
+        <p:txBody>
+          <a:bodyPr/>
+          <a:lstStyle/>
+          <a:p>
+            <a:r>
+              <a:rPr lang="en-US" dirty="0"/>
+              <a:t>Array-Sort()Function:</a:t>
+            </a:r>
+          </a:p>
+        </p:txBody>
+      </p:sp>
+      <p:sp>
+        <p:nvSpPr>
+          <p:cNvPr id="3" name="Content Placeholder 2">
+            <a:extLst>
+              <a:ext uri="{FF2B5EF4-FFF2-40B4-BE49-F238E27FC236}">
+                <a16:creationId xmlns:a16="http://schemas.microsoft.com/office/drawing/2014/main" id="{8F3D5BE6-B808-6FAB-D0F6-410E8E340551}"/>
+              </a:ext>
+            </a:extLst>
+          </p:cNvPr>
+          <p:cNvSpPr>
+            <a:spLocks noGrp="1"/>
+          </p:cNvSpPr>
+          <p:nvPr>
+            <p:ph idx="1"/>
+          </p:nvPr>
+        </p:nvSpPr>
+        <p:spPr/>
+        <p:txBody>
+          <a:bodyPr>
+            <a:normAutofit fontScale="85000" lnSpcReduction="20000"/>
+          </a:bodyPr>
+          <a:lstStyle/>
+          <a:p>
+            <a:pPr marL="0" indent="0">
+              <a:buNone/>
+            </a:pPr>
+            <a:r>
+              <a:rPr lang="en-US" dirty="0"/>
+              <a:t>Var a = [“Ram”,”</a:t>
+            </a:r>
+            <a:r>
+              <a:rPr lang="en-US" dirty="0" err="1"/>
+              <a:t>Shyam</a:t>
+            </a:r>
+            <a:r>
+              <a:rPr lang="en-US" dirty="0"/>
+              <a:t>”,”Mohan”];</a:t>
+            </a:r>
+          </a:p>
+          <a:p>
+            <a:pPr marL="0" indent="0">
+              <a:buNone/>
+            </a:pPr>
+            <a:r>
+              <a:rPr lang="en-US" dirty="0"/>
+              <a:t>Sort()</a:t>
+            </a:r>
+          </a:p>
+          <a:p>
+            <a:pPr marL="0" indent="0">
+              <a:buNone/>
+            </a:pPr>
+            <a:r>
+              <a:rPr lang="en-US" dirty="0"/>
+              <a:t>Reverse()</a:t>
+            </a:r>
+          </a:p>
+          <a:p>
+            <a:pPr marL="0" indent="0">
+              <a:buNone/>
+            </a:pPr>
+            <a:endParaRPr lang="en-US" dirty="0"/>
+          </a:p>
+          <a:p>
+            <a:pPr marL="0" indent="0">
+              <a:buNone/>
+            </a:pPr>
+            <a:r>
+              <a:rPr lang="en-US" dirty="0"/>
+              <a:t>Pop()&amp;push()</a:t>
+            </a:r>
+          </a:p>
+          <a:p>
+            <a:pPr marL="0" indent="0">
+              <a:buNone/>
+            </a:pPr>
+            <a:endParaRPr lang="en-US" dirty="0"/>
+          </a:p>
+          <a:p>
+            <a:pPr marL="0" indent="0">
+              <a:buNone/>
+            </a:pPr>
+            <a:r>
+              <a:rPr lang="en-US" dirty="0"/>
+              <a:t>Shift() &amp; Unshift()</a:t>
+            </a:r>
+          </a:p>
+          <a:p>
+            <a:pPr marL="0" indent="0">
+              <a:buNone/>
+            </a:pPr>
+            <a:endParaRPr lang="en-US" dirty="0"/>
+          </a:p>
+          <a:p>
+            <a:pPr marL="0" indent="0">
+              <a:buNone/>
+            </a:pPr>
+            <a:r>
+              <a:rPr lang="en-US" dirty="0" err="1"/>
+              <a:t>Concat</a:t>
+            </a:r>
+            <a:r>
+              <a:rPr lang="en-US" dirty="0"/>
+              <a:t>() &amp; Join()</a:t>
+            </a:r>
+          </a:p>
+          <a:p>
+            <a:pPr marL="0" indent="0">
+              <a:buNone/>
+            </a:pPr>
+            <a:endParaRPr lang="en-US" dirty="0"/>
+          </a:p>
+          <a:p>
+            <a:pPr marL="0" indent="0">
+              <a:buNone/>
+            </a:pPr>
+            <a:r>
+              <a:rPr lang="en-US" dirty="0"/>
+              <a:t>Slice() &amp; Splice()</a:t>
+            </a:r>
+          </a:p>
+        </p:txBody>
+      </p:sp>
+    </p:spTree>
+    <p:extLst>
+      <p:ext uri="{BB962C8B-B14F-4D97-AF65-F5344CB8AC3E}">
+        <p14:creationId xmlns:p14="http://schemas.microsoft.com/office/powerpoint/2010/main" val="2388844689"/>
+      </p:ext>
+    </p:extLst>
+  </p:cSld>
+  <p:clrMapOvr>
+    <a:masterClrMapping/>
+  </p:clrMapOvr>
+</p:sld>
+</file>
+
+<file path=ppt/slides/slide69.xml><?xml version="1.0" encoding="utf-8"?>
+<p:sld xmlns:a="http://schemas.openxmlformats.org/drawingml/2006/main" xmlns:r="http://schemas.openxmlformats.org/officeDocument/2006/relationships" xmlns:p="http://schemas.openxmlformats.org/presentationml/2006/main">
+  <p:cSld>
+    <p:spTree>
+      <p:nvGrpSpPr>
+        <p:cNvPr id="1" name=""/>
+        <p:cNvGrpSpPr/>
+        <p:nvPr/>
+      </p:nvGrpSpPr>
+      <p:grpSpPr>
+        <a:xfrm>
+          <a:off x="0" y="0"/>
+          <a:ext cx="0" cy="0"/>
+          <a:chOff x="0" y="0"/>
+          <a:chExt cx="0" cy="0"/>
+        </a:xfrm>
+      </p:grpSpPr>
+      <p:sp>
+        <p:nvSpPr>
+          <p:cNvPr id="2" name="Title 1">
+            <a:extLst>
+              <a:ext uri="{FF2B5EF4-FFF2-40B4-BE49-F238E27FC236}">
+                <a16:creationId xmlns:a16="http://schemas.microsoft.com/office/drawing/2014/main" id="{C9D37EF6-23F7-24FA-BF0D-CE08188417A2}"/>
+              </a:ext>
+            </a:extLst>
+          </p:cNvPr>
+          <p:cNvSpPr>
+            <a:spLocks noGrp="1"/>
+          </p:cNvSpPr>
+          <p:nvPr>
+            <p:ph type="title"/>
+          </p:nvPr>
+        </p:nvSpPr>
+        <p:spPr/>
+        <p:txBody>
+          <a:bodyPr/>
+          <a:lstStyle/>
+          <a:p>
+            <a:r>
+              <a:rPr lang="en-US" dirty="0"/>
+              <a:t>Array – Slice() Function:</a:t>
+            </a:r>
+          </a:p>
+        </p:txBody>
+      </p:sp>
+      <p:sp>
+        <p:nvSpPr>
+          <p:cNvPr id="3" name="Content Placeholder 2">
+            <a:extLst>
+              <a:ext uri="{FF2B5EF4-FFF2-40B4-BE49-F238E27FC236}">
+                <a16:creationId xmlns:a16="http://schemas.microsoft.com/office/drawing/2014/main" id="{199AC583-D9FE-9539-66EE-64BCC4DB4FD0}"/>
+              </a:ext>
+            </a:extLst>
+          </p:cNvPr>
+          <p:cNvSpPr>
+            <a:spLocks noGrp="1"/>
+          </p:cNvSpPr>
+          <p:nvPr>
+            <p:ph idx="1"/>
+          </p:nvPr>
+        </p:nvSpPr>
+        <p:spPr/>
+        <p:txBody>
+          <a:bodyPr/>
+          <a:lstStyle/>
+          <a:p>
+            <a:pPr marL="0" indent="0">
+              <a:buNone/>
+            </a:pPr>
+            <a:r>
+              <a:rPr lang="en-US" dirty="0"/>
+              <a:t>var a = [“Ram”,”</a:t>
+            </a:r>
+            <a:r>
+              <a:rPr lang="en-US" dirty="0" err="1"/>
+              <a:t>Shyam</a:t>
+            </a:r>
+            <a:r>
+              <a:rPr lang="en-US" dirty="0"/>
+              <a:t>”,”Mohan”]</a:t>
+            </a:r>
+          </a:p>
+          <a:p>
+            <a:pPr marL="0" indent="0">
+              <a:buNone/>
+            </a:pPr>
+            <a:endParaRPr lang="en-US" dirty="0"/>
+          </a:p>
+          <a:p>
+            <a:pPr marL="0" indent="0">
+              <a:buNone/>
+            </a:pPr>
+            <a:r>
+              <a:rPr lang="en-US" dirty="0"/>
+              <a:t>“</a:t>
+            </a:r>
+            <a:r>
+              <a:rPr lang="en-US" dirty="0" err="1"/>
+              <a:t>Rahul”,”Sanjay</a:t>
+            </a:r>
+            <a:r>
+              <a:rPr lang="en-US" dirty="0"/>
+              <a:t>”</a:t>
+            </a:r>
+          </a:p>
+          <a:p>
+            <a:pPr marL="0" indent="0">
+              <a:buNone/>
+            </a:pPr>
+            <a:endParaRPr lang="en-US" dirty="0"/>
+          </a:p>
+          <a:p>
+            <a:pPr marL="0" indent="0">
+              <a:buNone/>
+            </a:pPr>
+            <a:r>
+              <a:rPr lang="en-US" dirty="0"/>
+              <a:t>Splice(index, </a:t>
+            </a:r>
+            <a:r>
+              <a:rPr lang="en-US" dirty="0" err="1"/>
+              <a:t>howmany</a:t>
+            </a:r>
+            <a:r>
+              <a:rPr lang="en-US" dirty="0"/>
+              <a:t> delete, “new value”)</a:t>
+            </a:r>
+          </a:p>
+        </p:txBody>
+      </p:sp>
+    </p:spTree>
+    <p:extLst>
+      <p:ext uri="{BB962C8B-B14F-4D97-AF65-F5344CB8AC3E}">
+        <p14:creationId xmlns:p14="http://schemas.microsoft.com/office/powerpoint/2010/main" val="864211933"/>
+      </p:ext>
+    </p:extLst>
+  </p:cSld>
+  <p:clrMapOvr>
+    <a:masterClrMapping/>
+  </p:clrMapOvr>
+</p:sld>
+</file>
+
 <file path=ppt/slides/slide7.xml><?xml version="1.0" encoding="utf-8"?>
 <p:sld xmlns:a="http://schemas.openxmlformats.org/drawingml/2006/main" xmlns:r="http://schemas.openxmlformats.org/officeDocument/2006/relationships" xmlns:p="http://schemas.openxmlformats.org/presentationml/2006/main">
   <p:cSld>
@@ -19139,6 +19820,135 @@
     <p:extLst>
       <p:ext uri="{BB962C8B-B14F-4D97-AF65-F5344CB8AC3E}">
         <p14:creationId xmlns:p14="http://schemas.microsoft.com/office/powerpoint/2010/main" val="1793061418"/>
+      </p:ext>
+    </p:extLst>
+  </p:cSld>
+  <p:clrMapOvr>
+    <a:masterClrMapping/>
+  </p:clrMapOvr>
+</p:sld>
+</file>
+
+<file path=ppt/slides/slide70.xml><?xml version="1.0" encoding="utf-8"?>
+<p:sld xmlns:a="http://schemas.openxmlformats.org/drawingml/2006/main" xmlns:r="http://schemas.openxmlformats.org/officeDocument/2006/relationships" xmlns:p="http://schemas.openxmlformats.org/presentationml/2006/main">
+  <p:cSld>
+    <p:spTree>
+      <p:nvGrpSpPr>
+        <p:cNvPr id="1" name=""/>
+        <p:cNvGrpSpPr/>
+        <p:nvPr/>
+      </p:nvGrpSpPr>
+      <p:grpSpPr>
+        <a:xfrm>
+          <a:off x="0" y="0"/>
+          <a:ext cx="0" cy="0"/>
+          <a:chOff x="0" y="0"/>
+          <a:chExt cx="0" cy="0"/>
+        </a:xfrm>
+      </p:grpSpPr>
+      <p:sp>
+        <p:nvSpPr>
+          <p:cNvPr id="2" name="Title 1">
+            <a:extLst>
+              <a:ext uri="{FF2B5EF4-FFF2-40B4-BE49-F238E27FC236}">
+                <a16:creationId xmlns:a16="http://schemas.microsoft.com/office/drawing/2014/main" id="{F11F041D-D628-667C-F9E7-A7E2176C39E0}"/>
+              </a:ext>
+            </a:extLst>
+          </p:cNvPr>
+          <p:cNvSpPr>
+            <a:spLocks noGrp="1"/>
+          </p:cNvSpPr>
+          <p:nvPr>
+            <p:ph type="title"/>
+          </p:nvPr>
+        </p:nvSpPr>
+        <p:spPr/>
+        <p:txBody>
+          <a:bodyPr/>
+          <a:lstStyle/>
+          <a:p>
+            <a:r>
+              <a:rPr lang="en-US" dirty="0"/>
+              <a:t>JS: </a:t>
+            </a:r>
+            <a:r>
+              <a:rPr lang="en-US" dirty="0" err="1"/>
+              <a:t>isArray</a:t>
+            </a:r>
+            <a:r>
+              <a:rPr lang="en-US" dirty="0"/>
+              <a:t>()</a:t>
+            </a:r>
+          </a:p>
+        </p:txBody>
+      </p:sp>
+      <p:sp>
+        <p:nvSpPr>
+          <p:cNvPr id="3" name="Content Placeholder 2">
+            <a:extLst>
+              <a:ext uri="{FF2B5EF4-FFF2-40B4-BE49-F238E27FC236}">
+                <a16:creationId xmlns:a16="http://schemas.microsoft.com/office/drawing/2014/main" id="{5D270A3E-C558-1C36-59DA-234C5ACC7DC2}"/>
+              </a:ext>
+            </a:extLst>
+          </p:cNvPr>
+          <p:cNvSpPr>
+            <a:spLocks noGrp="1"/>
+          </p:cNvSpPr>
+          <p:nvPr>
+            <p:ph idx="1"/>
+          </p:nvPr>
+        </p:nvSpPr>
+        <p:spPr/>
+        <p:txBody>
+          <a:bodyPr/>
+          <a:lstStyle/>
+          <a:p>
+            <a:pPr marL="0" indent="0">
+              <a:buNone/>
+            </a:pPr>
+            <a:r>
+              <a:rPr lang="en-US" dirty="0"/>
+              <a:t>Var a = [“Ram”,”</a:t>
+            </a:r>
+            <a:r>
+              <a:rPr lang="en-US" dirty="0" err="1"/>
+              <a:t>Shyam</a:t>
+            </a:r>
+            <a:r>
+              <a:rPr lang="en-US" dirty="0"/>
+              <a:t>”]</a:t>
+            </a:r>
+          </a:p>
+          <a:p>
+            <a:pPr marL="0" indent="0">
+              <a:buNone/>
+            </a:pPr>
+            <a:r>
+              <a:rPr lang="en-US" dirty="0"/>
+              <a:t>Var b = 20;</a:t>
+            </a:r>
+          </a:p>
+          <a:p>
+            <a:pPr marL="0" indent="0">
+              <a:buNone/>
+            </a:pPr>
+            <a:r>
+              <a:rPr lang="en-US" dirty="0"/>
+              <a:t>Var c = “Gita”;</a:t>
+            </a:r>
+          </a:p>
+          <a:p>
+            <a:pPr marL="0" indent="0">
+              <a:buNone/>
+            </a:pPr>
+            <a:endParaRPr lang="en-US" dirty="0"/>
+          </a:p>
+        </p:txBody>
+      </p:sp>
+    </p:spTree>
+    <p:extLst>
+      <p:ext uri="{BB962C8B-B14F-4D97-AF65-F5344CB8AC3E}">
+        <p14:creationId xmlns:p14="http://schemas.microsoft.com/office/powerpoint/2010/main" val="3226709025"/>
       </p:ext>
     </p:extLst>
   </p:cSld>

--- a/JavaScript.pptx
+++ b/JavaScript.pptx
@@ -75,6 +75,12 @@
     <p:sldId id="323" r:id="rId69"/>
     <p:sldId id="324" r:id="rId70"/>
     <p:sldId id="325" r:id="rId71"/>
+    <p:sldId id="326" r:id="rId72"/>
+    <p:sldId id="327" r:id="rId73"/>
+    <p:sldId id="328" r:id="rId74"/>
+    <p:sldId id="329" r:id="rId75"/>
+    <p:sldId id="330" r:id="rId76"/>
+    <p:sldId id="331" r:id="rId77"/>
   </p:sldIdLst>
   <p:sldSz cx="12192000" cy="6858000"/>
   <p:notesSz cx="6858000" cy="9144000"/>
@@ -252,6 +258,12 @@
             <p14:sldId id="323"/>
             <p14:sldId id="324"/>
             <p14:sldId id="325"/>
+            <p14:sldId id="326"/>
+            <p14:sldId id="327"/>
+            <p14:sldId id="328"/>
+            <p14:sldId id="329"/>
+            <p14:sldId id="330"/>
+            <p14:sldId id="331"/>
           </p14:sldIdLst>
         </p14:section>
       </p14:sectionLst>
@@ -410,7 +422,7 @@
           <a:p>
             <a:fld id="{B0FD79F2-F8AC-467F-AA9E-9C9DDF51E646}" type="datetimeFigureOut">
               <a:rPr lang="en-US" smtClean="0"/>
-              <a:t>1/12/2023</a:t>
+              <a:t>1/18/2023</a:t>
             </a:fld>
             <a:endParaRPr lang="en-US"/>
           </a:p>
@@ -608,7 +620,7 @@
           <a:p>
             <a:fld id="{B0FD79F2-F8AC-467F-AA9E-9C9DDF51E646}" type="datetimeFigureOut">
               <a:rPr lang="en-US" smtClean="0"/>
-              <a:t>1/12/2023</a:t>
+              <a:t>1/18/2023</a:t>
             </a:fld>
             <a:endParaRPr lang="en-US"/>
           </a:p>
@@ -816,7 +828,7 @@
           <a:p>
             <a:fld id="{B0FD79F2-F8AC-467F-AA9E-9C9DDF51E646}" type="datetimeFigureOut">
               <a:rPr lang="en-US" smtClean="0"/>
-              <a:t>1/12/2023</a:t>
+              <a:t>1/18/2023</a:t>
             </a:fld>
             <a:endParaRPr lang="en-US"/>
           </a:p>
@@ -1014,7 +1026,7 @@
           <a:p>
             <a:fld id="{B0FD79F2-F8AC-467F-AA9E-9C9DDF51E646}" type="datetimeFigureOut">
               <a:rPr lang="en-US" smtClean="0"/>
-              <a:t>1/12/2023</a:t>
+              <a:t>1/18/2023</a:t>
             </a:fld>
             <a:endParaRPr lang="en-US"/>
           </a:p>
@@ -1289,7 +1301,7 @@
           <a:p>
             <a:fld id="{B0FD79F2-F8AC-467F-AA9E-9C9DDF51E646}" type="datetimeFigureOut">
               <a:rPr lang="en-US" smtClean="0"/>
-              <a:t>1/12/2023</a:t>
+              <a:t>1/18/2023</a:t>
             </a:fld>
             <a:endParaRPr lang="en-US"/>
           </a:p>
@@ -1554,7 +1566,7 @@
           <a:p>
             <a:fld id="{B0FD79F2-F8AC-467F-AA9E-9C9DDF51E646}" type="datetimeFigureOut">
               <a:rPr lang="en-US" smtClean="0"/>
-              <a:t>1/12/2023</a:t>
+              <a:t>1/18/2023</a:t>
             </a:fld>
             <a:endParaRPr lang="en-US"/>
           </a:p>
@@ -1966,7 +1978,7 @@
           <a:p>
             <a:fld id="{B0FD79F2-F8AC-467F-AA9E-9C9DDF51E646}" type="datetimeFigureOut">
               <a:rPr lang="en-US" smtClean="0"/>
-              <a:t>1/12/2023</a:t>
+              <a:t>1/18/2023</a:t>
             </a:fld>
             <a:endParaRPr lang="en-US"/>
           </a:p>
@@ -2107,7 +2119,7 @@
           <a:p>
             <a:fld id="{B0FD79F2-F8AC-467F-AA9E-9C9DDF51E646}" type="datetimeFigureOut">
               <a:rPr lang="en-US" smtClean="0"/>
-              <a:t>1/12/2023</a:t>
+              <a:t>1/18/2023</a:t>
             </a:fld>
             <a:endParaRPr lang="en-US"/>
           </a:p>
@@ -2220,7 +2232,7 @@
           <a:p>
             <a:fld id="{B0FD79F2-F8AC-467F-AA9E-9C9DDF51E646}" type="datetimeFigureOut">
               <a:rPr lang="en-US" smtClean="0"/>
-              <a:t>1/12/2023</a:t>
+              <a:t>1/18/2023</a:t>
             </a:fld>
             <a:endParaRPr lang="en-US"/>
           </a:p>
@@ -2531,7 +2543,7 @@
           <a:p>
             <a:fld id="{B0FD79F2-F8AC-467F-AA9E-9C9DDF51E646}" type="datetimeFigureOut">
               <a:rPr lang="en-US" smtClean="0"/>
-              <a:t>1/12/2023</a:t>
+              <a:t>1/18/2023</a:t>
             </a:fld>
             <a:endParaRPr lang="en-US"/>
           </a:p>
@@ -2819,7 +2831,7 @@
           <a:p>
             <a:fld id="{B0FD79F2-F8AC-467F-AA9E-9C9DDF51E646}" type="datetimeFigureOut">
               <a:rPr lang="en-US" smtClean="0"/>
-              <a:t>1/12/2023</a:t>
+              <a:t>1/18/2023</a:t>
             </a:fld>
             <a:endParaRPr lang="en-US"/>
           </a:p>
@@ -3060,7 +3072,7 @@
           <a:p>
             <a:fld id="{B0FD79F2-F8AC-467F-AA9E-9C9DDF51E646}" type="datetimeFigureOut">
               <a:rPr lang="en-US" smtClean="0"/>
-              <a:t>1/12/2023</a:t>
+              <a:t>1/18/2023</a:t>
             </a:fld>
             <a:endParaRPr lang="en-US"/>
           </a:p>
@@ -19943,12 +19955,773 @@
             </a:pPr>
             <a:endParaRPr lang="en-US" dirty="0"/>
           </a:p>
+          <a:p>
+            <a:pPr marL="0" indent="0">
+              <a:buNone/>
+            </a:pPr>
+            <a:r>
+              <a:rPr lang="en-US" dirty="0"/>
+              <a:t>True/false</a:t>
+            </a:r>
+          </a:p>
+          <a:p>
+            <a:pPr marL="0" indent="0">
+              <a:buNone/>
+            </a:pPr>
+            <a:endParaRPr lang="en-US" dirty="0"/>
+          </a:p>
         </p:txBody>
       </p:sp>
     </p:spTree>
     <p:extLst>
       <p:ext uri="{BB962C8B-B14F-4D97-AF65-F5344CB8AC3E}">
         <p14:creationId xmlns:p14="http://schemas.microsoft.com/office/powerpoint/2010/main" val="3226709025"/>
+      </p:ext>
+    </p:extLst>
+  </p:cSld>
+  <p:clrMapOvr>
+    <a:masterClrMapping/>
+  </p:clrMapOvr>
+</p:sld>
+</file>
+
+<file path=ppt/slides/slide71.xml><?xml version="1.0" encoding="utf-8"?>
+<p:sld xmlns:a="http://schemas.openxmlformats.org/drawingml/2006/main" xmlns:r="http://schemas.openxmlformats.org/officeDocument/2006/relationships" xmlns:p="http://schemas.openxmlformats.org/presentationml/2006/main">
+  <p:cSld>
+    <p:spTree>
+      <p:nvGrpSpPr>
+        <p:cNvPr id="1" name=""/>
+        <p:cNvGrpSpPr/>
+        <p:nvPr/>
+      </p:nvGrpSpPr>
+      <p:grpSpPr>
+        <a:xfrm>
+          <a:off x="0" y="0"/>
+          <a:ext cx="0" cy="0"/>
+          <a:chOff x="0" y="0"/>
+          <a:chExt cx="0" cy="0"/>
+        </a:xfrm>
+      </p:grpSpPr>
+      <p:sp>
+        <p:nvSpPr>
+          <p:cNvPr id="2" name="Title 1">
+            <a:extLst>
+              <a:ext uri="{FF2B5EF4-FFF2-40B4-BE49-F238E27FC236}">
+                <a16:creationId xmlns:a16="http://schemas.microsoft.com/office/drawing/2014/main" id="{9210901D-BA04-D98F-DE61-D18838866330}"/>
+              </a:ext>
+            </a:extLst>
+          </p:cNvPr>
+          <p:cNvSpPr>
+            <a:spLocks noGrp="1"/>
+          </p:cNvSpPr>
+          <p:nvPr>
+            <p:ph type="title"/>
+          </p:nvPr>
+        </p:nvSpPr>
+        <p:spPr/>
+        <p:txBody>
+          <a:bodyPr/>
+          <a:lstStyle/>
+          <a:p>
+            <a:r>
+              <a:rPr lang="en-US" dirty="0"/>
+              <a:t>JS: Array –</a:t>
+            </a:r>
+            <a:r>
+              <a:rPr lang="en-US" dirty="0" err="1"/>
+              <a:t>IndexOf</a:t>
+            </a:r>
+            <a:r>
+              <a:rPr lang="en-US" dirty="0"/>
+              <a:t>() &amp; </a:t>
+            </a:r>
+            <a:r>
+              <a:rPr lang="en-US" dirty="0" err="1"/>
+              <a:t>lastIndexOF</a:t>
+            </a:r>
+            <a:r>
+              <a:rPr lang="en-US" dirty="0"/>
+              <a:t>()</a:t>
+            </a:r>
+          </a:p>
+        </p:txBody>
+      </p:sp>
+      <p:sp>
+        <p:nvSpPr>
+          <p:cNvPr id="3" name="Content Placeholder 2">
+            <a:extLst>
+              <a:ext uri="{FF2B5EF4-FFF2-40B4-BE49-F238E27FC236}">
+                <a16:creationId xmlns:a16="http://schemas.microsoft.com/office/drawing/2014/main" id="{FC0D9CA8-5170-1C28-EA3B-61EA9786B8FE}"/>
+              </a:ext>
+            </a:extLst>
+          </p:cNvPr>
+          <p:cNvSpPr>
+            <a:spLocks noGrp="1"/>
+          </p:cNvSpPr>
+          <p:nvPr>
+            <p:ph idx="1"/>
+          </p:nvPr>
+        </p:nvSpPr>
+        <p:spPr/>
+        <p:txBody>
+          <a:bodyPr/>
+          <a:lstStyle/>
+          <a:p>
+            <a:r>
+              <a:rPr lang="en-US" dirty="0"/>
+              <a:t>includes</a:t>
+            </a:r>
+          </a:p>
+        </p:txBody>
+      </p:sp>
+    </p:spTree>
+    <p:extLst>
+      <p:ext uri="{BB962C8B-B14F-4D97-AF65-F5344CB8AC3E}">
+        <p14:creationId xmlns:p14="http://schemas.microsoft.com/office/powerpoint/2010/main" val="3296949281"/>
+      </p:ext>
+    </p:extLst>
+  </p:cSld>
+  <p:clrMapOvr>
+    <a:masterClrMapping/>
+  </p:clrMapOvr>
+</p:sld>
+</file>
+
+<file path=ppt/slides/slide72.xml><?xml version="1.0" encoding="utf-8"?>
+<p:sld xmlns:a="http://schemas.openxmlformats.org/drawingml/2006/main" xmlns:r="http://schemas.openxmlformats.org/officeDocument/2006/relationships" xmlns:p="http://schemas.openxmlformats.org/presentationml/2006/main">
+  <p:cSld>
+    <p:spTree>
+      <p:nvGrpSpPr>
+        <p:cNvPr id="1" name=""/>
+        <p:cNvGrpSpPr/>
+        <p:nvPr/>
+      </p:nvGrpSpPr>
+      <p:grpSpPr>
+        <a:xfrm>
+          <a:off x="0" y="0"/>
+          <a:ext cx="0" cy="0"/>
+          <a:chOff x="0" y="0"/>
+          <a:chExt cx="0" cy="0"/>
+        </a:xfrm>
+      </p:grpSpPr>
+      <p:sp>
+        <p:nvSpPr>
+          <p:cNvPr id="2" name="Title 1">
+            <a:extLst>
+              <a:ext uri="{FF2B5EF4-FFF2-40B4-BE49-F238E27FC236}">
+                <a16:creationId xmlns:a16="http://schemas.microsoft.com/office/drawing/2014/main" id="{EE00278A-7F86-D961-ADD9-1AE4F885421A}"/>
+              </a:ext>
+            </a:extLst>
+          </p:cNvPr>
+          <p:cNvSpPr>
+            <a:spLocks noGrp="1"/>
+          </p:cNvSpPr>
+          <p:nvPr>
+            <p:ph type="title"/>
+          </p:nvPr>
+        </p:nvSpPr>
+        <p:spPr/>
+        <p:txBody>
+          <a:bodyPr/>
+          <a:lstStyle/>
+          <a:p>
+            <a:r>
+              <a:rPr lang="en-US" dirty="0"/>
+              <a:t>JS: Some() &amp; every()</a:t>
+            </a:r>
+          </a:p>
+        </p:txBody>
+      </p:sp>
+      <p:sp>
+        <p:nvSpPr>
+          <p:cNvPr id="3" name="Content Placeholder 2">
+            <a:extLst>
+              <a:ext uri="{FF2B5EF4-FFF2-40B4-BE49-F238E27FC236}">
+                <a16:creationId xmlns:a16="http://schemas.microsoft.com/office/drawing/2014/main" id="{99752D75-483B-1751-8D26-6BE9001BF888}"/>
+              </a:ext>
+            </a:extLst>
+          </p:cNvPr>
+          <p:cNvSpPr>
+            <a:spLocks noGrp="1"/>
+          </p:cNvSpPr>
+          <p:nvPr>
+            <p:ph idx="1"/>
+          </p:nvPr>
+        </p:nvSpPr>
+        <p:spPr/>
+        <p:txBody>
+          <a:bodyPr/>
+          <a:lstStyle/>
+          <a:p>
+            <a:pPr marL="0" indent="0">
+              <a:buNone/>
+            </a:pPr>
+            <a:r>
+              <a:rPr lang="en-US" dirty="0"/>
+              <a:t>Find() &amp; </a:t>
+            </a:r>
+            <a:r>
+              <a:rPr lang="en-US" dirty="0" err="1"/>
+              <a:t>FindIndex</a:t>
+            </a:r>
+            <a:r>
+              <a:rPr lang="en-US" dirty="0"/>
+              <a:t>()</a:t>
+            </a:r>
+          </a:p>
+        </p:txBody>
+      </p:sp>
+    </p:spTree>
+    <p:extLst>
+      <p:ext uri="{BB962C8B-B14F-4D97-AF65-F5344CB8AC3E}">
+        <p14:creationId xmlns:p14="http://schemas.microsoft.com/office/powerpoint/2010/main" val="2249965420"/>
+      </p:ext>
+    </p:extLst>
+  </p:cSld>
+  <p:clrMapOvr>
+    <a:masterClrMapping/>
+  </p:clrMapOvr>
+</p:sld>
+</file>
+
+<file path=ppt/slides/slide73.xml><?xml version="1.0" encoding="utf-8"?>
+<p:sld xmlns:a="http://schemas.openxmlformats.org/drawingml/2006/main" xmlns:r="http://schemas.openxmlformats.org/officeDocument/2006/relationships" xmlns:p="http://schemas.openxmlformats.org/presentationml/2006/main">
+  <p:cSld>
+    <p:spTree>
+      <p:nvGrpSpPr>
+        <p:cNvPr id="1" name=""/>
+        <p:cNvGrpSpPr/>
+        <p:nvPr/>
+      </p:nvGrpSpPr>
+      <p:grpSpPr>
+        <a:xfrm>
+          <a:off x="0" y="0"/>
+          <a:ext cx="0" cy="0"/>
+          <a:chOff x="0" y="0"/>
+          <a:chExt cx="0" cy="0"/>
+        </a:xfrm>
+      </p:grpSpPr>
+      <p:sp>
+        <p:nvSpPr>
+          <p:cNvPr id="2" name="Title 1">
+            <a:extLst>
+              <a:ext uri="{FF2B5EF4-FFF2-40B4-BE49-F238E27FC236}">
+                <a16:creationId xmlns:a16="http://schemas.microsoft.com/office/drawing/2014/main" id="{3048E45D-1CFB-2DF5-3CAC-4CE7F58ACC98}"/>
+              </a:ext>
+            </a:extLst>
+          </p:cNvPr>
+          <p:cNvSpPr>
+            <a:spLocks noGrp="1"/>
+          </p:cNvSpPr>
+          <p:nvPr>
+            <p:ph type="title"/>
+          </p:nvPr>
+        </p:nvSpPr>
+        <p:spPr/>
+        <p:txBody>
+          <a:bodyPr/>
+          <a:lstStyle/>
+          <a:p>
+            <a:r>
+              <a:rPr lang="en-US" dirty="0"/>
+              <a:t>Array of Objects</a:t>
+            </a:r>
+          </a:p>
+        </p:txBody>
+      </p:sp>
+      <p:sp>
+        <p:nvSpPr>
+          <p:cNvPr id="3" name="Content Placeholder 2">
+            <a:extLst>
+              <a:ext uri="{FF2B5EF4-FFF2-40B4-BE49-F238E27FC236}">
+                <a16:creationId xmlns:a16="http://schemas.microsoft.com/office/drawing/2014/main" id="{4AF14E41-6D3E-B759-78B5-8A7D5F23AFEE}"/>
+              </a:ext>
+            </a:extLst>
+          </p:cNvPr>
+          <p:cNvSpPr>
+            <a:spLocks noGrp="1"/>
+          </p:cNvSpPr>
+          <p:nvPr>
+            <p:ph idx="1"/>
+          </p:nvPr>
+        </p:nvSpPr>
+        <p:spPr/>
+        <p:txBody>
+          <a:bodyPr/>
+          <a:lstStyle/>
+          <a:p>
+            <a:pPr marL="0" indent="0">
+              <a:buNone/>
+            </a:pPr>
+            <a:r>
+              <a:rPr lang="en-US" dirty="0"/>
+              <a:t>Var student = [</a:t>
+            </a:r>
+          </a:p>
+          <a:p>
+            <a:pPr marL="0" indent="0">
+              <a:buNone/>
+            </a:pPr>
+            <a:r>
+              <a:rPr lang="en-US" dirty="0"/>
+              <a:t>{Name: “Ram”, age:15},</a:t>
+            </a:r>
+          </a:p>
+          <a:p>
+            <a:pPr marL="0" indent="0">
+              <a:buNone/>
+            </a:pPr>
+            <a:r>
+              <a:rPr lang="en-US" dirty="0"/>
+              <a:t>{Name: “</a:t>
+            </a:r>
+            <a:r>
+              <a:rPr lang="en-US" dirty="0" err="1"/>
+              <a:t>Shyam</a:t>
+            </a:r>
+            <a:r>
+              <a:rPr lang="en-US" dirty="0"/>
+              <a:t>”, age:25},</a:t>
+            </a:r>
+          </a:p>
+          <a:p>
+            <a:pPr marL="0" indent="0">
+              <a:buNone/>
+            </a:pPr>
+            <a:r>
+              <a:rPr lang="en-US" dirty="0"/>
+              <a:t>{Name: “Mohan”, age:35},</a:t>
+            </a:r>
+          </a:p>
+          <a:p>
+            <a:pPr marL="0" indent="0">
+              <a:buNone/>
+            </a:pPr>
+            <a:r>
+              <a:rPr lang="en-US" dirty="0"/>
+              <a:t>]</a:t>
+            </a:r>
+          </a:p>
+          <a:p>
+            <a:pPr marL="0" indent="0">
+              <a:buNone/>
+            </a:pPr>
+            <a:endParaRPr lang="en-US" dirty="0"/>
+          </a:p>
+          <a:p>
+            <a:pPr marL="0" indent="0">
+              <a:buNone/>
+            </a:pPr>
+            <a:endParaRPr lang="en-US" dirty="0"/>
+          </a:p>
+        </p:txBody>
+      </p:sp>
+    </p:spTree>
+    <p:extLst>
+      <p:ext uri="{BB962C8B-B14F-4D97-AF65-F5344CB8AC3E}">
+        <p14:creationId xmlns:p14="http://schemas.microsoft.com/office/powerpoint/2010/main" val="3403420167"/>
+      </p:ext>
+    </p:extLst>
+  </p:cSld>
+  <p:clrMapOvr>
+    <a:masterClrMapping/>
+  </p:clrMapOvr>
+</p:sld>
+</file>
+
+<file path=ppt/slides/slide74.xml><?xml version="1.0" encoding="utf-8"?>
+<p:sld xmlns:a="http://schemas.openxmlformats.org/drawingml/2006/main" xmlns:r="http://schemas.openxmlformats.org/officeDocument/2006/relationships" xmlns:p="http://schemas.openxmlformats.org/presentationml/2006/main">
+  <p:cSld>
+    <p:spTree>
+      <p:nvGrpSpPr>
+        <p:cNvPr id="1" name=""/>
+        <p:cNvGrpSpPr/>
+        <p:nvPr/>
+      </p:nvGrpSpPr>
+      <p:grpSpPr>
+        <a:xfrm>
+          <a:off x="0" y="0"/>
+          <a:ext cx="0" cy="0"/>
+          <a:chOff x="0" y="0"/>
+          <a:chExt cx="0" cy="0"/>
+        </a:xfrm>
+      </p:grpSpPr>
+      <p:sp>
+        <p:nvSpPr>
+          <p:cNvPr id="2" name="Title 1">
+            <a:extLst>
+              <a:ext uri="{FF2B5EF4-FFF2-40B4-BE49-F238E27FC236}">
+                <a16:creationId xmlns:a16="http://schemas.microsoft.com/office/drawing/2014/main" id="{38C74D9E-AEAD-5912-5C5B-644658782B07}"/>
+              </a:ext>
+            </a:extLst>
+          </p:cNvPr>
+          <p:cNvSpPr>
+            <a:spLocks noGrp="1"/>
+          </p:cNvSpPr>
+          <p:nvPr>
+            <p:ph type="title"/>
+          </p:nvPr>
+        </p:nvSpPr>
+        <p:spPr/>
+        <p:txBody>
+          <a:bodyPr/>
+          <a:lstStyle/>
+          <a:p>
+            <a:r>
+              <a:rPr lang="en-US" dirty="0"/>
+              <a:t>Const variable with Array &amp; Objects</a:t>
+            </a:r>
+          </a:p>
+        </p:txBody>
+      </p:sp>
+      <p:sp>
+        <p:nvSpPr>
+          <p:cNvPr id="3" name="Content Placeholder 2">
+            <a:extLst>
+              <a:ext uri="{FF2B5EF4-FFF2-40B4-BE49-F238E27FC236}">
+                <a16:creationId xmlns:a16="http://schemas.microsoft.com/office/drawing/2014/main" id="{7A116B77-0106-9906-CC09-36D8D789E155}"/>
+              </a:ext>
+            </a:extLst>
+          </p:cNvPr>
+          <p:cNvSpPr>
+            <a:spLocks noGrp="1"/>
+          </p:cNvSpPr>
+          <p:nvPr>
+            <p:ph idx="1"/>
+          </p:nvPr>
+        </p:nvSpPr>
+        <p:spPr/>
+        <p:txBody>
+          <a:bodyPr/>
+          <a:lstStyle/>
+          <a:p>
+            <a:r>
+              <a:rPr lang="en-US" dirty="0"/>
+              <a:t>For/In Loop</a:t>
+            </a:r>
+          </a:p>
+        </p:txBody>
+      </p:sp>
+    </p:spTree>
+    <p:extLst>
+      <p:ext uri="{BB962C8B-B14F-4D97-AF65-F5344CB8AC3E}">
+        <p14:creationId xmlns:p14="http://schemas.microsoft.com/office/powerpoint/2010/main" val="831805667"/>
+      </p:ext>
+    </p:extLst>
+  </p:cSld>
+  <p:clrMapOvr>
+    <a:masterClrMapping/>
+  </p:clrMapOvr>
+</p:sld>
+</file>
+
+<file path=ppt/slides/slide75.xml><?xml version="1.0" encoding="utf-8"?>
+<p:sld xmlns:a="http://schemas.openxmlformats.org/drawingml/2006/main" xmlns:r="http://schemas.openxmlformats.org/officeDocument/2006/relationships" xmlns:p="http://schemas.openxmlformats.org/presentationml/2006/main">
+  <p:cSld>
+    <p:spTree>
+      <p:nvGrpSpPr>
+        <p:cNvPr id="1" name=""/>
+        <p:cNvGrpSpPr/>
+        <p:nvPr/>
+      </p:nvGrpSpPr>
+      <p:grpSpPr>
+        <a:xfrm>
+          <a:off x="0" y="0"/>
+          <a:ext cx="0" cy="0"/>
+          <a:chOff x="0" y="0"/>
+          <a:chExt cx="0" cy="0"/>
+        </a:xfrm>
+      </p:grpSpPr>
+      <p:sp>
+        <p:nvSpPr>
+          <p:cNvPr id="2" name="Title 1">
+            <a:extLst>
+              <a:ext uri="{FF2B5EF4-FFF2-40B4-BE49-F238E27FC236}">
+                <a16:creationId xmlns:a16="http://schemas.microsoft.com/office/drawing/2014/main" id="{AB92208A-DB9F-E89B-0A0A-E3B72A15FFE3}"/>
+              </a:ext>
+            </a:extLst>
+          </p:cNvPr>
+          <p:cNvSpPr>
+            <a:spLocks noGrp="1"/>
+          </p:cNvSpPr>
+          <p:nvPr>
+            <p:ph type="title"/>
+          </p:nvPr>
+        </p:nvSpPr>
+        <p:spPr/>
+        <p:txBody>
+          <a:bodyPr/>
+          <a:lstStyle/>
+          <a:p>
+            <a:r>
+              <a:rPr lang="en-US" dirty="0"/>
+              <a:t>Array Methods: Map()</a:t>
+            </a:r>
+          </a:p>
+        </p:txBody>
+      </p:sp>
+      <p:sp>
+        <p:nvSpPr>
+          <p:cNvPr id="3" name="Content Placeholder 2">
+            <a:extLst>
+              <a:ext uri="{FF2B5EF4-FFF2-40B4-BE49-F238E27FC236}">
+                <a16:creationId xmlns:a16="http://schemas.microsoft.com/office/drawing/2014/main" id="{61DE6989-5379-C9CD-2DC2-DB34CD65D765}"/>
+              </a:ext>
+            </a:extLst>
+          </p:cNvPr>
+          <p:cNvSpPr>
+            <a:spLocks noGrp="1"/>
+          </p:cNvSpPr>
+          <p:nvPr>
+            <p:ph idx="1"/>
+          </p:nvPr>
+        </p:nvSpPr>
+        <p:spPr/>
+        <p:txBody>
+          <a:bodyPr/>
+          <a:lstStyle/>
+          <a:p>
+            <a:endParaRPr lang="en-US" dirty="0"/>
+          </a:p>
+        </p:txBody>
+      </p:sp>
+    </p:spTree>
+    <p:extLst>
+      <p:ext uri="{BB962C8B-B14F-4D97-AF65-F5344CB8AC3E}">
+        <p14:creationId xmlns:p14="http://schemas.microsoft.com/office/powerpoint/2010/main" val="2720463881"/>
+      </p:ext>
+    </p:extLst>
+  </p:cSld>
+  <p:clrMapOvr>
+    <a:masterClrMapping/>
+  </p:clrMapOvr>
+</p:sld>
+</file>
+
+<file path=ppt/slides/slide76.xml><?xml version="1.0" encoding="utf-8"?>
+<p:sld xmlns:a="http://schemas.openxmlformats.org/drawingml/2006/main" xmlns:r="http://schemas.openxmlformats.org/officeDocument/2006/relationships" xmlns:p="http://schemas.openxmlformats.org/presentationml/2006/main">
+  <p:cSld>
+    <p:spTree>
+      <p:nvGrpSpPr>
+        <p:cNvPr id="1" name=""/>
+        <p:cNvGrpSpPr/>
+        <p:nvPr/>
+      </p:nvGrpSpPr>
+      <p:grpSpPr>
+        <a:xfrm>
+          <a:off x="0" y="0"/>
+          <a:ext cx="0" cy="0"/>
+          <a:chOff x="0" y="0"/>
+          <a:chExt cx="0" cy="0"/>
+        </a:xfrm>
+      </p:grpSpPr>
+      <p:sp>
+        <p:nvSpPr>
+          <p:cNvPr id="2" name="Title 1">
+            <a:extLst>
+              <a:ext uri="{FF2B5EF4-FFF2-40B4-BE49-F238E27FC236}">
+                <a16:creationId xmlns:a16="http://schemas.microsoft.com/office/drawing/2014/main" id="{0745D790-08F4-6C2B-6852-E1E7277A1569}"/>
+              </a:ext>
+            </a:extLst>
+          </p:cNvPr>
+          <p:cNvSpPr>
+            <a:spLocks noGrp="1"/>
+          </p:cNvSpPr>
+          <p:nvPr>
+            <p:ph type="title"/>
+          </p:nvPr>
+        </p:nvSpPr>
+        <p:spPr/>
+        <p:txBody>
+          <a:bodyPr/>
+          <a:lstStyle/>
+          <a:p>
+            <a:r>
+              <a:rPr lang="en-US" dirty="0"/>
+              <a:t>String Methods</a:t>
+            </a:r>
+          </a:p>
+        </p:txBody>
+      </p:sp>
+      <p:sp>
+        <p:nvSpPr>
+          <p:cNvPr id="3" name="Content Placeholder 2">
+            <a:extLst>
+              <a:ext uri="{FF2B5EF4-FFF2-40B4-BE49-F238E27FC236}">
+                <a16:creationId xmlns:a16="http://schemas.microsoft.com/office/drawing/2014/main" id="{EB3300CF-9B10-E2BD-9C43-3ADF05D84462}"/>
+              </a:ext>
+            </a:extLst>
+          </p:cNvPr>
+          <p:cNvSpPr>
+            <a:spLocks noGrp="1"/>
+          </p:cNvSpPr>
+          <p:nvPr>
+            <p:ph idx="1"/>
+          </p:nvPr>
+        </p:nvSpPr>
+        <p:spPr/>
+        <p:txBody>
+          <a:bodyPr numCol="3">
+            <a:normAutofit/>
+          </a:bodyPr>
+          <a:lstStyle/>
+          <a:p>
+            <a:r>
+              <a:rPr lang="en-US" dirty="0"/>
+              <a:t>Length</a:t>
+            </a:r>
+          </a:p>
+          <a:p>
+            <a:r>
+              <a:rPr lang="en-US" dirty="0" err="1"/>
+              <a:t>toLowerCase</a:t>
+            </a:r>
+            <a:endParaRPr lang="en-US" dirty="0"/>
+          </a:p>
+          <a:p>
+            <a:r>
+              <a:rPr lang="en-US" dirty="0" err="1"/>
+              <a:t>toUpperCase</a:t>
+            </a:r>
+            <a:endParaRPr lang="en-US" dirty="0"/>
+          </a:p>
+          <a:p>
+            <a:r>
+              <a:rPr lang="en-US" dirty="0"/>
+              <a:t>Includes</a:t>
+            </a:r>
+          </a:p>
+          <a:p>
+            <a:r>
+              <a:rPr lang="en-US" dirty="0" err="1"/>
+              <a:t>startsWith</a:t>
+            </a:r>
+            <a:endParaRPr lang="en-US" dirty="0"/>
+          </a:p>
+          <a:p>
+            <a:r>
+              <a:rPr lang="en-US" dirty="0" err="1"/>
+              <a:t>endsWith</a:t>
+            </a:r>
+            <a:endParaRPr lang="en-US" dirty="0"/>
+          </a:p>
+          <a:p>
+            <a:r>
+              <a:rPr lang="en-US" dirty="0"/>
+              <a:t>Search</a:t>
+            </a:r>
+          </a:p>
+          <a:p>
+            <a:r>
+              <a:rPr lang="en-US" dirty="0"/>
+              <a:t>Match</a:t>
+            </a:r>
+          </a:p>
+          <a:p>
+            <a:r>
+              <a:rPr lang="en-US" dirty="0" err="1"/>
+              <a:t>Indexof</a:t>
+            </a:r>
+            <a:endParaRPr lang="en-US" dirty="0"/>
+          </a:p>
+          <a:p>
+            <a:r>
+              <a:rPr lang="en-US" dirty="0" err="1"/>
+              <a:t>Lastindexof</a:t>
+            </a:r>
+            <a:endParaRPr lang="en-US" dirty="0"/>
+          </a:p>
+          <a:p>
+            <a:r>
+              <a:rPr lang="en-US" dirty="0"/>
+              <a:t>Replace</a:t>
+            </a:r>
+          </a:p>
+          <a:p>
+            <a:r>
+              <a:rPr lang="en-US" dirty="0"/>
+              <a:t>Trim</a:t>
+            </a:r>
+          </a:p>
+          <a:p>
+            <a:r>
+              <a:rPr lang="en-US" dirty="0" err="1"/>
+              <a:t>charAt</a:t>
+            </a:r>
+            <a:endParaRPr lang="en-US" dirty="0"/>
+          </a:p>
+          <a:p>
+            <a:r>
+              <a:rPr lang="en-US" dirty="0" err="1"/>
+              <a:t>charCodeAt</a:t>
+            </a:r>
+            <a:endParaRPr lang="en-US" dirty="0"/>
+          </a:p>
+          <a:p>
+            <a:r>
+              <a:rPr lang="en-US" dirty="0" err="1"/>
+              <a:t>fromCharCode</a:t>
+            </a:r>
+            <a:endParaRPr lang="en-US" dirty="0"/>
+          </a:p>
+          <a:p>
+            <a:r>
+              <a:rPr lang="en-US" dirty="0" err="1"/>
+              <a:t>Concat</a:t>
+            </a:r>
+            <a:endParaRPr lang="en-US" dirty="0"/>
+          </a:p>
+          <a:p>
+            <a:r>
+              <a:rPr lang="en-US" dirty="0"/>
+              <a:t>Split</a:t>
+            </a:r>
+          </a:p>
+          <a:p>
+            <a:r>
+              <a:rPr lang="en-US" dirty="0"/>
+              <a:t>Repeat</a:t>
+            </a:r>
+          </a:p>
+          <a:p>
+            <a:r>
+              <a:rPr lang="en-US" dirty="0"/>
+              <a:t>Slice</a:t>
+            </a:r>
+          </a:p>
+          <a:p>
+            <a:r>
+              <a:rPr lang="en-US" dirty="0" err="1"/>
+              <a:t>Substr</a:t>
+            </a:r>
+            <a:endParaRPr lang="en-US" dirty="0"/>
+          </a:p>
+          <a:p>
+            <a:r>
+              <a:rPr lang="en-US" dirty="0"/>
+              <a:t>Substring</a:t>
+            </a:r>
+          </a:p>
+          <a:p>
+            <a:r>
+              <a:rPr lang="en-US" dirty="0" err="1"/>
+              <a:t>Tostring</a:t>
+            </a:r>
+            <a:endParaRPr lang="en-US" dirty="0"/>
+          </a:p>
+          <a:p>
+            <a:r>
+              <a:rPr lang="en-US" dirty="0" err="1"/>
+              <a:t>valueof</a:t>
+            </a:r>
+            <a:endParaRPr lang="en-US" dirty="0"/>
+          </a:p>
+        </p:txBody>
+      </p:sp>
+    </p:spTree>
+    <p:extLst>
+      <p:ext uri="{BB962C8B-B14F-4D97-AF65-F5344CB8AC3E}">
+        <p14:creationId xmlns:p14="http://schemas.microsoft.com/office/powerpoint/2010/main" val="748355415"/>
       </p:ext>
     </p:extLst>
   </p:cSld>

--- a/JavaScript.pptx
+++ b/JavaScript.pptx
@@ -81,6 +81,7 @@
     <p:sldId id="329" r:id="rId75"/>
     <p:sldId id="330" r:id="rId76"/>
     <p:sldId id="331" r:id="rId77"/>
+    <p:sldId id="332" r:id="rId78"/>
   </p:sldIdLst>
   <p:sldSz cx="12192000" cy="6858000"/>
   <p:notesSz cx="6858000" cy="9144000"/>
@@ -264,6 +265,7 @@
             <p14:sldId id="329"/>
             <p14:sldId id="330"/>
             <p14:sldId id="331"/>
+            <p14:sldId id="332"/>
           </p14:sldIdLst>
         </p14:section>
       </p14:sectionLst>
@@ -422,7 +424,7 @@
           <a:p>
             <a:fld id="{B0FD79F2-F8AC-467F-AA9E-9C9DDF51E646}" type="datetimeFigureOut">
               <a:rPr lang="en-US" smtClean="0"/>
-              <a:t>1/18/2023</a:t>
+              <a:t>1/20/2023</a:t>
             </a:fld>
             <a:endParaRPr lang="en-US"/>
           </a:p>
@@ -620,7 +622,7 @@
           <a:p>
             <a:fld id="{B0FD79F2-F8AC-467F-AA9E-9C9DDF51E646}" type="datetimeFigureOut">
               <a:rPr lang="en-US" smtClean="0"/>
-              <a:t>1/18/2023</a:t>
+              <a:t>1/20/2023</a:t>
             </a:fld>
             <a:endParaRPr lang="en-US"/>
           </a:p>
@@ -828,7 +830,7 @@
           <a:p>
             <a:fld id="{B0FD79F2-F8AC-467F-AA9E-9C9DDF51E646}" type="datetimeFigureOut">
               <a:rPr lang="en-US" smtClean="0"/>
-              <a:t>1/18/2023</a:t>
+              <a:t>1/20/2023</a:t>
             </a:fld>
             <a:endParaRPr lang="en-US"/>
           </a:p>
@@ -1026,7 +1028,7 @@
           <a:p>
             <a:fld id="{B0FD79F2-F8AC-467F-AA9E-9C9DDF51E646}" type="datetimeFigureOut">
               <a:rPr lang="en-US" smtClean="0"/>
-              <a:t>1/18/2023</a:t>
+              <a:t>1/20/2023</a:t>
             </a:fld>
             <a:endParaRPr lang="en-US"/>
           </a:p>
@@ -1301,7 +1303,7 @@
           <a:p>
             <a:fld id="{B0FD79F2-F8AC-467F-AA9E-9C9DDF51E646}" type="datetimeFigureOut">
               <a:rPr lang="en-US" smtClean="0"/>
-              <a:t>1/18/2023</a:t>
+              <a:t>1/20/2023</a:t>
             </a:fld>
             <a:endParaRPr lang="en-US"/>
           </a:p>
@@ -1566,7 +1568,7 @@
           <a:p>
             <a:fld id="{B0FD79F2-F8AC-467F-AA9E-9C9DDF51E646}" type="datetimeFigureOut">
               <a:rPr lang="en-US" smtClean="0"/>
-              <a:t>1/18/2023</a:t>
+              <a:t>1/20/2023</a:t>
             </a:fld>
             <a:endParaRPr lang="en-US"/>
           </a:p>
@@ -1978,7 +1980,7 @@
           <a:p>
             <a:fld id="{B0FD79F2-F8AC-467F-AA9E-9C9DDF51E646}" type="datetimeFigureOut">
               <a:rPr lang="en-US" smtClean="0"/>
-              <a:t>1/18/2023</a:t>
+              <a:t>1/20/2023</a:t>
             </a:fld>
             <a:endParaRPr lang="en-US"/>
           </a:p>
@@ -2119,7 +2121,7 @@
           <a:p>
             <a:fld id="{B0FD79F2-F8AC-467F-AA9E-9C9DDF51E646}" type="datetimeFigureOut">
               <a:rPr lang="en-US" smtClean="0"/>
-              <a:t>1/18/2023</a:t>
+              <a:t>1/20/2023</a:t>
             </a:fld>
             <a:endParaRPr lang="en-US"/>
           </a:p>
@@ -2232,7 +2234,7 @@
           <a:p>
             <a:fld id="{B0FD79F2-F8AC-467F-AA9E-9C9DDF51E646}" type="datetimeFigureOut">
               <a:rPr lang="en-US" smtClean="0"/>
-              <a:t>1/18/2023</a:t>
+              <a:t>1/20/2023</a:t>
             </a:fld>
             <a:endParaRPr lang="en-US"/>
           </a:p>
@@ -2543,7 +2545,7 @@
           <a:p>
             <a:fld id="{B0FD79F2-F8AC-467F-AA9E-9C9DDF51E646}" type="datetimeFigureOut">
               <a:rPr lang="en-US" smtClean="0"/>
-              <a:t>1/18/2023</a:t>
+              <a:t>1/20/2023</a:t>
             </a:fld>
             <a:endParaRPr lang="en-US"/>
           </a:p>
@@ -2831,7 +2833,7 @@
           <a:p>
             <a:fld id="{B0FD79F2-F8AC-467F-AA9E-9C9DDF51E646}" type="datetimeFigureOut">
               <a:rPr lang="en-US" smtClean="0"/>
-              <a:t>1/18/2023</a:t>
+              <a:t>1/20/2023</a:t>
             </a:fld>
             <a:endParaRPr lang="en-US"/>
           </a:p>
@@ -3072,7 +3074,7 @@
           <a:p>
             <a:fld id="{B0FD79F2-F8AC-467F-AA9E-9C9DDF51E646}" type="datetimeFigureOut">
               <a:rPr lang="en-US" smtClean="0"/>
-              <a:t>1/18/2023</a:t>
+              <a:t>1/20/2023</a:t>
             </a:fld>
             <a:endParaRPr lang="en-US"/>
           </a:p>
@@ -20731,6 +20733,155 @@
 </p:sld>
 </file>
 
+<file path=ppt/slides/slide77.xml><?xml version="1.0" encoding="utf-8"?>
+<p:sld xmlns:a="http://schemas.openxmlformats.org/drawingml/2006/main" xmlns:r="http://schemas.openxmlformats.org/officeDocument/2006/relationships" xmlns:p="http://schemas.openxmlformats.org/presentationml/2006/main">
+  <p:cSld>
+    <p:spTree>
+      <p:nvGrpSpPr>
+        <p:cNvPr id="1" name=""/>
+        <p:cNvGrpSpPr/>
+        <p:nvPr/>
+      </p:nvGrpSpPr>
+      <p:grpSpPr>
+        <a:xfrm>
+          <a:off x="0" y="0"/>
+          <a:ext cx="0" cy="0"/>
+          <a:chOff x="0" y="0"/>
+          <a:chExt cx="0" cy="0"/>
+        </a:xfrm>
+      </p:grpSpPr>
+      <p:sp>
+        <p:nvSpPr>
+          <p:cNvPr id="2" name="Title 1">
+            <a:extLst>
+              <a:ext uri="{FF2B5EF4-FFF2-40B4-BE49-F238E27FC236}">
+                <a16:creationId xmlns:a16="http://schemas.microsoft.com/office/drawing/2014/main" id="{E86BDDF3-8B61-4F04-7C6B-A2984D9F801B}"/>
+              </a:ext>
+            </a:extLst>
+          </p:cNvPr>
+          <p:cNvSpPr>
+            <a:spLocks noGrp="1"/>
+          </p:cNvSpPr>
+          <p:nvPr>
+            <p:ph type="title"/>
+          </p:nvPr>
+        </p:nvSpPr>
+        <p:spPr/>
+        <p:txBody>
+          <a:bodyPr/>
+          <a:lstStyle/>
+          <a:p>
+            <a:r>
+              <a:rPr lang="en-US" dirty="0"/>
+              <a:t>JS: Number Methods</a:t>
+            </a:r>
+          </a:p>
+        </p:txBody>
+      </p:sp>
+      <p:sp>
+        <p:nvSpPr>
+          <p:cNvPr id="3" name="Content Placeholder 2">
+            <a:extLst>
+              <a:ext uri="{FF2B5EF4-FFF2-40B4-BE49-F238E27FC236}">
+                <a16:creationId xmlns:a16="http://schemas.microsoft.com/office/drawing/2014/main" id="{3DA9832A-9EF0-A8FD-EFB6-7E6FE59D66F1}"/>
+              </a:ext>
+            </a:extLst>
+          </p:cNvPr>
+          <p:cNvSpPr>
+            <a:spLocks noGrp="1"/>
+          </p:cNvSpPr>
+          <p:nvPr>
+            <p:ph idx="1"/>
+          </p:nvPr>
+        </p:nvSpPr>
+        <p:spPr/>
+        <p:txBody>
+          <a:bodyPr/>
+          <a:lstStyle/>
+          <a:p>
+            <a:r>
+              <a:rPr lang="en-US" dirty="0"/>
+              <a:t>Number()</a:t>
+            </a:r>
+          </a:p>
+          <a:p>
+            <a:r>
+              <a:rPr lang="en-US" dirty="0" err="1"/>
+              <a:t>parseInt</a:t>
+            </a:r>
+            <a:r>
+              <a:rPr lang="en-US" dirty="0"/>
+              <a:t>()</a:t>
+            </a:r>
+          </a:p>
+          <a:p>
+            <a:r>
+              <a:rPr lang="en-US" dirty="0" err="1"/>
+              <a:t>parseFloat</a:t>
+            </a:r>
+            <a:r>
+              <a:rPr lang="en-US" dirty="0"/>
+              <a:t>()</a:t>
+            </a:r>
+          </a:p>
+          <a:p>
+            <a:r>
+              <a:rPr lang="en-US" dirty="0" err="1"/>
+              <a:t>isFinite</a:t>
+            </a:r>
+            <a:r>
+              <a:rPr lang="en-US" dirty="0"/>
+              <a:t>()</a:t>
+            </a:r>
+          </a:p>
+          <a:p>
+            <a:r>
+              <a:rPr lang="en-US" dirty="0" err="1"/>
+              <a:t>isInteger</a:t>
+            </a:r>
+            <a:r>
+              <a:rPr lang="en-US" dirty="0"/>
+              <a:t>()</a:t>
+            </a:r>
+          </a:p>
+          <a:p>
+            <a:r>
+              <a:rPr lang="en-US" dirty="0" err="1"/>
+              <a:t>toFixed</a:t>
+            </a:r>
+            <a:r>
+              <a:rPr lang="en-US" dirty="0"/>
+              <a:t>()</a:t>
+            </a:r>
+          </a:p>
+          <a:p>
+            <a:r>
+              <a:rPr lang="en-US" dirty="0" err="1"/>
+              <a:t>toPrecision</a:t>
+            </a:r>
+            <a:r>
+              <a:rPr lang="en-US" dirty="0"/>
+              <a:t>()</a:t>
+            </a:r>
+          </a:p>
+          <a:p>
+            <a:endParaRPr lang="en-US" dirty="0"/>
+          </a:p>
+        </p:txBody>
+      </p:sp>
+    </p:spTree>
+    <p:extLst>
+      <p:ext uri="{BB962C8B-B14F-4D97-AF65-F5344CB8AC3E}">
+        <p14:creationId xmlns:p14="http://schemas.microsoft.com/office/powerpoint/2010/main" val="1368336188"/>
+      </p:ext>
+    </p:extLst>
+  </p:cSld>
+  <p:clrMapOvr>
+    <a:masterClrMapping/>
+  </p:clrMapOvr>
+</p:sld>
+</file>
+
 <file path=ppt/slides/slide8.xml><?xml version="1.0" encoding="utf-8"?>
 <p:sld xmlns:a="http://schemas.openxmlformats.org/drawingml/2006/main" xmlns:r="http://schemas.openxmlformats.org/officeDocument/2006/relationships" xmlns:p="http://schemas.openxmlformats.org/presentationml/2006/main">
   <p:cSld>

--- a/JavaScript.pptx
+++ b/JavaScript.pptx
@@ -82,6 +82,9 @@
     <p:sldId id="330" r:id="rId76"/>
     <p:sldId id="331" r:id="rId77"/>
     <p:sldId id="332" r:id="rId78"/>
+    <p:sldId id="333" r:id="rId79"/>
+    <p:sldId id="334" r:id="rId80"/>
+    <p:sldId id="335" r:id="rId81"/>
   </p:sldIdLst>
   <p:sldSz cx="12192000" cy="6858000"/>
   <p:notesSz cx="6858000" cy="9144000"/>
@@ -266,6 +269,9 @@
             <p14:sldId id="330"/>
             <p14:sldId id="331"/>
             <p14:sldId id="332"/>
+            <p14:sldId id="333"/>
+            <p14:sldId id="334"/>
+            <p14:sldId id="335"/>
           </p14:sldIdLst>
         </p14:section>
       </p14:sectionLst>
@@ -424,7 +430,7 @@
           <a:p>
             <a:fld id="{B0FD79F2-F8AC-467F-AA9E-9C9DDF51E646}" type="datetimeFigureOut">
               <a:rPr lang="en-US" smtClean="0"/>
-              <a:t>1/20/2023</a:t>
+              <a:t>1/22/2023</a:t>
             </a:fld>
             <a:endParaRPr lang="en-US"/>
           </a:p>
@@ -622,7 +628,7 @@
           <a:p>
             <a:fld id="{B0FD79F2-F8AC-467F-AA9E-9C9DDF51E646}" type="datetimeFigureOut">
               <a:rPr lang="en-US" smtClean="0"/>
-              <a:t>1/20/2023</a:t>
+              <a:t>1/22/2023</a:t>
             </a:fld>
             <a:endParaRPr lang="en-US"/>
           </a:p>
@@ -830,7 +836,7 @@
           <a:p>
             <a:fld id="{B0FD79F2-F8AC-467F-AA9E-9C9DDF51E646}" type="datetimeFigureOut">
               <a:rPr lang="en-US" smtClean="0"/>
-              <a:t>1/20/2023</a:t>
+              <a:t>1/22/2023</a:t>
             </a:fld>
             <a:endParaRPr lang="en-US"/>
           </a:p>
@@ -1028,7 +1034,7 @@
           <a:p>
             <a:fld id="{B0FD79F2-F8AC-467F-AA9E-9C9DDF51E646}" type="datetimeFigureOut">
               <a:rPr lang="en-US" smtClean="0"/>
-              <a:t>1/20/2023</a:t>
+              <a:t>1/22/2023</a:t>
             </a:fld>
             <a:endParaRPr lang="en-US"/>
           </a:p>
@@ -1303,7 +1309,7 @@
           <a:p>
             <a:fld id="{B0FD79F2-F8AC-467F-AA9E-9C9DDF51E646}" type="datetimeFigureOut">
               <a:rPr lang="en-US" smtClean="0"/>
-              <a:t>1/20/2023</a:t>
+              <a:t>1/22/2023</a:t>
             </a:fld>
             <a:endParaRPr lang="en-US"/>
           </a:p>
@@ -1568,7 +1574,7 @@
           <a:p>
             <a:fld id="{B0FD79F2-F8AC-467F-AA9E-9C9DDF51E646}" type="datetimeFigureOut">
               <a:rPr lang="en-US" smtClean="0"/>
-              <a:t>1/20/2023</a:t>
+              <a:t>1/22/2023</a:t>
             </a:fld>
             <a:endParaRPr lang="en-US"/>
           </a:p>
@@ -1980,7 +1986,7 @@
           <a:p>
             <a:fld id="{B0FD79F2-F8AC-467F-AA9E-9C9DDF51E646}" type="datetimeFigureOut">
               <a:rPr lang="en-US" smtClean="0"/>
-              <a:t>1/20/2023</a:t>
+              <a:t>1/22/2023</a:t>
             </a:fld>
             <a:endParaRPr lang="en-US"/>
           </a:p>
@@ -2121,7 +2127,7 @@
           <a:p>
             <a:fld id="{B0FD79F2-F8AC-467F-AA9E-9C9DDF51E646}" type="datetimeFigureOut">
               <a:rPr lang="en-US" smtClean="0"/>
-              <a:t>1/20/2023</a:t>
+              <a:t>1/22/2023</a:t>
             </a:fld>
             <a:endParaRPr lang="en-US"/>
           </a:p>
@@ -2234,7 +2240,7 @@
           <a:p>
             <a:fld id="{B0FD79F2-F8AC-467F-AA9E-9C9DDF51E646}" type="datetimeFigureOut">
               <a:rPr lang="en-US" smtClean="0"/>
-              <a:t>1/20/2023</a:t>
+              <a:t>1/22/2023</a:t>
             </a:fld>
             <a:endParaRPr lang="en-US"/>
           </a:p>
@@ -2545,7 +2551,7 @@
           <a:p>
             <a:fld id="{B0FD79F2-F8AC-467F-AA9E-9C9DDF51E646}" type="datetimeFigureOut">
               <a:rPr lang="en-US" smtClean="0"/>
-              <a:t>1/20/2023</a:t>
+              <a:t>1/22/2023</a:t>
             </a:fld>
             <a:endParaRPr lang="en-US"/>
           </a:p>
@@ -2833,7 +2839,7 @@
           <a:p>
             <a:fld id="{B0FD79F2-F8AC-467F-AA9E-9C9DDF51E646}" type="datetimeFigureOut">
               <a:rPr lang="en-US" smtClean="0"/>
-              <a:t>1/20/2023</a:t>
+              <a:t>1/22/2023</a:t>
             </a:fld>
             <a:endParaRPr lang="en-US"/>
           </a:p>
@@ -3074,7 +3080,7 @@
           <a:p>
             <a:fld id="{B0FD79F2-F8AC-467F-AA9E-9C9DDF51E646}" type="datetimeFigureOut">
               <a:rPr lang="en-US" smtClean="0"/>
-              <a:t>1/20/2023</a:t>
+              <a:t>1/22/2023</a:t>
             </a:fld>
             <a:endParaRPr lang="en-US"/>
           </a:p>
@@ -20794,7 +20800,12 @@
             <p:ph idx="1"/>
           </p:nvPr>
         </p:nvSpPr>
-        <p:spPr/>
+        <p:spPr>
+          <a:xfrm>
+            <a:off x="838200" y="1690688"/>
+            <a:ext cx="10515600" cy="4351338"/>
+          </a:xfrm>
+        </p:spPr>
         <p:txBody>
           <a:bodyPr/>
           <a:lstStyle/>
@@ -20873,6 +20884,491 @@
     <p:extLst>
       <p:ext uri="{BB962C8B-B14F-4D97-AF65-F5344CB8AC3E}">
         <p14:creationId xmlns:p14="http://schemas.microsoft.com/office/powerpoint/2010/main" val="1368336188"/>
+      </p:ext>
+    </p:extLst>
+  </p:cSld>
+  <p:clrMapOvr>
+    <a:masterClrMapping/>
+  </p:clrMapOvr>
+</p:sld>
+</file>
+
+<file path=ppt/slides/slide78.xml><?xml version="1.0" encoding="utf-8"?>
+<p:sld xmlns:a="http://schemas.openxmlformats.org/drawingml/2006/main" xmlns:r="http://schemas.openxmlformats.org/officeDocument/2006/relationships" xmlns:p="http://schemas.openxmlformats.org/presentationml/2006/main">
+  <p:cSld>
+    <p:spTree>
+      <p:nvGrpSpPr>
+        <p:cNvPr id="1" name=""/>
+        <p:cNvGrpSpPr/>
+        <p:nvPr/>
+      </p:nvGrpSpPr>
+      <p:grpSpPr>
+        <a:xfrm>
+          <a:off x="0" y="0"/>
+          <a:ext cx="0" cy="0"/>
+          <a:chOff x="0" y="0"/>
+          <a:chExt cx="0" cy="0"/>
+        </a:xfrm>
+      </p:grpSpPr>
+      <p:sp>
+        <p:nvSpPr>
+          <p:cNvPr id="2" name="Title 1">
+            <a:extLst>
+              <a:ext uri="{FF2B5EF4-FFF2-40B4-BE49-F238E27FC236}">
+                <a16:creationId xmlns:a16="http://schemas.microsoft.com/office/drawing/2014/main" id="{000BF204-2D1D-985C-5D96-3A56FE1E040C}"/>
+              </a:ext>
+            </a:extLst>
+          </p:cNvPr>
+          <p:cNvSpPr>
+            <a:spLocks noGrp="1"/>
+          </p:cNvSpPr>
+          <p:nvPr>
+            <p:ph type="title"/>
+          </p:nvPr>
+        </p:nvSpPr>
+        <p:spPr/>
+        <p:txBody>
+          <a:bodyPr/>
+          <a:lstStyle/>
+          <a:p>
+            <a:r>
+              <a:rPr lang="en-US" dirty="0"/>
+              <a:t>Math Methods</a:t>
+            </a:r>
+          </a:p>
+        </p:txBody>
+      </p:sp>
+      <p:sp>
+        <p:nvSpPr>
+          <p:cNvPr id="3" name="Content Placeholder 2">
+            <a:extLst>
+              <a:ext uri="{FF2B5EF4-FFF2-40B4-BE49-F238E27FC236}">
+                <a16:creationId xmlns:a16="http://schemas.microsoft.com/office/drawing/2014/main" id="{21DA6494-22B7-4728-0E7B-537C3E88C445}"/>
+              </a:ext>
+            </a:extLst>
+          </p:cNvPr>
+          <p:cNvSpPr>
+            <a:spLocks noGrp="1"/>
+          </p:cNvSpPr>
+          <p:nvPr>
+            <p:ph idx="1"/>
+          </p:nvPr>
+        </p:nvSpPr>
+        <p:spPr/>
+        <p:txBody>
+          <a:bodyPr numCol="3">
+            <a:normAutofit/>
+          </a:bodyPr>
+          <a:lstStyle/>
+          <a:p>
+            <a:r>
+              <a:rPr lang="en-US" dirty="0"/>
+              <a:t>Ceil(x)</a:t>
+            </a:r>
+          </a:p>
+          <a:p>
+            <a:r>
+              <a:rPr lang="en-US" dirty="0"/>
+              <a:t>Floor(x)</a:t>
+            </a:r>
+          </a:p>
+          <a:p>
+            <a:r>
+              <a:rPr lang="en-US" dirty="0"/>
+              <a:t>Round(x)</a:t>
+            </a:r>
+          </a:p>
+          <a:p>
+            <a:r>
+              <a:rPr lang="en-US" dirty="0" err="1"/>
+              <a:t>Trunc</a:t>
+            </a:r>
+            <a:r>
+              <a:rPr lang="en-US" dirty="0"/>
+              <a:t>(x)</a:t>
+            </a:r>
+          </a:p>
+          <a:p>
+            <a:r>
+              <a:rPr lang="en-US" dirty="0"/>
+              <a:t>Max(</a:t>
+            </a:r>
+            <a:r>
+              <a:rPr lang="en-US" dirty="0" err="1"/>
+              <a:t>x,y,z</a:t>
+            </a:r>
+            <a:r>
+              <a:rPr lang="en-US" dirty="0"/>
+              <a:t>,…,n)</a:t>
+            </a:r>
+          </a:p>
+          <a:p>
+            <a:r>
+              <a:rPr lang="en-US" dirty="0"/>
+              <a:t>Min(</a:t>
+            </a:r>
+            <a:r>
+              <a:rPr lang="en-US" dirty="0" err="1"/>
+              <a:t>x,y,z</a:t>
+            </a:r>
+            <a:r>
+              <a:rPr lang="en-US" dirty="0"/>
+              <a:t>…,n)</a:t>
+            </a:r>
+          </a:p>
+          <a:p>
+            <a:r>
+              <a:rPr lang="en-US" dirty="0"/>
+              <a:t>Sqrt(x)</a:t>
+            </a:r>
+          </a:p>
+          <a:p>
+            <a:r>
+              <a:rPr lang="en-US" dirty="0" err="1"/>
+              <a:t>Cbrt</a:t>
+            </a:r>
+            <a:r>
+              <a:rPr lang="en-US" dirty="0"/>
+              <a:t>(x)</a:t>
+            </a:r>
+          </a:p>
+          <a:p>
+            <a:r>
+              <a:rPr lang="en-US" dirty="0"/>
+              <a:t>Pow(</a:t>
+            </a:r>
+            <a:r>
+              <a:rPr lang="en-US" dirty="0" err="1"/>
+              <a:t>x,y</a:t>
+            </a:r>
+            <a:r>
+              <a:rPr lang="en-US" dirty="0"/>
+              <a:t>)</a:t>
+            </a:r>
+          </a:p>
+          <a:p>
+            <a:r>
+              <a:rPr lang="en-US" dirty="0"/>
+              <a:t>Random()</a:t>
+            </a:r>
+          </a:p>
+          <a:p>
+            <a:r>
+              <a:rPr lang="en-US" dirty="0"/>
+              <a:t>Abs(x)</a:t>
+            </a:r>
+          </a:p>
+          <a:p>
+            <a:r>
+              <a:rPr lang="en-US" dirty="0"/>
+              <a:t>PI</a:t>
+            </a:r>
+          </a:p>
+        </p:txBody>
+      </p:sp>
+    </p:spTree>
+    <p:extLst>
+      <p:ext uri="{BB962C8B-B14F-4D97-AF65-F5344CB8AC3E}">
+        <p14:creationId xmlns:p14="http://schemas.microsoft.com/office/powerpoint/2010/main" val="3770070564"/>
+      </p:ext>
+    </p:extLst>
+  </p:cSld>
+  <p:clrMapOvr>
+    <a:masterClrMapping/>
+  </p:clrMapOvr>
+</p:sld>
+</file>
+
+<file path=ppt/slides/slide79.xml><?xml version="1.0" encoding="utf-8"?>
+<p:sld xmlns:a="http://schemas.openxmlformats.org/drawingml/2006/main" xmlns:r="http://schemas.openxmlformats.org/officeDocument/2006/relationships" xmlns:p="http://schemas.openxmlformats.org/presentationml/2006/main">
+  <p:cSld>
+    <p:spTree>
+      <p:nvGrpSpPr>
+        <p:cNvPr id="1" name=""/>
+        <p:cNvGrpSpPr/>
+        <p:nvPr/>
+      </p:nvGrpSpPr>
+      <p:grpSpPr>
+        <a:xfrm>
+          <a:off x="0" y="0"/>
+          <a:ext cx="0" cy="0"/>
+          <a:chOff x="0" y="0"/>
+          <a:chExt cx="0" cy="0"/>
+        </a:xfrm>
+      </p:grpSpPr>
+      <p:sp>
+        <p:nvSpPr>
+          <p:cNvPr id="2" name="Title 1">
+            <a:extLst>
+              <a:ext uri="{FF2B5EF4-FFF2-40B4-BE49-F238E27FC236}">
+                <a16:creationId xmlns:a16="http://schemas.microsoft.com/office/drawing/2014/main" id="{799DCB1B-1C8D-F058-7A63-D87D94AA0CD9}"/>
+              </a:ext>
+            </a:extLst>
+          </p:cNvPr>
+          <p:cNvSpPr>
+            <a:spLocks noGrp="1"/>
+          </p:cNvSpPr>
+          <p:nvPr>
+            <p:ph type="title"/>
+          </p:nvPr>
+        </p:nvSpPr>
+        <p:spPr/>
+        <p:txBody>
+          <a:bodyPr/>
+          <a:lstStyle/>
+          <a:p>
+            <a:r>
+              <a:rPr lang="en-US" dirty="0"/>
+              <a:t>JS: Date Methods</a:t>
+            </a:r>
+          </a:p>
+        </p:txBody>
+      </p:sp>
+      <p:sp>
+        <p:nvSpPr>
+          <p:cNvPr id="3" name="Content Placeholder 2">
+            <a:extLst>
+              <a:ext uri="{FF2B5EF4-FFF2-40B4-BE49-F238E27FC236}">
+                <a16:creationId xmlns:a16="http://schemas.microsoft.com/office/drawing/2014/main" id="{9B6CDB35-1F2A-A6BB-F7A5-74CE7A1CA1CF}"/>
+              </a:ext>
+            </a:extLst>
+          </p:cNvPr>
+          <p:cNvSpPr>
+            <a:spLocks noGrp="1"/>
+          </p:cNvSpPr>
+          <p:nvPr>
+            <p:ph idx="1"/>
+          </p:nvPr>
+        </p:nvSpPr>
+        <p:spPr/>
+        <p:txBody>
+          <a:bodyPr numCol="3">
+            <a:normAutofit/>
+          </a:bodyPr>
+          <a:lstStyle/>
+          <a:p>
+            <a:pPr marL="0" indent="0">
+              <a:buNone/>
+            </a:pPr>
+            <a:r>
+              <a:rPr lang="en-US" dirty="0"/>
+              <a:t>Var now = new Date();</a:t>
+            </a:r>
+          </a:p>
+          <a:p>
+            <a:pPr marL="0" indent="0">
+              <a:buNone/>
+            </a:pPr>
+            <a:r>
+              <a:rPr lang="en-US" dirty="0" err="1"/>
+              <a:t>toDateString</a:t>
+            </a:r>
+            <a:r>
+              <a:rPr lang="en-US" dirty="0"/>
+              <a:t>()</a:t>
+            </a:r>
+          </a:p>
+          <a:p>
+            <a:pPr marL="0" indent="0">
+              <a:buNone/>
+            </a:pPr>
+            <a:r>
+              <a:rPr lang="en-US" dirty="0" err="1"/>
+              <a:t>getDate</a:t>
+            </a:r>
+            <a:r>
+              <a:rPr lang="en-US" dirty="0"/>
+              <a:t>()</a:t>
+            </a:r>
+          </a:p>
+          <a:p>
+            <a:pPr marL="0" indent="0">
+              <a:buNone/>
+            </a:pPr>
+            <a:r>
+              <a:rPr lang="en-US" dirty="0" err="1"/>
+              <a:t>getFullYear</a:t>
+            </a:r>
+            <a:r>
+              <a:rPr lang="en-US" dirty="0"/>
+              <a:t>()</a:t>
+            </a:r>
+          </a:p>
+          <a:p>
+            <a:pPr marL="0" indent="0">
+              <a:buNone/>
+            </a:pPr>
+            <a:r>
+              <a:rPr lang="en-US" dirty="0" err="1"/>
+              <a:t>getMonth</a:t>
+            </a:r>
+            <a:r>
+              <a:rPr lang="en-US" dirty="0"/>
+              <a:t>()</a:t>
+            </a:r>
+          </a:p>
+          <a:p>
+            <a:pPr marL="0" indent="0">
+              <a:buNone/>
+            </a:pPr>
+            <a:r>
+              <a:rPr lang="en-US" dirty="0" err="1"/>
+              <a:t>getDay</a:t>
+            </a:r>
+            <a:r>
+              <a:rPr lang="en-US" dirty="0"/>
+              <a:t>()</a:t>
+            </a:r>
+          </a:p>
+          <a:p>
+            <a:pPr marL="0" indent="0">
+              <a:buNone/>
+            </a:pPr>
+            <a:r>
+              <a:rPr lang="en-US" dirty="0" err="1"/>
+              <a:t>getHours</a:t>
+            </a:r>
+            <a:r>
+              <a:rPr lang="en-US" dirty="0"/>
+              <a:t>()</a:t>
+            </a:r>
+          </a:p>
+          <a:p>
+            <a:pPr marL="0" indent="0">
+              <a:buNone/>
+            </a:pPr>
+            <a:r>
+              <a:rPr lang="en-US" dirty="0" err="1"/>
+              <a:t>getMinutes</a:t>
+            </a:r>
+            <a:r>
+              <a:rPr lang="en-US" dirty="0"/>
+              <a:t>()</a:t>
+            </a:r>
+          </a:p>
+          <a:p>
+            <a:pPr marL="0" indent="0">
+              <a:buNone/>
+            </a:pPr>
+            <a:r>
+              <a:rPr lang="en-US" dirty="0" err="1"/>
+              <a:t>getSeconds</a:t>
+            </a:r>
+            <a:r>
+              <a:rPr lang="en-US" dirty="0"/>
+              <a:t>()</a:t>
+            </a:r>
+          </a:p>
+          <a:p>
+            <a:pPr marL="0" indent="0">
+              <a:buNone/>
+            </a:pPr>
+            <a:r>
+              <a:rPr lang="en-US" dirty="0" err="1"/>
+              <a:t>getMiliseconds</a:t>
+            </a:r>
+            <a:r>
+              <a:rPr lang="en-US" dirty="0"/>
+              <a:t>()</a:t>
+            </a:r>
+          </a:p>
+          <a:p>
+            <a:pPr marL="0" indent="0">
+              <a:buNone/>
+            </a:pPr>
+            <a:r>
+              <a:rPr lang="en-US" dirty="0" err="1"/>
+              <a:t>setDate</a:t>
+            </a:r>
+            <a:r>
+              <a:rPr lang="en-US" dirty="0"/>
+              <a:t>()</a:t>
+            </a:r>
+          </a:p>
+          <a:p>
+            <a:pPr marL="0" indent="0">
+              <a:buNone/>
+            </a:pPr>
+            <a:r>
+              <a:rPr lang="en-US" dirty="0" err="1"/>
+              <a:t>setFullYear</a:t>
+            </a:r>
+            <a:r>
+              <a:rPr lang="en-US" dirty="0"/>
+              <a:t>()</a:t>
+            </a:r>
+          </a:p>
+          <a:p>
+            <a:pPr marL="0" indent="0">
+              <a:buNone/>
+            </a:pPr>
+            <a:r>
+              <a:rPr lang="en-US" dirty="0" err="1"/>
+              <a:t>sertHours</a:t>
+            </a:r>
+            <a:r>
+              <a:rPr lang="en-US" dirty="0"/>
+              <a:t>()</a:t>
+            </a:r>
+          </a:p>
+          <a:p>
+            <a:pPr marL="0" indent="0">
+              <a:buNone/>
+            </a:pPr>
+            <a:r>
+              <a:rPr lang="en-US" dirty="0" err="1"/>
+              <a:t>setMiliseconds</a:t>
+            </a:r>
+            <a:r>
+              <a:rPr lang="en-US" dirty="0"/>
+              <a:t>()</a:t>
+            </a:r>
+          </a:p>
+          <a:p>
+            <a:pPr marL="0" indent="0">
+              <a:buNone/>
+            </a:pPr>
+            <a:r>
+              <a:rPr lang="en-US" dirty="0" err="1"/>
+              <a:t>setMinutes</a:t>
+            </a:r>
+            <a:r>
+              <a:rPr lang="en-US" dirty="0"/>
+              <a:t>()</a:t>
+            </a:r>
+          </a:p>
+          <a:p>
+            <a:pPr marL="0" indent="0">
+              <a:buNone/>
+            </a:pPr>
+            <a:r>
+              <a:rPr lang="en-US" dirty="0" err="1"/>
+              <a:t>setMonth</a:t>
+            </a:r>
+            <a:r>
+              <a:rPr lang="en-US" dirty="0"/>
+              <a:t>()</a:t>
+            </a:r>
+          </a:p>
+          <a:p>
+            <a:pPr marL="0" indent="0">
+              <a:buNone/>
+            </a:pPr>
+            <a:r>
+              <a:rPr lang="en-US" dirty="0" err="1"/>
+              <a:t>setSeconds</a:t>
+            </a:r>
+            <a:r>
+              <a:rPr lang="en-US" dirty="0"/>
+              <a:t>()</a:t>
+            </a:r>
+          </a:p>
+        </p:txBody>
+      </p:sp>
+    </p:spTree>
+    <p:extLst>
+      <p:ext uri="{BB962C8B-B14F-4D97-AF65-F5344CB8AC3E}">
+        <p14:creationId xmlns:p14="http://schemas.microsoft.com/office/powerpoint/2010/main" val="3336940223"/>
       </p:ext>
     </p:extLst>
   </p:cSld>
@@ -20977,6 +21473,89 @@
     <p:extLst>
       <p:ext uri="{BB962C8B-B14F-4D97-AF65-F5344CB8AC3E}">
         <p14:creationId xmlns:p14="http://schemas.microsoft.com/office/powerpoint/2010/main" val="4271459305"/>
+      </p:ext>
+    </p:extLst>
+  </p:cSld>
+  <p:clrMapOvr>
+    <a:masterClrMapping/>
+  </p:clrMapOvr>
+</p:sld>
+</file>
+
+<file path=ppt/slides/slide80.xml><?xml version="1.0" encoding="utf-8"?>
+<p:sld xmlns:a="http://schemas.openxmlformats.org/drawingml/2006/main" xmlns:r="http://schemas.openxmlformats.org/officeDocument/2006/relationships" xmlns:p="http://schemas.openxmlformats.org/presentationml/2006/main">
+  <p:cSld>
+    <p:spTree>
+      <p:nvGrpSpPr>
+        <p:cNvPr id="1" name=""/>
+        <p:cNvGrpSpPr/>
+        <p:nvPr/>
+      </p:nvGrpSpPr>
+      <p:grpSpPr>
+        <a:xfrm>
+          <a:off x="0" y="0"/>
+          <a:ext cx="0" cy="0"/>
+          <a:chOff x="0" y="0"/>
+          <a:chExt cx="0" cy="0"/>
+        </a:xfrm>
+      </p:grpSpPr>
+      <p:sp>
+        <p:nvSpPr>
+          <p:cNvPr id="2" name="Title 1">
+            <a:extLst>
+              <a:ext uri="{FF2B5EF4-FFF2-40B4-BE49-F238E27FC236}">
+                <a16:creationId xmlns:a16="http://schemas.microsoft.com/office/drawing/2014/main" id="{39BB42B9-3808-4FE7-B5D0-03CABE04682D}"/>
+              </a:ext>
+            </a:extLst>
+          </p:cNvPr>
+          <p:cNvSpPr>
+            <a:spLocks noGrp="1"/>
+          </p:cNvSpPr>
+          <p:nvPr>
+            <p:ph type="title"/>
+          </p:nvPr>
+        </p:nvSpPr>
+        <p:spPr/>
+        <p:txBody>
+          <a:bodyPr/>
+          <a:lstStyle/>
+          <a:p>
+            <a:r>
+              <a:rPr lang="en-US" dirty="0"/>
+              <a:t>JS: Document Object Module (DOM)</a:t>
+            </a:r>
+          </a:p>
+        </p:txBody>
+      </p:sp>
+      <p:sp>
+        <p:nvSpPr>
+          <p:cNvPr id="3" name="Content Placeholder 2">
+            <a:extLst>
+              <a:ext uri="{FF2B5EF4-FFF2-40B4-BE49-F238E27FC236}">
+                <a16:creationId xmlns:a16="http://schemas.microsoft.com/office/drawing/2014/main" id="{ECF90DF4-A600-78B0-EB77-5FA6A1E43843}"/>
+              </a:ext>
+            </a:extLst>
+          </p:cNvPr>
+          <p:cNvSpPr>
+            <a:spLocks noGrp="1"/>
+          </p:cNvSpPr>
+          <p:nvPr>
+            <p:ph idx="1"/>
+          </p:nvPr>
+        </p:nvSpPr>
+        <p:spPr/>
+        <p:txBody>
+          <a:bodyPr/>
+          <a:lstStyle/>
+          <a:p>
+            <a:endParaRPr lang="en-US"/>
+          </a:p>
+        </p:txBody>
+      </p:sp>
+    </p:spTree>
+    <p:extLst>
+      <p:ext uri="{BB962C8B-B14F-4D97-AF65-F5344CB8AC3E}">
+        <p14:creationId xmlns:p14="http://schemas.microsoft.com/office/powerpoint/2010/main" val="2578047695"/>
       </p:ext>
     </p:extLst>
   </p:cSld>

--- a/JavaScript.pptx
+++ b/JavaScript.pptx
@@ -85,6 +85,11 @@
     <p:sldId id="333" r:id="rId79"/>
     <p:sldId id="334" r:id="rId80"/>
     <p:sldId id="335" r:id="rId81"/>
+    <p:sldId id="336" r:id="rId82"/>
+    <p:sldId id="337" r:id="rId83"/>
+    <p:sldId id="338" r:id="rId84"/>
+    <p:sldId id="339" r:id="rId85"/>
+    <p:sldId id="340" r:id="rId86"/>
   </p:sldIdLst>
   <p:sldSz cx="12192000" cy="6858000"/>
   <p:notesSz cx="6858000" cy="9144000"/>
@@ -272,6 +277,11 @@
             <p14:sldId id="333"/>
             <p14:sldId id="334"/>
             <p14:sldId id="335"/>
+            <p14:sldId id="336"/>
+            <p14:sldId id="337"/>
+            <p14:sldId id="338"/>
+            <p14:sldId id="339"/>
+            <p14:sldId id="340"/>
           </p14:sldIdLst>
         </p14:section>
       </p14:sectionLst>
@@ -430,7 +440,7 @@
           <a:p>
             <a:fld id="{B0FD79F2-F8AC-467F-AA9E-9C9DDF51E646}" type="datetimeFigureOut">
               <a:rPr lang="en-US" smtClean="0"/>
-              <a:t>1/22/2023</a:t>
+              <a:t>1/23/2023</a:t>
             </a:fld>
             <a:endParaRPr lang="en-US"/>
           </a:p>
@@ -628,7 +638,7 @@
           <a:p>
             <a:fld id="{B0FD79F2-F8AC-467F-AA9E-9C9DDF51E646}" type="datetimeFigureOut">
               <a:rPr lang="en-US" smtClean="0"/>
-              <a:t>1/22/2023</a:t>
+              <a:t>1/23/2023</a:t>
             </a:fld>
             <a:endParaRPr lang="en-US"/>
           </a:p>
@@ -836,7 +846,7 @@
           <a:p>
             <a:fld id="{B0FD79F2-F8AC-467F-AA9E-9C9DDF51E646}" type="datetimeFigureOut">
               <a:rPr lang="en-US" smtClean="0"/>
-              <a:t>1/22/2023</a:t>
+              <a:t>1/23/2023</a:t>
             </a:fld>
             <a:endParaRPr lang="en-US"/>
           </a:p>
@@ -1034,7 +1044,7 @@
           <a:p>
             <a:fld id="{B0FD79F2-F8AC-467F-AA9E-9C9DDF51E646}" type="datetimeFigureOut">
               <a:rPr lang="en-US" smtClean="0"/>
-              <a:t>1/22/2023</a:t>
+              <a:t>1/23/2023</a:t>
             </a:fld>
             <a:endParaRPr lang="en-US"/>
           </a:p>
@@ -1309,7 +1319,7 @@
           <a:p>
             <a:fld id="{B0FD79F2-F8AC-467F-AA9E-9C9DDF51E646}" type="datetimeFigureOut">
               <a:rPr lang="en-US" smtClean="0"/>
-              <a:t>1/22/2023</a:t>
+              <a:t>1/23/2023</a:t>
             </a:fld>
             <a:endParaRPr lang="en-US"/>
           </a:p>
@@ -1574,7 +1584,7 @@
           <a:p>
             <a:fld id="{B0FD79F2-F8AC-467F-AA9E-9C9DDF51E646}" type="datetimeFigureOut">
               <a:rPr lang="en-US" smtClean="0"/>
-              <a:t>1/22/2023</a:t>
+              <a:t>1/23/2023</a:t>
             </a:fld>
             <a:endParaRPr lang="en-US"/>
           </a:p>
@@ -1986,7 +1996,7 @@
           <a:p>
             <a:fld id="{B0FD79F2-F8AC-467F-AA9E-9C9DDF51E646}" type="datetimeFigureOut">
               <a:rPr lang="en-US" smtClean="0"/>
-              <a:t>1/22/2023</a:t>
+              <a:t>1/23/2023</a:t>
             </a:fld>
             <a:endParaRPr lang="en-US"/>
           </a:p>
@@ -2127,7 +2137,7 @@
           <a:p>
             <a:fld id="{B0FD79F2-F8AC-467F-AA9E-9C9DDF51E646}" type="datetimeFigureOut">
               <a:rPr lang="en-US" smtClean="0"/>
-              <a:t>1/22/2023</a:t>
+              <a:t>1/23/2023</a:t>
             </a:fld>
             <a:endParaRPr lang="en-US"/>
           </a:p>
@@ -2240,7 +2250,7 @@
           <a:p>
             <a:fld id="{B0FD79F2-F8AC-467F-AA9E-9C9DDF51E646}" type="datetimeFigureOut">
               <a:rPr lang="en-US" smtClean="0"/>
-              <a:t>1/22/2023</a:t>
+              <a:t>1/23/2023</a:t>
             </a:fld>
             <a:endParaRPr lang="en-US"/>
           </a:p>
@@ -2551,7 +2561,7 @@
           <a:p>
             <a:fld id="{B0FD79F2-F8AC-467F-AA9E-9C9DDF51E646}" type="datetimeFigureOut">
               <a:rPr lang="en-US" smtClean="0"/>
-              <a:t>1/22/2023</a:t>
+              <a:t>1/23/2023</a:t>
             </a:fld>
             <a:endParaRPr lang="en-US"/>
           </a:p>
@@ -2839,7 +2849,7 @@
           <a:p>
             <a:fld id="{B0FD79F2-F8AC-467F-AA9E-9C9DDF51E646}" type="datetimeFigureOut">
               <a:rPr lang="en-US" smtClean="0"/>
-              <a:t>1/22/2023</a:t>
+              <a:t>1/23/2023</a:t>
             </a:fld>
             <a:endParaRPr lang="en-US"/>
           </a:p>
@@ -3080,7 +3090,7 @@
           <a:p>
             <a:fld id="{B0FD79F2-F8AC-467F-AA9E-9C9DDF51E646}" type="datetimeFigureOut">
               <a:rPr lang="en-US" smtClean="0"/>
-              <a:t>1/22/2023</a:t>
+              <a:t>1/23/2023</a:t>
             </a:fld>
             <a:endParaRPr lang="en-US"/>
           </a:p>
@@ -21515,14 +21525,1112 @@
             <p:ph type="title"/>
           </p:nvPr>
         </p:nvSpPr>
+        <p:spPr>
+          <a:xfrm>
+            <a:off x="183107" y="228648"/>
+            <a:ext cx="8838063" cy="753991"/>
+          </a:xfrm>
+        </p:spPr>
+        <p:txBody>
+          <a:bodyPr/>
+          <a:lstStyle/>
+          <a:p>
+            <a:r>
+              <a:rPr lang="en-US" dirty="0"/>
+              <a:t>JS: Document Object Module (DOM)</a:t>
+            </a:r>
+          </a:p>
+        </p:txBody>
+      </p:sp>
+      <p:sp>
+        <p:nvSpPr>
+          <p:cNvPr id="4" name="Rectangle 3">
+            <a:extLst>
+              <a:ext uri="{FF2B5EF4-FFF2-40B4-BE49-F238E27FC236}">
+                <a16:creationId xmlns:a16="http://schemas.microsoft.com/office/drawing/2014/main" id="{77E074DB-9B8C-11C6-FA98-23600A2184AE}"/>
+              </a:ext>
+            </a:extLst>
+          </p:cNvPr>
+          <p:cNvSpPr/>
+          <p:nvPr/>
+        </p:nvSpPr>
+        <p:spPr>
+          <a:xfrm>
+            <a:off x="4394579" y="873457"/>
+            <a:ext cx="2210937" cy="614149"/>
+          </a:xfrm>
+          <a:prstGeom prst="rect">
+            <a:avLst/>
+          </a:prstGeom>
+        </p:spPr>
+        <p:style>
+          <a:lnRef idx="2">
+            <a:schemeClr val="accent1">
+              <a:shade val="50000"/>
+            </a:schemeClr>
+          </a:lnRef>
+          <a:fillRef idx="1">
+            <a:schemeClr val="accent1"/>
+          </a:fillRef>
+          <a:effectRef idx="0">
+            <a:schemeClr val="accent1"/>
+          </a:effectRef>
+          <a:fontRef idx="minor">
+            <a:schemeClr val="lt1"/>
+          </a:fontRef>
+        </p:style>
+        <p:txBody>
+          <a:bodyPr rtlCol="0" anchor="ctr"/>
+          <a:lstStyle/>
+          <a:p>
+            <a:pPr algn="ctr"/>
+            <a:r>
+              <a:rPr lang="en-US" dirty="0"/>
+              <a:t>Document</a:t>
+            </a:r>
+          </a:p>
+        </p:txBody>
+      </p:sp>
+      <p:sp>
+        <p:nvSpPr>
+          <p:cNvPr id="5" name="Rectangle 4">
+            <a:extLst>
+              <a:ext uri="{FF2B5EF4-FFF2-40B4-BE49-F238E27FC236}">
+                <a16:creationId xmlns:a16="http://schemas.microsoft.com/office/drawing/2014/main" id="{8F8AE329-D56A-40C9-90A7-C2FEE387B001}"/>
+              </a:ext>
+            </a:extLst>
+          </p:cNvPr>
+          <p:cNvSpPr/>
+          <p:nvPr/>
+        </p:nvSpPr>
+        <p:spPr>
+          <a:xfrm>
+            <a:off x="4394579" y="1627448"/>
+            <a:ext cx="2210937" cy="614149"/>
+          </a:xfrm>
+          <a:prstGeom prst="rect">
+            <a:avLst/>
+          </a:prstGeom>
+        </p:spPr>
+        <p:style>
+          <a:lnRef idx="2">
+            <a:schemeClr val="accent1">
+              <a:shade val="50000"/>
+            </a:schemeClr>
+          </a:lnRef>
+          <a:fillRef idx="1">
+            <a:schemeClr val="accent1"/>
+          </a:fillRef>
+          <a:effectRef idx="0">
+            <a:schemeClr val="accent1"/>
+          </a:effectRef>
+          <a:fontRef idx="minor">
+            <a:schemeClr val="lt1"/>
+          </a:fontRef>
+        </p:style>
+        <p:txBody>
+          <a:bodyPr rtlCol="0" anchor="ctr"/>
+          <a:lstStyle/>
+          <a:p>
+            <a:pPr algn="ctr"/>
+            <a:r>
+              <a:rPr lang="en-US" dirty="0"/>
+              <a:t>Root (html)</a:t>
+            </a:r>
+          </a:p>
+        </p:txBody>
+      </p:sp>
+      <p:sp>
+        <p:nvSpPr>
+          <p:cNvPr id="6" name="Rectangle 5">
+            <a:extLst>
+              <a:ext uri="{FF2B5EF4-FFF2-40B4-BE49-F238E27FC236}">
+                <a16:creationId xmlns:a16="http://schemas.microsoft.com/office/drawing/2014/main" id="{CC2759C6-23BD-F722-BC43-D5CA97FD8239}"/>
+              </a:ext>
+            </a:extLst>
+          </p:cNvPr>
+          <p:cNvSpPr/>
+          <p:nvPr/>
+        </p:nvSpPr>
+        <p:spPr>
+          <a:xfrm>
+            <a:off x="791569" y="2320025"/>
+            <a:ext cx="2210937" cy="614149"/>
+          </a:xfrm>
+          <a:prstGeom prst="rect">
+            <a:avLst/>
+          </a:prstGeom>
+        </p:spPr>
+        <p:style>
+          <a:lnRef idx="2">
+            <a:schemeClr val="accent1">
+              <a:shade val="50000"/>
+            </a:schemeClr>
+          </a:lnRef>
+          <a:fillRef idx="1">
+            <a:schemeClr val="accent1"/>
+          </a:fillRef>
+          <a:effectRef idx="0">
+            <a:schemeClr val="accent1"/>
+          </a:effectRef>
+          <a:fontRef idx="minor">
+            <a:schemeClr val="lt1"/>
+          </a:fontRef>
+        </p:style>
+        <p:txBody>
+          <a:bodyPr rtlCol="0" anchor="ctr"/>
+          <a:lstStyle/>
+          <a:p>
+            <a:pPr algn="ctr"/>
+            <a:r>
+              <a:rPr lang="en-US" dirty="0"/>
+              <a:t>Element: &lt;head&gt;</a:t>
+            </a:r>
+          </a:p>
+        </p:txBody>
+      </p:sp>
+      <p:sp>
+        <p:nvSpPr>
+          <p:cNvPr id="7" name="Rectangle 6">
+            <a:extLst>
+              <a:ext uri="{FF2B5EF4-FFF2-40B4-BE49-F238E27FC236}">
+                <a16:creationId xmlns:a16="http://schemas.microsoft.com/office/drawing/2014/main" id="{FBD74B93-0E33-3D4E-9461-E024D0C921A4}"/>
+              </a:ext>
+            </a:extLst>
+          </p:cNvPr>
+          <p:cNvSpPr/>
+          <p:nvPr/>
+        </p:nvSpPr>
+        <p:spPr>
+          <a:xfrm>
+            <a:off x="7915701" y="2320025"/>
+            <a:ext cx="2210937" cy="614149"/>
+          </a:xfrm>
+          <a:prstGeom prst="rect">
+            <a:avLst/>
+          </a:prstGeom>
+        </p:spPr>
+        <p:style>
+          <a:lnRef idx="2">
+            <a:schemeClr val="accent1">
+              <a:shade val="50000"/>
+            </a:schemeClr>
+          </a:lnRef>
+          <a:fillRef idx="1">
+            <a:schemeClr val="accent1"/>
+          </a:fillRef>
+          <a:effectRef idx="0">
+            <a:schemeClr val="accent1"/>
+          </a:effectRef>
+          <a:fontRef idx="minor">
+            <a:schemeClr val="lt1"/>
+          </a:fontRef>
+        </p:style>
+        <p:txBody>
+          <a:bodyPr rtlCol="0" anchor="ctr"/>
+          <a:lstStyle/>
+          <a:p>
+            <a:pPr algn="ctr"/>
+            <a:r>
+              <a:rPr lang="en-US" dirty="0"/>
+              <a:t>Element: &lt;body&gt;</a:t>
+            </a:r>
+          </a:p>
+        </p:txBody>
+      </p:sp>
+      <p:sp>
+        <p:nvSpPr>
+          <p:cNvPr id="8" name="Rectangle 7">
+            <a:extLst>
+              <a:ext uri="{FF2B5EF4-FFF2-40B4-BE49-F238E27FC236}">
+                <a16:creationId xmlns:a16="http://schemas.microsoft.com/office/drawing/2014/main" id="{F7158780-9410-A2E0-215F-04F83CA5FE0A}"/>
+              </a:ext>
+            </a:extLst>
+          </p:cNvPr>
+          <p:cNvSpPr/>
+          <p:nvPr/>
+        </p:nvSpPr>
+        <p:spPr>
+          <a:xfrm>
+            <a:off x="791568" y="3121925"/>
+            <a:ext cx="2210937" cy="614149"/>
+          </a:xfrm>
+          <a:prstGeom prst="rect">
+            <a:avLst/>
+          </a:prstGeom>
+        </p:spPr>
+        <p:style>
+          <a:lnRef idx="2">
+            <a:schemeClr val="accent1">
+              <a:shade val="50000"/>
+            </a:schemeClr>
+          </a:lnRef>
+          <a:fillRef idx="1">
+            <a:schemeClr val="accent1"/>
+          </a:fillRef>
+          <a:effectRef idx="0">
+            <a:schemeClr val="accent1"/>
+          </a:effectRef>
+          <a:fontRef idx="minor">
+            <a:schemeClr val="lt1"/>
+          </a:fontRef>
+        </p:style>
+        <p:txBody>
+          <a:bodyPr rtlCol="0" anchor="ctr"/>
+          <a:lstStyle/>
+          <a:p>
+            <a:pPr algn="ctr"/>
+            <a:r>
+              <a:rPr lang="en-US" dirty="0"/>
+              <a:t>Element: &lt;title&gt;</a:t>
+            </a:r>
+          </a:p>
+        </p:txBody>
+      </p:sp>
+      <p:sp>
+        <p:nvSpPr>
+          <p:cNvPr id="9" name="Rectangle 8">
+            <a:extLst>
+              <a:ext uri="{FF2B5EF4-FFF2-40B4-BE49-F238E27FC236}">
+                <a16:creationId xmlns:a16="http://schemas.microsoft.com/office/drawing/2014/main" id="{6F9196B2-0FAA-8CAF-BEAA-5C586BB06E39}"/>
+              </a:ext>
+            </a:extLst>
+          </p:cNvPr>
+          <p:cNvSpPr/>
+          <p:nvPr/>
+        </p:nvSpPr>
+        <p:spPr>
+          <a:xfrm>
+            <a:off x="791568" y="3923825"/>
+            <a:ext cx="2210937" cy="614149"/>
+          </a:xfrm>
+          <a:prstGeom prst="rect">
+            <a:avLst/>
+          </a:prstGeom>
+        </p:spPr>
+        <p:style>
+          <a:lnRef idx="2">
+            <a:schemeClr val="accent1">
+              <a:shade val="50000"/>
+            </a:schemeClr>
+          </a:lnRef>
+          <a:fillRef idx="1">
+            <a:schemeClr val="accent1"/>
+          </a:fillRef>
+          <a:effectRef idx="0">
+            <a:schemeClr val="accent1"/>
+          </a:effectRef>
+          <a:fontRef idx="minor">
+            <a:schemeClr val="lt1"/>
+          </a:fontRef>
+        </p:style>
+        <p:txBody>
+          <a:bodyPr rtlCol="0" anchor="ctr"/>
+          <a:lstStyle/>
+          <a:p>
+            <a:pPr algn="ctr"/>
+            <a:r>
+              <a:rPr lang="en-US" dirty="0"/>
+              <a:t>Text: ‘</a:t>
+            </a:r>
+            <a:r>
+              <a:rPr lang="en-US" dirty="0" err="1"/>
+              <a:t>WebsiteName</a:t>
+            </a:r>
+            <a:r>
+              <a:rPr lang="en-US" dirty="0"/>
+              <a:t>’</a:t>
+            </a:r>
+          </a:p>
+        </p:txBody>
+      </p:sp>
+      <p:sp>
+        <p:nvSpPr>
+          <p:cNvPr id="10" name="Rectangle 9">
+            <a:extLst>
+              <a:ext uri="{FF2B5EF4-FFF2-40B4-BE49-F238E27FC236}">
+                <a16:creationId xmlns:a16="http://schemas.microsoft.com/office/drawing/2014/main" id="{DADE1B10-A652-ACE0-7D0B-DCB6373C9789}"/>
+              </a:ext>
+            </a:extLst>
+          </p:cNvPr>
+          <p:cNvSpPr/>
+          <p:nvPr/>
+        </p:nvSpPr>
+        <p:spPr>
+          <a:xfrm>
+            <a:off x="5704764" y="3271908"/>
+            <a:ext cx="2210937" cy="614149"/>
+          </a:xfrm>
+          <a:prstGeom prst="rect">
+            <a:avLst/>
+          </a:prstGeom>
+        </p:spPr>
+        <p:style>
+          <a:lnRef idx="2">
+            <a:schemeClr val="accent1">
+              <a:shade val="50000"/>
+            </a:schemeClr>
+          </a:lnRef>
+          <a:fillRef idx="1">
+            <a:schemeClr val="accent1"/>
+          </a:fillRef>
+          <a:effectRef idx="0">
+            <a:schemeClr val="accent1"/>
+          </a:effectRef>
+          <a:fontRef idx="minor">
+            <a:schemeClr val="lt1"/>
+          </a:fontRef>
+        </p:style>
+        <p:txBody>
+          <a:bodyPr rtlCol="0" anchor="ctr"/>
+          <a:lstStyle/>
+          <a:p>
+            <a:pPr algn="ctr"/>
+            <a:r>
+              <a:rPr lang="en-US" dirty="0"/>
+              <a:t>Element: &lt;nav&gt;</a:t>
+            </a:r>
+          </a:p>
+        </p:txBody>
+      </p:sp>
+      <p:sp>
+        <p:nvSpPr>
+          <p:cNvPr id="11" name="Rectangle 10">
+            <a:extLst>
+              <a:ext uri="{FF2B5EF4-FFF2-40B4-BE49-F238E27FC236}">
+                <a16:creationId xmlns:a16="http://schemas.microsoft.com/office/drawing/2014/main" id="{CFFA3188-7B36-2329-DC0F-8D087E98D0C5}"/>
+              </a:ext>
+            </a:extLst>
+          </p:cNvPr>
+          <p:cNvSpPr/>
+          <p:nvPr/>
+        </p:nvSpPr>
+        <p:spPr>
+          <a:xfrm>
+            <a:off x="9676263" y="3316499"/>
+            <a:ext cx="2210937" cy="614149"/>
+          </a:xfrm>
+          <a:prstGeom prst="rect">
+            <a:avLst/>
+          </a:prstGeom>
+        </p:spPr>
+        <p:style>
+          <a:lnRef idx="2">
+            <a:schemeClr val="accent1">
+              <a:shade val="50000"/>
+            </a:schemeClr>
+          </a:lnRef>
+          <a:fillRef idx="1">
+            <a:schemeClr val="accent1"/>
+          </a:fillRef>
+          <a:effectRef idx="0">
+            <a:schemeClr val="accent1"/>
+          </a:effectRef>
+          <a:fontRef idx="minor">
+            <a:schemeClr val="lt1"/>
+          </a:fontRef>
+        </p:style>
+        <p:txBody>
+          <a:bodyPr rtlCol="0" anchor="ctr"/>
+          <a:lstStyle/>
+          <a:p>
+            <a:pPr algn="ctr"/>
+            <a:r>
+              <a:rPr lang="en-US" dirty="0"/>
+              <a:t>Element: &lt;h1&gt;</a:t>
+            </a:r>
+          </a:p>
+        </p:txBody>
+      </p:sp>
+      <p:sp>
+        <p:nvSpPr>
+          <p:cNvPr id="12" name="Rectangle 11">
+            <a:extLst>
+              <a:ext uri="{FF2B5EF4-FFF2-40B4-BE49-F238E27FC236}">
+                <a16:creationId xmlns:a16="http://schemas.microsoft.com/office/drawing/2014/main" id="{7DFBAD62-9753-25D3-F252-5F0C8F12D12B}"/>
+              </a:ext>
+            </a:extLst>
+          </p:cNvPr>
+          <p:cNvSpPr/>
+          <p:nvPr/>
+        </p:nvSpPr>
+        <p:spPr>
+          <a:xfrm>
+            <a:off x="5704764" y="4223791"/>
+            <a:ext cx="2210937" cy="614149"/>
+          </a:xfrm>
+          <a:prstGeom prst="rect">
+            <a:avLst/>
+          </a:prstGeom>
+        </p:spPr>
+        <p:style>
+          <a:lnRef idx="2">
+            <a:schemeClr val="accent1">
+              <a:shade val="50000"/>
+            </a:schemeClr>
+          </a:lnRef>
+          <a:fillRef idx="1">
+            <a:schemeClr val="accent1"/>
+          </a:fillRef>
+          <a:effectRef idx="0">
+            <a:schemeClr val="accent1"/>
+          </a:effectRef>
+          <a:fontRef idx="minor">
+            <a:schemeClr val="lt1"/>
+          </a:fontRef>
+        </p:style>
+        <p:txBody>
+          <a:bodyPr rtlCol="0" anchor="ctr"/>
+          <a:lstStyle/>
+          <a:p>
+            <a:pPr algn="ctr"/>
+            <a:r>
+              <a:rPr lang="en-US" dirty="0"/>
+              <a:t>Element: &lt;a&gt;</a:t>
+            </a:r>
+          </a:p>
+        </p:txBody>
+      </p:sp>
+      <p:sp>
+        <p:nvSpPr>
+          <p:cNvPr id="13" name="Rectangle 12">
+            <a:extLst>
+              <a:ext uri="{FF2B5EF4-FFF2-40B4-BE49-F238E27FC236}">
+                <a16:creationId xmlns:a16="http://schemas.microsoft.com/office/drawing/2014/main" id="{543E0A72-7AC9-3E79-27CB-999CF57181F6}"/>
+              </a:ext>
+            </a:extLst>
+          </p:cNvPr>
+          <p:cNvSpPr/>
+          <p:nvPr/>
+        </p:nvSpPr>
+        <p:spPr>
+          <a:xfrm>
+            <a:off x="9676262" y="4271560"/>
+            <a:ext cx="2210937" cy="614149"/>
+          </a:xfrm>
+          <a:prstGeom prst="rect">
+            <a:avLst/>
+          </a:prstGeom>
+        </p:spPr>
+        <p:style>
+          <a:lnRef idx="2">
+            <a:schemeClr val="accent1">
+              <a:shade val="50000"/>
+            </a:schemeClr>
+          </a:lnRef>
+          <a:fillRef idx="1">
+            <a:schemeClr val="accent1"/>
+          </a:fillRef>
+          <a:effectRef idx="0">
+            <a:schemeClr val="accent1"/>
+          </a:effectRef>
+          <a:fontRef idx="minor">
+            <a:schemeClr val="lt1"/>
+          </a:fontRef>
+        </p:style>
+        <p:txBody>
+          <a:bodyPr rtlCol="0" anchor="ctr"/>
+          <a:lstStyle/>
+          <a:p>
+            <a:pPr algn="ctr"/>
+            <a:r>
+              <a:rPr lang="en-US" dirty="0"/>
+              <a:t>Text: ‘Welcome’</a:t>
+            </a:r>
+          </a:p>
+        </p:txBody>
+      </p:sp>
+      <p:sp>
+        <p:nvSpPr>
+          <p:cNvPr id="14" name="Rectangle 13">
+            <a:extLst>
+              <a:ext uri="{FF2B5EF4-FFF2-40B4-BE49-F238E27FC236}">
+                <a16:creationId xmlns:a16="http://schemas.microsoft.com/office/drawing/2014/main" id="{4D224659-2720-3823-C1FD-16D291232D37}"/>
+              </a:ext>
+            </a:extLst>
+          </p:cNvPr>
+          <p:cNvSpPr/>
+          <p:nvPr/>
+        </p:nvSpPr>
+        <p:spPr>
+          <a:xfrm>
+            <a:off x="5704764" y="5984543"/>
+            <a:ext cx="2210937" cy="614149"/>
+          </a:xfrm>
+          <a:prstGeom prst="rect">
+            <a:avLst/>
+          </a:prstGeom>
+        </p:spPr>
+        <p:style>
+          <a:lnRef idx="2">
+            <a:schemeClr val="accent1">
+              <a:shade val="50000"/>
+            </a:schemeClr>
+          </a:lnRef>
+          <a:fillRef idx="1">
+            <a:schemeClr val="accent1"/>
+          </a:fillRef>
+          <a:effectRef idx="0">
+            <a:schemeClr val="accent1"/>
+          </a:effectRef>
+          <a:fontRef idx="minor">
+            <a:schemeClr val="lt1"/>
+          </a:fontRef>
+        </p:style>
+        <p:txBody>
+          <a:bodyPr rtlCol="0" anchor="ctr"/>
+          <a:lstStyle/>
+          <a:p>
+            <a:pPr algn="ctr"/>
+            <a:r>
+              <a:rPr lang="en-US" dirty="0"/>
+              <a:t>attribute: ‘class’</a:t>
+            </a:r>
+          </a:p>
+        </p:txBody>
+      </p:sp>
+      <p:sp>
+        <p:nvSpPr>
+          <p:cNvPr id="15" name="Rectangle 14">
+            <a:extLst>
+              <a:ext uri="{FF2B5EF4-FFF2-40B4-BE49-F238E27FC236}">
+                <a16:creationId xmlns:a16="http://schemas.microsoft.com/office/drawing/2014/main" id="{E9EA2E31-48A2-046A-A839-1709C2AAC779}"/>
+              </a:ext>
+            </a:extLst>
+          </p:cNvPr>
+          <p:cNvSpPr/>
+          <p:nvPr/>
+        </p:nvSpPr>
+        <p:spPr>
+          <a:xfrm>
+            <a:off x="5704763" y="5126534"/>
+            <a:ext cx="2210937" cy="614149"/>
+          </a:xfrm>
+          <a:prstGeom prst="rect">
+            <a:avLst/>
+          </a:prstGeom>
+        </p:spPr>
+        <p:style>
+          <a:lnRef idx="2">
+            <a:schemeClr val="accent1">
+              <a:shade val="50000"/>
+            </a:schemeClr>
+          </a:lnRef>
+          <a:fillRef idx="1">
+            <a:schemeClr val="accent1"/>
+          </a:fillRef>
+          <a:effectRef idx="0">
+            <a:schemeClr val="accent1"/>
+          </a:effectRef>
+          <a:fontRef idx="minor">
+            <a:schemeClr val="lt1"/>
+          </a:fontRef>
+        </p:style>
+        <p:txBody>
+          <a:bodyPr rtlCol="0" anchor="ctr"/>
+          <a:lstStyle/>
+          <a:p>
+            <a:pPr algn="ctr"/>
+            <a:r>
+              <a:rPr lang="en-US" dirty="0"/>
+              <a:t>Text: ‘About Us’</a:t>
+            </a:r>
+          </a:p>
+        </p:txBody>
+      </p:sp>
+      <p:sp>
+        <p:nvSpPr>
+          <p:cNvPr id="16" name="Rectangle 15">
+            <a:extLst>
+              <a:ext uri="{FF2B5EF4-FFF2-40B4-BE49-F238E27FC236}">
+                <a16:creationId xmlns:a16="http://schemas.microsoft.com/office/drawing/2014/main" id="{AF27B8C5-6884-6500-A972-875726FFCC0D}"/>
+              </a:ext>
+            </a:extLst>
+          </p:cNvPr>
+          <p:cNvSpPr/>
+          <p:nvPr/>
+        </p:nvSpPr>
+        <p:spPr>
+          <a:xfrm>
+            <a:off x="9676261" y="5126534"/>
+            <a:ext cx="2210937" cy="614149"/>
+          </a:xfrm>
+          <a:prstGeom prst="rect">
+            <a:avLst/>
+          </a:prstGeom>
+        </p:spPr>
+        <p:style>
+          <a:lnRef idx="2">
+            <a:schemeClr val="accent1">
+              <a:shade val="50000"/>
+            </a:schemeClr>
+          </a:lnRef>
+          <a:fillRef idx="1">
+            <a:schemeClr val="accent1"/>
+          </a:fillRef>
+          <a:effectRef idx="0">
+            <a:schemeClr val="accent1"/>
+          </a:effectRef>
+          <a:fontRef idx="minor">
+            <a:schemeClr val="lt1"/>
+          </a:fontRef>
+        </p:style>
+        <p:txBody>
+          <a:bodyPr rtlCol="0" anchor="ctr"/>
+          <a:lstStyle/>
+          <a:p>
+            <a:pPr algn="ctr"/>
+            <a:r>
+              <a:rPr lang="en-US" dirty="0"/>
+              <a:t>attribute: ‘id’</a:t>
+            </a:r>
+          </a:p>
+        </p:txBody>
+      </p:sp>
+      <p:sp>
+        <p:nvSpPr>
+          <p:cNvPr id="17" name="Rectangle 16">
+            <a:extLst>
+              <a:ext uri="{FF2B5EF4-FFF2-40B4-BE49-F238E27FC236}">
+                <a16:creationId xmlns:a16="http://schemas.microsoft.com/office/drawing/2014/main" id="{D1065C47-C93E-E395-28D0-1DEC127433DE}"/>
+              </a:ext>
+            </a:extLst>
+          </p:cNvPr>
+          <p:cNvSpPr/>
+          <p:nvPr/>
+        </p:nvSpPr>
+        <p:spPr>
+          <a:xfrm>
+            <a:off x="9676260" y="6074771"/>
+            <a:ext cx="2210937" cy="614149"/>
+          </a:xfrm>
+          <a:prstGeom prst="rect">
+            <a:avLst/>
+          </a:prstGeom>
+        </p:spPr>
+        <p:style>
+          <a:lnRef idx="2">
+            <a:schemeClr val="accent1">
+              <a:shade val="50000"/>
+            </a:schemeClr>
+          </a:lnRef>
+          <a:fillRef idx="1">
+            <a:schemeClr val="accent1"/>
+          </a:fillRef>
+          <a:effectRef idx="0">
+            <a:schemeClr val="accent1"/>
+          </a:effectRef>
+          <a:fontRef idx="minor">
+            <a:schemeClr val="lt1"/>
+          </a:fontRef>
+        </p:style>
+        <p:txBody>
+          <a:bodyPr rtlCol="0" anchor="ctr"/>
+          <a:lstStyle/>
+          <a:p>
+            <a:pPr algn="ctr"/>
+            <a:r>
+              <a:rPr lang="en-US" dirty="0"/>
+              <a:t>attribute: ‘class’</a:t>
+            </a:r>
+          </a:p>
+        </p:txBody>
+      </p:sp>
+      <p:cxnSp>
+        <p:nvCxnSpPr>
+          <p:cNvPr id="19" name="Straight Arrow Connector 18">
+            <a:extLst>
+              <a:ext uri="{FF2B5EF4-FFF2-40B4-BE49-F238E27FC236}">
+                <a16:creationId xmlns:a16="http://schemas.microsoft.com/office/drawing/2014/main" id="{08CCFAF7-76FC-24FF-A4B7-61CDC968A1A7}"/>
+              </a:ext>
+            </a:extLst>
+          </p:cNvPr>
+          <p:cNvCxnSpPr>
+            <a:stCxn id="4" idx="2"/>
+            <a:endCxn id="5" idx="0"/>
+          </p:cNvCxnSpPr>
+          <p:nvPr/>
+        </p:nvCxnSpPr>
+        <p:spPr>
+          <a:xfrm>
+            <a:off x="5500048" y="1487606"/>
+            <a:ext cx="0" cy="139842"/>
+          </a:xfrm>
+          <a:prstGeom prst="straightConnector1">
+            <a:avLst/>
+          </a:prstGeom>
+          <a:ln>
+            <a:tailEnd type="triangle"/>
+          </a:ln>
+        </p:spPr>
+        <p:style>
+          <a:lnRef idx="1">
+            <a:schemeClr val="accent1"/>
+          </a:lnRef>
+          <a:fillRef idx="0">
+            <a:schemeClr val="accent1"/>
+          </a:fillRef>
+          <a:effectRef idx="0">
+            <a:schemeClr val="accent1"/>
+          </a:effectRef>
+          <a:fontRef idx="minor">
+            <a:schemeClr val="tx1"/>
+          </a:fontRef>
+        </p:style>
+      </p:cxnSp>
+      <p:cxnSp>
+        <p:nvCxnSpPr>
+          <p:cNvPr id="21" name="Connector: Elbow 20">
+            <a:extLst>
+              <a:ext uri="{FF2B5EF4-FFF2-40B4-BE49-F238E27FC236}">
+                <a16:creationId xmlns:a16="http://schemas.microsoft.com/office/drawing/2014/main" id="{5A895D74-82AC-C87F-7DCA-590E1A9494C2}"/>
+              </a:ext>
+            </a:extLst>
+          </p:cNvPr>
+          <p:cNvCxnSpPr>
+            <a:stCxn id="5" idx="1"/>
+            <a:endCxn id="6" idx="0"/>
+          </p:cNvCxnSpPr>
+          <p:nvPr/>
+        </p:nvCxnSpPr>
+        <p:spPr>
+          <a:xfrm rot="10800000" flipV="1">
+            <a:off x="1897039" y="1934523"/>
+            <a:ext cx="2497541" cy="385502"/>
+          </a:xfrm>
+          <a:prstGeom prst="bentConnector2">
+            <a:avLst/>
+          </a:prstGeom>
+          <a:ln>
+            <a:tailEnd type="triangle"/>
+          </a:ln>
+        </p:spPr>
+        <p:style>
+          <a:lnRef idx="1">
+            <a:schemeClr val="accent1"/>
+          </a:lnRef>
+          <a:fillRef idx="0">
+            <a:schemeClr val="accent1"/>
+          </a:fillRef>
+          <a:effectRef idx="0">
+            <a:schemeClr val="accent1"/>
+          </a:effectRef>
+          <a:fontRef idx="minor">
+            <a:schemeClr val="tx1"/>
+          </a:fontRef>
+        </p:style>
+      </p:cxnSp>
+      <p:cxnSp>
+        <p:nvCxnSpPr>
+          <p:cNvPr id="25" name="Connector: Elbow 24">
+            <a:extLst>
+              <a:ext uri="{FF2B5EF4-FFF2-40B4-BE49-F238E27FC236}">
+                <a16:creationId xmlns:a16="http://schemas.microsoft.com/office/drawing/2014/main" id="{207F5CC2-DE23-B89D-149B-F16C5310CAE7}"/>
+              </a:ext>
+            </a:extLst>
+          </p:cNvPr>
+          <p:cNvCxnSpPr>
+            <a:stCxn id="5" idx="3"/>
+            <a:endCxn id="7" idx="0"/>
+          </p:cNvCxnSpPr>
+          <p:nvPr/>
+        </p:nvCxnSpPr>
+        <p:spPr>
+          <a:xfrm>
+            <a:off x="6605516" y="1934523"/>
+            <a:ext cx="2415654" cy="385502"/>
+          </a:xfrm>
+          <a:prstGeom prst="bentConnector2">
+            <a:avLst/>
+          </a:prstGeom>
+          <a:ln>
+            <a:tailEnd type="triangle"/>
+          </a:ln>
+        </p:spPr>
+        <p:style>
+          <a:lnRef idx="1">
+            <a:schemeClr val="accent1"/>
+          </a:lnRef>
+          <a:fillRef idx="0">
+            <a:schemeClr val="accent1"/>
+          </a:fillRef>
+          <a:effectRef idx="0">
+            <a:schemeClr val="accent1"/>
+          </a:effectRef>
+          <a:fontRef idx="minor">
+            <a:schemeClr val="tx1"/>
+          </a:fontRef>
+        </p:style>
+      </p:cxnSp>
+      <p:sp>
+        <p:nvSpPr>
+          <p:cNvPr id="26" name="TextBox 25">
+            <a:extLst>
+              <a:ext uri="{FF2B5EF4-FFF2-40B4-BE49-F238E27FC236}">
+                <a16:creationId xmlns:a16="http://schemas.microsoft.com/office/drawing/2014/main" id="{FF8CAC2E-FB3A-54EB-9537-AE3C4D39EAFA}"/>
+              </a:ext>
+            </a:extLst>
+          </p:cNvPr>
+          <p:cNvSpPr txBox="1"/>
+          <p:nvPr/>
+        </p:nvSpPr>
+        <p:spPr>
+          <a:xfrm>
+            <a:off x="504967" y="5126534"/>
+            <a:ext cx="2233881" cy="1200329"/>
+          </a:xfrm>
+          <a:prstGeom prst="rect">
+            <a:avLst/>
+          </a:prstGeom>
+          <a:noFill/>
+        </p:spPr>
+        <p:txBody>
+          <a:bodyPr wrap="none" rtlCol="0">
+            <a:spAutoFit/>
+          </a:bodyPr>
+          <a:lstStyle/>
+          <a:p>
+            <a:r>
+              <a:rPr lang="en-US" dirty="0"/>
+              <a:t>Get</a:t>
+            </a:r>
+          </a:p>
+          <a:p>
+            <a:r>
+              <a:rPr lang="en-US" dirty="0"/>
+              <a:t>Set</a:t>
+            </a:r>
+          </a:p>
+          <a:p>
+            <a:r>
+              <a:rPr lang="en-US" dirty="0"/>
+              <a:t>Add HTML Element</a:t>
+            </a:r>
+          </a:p>
+          <a:p>
+            <a:r>
+              <a:rPr lang="en-US" dirty="0"/>
+              <a:t>Delete HTML Element</a:t>
+            </a:r>
+          </a:p>
+        </p:txBody>
+      </p:sp>
+    </p:spTree>
+    <p:extLst>
+      <p:ext uri="{BB962C8B-B14F-4D97-AF65-F5344CB8AC3E}">
+        <p14:creationId xmlns:p14="http://schemas.microsoft.com/office/powerpoint/2010/main" val="2578047695"/>
+      </p:ext>
+    </p:extLst>
+  </p:cSld>
+  <p:clrMapOvr>
+    <a:masterClrMapping/>
+  </p:clrMapOvr>
+</p:sld>
+</file>
+
+<file path=ppt/slides/slide81.xml><?xml version="1.0" encoding="utf-8"?>
+<p:sld xmlns:a="http://schemas.openxmlformats.org/drawingml/2006/main" xmlns:r="http://schemas.openxmlformats.org/officeDocument/2006/relationships" xmlns:p="http://schemas.openxmlformats.org/presentationml/2006/main">
+  <p:cSld>
+    <p:spTree>
+      <p:nvGrpSpPr>
+        <p:cNvPr id="1" name=""/>
+        <p:cNvGrpSpPr/>
+        <p:nvPr/>
+      </p:nvGrpSpPr>
+      <p:grpSpPr>
+        <a:xfrm>
+          <a:off x="0" y="0"/>
+          <a:ext cx="0" cy="0"/>
+          <a:chOff x="0" y="0"/>
+          <a:chExt cx="0" cy="0"/>
+        </a:xfrm>
+      </p:grpSpPr>
+      <p:sp>
+        <p:nvSpPr>
+          <p:cNvPr id="2" name="Title 1">
+            <a:extLst>
+              <a:ext uri="{FF2B5EF4-FFF2-40B4-BE49-F238E27FC236}">
+                <a16:creationId xmlns:a16="http://schemas.microsoft.com/office/drawing/2014/main" id="{7337EAA6-6EC7-301A-03FD-CCEF24BA1F87}"/>
+              </a:ext>
+            </a:extLst>
+          </p:cNvPr>
+          <p:cNvSpPr>
+            <a:spLocks noGrp="1"/>
+          </p:cNvSpPr>
+          <p:nvPr>
+            <p:ph type="title"/>
+          </p:nvPr>
+        </p:nvSpPr>
         <p:spPr/>
         <p:txBody>
+          <a:bodyPr>
+            <a:normAutofit/>
+          </a:bodyPr>
+          <a:lstStyle/>
+          <a:p>
+            <a:r>
+              <a:rPr lang="en-US" sz="3600" dirty="0"/>
+              <a:t>DOM: Targeting Methods</a:t>
+            </a:r>
+          </a:p>
+        </p:txBody>
+      </p:sp>
+      <p:sp>
+        <p:nvSpPr>
+          <p:cNvPr id="4" name="TextBox 3">
+            <a:extLst>
+              <a:ext uri="{FF2B5EF4-FFF2-40B4-BE49-F238E27FC236}">
+                <a16:creationId xmlns:a16="http://schemas.microsoft.com/office/drawing/2014/main" id="{74C31263-363A-8515-7DFE-889D995A6E09}"/>
+              </a:ext>
+            </a:extLst>
+          </p:cNvPr>
+          <p:cNvSpPr txBox="1"/>
+          <p:nvPr/>
+        </p:nvSpPr>
+        <p:spPr>
+          <a:xfrm>
+            <a:off x="996287" y="2142699"/>
+            <a:ext cx="10631606" cy="1384995"/>
+          </a:xfrm>
+          <a:prstGeom prst="rect">
+            <a:avLst/>
+          </a:prstGeom>
+          <a:noFill/>
+        </p:spPr>
+        <p:txBody>
+          <a:bodyPr wrap="square" rtlCol="0">
+            <a:spAutoFit/>
+          </a:bodyPr>
+          <a:lstStyle/>
+          <a:p>
+            <a:pPr marL="742950" indent="-742950">
+              <a:buAutoNum type="arabicParenR"/>
+            </a:pPr>
+            <a:r>
+              <a:rPr lang="en-US" sz="2800" dirty="0"/>
+              <a:t>ID		</a:t>
+            </a:r>
+            <a:r>
+              <a:rPr lang="en-US" sz="2800" dirty="0">
+                <a:sym typeface="Wingdings" panose="05000000000000000000" pitchFamily="2" charset="2"/>
+              </a:rPr>
+              <a:t> </a:t>
+            </a:r>
+            <a:r>
+              <a:rPr lang="en-US" sz="2800" dirty="0" err="1">
+                <a:sym typeface="Wingdings" panose="05000000000000000000" pitchFamily="2" charset="2"/>
+              </a:rPr>
+              <a:t>document.getElementById</a:t>
+            </a:r>
+            <a:r>
+              <a:rPr lang="en-US" sz="2800" dirty="0">
+                <a:sym typeface="Wingdings" panose="05000000000000000000" pitchFamily="2" charset="2"/>
+              </a:rPr>
+              <a:t>(id)</a:t>
+            </a:r>
+          </a:p>
+          <a:p>
+            <a:pPr marL="742950" indent="-742950">
+              <a:buAutoNum type="arabicParenR"/>
+            </a:pPr>
+            <a:r>
+              <a:rPr lang="en-US" sz="2800" dirty="0">
+                <a:sym typeface="Wingdings" panose="05000000000000000000" pitchFamily="2" charset="2"/>
+              </a:rPr>
+              <a:t>Class Name 	 </a:t>
+            </a:r>
+            <a:r>
+              <a:rPr lang="en-US" sz="2800" dirty="0" err="1">
+                <a:sym typeface="Wingdings" panose="05000000000000000000" pitchFamily="2" charset="2"/>
+              </a:rPr>
+              <a:t>document.getElementsByClassName</a:t>
+            </a:r>
+            <a:r>
+              <a:rPr lang="en-US" sz="2800" dirty="0">
+                <a:sym typeface="Wingdings" panose="05000000000000000000" pitchFamily="2" charset="2"/>
+              </a:rPr>
+              <a:t>(name)</a:t>
+            </a:r>
+          </a:p>
+          <a:p>
+            <a:pPr marL="742950" indent="-742950">
+              <a:buAutoNum type="arabicParenR"/>
+            </a:pPr>
+            <a:r>
+              <a:rPr lang="en-US" sz="2800" dirty="0">
+                <a:sym typeface="Wingdings" panose="05000000000000000000" pitchFamily="2" charset="2"/>
+              </a:rPr>
+              <a:t>Tag Name 	 </a:t>
+            </a:r>
+            <a:r>
+              <a:rPr lang="en-US" sz="2800" dirty="0" err="1">
+                <a:sym typeface="Wingdings" panose="05000000000000000000" pitchFamily="2" charset="2"/>
+              </a:rPr>
+              <a:t>document.getElementsByTagName</a:t>
+            </a:r>
+            <a:r>
+              <a:rPr lang="en-US" sz="2800" dirty="0">
+                <a:sym typeface="Wingdings" panose="05000000000000000000" pitchFamily="2" charset="2"/>
+              </a:rPr>
+              <a:t>(name)</a:t>
+            </a:r>
+          </a:p>
+        </p:txBody>
+      </p:sp>
+    </p:spTree>
+    <p:extLst>
+      <p:ext uri="{BB962C8B-B14F-4D97-AF65-F5344CB8AC3E}">
+        <p14:creationId xmlns:p14="http://schemas.microsoft.com/office/powerpoint/2010/main" val="2839665614"/>
+      </p:ext>
+    </p:extLst>
+  </p:cSld>
+  <p:clrMapOvr>
+    <a:masterClrMapping/>
+  </p:clrMapOvr>
+</p:sld>
+</file>
+
+<file path=ppt/slides/slide82.xml><?xml version="1.0" encoding="utf-8"?>
+<p:sld xmlns:a="http://schemas.openxmlformats.org/drawingml/2006/main" xmlns:r="http://schemas.openxmlformats.org/officeDocument/2006/relationships" xmlns:p="http://schemas.openxmlformats.org/presentationml/2006/main">
+  <p:cSld>
+    <p:spTree>
+      <p:nvGrpSpPr>
+        <p:cNvPr id="1" name=""/>
+        <p:cNvGrpSpPr/>
+        <p:nvPr/>
+      </p:nvGrpSpPr>
+      <p:grpSpPr>
+        <a:xfrm>
+          <a:off x="0" y="0"/>
+          <a:ext cx="0" cy="0"/>
+          <a:chOff x="0" y="0"/>
+          <a:chExt cx="0" cy="0"/>
+        </a:xfrm>
+      </p:grpSpPr>
+      <p:sp>
+        <p:nvSpPr>
+          <p:cNvPr id="2" name="Title 1">
+            <a:extLst>
+              <a:ext uri="{FF2B5EF4-FFF2-40B4-BE49-F238E27FC236}">
+                <a16:creationId xmlns:a16="http://schemas.microsoft.com/office/drawing/2014/main" id="{4A31D827-25F2-4245-6751-F57B9DE6BAAB}"/>
+              </a:ext>
+            </a:extLst>
+          </p:cNvPr>
+          <p:cNvSpPr>
+            <a:spLocks noGrp="1"/>
+          </p:cNvSpPr>
+          <p:nvPr>
+            <p:ph type="title"/>
+          </p:nvPr>
+        </p:nvSpPr>
+        <p:spPr/>
+        <p:txBody>
           <a:bodyPr/>
           <a:lstStyle/>
           <a:p>
             <a:r>
               <a:rPr lang="en-US" dirty="0"/>
-              <a:t>JS: Document Object Module (DOM)</a:t>
+              <a:t>Other DOM Targeting Methods:</a:t>
             </a:r>
           </a:p>
         </p:txBody>
@@ -21532,7 +22640,7 @@
           <p:cNvPr id="3" name="Content Placeholder 2">
             <a:extLst>
               <a:ext uri="{FF2B5EF4-FFF2-40B4-BE49-F238E27FC236}">
-                <a16:creationId xmlns:a16="http://schemas.microsoft.com/office/drawing/2014/main" id="{ECF90DF4-A600-78B0-EB77-5FA6A1E43843}"/>
+                <a16:creationId xmlns:a16="http://schemas.microsoft.com/office/drawing/2014/main" id="{F4D51646-CA67-C08A-FCA8-6A276526741D}"/>
               </a:ext>
             </a:extLst>
           </p:cNvPr>
@@ -21545,17 +22653,413 @@
         </p:nvSpPr>
         <p:spPr/>
         <p:txBody>
-          <a:bodyPr/>
-          <a:lstStyle/>
-          <a:p>
-            <a:endParaRPr lang="en-US"/>
+          <a:bodyPr numCol="3">
+            <a:normAutofit/>
+          </a:bodyPr>
+          <a:lstStyle/>
+          <a:p>
+            <a:r>
+              <a:rPr lang="en-US" dirty="0"/>
+              <a:t>Document</a:t>
+            </a:r>
+          </a:p>
+          <a:p>
+            <a:r>
+              <a:rPr lang="en-US" dirty="0" err="1"/>
+              <a:t>Document.all</a:t>
+            </a:r>
+            <a:endParaRPr lang="en-US" dirty="0"/>
+          </a:p>
+          <a:p>
+            <a:r>
+              <a:rPr lang="en-US" dirty="0" err="1"/>
+              <a:t>Document.documentElement</a:t>
+            </a:r>
+            <a:endParaRPr lang="en-US" dirty="0"/>
+          </a:p>
+          <a:p>
+            <a:r>
+              <a:rPr lang="en-US" dirty="0" err="1"/>
+              <a:t>Document.head</a:t>
+            </a:r>
+            <a:endParaRPr lang="en-US" dirty="0"/>
+          </a:p>
+          <a:p>
+            <a:r>
+              <a:rPr lang="en-US" dirty="0" err="1"/>
+              <a:t>Document.title</a:t>
+            </a:r>
+            <a:endParaRPr lang="en-US" dirty="0"/>
+          </a:p>
+          <a:p>
+            <a:r>
+              <a:rPr lang="en-US" dirty="0" err="1"/>
+              <a:t>Document.body</a:t>
+            </a:r>
+            <a:endParaRPr lang="en-US" dirty="0"/>
+          </a:p>
+          <a:p>
+            <a:r>
+              <a:rPr lang="en-US" dirty="0" err="1"/>
+              <a:t>Document.images</a:t>
+            </a:r>
+            <a:endParaRPr lang="en-US" dirty="0"/>
+          </a:p>
+          <a:p>
+            <a:r>
+              <a:rPr lang="en-US" dirty="0" err="1"/>
+              <a:t>Document.anchors</a:t>
+            </a:r>
+            <a:endParaRPr lang="en-US" dirty="0"/>
+          </a:p>
+          <a:p>
+            <a:r>
+              <a:rPr lang="en-US" dirty="0" err="1"/>
+              <a:t>Document.links</a:t>
+            </a:r>
+            <a:endParaRPr lang="en-US" dirty="0"/>
+          </a:p>
+          <a:p>
+            <a:r>
+              <a:rPr lang="en-US" dirty="0" err="1"/>
+              <a:t>Document.forms</a:t>
+            </a:r>
+            <a:endParaRPr lang="en-US" dirty="0"/>
+          </a:p>
+          <a:p>
+            <a:r>
+              <a:rPr lang="en-US" dirty="0" err="1"/>
+              <a:t>Document.doctype</a:t>
+            </a:r>
+            <a:endParaRPr lang="en-US" dirty="0"/>
+          </a:p>
+          <a:p>
+            <a:r>
+              <a:rPr lang="en-US" dirty="0"/>
+              <a:t>Document.URL</a:t>
+            </a:r>
+          </a:p>
+          <a:p>
+            <a:r>
+              <a:rPr lang="en-US" dirty="0" err="1"/>
+              <a:t>Document.baseURI</a:t>
+            </a:r>
+            <a:endParaRPr lang="en-US" dirty="0"/>
+          </a:p>
+          <a:p>
+            <a:r>
+              <a:rPr lang="en-US" dirty="0" err="1"/>
+              <a:t>Document.domain</a:t>
+            </a:r>
+            <a:endParaRPr lang="en-US" dirty="0"/>
           </a:p>
         </p:txBody>
       </p:sp>
     </p:spTree>
     <p:extLst>
       <p:ext uri="{BB962C8B-B14F-4D97-AF65-F5344CB8AC3E}">
-        <p14:creationId xmlns:p14="http://schemas.microsoft.com/office/powerpoint/2010/main" val="2578047695"/>
+        <p14:creationId xmlns:p14="http://schemas.microsoft.com/office/powerpoint/2010/main" val="36742673"/>
+      </p:ext>
+    </p:extLst>
+  </p:cSld>
+  <p:clrMapOvr>
+    <a:masterClrMapping/>
+  </p:clrMapOvr>
+</p:sld>
+</file>
+
+<file path=ppt/slides/slide83.xml><?xml version="1.0" encoding="utf-8"?>
+<p:sld xmlns:a="http://schemas.openxmlformats.org/drawingml/2006/main" xmlns:r="http://schemas.openxmlformats.org/officeDocument/2006/relationships" xmlns:p="http://schemas.openxmlformats.org/presentationml/2006/main">
+  <p:cSld>
+    <p:spTree>
+      <p:nvGrpSpPr>
+        <p:cNvPr id="1" name=""/>
+        <p:cNvGrpSpPr/>
+        <p:nvPr/>
+      </p:nvGrpSpPr>
+      <p:grpSpPr>
+        <a:xfrm>
+          <a:off x="0" y="0"/>
+          <a:ext cx="0" cy="0"/>
+          <a:chOff x="0" y="0"/>
+          <a:chExt cx="0" cy="0"/>
+        </a:xfrm>
+      </p:grpSpPr>
+      <p:sp>
+        <p:nvSpPr>
+          <p:cNvPr id="2" name="Title 1">
+            <a:extLst>
+              <a:ext uri="{FF2B5EF4-FFF2-40B4-BE49-F238E27FC236}">
+                <a16:creationId xmlns:a16="http://schemas.microsoft.com/office/drawing/2014/main" id="{6DA5A1CD-0103-01CD-F7CA-B32A5A7CD8B3}"/>
+              </a:ext>
+            </a:extLst>
+          </p:cNvPr>
+          <p:cNvSpPr>
+            <a:spLocks noGrp="1"/>
+          </p:cNvSpPr>
+          <p:nvPr>
+            <p:ph type="title"/>
+          </p:nvPr>
+        </p:nvSpPr>
+        <p:spPr/>
+        <p:txBody>
+          <a:bodyPr/>
+          <a:lstStyle/>
+          <a:p>
+            <a:r>
+              <a:rPr lang="en-US" dirty="0"/>
+              <a:t>DOM: GET &amp; SET Methods</a:t>
+            </a:r>
+          </a:p>
+        </p:txBody>
+      </p:sp>
+    </p:spTree>
+    <p:extLst>
+      <p:ext uri="{BB962C8B-B14F-4D97-AF65-F5344CB8AC3E}">
+        <p14:creationId xmlns:p14="http://schemas.microsoft.com/office/powerpoint/2010/main" val="329088322"/>
+      </p:ext>
+    </p:extLst>
+  </p:cSld>
+  <p:clrMapOvr>
+    <a:masterClrMapping/>
+  </p:clrMapOvr>
+</p:sld>
+</file>
+
+<file path=ppt/slides/slide84.xml><?xml version="1.0" encoding="utf-8"?>
+<p:sld xmlns:a="http://schemas.openxmlformats.org/drawingml/2006/main" xmlns:r="http://schemas.openxmlformats.org/officeDocument/2006/relationships" xmlns:p="http://schemas.openxmlformats.org/presentationml/2006/main">
+  <p:cSld>
+    <p:spTree>
+      <p:nvGrpSpPr>
+        <p:cNvPr id="1" name=""/>
+        <p:cNvGrpSpPr/>
+        <p:nvPr/>
+      </p:nvGrpSpPr>
+      <p:grpSpPr>
+        <a:xfrm>
+          <a:off x="0" y="0"/>
+          <a:ext cx="0" cy="0"/>
+          <a:chOff x="0" y="0"/>
+          <a:chExt cx="0" cy="0"/>
+        </a:xfrm>
+      </p:grpSpPr>
+      <p:sp>
+        <p:nvSpPr>
+          <p:cNvPr id="2" name="Title 1">
+            <a:extLst>
+              <a:ext uri="{FF2B5EF4-FFF2-40B4-BE49-F238E27FC236}">
+                <a16:creationId xmlns:a16="http://schemas.microsoft.com/office/drawing/2014/main" id="{4EA94E7E-1826-4E13-FA56-31C9C31324D1}"/>
+              </a:ext>
+            </a:extLst>
+          </p:cNvPr>
+          <p:cNvSpPr>
+            <a:spLocks noGrp="1"/>
+          </p:cNvSpPr>
+          <p:nvPr>
+            <p:ph type="title"/>
+          </p:nvPr>
+        </p:nvSpPr>
+        <p:spPr/>
+        <p:txBody>
+          <a:bodyPr/>
+          <a:lstStyle/>
+          <a:p>
+            <a:r>
+              <a:rPr lang="en-US" dirty="0"/>
+              <a:t>What we can Get with DOM?</a:t>
+            </a:r>
+          </a:p>
+        </p:txBody>
+      </p:sp>
+      <p:sp>
+        <p:nvSpPr>
+          <p:cNvPr id="3" name="Content Placeholder 2">
+            <a:extLst>
+              <a:ext uri="{FF2B5EF4-FFF2-40B4-BE49-F238E27FC236}">
+                <a16:creationId xmlns:a16="http://schemas.microsoft.com/office/drawing/2014/main" id="{B6249629-8106-8AA2-EC3F-1E7150F3DEB3}"/>
+              </a:ext>
+            </a:extLst>
+          </p:cNvPr>
+          <p:cNvSpPr>
+            <a:spLocks noGrp="1"/>
+          </p:cNvSpPr>
+          <p:nvPr>
+            <p:ph idx="1"/>
+          </p:nvPr>
+        </p:nvSpPr>
+        <p:spPr/>
+        <p:txBody>
+          <a:bodyPr>
+            <a:normAutofit lnSpcReduction="10000"/>
+          </a:bodyPr>
+          <a:lstStyle/>
+          <a:p>
+            <a:r>
+              <a:rPr lang="en-US" dirty="0"/>
+              <a:t>HTML</a:t>
+            </a:r>
+          </a:p>
+          <a:p>
+            <a:r>
+              <a:rPr lang="en-US" dirty="0"/>
+              <a:t>Text</a:t>
+            </a:r>
+          </a:p>
+          <a:p>
+            <a:r>
+              <a:rPr lang="en-US" dirty="0"/>
+              <a:t>Attribute</a:t>
+            </a:r>
+          </a:p>
+          <a:p>
+            <a:pPr marL="0" indent="0">
+              <a:buNone/>
+            </a:pPr>
+            <a:endParaRPr lang="en-US" dirty="0"/>
+          </a:p>
+          <a:p>
+            <a:pPr marL="0" indent="0">
+              <a:buNone/>
+            </a:pPr>
+            <a:r>
+              <a:rPr lang="en-US" dirty="0" err="1"/>
+              <a:t>innerText</a:t>
+            </a:r>
+            <a:endParaRPr lang="en-US" dirty="0"/>
+          </a:p>
+          <a:p>
+            <a:pPr marL="0" indent="0">
+              <a:buNone/>
+            </a:pPr>
+            <a:r>
+              <a:rPr lang="en-US" dirty="0" err="1"/>
+              <a:t>innerHTML</a:t>
+            </a:r>
+            <a:endParaRPr lang="en-US" dirty="0"/>
+          </a:p>
+          <a:p>
+            <a:pPr marL="0" indent="0">
+              <a:buNone/>
+            </a:pPr>
+            <a:r>
+              <a:rPr lang="en-US" dirty="0" err="1"/>
+              <a:t>getAttribute</a:t>
+            </a:r>
+            <a:endParaRPr lang="en-US" dirty="0"/>
+          </a:p>
+          <a:p>
+            <a:pPr marL="0" indent="0">
+              <a:buNone/>
+            </a:pPr>
+            <a:r>
+              <a:rPr lang="en-US" dirty="0" err="1"/>
+              <a:t>getAttributeNode</a:t>
+            </a:r>
+            <a:endParaRPr lang="en-US" dirty="0"/>
+          </a:p>
+          <a:p>
+            <a:pPr marL="0" indent="0">
+              <a:buNone/>
+            </a:pPr>
+            <a:r>
+              <a:rPr lang="en-US" dirty="0"/>
+              <a:t>Attributes</a:t>
+            </a:r>
+          </a:p>
+        </p:txBody>
+      </p:sp>
+    </p:spTree>
+    <p:extLst>
+      <p:ext uri="{BB962C8B-B14F-4D97-AF65-F5344CB8AC3E}">
+        <p14:creationId xmlns:p14="http://schemas.microsoft.com/office/powerpoint/2010/main" val="1835783726"/>
+      </p:ext>
+    </p:extLst>
+  </p:cSld>
+  <p:clrMapOvr>
+    <a:masterClrMapping/>
+  </p:clrMapOvr>
+</p:sld>
+</file>
+
+<file path=ppt/slides/slide85.xml><?xml version="1.0" encoding="utf-8"?>
+<p:sld xmlns:a="http://schemas.openxmlformats.org/drawingml/2006/main" xmlns:r="http://schemas.openxmlformats.org/officeDocument/2006/relationships" xmlns:p="http://schemas.openxmlformats.org/presentationml/2006/main">
+  <p:cSld>
+    <p:spTree>
+      <p:nvGrpSpPr>
+        <p:cNvPr id="1" name=""/>
+        <p:cNvGrpSpPr/>
+        <p:nvPr/>
+      </p:nvGrpSpPr>
+      <p:grpSpPr>
+        <a:xfrm>
+          <a:off x="0" y="0"/>
+          <a:ext cx="0" cy="0"/>
+          <a:chOff x="0" y="0"/>
+          <a:chExt cx="0" cy="0"/>
+        </a:xfrm>
+      </p:grpSpPr>
+      <p:sp>
+        <p:nvSpPr>
+          <p:cNvPr id="2" name="Title 1">
+            <a:extLst>
+              <a:ext uri="{FF2B5EF4-FFF2-40B4-BE49-F238E27FC236}">
+                <a16:creationId xmlns:a16="http://schemas.microsoft.com/office/drawing/2014/main" id="{28FA1EFC-486C-AE41-F046-94122A80A247}"/>
+              </a:ext>
+            </a:extLst>
+          </p:cNvPr>
+          <p:cNvSpPr>
+            <a:spLocks noGrp="1"/>
+          </p:cNvSpPr>
+          <p:nvPr>
+            <p:ph type="title"/>
+          </p:nvPr>
+        </p:nvSpPr>
+        <p:spPr/>
+        <p:txBody>
+          <a:bodyPr/>
+          <a:lstStyle/>
+          <a:p>
+            <a:r>
+              <a:rPr lang="en-US" dirty="0"/>
+              <a:t>DOM SET </a:t>
+            </a:r>
+            <a:r>
+              <a:rPr lang="en-US" dirty="0" err="1"/>
+              <a:t>MEthods</a:t>
+            </a:r>
+            <a:endParaRPr lang="en-US" dirty="0"/>
+          </a:p>
+        </p:txBody>
+      </p:sp>
+      <p:sp>
+        <p:nvSpPr>
+          <p:cNvPr id="3" name="Content Placeholder 2">
+            <a:extLst>
+              <a:ext uri="{FF2B5EF4-FFF2-40B4-BE49-F238E27FC236}">
+                <a16:creationId xmlns:a16="http://schemas.microsoft.com/office/drawing/2014/main" id="{31DB0DC0-0FAA-0000-C94A-47816255EF12}"/>
+              </a:ext>
+            </a:extLst>
+          </p:cNvPr>
+          <p:cNvSpPr>
+            <a:spLocks noGrp="1"/>
+          </p:cNvSpPr>
+          <p:nvPr>
+            <p:ph idx="1"/>
+          </p:nvPr>
+        </p:nvSpPr>
+        <p:spPr/>
+        <p:txBody>
+          <a:bodyPr/>
+          <a:lstStyle/>
+          <a:p>
+            <a:endParaRPr lang="en-US"/>
+          </a:p>
+        </p:txBody>
+      </p:sp>
+    </p:spTree>
+    <p:extLst>
+      <p:ext uri="{BB962C8B-B14F-4D97-AF65-F5344CB8AC3E}">
+        <p14:creationId xmlns:p14="http://schemas.microsoft.com/office/powerpoint/2010/main" val="2957827610"/>
       </p:ext>
     </p:extLst>
   </p:cSld>

--- a/JavaScript.pptx
+++ b/JavaScript.pptx
@@ -90,6 +90,12 @@
     <p:sldId id="338" r:id="rId84"/>
     <p:sldId id="339" r:id="rId85"/>
     <p:sldId id="340" r:id="rId86"/>
+    <p:sldId id="341" r:id="rId87"/>
+    <p:sldId id="342" r:id="rId88"/>
+    <p:sldId id="343" r:id="rId89"/>
+    <p:sldId id="344" r:id="rId90"/>
+    <p:sldId id="345" r:id="rId91"/>
+    <p:sldId id="346" r:id="rId92"/>
   </p:sldIdLst>
   <p:sldSz cx="12192000" cy="6858000"/>
   <p:notesSz cx="6858000" cy="9144000"/>
@@ -282,6 +288,12 @@
             <p14:sldId id="338"/>
             <p14:sldId id="339"/>
             <p14:sldId id="340"/>
+            <p14:sldId id="341"/>
+            <p14:sldId id="342"/>
+            <p14:sldId id="343"/>
+            <p14:sldId id="344"/>
+            <p14:sldId id="345"/>
+            <p14:sldId id="346"/>
           </p14:sldIdLst>
         </p14:section>
       </p14:sectionLst>
@@ -440,7 +452,7 @@
           <a:p>
             <a:fld id="{B0FD79F2-F8AC-467F-AA9E-9C9DDF51E646}" type="datetimeFigureOut">
               <a:rPr lang="en-US" smtClean="0"/>
-              <a:t>1/23/2023</a:t>
+              <a:t>1/24/2023</a:t>
             </a:fld>
             <a:endParaRPr lang="en-US"/>
           </a:p>
@@ -638,7 +650,7 @@
           <a:p>
             <a:fld id="{B0FD79F2-F8AC-467F-AA9E-9C9DDF51E646}" type="datetimeFigureOut">
               <a:rPr lang="en-US" smtClean="0"/>
-              <a:t>1/23/2023</a:t>
+              <a:t>1/24/2023</a:t>
             </a:fld>
             <a:endParaRPr lang="en-US"/>
           </a:p>
@@ -846,7 +858,7 @@
           <a:p>
             <a:fld id="{B0FD79F2-F8AC-467F-AA9E-9C9DDF51E646}" type="datetimeFigureOut">
               <a:rPr lang="en-US" smtClean="0"/>
-              <a:t>1/23/2023</a:t>
+              <a:t>1/24/2023</a:t>
             </a:fld>
             <a:endParaRPr lang="en-US"/>
           </a:p>
@@ -1044,7 +1056,7 @@
           <a:p>
             <a:fld id="{B0FD79F2-F8AC-467F-AA9E-9C9DDF51E646}" type="datetimeFigureOut">
               <a:rPr lang="en-US" smtClean="0"/>
-              <a:t>1/23/2023</a:t>
+              <a:t>1/24/2023</a:t>
             </a:fld>
             <a:endParaRPr lang="en-US"/>
           </a:p>
@@ -1319,7 +1331,7 @@
           <a:p>
             <a:fld id="{B0FD79F2-F8AC-467F-AA9E-9C9DDF51E646}" type="datetimeFigureOut">
               <a:rPr lang="en-US" smtClean="0"/>
-              <a:t>1/23/2023</a:t>
+              <a:t>1/24/2023</a:t>
             </a:fld>
             <a:endParaRPr lang="en-US"/>
           </a:p>
@@ -1584,7 +1596,7 @@
           <a:p>
             <a:fld id="{B0FD79F2-F8AC-467F-AA9E-9C9DDF51E646}" type="datetimeFigureOut">
               <a:rPr lang="en-US" smtClean="0"/>
-              <a:t>1/23/2023</a:t>
+              <a:t>1/24/2023</a:t>
             </a:fld>
             <a:endParaRPr lang="en-US"/>
           </a:p>
@@ -1996,7 +2008,7 @@
           <a:p>
             <a:fld id="{B0FD79F2-F8AC-467F-AA9E-9C9DDF51E646}" type="datetimeFigureOut">
               <a:rPr lang="en-US" smtClean="0"/>
-              <a:t>1/23/2023</a:t>
+              <a:t>1/24/2023</a:t>
             </a:fld>
             <a:endParaRPr lang="en-US"/>
           </a:p>
@@ -2137,7 +2149,7 @@
           <a:p>
             <a:fld id="{B0FD79F2-F8AC-467F-AA9E-9C9DDF51E646}" type="datetimeFigureOut">
               <a:rPr lang="en-US" smtClean="0"/>
-              <a:t>1/23/2023</a:t>
+              <a:t>1/24/2023</a:t>
             </a:fld>
             <a:endParaRPr lang="en-US"/>
           </a:p>
@@ -2250,7 +2262,7 @@
           <a:p>
             <a:fld id="{B0FD79F2-F8AC-467F-AA9E-9C9DDF51E646}" type="datetimeFigureOut">
               <a:rPr lang="en-US" smtClean="0"/>
-              <a:t>1/23/2023</a:t>
+              <a:t>1/24/2023</a:t>
             </a:fld>
             <a:endParaRPr lang="en-US"/>
           </a:p>
@@ -2561,7 +2573,7 @@
           <a:p>
             <a:fld id="{B0FD79F2-F8AC-467F-AA9E-9C9DDF51E646}" type="datetimeFigureOut">
               <a:rPr lang="en-US" smtClean="0"/>
-              <a:t>1/23/2023</a:t>
+              <a:t>1/24/2023</a:t>
             </a:fld>
             <a:endParaRPr lang="en-US"/>
           </a:p>
@@ -2849,7 +2861,7 @@
           <a:p>
             <a:fld id="{B0FD79F2-F8AC-467F-AA9E-9C9DDF51E646}" type="datetimeFigureOut">
               <a:rPr lang="en-US" smtClean="0"/>
-              <a:t>1/23/2023</a:t>
+              <a:t>1/24/2023</a:t>
             </a:fld>
             <a:endParaRPr lang="en-US"/>
           </a:p>
@@ -3090,7 +3102,7 @@
           <a:p>
             <a:fld id="{B0FD79F2-F8AC-467F-AA9E-9C9DDF51E646}" type="datetimeFigureOut">
               <a:rPr lang="en-US" smtClean="0"/>
-              <a:t>1/23/2023</a:t>
+              <a:t>1/24/2023</a:t>
             </a:fld>
             <a:endParaRPr lang="en-US"/>
           </a:p>
@@ -23021,13 +23033,8 @@
           <a:p>
             <a:r>
               <a:rPr lang="en-US" dirty="0"/>
-              <a:t>DOM SET </a:t>
-            </a:r>
-            <a:r>
-              <a:rPr lang="en-US" dirty="0" err="1"/>
-              <a:t>MEthods</a:t>
-            </a:r>
-            <a:endParaRPr lang="en-US" dirty="0"/>
+              <a:t>DOM SET Methods</a:t>
+            </a:r>
           </a:p>
         </p:txBody>
       </p:sp>
@@ -23052,7 +23059,38 @@
           <a:bodyPr/>
           <a:lstStyle/>
           <a:p>
-            <a:endParaRPr lang="en-US"/>
+            <a:r>
+              <a:rPr lang="en-US" dirty="0" err="1"/>
+              <a:t>innerText</a:t>
+            </a:r>
+            <a:endParaRPr lang="en-US" dirty="0"/>
+          </a:p>
+          <a:p>
+            <a:r>
+              <a:rPr lang="en-US" dirty="0" err="1"/>
+              <a:t>innerHTML</a:t>
+            </a:r>
+            <a:endParaRPr lang="en-US" dirty="0"/>
+          </a:p>
+          <a:p>
+            <a:r>
+              <a:rPr lang="en-US" dirty="0" err="1"/>
+              <a:t>setAttribute</a:t>
+            </a:r>
+            <a:endParaRPr lang="en-US" dirty="0"/>
+          </a:p>
+          <a:p>
+            <a:r>
+              <a:rPr lang="en-US" dirty="0"/>
+              <a:t>Attribute</a:t>
+            </a:r>
+          </a:p>
+          <a:p>
+            <a:r>
+              <a:rPr lang="en-US" dirty="0" err="1"/>
+              <a:t>removeAttribute</a:t>
+            </a:r>
+            <a:endParaRPr lang="en-US" dirty="0"/>
           </a:p>
         </p:txBody>
       </p:sp>
@@ -23060,6 +23098,593 @@
     <p:extLst>
       <p:ext uri="{BB962C8B-B14F-4D97-AF65-F5344CB8AC3E}">
         <p14:creationId xmlns:p14="http://schemas.microsoft.com/office/powerpoint/2010/main" val="2957827610"/>
+      </p:ext>
+    </p:extLst>
+  </p:cSld>
+  <p:clrMapOvr>
+    <a:masterClrMapping/>
+  </p:clrMapOvr>
+</p:sld>
+</file>
+
+<file path=ppt/slides/slide86.xml><?xml version="1.0" encoding="utf-8"?>
+<p:sld xmlns:a="http://schemas.openxmlformats.org/drawingml/2006/main" xmlns:r="http://schemas.openxmlformats.org/officeDocument/2006/relationships" xmlns:p="http://schemas.openxmlformats.org/presentationml/2006/main">
+  <p:cSld>
+    <p:spTree>
+      <p:nvGrpSpPr>
+        <p:cNvPr id="1" name=""/>
+        <p:cNvGrpSpPr/>
+        <p:nvPr/>
+      </p:nvGrpSpPr>
+      <p:grpSpPr>
+        <a:xfrm>
+          <a:off x="0" y="0"/>
+          <a:ext cx="0" cy="0"/>
+          <a:chOff x="0" y="0"/>
+          <a:chExt cx="0" cy="0"/>
+        </a:xfrm>
+      </p:grpSpPr>
+      <p:sp>
+        <p:nvSpPr>
+          <p:cNvPr id="2" name="Title 1">
+            <a:extLst>
+              <a:ext uri="{FF2B5EF4-FFF2-40B4-BE49-F238E27FC236}">
+                <a16:creationId xmlns:a16="http://schemas.microsoft.com/office/drawing/2014/main" id="{739EFC7B-4330-82A6-F1D3-9FCC3A9D044A}"/>
+              </a:ext>
+            </a:extLst>
+          </p:cNvPr>
+          <p:cNvSpPr>
+            <a:spLocks noGrp="1"/>
+          </p:cNvSpPr>
+          <p:nvPr>
+            <p:ph type="title"/>
+          </p:nvPr>
+        </p:nvSpPr>
+        <p:spPr/>
+        <p:txBody>
+          <a:bodyPr/>
+          <a:lstStyle/>
+          <a:p>
+            <a:r>
+              <a:rPr lang="en-US" dirty="0"/>
+              <a:t>DOM </a:t>
+            </a:r>
+            <a:r>
+              <a:rPr lang="en-US" dirty="0" err="1"/>
+              <a:t>querySelector</a:t>
+            </a:r>
+            <a:r>
+              <a:rPr lang="en-US" dirty="0"/>
+              <a:t>() &amp; </a:t>
+            </a:r>
+            <a:r>
+              <a:rPr lang="en-US" dirty="0" err="1"/>
+              <a:t>querySelectorAll</a:t>
+            </a:r>
+            <a:r>
+              <a:rPr lang="en-US" dirty="0"/>
+              <a:t>()</a:t>
+            </a:r>
+          </a:p>
+        </p:txBody>
+      </p:sp>
+      <p:sp>
+        <p:nvSpPr>
+          <p:cNvPr id="3" name="Content Placeholder 2">
+            <a:extLst>
+              <a:ext uri="{FF2B5EF4-FFF2-40B4-BE49-F238E27FC236}">
+                <a16:creationId xmlns:a16="http://schemas.microsoft.com/office/drawing/2014/main" id="{DF74FC4F-0B22-705C-453A-89062D6B9D75}"/>
+              </a:ext>
+            </a:extLst>
+          </p:cNvPr>
+          <p:cNvSpPr>
+            <a:spLocks noGrp="1"/>
+          </p:cNvSpPr>
+          <p:nvPr>
+            <p:ph idx="1"/>
+          </p:nvPr>
+        </p:nvSpPr>
+        <p:spPr/>
+        <p:txBody>
+          <a:bodyPr/>
+          <a:lstStyle/>
+          <a:p>
+            <a:r>
+              <a:rPr lang="en-US" dirty="0" err="1"/>
+              <a:t>querySelector</a:t>
+            </a:r>
+            <a:r>
+              <a:rPr lang="en-US" dirty="0"/>
+              <a:t> </a:t>
+            </a:r>
+            <a:r>
+              <a:rPr lang="en-US" dirty="0">
+                <a:sym typeface="Wingdings" panose="05000000000000000000" pitchFamily="2" charset="2"/>
+              </a:rPr>
+              <a:t>	</a:t>
+            </a:r>
+            <a:r>
+              <a:rPr lang="en-US" dirty="0" err="1">
+                <a:sym typeface="Wingdings" panose="05000000000000000000" pitchFamily="2" charset="2"/>
+              </a:rPr>
+              <a:t>document.querySelector</a:t>
+            </a:r>
+            <a:r>
+              <a:rPr lang="en-US" dirty="0">
+                <a:sym typeface="Wingdings" panose="05000000000000000000" pitchFamily="2" charset="2"/>
+              </a:rPr>
+              <a:t>(CSS Selector)</a:t>
+            </a:r>
+          </a:p>
+          <a:p>
+            <a:r>
+              <a:rPr lang="en-US" dirty="0" err="1"/>
+              <a:t>querySelectorAll</a:t>
+            </a:r>
+            <a:r>
+              <a:rPr lang="en-US" dirty="0"/>
+              <a:t>  </a:t>
+            </a:r>
+            <a:r>
+              <a:rPr lang="en-US" dirty="0">
+                <a:sym typeface="Wingdings" panose="05000000000000000000" pitchFamily="2" charset="2"/>
+              </a:rPr>
+              <a:t>	</a:t>
+            </a:r>
+            <a:r>
+              <a:rPr lang="en-US" dirty="0" err="1">
+                <a:sym typeface="Wingdings" panose="05000000000000000000" pitchFamily="2" charset="2"/>
+              </a:rPr>
+              <a:t>document.querySelectorAll</a:t>
+            </a:r>
+            <a:r>
+              <a:rPr lang="en-US" dirty="0">
+                <a:sym typeface="Wingdings" panose="05000000000000000000" pitchFamily="2" charset="2"/>
+              </a:rPr>
+              <a:t>(CSS Selector)</a:t>
+            </a:r>
+            <a:endParaRPr lang="en-US" dirty="0"/>
+          </a:p>
+          <a:p>
+            <a:endParaRPr lang="en-US" dirty="0"/>
+          </a:p>
+        </p:txBody>
+      </p:sp>
+    </p:spTree>
+    <p:extLst>
+      <p:ext uri="{BB962C8B-B14F-4D97-AF65-F5344CB8AC3E}">
+        <p14:creationId xmlns:p14="http://schemas.microsoft.com/office/powerpoint/2010/main" val="1328538057"/>
+      </p:ext>
+    </p:extLst>
+  </p:cSld>
+  <p:clrMapOvr>
+    <a:masterClrMapping/>
+  </p:clrMapOvr>
+</p:sld>
+</file>
+
+<file path=ppt/slides/slide87.xml><?xml version="1.0" encoding="utf-8"?>
+<p:sld xmlns:a="http://schemas.openxmlformats.org/drawingml/2006/main" xmlns:r="http://schemas.openxmlformats.org/officeDocument/2006/relationships" xmlns:p="http://schemas.openxmlformats.org/presentationml/2006/main">
+  <p:cSld>
+    <p:spTree>
+      <p:nvGrpSpPr>
+        <p:cNvPr id="1" name=""/>
+        <p:cNvGrpSpPr/>
+        <p:nvPr/>
+      </p:nvGrpSpPr>
+      <p:grpSpPr>
+        <a:xfrm>
+          <a:off x="0" y="0"/>
+          <a:ext cx="0" cy="0"/>
+          <a:chOff x="0" y="0"/>
+          <a:chExt cx="0" cy="0"/>
+        </a:xfrm>
+      </p:grpSpPr>
+      <p:sp>
+        <p:nvSpPr>
+          <p:cNvPr id="2" name="Title 1">
+            <a:extLst>
+              <a:ext uri="{FF2B5EF4-FFF2-40B4-BE49-F238E27FC236}">
+                <a16:creationId xmlns:a16="http://schemas.microsoft.com/office/drawing/2014/main" id="{F08017C4-0175-B1B8-3CE8-78C29B9A17E4}"/>
+              </a:ext>
+            </a:extLst>
+          </p:cNvPr>
+          <p:cNvSpPr>
+            <a:spLocks noGrp="1"/>
+          </p:cNvSpPr>
+          <p:nvPr>
+            <p:ph type="title"/>
+          </p:nvPr>
+        </p:nvSpPr>
+        <p:spPr/>
+        <p:txBody>
+          <a:bodyPr/>
+          <a:lstStyle/>
+          <a:p>
+            <a:r>
+              <a:rPr lang="en-US" dirty="0"/>
+              <a:t>DOM: CSS </a:t>
+            </a:r>
+            <a:r>
+              <a:rPr lang="en-US" dirty="0" err="1"/>
+              <a:t>styline</a:t>
+            </a:r>
+            <a:r>
+              <a:rPr lang="en-US" dirty="0"/>
+              <a:t> Methods</a:t>
+            </a:r>
+          </a:p>
+        </p:txBody>
+      </p:sp>
+      <p:sp>
+        <p:nvSpPr>
+          <p:cNvPr id="3" name="Content Placeholder 2">
+            <a:extLst>
+              <a:ext uri="{FF2B5EF4-FFF2-40B4-BE49-F238E27FC236}">
+                <a16:creationId xmlns:a16="http://schemas.microsoft.com/office/drawing/2014/main" id="{DCD7096A-531C-5173-AA43-D82F7EA45B42}"/>
+              </a:ext>
+            </a:extLst>
+          </p:cNvPr>
+          <p:cNvSpPr>
+            <a:spLocks noGrp="1"/>
+          </p:cNvSpPr>
+          <p:nvPr>
+            <p:ph idx="1"/>
+          </p:nvPr>
+        </p:nvSpPr>
+        <p:spPr/>
+        <p:txBody>
+          <a:bodyPr/>
+          <a:lstStyle/>
+          <a:p>
+            <a:r>
+              <a:rPr lang="en-US" dirty="0"/>
+              <a:t>Style</a:t>
+            </a:r>
+          </a:p>
+          <a:p>
+            <a:r>
+              <a:rPr lang="en-US" dirty="0" err="1"/>
+              <a:t>className</a:t>
+            </a:r>
+            <a:endParaRPr lang="en-US" dirty="0"/>
+          </a:p>
+          <a:p>
+            <a:r>
+              <a:rPr lang="en-US" dirty="0" err="1"/>
+              <a:t>classList</a:t>
+            </a:r>
+            <a:endParaRPr lang="en-US" dirty="0"/>
+          </a:p>
+        </p:txBody>
+      </p:sp>
+    </p:spTree>
+    <p:extLst>
+      <p:ext uri="{BB962C8B-B14F-4D97-AF65-F5344CB8AC3E}">
+        <p14:creationId xmlns:p14="http://schemas.microsoft.com/office/powerpoint/2010/main" val="3274016794"/>
+      </p:ext>
+    </p:extLst>
+  </p:cSld>
+  <p:clrMapOvr>
+    <a:masterClrMapping/>
+  </p:clrMapOvr>
+</p:sld>
+</file>
+
+<file path=ppt/slides/slide88.xml><?xml version="1.0" encoding="utf-8"?>
+<p:sld xmlns:a="http://schemas.openxmlformats.org/drawingml/2006/main" xmlns:r="http://schemas.openxmlformats.org/officeDocument/2006/relationships" xmlns:p="http://schemas.openxmlformats.org/presentationml/2006/main">
+  <p:cSld>
+    <p:spTree>
+      <p:nvGrpSpPr>
+        <p:cNvPr id="1" name=""/>
+        <p:cNvGrpSpPr/>
+        <p:nvPr/>
+      </p:nvGrpSpPr>
+      <p:grpSpPr>
+        <a:xfrm>
+          <a:off x="0" y="0"/>
+          <a:ext cx="0" cy="0"/>
+          <a:chOff x="0" y="0"/>
+          <a:chExt cx="0" cy="0"/>
+        </a:xfrm>
+      </p:grpSpPr>
+      <p:sp>
+        <p:nvSpPr>
+          <p:cNvPr id="2" name="Title 1">
+            <a:extLst>
+              <a:ext uri="{FF2B5EF4-FFF2-40B4-BE49-F238E27FC236}">
+                <a16:creationId xmlns:a16="http://schemas.microsoft.com/office/drawing/2014/main" id="{1861CB86-59C1-1A44-081E-6A8BB92D3B37}"/>
+              </a:ext>
+            </a:extLst>
+          </p:cNvPr>
+          <p:cNvSpPr>
+            <a:spLocks noGrp="1"/>
+          </p:cNvSpPr>
+          <p:nvPr>
+            <p:ph type="title"/>
+          </p:nvPr>
+        </p:nvSpPr>
+        <p:spPr/>
+        <p:txBody>
+          <a:bodyPr/>
+          <a:lstStyle/>
+          <a:p>
+            <a:r>
+              <a:rPr lang="en-US" dirty="0"/>
+              <a:t>DOM: </a:t>
+            </a:r>
+            <a:r>
+              <a:rPr lang="en-US" dirty="0" err="1"/>
+              <a:t>AddEventListener</a:t>
+            </a:r>
+            <a:r>
+              <a:rPr lang="en-US" dirty="0"/>
+              <a:t>()</a:t>
+            </a:r>
+          </a:p>
+        </p:txBody>
+      </p:sp>
+      <p:sp>
+        <p:nvSpPr>
+          <p:cNvPr id="3" name="Content Placeholder 2">
+            <a:extLst>
+              <a:ext uri="{FF2B5EF4-FFF2-40B4-BE49-F238E27FC236}">
+                <a16:creationId xmlns:a16="http://schemas.microsoft.com/office/drawing/2014/main" id="{52093C07-C84D-8B30-FF4A-BE8BE15EB255}"/>
+              </a:ext>
+            </a:extLst>
+          </p:cNvPr>
+          <p:cNvSpPr>
+            <a:spLocks noGrp="1"/>
+          </p:cNvSpPr>
+          <p:nvPr>
+            <p:ph idx="1"/>
+          </p:nvPr>
+        </p:nvSpPr>
+        <p:spPr/>
+        <p:txBody>
+          <a:bodyPr numCol="2">
+            <a:normAutofit/>
+          </a:bodyPr>
+          <a:lstStyle/>
+          <a:p>
+            <a:r>
+              <a:rPr lang="en-US" dirty="0"/>
+              <a:t>Click</a:t>
+            </a:r>
+          </a:p>
+          <a:p>
+            <a:r>
+              <a:rPr lang="en-US" dirty="0"/>
+              <a:t>Double click</a:t>
+            </a:r>
+          </a:p>
+          <a:p>
+            <a:r>
+              <a:rPr lang="en-US" dirty="0"/>
+              <a:t>Right click</a:t>
+            </a:r>
+          </a:p>
+          <a:p>
+            <a:r>
+              <a:rPr lang="en-US" dirty="0"/>
+              <a:t>Mouse hover</a:t>
+            </a:r>
+          </a:p>
+          <a:p>
+            <a:r>
+              <a:rPr lang="en-US" dirty="0"/>
+              <a:t>Mouse out</a:t>
+            </a:r>
+          </a:p>
+          <a:p>
+            <a:r>
+              <a:rPr lang="en-US" dirty="0"/>
+              <a:t>Mouse down</a:t>
+            </a:r>
+          </a:p>
+          <a:p>
+            <a:r>
+              <a:rPr lang="en-US" dirty="0"/>
+              <a:t>Mouse up</a:t>
+            </a:r>
+          </a:p>
+          <a:p>
+            <a:r>
+              <a:rPr lang="en-US" dirty="0"/>
+              <a:t>Key press</a:t>
+            </a:r>
+          </a:p>
+          <a:p>
+            <a:r>
+              <a:rPr lang="en-US" dirty="0"/>
+              <a:t>Key up</a:t>
+            </a:r>
+          </a:p>
+          <a:p>
+            <a:r>
+              <a:rPr lang="en-US" dirty="0"/>
+              <a:t>Load</a:t>
+            </a:r>
+          </a:p>
+          <a:p>
+            <a:r>
+              <a:rPr lang="en-US" dirty="0"/>
+              <a:t>Unload</a:t>
+            </a:r>
+          </a:p>
+          <a:p>
+            <a:r>
+              <a:rPr lang="en-US" dirty="0"/>
+              <a:t>Resize</a:t>
+            </a:r>
+          </a:p>
+          <a:p>
+            <a:r>
+              <a:rPr lang="en-US" dirty="0"/>
+              <a:t>Scroll</a:t>
+            </a:r>
+          </a:p>
+          <a:p>
+            <a:endParaRPr lang="en-US" dirty="0"/>
+          </a:p>
+        </p:txBody>
+      </p:sp>
+    </p:spTree>
+    <p:extLst>
+      <p:ext uri="{BB962C8B-B14F-4D97-AF65-F5344CB8AC3E}">
+        <p14:creationId xmlns:p14="http://schemas.microsoft.com/office/powerpoint/2010/main" val="3597905180"/>
+      </p:ext>
+    </p:extLst>
+  </p:cSld>
+  <p:clrMapOvr>
+    <a:masterClrMapping/>
+  </p:clrMapOvr>
+</p:sld>
+</file>
+
+<file path=ppt/slides/slide89.xml><?xml version="1.0" encoding="utf-8"?>
+<p:sld xmlns:a="http://schemas.openxmlformats.org/drawingml/2006/main" xmlns:r="http://schemas.openxmlformats.org/officeDocument/2006/relationships" xmlns:p="http://schemas.openxmlformats.org/presentationml/2006/main">
+  <p:cSld>
+    <p:spTree>
+      <p:nvGrpSpPr>
+        <p:cNvPr id="1" name=""/>
+        <p:cNvGrpSpPr/>
+        <p:nvPr/>
+      </p:nvGrpSpPr>
+      <p:grpSpPr>
+        <a:xfrm>
+          <a:off x="0" y="0"/>
+          <a:ext cx="0" cy="0"/>
+          <a:chOff x="0" y="0"/>
+          <a:chExt cx="0" cy="0"/>
+        </a:xfrm>
+      </p:grpSpPr>
+      <p:sp>
+        <p:nvSpPr>
+          <p:cNvPr id="2" name="Title 1">
+            <a:extLst>
+              <a:ext uri="{FF2B5EF4-FFF2-40B4-BE49-F238E27FC236}">
+                <a16:creationId xmlns:a16="http://schemas.microsoft.com/office/drawing/2014/main" id="{FE9875AA-D536-1F8F-5782-FFC75B46A6CA}"/>
+              </a:ext>
+            </a:extLst>
+          </p:cNvPr>
+          <p:cNvSpPr>
+            <a:spLocks noGrp="1"/>
+          </p:cNvSpPr>
+          <p:nvPr>
+            <p:ph type="title"/>
+          </p:nvPr>
+        </p:nvSpPr>
+        <p:spPr/>
+        <p:txBody>
+          <a:bodyPr/>
+          <a:lstStyle/>
+          <a:p>
+            <a:r>
+              <a:rPr lang="en-US" dirty="0"/>
+              <a:t>HTML Event Attributes:</a:t>
+            </a:r>
+          </a:p>
+        </p:txBody>
+      </p:sp>
+      <p:sp>
+        <p:nvSpPr>
+          <p:cNvPr id="3" name="Content Placeholder 2">
+            <a:extLst>
+              <a:ext uri="{FF2B5EF4-FFF2-40B4-BE49-F238E27FC236}">
+                <a16:creationId xmlns:a16="http://schemas.microsoft.com/office/drawing/2014/main" id="{8509AE48-C11F-AB02-FF24-93EA553C172E}"/>
+              </a:ext>
+            </a:extLst>
+          </p:cNvPr>
+          <p:cNvSpPr>
+            <a:spLocks noGrp="1"/>
+          </p:cNvSpPr>
+          <p:nvPr>
+            <p:ph idx="1"/>
+          </p:nvPr>
+        </p:nvSpPr>
+        <p:spPr/>
+        <p:txBody>
+          <a:bodyPr/>
+          <a:lstStyle/>
+          <a:p>
+            <a:pPr marL="0" indent="0">
+              <a:buNone/>
+            </a:pPr>
+            <a:r>
+              <a:rPr lang="en-US" dirty="0"/>
+              <a:t>&lt;button </a:t>
+            </a:r>
+            <a:r>
+              <a:rPr lang="en-US" dirty="0" err="1"/>
+              <a:t>onClick</a:t>
+            </a:r>
+            <a:r>
+              <a:rPr lang="en-US" dirty="0"/>
+              <a:t>=“</a:t>
+            </a:r>
+            <a:r>
+              <a:rPr lang="en-US" dirty="0" err="1"/>
+              <a:t>abc</a:t>
+            </a:r>
+            <a:r>
+              <a:rPr lang="en-US" dirty="0"/>
+              <a:t>()”&gt;&lt;/button&gt;</a:t>
+            </a:r>
+          </a:p>
+          <a:p>
+            <a:pPr marL="0" indent="0">
+              <a:buNone/>
+            </a:pPr>
+            <a:endParaRPr lang="en-US" dirty="0"/>
+          </a:p>
+          <a:p>
+            <a:pPr marL="0" indent="0">
+              <a:buNone/>
+            </a:pPr>
+            <a:r>
+              <a:rPr lang="en-US" dirty="0"/>
+              <a:t>&lt;</a:t>
+            </a:r>
+            <a:r>
+              <a:rPr lang="en-US" dirty="0" err="1"/>
+              <a:t>img</a:t>
+            </a:r>
+            <a:r>
+              <a:rPr lang="en-US" dirty="0"/>
+              <a:t> </a:t>
+            </a:r>
+            <a:r>
+              <a:rPr lang="en-US" dirty="0" err="1"/>
+              <a:t>src</a:t>
+            </a:r>
+            <a:r>
+              <a:rPr lang="en-US" dirty="0"/>
+              <a:t>=‘..’ </a:t>
+            </a:r>
+            <a:r>
+              <a:rPr lang="en-US" dirty="0" err="1"/>
+              <a:t>onmouseenter</a:t>
+            </a:r>
+            <a:r>
+              <a:rPr lang="en-US" dirty="0"/>
+              <a:t>=“</a:t>
+            </a:r>
+            <a:r>
+              <a:rPr lang="en-US" dirty="0" err="1"/>
+              <a:t>xyz</a:t>
+            </a:r>
+            <a:r>
+              <a:rPr lang="en-US" dirty="0"/>
+              <a:t>()”&gt;</a:t>
+            </a:r>
+          </a:p>
+        </p:txBody>
+      </p:sp>
+    </p:spTree>
+    <p:extLst>
+      <p:ext uri="{BB962C8B-B14F-4D97-AF65-F5344CB8AC3E}">
+        <p14:creationId xmlns:p14="http://schemas.microsoft.com/office/powerpoint/2010/main" val="1466094483"/>
       </p:ext>
     </p:extLst>
   </p:cSld>
@@ -23156,6 +23781,292 @@
     <p:extLst>
       <p:ext uri="{BB962C8B-B14F-4D97-AF65-F5344CB8AC3E}">
         <p14:creationId xmlns:p14="http://schemas.microsoft.com/office/powerpoint/2010/main" val="4144463906"/>
+      </p:ext>
+    </p:extLst>
+  </p:cSld>
+  <p:clrMapOvr>
+    <a:masterClrMapping/>
+  </p:clrMapOvr>
+</p:sld>
+</file>
+
+<file path=ppt/slides/slide90.xml><?xml version="1.0" encoding="utf-8"?>
+<p:sld xmlns:a="http://schemas.openxmlformats.org/drawingml/2006/main" xmlns:r="http://schemas.openxmlformats.org/officeDocument/2006/relationships" xmlns:p="http://schemas.openxmlformats.org/presentationml/2006/main">
+  <p:cSld>
+    <p:spTree>
+      <p:nvGrpSpPr>
+        <p:cNvPr id="1" name=""/>
+        <p:cNvGrpSpPr/>
+        <p:nvPr/>
+      </p:nvGrpSpPr>
+      <p:grpSpPr>
+        <a:xfrm>
+          <a:off x="0" y="0"/>
+          <a:ext cx="0" cy="0"/>
+          <a:chOff x="0" y="0"/>
+          <a:chExt cx="0" cy="0"/>
+        </a:xfrm>
+      </p:grpSpPr>
+      <p:sp>
+        <p:nvSpPr>
+          <p:cNvPr id="2" name="Title 1">
+            <a:extLst>
+              <a:ext uri="{FF2B5EF4-FFF2-40B4-BE49-F238E27FC236}">
+                <a16:creationId xmlns:a16="http://schemas.microsoft.com/office/drawing/2014/main" id="{9AA70E03-8C4A-67C9-62CC-747E37AA427B}"/>
+              </a:ext>
+            </a:extLst>
+          </p:cNvPr>
+          <p:cNvSpPr>
+            <a:spLocks noGrp="1"/>
+          </p:cNvSpPr>
+          <p:nvPr>
+            <p:ph type="title"/>
+          </p:nvPr>
+        </p:nvSpPr>
+        <p:spPr/>
+        <p:txBody>
+          <a:bodyPr/>
+          <a:lstStyle/>
+          <a:p>
+            <a:r>
+              <a:rPr lang="en-US" dirty="0"/>
+              <a:t>Assign events using the HTML DOM:</a:t>
+            </a:r>
+          </a:p>
+        </p:txBody>
+      </p:sp>
+      <p:sp>
+        <p:nvSpPr>
+          <p:cNvPr id="3" name="Content Placeholder 2">
+            <a:extLst>
+              <a:ext uri="{FF2B5EF4-FFF2-40B4-BE49-F238E27FC236}">
+                <a16:creationId xmlns:a16="http://schemas.microsoft.com/office/drawing/2014/main" id="{142AF05D-7631-D667-35E8-C74536781E75}"/>
+              </a:ext>
+            </a:extLst>
+          </p:cNvPr>
+          <p:cNvSpPr>
+            <a:spLocks noGrp="1"/>
+          </p:cNvSpPr>
+          <p:nvPr>
+            <p:ph idx="1"/>
+          </p:nvPr>
+        </p:nvSpPr>
+        <p:spPr/>
+        <p:txBody>
+          <a:bodyPr/>
+          <a:lstStyle/>
+          <a:p>
+            <a:pPr marL="0" indent="0">
+              <a:buNone/>
+            </a:pPr>
+            <a:r>
+              <a:rPr lang="en-US" dirty="0" err="1"/>
+              <a:t>Document.getElementById</a:t>
+            </a:r>
+            <a:r>
+              <a:rPr lang="en-US" dirty="0"/>
+              <a:t>(Id).onclick = </a:t>
+            </a:r>
+            <a:r>
+              <a:rPr lang="en-US" dirty="0" err="1"/>
+              <a:t>functionName</a:t>
+            </a:r>
+            <a:r>
+              <a:rPr lang="en-US" dirty="0"/>
+              <a:t>;</a:t>
+            </a:r>
+          </a:p>
+        </p:txBody>
+      </p:sp>
+    </p:spTree>
+    <p:extLst>
+      <p:ext uri="{BB962C8B-B14F-4D97-AF65-F5344CB8AC3E}">
+        <p14:creationId xmlns:p14="http://schemas.microsoft.com/office/powerpoint/2010/main" val="3276603054"/>
+      </p:ext>
+    </p:extLst>
+  </p:cSld>
+  <p:clrMapOvr>
+    <a:masterClrMapping/>
+  </p:clrMapOvr>
+</p:sld>
+</file>
+
+<file path=ppt/slides/slide91.xml><?xml version="1.0" encoding="utf-8"?>
+<p:sld xmlns:a="http://schemas.openxmlformats.org/drawingml/2006/main" xmlns:r="http://schemas.openxmlformats.org/officeDocument/2006/relationships" xmlns:p="http://schemas.openxmlformats.org/presentationml/2006/main">
+  <p:cSld>
+    <p:spTree>
+      <p:nvGrpSpPr>
+        <p:cNvPr id="1" name=""/>
+        <p:cNvGrpSpPr/>
+        <p:nvPr/>
+      </p:nvGrpSpPr>
+      <p:grpSpPr>
+        <a:xfrm>
+          <a:off x="0" y="0"/>
+          <a:ext cx="0" cy="0"/>
+          <a:chOff x="0" y="0"/>
+          <a:chExt cx="0" cy="0"/>
+        </a:xfrm>
+      </p:grpSpPr>
+      <p:sp>
+        <p:nvSpPr>
+          <p:cNvPr id="2" name="Title 1">
+            <a:extLst>
+              <a:ext uri="{FF2B5EF4-FFF2-40B4-BE49-F238E27FC236}">
+                <a16:creationId xmlns:a16="http://schemas.microsoft.com/office/drawing/2014/main" id="{9CCEAC99-ED60-F465-B170-B80AE0118FC7}"/>
+              </a:ext>
+            </a:extLst>
+          </p:cNvPr>
+          <p:cNvSpPr>
+            <a:spLocks noGrp="1"/>
+          </p:cNvSpPr>
+          <p:nvPr>
+            <p:ph type="title"/>
+          </p:nvPr>
+        </p:nvSpPr>
+        <p:spPr/>
+        <p:txBody>
+          <a:bodyPr/>
+          <a:lstStyle/>
+          <a:p>
+            <a:r>
+              <a:rPr lang="en-US" dirty="0"/>
+              <a:t>DOM </a:t>
+            </a:r>
+            <a:r>
+              <a:rPr lang="en-US" dirty="0" err="1"/>
+              <a:t>addEventListener</a:t>
+            </a:r>
+            <a:r>
+              <a:rPr lang="en-US" dirty="0"/>
+              <a:t>() Method:</a:t>
+            </a:r>
+          </a:p>
+        </p:txBody>
+      </p:sp>
+      <p:sp>
+        <p:nvSpPr>
+          <p:cNvPr id="3" name="Content Placeholder 2">
+            <a:extLst>
+              <a:ext uri="{FF2B5EF4-FFF2-40B4-BE49-F238E27FC236}">
+                <a16:creationId xmlns:a16="http://schemas.microsoft.com/office/drawing/2014/main" id="{B22EE0D0-25D1-9340-87FE-7320B40B6457}"/>
+              </a:ext>
+            </a:extLst>
+          </p:cNvPr>
+          <p:cNvSpPr>
+            <a:spLocks noGrp="1"/>
+          </p:cNvSpPr>
+          <p:nvPr>
+            <p:ph idx="1"/>
+          </p:nvPr>
+        </p:nvSpPr>
+        <p:spPr/>
+        <p:txBody>
+          <a:bodyPr/>
+          <a:lstStyle/>
+          <a:p>
+            <a:pPr marL="0" indent="0">
+              <a:buNone/>
+            </a:pPr>
+            <a:r>
+              <a:rPr lang="en-US" dirty="0" err="1"/>
+              <a:t>Document.getElementById</a:t>
+            </a:r>
+            <a:r>
+              <a:rPr lang="en-US" dirty="0"/>
+              <a:t>(Id).</a:t>
+            </a:r>
+            <a:r>
+              <a:rPr lang="en-US" dirty="0" err="1"/>
+              <a:t>addEventListener</a:t>
+            </a:r>
+            <a:r>
+              <a:rPr lang="en-US" dirty="0"/>
+              <a:t>(“click”,</a:t>
+            </a:r>
+            <a:r>
+              <a:rPr lang="en-US" dirty="0" err="1"/>
+              <a:t>functionName</a:t>
+            </a:r>
+            <a:r>
+              <a:rPr lang="en-US" dirty="0"/>
+              <a:t>);</a:t>
+            </a:r>
+          </a:p>
+          <a:p>
+            <a:pPr marL="0" indent="0">
+              <a:buNone/>
+            </a:pPr>
+            <a:endParaRPr lang="en-US" dirty="0"/>
+          </a:p>
+          <a:p>
+            <a:pPr marL="0" indent="0">
+              <a:buNone/>
+            </a:pPr>
+            <a:endParaRPr lang="en-US" dirty="0"/>
+          </a:p>
+          <a:p>
+            <a:pPr marL="0" indent="0">
+              <a:buNone/>
+            </a:pPr>
+            <a:r>
+              <a:rPr lang="en-US" dirty="0" err="1"/>
+              <a:t>Document.getElementById</a:t>
+            </a:r>
+            <a:r>
+              <a:rPr lang="en-US" dirty="0"/>
+              <a:t>(Id).</a:t>
+            </a:r>
+            <a:r>
+              <a:rPr lang="en-US" dirty="0" err="1"/>
+              <a:t>addEventListener</a:t>
+            </a:r>
+            <a:r>
+              <a:rPr lang="en-US" dirty="0"/>
+              <a:t>(“</a:t>
+            </a:r>
+            <a:r>
+              <a:rPr lang="en-US" dirty="0" err="1"/>
+              <a:t>click”,function</a:t>
+            </a:r>
+            <a:r>
+              <a:rPr lang="en-US" dirty="0"/>
+              <a:t>(){</a:t>
+            </a:r>
+          </a:p>
+          <a:p>
+            <a:pPr marL="0" indent="0">
+              <a:buNone/>
+            </a:pPr>
+            <a:endParaRPr lang="en-US" dirty="0"/>
+          </a:p>
+          <a:p>
+            <a:pPr marL="0" indent="0">
+              <a:buNone/>
+            </a:pPr>
+            <a:endParaRPr lang="en-US" dirty="0"/>
+          </a:p>
+          <a:p>
+            <a:pPr marL="0" indent="0">
+              <a:buNone/>
+            </a:pPr>
+            <a:r>
+              <a:rPr lang="en-US" dirty="0"/>
+              <a:t>});</a:t>
+            </a:r>
+          </a:p>
+          <a:p>
+            <a:pPr marL="0" indent="0">
+              <a:buNone/>
+            </a:pPr>
+            <a:endParaRPr lang="en-US" dirty="0"/>
+          </a:p>
+        </p:txBody>
+      </p:sp>
+    </p:spTree>
+    <p:extLst>
+      <p:ext uri="{BB962C8B-B14F-4D97-AF65-F5344CB8AC3E}">
+        <p14:creationId xmlns:p14="http://schemas.microsoft.com/office/powerpoint/2010/main" val="699818168"/>
       </p:ext>
     </p:extLst>
   </p:cSld>

--- a/JavaScript.pptx
+++ b/JavaScript.pptx
@@ -96,6 +96,9 @@
     <p:sldId id="344" r:id="rId90"/>
     <p:sldId id="345" r:id="rId91"/>
     <p:sldId id="346" r:id="rId92"/>
+    <p:sldId id="347" r:id="rId93"/>
+    <p:sldId id="348" r:id="rId94"/>
+    <p:sldId id="349" r:id="rId95"/>
   </p:sldIdLst>
   <p:sldSz cx="12192000" cy="6858000"/>
   <p:notesSz cx="6858000" cy="9144000"/>
@@ -294,6 +297,9 @@
             <p14:sldId id="344"/>
             <p14:sldId id="345"/>
             <p14:sldId id="346"/>
+            <p14:sldId id="347"/>
+            <p14:sldId id="348"/>
+            <p14:sldId id="349"/>
           </p14:sldIdLst>
         </p14:section>
       </p14:sectionLst>
@@ -452,7 +458,7 @@
           <a:p>
             <a:fld id="{B0FD79F2-F8AC-467F-AA9E-9C9DDF51E646}" type="datetimeFigureOut">
               <a:rPr lang="en-US" smtClean="0"/>
-              <a:t>1/24/2023</a:t>
+              <a:t>1/25/2023</a:t>
             </a:fld>
             <a:endParaRPr lang="en-US"/>
           </a:p>
@@ -650,7 +656,7 @@
           <a:p>
             <a:fld id="{B0FD79F2-F8AC-467F-AA9E-9C9DDF51E646}" type="datetimeFigureOut">
               <a:rPr lang="en-US" smtClean="0"/>
-              <a:t>1/24/2023</a:t>
+              <a:t>1/25/2023</a:t>
             </a:fld>
             <a:endParaRPr lang="en-US"/>
           </a:p>
@@ -858,7 +864,7 @@
           <a:p>
             <a:fld id="{B0FD79F2-F8AC-467F-AA9E-9C9DDF51E646}" type="datetimeFigureOut">
               <a:rPr lang="en-US" smtClean="0"/>
-              <a:t>1/24/2023</a:t>
+              <a:t>1/25/2023</a:t>
             </a:fld>
             <a:endParaRPr lang="en-US"/>
           </a:p>
@@ -1056,7 +1062,7 @@
           <a:p>
             <a:fld id="{B0FD79F2-F8AC-467F-AA9E-9C9DDF51E646}" type="datetimeFigureOut">
               <a:rPr lang="en-US" smtClean="0"/>
-              <a:t>1/24/2023</a:t>
+              <a:t>1/25/2023</a:t>
             </a:fld>
             <a:endParaRPr lang="en-US"/>
           </a:p>
@@ -1331,7 +1337,7 @@
           <a:p>
             <a:fld id="{B0FD79F2-F8AC-467F-AA9E-9C9DDF51E646}" type="datetimeFigureOut">
               <a:rPr lang="en-US" smtClean="0"/>
-              <a:t>1/24/2023</a:t>
+              <a:t>1/25/2023</a:t>
             </a:fld>
             <a:endParaRPr lang="en-US"/>
           </a:p>
@@ -1596,7 +1602,7 @@
           <a:p>
             <a:fld id="{B0FD79F2-F8AC-467F-AA9E-9C9DDF51E646}" type="datetimeFigureOut">
               <a:rPr lang="en-US" smtClean="0"/>
-              <a:t>1/24/2023</a:t>
+              <a:t>1/25/2023</a:t>
             </a:fld>
             <a:endParaRPr lang="en-US"/>
           </a:p>
@@ -2008,7 +2014,7 @@
           <a:p>
             <a:fld id="{B0FD79F2-F8AC-467F-AA9E-9C9DDF51E646}" type="datetimeFigureOut">
               <a:rPr lang="en-US" smtClean="0"/>
-              <a:t>1/24/2023</a:t>
+              <a:t>1/25/2023</a:t>
             </a:fld>
             <a:endParaRPr lang="en-US"/>
           </a:p>
@@ -2149,7 +2155,7 @@
           <a:p>
             <a:fld id="{B0FD79F2-F8AC-467F-AA9E-9C9DDF51E646}" type="datetimeFigureOut">
               <a:rPr lang="en-US" smtClean="0"/>
-              <a:t>1/24/2023</a:t>
+              <a:t>1/25/2023</a:t>
             </a:fld>
             <a:endParaRPr lang="en-US"/>
           </a:p>
@@ -2262,7 +2268,7 @@
           <a:p>
             <a:fld id="{B0FD79F2-F8AC-467F-AA9E-9C9DDF51E646}" type="datetimeFigureOut">
               <a:rPr lang="en-US" smtClean="0"/>
-              <a:t>1/24/2023</a:t>
+              <a:t>1/25/2023</a:t>
             </a:fld>
             <a:endParaRPr lang="en-US"/>
           </a:p>
@@ -2573,7 +2579,7 @@
           <a:p>
             <a:fld id="{B0FD79F2-F8AC-467F-AA9E-9C9DDF51E646}" type="datetimeFigureOut">
               <a:rPr lang="en-US" smtClean="0"/>
-              <a:t>1/24/2023</a:t>
+              <a:t>1/25/2023</a:t>
             </a:fld>
             <a:endParaRPr lang="en-US"/>
           </a:p>
@@ -2861,7 +2867,7 @@
           <a:p>
             <a:fld id="{B0FD79F2-F8AC-467F-AA9E-9C9DDF51E646}" type="datetimeFigureOut">
               <a:rPr lang="en-US" smtClean="0"/>
-              <a:t>1/24/2023</a:t>
+              <a:t>1/25/2023</a:t>
             </a:fld>
             <a:endParaRPr lang="en-US"/>
           </a:p>
@@ -3102,7 +3108,7 @@
           <a:p>
             <a:fld id="{B0FD79F2-F8AC-467F-AA9E-9C9DDF51E646}" type="datetimeFigureOut">
               <a:rPr lang="en-US" smtClean="0"/>
-              <a:t>1/24/2023</a:t>
+              <a:t>1/25/2023</a:t>
             </a:fld>
             <a:endParaRPr lang="en-US"/>
           </a:p>
@@ -24076,6 +24082,288 @@
 </p:sld>
 </file>
 
+<file path=ppt/slides/slide92.xml><?xml version="1.0" encoding="utf-8"?>
+<p:sld xmlns:a="http://schemas.openxmlformats.org/drawingml/2006/main" xmlns:r="http://schemas.openxmlformats.org/officeDocument/2006/relationships" xmlns:p="http://schemas.openxmlformats.org/presentationml/2006/main">
+  <p:cSld>
+    <p:spTree>
+      <p:nvGrpSpPr>
+        <p:cNvPr id="1" name=""/>
+        <p:cNvGrpSpPr/>
+        <p:nvPr/>
+      </p:nvGrpSpPr>
+      <p:grpSpPr>
+        <a:xfrm>
+          <a:off x="0" y="0"/>
+          <a:ext cx="0" cy="0"/>
+          <a:chOff x="0" y="0"/>
+          <a:chExt cx="0" cy="0"/>
+        </a:xfrm>
+      </p:grpSpPr>
+      <p:sp>
+        <p:nvSpPr>
+          <p:cNvPr id="2" name="Title 1">
+            <a:extLst>
+              <a:ext uri="{FF2B5EF4-FFF2-40B4-BE49-F238E27FC236}">
+                <a16:creationId xmlns:a16="http://schemas.microsoft.com/office/drawing/2014/main" id="{559571CB-054E-EE78-DF87-C71C765F4879}"/>
+              </a:ext>
+            </a:extLst>
+          </p:cNvPr>
+          <p:cNvSpPr>
+            <a:spLocks noGrp="1"/>
+          </p:cNvSpPr>
+          <p:nvPr>
+            <p:ph type="title"/>
+          </p:nvPr>
+        </p:nvSpPr>
+        <p:spPr/>
+        <p:txBody>
+          <a:bodyPr/>
+          <a:lstStyle/>
+          <a:p>
+            <a:r>
+              <a:rPr lang="en-US" dirty="0" err="1"/>
+              <a:t>UseCapture</a:t>
+            </a:r>
+            <a:endParaRPr lang="en-US" dirty="0"/>
+          </a:p>
+        </p:txBody>
+      </p:sp>
+      <p:sp>
+        <p:nvSpPr>
+          <p:cNvPr id="3" name="Content Placeholder 2">
+            <a:extLst>
+              <a:ext uri="{FF2B5EF4-FFF2-40B4-BE49-F238E27FC236}">
+                <a16:creationId xmlns:a16="http://schemas.microsoft.com/office/drawing/2014/main" id="{D15C051D-29F9-1A66-6328-AFACAEBE0C57}"/>
+              </a:ext>
+            </a:extLst>
+          </p:cNvPr>
+          <p:cNvSpPr>
+            <a:spLocks noGrp="1"/>
+          </p:cNvSpPr>
+          <p:nvPr>
+            <p:ph idx="1"/>
+          </p:nvPr>
+        </p:nvSpPr>
+        <p:spPr/>
+        <p:txBody>
+          <a:bodyPr/>
+          <a:lstStyle/>
+          <a:p>
+            <a:pPr marL="0" indent="0">
+              <a:buNone/>
+            </a:pPr>
+            <a:r>
+              <a:rPr lang="en-US" dirty="0" err="1"/>
+              <a:t>addEventListener</a:t>
+            </a:r>
+            <a:r>
+              <a:rPr lang="en-US" dirty="0"/>
+              <a:t>(event, function, </a:t>
+            </a:r>
+            <a:r>
+              <a:rPr lang="en-US" dirty="0" err="1"/>
+              <a:t>useCapture</a:t>
+            </a:r>
+            <a:r>
+              <a:rPr lang="en-US" dirty="0"/>
+              <a:t> );</a:t>
+            </a:r>
+          </a:p>
+        </p:txBody>
+      </p:sp>
+    </p:spTree>
+    <p:extLst>
+      <p:ext uri="{BB962C8B-B14F-4D97-AF65-F5344CB8AC3E}">
+        <p14:creationId xmlns:p14="http://schemas.microsoft.com/office/powerpoint/2010/main" val="683104921"/>
+      </p:ext>
+    </p:extLst>
+  </p:cSld>
+  <p:clrMapOvr>
+    <a:masterClrMapping/>
+  </p:clrMapOvr>
+</p:sld>
+</file>
+
+<file path=ppt/slides/slide93.xml><?xml version="1.0" encoding="utf-8"?>
+<p:sld xmlns:a="http://schemas.openxmlformats.org/drawingml/2006/main" xmlns:r="http://schemas.openxmlformats.org/officeDocument/2006/relationships" xmlns:p="http://schemas.openxmlformats.org/presentationml/2006/main">
+  <p:cSld>
+    <p:spTree>
+      <p:nvGrpSpPr>
+        <p:cNvPr id="1" name=""/>
+        <p:cNvGrpSpPr/>
+        <p:nvPr/>
+      </p:nvGrpSpPr>
+      <p:grpSpPr>
+        <a:xfrm>
+          <a:off x="0" y="0"/>
+          <a:ext cx="0" cy="0"/>
+          <a:chOff x="0" y="0"/>
+          <a:chExt cx="0" cy="0"/>
+        </a:xfrm>
+      </p:grpSpPr>
+      <p:sp>
+        <p:nvSpPr>
+          <p:cNvPr id="2" name="Title 1">
+            <a:extLst>
+              <a:ext uri="{FF2B5EF4-FFF2-40B4-BE49-F238E27FC236}">
+                <a16:creationId xmlns:a16="http://schemas.microsoft.com/office/drawing/2014/main" id="{1401A68C-6145-F2C0-C6C5-310DF68A4B1A}"/>
+              </a:ext>
+            </a:extLst>
+          </p:cNvPr>
+          <p:cNvSpPr>
+            <a:spLocks noGrp="1"/>
+          </p:cNvSpPr>
+          <p:nvPr>
+            <p:ph type="title"/>
+          </p:nvPr>
+        </p:nvSpPr>
+        <p:spPr/>
+        <p:txBody>
+          <a:bodyPr/>
+          <a:lstStyle/>
+          <a:p>
+            <a:r>
+              <a:rPr lang="en-US" dirty="0"/>
+              <a:t>DOM </a:t>
+            </a:r>
+            <a:r>
+              <a:rPr lang="en-US" dirty="0" err="1"/>
+              <a:t>removeEventListener</a:t>
+            </a:r>
+            <a:r>
+              <a:rPr lang="en-US" dirty="0"/>
+              <a:t>()</a:t>
+            </a:r>
+          </a:p>
+        </p:txBody>
+      </p:sp>
+      <p:sp>
+        <p:nvSpPr>
+          <p:cNvPr id="3" name="Content Placeholder 2">
+            <a:extLst>
+              <a:ext uri="{FF2B5EF4-FFF2-40B4-BE49-F238E27FC236}">
+                <a16:creationId xmlns:a16="http://schemas.microsoft.com/office/drawing/2014/main" id="{424A54B3-D593-3C3C-976B-D975A9226B5F}"/>
+              </a:ext>
+            </a:extLst>
+          </p:cNvPr>
+          <p:cNvSpPr>
+            <a:spLocks noGrp="1"/>
+          </p:cNvSpPr>
+          <p:nvPr>
+            <p:ph idx="1"/>
+          </p:nvPr>
+        </p:nvSpPr>
+        <p:spPr/>
+        <p:txBody>
+          <a:bodyPr/>
+          <a:lstStyle/>
+          <a:p>
+            <a:r>
+              <a:rPr lang="en-US" dirty="0" err="1"/>
+              <a:t>Element.removeEventListener</a:t>
+            </a:r>
+            <a:r>
+              <a:rPr lang="en-US" dirty="0"/>
+              <a:t>(“</a:t>
+            </a:r>
+            <a:r>
+              <a:rPr lang="en-US" dirty="0" err="1"/>
+              <a:t>ondblclick</a:t>
+            </a:r>
+            <a:r>
+              <a:rPr lang="en-US" dirty="0"/>
+              <a:t>”,</a:t>
+            </a:r>
+            <a:r>
+              <a:rPr lang="en-US" dirty="0" err="1"/>
+              <a:t>functionName</a:t>
+            </a:r>
+            <a:r>
+              <a:rPr lang="en-US" dirty="0"/>
+              <a:t>);</a:t>
+            </a:r>
+          </a:p>
+        </p:txBody>
+      </p:sp>
+    </p:spTree>
+    <p:extLst>
+      <p:ext uri="{BB962C8B-B14F-4D97-AF65-F5344CB8AC3E}">
+        <p14:creationId xmlns:p14="http://schemas.microsoft.com/office/powerpoint/2010/main" val="3296751711"/>
+      </p:ext>
+    </p:extLst>
+  </p:cSld>
+  <p:clrMapOvr>
+    <a:masterClrMapping/>
+  </p:clrMapOvr>
+</p:sld>
+</file>
+
+<file path=ppt/slides/slide94.xml><?xml version="1.0" encoding="utf-8"?>
+<p:sld xmlns:a="http://schemas.openxmlformats.org/drawingml/2006/main" xmlns:r="http://schemas.openxmlformats.org/officeDocument/2006/relationships" xmlns:p="http://schemas.openxmlformats.org/presentationml/2006/main">
+  <p:cSld>
+    <p:spTree>
+      <p:nvGrpSpPr>
+        <p:cNvPr id="1" name=""/>
+        <p:cNvGrpSpPr/>
+        <p:nvPr/>
+      </p:nvGrpSpPr>
+      <p:grpSpPr>
+        <a:xfrm>
+          <a:off x="0" y="0"/>
+          <a:ext cx="0" cy="0"/>
+          <a:chOff x="0" y="0"/>
+          <a:chExt cx="0" cy="0"/>
+        </a:xfrm>
+      </p:grpSpPr>
+      <p:sp>
+        <p:nvSpPr>
+          <p:cNvPr id="2" name="Title 1">
+            <a:extLst>
+              <a:ext uri="{FF2B5EF4-FFF2-40B4-BE49-F238E27FC236}">
+                <a16:creationId xmlns:a16="http://schemas.microsoft.com/office/drawing/2014/main" id="{9298E442-0237-AC00-5BFE-6C7435861C65}"/>
+              </a:ext>
+            </a:extLst>
+          </p:cNvPr>
+          <p:cNvSpPr>
+            <a:spLocks noGrp="1"/>
+          </p:cNvSpPr>
+          <p:nvPr>
+            <p:ph type="title"/>
+          </p:nvPr>
+        </p:nvSpPr>
+        <p:spPr/>
+        <p:txBody>
+          <a:bodyPr/>
+          <a:lstStyle/>
+          <a:p>
+            <a:r>
+              <a:rPr lang="en-US" dirty="0"/>
+              <a:t>DOM: </a:t>
+            </a:r>
+            <a:r>
+              <a:rPr lang="en-US" dirty="0" err="1"/>
+              <a:t>classList</a:t>
+            </a:r>
+            <a:r>
+              <a:rPr lang="en-US" dirty="0"/>
+              <a:t>() Methods</a:t>
+            </a:r>
+          </a:p>
+        </p:txBody>
+      </p:sp>
+    </p:spTree>
+    <p:extLst>
+      <p:ext uri="{BB962C8B-B14F-4D97-AF65-F5344CB8AC3E}">
+        <p14:creationId xmlns:p14="http://schemas.microsoft.com/office/powerpoint/2010/main" val="3893300684"/>
+      </p:ext>
+    </p:extLst>
+  </p:cSld>
+  <p:clrMapOvr>
+    <a:masterClrMapping/>
+  </p:clrMapOvr>
+</p:sld>
+</file>
+
 <file path=ppt/theme/theme1.xml><?xml version="1.0" encoding="utf-8"?>
 <a:theme xmlns:a="http://schemas.openxmlformats.org/drawingml/2006/main" name="Office Theme">
   <a:themeElements>

--- a/JavaScript.pptx
+++ b/JavaScript.pptx
@@ -99,6 +99,8 @@
     <p:sldId id="347" r:id="rId93"/>
     <p:sldId id="348" r:id="rId94"/>
     <p:sldId id="349" r:id="rId95"/>
+    <p:sldId id="350" r:id="rId96"/>
+    <p:sldId id="351" r:id="rId97"/>
   </p:sldIdLst>
   <p:sldSz cx="12192000" cy="6858000"/>
   <p:notesSz cx="6858000" cy="9144000"/>
@@ -300,6 +302,8 @@
             <p14:sldId id="347"/>
             <p14:sldId id="348"/>
             <p14:sldId id="349"/>
+            <p14:sldId id="350"/>
+            <p14:sldId id="351"/>
           </p14:sldIdLst>
         </p14:section>
       </p14:sectionLst>
@@ -458,7 +462,7 @@
           <a:p>
             <a:fld id="{B0FD79F2-F8AC-467F-AA9E-9C9DDF51E646}" type="datetimeFigureOut">
               <a:rPr lang="en-US" smtClean="0"/>
-              <a:t>1/25/2023</a:t>
+              <a:t>1/26/2023</a:t>
             </a:fld>
             <a:endParaRPr lang="en-US"/>
           </a:p>
@@ -656,7 +660,7 @@
           <a:p>
             <a:fld id="{B0FD79F2-F8AC-467F-AA9E-9C9DDF51E646}" type="datetimeFigureOut">
               <a:rPr lang="en-US" smtClean="0"/>
-              <a:t>1/25/2023</a:t>
+              <a:t>1/26/2023</a:t>
             </a:fld>
             <a:endParaRPr lang="en-US"/>
           </a:p>
@@ -864,7 +868,7 @@
           <a:p>
             <a:fld id="{B0FD79F2-F8AC-467F-AA9E-9C9DDF51E646}" type="datetimeFigureOut">
               <a:rPr lang="en-US" smtClean="0"/>
-              <a:t>1/25/2023</a:t>
+              <a:t>1/26/2023</a:t>
             </a:fld>
             <a:endParaRPr lang="en-US"/>
           </a:p>
@@ -1062,7 +1066,7 @@
           <a:p>
             <a:fld id="{B0FD79F2-F8AC-467F-AA9E-9C9DDF51E646}" type="datetimeFigureOut">
               <a:rPr lang="en-US" smtClean="0"/>
-              <a:t>1/25/2023</a:t>
+              <a:t>1/26/2023</a:t>
             </a:fld>
             <a:endParaRPr lang="en-US"/>
           </a:p>
@@ -1337,7 +1341,7 @@
           <a:p>
             <a:fld id="{B0FD79F2-F8AC-467F-AA9E-9C9DDF51E646}" type="datetimeFigureOut">
               <a:rPr lang="en-US" smtClean="0"/>
-              <a:t>1/25/2023</a:t>
+              <a:t>1/26/2023</a:t>
             </a:fld>
             <a:endParaRPr lang="en-US"/>
           </a:p>
@@ -1602,7 +1606,7 @@
           <a:p>
             <a:fld id="{B0FD79F2-F8AC-467F-AA9E-9C9DDF51E646}" type="datetimeFigureOut">
               <a:rPr lang="en-US" smtClean="0"/>
-              <a:t>1/25/2023</a:t>
+              <a:t>1/26/2023</a:t>
             </a:fld>
             <a:endParaRPr lang="en-US"/>
           </a:p>
@@ -2014,7 +2018,7 @@
           <a:p>
             <a:fld id="{B0FD79F2-F8AC-467F-AA9E-9C9DDF51E646}" type="datetimeFigureOut">
               <a:rPr lang="en-US" smtClean="0"/>
-              <a:t>1/25/2023</a:t>
+              <a:t>1/26/2023</a:t>
             </a:fld>
             <a:endParaRPr lang="en-US"/>
           </a:p>
@@ -2155,7 +2159,7 @@
           <a:p>
             <a:fld id="{B0FD79F2-F8AC-467F-AA9E-9C9DDF51E646}" type="datetimeFigureOut">
               <a:rPr lang="en-US" smtClean="0"/>
-              <a:t>1/25/2023</a:t>
+              <a:t>1/26/2023</a:t>
             </a:fld>
             <a:endParaRPr lang="en-US"/>
           </a:p>
@@ -2268,7 +2272,7 @@
           <a:p>
             <a:fld id="{B0FD79F2-F8AC-467F-AA9E-9C9DDF51E646}" type="datetimeFigureOut">
               <a:rPr lang="en-US" smtClean="0"/>
-              <a:t>1/25/2023</a:t>
+              <a:t>1/26/2023</a:t>
             </a:fld>
             <a:endParaRPr lang="en-US"/>
           </a:p>
@@ -2579,7 +2583,7 @@
           <a:p>
             <a:fld id="{B0FD79F2-F8AC-467F-AA9E-9C9DDF51E646}" type="datetimeFigureOut">
               <a:rPr lang="en-US" smtClean="0"/>
-              <a:t>1/25/2023</a:t>
+              <a:t>1/26/2023</a:t>
             </a:fld>
             <a:endParaRPr lang="en-US"/>
           </a:p>
@@ -2867,7 +2871,7 @@
           <a:p>
             <a:fld id="{B0FD79F2-F8AC-467F-AA9E-9C9DDF51E646}" type="datetimeFigureOut">
               <a:rPr lang="en-US" smtClean="0"/>
-              <a:t>1/25/2023</a:t>
+              <a:t>1/26/2023</a:t>
             </a:fld>
             <a:endParaRPr lang="en-US"/>
           </a:p>
@@ -3108,7 +3112,7 @@
           <a:p>
             <a:fld id="{B0FD79F2-F8AC-467F-AA9E-9C9DDF51E646}" type="datetimeFigureOut">
               <a:rPr lang="en-US" smtClean="0"/>
-              <a:t>1/25/2023</a:t>
+              <a:t>1/26/2023</a:t>
             </a:fld>
             <a:endParaRPr lang="en-US"/>
           </a:p>
@@ -24351,10 +24355,1171 @@
           </a:p>
         </p:txBody>
       </p:sp>
+      <p:sp>
+        <p:nvSpPr>
+          <p:cNvPr id="3" name="TextBox 2">
+            <a:extLst>
+              <a:ext uri="{FF2B5EF4-FFF2-40B4-BE49-F238E27FC236}">
+                <a16:creationId xmlns:a16="http://schemas.microsoft.com/office/drawing/2014/main" id="{03A4D8B9-6FBA-E2DE-11C1-30736FFA64F2}"/>
+              </a:ext>
+            </a:extLst>
+          </p:cNvPr>
+          <p:cNvSpPr txBox="1"/>
+          <p:nvPr/>
+        </p:nvSpPr>
+        <p:spPr>
+          <a:xfrm>
+            <a:off x="1651379" y="2265528"/>
+            <a:ext cx="5054332" cy="3416320"/>
+          </a:xfrm>
+          <a:prstGeom prst="rect">
+            <a:avLst/>
+          </a:prstGeom>
+          <a:noFill/>
+        </p:spPr>
+        <p:txBody>
+          <a:bodyPr wrap="none" rtlCol="0">
+            <a:spAutoFit/>
+          </a:bodyPr>
+          <a:lstStyle/>
+          <a:p>
+            <a:pPr marL="285750" indent="-285750">
+              <a:buFont typeface="Arial" panose="020B0604020202020204" pitchFamily="34" charset="0"/>
+              <a:buChar char="•"/>
+            </a:pPr>
+            <a:r>
+              <a:rPr lang="en-US" sz="3600" dirty="0"/>
+              <a:t>Add(class1,class2,…..)</a:t>
+            </a:r>
+          </a:p>
+          <a:p>
+            <a:pPr marL="285750" indent="-285750">
+              <a:buFont typeface="Arial" panose="020B0604020202020204" pitchFamily="34" charset="0"/>
+              <a:buChar char="•"/>
+            </a:pPr>
+            <a:r>
+              <a:rPr lang="en-US" sz="3600" dirty="0"/>
+              <a:t>Remove(class1,class2,…)</a:t>
+            </a:r>
+          </a:p>
+          <a:p>
+            <a:pPr marL="285750" indent="-285750">
+              <a:buFont typeface="Arial" panose="020B0604020202020204" pitchFamily="34" charset="0"/>
+              <a:buChar char="•"/>
+            </a:pPr>
+            <a:r>
+              <a:rPr lang="en-US" sz="3600" dirty="0"/>
+              <a:t>Toggle(class)</a:t>
+            </a:r>
+          </a:p>
+          <a:p>
+            <a:pPr marL="285750" indent="-285750">
+              <a:buFont typeface="Arial" panose="020B0604020202020204" pitchFamily="34" charset="0"/>
+              <a:buChar char="•"/>
+            </a:pPr>
+            <a:r>
+              <a:rPr lang="en-US" sz="3600" dirty="0"/>
+              <a:t>Contains(class)</a:t>
+            </a:r>
+          </a:p>
+          <a:p>
+            <a:pPr marL="285750" indent="-285750">
+              <a:buFont typeface="Arial" panose="020B0604020202020204" pitchFamily="34" charset="0"/>
+              <a:buChar char="•"/>
+            </a:pPr>
+            <a:r>
+              <a:rPr lang="en-US" sz="3600" dirty="0"/>
+              <a:t>Item(index)</a:t>
+            </a:r>
+          </a:p>
+          <a:p>
+            <a:pPr marL="285750" indent="-285750">
+              <a:buFont typeface="Arial" panose="020B0604020202020204" pitchFamily="34" charset="0"/>
+              <a:buChar char="•"/>
+            </a:pPr>
+            <a:r>
+              <a:rPr lang="en-US" sz="3600" dirty="0"/>
+              <a:t>length</a:t>
+            </a:r>
+          </a:p>
+        </p:txBody>
+      </p:sp>
     </p:spTree>
     <p:extLst>
       <p:ext uri="{BB962C8B-B14F-4D97-AF65-F5344CB8AC3E}">
         <p14:creationId xmlns:p14="http://schemas.microsoft.com/office/powerpoint/2010/main" val="3893300684"/>
+      </p:ext>
+    </p:extLst>
+  </p:cSld>
+  <p:clrMapOvr>
+    <a:masterClrMapping/>
+  </p:clrMapOvr>
+</p:sld>
+</file>
+
+<file path=ppt/slides/slide95.xml><?xml version="1.0" encoding="utf-8"?>
+<p:sld xmlns:a="http://schemas.openxmlformats.org/drawingml/2006/main" xmlns:r="http://schemas.openxmlformats.org/officeDocument/2006/relationships" xmlns:p="http://schemas.openxmlformats.org/presentationml/2006/main">
+  <p:cSld>
+    <p:spTree>
+      <p:nvGrpSpPr>
+        <p:cNvPr id="1" name=""/>
+        <p:cNvGrpSpPr/>
+        <p:nvPr/>
+      </p:nvGrpSpPr>
+      <p:grpSpPr>
+        <a:xfrm>
+          <a:off x="0" y="0"/>
+          <a:ext cx="0" cy="0"/>
+          <a:chOff x="0" y="0"/>
+          <a:chExt cx="0" cy="0"/>
+        </a:xfrm>
+      </p:grpSpPr>
+      <p:sp>
+        <p:nvSpPr>
+          <p:cNvPr id="2" name="Title 1">
+            <a:extLst>
+              <a:ext uri="{FF2B5EF4-FFF2-40B4-BE49-F238E27FC236}">
+                <a16:creationId xmlns:a16="http://schemas.microsoft.com/office/drawing/2014/main" id="{AE24E4FA-F158-9129-B006-62B71E061C90}"/>
+              </a:ext>
+            </a:extLst>
+          </p:cNvPr>
+          <p:cNvSpPr>
+            <a:spLocks noGrp="1"/>
+          </p:cNvSpPr>
+          <p:nvPr>
+            <p:ph type="title"/>
+          </p:nvPr>
+        </p:nvSpPr>
+        <p:spPr/>
+        <p:txBody>
+          <a:bodyPr/>
+          <a:lstStyle/>
+          <a:p>
+            <a:r>
+              <a:rPr lang="en-US" dirty="0"/>
+              <a:t>DOM: Traversal Methods</a:t>
+            </a:r>
+          </a:p>
+        </p:txBody>
+      </p:sp>
+      <p:sp>
+        <p:nvSpPr>
+          <p:cNvPr id="3" name="Content Placeholder 2">
+            <a:extLst>
+              <a:ext uri="{FF2B5EF4-FFF2-40B4-BE49-F238E27FC236}">
+                <a16:creationId xmlns:a16="http://schemas.microsoft.com/office/drawing/2014/main" id="{2D2461C4-2803-1FA1-9A18-478B3BD20C51}"/>
+              </a:ext>
+            </a:extLst>
+          </p:cNvPr>
+          <p:cNvSpPr>
+            <a:spLocks noGrp="1"/>
+          </p:cNvSpPr>
+          <p:nvPr>
+            <p:ph idx="1"/>
+          </p:nvPr>
+        </p:nvSpPr>
+        <p:spPr/>
+        <p:txBody>
+          <a:bodyPr numCol="2"/>
+          <a:lstStyle/>
+          <a:p>
+            <a:r>
+              <a:rPr lang="en-US" dirty="0" err="1"/>
+              <a:t>parentNode</a:t>
+            </a:r>
+            <a:endParaRPr lang="en-US" dirty="0"/>
+          </a:p>
+          <a:p>
+            <a:r>
+              <a:rPr lang="en-US" dirty="0" err="1"/>
+              <a:t>parentElement</a:t>
+            </a:r>
+            <a:endParaRPr lang="en-US" dirty="0"/>
+          </a:p>
+          <a:p>
+            <a:r>
+              <a:rPr lang="en-US" dirty="0" err="1"/>
+              <a:t>Childern</a:t>
+            </a:r>
+            <a:endParaRPr lang="en-US" dirty="0"/>
+          </a:p>
+          <a:p>
+            <a:r>
+              <a:rPr lang="en-US" dirty="0" err="1"/>
+              <a:t>childNodes</a:t>
+            </a:r>
+            <a:endParaRPr lang="en-US" dirty="0"/>
+          </a:p>
+          <a:p>
+            <a:r>
+              <a:rPr lang="en-US" dirty="0" err="1"/>
+              <a:t>firstChild</a:t>
+            </a:r>
+            <a:endParaRPr lang="en-US" dirty="0"/>
+          </a:p>
+          <a:p>
+            <a:r>
+              <a:rPr lang="en-US" dirty="0" err="1"/>
+              <a:t>firstElementChild</a:t>
+            </a:r>
+            <a:endParaRPr lang="en-US" dirty="0"/>
+          </a:p>
+          <a:p>
+            <a:r>
+              <a:rPr lang="en-US" dirty="0" err="1"/>
+              <a:t>lastChild</a:t>
+            </a:r>
+            <a:endParaRPr lang="en-US" dirty="0"/>
+          </a:p>
+          <a:p>
+            <a:r>
+              <a:rPr lang="en-US" dirty="0" err="1"/>
+              <a:t>lastElementChild</a:t>
+            </a:r>
+            <a:endParaRPr lang="en-US" dirty="0"/>
+          </a:p>
+          <a:p>
+            <a:r>
+              <a:rPr lang="en-US" dirty="0" err="1"/>
+              <a:t>nextElementSibling</a:t>
+            </a:r>
+            <a:endParaRPr lang="en-US" dirty="0"/>
+          </a:p>
+          <a:p>
+            <a:r>
+              <a:rPr lang="en-US" dirty="0" err="1"/>
+              <a:t>nextSibling</a:t>
+            </a:r>
+            <a:endParaRPr lang="en-US" dirty="0"/>
+          </a:p>
+          <a:p>
+            <a:r>
+              <a:rPr lang="en-US" dirty="0" err="1"/>
+              <a:t>previousElementSilbling</a:t>
+            </a:r>
+            <a:endParaRPr lang="en-US" dirty="0"/>
+          </a:p>
+          <a:p>
+            <a:r>
+              <a:rPr lang="en-US" dirty="0" err="1"/>
+              <a:t>previousSibling</a:t>
+            </a:r>
+            <a:endParaRPr lang="en-US" dirty="0"/>
+          </a:p>
+        </p:txBody>
+      </p:sp>
+    </p:spTree>
+    <p:extLst>
+      <p:ext uri="{BB962C8B-B14F-4D97-AF65-F5344CB8AC3E}">
+        <p14:creationId xmlns:p14="http://schemas.microsoft.com/office/powerpoint/2010/main" val="932638561"/>
+      </p:ext>
+    </p:extLst>
+  </p:cSld>
+  <p:clrMapOvr>
+    <a:masterClrMapping/>
+  </p:clrMapOvr>
+</p:sld>
+</file>
+
+<file path=ppt/slides/slide96.xml><?xml version="1.0" encoding="utf-8"?>
+<p:sld xmlns:a="http://schemas.openxmlformats.org/drawingml/2006/main" xmlns:r="http://schemas.openxmlformats.org/officeDocument/2006/relationships" xmlns:p="http://schemas.openxmlformats.org/presentationml/2006/main">
+  <p:cSld>
+    <p:spTree>
+      <p:nvGrpSpPr>
+        <p:cNvPr id="1" name=""/>
+        <p:cNvGrpSpPr/>
+        <p:nvPr/>
+      </p:nvGrpSpPr>
+      <p:grpSpPr>
+        <a:xfrm>
+          <a:off x="0" y="0"/>
+          <a:ext cx="0" cy="0"/>
+          <a:chOff x="0" y="0"/>
+          <a:chExt cx="0" cy="0"/>
+        </a:xfrm>
+      </p:grpSpPr>
+      <p:sp>
+        <p:nvSpPr>
+          <p:cNvPr id="4" name="Rectangle 3">
+            <a:extLst>
+              <a:ext uri="{FF2B5EF4-FFF2-40B4-BE49-F238E27FC236}">
+                <a16:creationId xmlns:a16="http://schemas.microsoft.com/office/drawing/2014/main" id="{6A3AD36B-B470-690E-9262-9DAD67B81A2F}"/>
+              </a:ext>
+            </a:extLst>
+          </p:cNvPr>
+          <p:cNvSpPr/>
+          <p:nvPr/>
+        </p:nvSpPr>
+        <p:spPr>
+          <a:xfrm>
+            <a:off x="4844955" y="545910"/>
+            <a:ext cx="2006221" cy="614150"/>
+          </a:xfrm>
+          <a:prstGeom prst="rect">
+            <a:avLst/>
+          </a:prstGeom>
+        </p:spPr>
+        <p:style>
+          <a:lnRef idx="2">
+            <a:schemeClr val="accent1">
+              <a:shade val="50000"/>
+            </a:schemeClr>
+          </a:lnRef>
+          <a:fillRef idx="1">
+            <a:schemeClr val="accent1"/>
+          </a:fillRef>
+          <a:effectRef idx="0">
+            <a:schemeClr val="accent1"/>
+          </a:effectRef>
+          <a:fontRef idx="minor">
+            <a:schemeClr val="lt1"/>
+          </a:fontRef>
+        </p:style>
+        <p:txBody>
+          <a:bodyPr rtlCol="0" anchor="ctr"/>
+          <a:lstStyle/>
+          <a:p>
+            <a:pPr algn="ctr"/>
+            <a:r>
+              <a:rPr lang="en-US" dirty="0"/>
+              <a:t>A</a:t>
+            </a:r>
+          </a:p>
+        </p:txBody>
+      </p:sp>
+      <p:sp>
+        <p:nvSpPr>
+          <p:cNvPr id="5" name="Rectangle 4">
+            <a:extLst>
+              <a:ext uri="{FF2B5EF4-FFF2-40B4-BE49-F238E27FC236}">
+                <a16:creationId xmlns:a16="http://schemas.microsoft.com/office/drawing/2014/main" id="{849D26EE-D855-7ECB-8EA1-E6427638A6A5}"/>
+              </a:ext>
+            </a:extLst>
+          </p:cNvPr>
+          <p:cNvSpPr/>
+          <p:nvPr/>
+        </p:nvSpPr>
+        <p:spPr>
+          <a:xfrm>
+            <a:off x="739254" y="1803779"/>
+            <a:ext cx="2006221" cy="614150"/>
+          </a:xfrm>
+          <a:prstGeom prst="rect">
+            <a:avLst/>
+          </a:prstGeom>
+        </p:spPr>
+        <p:style>
+          <a:lnRef idx="2">
+            <a:schemeClr val="accent1">
+              <a:shade val="50000"/>
+            </a:schemeClr>
+          </a:lnRef>
+          <a:fillRef idx="1">
+            <a:schemeClr val="accent1"/>
+          </a:fillRef>
+          <a:effectRef idx="0">
+            <a:schemeClr val="accent1"/>
+          </a:effectRef>
+          <a:fontRef idx="minor">
+            <a:schemeClr val="lt1"/>
+          </a:fontRef>
+        </p:style>
+        <p:txBody>
+          <a:bodyPr rtlCol="0" anchor="ctr"/>
+          <a:lstStyle/>
+          <a:p>
+            <a:pPr algn="ctr"/>
+            <a:r>
+              <a:rPr lang="en-US" dirty="0"/>
+              <a:t>B</a:t>
+            </a:r>
+          </a:p>
+        </p:txBody>
+      </p:sp>
+      <p:sp>
+        <p:nvSpPr>
+          <p:cNvPr id="6" name="Rectangle 5">
+            <a:extLst>
+              <a:ext uri="{FF2B5EF4-FFF2-40B4-BE49-F238E27FC236}">
+                <a16:creationId xmlns:a16="http://schemas.microsoft.com/office/drawing/2014/main" id="{854789D0-8442-41EB-B17C-353277BFF416}"/>
+              </a:ext>
+            </a:extLst>
+          </p:cNvPr>
+          <p:cNvSpPr/>
+          <p:nvPr/>
+        </p:nvSpPr>
+        <p:spPr>
+          <a:xfrm>
+            <a:off x="3277737" y="1803779"/>
+            <a:ext cx="2006221" cy="614150"/>
+          </a:xfrm>
+          <a:prstGeom prst="rect">
+            <a:avLst/>
+          </a:prstGeom>
+        </p:spPr>
+        <p:style>
+          <a:lnRef idx="2">
+            <a:schemeClr val="accent1">
+              <a:shade val="50000"/>
+            </a:schemeClr>
+          </a:lnRef>
+          <a:fillRef idx="1">
+            <a:schemeClr val="accent1"/>
+          </a:fillRef>
+          <a:effectRef idx="0">
+            <a:schemeClr val="accent1"/>
+          </a:effectRef>
+          <a:fontRef idx="minor">
+            <a:schemeClr val="lt1"/>
+          </a:fontRef>
+        </p:style>
+        <p:txBody>
+          <a:bodyPr rtlCol="0" anchor="ctr"/>
+          <a:lstStyle/>
+          <a:p>
+            <a:pPr algn="ctr"/>
+            <a:r>
+              <a:rPr lang="en-US" dirty="0"/>
+              <a:t>C</a:t>
+            </a:r>
+          </a:p>
+        </p:txBody>
+      </p:sp>
+      <p:sp>
+        <p:nvSpPr>
+          <p:cNvPr id="7" name="Rectangle 6">
+            <a:extLst>
+              <a:ext uri="{FF2B5EF4-FFF2-40B4-BE49-F238E27FC236}">
+                <a16:creationId xmlns:a16="http://schemas.microsoft.com/office/drawing/2014/main" id="{EC2B0777-7BAA-7B83-0FB7-C9342B2009F4}"/>
+              </a:ext>
+            </a:extLst>
+          </p:cNvPr>
+          <p:cNvSpPr/>
+          <p:nvPr/>
+        </p:nvSpPr>
+        <p:spPr>
+          <a:xfrm>
+            <a:off x="5816220" y="1803779"/>
+            <a:ext cx="2006221" cy="614150"/>
+          </a:xfrm>
+          <a:prstGeom prst="rect">
+            <a:avLst/>
+          </a:prstGeom>
+        </p:spPr>
+        <p:style>
+          <a:lnRef idx="2">
+            <a:schemeClr val="accent1">
+              <a:shade val="50000"/>
+            </a:schemeClr>
+          </a:lnRef>
+          <a:fillRef idx="1">
+            <a:schemeClr val="accent1"/>
+          </a:fillRef>
+          <a:effectRef idx="0">
+            <a:schemeClr val="accent1"/>
+          </a:effectRef>
+          <a:fontRef idx="minor">
+            <a:schemeClr val="lt1"/>
+          </a:fontRef>
+        </p:style>
+        <p:txBody>
+          <a:bodyPr rtlCol="0" anchor="ctr"/>
+          <a:lstStyle/>
+          <a:p>
+            <a:pPr algn="ctr"/>
+            <a:r>
+              <a:rPr lang="en-US" dirty="0"/>
+              <a:t>D</a:t>
+            </a:r>
+          </a:p>
+        </p:txBody>
+      </p:sp>
+      <p:sp>
+        <p:nvSpPr>
+          <p:cNvPr id="8" name="Rectangle 7">
+            <a:extLst>
+              <a:ext uri="{FF2B5EF4-FFF2-40B4-BE49-F238E27FC236}">
+                <a16:creationId xmlns:a16="http://schemas.microsoft.com/office/drawing/2014/main" id="{EA37D1A3-96F7-6683-D2E9-9157E598736C}"/>
+              </a:ext>
+            </a:extLst>
+          </p:cNvPr>
+          <p:cNvSpPr/>
+          <p:nvPr/>
+        </p:nvSpPr>
+        <p:spPr>
+          <a:xfrm>
+            <a:off x="8231875" y="1803779"/>
+            <a:ext cx="2006221" cy="614150"/>
+          </a:xfrm>
+          <a:prstGeom prst="rect">
+            <a:avLst/>
+          </a:prstGeom>
+        </p:spPr>
+        <p:style>
+          <a:lnRef idx="2">
+            <a:schemeClr val="accent1">
+              <a:shade val="50000"/>
+            </a:schemeClr>
+          </a:lnRef>
+          <a:fillRef idx="1">
+            <a:schemeClr val="accent1"/>
+          </a:fillRef>
+          <a:effectRef idx="0">
+            <a:schemeClr val="accent1"/>
+          </a:effectRef>
+          <a:fontRef idx="minor">
+            <a:schemeClr val="lt1"/>
+          </a:fontRef>
+        </p:style>
+        <p:txBody>
+          <a:bodyPr rtlCol="0" anchor="ctr"/>
+          <a:lstStyle/>
+          <a:p>
+            <a:pPr algn="ctr"/>
+            <a:r>
+              <a:rPr lang="en-US" dirty="0"/>
+              <a:t>E</a:t>
+            </a:r>
+          </a:p>
+        </p:txBody>
+      </p:sp>
+      <p:sp>
+        <p:nvSpPr>
+          <p:cNvPr id="9" name="Rectangle 8">
+            <a:extLst>
+              <a:ext uri="{FF2B5EF4-FFF2-40B4-BE49-F238E27FC236}">
+                <a16:creationId xmlns:a16="http://schemas.microsoft.com/office/drawing/2014/main" id="{4C7F9465-531F-E24D-54E9-45E5CE2180E8}"/>
+              </a:ext>
+            </a:extLst>
+          </p:cNvPr>
+          <p:cNvSpPr/>
+          <p:nvPr/>
+        </p:nvSpPr>
+        <p:spPr>
+          <a:xfrm>
+            <a:off x="10647530" y="1803779"/>
+            <a:ext cx="1298811" cy="614150"/>
+          </a:xfrm>
+          <a:prstGeom prst="rect">
+            <a:avLst/>
+          </a:prstGeom>
+        </p:spPr>
+        <p:style>
+          <a:lnRef idx="2">
+            <a:schemeClr val="accent1">
+              <a:shade val="50000"/>
+            </a:schemeClr>
+          </a:lnRef>
+          <a:fillRef idx="1">
+            <a:schemeClr val="accent1"/>
+          </a:fillRef>
+          <a:effectRef idx="0">
+            <a:schemeClr val="accent1"/>
+          </a:effectRef>
+          <a:fontRef idx="minor">
+            <a:schemeClr val="lt1"/>
+          </a:fontRef>
+        </p:style>
+        <p:txBody>
+          <a:bodyPr rtlCol="0" anchor="ctr"/>
+          <a:lstStyle/>
+          <a:p>
+            <a:pPr algn="ctr"/>
+            <a:r>
+              <a:rPr lang="en-US" dirty="0"/>
+              <a:t>F</a:t>
+            </a:r>
+          </a:p>
+        </p:txBody>
+      </p:sp>
+      <p:cxnSp>
+        <p:nvCxnSpPr>
+          <p:cNvPr id="11" name="Connector: Elbow 10">
+            <a:extLst>
+              <a:ext uri="{FF2B5EF4-FFF2-40B4-BE49-F238E27FC236}">
+                <a16:creationId xmlns:a16="http://schemas.microsoft.com/office/drawing/2014/main" id="{83EE3966-FE17-987A-4C1F-52C39EFA9F55}"/>
+              </a:ext>
+            </a:extLst>
+          </p:cNvPr>
+          <p:cNvCxnSpPr>
+            <a:stCxn id="4" idx="2"/>
+            <a:endCxn id="5" idx="0"/>
+          </p:cNvCxnSpPr>
+          <p:nvPr/>
+        </p:nvCxnSpPr>
+        <p:spPr>
+          <a:xfrm rot="5400000">
+            <a:off x="3473357" y="-570931"/>
+            <a:ext cx="643719" cy="4105701"/>
+          </a:xfrm>
+          <a:prstGeom prst="bentConnector3">
+            <a:avLst/>
+          </a:prstGeom>
+          <a:ln>
+            <a:tailEnd type="triangle"/>
+          </a:ln>
+        </p:spPr>
+        <p:style>
+          <a:lnRef idx="1">
+            <a:schemeClr val="accent1"/>
+          </a:lnRef>
+          <a:fillRef idx="0">
+            <a:schemeClr val="accent1"/>
+          </a:fillRef>
+          <a:effectRef idx="0">
+            <a:schemeClr val="accent1"/>
+          </a:effectRef>
+          <a:fontRef idx="minor">
+            <a:schemeClr val="tx1"/>
+          </a:fontRef>
+        </p:style>
+      </p:cxnSp>
+      <p:cxnSp>
+        <p:nvCxnSpPr>
+          <p:cNvPr id="15" name="Connector: Elbow 14">
+            <a:extLst>
+              <a:ext uri="{FF2B5EF4-FFF2-40B4-BE49-F238E27FC236}">
+                <a16:creationId xmlns:a16="http://schemas.microsoft.com/office/drawing/2014/main" id="{A702249E-5BE7-7A50-75B1-71E091374F32}"/>
+              </a:ext>
+            </a:extLst>
+          </p:cNvPr>
+          <p:cNvCxnSpPr>
+            <a:stCxn id="4" idx="2"/>
+            <a:endCxn id="6" idx="0"/>
+          </p:cNvCxnSpPr>
+          <p:nvPr/>
+        </p:nvCxnSpPr>
+        <p:spPr>
+          <a:xfrm rot="5400000">
+            <a:off x="4742598" y="698310"/>
+            <a:ext cx="643719" cy="1567218"/>
+          </a:xfrm>
+          <a:prstGeom prst="bentConnector3">
+            <a:avLst/>
+          </a:prstGeom>
+          <a:ln>
+            <a:tailEnd type="triangle"/>
+          </a:ln>
+        </p:spPr>
+        <p:style>
+          <a:lnRef idx="1">
+            <a:schemeClr val="accent1"/>
+          </a:lnRef>
+          <a:fillRef idx="0">
+            <a:schemeClr val="accent1"/>
+          </a:fillRef>
+          <a:effectRef idx="0">
+            <a:schemeClr val="accent1"/>
+          </a:effectRef>
+          <a:fontRef idx="minor">
+            <a:schemeClr val="tx1"/>
+          </a:fontRef>
+        </p:style>
+      </p:cxnSp>
+      <p:cxnSp>
+        <p:nvCxnSpPr>
+          <p:cNvPr id="17" name="Connector: Elbow 16">
+            <a:extLst>
+              <a:ext uri="{FF2B5EF4-FFF2-40B4-BE49-F238E27FC236}">
+                <a16:creationId xmlns:a16="http://schemas.microsoft.com/office/drawing/2014/main" id="{B0B3F103-58FF-9540-DA52-94CEBD4D6B9C}"/>
+              </a:ext>
+            </a:extLst>
+          </p:cNvPr>
+          <p:cNvCxnSpPr>
+            <a:stCxn id="4" idx="2"/>
+            <a:endCxn id="7" idx="0"/>
+          </p:cNvCxnSpPr>
+          <p:nvPr/>
+        </p:nvCxnSpPr>
+        <p:spPr>
+          <a:xfrm rot="16200000" flipH="1">
+            <a:off x="6011839" y="996286"/>
+            <a:ext cx="643719" cy="971265"/>
+          </a:xfrm>
+          <a:prstGeom prst="bentConnector3">
+            <a:avLst/>
+          </a:prstGeom>
+          <a:ln>
+            <a:tailEnd type="triangle"/>
+          </a:ln>
+        </p:spPr>
+        <p:style>
+          <a:lnRef idx="1">
+            <a:schemeClr val="accent1"/>
+          </a:lnRef>
+          <a:fillRef idx="0">
+            <a:schemeClr val="accent1"/>
+          </a:fillRef>
+          <a:effectRef idx="0">
+            <a:schemeClr val="accent1"/>
+          </a:effectRef>
+          <a:fontRef idx="minor">
+            <a:schemeClr val="tx1"/>
+          </a:fontRef>
+        </p:style>
+      </p:cxnSp>
+      <p:cxnSp>
+        <p:nvCxnSpPr>
+          <p:cNvPr id="19" name="Connector: Elbow 18">
+            <a:extLst>
+              <a:ext uri="{FF2B5EF4-FFF2-40B4-BE49-F238E27FC236}">
+                <a16:creationId xmlns:a16="http://schemas.microsoft.com/office/drawing/2014/main" id="{14F4B950-EB83-D47E-E1BF-3D5AC611C58F}"/>
+              </a:ext>
+            </a:extLst>
+          </p:cNvPr>
+          <p:cNvCxnSpPr>
+            <a:stCxn id="4" idx="2"/>
+            <a:endCxn id="8" idx="0"/>
+          </p:cNvCxnSpPr>
+          <p:nvPr/>
+        </p:nvCxnSpPr>
+        <p:spPr>
+          <a:xfrm rot="16200000" flipH="1">
+            <a:off x="7219667" y="-211541"/>
+            <a:ext cx="643719" cy="3386920"/>
+          </a:xfrm>
+          <a:prstGeom prst="bentConnector3">
+            <a:avLst/>
+          </a:prstGeom>
+          <a:ln>
+            <a:tailEnd type="triangle"/>
+          </a:ln>
+        </p:spPr>
+        <p:style>
+          <a:lnRef idx="1">
+            <a:schemeClr val="accent1"/>
+          </a:lnRef>
+          <a:fillRef idx="0">
+            <a:schemeClr val="accent1"/>
+          </a:fillRef>
+          <a:effectRef idx="0">
+            <a:schemeClr val="accent1"/>
+          </a:effectRef>
+          <a:fontRef idx="minor">
+            <a:schemeClr val="tx1"/>
+          </a:fontRef>
+        </p:style>
+      </p:cxnSp>
+      <p:cxnSp>
+        <p:nvCxnSpPr>
+          <p:cNvPr id="21" name="Connector: Elbow 20">
+            <a:extLst>
+              <a:ext uri="{FF2B5EF4-FFF2-40B4-BE49-F238E27FC236}">
+                <a16:creationId xmlns:a16="http://schemas.microsoft.com/office/drawing/2014/main" id="{5C568185-C199-299F-F603-111CAD7F2AB2}"/>
+              </a:ext>
+            </a:extLst>
+          </p:cNvPr>
+          <p:cNvCxnSpPr>
+            <a:stCxn id="4" idx="2"/>
+            <a:endCxn id="9" idx="0"/>
+          </p:cNvCxnSpPr>
+          <p:nvPr/>
+        </p:nvCxnSpPr>
+        <p:spPr>
+          <a:xfrm rot="16200000" flipH="1">
+            <a:off x="8250642" y="-1242516"/>
+            <a:ext cx="643719" cy="5448870"/>
+          </a:xfrm>
+          <a:prstGeom prst="bentConnector3">
+            <a:avLst/>
+          </a:prstGeom>
+          <a:ln>
+            <a:tailEnd type="triangle"/>
+          </a:ln>
+        </p:spPr>
+        <p:style>
+          <a:lnRef idx="1">
+            <a:schemeClr val="accent1"/>
+          </a:lnRef>
+          <a:fillRef idx="0">
+            <a:schemeClr val="accent1"/>
+          </a:fillRef>
+          <a:effectRef idx="0">
+            <a:schemeClr val="accent1"/>
+          </a:effectRef>
+          <a:fontRef idx="minor">
+            <a:schemeClr val="tx1"/>
+          </a:fontRef>
+        </p:style>
+      </p:cxnSp>
+      <p:cxnSp>
+        <p:nvCxnSpPr>
+          <p:cNvPr id="23" name="Straight Arrow Connector 22">
+            <a:extLst>
+              <a:ext uri="{FF2B5EF4-FFF2-40B4-BE49-F238E27FC236}">
+                <a16:creationId xmlns:a16="http://schemas.microsoft.com/office/drawing/2014/main" id="{0721C9E6-21E5-699F-3753-4DB81ADD2405}"/>
+              </a:ext>
+            </a:extLst>
+          </p:cNvPr>
+          <p:cNvCxnSpPr>
+            <a:cxnSpLocks/>
+          </p:cNvCxnSpPr>
+          <p:nvPr/>
+        </p:nvCxnSpPr>
+        <p:spPr>
+          <a:xfrm flipH="1">
+            <a:off x="7249237" y="791570"/>
+            <a:ext cx="830238" cy="0"/>
+          </a:xfrm>
+          <a:prstGeom prst="straightConnector1">
+            <a:avLst/>
+          </a:prstGeom>
+          <a:ln>
+            <a:tailEnd type="triangle"/>
+          </a:ln>
+        </p:spPr>
+        <p:style>
+          <a:lnRef idx="1">
+            <a:schemeClr val="accent1"/>
+          </a:lnRef>
+          <a:fillRef idx="0">
+            <a:schemeClr val="accent1"/>
+          </a:fillRef>
+          <a:effectRef idx="0">
+            <a:schemeClr val="accent1"/>
+          </a:effectRef>
+          <a:fontRef idx="minor">
+            <a:schemeClr val="tx1"/>
+          </a:fontRef>
+        </p:style>
+      </p:cxnSp>
+      <p:sp>
+        <p:nvSpPr>
+          <p:cNvPr id="26" name="TextBox 25">
+            <a:extLst>
+              <a:ext uri="{FF2B5EF4-FFF2-40B4-BE49-F238E27FC236}">
+                <a16:creationId xmlns:a16="http://schemas.microsoft.com/office/drawing/2014/main" id="{62695B02-3FB0-74D7-09FF-4EA6ABA1AD35}"/>
+              </a:ext>
+            </a:extLst>
+          </p:cNvPr>
+          <p:cNvSpPr txBox="1"/>
+          <p:nvPr/>
+        </p:nvSpPr>
+        <p:spPr>
+          <a:xfrm>
+            <a:off x="8231875" y="586852"/>
+            <a:ext cx="1628010" cy="369332"/>
+          </a:xfrm>
+          <a:prstGeom prst="rect">
+            <a:avLst/>
+          </a:prstGeom>
+          <a:noFill/>
+        </p:spPr>
+        <p:txBody>
+          <a:bodyPr wrap="none" rtlCol="0">
+            <a:spAutoFit/>
+          </a:bodyPr>
+          <a:lstStyle/>
+          <a:p>
+            <a:r>
+              <a:rPr lang="en-US" dirty="0"/>
+              <a:t>Parent Element</a:t>
+            </a:r>
+          </a:p>
+        </p:txBody>
+      </p:sp>
+      <p:cxnSp>
+        <p:nvCxnSpPr>
+          <p:cNvPr id="28" name="Straight Arrow Connector 27">
+            <a:extLst>
+              <a:ext uri="{FF2B5EF4-FFF2-40B4-BE49-F238E27FC236}">
+                <a16:creationId xmlns:a16="http://schemas.microsoft.com/office/drawing/2014/main" id="{7904854F-8EFA-27A8-8AC4-86A739E49A19}"/>
+              </a:ext>
+            </a:extLst>
+          </p:cNvPr>
+          <p:cNvCxnSpPr/>
+          <p:nvPr/>
+        </p:nvCxnSpPr>
+        <p:spPr>
+          <a:xfrm flipV="1">
+            <a:off x="382137" y="2593075"/>
+            <a:ext cx="696036" cy="450376"/>
+          </a:xfrm>
+          <a:prstGeom prst="straightConnector1">
+            <a:avLst/>
+          </a:prstGeom>
+          <a:ln>
+            <a:tailEnd type="triangle"/>
+          </a:ln>
+        </p:spPr>
+        <p:style>
+          <a:lnRef idx="1">
+            <a:schemeClr val="accent1"/>
+          </a:lnRef>
+          <a:fillRef idx="0">
+            <a:schemeClr val="accent1"/>
+          </a:fillRef>
+          <a:effectRef idx="0">
+            <a:schemeClr val="accent1"/>
+          </a:effectRef>
+          <a:fontRef idx="minor">
+            <a:schemeClr val="tx1"/>
+          </a:fontRef>
+        </p:style>
+      </p:cxnSp>
+      <p:sp>
+        <p:nvSpPr>
+          <p:cNvPr id="29" name="TextBox 28">
+            <a:extLst>
+              <a:ext uri="{FF2B5EF4-FFF2-40B4-BE49-F238E27FC236}">
+                <a16:creationId xmlns:a16="http://schemas.microsoft.com/office/drawing/2014/main" id="{E31CFBA9-B80F-0F9A-C4D3-F6360270E53D}"/>
+              </a:ext>
+            </a:extLst>
+          </p:cNvPr>
+          <p:cNvSpPr txBox="1"/>
+          <p:nvPr/>
+        </p:nvSpPr>
+        <p:spPr>
+          <a:xfrm>
+            <a:off x="81702" y="3118514"/>
+            <a:ext cx="1056571" cy="369332"/>
+          </a:xfrm>
+          <a:prstGeom prst="rect">
+            <a:avLst/>
+          </a:prstGeom>
+          <a:noFill/>
+        </p:spPr>
+        <p:txBody>
+          <a:bodyPr wrap="none" rtlCol="0">
+            <a:spAutoFit/>
+          </a:bodyPr>
+          <a:lstStyle/>
+          <a:p>
+            <a:r>
+              <a:rPr lang="en-US" dirty="0" err="1"/>
+              <a:t>FirstChild</a:t>
+            </a:r>
+            <a:endParaRPr lang="en-US" dirty="0"/>
+          </a:p>
+        </p:txBody>
+      </p:sp>
+      <p:cxnSp>
+        <p:nvCxnSpPr>
+          <p:cNvPr id="30" name="Straight Arrow Connector 29">
+            <a:extLst>
+              <a:ext uri="{FF2B5EF4-FFF2-40B4-BE49-F238E27FC236}">
+                <a16:creationId xmlns:a16="http://schemas.microsoft.com/office/drawing/2014/main" id="{D4CB6472-4DE9-B82A-D267-D167A70DD021}"/>
+              </a:ext>
+            </a:extLst>
+          </p:cNvPr>
+          <p:cNvCxnSpPr/>
+          <p:nvPr/>
+        </p:nvCxnSpPr>
+        <p:spPr>
+          <a:xfrm flipV="1">
+            <a:off x="10647530" y="2668138"/>
+            <a:ext cx="696036" cy="450376"/>
+          </a:xfrm>
+          <a:prstGeom prst="straightConnector1">
+            <a:avLst/>
+          </a:prstGeom>
+          <a:ln>
+            <a:tailEnd type="triangle"/>
+          </a:ln>
+        </p:spPr>
+        <p:style>
+          <a:lnRef idx="1">
+            <a:schemeClr val="accent1"/>
+          </a:lnRef>
+          <a:fillRef idx="0">
+            <a:schemeClr val="accent1"/>
+          </a:fillRef>
+          <a:effectRef idx="0">
+            <a:schemeClr val="accent1"/>
+          </a:effectRef>
+          <a:fontRef idx="minor">
+            <a:schemeClr val="tx1"/>
+          </a:fontRef>
+        </p:style>
+      </p:cxnSp>
+      <p:sp>
+        <p:nvSpPr>
+          <p:cNvPr id="31" name="TextBox 30">
+            <a:extLst>
+              <a:ext uri="{FF2B5EF4-FFF2-40B4-BE49-F238E27FC236}">
+                <a16:creationId xmlns:a16="http://schemas.microsoft.com/office/drawing/2014/main" id="{58B33425-7E11-1D94-DFE9-DE17F50D6C48}"/>
+              </a:ext>
+            </a:extLst>
+          </p:cNvPr>
+          <p:cNvSpPr txBox="1"/>
+          <p:nvPr/>
+        </p:nvSpPr>
+        <p:spPr>
+          <a:xfrm>
+            <a:off x="10347095" y="3193577"/>
+            <a:ext cx="1030090" cy="369332"/>
+          </a:xfrm>
+          <a:prstGeom prst="rect">
+            <a:avLst/>
+          </a:prstGeom>
+          <a:noFill/>
+        </p:spPr>
+        <p:txBody>
+          <a:bodyPr wrap="none" rtlCol="0">
+            <a:spAutoFit/>
+          </a:bodyPr>
+          <a:lstStyle/>
+          <a:p>
+            <a:r>
+              <a:rPr lang="en-US" dirty="0" err="1"/>
+              <a:t>LastChild</a:t>
+            </a:r>
+            <a:endParaRPr lang="en-US" dirty="0"/>
+          </a:p>
+        </p:txBody>
+      </p:sp>
+      <p:cxnSp>
+        <p:nvCxnSpPr>
+          <p:cNvPr id="32" name="Straight Arrow Connector 31">
+            <a:extLst>
+              <a:ext uri="{FF2B5EF4-FFF2-40B4-BE49-F238E27FC236}">
+                <a16:creationId xmlns:a16="http://schemas.microsoft.com/office/drawing/2014/main" id="{44FE3FD6-2FBF-6E5A-40F7-E3B9C7EFA85F}"/>
+              </a:ext>
+            </a:extLst>
+          </p:cNvPr>
+          <p:cNvCxnSpPr/>
+          <p:nvPr/>
+        </p:nvCxnSpPr>
+        <p:spPr>
+          <a:xfrm flipV="1">
+            <a:off x="8051134" y="2534229"/>
+            <a:ext cx="696036" cy="450376"/>
+          </a:xfrm>
+          <a:prstGeom prst="straightConnector1">
+            <a:avLst/>
+          </a:prstGeom>
+          <a:ln>
+            <a:tailEnd type="triangle"/>
+          </a:ln>
+        </p:spPr>
+        <p:style>
+          <a:lnRef idx="1">
+            <a:schemeClr val="accent1"/>
+          </a:lnRef>
+          <a:fillRef idx="0">
+            <a:schemeClr val="accent1"/>
+          </a:fillRef>
+          <a:effectRef idx="0">
+            <a:schemeClr val="accent1"/>
+          </a:effectRef>
+          <a:fontRef idx="minor">
+            <a:schemeClr val="tx1"/>
+          </a:fontRef>
+        </p:style>
+      </p:cxnSp>
+      <p:sp>
+        <p:nvSpPr>
+          <p:cNvPr id="33" name="TextBox 32">
+            <a:extLst>
+              <a:ext uri="{FF2B5EF4-FFF2-40B4-BE49-F238E27FC236}">
+                <a16:creationId xmlns:a16="http://schemas.microsoft.com/office/drawing/2014/main" id="{E38E0F1A-DCDD-DB7F-6E50-FB7EF5482E3E}"/>
+              </a:ext>
+            </a:extLst>
+          </p:cNvPr>
+          <p:cNvSpPr txBox="1"/>
+          <p:nvPr/>
+        </p:nvSpPr>
+        <p:spPr>
+          <a:xfrm>
+            <a:off x="7750699" y="3059668"/>
+            <a:ext cx="1292790" cy="369332"/>
+          </a:xfrm>
+          <a:prstGeom prst="rect">
+            <a:avLst/>
+          </a:prstGeom>
+          <a:noFill/>
+        </p:spPr>
+        <p:txBody>
+          <a:bodyPr wrap="none" rtlCol="0">
+            <a:spAutoFit/>
+          </a:bodyPr>
+          <a:lstStyle/>
+          <a:p>
+            <a:r>
+              <a:rPr lang="en-US" dirty="0"/>
+              <a:t>Next Sibling</a:t>
+            </a:r>
+          </a:p>
+        </p:txBody>
+      </p:sp>
+      <p:cxnSp>
+        <p:nvCxnSpPr>
+          <p:cNvPr id="34" name="Straight Arrow Connector 33">
+            <a:extLst>
+              <a:ext uri="{FF2B5EF4-FFF2-40B4-BE49-F238E27FC236}">
+                <a16:creationId xmlns:a16="http://schemas.microsoft.com/office/drawing/2014/main" id="{C343D835-7D79-AD6F-3184-953BA82A9285}"/>
+              </a:ext>
+            </a:extLst>
+          </p:cNvPr>
+          <p:cNvCxnSpPr/>
+          <p:nvPr/>
+        </p:nvCxnSpPr>
+        <p:spPr>
+          <a:xfrm flipV="1">
+            <a:off x="4402449" y="2718895"/>
+            <a:ext cx="696036" cy="450376"/>
+          </a:xfrm>
+          <a:prstGeom prst="straightConnector1">
+            <a:avLst/>
+          </a:prstGeom>
+          <a:ln>
+            <a:tailEnd type="triangle"/>
+          </a:ln>
+        </p:spPr>
+        <p:style>
+          <a:lnRef idx="1">
+            <a:schemeClr val="accent1"/>
+          </a:lnRef>
+          <a:fillRef idx="0">
+            <a:schemeClr val="accent1"/>
+          </a:fillRef>
+          <a:effectRef idx="0">
+            <a:schemeClr val="accent1"/>
+          </a:effectRef>
+          <a:fontRef idx="minor">
+            <a:schemeClr val="tx1"/>
+          </a:fontRef>
+        </p:style>
+      </p:cxnSp>
+      <p:sp>
+        <p:nvSpPr>
+          <p:cNvPr id="35" name="TextBox 34">
+            <a:extLst>
+              <a:ext uri="{FF2B5EF4-FFF2-40B4-BE49-F238E27FC236}">
+                <a16:creationId xmlns:a16="http://schemas.microsoft.com/office/drawing/2014/main" id="{ABD509FC-5748-8DB0-8DAF-CCA7D283B6D8}"/>
+              </a:ext>
+            </a:extLst>
+          </p:cNvPr>
+          <p:cNvSpPr txBox="1"/>
+          <p:nvPr/>
+        </p:nvSpPr>
+        <p:spPr>
+          <a:xfrm>
+            <a:off x="4102014" y="3244334"/>
+            <a:ext cx="1655261" cy="369332"/>
+          </a:xfrm>
+          <a:prstGeom prst="rect">
+            <a:avLst/>
+          </a:prstGeom>
+          <a:noFill/>
+        </p:spPr>
+        <p:txBody>
+          <a:bodyPr wrap="none" rtlCol="0">
+            <a:spAutoFit/>
+          </a:bodyPr>
+          <a:lstStyle/>
+          <a:p>
+            <a:r>
+              <a:rPr lang="en-US" dirty="0"/>
+              <a:t>Previous Sibling</a:t>
+            </a:r>
+          </a:p>
+        </p:txBody>
+      </p:sp>
+    </p:spTree>
+    <p:extLst>
+      <p:ext uri="{BB962C8B-B14F-4D97-AF65-F5344CB8AC3E}">
+        <p14:creationId xmlns:p14="http://schemas.microsoft.com/office/powerpoint/2010/main" val="1626292501"/>
       </p:ext>
     </p:extLst>
   </p:cSld>

--- a/JavaScript.pptx
+++ b/JavaScript.pptx
@@ -462,7 +462,7 @@
           <a:p>
             <a:fld id="{B0FD79F2-F8AC-467F-AA9E-9C9DDF51E646}" type="datetimeFigureOut">
               <a:rPr lang="en-US" smtClean="0"/>
-              <a:t>1/26/2023</a:t>
+              <a:t>1/27/2023</a:t>
             </a:fld>
             <a:endParaRPr lang="en-US"/>
           </a:p>
@@ -660,7 +660,7 @@
           <a:p>
             <a:fld id="{B0FD79F2-F8AC-467F-AA9E-9C9DDF51E646}" type="datetimeFigureOut">
               <a:rPr lang="en-US" smtClean="0"/>
-              <a:t>1/26/2023</a:t>
+              <a:t>1/27/2023</a:t>
             </a:fld>
             <a:endParaRPr lang="en-US"/>
           </a:p>
@@ -868,7 +868,7 @@
           <a:p>
             <a:fld id="{B0FD79F2-F8AC-467F-AA9E-9C9DDF51E646}" type="datetimeFigureOut">
               <a:rPr lang="en-US" smtClean="0"/>
-              <a:t>1/26/2023</a:t>
+              <a:t>1/27/2023</a:t>
             </a:fld>
             <a:endParaRPr lang="en-US"/>
           </a:p>
@@ -1066,7 +1066,7 @@
           <a:p>
             <a:fld id="{B0FD79F2-F8AC-467F-AA9E-9C9DDF51E646}" type="datetimeFigureOut">
               <a:rPr lang="en-US" smtClean="0"/>
-              <a:t>1/26/2023</a:t>
+              <a:t>1/27/2023</a:t>
             </a:fld>
             <a:endParaRPr lang="en-US"/>
           </a:p>
@@ -1341,7 +1341,7 @@
           <a:p>
             <a:fld id="{B0FD79F2-F8AC-467F-AA9E-9C9DDF51E646}" type="datetimeFigureOut">
               <a:rPr lang="en-US" smtClean="0"/>
-              <a:t>1/26/2023</a:t>
+              <a:t>1/27/2023</a:t>
             </a:fld>
             <a:endParaRPr lang="en-US"/>
           </a:p>
@@ -1606,7 +1606,7 @@
           <a:p>
             <a:fld id="{B0FD79F2-F8AC-467F-AA9E-9C9DDF51E646}" type="datetimeFigureOut">
               <a:rPr lang="en-US" smtClean="0"/>
-              <a:t>1/26/2023</a:t>
+              <a:t>1/27/2023</a:t>
             </a:fld>
             <a:endParaRPr lang="en-US"/>
           </a:p>
@@ -2018,7 +2018,7 @@
           <a:p>
             <a:fld id="{B0FD79F2-F8AC-467F-AA9E-9C9DDF51E646}" type="datetimeFigureOut">
               <a:rPr lang="en-US" smtClean="0"/>
-              <a:t>1/26/2023</a:t>
+              <a:t>1/27/2023</a:t>
             </a:fld>
             <a:endParaRPr lang="en-US"/>
           </a:p>
@@ -2159,7 +2159,7 @@
           <a:p>
             <a:fld id="{B0FD79F2-F8AC-467F-AA9E-9C9DDF51E646}" type="datetimeFigureOut">
               <a:rPr lang="en-US" smtClean="0"/>
-              <a:t>1/26/2023</a:t>
+              <a:t>1/27/2023</a:t>
             </a:fld>
             <a:endParaRPr lang="en-US"/>
           </a:p>
@@ -2272,7 +2272,7 @@
           <a:p>
             <a:fld id="{B0FD79F2-F8AC-467F-AA9E-9C9DDF51E646}" type="datetimeFigureOut">
               <a:rPr lang="en-US" smtClean="0"/>
-              <a:t>1/26/2023</a:t>
+              <a:t>1/27/2023</a:t>
             </a:fld>
             <a:endParaRPr lang="en-US"/>
           </a:p>
@@ -2583,7 +2583,7 @@
           <a:p>
             <a:fld id="{B0FD79F2-F8AC-467F-AA9E-9C9DDF51E646}" type="datetimeFigureOut">
               <a:rPr lang="en-US" smtClean="0"/>
-              <a:t>1/26/2023</a:t>
+              <a:t>1/27/2023</a:t>
             </a:fld>
             <a:endParaRPr lang="en-US"/>
           </a:p>
@@ -2871,7 +2871,7 @@
           <a:p>
             <a:fld id="{B0FD79F2-F8AC-467F-AA9E-9C9DDF51E646}" type="datetimeFigureOut">
               <a:rPr lang="en-US" smtClean="0"/>
-              <a:t>1/26/2023</a:t>
+              <a:t>1/27/2023</a:t>
             </a:fld>
             <a:endParaRPr lang="en-US"/>
           </a:p>
@@ -3112,7 +3112,7 @@
           <a:p>
             <a:fld id="{B0FD79F2-F8AC-467F-AA9E-9C9DDF51E646}" type="datetimeFigureOut">
               <a:rPr lang="en-US" smtClean="0"/>
-              <a:t>1/26/2023</a:t>
+              <a:t>1/27/2023</a:t>
             </a:fld>
             <a:endParaRPr lang="en-US"/>
           </a:p>
@@ -25451,13 +25451,15 @@
               </a:ext>
             </a:extLst>
           </p:cNvPr>
-          <p:cNvCxnSpPr/>
+          <p:cNvCxnSpPr>
+            <a:cxnSpLocks/>
+          </p:cNvCxnSpPr>
           <p:nvPr/>
         </p:nvCxnSpPr>
         <p:spPr>
           <a:xfrm flipV="1">
-            <a:off x="4402449" y="2718895"/>
-            <a:ext cx="696036" cy="450376"/>
+            <a:off x="4402449" y="2534229"/>
+            <a:ext cx="155903" cy="635042"/>
           </a:xfrm>
           <a:prstGeom prst="straightConnector1">
             <a:avLst/>

--- a/JavaScript.pptx
+++ b/JavaScript.pptx
@@ -101,6 +101,11 @@
     <p:sldId id="349" r:id="rId95"/>
     <p:sldId id="350" r:id="rId96"/>
     <p:sldId id="351" r:id="rId97"/>
+    <p:sldId id="352" r:id="rId98"/>
+    <p:sldId id="353" r:id="rId99"/>
+    <p:sldId id="354" r:id="rId100"/>
+    <p:sldId id="355" r:id="rId101"/>
+    <p:sldId id="356" r:id="rId102"/>
   </p:sldIdLst>
   <p:sldSz cx="12192000" cy="6858000"/>
   <p:notesSz cx="6858000" cy="9144000"/>
@@ -304,6 +309,11 @@
             <p14:sldId id="349"/>
             <p14:sldId id="350"/>
             <p14:sldId id="351"/>
+            <p14:sldId id="352"/>
+            <p14:sldId id="353"/>
+            <p14:sldId id="354"/>
+            <p14:sldId id="355"/>
+            <p14:sldId id="356"/>
           </p14:sldIdLst>
         </p14:section>
       </p14:sectionLst>
@@ -462,7 +472,7 @@
           <a:p>
             <a:fld id="{B0FD79F2-F8AC-467F-AA9E-9C9DDF51E646}" type="datetimeFigureOut">
               <a:rPr lang="en-US" smtClean="0"/>
-              <a:t>1/27/2023</a:t>
+              <a:t>1/31/2023</a:t>
             </a:fld>
             <a:endParaRPr lang="en-US"/>
           </a:p>
@@ -660,7 +670,7 @@
           <a:p>
             <a:fld id="{B0FD79F2-F8AC-467F-AA9E-9C9DDF51E646}" type="datetimeFigureOut">
               <a:rPr lang="en-US" smtClean="0"/>
-              <a:t>1/27/2023</a:t>
+              <a:t>1/31/2023</a:t>
             </a:fld>
             <a:endParaRPr lang="en-US"/>
           </a:p>
@@ -868,7 +878,7 @@
           <a:p>
             <a:fld id="{B0FD79F2-F8AC-467F-AA9E-9C9DDF51E646}" type="datetimeFigureOut">
               <a:rPr lang="en-US" smtClean="0"/>
-              <a:t>1/27/2023</a:t>
+              <a:t>1/31/2023</a:t>
             </a:fld>
             <a:endParaRPr lang="en-US"/>
           </a:p>
@@ -1066,7 +1076,7 @@
           <a:p>
             <a:fld id="{B0FD79F2-F8AC-467F-AA9E-9C9DDF51E646}" type="datetimeFigureOut">
               <a:rPr lang="en-US" smtClean="0"/>
-              <a:t>1/27/2023</a:t>
+              <a:t>1/31/2023</a:t>
             </a:fld>
             <a:endParaRPr lang="en-US"/>
           </a:p>
@@ -1341,7 +1351,7 @@
           <a:p>
             <a:fld id="{B0FD79F2-F8AC-467F-AA9E-9C9DDF51E646}" type="datetimeFigureOut">
               <a:rPr lang="en-US" smtClean="0"/>
-              <a:t>1/27/2023</a:t>
+              <a:t>1/31/2023</a:t>
             </a:fld>
             <a:endParaRPr lang="en-US"/>
           </a:p>
@@ -1606,7 +1616,7 @@
           <a:p>
             <a:fld id="{B0FD79F2-F8AC-467F-AA9E-9C9DDF51E646}" type="datetimeFigureOut">
               <a:rPr lang="en-US" smtClean="0"/>
-              <a:t>1/27/2023</a:t>
+              <a:t>1/31/2023</a:t>
             </a:fld>
             <a:endParaRPr lang="en-US"/>
           </a:p>
@@ -2018,7 +2028,7 @@
           <a:p>
             <a:fld id="{B0FD79F2-F8AC-467F-AA9E-9C9DDF51E646}" type="datetimeFigureOut">
               <a:rPr lang="en-US" smtClean="0"/>
-              <a:t>1/27/2023</a:t>
+              <a:t>1/31/2023</a:t>
             </a:fld>
             <a:endParaRPr lang="en-US"/>
           </a:p>
@@ -2159,7 +2169,7 @@
           <a:p>
             <a:fld id="{B0FD79F2-F8AC-467F-AA9E-9C9DDF51E646}" type="datetimeFigureOut">
               <a:rPr lang="en-US" smtClean="0"/>
-              <a:t>1/27/2023</a:t>
+              <a:t>1/31/2023</a:t>
             </a:fld>
             <a:endParaRPr lang="en-US"/>
           </a:p>
@@ -2272,7 +2282,7 @@
           <a:p>
             <a:fld id="{B0FD79F2-F8AC-467F-AA9E-9C9DDF51E646}" type="datetimeFigureOut">
               <a:rPr lang="en-US" smtClean="0"/>
-              <a:t>1/27/2023</a:t>
+              <a:t>1/31/2023</a:t>
             </a:fld>
             <a:endParaRPr lang="en-US"/>
           </a:p>
@@ -2583,7 +2593,7 @@
           <a:p>
             <a:fld id="{B0FD79F2-F8AC-467F-AA9E-9C9DDF51E646}" type="datetimeFigureOut">
               <a:rPr lang="en-US" smtClean="0"/>
-              <a:t>1/27/2023</a:t>
+              <a:t>1/31/2023</a:t>
             </a:fld>
             <a:endParaRPr lang="en-US"/>
           </a:p>
@@ -2871,7 +2881,7 @@
           <a:p>
             <a:fld id="{B0FD79F2-F8AC-467F-AA9E-9C9DDF51E646}" type="datetimeFigureOut">
               <a:rPr lang="en-US" smtClean="0"/>
-              <a:t>1/27/2023</a:t>
+              <a:t>1/31/2023</a:t>
             </a:fld>
             <a:endParaRPr lang="en-US"/>
           </a:p>
@@ -3112,7 +3122,7 @@
           <a:p>
             <a:fld id="{B0FD79F2-F8AC-467F-AA9E-9C9DDF51E646}" type="datetimeFigureOut">
               <a:rPr lang="en-US" smtClean="0"/>
-              <a:t>1/27/2023</a:t>
+              <a:t>1/31/2023</a:t>
             </a:fld>
             <a:endParaRPr lang="en-US"/>
           </a:p>
@@ -3833,6 +3843,467 @@
     <p:extLst>
       <p:ext uri="{BB962C8B-B14F-4D97-AF65-F5344CB8AC3E}">
         <p14:creationId xmlns:p14="http://schemas.microsoft.com/office/powerpoint/2010/main" val="3839991535"/>
+      </p:ext>
+    </p:extLst>
+  </p:cSld>
+  <p:clrMapOvr>
+    <a:masterClrMapping/>
+  </p:clrMapOvr>
+</p:sld>
+</file>
+
+<file path=ppt/slides/slide100.xml><?xml version="1.0" encoding="utf-8"?>
+<p:sld xmlns:a="http://schemas.openxmlformats.org/drawingml/2006/main" xmlns:r="http://schemas.openxmlformats.org/officeDocument/2006/relationships" xmlns:p="http://schemas.openxmlformats.org/presentationml/2006/main">
+  <p:cSld>
+    <p:spTree>
+      <p:nvGrpSpPr>
+        <p:cNvPr id="1" name=""/>
+        <p:cNvGrpSpPr/>
+        <p:nvPr/>
+      </p:nvGrpSpPr>
+      <p:grpSpPr>
+        <a:xfrm>
+          <a:off x="0" y="0"/>
+          <a:ext cx="0" cy="0"/>
+          <a:chOff x="0" y="0"/>
+          <a:chExt cx="0" cy="0"/>
+        </a:xfrm>
+      </p:grpSpPr>
+      <p:sp>
+        <p:nvSpPr>
+          <p:cNvPr id="2" name="Title 1">
+            <a:extLst>
+              <a:ext uri="{FF2B5EF4-FFF2-40B4-BE49-F238E27FC236}">
+                <a16:creationId xmlns:a16="http://schemas.microsoft.com/office/drawing/2014/main" id="{F7334165-D490-840C-9716-F484B858FE58}"/>
+              </a:ext>
+            </a:extLst>
+          </p:cNvPr>
+          <p:cNvSpPr>
+            <a:spLocks noGrp="1"/>
+          </p:cNvSpPr>
+          <p:nvPr>
+            <p:ph type="title"/>
+          </p:nvPr>
+        </p:nvSpPr>
+        <p:spPr/>
+        <p:txBody>
+          <a:bodyPr/>
+          <a:lstStyle/>
+          <a:p>
+            <a:r>
+              <a:rPr lang="en-US" dirty="0"/>
+              <a:t>JS: DOM Create Methods</a:t>
+            </a:r>
+          </a:p>
+        </p:txBody>
+      </p:sp>
+      <p:sp>
+        <p:nvSpPr>
+          <p:cNvPr id="3" name="Content Placeholder 2">
+            <a:extLst>
+              <a:ext uri="{FF2B5EF4-FFF2-40B4-BE49-F238E27FC236}">
+                <a16:creationId xmlns:a16="http://schemas.microsoft.com/office/drawing/2014/main" id="{13B2F826-7FC7-9829-ACBB-4B729CF17747}"/>
+              </a:ext>
+            </a:extLst>
+          </p:cNvPr>
+          <p:cNvSpPr>
+            <a:spLocks noGrp="1"/>
+          </p:cNvSpPr>
+          <p:nvPr>
+            <p:ph idx="1"/>
+          </p:nvPr>
+        </p:nvSpPr>
+        <p:spPr/>
+        <p:txBody>
+          <a:bodyPr/>
+          <a:lstStyle/>
+          <a:p>
+            <a:r>
+              <a:rPr lang="en-US" dirty="0" err="1"/>
+              <a:t>insertAdjacentElement</a:t>
+            </a:r>
+            <a:endParaRPr lang="en-US" dirty="0"/>
+          </a:p>
+          <a:p>
+            <a:r>
+              <a:rPr lang="en-US" dirty="0" err="1"/>
+              <a:t>insertAdjacentHTML</a:t>
+            </a:r>
+            <a:endParaRPr lang="en-US" dirty="0"/>
+          </a:p>
+          <a:p>
+            <a:r>
+              <a:rPr lang="en-US" dirty="0" err="1"/>
+              <a:t>insertAdjacentText</a:t>
+            </a:r>
+            <a:endParaRPr lang="en-US" dirty="0"/>
+          </a:p>
+        </p:txBody>
+      </p:sp>
+      <p:sp>
+        <p:nvSpPr>
+          <p:cNvPr id="4" name="Rectangle 3">
+            <a:extLst>
+              <a:ext uri="{FF2B5EF4-FFF2-40B4-BE49-F238E27FC236}">
+                <a16:creationId xmlns:a16="http://schemas.microsoft.com/office/drawing/2014/main" id="{1E6168F3-0B91-7E29-CED0-A12B8D27C14B}"/>
+              </a:ext>
+            </a:extLst>
+          </p:cNvPr>
+          <p:cNvSpPr/>
+          <p:nvPr/>
+        </p:nvSpPr>
+        <p:spPr>
+          <a:xfrm>
+            <a:off x="1364776" y="3575713"/>
+            <a:ext cx="1842448" cy="491320"/>
+          </a:xfrm>
+          <a:prstGeom prst="rect">
+            <a:avLst/>
+          </a:prstGeom>
+        </p:spPr>
+        <p:style>
+          <a:lnRef idx="2">
+            <a:schemeClr val="accent1">
+              <a:shade val="50000"/>
+            </a:schemeClr>
+          </a:lnRef>
+          <a:fillRef idx="1">
+            <a:schemeClr val="accent1"/>
+          </a:fillRef>
+          <a:effectRef idx="0">
+            <a:schemeClr val="accent1"/>
+          </a:effectRef>
+          <a:fontRef idx="minor">
+            <a:schemeClr val="lt1"/>
+          </a:fontRef>
+        </p:style>
+        <p:txBody>
+          <a:bodyPr rtlCol="0" anchor="ctr"/>
+          <a:lstStyle/>
+          <a:p>
+            <a:pPr algn="ctr"/>
+            <a:r>
+              <a:rPr lang="en-US" dirty="0"/>
+              <a:t>Tag</a:t>
+            </a:r>
+          </a:p>
+        </p:txBody>
+      </p:sp>
+      <p:sp>
+        <p:nvSpPr>
+          <p:cNvPr id="5" name="Rectangle 4">
+            <a:extLst>
+              <a:ext uri="{FF2B5EF4-FFF2-40B4-BE49-F238E27FC236}">
+                <a16:creationId xmlns:a16="http://schemas.microsoft.com/office/drawing/2014/main" id="{2FFF749E-E01B-72C3-7DED-15A5584DB6EE}"/>
+              </a:ext>
+            </a:extLst>
+          </p:cNvPr>
+          <p:cNvSpPr/>
+          <p:nvPr/>
+        </p:nvSpPr>
+        <p:spPr>
+          <a:xfrm>
+            <a:off x="4967785" y="3509974"/>
+            <a:ext cx="1842448" cy="491320"/>
+          </a:xfrm>
+          <a:prstGeom prst="rect">
+            <a:avLst/>
+          </a:prstGeom>
+        </p:spPr>
+        <p:style>
+          <a:lnRef idx="2">
+            <a:schemeClr val="accent1">
+              <a:shade val="50000"/>
+            </a:schemeClr>
+          </a:lnRef>
+          <a:fillRef idx="1">
+            <a:schemeClr val="accent1"/>
+          </a:fillRef>
+          <a:effectRef idx="0">
+            <a:schemeClr val="accent1"/>
+          </a:effectRef>
+          <a:fontRef idx="minor">
+            <a:schemeClr val="lt1"/>
+          </a:fontRef>
+        </p:style>
+        <p:txBody>
+          <a:bodyPr rtlCol="0" anchor="ctr"/>
+          <a:lstStyle/>
+          <a:p>
+            <a:pPr algn="ctr"/>
+            <a:r>
+              <a:rPr lang="en-US" dirty="0"/>
+              <a:t>Tag with Text</a:t>
+            </a:r>
+          </a:p>
+        </p:txBody>
+      </p:sp>
+      <p:sp>
+        <p:nvSpPr>
+          <p:cNvPr id="6" name="Rectangle 5">
+            <a:extLst>
+              <a:ext uri="{FF2B5EF4-FFF2-40B4-BE49-F238E27FC236}">
+                <a16:creationId xmlns:a16="http://schemas.microsoft.com/office/drawing/2014/main" id="{378DA859-A079-CAC1-E97E-26B185242C1E}"/>
+              </a:ext>
+            </a:extLst>
+          </p:cNvPr>
+          <p:cNvSpPr/>
+          <p:nvPr/>
+        </p:nvSpPr>
+        <p:spPr>
+          <a:xfrm>
+            <a:off x="8902321" y="3429000"/>
+            <a:ext cx="1842448" cy="491320"/>
+          </a:xfrm>
+          <a:prstGeom prst="rect">
+            <a:avLst/>
+          </a:prstGeom>
+        </p:spPr>
+        <p:style>
+          <a:lnRef idx="2">
+            <a:schemeClr val="accent1">
+              <a:shade val="50000"/>
+            </a:schemeClr>
+          </a:lnRef>
+          <a:fillRef idx="1">
+            <a:schemeClr val="accent1"/>
+          </a:fillRef>
+          <a:effectRef idx="0">
+            <a:schemeClr val="accent1"/>
+          </a:effectRef>
+          <a:fontRef idx="minor">
+            <a:schemeClr val="lt1"/>
+          </a:fontRef>
+        </p:style>
+        <p:txBody>
+          <a:bodyPr rtlCol="0" anchor="ctr"/>
+          <a:lstStyle/>
+          <a:p>
+            <a:pPr algn="ctr"/>
+            <a:r>
+              <a:rPr lang="en-US" dirty="0"/>
+              <a:t>Text</a:t>
+            </a:r>
+          </a:p>
+        </p:txBody>
+      </p:sp>
+      <p:sp>
+        <p:nvSpPr>
+          <p:cNvPr id="7" name="TextBox 6">
+            <a:extLst>
+              <a:ext uri="{FF2B5EF4-FFF2-40B4-BE49-F238E27FC236}">
+                <a16:creationId xmlns:a16="http://schemas.microsoft.com/office/drawing/2014/main" id="{0A176F4E-8E93-C8B3-89FA-E93E37006CA3}"/>
+              </a:ext>
+            </a:extLst>
+          </p:cNvPr>
+          <p:cNvSpPr txBox="1"/>
+          <p:nvPr/>
+        </p:nvSpPr>
+        <p:spPr>
+          <a:xfrm>
+            <a:off x="1201004" y="4752666"/>
+            <a:ext cx="979755" cy="369332"/>
+          </a:xfrm>
+          <a:prstGeom prst="rect">
+            <a:avLst/>
+          </a:prstGeom>
+          <a:noFill/>
+        </p:spPr>
+        <p:txBody>
+          <a:bodyPr wrap="none" rtlCol="0">
+            <a:spAutoFit/>
+          </a:bodyPr>
+          <a:lstStyle/>
+          <a:p>
+            <a:r>
+              <a:rPr lang="en-US" dirty="0"/>
+              <a:t>&lt;p&gt;&lt;/p&gt;</a:t>
+            </a:r>
+          </a:p>
+        </p:txBody>
+      </p:sp>
+      <p:sp>
+        <p:nvSpPr>
+          <p:cNvPr id="8" name="TextBox 7">
+            <a:extLst>
+              <a:ext uri="{FF2B5EF4-FFF2-40B4-BE49-F238E27FC236}">
+                <a16:creationId xmlns:a16="http://schemas.microsoft.com/office/drawing/2014/main" id="{B9148F98-4FA7-5D9F-0B09-F554A2371814}"/>
+              </a:ext>
+            </a:extLst>
+          </p:cNvPr>
+          <p:cNvSpPr txBox="1"/>
+          <p:nvPr/>
+        </p:nvSpPr>
+        <p:spPr>
+          <a:xfrm>
+            <a:off x="9107380" y="4568000"/>
+            <a:ext cx="1583895" cy="369332"/>
+          </a:xfrm>
+          <a:prstGeom prst="rect">
+            <a:avLst/>
+          </a:prstGeom>
+          <a:noFill/>
+        </p:spPr>
+        <p:txBody>
+          <a:bodyPr wrap="none" rtlCol="0">
+            <a:spAutoFit/>
+          </a:bodyPr>
+          <a:lstStyle/>
+          <a:p>
+            <a:r>
+              <a:rPr lang="en-US" dirty="0"/>
+              <a:t>This is just Text</a:t>
+            </a:r>
+          </a:p>
+        </p:txBody>
+      </p:sp>
+      <p:sp>
+        <p:nvSpPr>
+          <p:cNvPr id="9" name="TextBox 8">
+            <a:extLst>
+              <a:ext uri="{FF2B5EF4-FFF2-40B4-BE49-F238E27FC236}">
+                <a16:creationId xmlns:a16="http://schemas.microsoft.com/office/drawing/2014/main" id="{2B04FB9F-F545-5548-9622-F8A3351258FF}"/>
+              </a:ext>
+            </a:extLst>
+          </p:cNvPr>
+          <p:cNvSpPr txBox="1"/>
+          <p:nvPr/>
+        </p:nvSpPr>
+        <p:spPr>
+          <a:xfrm>
+            <a:off x="5261027" y="4719796"/>
+            <a:ext cx="2378985" cy="369332"/>
+          </a:xfrm>
+          <a:prstGeom prst="rect">
+            <a:avLst/>
+          </a:prstGeom>
+          <a:noFill/>
+        </p:spPr>
+        <p:txBody>
+          <a:bodyPr wrap="none" rtlCol="0">
+            <a:spAutoFit/>
+          </a:bodyPr>
+          <a:lstStyle/>
+          <a:p>
+            <a:r>
+              <a:rPr lang="en-US" dirty="0"/>
+              <a:t>&lt;p&gt;This is just Text&lt;/p&gt;</a:t>
+            </a:r>
+          </a:p>
+        </p:txBody>
+      </p:sp>
+    </p:spTree>
+    <p:extLst>
+      <p:ext uri="{BB962C8B-B14F-4D97-AF65-F5344CB8AC3E}">
+        <p14:creationId xmlns:p14="http://schemas.microsoft.com/office/powerpoint/2010/main" val="734949676"/>
+      </p:ext>
+    </p:extLst>
+  </p:cSld>
+  <p:clrMapOvr>
+    <a:masterClrMapping/>
+  </p:clrMapOvr>
+</p:sld>
+</file>
+
+<file path=ppt/slides/slide101.xml><?xml version="1.0" encoding="utf-8"?>
+<p:sld xmlns:a="http://schemas.openxmlformats.org/drawingml/2006/main" xmlns:r="http://schemas.openxmlformats.org/officeDocument/2006/relationships" xmlns:p="http://schemas.openxmlformats.org/presentationml/2006/main">
+  <p:cSld>
+    <p:spTree>
+      <p:nvGrpSpPr>
+        <p:cNvPr id="1" name=""/>
+        <p:cNvGrpSpPr/>
+        <p:nvPr/>
+      </p:nvGrpSpPr>
+      <p:grpSpPr>
+        <a:xfrm>
+          <a:off x="0" y="0"/>
+          <a:ext cx="0" cy="0"/>
+          <a:chOff x="0" y="0"/>
+          <a:chExt cx="0" cy="0"/>
+        </a:xfrm>
+      </p:grpSpPr>
+      <p:sp>
+        <p:nvSpPr>
+          <p:cNvPr id="2" name="Title 1">
+            <a:extLst>
+              <a:ext uri="{FF2B5EF4-FFF2-40B4-BE49-F238E27FC236}">
+                <a16:creationId xmlns:a16="http://schemas.microsoft.com/office/drawing/2014/main" id="{F7334165-D490-840C-9716-F484B858FE58}"/>
+              </a:ext>
+            </a:extLst>
+          </p:cNvPr>
+          <p:cNvSpPr>
+            <a:spLocks noGrp="1"/>
+          </p:cNvSpPr>
+          <p:nvPr>
+            <p:ph type="title"/>
+          </p:nvPr>
+        </p:nvSpPr>
+        <p:spPr/>
+        <p:txBody>
+          <a:bodyPr/>
+          <a:lstStyle/>
+          <a:p>
+            <a:r>
+              <a:rPr lang="en-US" dirty="0"/>
+              <a:t>JS: DOM Adjacent Positions:</a:t>
+            </a:r>
+          </a:p>
+        </p:txBody>
+      </p:sp>
+      <p:sp>
+        <p:nvSpPr>
+          <p:cNvPr id="3" name="Content Placeholder 2">
+            <a:extLst>
+              <a:ext uri="{FF2B5EF4-FFF2-40B4-BE49-F238E27FC236}">
+                <a16:creationId xmlns:a16="http://schemas.microsoft.com/office/drawing/2014/main" id="{13B2F826-7FC7-9829-ACBB-4B729CF17747}"/>
+              </a:ext>
+            </a:extLst>
+          </p:cNvPr>
+          <p:cNvSpPr>
+            <a:spLocks noGrp="1"/>
+          </p:cNvSpPr>
+          <p:nvPr>
+            <p:ph idx="1"/>
+          </p:nvPr>
+        </p:nvSpPr>
+        <p:spPr/>
+        <p:txBody>
+          <a:bodyPr/>
+          <a:lstStyle/>
+          <a:p>
+            <a:r>
+              <a:rPr lang="en-US" dirty="0" err="1"/>
+              <a:t>Beforebegin</a:t>
+            </a:r>
+            <a:endParaRPr lang="en-US" dirty="0"/>
+          </a:p>
+          <a:p>
+            <a:r>
+              <a:rPr lang="en-US" dirty="0" err="1"/>
+              <a:t>Afterbegin</a:t>
+            </a:r>
+            <a:endParaRPr lang="en-US" dirty="0"/>
+          </a:p>
+          <a:p>
+            <a:r>
+              <a:rPr lang="en-US" dirty="0" err="1"/>
+              <a:t>Beforeend</a:t>
+            </a:r>
+            <a:endParaRPr lang="en-US" dirty="0"/>
+          </a:p>
+          <a:p>
+            <a:r>
+              <a:rPr lang="en-US" dirty="0" err="1"/>
+              <a:t>afterend</a:t>
+            </a:r>
+            <a:endParaRPr lang="en-US" dirty="0"/>
+          </a:p>
+        </p:txBody>
+      </p:sp>
+    </p:spTree>
+    <p:extLst>
+      <p:ext uri="{BB962C8B-B14F-4D97-AF65-F5344CB8AC3E}">
+        <p14:creationId xmlns:p14="http://schemas.microsoft.com/office/powerpoint/2010/main" val="3995472202"/>
       </p:ext>
     </p:extLst>
   </p:cSld>
@@ -25531,6 +26002,1011 @@
 </p:sld>
 </file>
 
+<file path=ppt/slides/slide97.xml><?xml version="1.0" encoding="utf-8"?>
+<p:sld xmlns:a="http://schemas.openxmlformats.org/drawingml/2006/main" xmlns:r="http://schemas.openxmlformats.org/officeDocument/2006/relationships" xmlns:p="http://schemas.openxmlformats.org/presentationml/2006/main">
+  <p:cSld>
+    <p:spTree>
+      <p:nvGrpSpPr>
+        <p:cNvPr id="1" name=""/>
+        <p:cNvGrpSpPr/>
+        <p:nvPr/>
+      </p:nvGrpSpPr>
+      <p:grpSpPr>
+        <a:xfrm>
+          <a:off x="0" y="0"/>
+          <a:ext cx="0" cy="0"/>
+          <a:chOff x="0" y="0"/>
+          <a:chExt cx="0" cy="0"/>
+        </a:xfrm>
+      </p:grpSpPr>
+      <p:sp>
+        <p:nvSpPr>
+          <p:cNvPr id="2" name="Title 1">
+            <a:extLst>
+              <a:ext uri="{FF2B5EF4-FFF2-40B4-BE49-F238E27FC236}">
+                <a16:creationId xmlns:a16="http://schemas.microsoft.com/office/drawing/2014/main" id="{F7334165-D490-840C-9716-F484B858FE58}"/>
+              </a:ext>
+            </a:extLst>
+          </p:cNvPr>
+          <p:cNvSpPr>
+            <a:spLocks noGrp="1"/>
+          </p:cNvSpPr>
+          <p:nvPr>
+            <p:ph type="title"/>
+          </p:nvPr>
+        </p:nvSpPr>
+        <p:spPr/>
+        <p:txBody>
+          <a:bodyPr/>
+          <a:lstStyle/>
+          <a:p>
+            <a:r>
+              <a:rPr lang="en-US" dirty="0"/>
+              <a:t>JS: DOM Create Methods</a:t>
+            </a:r>
+          </a:p>
+        </p:txBody>
+      </p:sp>
+      <p:sp>
+        <p:nvSpPr>
+          <p:cNvPr id="3" name="Content Placeholder 2">
+            <a:extLst>
+              <a:ext uri="{FF2B5EF4-FFF2-40B4-BE49-F238E27FC236}">
+                <a16:creationId xmlns:a16="http://schemas.microsoft.com/office/drawing/2014/main" id="{13B2F826-7FC7-9829-ACBB-4B729CF17747}"/>
+              </a:ext>
+            </a:extLst>
+          </p:cNvPr>
+          <p:cNvSpPr>
+            <a:spLocks noGrp="1"/>
+          </p:cNvSpPr>
+          <p:nvPr>
+            <p:ph idx="1"/>
+          </p:nvPr>
+        </p:nvSpPr>
+        <p:spPr/>
+        <p:txBody>
+          <a:bodyPr/>
+          <a:lstStyle/>
+          <a:p>
+            <a:r>
+              <a:rPr lang="en-US" dirty="0" err="1"/>
+              <a:t>createElement</a:t>
+            </a:r>
+            <a:endParaRPr lang="en-US" dirty="0"/>
+          </a:p>
+          <a:p>
+            <a:r>
+              <a:rPr lang="en-US" dirty="0" err="1"/>
+              <a:t>createTextNode</a:t>
+            </a:r>
+            <a:endParaRPr lang="en-US" dirty="0"/>
+          </a:p>
+          <a:p>
+            <a:r>
+              <a:rPr lang="en-US" dirty="0" err="1"/>
+              <a:t>createComment</a:t>
+            </a:r>
+            <a:endParaRPr lang="en-US" dirty="0"/>
+          </a:p>
+        </p:txBody>
+      </p:sp>
+      <p:sp>
+        <p:nvSpPr>
+          <p:cNvPr id="4" name="Rectangle 3">
+            <a:extLst>
+              <a:ext uri="{FF2B5EF4-FFF2-40B4-BE49-F238E27FC236}">
+                <a16:creationId xmlns:a16="http://schemas.microsoft.com/office/drawing/2014/main" id="{1E6168F3-0B91-7E29-CED0-A12B8D27C14B}"/>
+              </a:ext>
+            </a:extLst>
+          </p:cNvPr>
+          <p:cNvSpPr/>
+          <p:nvPr/>
+        </p:nvSpPr>
+        <p:spPr>
+          <a:xfrm>
+            <a:off x="1364776" y="3575713"/>
+            <a:ext cx="1842448" cy="491320"/>
+          </a:xfrm>
+          <a:prstGeom prst="rect">
+            <a:avLst/>
+          </a:prstGeom>
+        </p:spPr>
+        <p:style>
+          <a:lnRef idx="2">
+            <a:schemeClr val="accent1">
+              <a:shade val="50000"/>
+            </a:schemeClr>
+          </a:lnRef>
+          <a:fillRef idx="1">
+            <a:schemeClr val="accent1"/>
+          </a:fillRef>
+          <a:effectRef idx="0">
+            <a:schemeClr val="accent1"/>
+          </a:effectRef>
+          <a:fontRef idx="minor">
+            <a:schemeClr val="lt1"/>
+          </a:fontRef>
+        </p:style>
+        <p:txBody>
+          <a:bodyPr rtlCol="0" anchor="ctr"/>
+          <a:lstStyle/>
+          <a:p>
+            <a:pPr algn="ctr"/>
+            <a:r>
+              <a:rPr lang="en-US" dirty="0"/>
+              <a:t>Tag</a:t>
+            </a:r>
+          </a:p>
+        </p:txBody>
+      </p:sp>
+      <p:sp>
+        <p:nvSpPr>
+          <p:cNvPr id="5" name="Rectangle 4">
+            <a:extLst>
+              <a:ext uri="{FF2B5EF4-FFF2-40B4-BE49-F238E27FC236}">
+                <a16:creationId xmlns:a16="http://schemas.microsoft.com/office/drawing/2014/main" id="{2FFF749E-E01B-72C3-7DED-15A5584DB6EE}"/>
+              </a:ext>
+            </a:extLst>
+          </p:cNvPr>
+          <p:cNvSpPr/>
+          <p:nvPr/>
+        </p:nvSpPr>
+        <p:spPr>
+          <a:xfrm>
+            <a:off x="4967785" y="3509974"/>
+            <a:ext cx="1842448" cy="491320"/>
+          </a:xfrm>
+          <a:prstGeom prst="rect">
+            <a:avLst/>
+          </a:prstGeom>
+        </p:spPr>
+        <p:style>
+          <a:lnRef idx="2">
+            <a:schemeClr val="accent1">
+              <a:shade val="50000"/>
+            </a:schemeClr>
+          </a:lnRef>
+          <a:fillRef idx="1">
+            <a:schemeClr val="accent1"/>
+          </a:fillRef>
+          <a:effectRef idx="0">
+            <a:schemeClr val="accent1"/>
+          </a:effectRef>
+          <a:fontRef idx="minor">
+            <a:schemeClr val="lt1"/>
+          </a:fontRef>
+        </p:style>
+        <p:txBody>
+          <a:bodyPr rtlCol="0" anchor="ctr"/>
+          <a:lstStyle/>
+          <a:p>
+            <a:pPr algn="ctr"/>
+            <a:r>
+              <a:rPr lang="en-US" dirty="0"/>
+              <a:t>Text</a:t>
+            </a:r>
+          </a:p>
+        </p:txBody>
+      </p:sp>
+      <p:sp>
+        <p:nvSpPr>
+          <p:cNvPr id="6" name="Rectangle 5">
+            <a:extLst>
+              <a:ext uri="{FF2B5EF4-FFF2-40B4-BE49-F238E27FC236}">
+                <a16:creationId xmlns:a16="http://schemas.microsoft.com/office/drawing/2014/main" id="{378DA859-A079-CAC1-E97E-26B185242C1E}"/>
+              </a:ext>
+            </a:extLst>
+          </p:cNvPr>
+          <p:cNvSpPr/>
+          <p:nvPr/>
+        </p:nvSpPr>
+        <p:spPr>
+          <a:xfrm>
+            <a:off x="8902321" y="3429000"/>
+            <a:ext cx="1842448" cy="491320"/>
+          </a:xfrm>
+          <a:prstGeom prst="rect">
+            <a:avLst/>
+          </a:prstGeom>
+        </p:spPr>
+        <p:style>
+          <a:lnRef idx="2">
+            <a:schemeClr val="accent1">
+              <a:shade val="50000"/>
+            </a:schemeClr>
+          </a:lnRef>
+          <a:fillRef idx="1">
+            <a:schemeClr val="accent1"/>
+          </a:fillRef>
+          <a:effectRef idx="0">
+            <a:schemeClr val="accent1"/>
+          </a:effectRef>
+          <a:fontRef idx="minor">
+            <a:schemeClr val="lt1"/>
+          </a:fontRef>
+        </p:style>
+        <p:txBody>
+          <a:bodyPr rtlCol="0" anchor="ctr"/>
+          <a:lstStyle/>
+          <a:p>
+            <a:pPr algn="ctr"/>
+            <a:r>
+              <a:rPr lang="en-US" dirty="0"/>
+              <a:t>Comment</a:t>
+            </a:r>
+          </a:p>
+        </p:txBody>
+      </p:sp>
+      <p:sp>
+        <p:nvSpPr>
+          <p:cNvPr id="7" name="TextBox 6">
+            <a:extLst>
+              <a:ext uri="{FF2B5EF4-FFF2-40B4-BE49-F238E27FC236}">
+                <a16:creationId xmlns:a16="http://schemas.microsoft.com/office/drawing/2014/main" id="{0A176F4E-8E93-C8B3-89FA-E93E37006CA3}"/>
+              </a:ext>
+            </a:extLst>
+          </p:cNvPr>
+          <p:cNvSpPr txBox="1"/>
+          <p:nvPr/>
+        </p:nvSpPr>
+        <p:spPr>
+          <a:xfrm>
+            <a:off x="1201004" y="4752666"/>
+            <a:ext cx="979755" cy="369332"/>
+          </a:xfrm>
+          <a:prstGeom prst="rect">
+            <a:avLst/>
+          </a:prstGeom>
+          <a:noFill/>
+        </p:spPr>
+        <p:txBody>
+          <a:bodyPr wrap="none" rtlCol="0">
+            <a:spAutoFit/>
+          </a:bodyPr>
+          <a:lstStyle/>
+          <a:p>
+            <a:r>
+              <a:rPr lang="en-US" dirty="0"/>
+              <a:t>&lt;p&gt;&lt;/p&gt;</a:t>
+            </a:r>
+          </a:p>
+        </p:txBody>
+      </p:sp>
+      <p:sp>
+        <p:nvSpPr>
+          <p:cNvPr id="8" name="TextBox 7">
+            <a:extLst>
+              <a:ext uri="{FF2B5EF4-FFF2-40B4-BE49-F238E27FC236}">
+                <a16:creationId xmlns:a16="http://schemas.microsoft.com/office/drawing/2014/main" id="{B9148F98-4FA7-5D9F-0B09-F554A2371814}"/>
+              </a:ext>
+            </a:extLst>
+          </p:cNvPr>
+          <p:cNvSpPr txBox="1"/>
+          <p:nvPr/>
+        </p:nvSpPr>
+        <p:spPr>
+          <a:xfrm>
+            <a:off x="9107380" y="4568000"/>
+            <a:ext cx="2164182" cy="369332"/>
+          </a:xfrm>
+          <a:prstGeom prst="rect">
+            <a:avLst/>
+          </a:prstGeom>
+          <a:noFill/>
+        </p:spPr>
+        <p:txBody>
+          <a:bodyPr wrap="none" rtlCol="0">
+            <a:spAutoFit/>
+          </a:bodyPr>
+          <a:lstStyle/>
+          <a:p>
+            <a:r>
+              <a:rPr lang="en-US" dirty="0"/>
+              <a:t>&lt;!– Just comment --&gt;</a:t>
+            </a:r>
+          </a:p>
+        </p:txBody>
+      </p:sp>
+      <p:sp>
+        <p:nvSpPr>
+          <p:cNvPr id="9" name="TextBox 8">
+            <a:extLst>
+              <a:ext uri="{FF2B5EF4-FFF2-40B4-BE49-F238E27FC236}">
+                <a16:creationId xmlns:a16="http://schemas.microsoft.com/office/drawing/2014/main" id="{2B04FB9F-F545-5548-9622-F8A3351258FF}"/>
+              </a:ext>
+            </a:extLst>
+          </p:cNvPr>
+          <p:cNvSpPr txBox="1"/>
+          <p:nvPr/>
+        </p:nvSpPr>
+        <p:spPr>
+          <a:xfrm>
+            <a:off x="5261027" y="4719796"/>
+            <a:ext cx="1583895" cy="369332"/>
+          </a:xfrm>
+          <a:prstGeom prst="rect">
+            <a:avLst/>
+          </a:prstGeom>
+          <a:noFill/>
+        </p:spPr>
+        <p:txBody>
+          <a:bodyPr wrap="none" rtlCol="0">
+            <a:spAutoFit/>
+          </a:bodyPr>
+          <a:lstStyle/>
+          <a:p>
+            <a:r>
+              <a:rPr lang="en-US" dirty="0"/>
+              <a:t>This is just Text</a:t>
+            </a:r>
+          </a:p>
+        </p:txBody>
+      </p:sp>
+    </p:spTree>
+    <p:extLst>
+      <p:ext uri="{BB962C8B-B14F-4D97-AF65-F5344CB8AC3E}">
+        <p14:creationId xmlns:p14="http://schemas.microsoft.com/office/powerpoint/2010/main" val="1987993892"/>
+      </p:ext>
+    </p:extLst>
+  </p:cSld>
+  <p:clrMapOvr>
+    <a:masterClrMapping/>
+  </p:clrMapOvr>
+</p:sld>
+</file>
+
+<file path=ppt/slides/slide98.xml><?xml version="1.0" encoding="utf-8"?>
+<p:sld xmlns:a="http://schemas.openxmlformats.org/drawingml/2006/main" xmlns:r="http://schemas.openxmlformats.org/officeDocument/2006/relationships" xmlns:p="http://schemas.openxmlformats.org/presentationml/2006/main">
+  <p:cSld>
+    <p:spTree>
+      <p:nvGrpSpPr>
+        <p:cNvPr id="1" name=""/>
+        <p:cNvGrpSpPr/>
+        <p:nvPr/>
+      </p:nvGrpSpPr>
+      <p:grpSpPr>
+        <a:xfrm>
+          <a:off x="0" y="0"/>
+          <a:ext cx="0" cy="0"/>
+          <a:chOff x="0" y="0"/>
+          <a:chExt cx="0" cy="0"/>
+        </a:xfrm>
+      </p:grpSpPr>
+      <p:sp>
+        <p:nvSpPr>
+          <p:cNvPr id="2" name="Title 1">
+            <a:extLst>
+              <a:ext uri="{FF2B5EF4-FFF2-40B4-BE49-F238E27FC236}">
+                <a16:creationId xmlns:a16="http://schemas.microsoft.com/office/drawing/2014/main" id="{1603C025-DBAE-BD9C-ABFE-26A0765F8337}"/>
+              </a:ext>
+            </a:extLst>
+          </p:cNvPr>
+          <p:cNvSpPr>
+            <a:spLocks noGrp="1"/>
+          </p:cNvSpPr>
+          <p:nvPr>
+            <p:ph type="title"/>
+          </p:nvPr>
+        </p:nvSpPr>
+        <p:spPr/>
+        <p:txBody>
+          <a:bodyPr/>
+          <a:lstStyle/>
+          <a:p>
+            <a:r>
+              <a:rPr lang="en-US" dirty="0"/>
+              <a:t>DOM: Append Methods</a:t>
+            </a:r>
+          </a:p>
+        </p:txBody>
+      </p:sp>
+      <p:sp>
+        <p:nvSpPr>
+          <p:cNvPr id="3" name="Content Placeholder 2">
+            <a:extLst>
+              <a:ext uri="{FF2B5EF4-FFF2-40B4-BE49-F238E27FC236}">
+                <a16:creationId xmlns:a16="http://schemas.microsoft.com/office/drawing/2014/main" id="{6C67B775-7142-251B-CB18-C6AEF037A6B2}"/>
+              </a:ext>
+            </a:extLst>
+          </p:cNvPr>
+          <p:cNvSpPr>
+            <a:spLocks noGrp="1"/>
+          </p:cNvSpPr>
+          <p:nvPr>
+            <p:ph idx="1"/>
+          </p:nvPr>
+        </p:nvSpPr>
+        <p:spPr/>
+        <p:txBody>
+          <a:bodyPr/>
+          <a:lstStyle/>
+          <a:p>
+            <a:r>
+              <a:rPr lang="en-US" dirty="0" err="1"/>
+              <a:t>appendChild</a:t>
+            </a:r>
+            <a:endParaRPr lang="en-US" dirty="0"/>
+          </a:p>
+          <a:p>
+            <a:r>
+              <a:rPr lang="en-US" dirty="0" err="1"/>
+              <a:t>insertBefore</a:t>
+            </a:r>
+            <a:endParaRPr lang="en-US" dirty="0"/>
+          </a:p>
+          <a:p>
+            <a:r>
+              <a:rPr lang="en-US" dirty="0" err="1"/>
+              <a:t>InsertAdjacentElement</a:t>
+            </a:r>
+            <a:endParaRPr lang="en-US" dirty="0"/>
+          </a:p>
+          <a:p>
+            <a:r>
+              <a:rPr lang="en-US" dirty="0" err="1"/>
+              <a:t>insertAdjacentHTML</a:t>
+            </a:r>
+            <a:endParaRPr lang="en-US" dirty="0"/>
+          </a:p>
+          <a:p>
+            <a:r>
+              <a:rPr lang="en-US" dirty="0" err="1"/>
+              <a:t>insertAdjacentText</a:t>
+            </a:r>
+            <a:endParaRPr lang="en-US" dirty="0"/>
+          </a:p>
+        </p:txBody>
+      </p:sp>
+      <p:sp>
+        <p:nvSpPr>
+          <p:cNvPr id="4" name="Rectangle 3">
+            <a:extLst>
+              <a:ext uri="{FF2B5EF4-FFF2-40B4-BE49-F238E27FC236}">
+                <a16:creationId xmlns:a16="http://schemas.microsoft.com/office/drawing/2014/main" id="{90589553-287B-8549-8497-39011EF515DB}"/>
+              </a:ext>
+            </a:extLst>
+          </p:cNvPr>
+          <p:cNvSpPr/>
+          <p:nvPr/>
+        </p:nvSpPr>
+        <p:spPr>
+          <a:xfrm>
+            <a:off x="4804011" y="2797790"/>
+            <a:ext cx="1842448" cy="491320"/>
+          </a:xfrm>
+          <a:prstGeom prst="rect">
+            <a:avLst/>
+          </a:prstGeom>
+        </p:spPr>
+        <p:style>
+          <a:lnRef idx="2">
+            <a:schemeClr val="accent1">
+              <a:shade val="50000"/>
+            </a:schemeClr>
+          </a:lnRef>
+          <a:fillRef idx="1">
+            <a:schemeClr val="accent1"/>
+          </a:fillRef>
+          <a:effectRef idx="0">
+            <a:schemeClr val="accent1"/>
+          </a:effectRef>
+          <a:fontRef idx="minor">
+            <a:schemeClr val="lt1"/>
+          </a:fontRef>
+        </p:style>
+        <p:txBody>
+          <a:bodyPr rtlCol="0" anchor="ctr"/>
+          <a:lstStyle/>
+          <a:p>
+            <a:pPr algn="ctr"/>
+            <a:r>
+              <a:rPr lang="en-US" dirty="0"/>
+              <a:t>Tag</a:t>
+            </a:r>
+          </a:p>
+        </p:txBody>
+      </p:sp>
+      <p:sp>
+        <p:nvSpPr>
+          <p:cNvPr id="5" name="Rectangle 4">
+            <a:extLst>
+              <a:ext uri="{FF2B5EF4-FFF2-40B4-BE49-F238E27FC236}">
+                <a16:creationId xmlns:a16="http://schemas.microsoft.com/office/drawing/2014/main" id="{F475C764-BFCD-CDD8-83B4-2CF9A69DCD28}"/>
+              </a:ext>
+            </a:extLst>
+          </p:cNvPr>
+          <p:cNvSpPr/>
+          <p:nvPr/>
+        </p:nvSpPr>
+        <p:spPr>
+          <a:xfrm>
+            <a:off x="8407020" y="2732051"/>
+            <a:ext cx="1842448" cy="491320"/>
+          </a:xfrm>
+          <a:prstGeom prst="rect">
+            <a:avLst/>
+          </a:prstGeom>
+        </p:spPr>
+        <p:style>
+          <a:lnRef idx="2">
+            <a:schemeClr val="accent1">
+              <a:shade val="50000"/>
+            </a:schemeClr>
+          </a:lnRef>
+          <a:fillRef idx="1">
+            <a:schemeClr val="accent1"/>
+          </a:fillRef>
+          <a:effectRef idx="0">
+            <a:schemeClr val="accent1"/>
+          </a:effectRef>
+          <a:fontRef idx="minor">
+            <a:schemeClr val="lt1"/>
+          </a:fontRef>
+        </p:style>
+        <p:txBody>
+          <a:bodyPr rtlCol="0" anchor="ctr"/>
+          <a:lstStyle/>
+          <a:p>
+            <a:pPr algn="ctr"/>
+            <a:r>
+              <a:rPr lang="en-US" dirty="0"/>
+              <a:t>Text</a:t>
+            </a:r>
+          </a:p>
+        </p:txBody>
+      </p:sp>
+      <p:sp>
+        <p:nvSpPr>
+          <p:cNvPr id="6" name="TextBox 5">
+            <a:extLst>
+              <a:ext uri="{FF2B5EF4-FFF2-40B4-BE49-F238E27FC236}">
+                <a16:creationId xmlns:a16="http://schemas.microsoft.com/office/drawing/2014/main" id="{A650AE9E-616B-6D5C-A0E0-35B378A83F0B}"/>
+              </a:ext>
+            </a:extLst>
+          </p:cNvPr>
+          <p:cNvSpPr txBox="1"/>
+          <p:nvPr/>
+        </p:nvSpPr>
+        <p:spPr>
+          <a:xfrm>
+            <a:off x="4804011" y="3891943"/>
+            <a:ext cx="979755" cy="369332"/>
+          </a:xfrm>
+          <a:prstGeom prst="rect">
+            <a:avLst/>
+          </a:prstGeom>
+          <a:noFill/>
+        </p:spPr>
+        <p:txBody>
+          <a:bodyPr wrap="none" rtlCol="0">
+            <a:spAutoFit/>
+          </a:bodyPr>
+          <a:lstStyle/>
+          <a:p>
+            <a:r>
+              <a:rPr lang="en-US" dirty="0"/>
+              <a:t>&lt;p&gt;&lt;/p&gt;</a:t>
+            </a:r>
+          </a:p>
+        </p:txBody>
+      </p:sp>
+      <p:sp>
+        <p:nvSpPr>
+          <p:cNvPr id="7" name="TextBox 6">
+            <a:extLst>
+              <a:ext uri="{FF2B5EF4-FFF2-40B4-BE49-F238E27FC236}">
+                <a16:creationId xmlns:a16="http://schemas.microsoft.com/office/drawing/2014/main" id="{1A8CD711-D535-EA6B-3A31-B92C5D4EFF1C}"/>
+              </a:ext>
+            </a:extLst>
+          </p:cNvPr>
+          <p:cNvSpPr txBox="1"/>
+          <p:nvPr/>
+        </p:nvSpPr>
+        <p:spPr>
+          <a:xfrm>
+            <a:off x="8700262" y="3941873"/>
+            <a:ext cx="1583895" cy="369332"/>
+          </a:xfrm>
+          <a:prstGeom prst="rect">
+            <a:avLst/>
+          </a:prstGeom>
+          <a:noFill/>
+        </p:spPr>
+        <p:txBody>
+          <a:bodyPr wrap="none" rtlCol="0">
+            <a:spAutoFit/>
+          </a:bodyPr>
+          <a:lstStyle/>
+          <a:p>
+            <a:r>
+              <a:rPr lang="en-US" dirty="0"/>
+              <a:t>This is just Text</a:t>
+            </a:r>
+          </a:p>
+        </p:txBody>
+      </p:sp>
+      <p:sp>
+        <p:nvSpPr>
+          <p:cNvPr id="8" name="Arrow: Curved Up 7">
+            <a:extLst>
+              <a:ext uri="{FF2B5EF4-FFF2-40B4-BE49-F238E27FC236}">
+                <a16:creationId xmlns:a16="http://schemas.microsoft.com/office/drawing/2014/main" id="{9D16F3BD-41C4-DF8E-6AE4-4472154E68E4}"/>
+              </a:ext>
+            </a:extLst>
+          </p:cNvPr>
+          <p:cNvSpPr/>
+          <p:nvPr/>
+        </p:nvSpPr>
+        <p:spPr>
+          <a:xfrm flipH="1">
+            <a:off x="5622878" y="4518590"/>
+            <a:ext cx="3562065" cy="1351128"/>
+          </a:xfrm>
+          <a:prstGeom prst="curvedUpArrow">
+            <a:avLst/>
+          </a:prstGeom>
+        </p:spPr>
+        <p:style>
+          <a:lnRef idx="2">
+            <a:schemeClr val="accent1">
+              <a:shade val="50000"/>
+            </a:schemeClr>
+          </a:lnRef>
+          <a:fillRef idx="1">
+            <a:schemeClr val="accent1"/>
+          </a:fillRef>
+          <a:effectRef idx="0">
+            <a:schemeClr val="accent1"/>
+          </a:effectRef>
+          <a:fontRef idx="minor">
+            <a:schemeClr val="lt1"/>
+          </a:fontRef>
+        </p:style>
+        <p:txBody>
+          <a:bodyPr rtlCol="0" anchor="ctr"/>
+          <a:lstStyle/>
+          <a:p>
+            <a:pPr algn="ctr"/>
+            <a:endParaRPr lang="en-US">
+              <a:solidFill>
+                <a:schemeClr val="tx1"/>
+              </a:solidFill>
+            </a:endParaRPr>
+          </a:p>
+        </p:txBody>
+      </p:sp>
+      <p:sp>
+        <p:nvSpPr>
+          <p:cNvPr id="9" name="TextBox 8">
+            <a:extLst>
+              <a:ext uri="{FF2B5EF4-FFF2-40B4-BE49-F238E27FC236}">
+                <a16:creationId xmlns:a16="http://schemas.microsoft.com/office/drawing/2014/main" id="{3AA57901-7A0F-7227-195B-645E3A7389CD}"/>
+              </a:ext>
+            </a:extLst>
+          </p:cNvPr>
+          <p:cNvSpPr txBox="1"/>
+          <p:nvPr/>
+        </p:nvSpPr>
+        <p:spPr>
+          <a:xfrm>
+            <a:off x="6646459" y="6176963"/>
+            <a:ext cx="4707341" cy="369332"/>
+          </a:xfrm>
+          <a:prstGeom prst="rect">
+            <a:avLst/>
+          </a:prstGeom>
+          <a:noFill/>
+        </p:spPr>
+        <p:txBody>
+          <a:bodyPr wrap="square" rtlCol="0">
+            <a:spAutoFit/>
+          </a:bodyPr>
+          <a:lstStyle/>
+          <a:p>
+            <a:r>
+              <a:rPr lang="en-US" dirty="0" err="1"/>
+              <a:t>AppendChild</a:t>
+            </a:r>
+            <a:endParaRPr lang="en-US" dirty="0"/>
+          </a:p>
+        </p:txBody>
+      </p:sp>
+    </p:spTree>
+    <p:extLst>
+      <p:ext uri="{BB962C8B-B14F-4D97-AF65-F5344CB8AC3E}">
+        <p14:creationId xmlns:p14="http://schemas.microsoft.com/office/powerpoint/2010/main" val="3963579029"/>
+      </p:ext>
+    </p:extLst>
+  </p:cSld>
+  <p:clrMapOvr>
+    <a:masterClrMapping/>
+  </p:clrMapOvr>
+</p:sld>
+</file>
+
+<file path=ppt/slides/slide99.xml><?xml version="1.0" encoding="utf-8"?>
+<p:sld xmlns:a="http://schemas.openxmlformats.org/drawingml/2006/main" xmlns:r="http://schemas.openxmlformats.org/officeDocument/2006/relationships" xmlns:p="http://schemas.openxmlformats.org/presentationml/2006/main">
+  <p:cSld>
+    <p:spTree>
+      <p:nvGrpSpPr>
+        <p:cNvPr id="1" name=""/>
+        <p:cNvGrpSpPr/>
+        <p:nvPr/>
+      </p:nvGrpSpPr>
+      <p:grpSpPr>
+        <a:xfrm>
+          <a:off x="0" y="0"/>
+          <a:ext cx="0" cy="0"/>
+          <a:chOff x="0" y="0"/>
+          <a:chExt cx="0" cy="0"/>
+        </a:xfrm>
+      </p:grpSpPr>
+      <p:sp>
+        <p:nvSpPr>
+          <p:cNvPr id="2" name="Title 1">
+            <a:extLst>
+              <a:ext uri="{FF2B5EF4-FFF2-40B4-BE49-F238E27FC236}">
+                <a16:creationId xmlns:a16="http://schemas.microsoft.com/office/drawing/2014/main" id="{1603C025-DBAE-BD9C-ABFE-26A0765F8337}"/>
+              </a:ext>
+            </a:extLst>
+          </p:cNvPr>
+          <p:cNvSpPr>
+            <a:spLocks noGrp="1"/>
+          </p:cNvSpPr>
+          <p:nvPr>
+            <p:ph type="title"/>
+          </p:nvPr>
+        </p:nvSpPr>
+        <p:spPr/>
+        <p:txBody>
+          <a:bodyPr/>
+          <a:lstStyle/>
+          <a:p>
+            <a:r>
+              <a:rPr lang="en-US" dirty="0"/>
+              <a:t>DOM: Append Methods</a:t>
+            </a:r>
+          </a:p>
+        </p:txBody>
+      </p:sp>
+      <p:sp>
+        <p:nvSpPr>
+          <p:cNvPr id="3" name="Content Placeholder 2">
+            <a:extLst>
+              <a:ext uri="{FF2B5EF4-FFF2-40B4-BE49-F238E27FC236}">
+                <a16:creationId xmlns:a16="http://schemas.microsoft.com/office/drawing/2014/main" id="{6C67B775-7142-251B-CB18-C6AEF037A6B2}"/>
+              </a:ext>
+            </a:extLst>
+          </p:cNvPr>
+          <p:cNvSpPr>
+            <a:spLocks noGrp="1"/>
+          </p:cNvSpPr>
+          <p:nvPr>
+            <p:ph idx="1"/>
+          </p:nvPr>
+        </p:nvSpPr>
+        <p:spPr>
+          <a:xfrm>
+            <a:off x="525966" y="1518380"/>
+            <a:ext cx="10515600" cy="4351338"/>
+          </a:xfrm>
+        </p:spPr>
+        <p:txBody>
+          <a:bodyPr/>
+          <a:lstStyle/>
+          <a:p>
+            <a:r>
+              <a:rPr lang="en-US" dirty="0" err="1"/>
+              <a:t>appendChild</a:t>
+            </a:r>
+            <a:endParaRPr lang="en-US" dirty="0"/>
+          </a:p>
+          <a:p>
+            <a:r>
+              <a:rPr lang="en-US" dirty="0" err="1"/>
+              <a:t>insertBefore</a:t>
+            </a:r>
+            <a:endParaRPr lang="en-US" dirty="0"/>
+          </a:p>
+          <a:p>
+            <a:r>
+              <a:rPr lang="en-US" dirty="0" err="1"/>
+              <a:t>InsertAdjacentElement</a:t>
+            </a:r>
+            <a:endParaRPr lang="en-US" dirty="0"/>
+          </a:p>
+          <a:p>
+            <a:r>
+              <a:rPr lang="en-US" dirty="0" err="1"/>
+              <a:t>insertAdjacentHTML</a:t>
+            </a:r>
+            <a:endParaRPr lang="en-US" dirty="0"/>
+          </a:p>
+          <a:p>
+            <a:r>
+              <a:rPr lang="en-US" dirty="0" err="1"/>
+              <a:t>insertAdjacentText</a:t>
+            </a:r>
+            <a:endParaRPr lang="en-US" dirty="0"/>
+          </a:p>
+        </p:txBody>
+      </p:sp>
+      <p:sp>
+        <p:nvSpPr>
+          <p:cNvPr id="10" name="Arrow: Right 9">
+            <a:extLst>
+              <a:ext uri="{FF2B5EF4-FFF2-40B4-BE49-F238E27FC236}">
+                <a16:creationId xmlns:a16="http://schemas.microsoft.com/office/drawing/2014/main" id="{B86703E1-8536-9E93-B88A-1A58547C567C}"/>
+              </a:ext>
+            </a:extLst>
+          </p:cNvPr>
+          <p:cNvSpPr/>
+          <p:nvPr/>
+        </p:nvSpPr>
+        <p:spPr>
+          <a:xfrm>
+            <a:off x="2920621" y="1690688"/>
+            <a:ext cx="3848669" cy="697670"/>
+          </a:xfrm>
+          <a:prstGeom prst="rightArrow">
+            <a:avLst/>
+          </a:prstGeom>
+        </p:spPr>
+        <p:style>
+          <a:lnRef idx="2">
+            <a:schemeClr val="accent1">
+              <a:shade val="50000"/>
+            </a:schemeClr>
+          </a:lnRef>
+          <a:fillRef idx="1">
+            <a:schemeClr val="accent1"/>
+          </a:fillRef>
+          <a:effectRef idx="0">
+            <a:schemeClr val="accent1"/>
+          </a:effectRef>
+          <a:fontRef idx="minor">
+            <a:schemeClr val="lt1"/>
+          </a:fontRef>
+        </p:style>
+        <p:txBody>
+          <a:bodyPr rtlCol="0" anchor="ctr"/>
+          <a:lstStyle/>
+          <a:p>
+            <a:pPr algn="ctr"/>
+            <a:endParaRPr lang="en-US"/>
+          </a:p>
+        </p:txBody>
+      </p:sp>
+      <p:sp>
+        <p:nvSpPr>
+          <p:cNvPr id="11" name="TextBox 10">
+            <a:extLst>
+              <a:ext uri="{FF2B5EF4-FFF2-40B4-BE49-F238E27FC236}">
+                <a16:creationId xmlns:a16="http://schemas.microsoft.com/office/drawing/2014/main" id="{78FD5752-8836-0087-A22E-FA7BAC236762}"/>
+              </a:ext>
+            </a:extLst>
+          </p:cNvPr>
+          <p:cNvSpPr txBox="1"/>
+          <p:nvPr/>
+        </p:nvSpPr>
+        <p:spPr>
+          <a:xfrm>
+            <a:off x="10002148" y="1321356"/>
+            <a:ext cx="1351652" cy="369332"/>
+          </a:xfrm>
+          <a:prstGeom prst="rect">
+            <a:avLst/>
+          </a:prstGeom>
+          <a:noFill/>
+        </p:spPr>
+        <p:txBody>
+          <a:bodyPr wrap="none" rtlCol="0">
+            <a:spAutoFit/>
+          </a:bodyPr>
+          <a:lstStyle/>
+          <a:p>
+            <a:r>
+              <a:rPr lang="en-US" dirty="0" err="1"/>
+              <a:t>OnlyAppend</a:t>
+            </a:r>
+            <a:endParaRPr lang="en-US" dirty="0"/>
+          </a:p>
+        </p:txBody>
+      </p:sp>
+      <p:sp>
+        <p:nvSpPr>
+          <p:cNvPr id="12" name="Arrow: Right 11">
+            <a:extLst>
+              <a:ext uri="{FF2B5EF4-FFF2-40B4-BE49-F238E27FC236}">
+                <a16:creationId xmlns:a16="http://schemas.microsoft.com/office/drawing/2014/main" id="{DC8B96DC-07F3-1409-42FC-095911784FA6}"/>
+              </a:ext>
+            </a:extLst>
+          </p:cNvPr>
+          <p:cNvSpPr/>
+          <p:nvPr/>
+        </p:nvSpPr>
+        <p:spPr>
+          <a:xfrm>
+            <a:off x="4497199" y="2747178"/>
+            <a:ext cx="3848669" cy="1588869"/>
+          </a:xfrm>
+          <a:prstGeom prst="rightArrow">
+            <a:avLst/>
+          </a:prstGeom>
+        </p:spPr>
+        <p:style>
+          <a:lnRef idx="2">
+            <a:schemeClr val="accent1">
+              <a:shade val="50000"/>
+            </a:schemeClr>
+          </a:lnRef>
+          <a:fillRef idx="1">
+            <a:schemeClr val="accent1"/>
+          </a:fillRef>
+          <a:effectRef idx="0">
+            <a:schemeClr val="accent1"/>
+          </a:effectRef>
+          <a:fontRef idx="minor">
+            <a:schemeClr val="lt1"/>
+          </a:fontRef>
+        </p:style>
+        <p:txBody>
+          <a:bodyPr rtlCol="0" anchor="ctr"/>
+          <a:lstStyle/>
+          <a:p>
+            <a:pPr algn="ctr"/>
+            <a:endParaRPr lang="en-US"/>
+          </a:p>
+        </p:txBody>
+      </p:sp>
+      <p:sp>
+        <p:nvSpPr>
+          <p:cNvPr id="13" name="TextBox 12">
+            <a:extLst>
+              <a:ext uri="{FF2B5EF4-FFF2-40B4-BE49-F238E27FC236}">
+                <a16:creationId xmlns:a16="http://schemas.microsoft.com/office/drawing/2014/main" id="{E42D4431-EC28-0E60-4722-51BCED29A111}"/>
+              </a:ext>
+            </a:extLst>
+          </p:cNvPr>
+          <p:cNvSpPr txBox="1"/>
+          <p:nvPr/>
+        </p:nvSpPr>
+        <p:spPr>
+          <a:xfrm>
+            <a:off x="10002148" y="2843943"/>
+            <a:ext cx="1797672" cy="369332"/>
+          </a:xfrm>
+          <a:prstGeom prst="rect">
+            <a:avLst/>
+          </a:prstGeom>
+          <a:noFill/>
+        </p:spPr>
+        <p:txBody>
+          <a:bodyPr wrap="none" rtlCol="0">
+            <a:spAutoFit/>
+          </a:bodyPr>
+          <a:lstStyle/>
+          <a:p>
+            <a:r>
+              <a:rPr lang="en-US" dirty="0"/>
+              <a:t>Create &amp; Append</a:t>
+            </a:r>
+          </a:p>
+        </p:txBody>
+      </p:sp>
+    </p:spTree>
+    <p:extLst>
+      <p:ext uri="{BB962C8B-B14F-4D97-AF65-F5344CB8AC3E}">
+        <p14:creationId xmlns:p14="http://schemas.microsoft.com/office/powerpoint/2010/main" val="2979640520"/>
+      </p:ext>
+    </p:extLst>
+  </p:cSld>
+  <p:clrMapOvr>
+    <a:masterClrMapping/>
+  </p:clrMapOvr>
+</p:sld>
+</file>
+
 <file path=ppt/theme/theme1.xml><?xml version="1.0" encoding="utf-8"?>
 <a:theme xmlns:a="http://schemas.openxmlformats.org/drawingml/2006/main" name="Office Theme">
   <a:themeElements>

--- a/JavaScript.pptx
+++ b/JavaScript.pptx
@@ -106,6 +106,9 @@
     <p:sldId id="354" r:id="rId100"/>
     <p:sldId id="355" r:id="rId101"/>
     <p:sldId id="356" r:id="rId102"/>
+    <p:sldId id="357" r:id="rId103"/>
+    <p:sldId id="358" r:id="rId104"/>
+    <p:sldId id="359" r:id="rId105"/>
   </p:sldIdLst>
   <p:sldSz cx="12192000" cy="6858000"/>
   <p:notesSz cx="6858000" cy="9144000"/>
@@ -314,6 +317,9 @@
             <p14:sldId id="354"/>
             <p14:sldId id="355"/>
             <p14:sldId id="356"/>
+            <p14:sldId id="357"/>
+            <p14:sldId id="358"/>
+            <p14:sldId id="359"/>
           </p14:sldIdLst>
         </p14:section>
       </p14:sectionLst>
@@ -472,7 +478,7 @@
           <a:p>
             <a:fld id="{B0FD79F2-F8AC-467F-AA9E-9C9DDF51E646}" type="datetimeFigureOut">
               <a:rPr lang="en-US" smtClean="0"/>
-              <a:t>1/31/2023</a:t>
+              <a:t>2/2/2023</a:t>
             </a:fld>
             <a:endParaRPr lang="en-US"/>
           </a:p>
@@ -670,7 +676,7 @@
           <a:p>
             <a:fld id="{B0FD79F2-F8AC-467F-AA9E-9C9DDF51E646}" type="datetimeFigureOut">
               <a:rPr lang="en-US" smtClean="0"/>
-              <a:t>1/31/2023</a:t>
+              <a:t>2/2/2023</a:t>
             </a:fld>
             <a:endParaRPr lang="en-US"/>
           </a:p>
@@ -878,7 +884,7 @@
           <a:p>
             <a:fld id="{B0FD79F2-F8AC-467F-AA9E-9C9DDF51E646}" type="datetimeFigureOut">
               <a:rPr lang="en-US" smtClean="0"/>
-              <a:t>1/31/2023</a:t>
+              <a:t>2/2/2023</a:t>
             </a:fld>
             <a:endParaRPr lang="en-US"/>
           </a:p>
@@ -1076,7 +1082,7 @@
           <a:p>
             <a:fld id="{B0FD79F2-F8AC-467F-AA9E-9C9DDF51E646}" type="datetimeFigureOut">
               <a:rPr lang="en-US" smtClean="0"/>
-              <a:t>1/31/2023</a:t>
+              <a:t>2/2/2023</a:t>
             </a:fld>
             <a:endParaRPr lang="en-US"/>
           </a:p>
@@ -1351,7 +1357,7 @@
           <a:p>
             <a:fld id="{B0FD79F2-F8AC-467F-AA9E-9C9DDF51E646}" type="datetimeFigureOut">
               <a:rPr lang="en-US" smtClean="0"/>
-              <a:t>1/31/2023</a:t>
+              <a:t>2/2/2023</a:t>
             </a:fld>
             <a:endParaRPr lang="en-US"/>
           </a:p>
@@ -1616,7 +1622,7 @@
           <a:p>
             <a:fld id="{B0FD79F2-F8AC-467F-AA9E-9C9DDF51E646}" type="datetimeFigureOut">
               <a:rPr lang="en-US" smtClean="0"/>
-              <a:t>1/31/2023</a:t>
+              <a:t>2/2/2023</a:t>
             </a:fld>
             <a:endParaRPr lang="en-US"/>
           </a:p>
@@ -2028,7 +2034,7 @@
           <a:p>
             <a:fld id="{B0FD79F2-F8AC-467F-AA9E-9C9DDF51E646}" type="datetimeFigureOut">
               <a:rPr lang="en-US" smtClean="0"/>
-              <a:t>1/31/2023</a:t>
+              <a:t>2/2/2023</a:t>
             </a:fld>
             <a:endParaRPr lang="en-US"/>
           </a:p>
@@ -2169,7 +2175,7 @@
           <a:p>
             <a:fld id="{B0FD79F2-F8AC-467F-AA9E-9C9DDF51E646}" type="datetimeFigureOut">
               <a:rPr lang="en-US" smtClean="0"/>
-              <a:t>1/31/2023</a:t>
+              <a:t>2/2/2023</a:t>
             </a:fld>
             <a:endParaRPr lang="en-US"/>
           </a:p>
@@ -2282,7 +2288,7 @@
           <a:p>
             <a:fld id="{B0FD79F2-F8AC-467F-AA9E-9C9DDF51E646}" type="datetimeFigureOut">
               <a:rPr lang="en-US" smtClean="0"/>
-              <a:t>1/31/2023</a:t>
+              <a:t>2/2/2023</a:t>
             </a:fld>
             <a:endParaRPr lang="en-US"/>
           </a:p>
@@ -2593,7 +2599,7 @@
           <a:p>
             <a:fld id="{B0FD79F2-F8AC-467F-AA9E-9C9DDF51E646}" type="datetimeFigureOut">
               <a:rPr lang="en-US" smtClean="0"/>
-              <a:t>1/31/2023</a:t>
+              <a:t>2/2/2023</a:t>
             </a:fld>
             <a:endParaRPr lang="en-US"/>
           </a:p>
@@ -2881,7 +2887,7 @@
           <a:p>
             <a:fld id="{B0FD79F2-F8AC-467F-AA9E-9C9DDF51E646}" type="datetimeFigureOut">
               <a:rPr lang="en-US" smtClean="0"/>
-              <a:t>1/31/2023</a:t>
+              <a:t>2/2/2023</a:t>
             </a:fld>
             <a:endParaRPr lang="en-US"/>
           </a:p>
@@ -3122,7 +3128,7 @@
           <a:p>
             <a:fld id="{B0FD79F2-F8AC-467F-AA9E-9C9DDF51E646}" type="datetimeFigureOut">
               <a:rPr lang="en-US" smtClean="0"/>
-              <a:t>1/31/2023</a:t>
+              <a:t>2/2/2023</a:t>
             </a:fld>
             <a:endParaRPr lang="en-US"/>
           </a:p>
@@ -4304,6 +4310,463 @@
     <p:extLst>
       <p:ext uri="{BB962C8B-B14F-4D97-AF65-F5344CB8AC3E}">
         <p14:creationId xmlns:p14="http://schemas.microsoft.com/office/powerpoint/2010/main" val="3995472202"/>
+      </p:ext>
+    </p:extLst>
+  </p:cSld>
+  <p:clrMapOvr>
+    <a:masterClrMapping/>
+  </p:clrMapOvr>
+</p:sld>
+</file>
+
+<file path=ppt/slides/slide102.xml><?xml version="1.0" encoding="utf-8"?>
+<p:sld xmlns:a="http://schemas.openxmlformats.org/drawingml/2006/main" xmlns:r="http://schemas.openxmlformats.org/officeDocument/2006/relationships" xmlns:p="http://schemas.openxmlformats.org/presentationml/2006/main">
+  <p:cSld>
+    <p:spTree>
+      <p:nvGrpSpPr>
+        <p:cNvPr id="1" name=""/>
+        <p:cNvGrpSpPr/>
+        <p:nvPr/>
+      </p:nvGrpSpPr>
+      <p:grpSpPr>
+        <a:xfrm>
+          <a:off x="0" y="0"/>
+          <a:ext cx="0" cy="0"/>
+          <a:chOff x="0" y="0"/>
+          <a:chExt cx="0" cy="0"/>
+        </a:xfrm>
+      </p:grpSpPr>
+      <p:sp>
+        <p:nvSpPr>
+          <p:cNvPr id="2" name="Title 1">
+            <a:extLst>
+              <a:ext uri="{FF2B5EF4-FFF2-40B4-BE49-F238E27FC236}">
+                <a16:creationId xmlns:a16="http://schemas.microsoft.com/office/drawing/2014/main" id="{6F3CCA70-1A8C-3411-A27A-FF5471890480}"/>
+              </a:ext>
+            </a:extLst>
+          </p:cNvPr>
+          <p:cNvSpPr>
+            <a:spLocks noGrp="1"/>
+          </p:cNvSpPr>
+          <p:nvPr>
+            <p:ph type="title"/>
+          </p:nvPr>
+        </p:nvSpPr>
+        <p:spPr/>
+        <p:txBody>
+          <a:bodyPr/>
+          <a:lstStyle/>
+          <a:p>
+            <a:r>
+              <a:rPr lang="en-US" dirty="0"/>
+              <a:t>JS: DOM </a:t>
+            </a:r>
+            <a:r>
+              <a:rPr lang="en-US" dirty="0" err="1"/>
+              <a:t>cloneNode</a:t>
+            </a:r>
+            <a:r>
+              <a:rPr lang="en-US" dirty="0"/>
+              <a:t>()</a:t>
+            </a:r>
+          </a:p>
+        </p:txBody>
+      </p:sp>
+      <p:sp>
+        <p:nvSpPr>
+          <p:cNvPr id="3" name="Content Placeholder 2">
+            <a:extLst>
+              <a:ext uri="{FF2B5EF4-FFF2-40B4-BE49-F238E27FC236}">
+                <a16:creationId xmlns:a16="http://schemas.microsoft.com/office/drawing/2014/main" id="{2A464AB8-43A1-E014-1ADF-FD2E64385642}"/>
+              </a:ext>
+            </a:extLst>
+          </p:cNvPr>
+          <p:cNvSpPr>
+            <a:spLocks noGrp="1"/>
+          </p:cNvSpPr>
+          <p:nvPr>
+            <p:ph idx="1"/>
+          </p:nvPr>
+        </p:nvSpPr>
+        <p:spPr/>
+        <p:txBody>
+          <a:bodyPr/>
+          <a:lstStyle/>
+          <a:p>
+            <a:endParaRPr lang="en-US"/>
+          </a:p>
+        </p:txBody>
+      </p:sp>
+    </p:spTree>
+    <p:extLst>
+      <p:ext uri="{BB962C8B-B14F-4D97-AF65-F5344CB8AC3E}">
+        <p14:creationId xmlns:p14="http://schemas.microsoft.com/office/powerpoint/2010/main" val="1055883854"/>
+      </p:ext>
+    </p:extLst>
+  </p:cSld>
+  <p:clrMapOvr>
+    <a:masterClrMapping/>
+  </p:clrMapOvr>
+</p:sld>
+</file>
+
+<file path=ppt/slides/slide103.xml><?xml version="1.0" encoding="utf-8"?>
+<p:sld xmlns:a="http://schemas.openxmlformats.org/drawingml/2006/main" xmlns:r="http://schemas.openxmlformats.org/officeDocument/2006/relationships" xmlns:p="http://schemas.openxmlformats.org/presentationml/2006/main">
+  <p:cSld>
+    <p:spTree>
+      <p:nvGrpSpPr>
+        <p:cNvPr id="1" name=""/>
+        <p:cNvGrpSpPr/>
+        <p:nvPr/>
+      </p:nvGrpSpPr>
+      <p:grpSpPr>
+        <a:xfrm>
+          <a:off x="0" y="0"/>
+          <a:ext cx="0" cy="0"/>
+          <a:chOff x="0" y="0"/>
+          <a:chExt cx="0" cy="0"/>
+        </a:xfrm>
+      </p:grpSpPr>
+      <p:sp>
+        <p:nvSpPr>
+          <p:cNvPr id="2" name="Title 1">
+            <a:extLst>
+              <a:ext uri="{FF2B5EF4-FFF2-40B4-BE49-F238E27FC236}">
+                <a16:creationId xmlns:a16="http://schemas.microsoft.com/office/drawing/2014/main" id="{0DDD65FE-764D-E9B7-12B1-9158772E1937}"/>
+              </a:ext>
+            </a:extLst>
+          </p:cNvPr>
+          <p:cNvSpPr>
+            <a:spLocks noGrp="1"/>
+          </p:cNvSpPr>
+          <p:nvPr>
+            <p:ph type="title"/>
+          </p:nvPr>
+        </p:nvSpPr>
+        <p:spPr>
+          <a:xfrm>
+            <a:off x="838200" y="365125"/>
+            <a:ext cx="10515600" cy="6492875"/>
+          </a:xfrm>
+        </p:spPr>
+        <p:txBody>
+          <a:bodyPr>
+            <a:normAutofit/>
+          </a:bodyPr>
+          <a:lstStyle/>
+          <a:p>
+            <a:r>
+              <a:rPr lang="en-US" dirty="0"/>
+              <a:t>DOM: contains()</a:t>
+            </a:r>
+            <a:br>
+              <a:rPr lang="en-US" dirty="0"/>
+            </a:br>
+            <a:br>
+              <a:rPr lang="en-US" dirty="0"/>
+            </a:br>
+            <a:r>
+              <a:rPr lang="en-US" dirty="0" err="1"/>
+              <a:t>hasAttribute</a:t>
+            </a:r>
+            <a:r>
+              <a:rPr lang="en-US" dirty="0"/>
+              <a:t>()</a:t>
+            </a:r>
+            <a:br>
+              <a:rPr lang="en-US" dirty="0"/>
+            </a:br>
+            <a:r>
+              <a:rPr lang="en-US" dirty="0"/>
+              <a:t>&amp; </a:t>
+            </a:r>
+            <a:br>
+              <a:rPr lang="en-US" dirty="0"/>
+            </a:br>
+            <a:r>
+              <a:rPr lang="en-US" dirty="0" err="1"/>
+              <a:t>hasChildNodes</a:t>
+            </a:r>
+            <a:r>
+              <a:rPr lang="en-US" dirty="0"/>
+              <a:t>()</a:t>
+            </a:r>
+            <a:br>
+              <a:rPr lang="en-US" dirty="0"/>
+            </a:br>
+            <a:r>
+              <a:rPr lang="en-US" dirty="0" err="1"/>
+              <a:t>EqualNode</a:t>
+            </a:r>
+            <a:r>
+              <a:rPr lang="en-US" dirty="0"/>
+              <a:t>()</a:t>
+            </a:r>
+          </a:p>
+        </p:txBody>
+      </p:sp>
+    </p:spTree>
+    <p:extLst>
+      <p:ext uri="{BB962C8B-B14F-4D97-AF65-F5344CB8AC3E}">
+        <p14:creationId xmlns:p14="http://schemas.microsoft.com/office/powerpoint/2010/main" val="636050718"/>
+      </p:ext>
+    </p:extLst>
+  </p:cSld>
+  <p:clrMapOvr>
+    <a:masterClrMapping/>
+  </p:clrMapOvr>
+</p:sld>
+</file>
+
+<file path=ppt/slides/slide104.xml><?xml version="1.0" encoding="utf-8"?>
+<p:sld xmlns:a="http://schemas.openxmlformats.org/drawingml/2006/main" xmlns:r="http://schemas.openxmlformats.org/officeDocument/2006/relationships" xmlns:p="http://schemas.openxmlformats.org/presentationml/2006/main">
+  <p:cSld>
+    <p:spTree>
+      <p:nvGrpSpPr>
+        <p:cNvPr id="1" name=""/>
+        <p:cNvGrpSpPr/>
+        <p:nvPr/>
+      </p:nvGrpSpPr>
+      <p:grpSpPr>
+        <a:xfrm>
+          <a:off x="0" y="0"/>
+          <a:ext cx="0" cy="0"/>
+          <a:chOff x="0" y="0"/>
+          <a:chExt cx="0" cy="0"/>
+        </a:xfrm>
+      </p:grpSpPr>
+      <p:sp>
+        <p:nvSpPr>
+          <p:cNvPr id="4" name="TextBox 3">
+            <a:extLst>
+              <a:ext uri="{FF2B5EF4-FFF2-40B4-BE49-F238E27FC236}">
+                <a16:creationId xmlns:a16="http://schemas.microsoft.com/office/drawing/2014/main" id="{7ACBD90E-36BB-7594-759B-98B969A23DBB}"/>
+              </a:ext>
+            </a:extLst>
+          </p:cNvPr>
+          <p:cNvSpPr txBox="1"/>
+          <p:nvPr/>
+        </p:nvSpPr>
+        <p:spPr>
+          <a:xfrm>
+            <a:off x="1487606" y="1160060"/>
+            <a:ext cx="1431802" cy="3046988"/>
+          </a:xfrm>
+          <a:prstGeom prst="rect">
+            <a:avLst/>
+          </a:prstGeom>
+          <a:noFill/>
+        </p:spPr>
+        <p:txBody>
+          <a:bodyPr wrap="none" rtlCol="0">
+            <a:spAutoFit/>
+          </a:bodyPr>
+          <a:lstStyle/>
+          <a:p>
+            <a:r>
+              <a:rPr lang="en-US" sz="3200" dirty="0"/>
+              <a:t>List A</a:t>
+            </a:r>
+          </a:p>
+          <a:p>
+            <a:endParaRPr lang="en-US" sz="3200" dirty="0"/>
+          </a:p>
+          <a:p>
+            <a:r>
+              <a:rPr lang="en-US" sz="3200" dirty="0"/>
+              <a:t>Orange</a:t>
+            </a:r>
+          </a:p>
+          <a:p>
+            <a:r>
+              <a:rPr lang="en-US" sz="3200" dirty="0"/>
+              <a:t>Banana</a:t>
+            </a:r>
+          </a:p>
+          <a:p>
+            <a:r>
+              <a:rPr lang="en-US" sz="3200" dirty="0"/>
+              <a:t>Grapes</a:t>
+            </a:r>
+          </a:p>
+          <a:p>
+            <a:r>
+              <a:rPr lang="en-US" sz="3200" dirty="0"/>
+              <a:t>Apple</a:t>
+            </a:r>
+          </a:p>
+        </p:txBody>
+      </p:sp>
+      <p:sp>
+        <p:nvSpPr>
+          <p:cNvPr id="5" name="TextBox 4">
+            <a:extLst>
+              <a:ext uri="{FF2B5EF4-FFF2-40B4-BE49-F238E27FC236}">
+                <a16:creationId xmlns:a16="http://schemas.microsoft.com/office/drawing/2014/main" id="{B02BCA6B-03A8-55BC-30F1-4281737C877E}"/>
+              </a:ext>
+            </a:extLst>
+          </p:cNvPr>
+          <p:cNvSpPr txBox="1"/>
+          <p:nvPr/>
+        </p:nvSpPr>
+        <p:spPr>
+          <a:xfrm>
+            <a:off x="3739486" y="1160059"/>
+            <a:ext cx="1431802" cy="3046988"/>
+          </a:xfrm>
+          <a:prstGeom prst="rect">
+            <a:avLst/>
+          </a:prstGeom>
+          <a:noFill/>
+        </p:spPr>
+        <p:txBody>
+          <a:bodyPr wrap="none" rtlCol="0">
+            <a:spAutoFit/>
+          </a:bodyPr>
+          <a:lstStyle/>
+          <a:p>
+            <a:r>
+              <a:rPr lang="en-US" sz="3200" dirty="0"/>
+              <a:t>List B</a:t>
+            </a:r>
+          </a:p>
+          <a:p>
+            <a:endParaRPr lang="en-US" sz="3200" dirty="0"/>
+          </a:p>
+          <a:p>
+            <a:r>
+              <a:rPr lang="en-US" sz="3200" dirty="0"/>
+              <a:t>Orange</a:t>
+            </a:r>
+          </a:p>
+          <a:p>
+            <a:r>
+              <a:rPr lang="en-US" sz="3200" dirty="0"/>
+              <a:t>Banana</a:t>
+            </a:r>
+          </a:p>
+          <a:p>
+            <a:r>
+              <a:rPr lang="en-US" sz="3200" dirty="0"/>
+              <a:t>Grapes</a:t>
+            </a:r>
+          </a:p>
+          <a:p>
+            <a:r>
+              <a:rPr lang="en-US" sz="3200" dirty="0"/>
+              <a:t>Apple</a:t>
+            </a:r>
+          </a:p>
+        </p:txBody>
+      </p:sp>
+      <p:sp>
+        <p:nvSpPr>
+          <p:cNvPr id="6" name="TextBox 5">
+            <a:extLst>
+              <a:ext uri="{FF2B5EF4-FFF2-40B4-BE49-F238E27FC236}">
+                <a16:creationId xmlns:a16="http://schemas.microsoft.com/office/drawing/2014/main" id="{E7348443-BB21-C03D-6FA4-4BAC031D2DEA}"/>
+              </a:ext>
+            </a:extLst>
+          </p:cNvPr>
+          <p:cNvSpPr txBox="1"/>
+          <p:nvPr/>
+        </p:nvSpPr>
+        <p:spPr>
+          <a:xfrm>
+            <a:off x="7219666" y="1037230"/>
+            <a:ext cx="3639266" cy="2677656"/>
+          </a:xfrm>
+          <a:prstGeom prst="rect">
+            <a:avLst/>
+          </a:prstGeom>
+          <a:noFill/>
+        </p:spPr>
+        <p:txBody>
+          <a:bodyPr wrap="none" rtlCol="0">
+            <a:spAutoFit/>
+          </a:bodyPr>
+          <a:lstStyle/>
+          <a:p>
+            <a:pPr marL="285750" indent="-285750">
+              <a:buFont typeface="Arial" panose="020B0604020202020204" pitchFamily="34" charset="0"/>
+              <a:buChar char="•"/>
+            </a:pPr>
+            <a:r>
+              <a:rPr lang="en-US" sz="2800" dirty="0"/>
+              <a:t>Same Node Type</a:t>
+            </a:r>
+          </a:p>
+          <a:p>
+            <a:pPr marL="285750" indent="-285750">
+              <a:buFont typeface="Arial" panose="020B0604020202020204" pitchFamily="34" charset="0"/>
+              <a:buChar char="•"/>
+            </a:pPr>
+            <a:r>
+              <a:rPr lang="en-US" sz="2800" dirty="0"/>
+              <a:t>Same </a:t>
+            </a:r>
+            <a:r>
+              <a:rPr lang="en-US" sz="2800" dirty="0" err="1"/>
+              <a:t>nodeName</a:t>
+            </a:r>
+            <a:endParaRPr lang="en-US" sz="2800" dirty="0"/>
+          </a:p>
+          <a:p>
+            <a:pPr marL="285750" indent="-285750">
+              <a:buFont typeface="Arial" panose="020B0604020202020204" pitchFamily="34" charset="0"/>
+              <a:buChar char="•"/>
+            </a:pPr>
+            <a:r>
+              <a:rPr lang="en-US" sz="2800" dirty="0"/>
+              <a:t>Same </a:t>
+            </a:r>
+            <a:r>
+              <a:rPr lang="en-US" sz="2800" dirty="0" err="1"/>
+              <a:t>NodeValue</a:t>
+            </a:r>
+            <a:endParaRPr lang="en-US" sz="2800" dirty="0"/>
+          </a:p>
+          <a:p>
+            <a:pPr marL="285750" indent="-285750">
+              <a:buFont typeface="Arial" panose="020B0604020202020204" pitchFamily="34" charset="0"/>
+              <a:buChar char="•"/>
+            </a:pPr>
+            <a:r>
+              <a:rPr lang="en-US" sz="2800" dirty="0"/>
+              <a:t>Same </a:t>
+            </a:r>
+            <a:r>
+              <a:rPr lang="en-US" sz="2800" dirty="0" err="1"/>
+              <a:t>childNodes</a:t>
+            </a:r>
+            <a:endParaRPr lang="en-US" sz="2800" dirty="0"/>
+          </a:p>
+          <a:p>
+            <a:pPr marL="285750" indent="-285750">
+              <a:buFont typeface="Arial" panose="020B0604020202020204" pitchFamily="34" charset="0"/>
+              <a:buChar char="•"/>
+            </a:pPr>
+            <a:r>
+              <a:rPr lang="en-US" sz="2800" dirty="0"/>
+              <a:t>Same attributes</a:t>
+            </a:r>
+          </a:p>
+          <a:p>
+            <a:pPr marL="285750" indent="-285750">
+              <a:buFont typeface="Arial" panose="020B0604020202020204" pitchFamily="34" charset="0"/>
+              <a:buChar char="•"/>
+            </a:pPr>
+            <a:r>
+              <a:rPr lang="en-US" sz="2800" dirty="0"/>
+              <a:t>Same attribute values</a:t>
+            </a:r>
+          </a:p>
+        </p:txBody>
+      </p:sp>
+    </p:spTree>
+    <p:extLst>
+      <p:ext uri="{BB962C8B-B14F-4D97-AF65-F5344CB8AC3E}">
+        <p14:creationId xmlns:p14="http://schemas.microsoft.com/office/powerpoint/2010/main" val="233230696"/>
       </p:ext>
     </p:extLst>
   </p:cSld>

--- a/JavaScript.pptx
+++ b/JavaScript.pptx
@@ -109,6 +109,10 @@
     <p:sldId id="357" r:id="rId103"/>
     <p:sldId id="358" r:id="rId104"/>
     <p:sldId id="359" r:id="rId105"/>
+    <p:sldId id="360" r:id="rId106"/>
+    <p:sldId id="361" r:id="rId107"/>
+    <p:sldId id="362" r:id="rId108"/>
+    <p:sldId id="363" r:id="rId109"/>
   </p:sldIdLst>
   <p:sldSz cx="12192000" cy="6858000"/>
   <p:notesSz cx="6858000" cy="9144000"/>
@@ -320,6 +324,10 @@
             <p14:sldId id="357"/>
             <p14:sldId id="358"/>
             <p14:sldId id="359"/>
+            <p14:sldId id="360"/>
+            <p14:sldId id="361"/>
+            <p14:sldId id="362"/>
+            <p14:sldId id="363"/>
           </p14:sldIdLst>
         </p14:section>
       </p14:sectionLst>
@@ -478,7 +486,7 @@
           <a:p>
             <a:fld id="{B0FD79F2-F8AC-467F-AA9E-9C9DDF51E646}" type="datetimeFigureOut">
               <a:rPr lang="en-US" smtClean="0"/>
-              <a:t>2/2/2023</a:t>
+              <a:t>2/8/2023</a:t>
             </a:fld>
             <a:endParaRPr lang="en-US"/>
           </a:p>
@@ -676,7 +684,7 @@
           <a:p>
             <a:fld id="{B0FD79F2-F8AC-467F-AA9E-9C9DDF51E646}" type="datetimeFigureOut">
               <a:rPr lang="en-US" smtClean="0"/>
-              <a:t>2/2/2023</a:t>
+              <a:t>2/8/2023</a:t>
             </a:fld>
             <a:endParaRPr lang="en-US"/>
           </a:p>
@@ -884,7 +892,7 @@
           <a:p>
             <a:fld id="{B0FD79F2-F8AC-467F-AA9E-9C9DDF51E646}" type="datetimeFigureOut">
               <a:rPr lang="en-US" smtClean="0"/>
-              <a:t>2/2/2023</a:t>
+              <a:t>2/8/2023</a:t>
             </a:fld>
             <a:endParaRPr lang="en-US"/>
           </a:p>
@@ -1082,7 +1090,7 @@
           <a:p>
             <a:fld id="{B0FD79F2-F8AC-467F-AA9E-9C9DDF51E646}" type="datetimeFigureOut">
               <a:rPr lang="en-US" smtClean="0"/>
-              <a:t>2/2/2023</a:t>
+              <a:t>2/8/2023</a:t>
             </a:fld>
             <a:endParaRPr lang="en-US"/>
           </a:p>
@@ -1357,7 +1365,7 @@
           <a:p>
             <a:fld id="{B0FD79F2-F8AC-467F-AA9E-9C9DDF51E646}" type="datetimeFigureOut">
               <a:rPr lang="en-US" smtClean="0"/>
-              <a:t>2/2/2023</a:t>
+              <a:t>2/8/2023</a:t>
             </a:fld>
             <a:endParaRPr lang="en-US"/>
           </a:p>
@@ -1622,7 +1630,7 @@
           <a:p>
             <a:fld id="{B0FD79F2-F8AC-467F-AA9E-9C9DDF51E646}" type="datetimeFigureOut">
               <a:rPr lang="en-US" smtClean="0"/>
-              <a:t>2/2/2023</a:t>
+              <a:t>2/8/2023</a:t>
             </a:fld>
             <a:endParaRPr lang="en-US"/>
           </a:p>
@@ -2034,7 +2042,7 @@
           <a:p>
             <a:fld id="{B0FD79F2-F8AC-467F-AA9E-9C9DDF51E646}" type="datetimeFigureOut">
               <a:rPr lang="en-US" smtClean="0"/>
-              <a:t>2/2/2023</a:t>
+              <a:t>2/8/2023</a:t>
             </a:fld>
             <a:endParaRPr lang="en-US"/>
           </a:p>
@@ -2175,7 +2183,7 @@
           <a:p>
             <a:fld id="{B0FD79F2-F8AC-467F-AA9E-9C9DDF51E646}" type="datetimeFigureOut">
               <a:rPr lang="en-US" smtClean="0"/>
-              <a:t>2/2/2023</a:t>
+              <a:t>2/8/2023</a:t>
             </a:fld>
             <a:endParaRPr lang="en-US"/>
           </a:p>
@@ -2288,7 +2296,7 @@
           <a:p>
             <a:fld id="{B0FD79F2-F8AC-467F-AA9E-9C9DDF51E646}" type="datetimeFigureOut">
               <a:rPr lang="en-US" smtClean="0"/>
-              <a:t>2/2/2023</a:t>
+              <a:t>2/8/2023</a:t>
             </a:fld>
             <a:endParaRPr lang="en-US"/>
           </a:p>
@@ -2599,7 +2607,7 @@
           <a:p>
             <a:fld id="{B0FD79F2-F8AC-467F-AA9E-9C9DDF51E646}" type="datetimeFigureOut">
               <a:rPr lang="en-US" smtClean="0"/>
-              <a:t>2/2/2023</a:t>
+              <a:t>2/8/2023</a:t>
             </a:fld>
             <a:endParaRPr lang="en-US"/>
           </a:p>
@@ -2887,7 +2895,7 @@
           <a:p>
             <a:fld id="{B0FD79F2-F8AC-467F-AA9E-9C9DDF51E646}" type="datetimeFigureOut">
               <a:rPr lang="en-US" smtClean="0"/>
-              <a:t>2/2/2023</a:t>
+              <a:t>2/8/2023</a:t>
             </a:fld>
             <a:endParaRPr lang="en-US"/>
           </a:p>
@@ -3128,7 +3136,7 @@
           <a:p>
             <a:fld id="{B0FD79F2-F8AC-467F-AA9E-9C9DDF51E646}" type="datetimeFigureOut">
               <a:rPr lang="en-US" smtClean="0"/>
-              <a:t>2/2/2023</a:t>
+              <a:t>2/8/2023</a:t>
             </a:fld>
             <a:endParaRPr lang="en-US"/>
           </a:p>
@@ -4767,6 +4775,626 @@
     <p:extLst>
       <p:ext uri="{BB962C8B-B14F-4D97-AF65-F5344CB8AC3E}">
         <p14:creationId xmlns:p14="http://schemas.microsoft.com/office/powerpoint/2010/main" val="233230696"/>
+      </p:ext>
+    </p:extLst>
+  </p:cSld>
+  <p:clrMapOvr>
+    <a:masterClrMapping/>
+  </p:clrMapOvr>
+</p:sld>
+</file>
+
+<file path=ppt/slides/slide105.xml><?xml version="1.0" encoding="utf-8"?>
+<p:sld xmlns:a="http://schemas.openxmlformats.org/drawingml/2006/main" xmlns:r="http://schemas.openxmlformats.org/officeDocument/2006/relationships" xmlns:p="http://schemas.openxmlformats.org/presentationml/2006/main">
+  <p:cSld>
+    <p:spTree>
+      <p:nvGrpSpPr>
+        <p:cNvPr id="1" name=""/>
+        <p:cNvGrpSpPr/>
+        <p:nvPr/>
+      </p:nvGrpSpPr>
+      <p:grpSpPr>
+        <a:xfrm>
+          <a:off x="0" y="0"/>
+          <a:ext cx="0" cy="0"/>
+          <a:chOff x="0" y="0"/>
+          <a:chExt cx="0" cy="0"/>
+        </a:xfrm>
+      </p:grpSpPr>
+      <p:sp>
+        <p:nvSpPr>
+          <p:cNvPr id="2" name="Title 1">
+            <a:extLst>
+              <a:ext uri="{FF2B5EF4-FFF2-40B4-BE49-F238E27FC236}">
+                <a16:creationId xmlns:a16="http://schemas.microsoft.com/office/drawing/2014/main" id="{1029A536-B2DA-CDAD-0881-DE203CC372FA}"/>
+              </a:ext>
+            </a:extLst>
+          </p:cNvPr>
+          <p:cNvSpPr>
+            <a:spLocks noGrp="1"/>
+          </p:cNvSpPr>
+          <p:nvPr>
+            <p:ph type="title"/>
+          </p:nvPr>
+        </p:nvSpPr>
+        <p:spPr/>
+        <p:txBody>
+          <a:bodyPr/>
+          <a:lstStyle/>
+          <a:p>
+            <a:r>
+              <a:rPr lang="en-US" dirty="0"/>
+              <a:t>JavaScript Basic Events</a:t>
+            </a:r>
+          </a:p>
+        </p:txBody>
+      </p:sp>
+      <p:sp>
+        <p:nvSpPr>
+          <p:cNvPr id="3" name="Content Placeholder 2">
+            <a:extLst>
+              <a:ext uri="{FF2B5EF4-FFF2-40B4-BE49-F238E27FC236}">
+                <a16:creationId xmlns:a16="http://schemas.microsoft.com/office/drawing/2014/main" id="{30358656-2C04-73FD-1A9E-966777EA7913}"/>
+              </a:ext>
+            </a:extLst>
+          </p:cNvPr>
+          <p:cNvSpPr>
+            <a:spLocks noGrp="1"/>
+          </p:cNvSpPr>
+          <p:nvPr>
+            <p:ph idx="1"/>
+          </p:nvPr>
+        </p:nvSpPr>
+        <p:spPr/>
+        <p:txBody>
+          <a:bodyPr numCol="2">
+            <a:normAutofit/>
+          </a:bodyPr>
+          <a:lstStyle/>
+          <a:p>
+            <a:r>
+              <a:rPr lang="en-US" dirty="0"/>
+              <a:t>Click</a:t>
+            </a:r>
+          </a:p>
+          <a:p>
+            <a:r>
+              <a:rPr lang="en-US" dirty="0"/>
+              <a:t>Double Click</a:t>
+            </a:r>
+          </a:p>
+          <a:p>
+            <a:r>
+              <a:rPr lang="en-US" dirty="0"/>
+              <a:t>Right Click</a:t>
+            </a:r>
+          </a:p>
+          <a:p>
+            <a:r>
+              <a:rPr lang="en-US" dirty="0"/>
+              <a:t>Mouse Hover</a:t>
+            </a:r>
+          </a:p>
+          <a:p>
+            <a:r>
+              <a:rPr lang="en-US" dirty="0"/>
+              <a:t>Mouse Out</a:t>
+            </a:r>
+          </a:p>
+          <a:p>
+            <a:r>
+              <a:rPr lang="en-US" dirty="0"/>
+              <a:t>Mouse down</a:t>
+            </a:r>
+          </a:p>
+          <a:p>
+            <a:r>
+              <a:rPr lang="en-US" dirty="0"/>
+              <a:t>Mouse up</a:t>
+            </a:r>
+          </a:p>
+          <a:p>
+            <a:r>
+              <a:rPr lang="en-US" dirty="0"/>
+              <a:t>Key press</a:t>
+            </a:r>
+          </a:p>
+          <a:p>
+            <a:r>
+              <a:rPr lang="en-US" dirty="0"/>
+              <a:t>Key up</a:t>
+            </a:r>
+          </a:p>
+          <a:p>
+            <a:r>
+              <a:rPr lang="en-US" dirty="0"/>
+              <a:t>Load</a:t>
+            </a:r>
+          </a:p>
+          <a:p>
+            <a:r>
+              <a:rPr lang="en-US" dirty="0"/>
+              <a:t>Unload</a:t>
+            </a:r>
+          </a:p>
+          <a:p>
+            <a:r>
+              <a:rPr lang="en-US" dirty="0"/>
+              <a:t>Resize</a:t>
+            </a:r>
+          </a:p>
+          <a:p>
+            <a:r>
+              <a:rPr lang="en-US" dirty="0"/>
+              <a:t>Scroll</a:t>
+            </a:r>
+          </a:p>
+        </p:txBody>
+      </p:sp>
+    </p:spTree>
+    <p:extLst>
+      <p:ext uri="{BB962C8B-B14F-4D97-AF65-F5344CB8AC3E}">
+        <p14:creationId xmlns:p14="http://schemas.microsoft.com/office/powerpoint/2010/main" val="1757232745"/>
+      </p:ext>
+    </p:extLst>
+  </p:cSld>
+  <p:clrMapOvr>
+    <a:masterClrMapping/>
+  </p:clrMapOvr>
+</p:sld>
+</file>
+
+<file path=ppt/slides/slide106.xml><?xml version="1.0" encoding="utf-8"?>
+<p:sld xmlns:a="http://schemas.openxmlformats.org/drawingml/2006/main" xmlns:r="http://schemas.openxmlformats.org/officeDocument/2006/relationships" xmlns:p="http://schemas.openxmlformats.org/presentationml/2006/main">
+  <p:cSld>
+    <p:spTree>
+      <p:nvGrpSpPr>
+        <p:cNvPr id="1" name=""/>
+        <p:cNvGrpSpPr/>
+        <p:nvPr/>
+      </p:nvGrpSpPr>
+      <p:grpSpPr>
+        <a:xfrm>
+          <a:off x="0" y="0"/>
+          <a:ext cx="0" cy="0"/>
+          <a:chOff x="0" y="0"/>
+          <a:chExt cx="0" cy="0"/>
+        </a:xfrm>
+      </p:grpSpPr>
+      <p:sp>
+        <p:nvSpPr>
+          <p:cNvPr id="2" name="Title 1">
+            <a:extLst>
+              <a:ext uri="{FF2B5EF4-FFF2-40B4-BE49-F238E27FC236}">
+                <a16:creationId xmlns:a16="http://schemas.microsoft.com/office/drawing/2014/main" id="{423CDF2D-6137-DAD2-E3CE-85C9188184F9}"/>
+              </a:ext>
+            </a:extLst>
+          </p:cNvPr>
+          <p:cNvSpPr>
+            <a:spLocks noGrp="1"/>
+          </p:cNvSpPr>
+          <p:nvPr>
+            <p:ph type="title"/>
+          </p:nvPr>
+        </p:nvSpPr>
+        <p:spPr/>
+        <p:txBody>
+          <a:bodyPr/>
+          <a:lstStyle/>
+          <a:p>
+            <a:r>
+              <a:rPr lang="en-US" dirty="0"/>
+              <a:t>JavaScript From Events</a:t>
+            </a:r>
+          </a:p>
+        </p:txBody>
+      </p:sp>
+      <p:sp>
+        <p:nvSpPr>
+          <p:cNvPr id="3" name="Content Placeholder 2">
+            <a:extLst>
+              <a:ext uri="{FF2B5EF4-FFF2-40B4-BE49-F238E27FC236}">
+                <a16:creationId xmlns:a16="http://schemas.microsoft.com/office/drawing/2014/main" id="{DA783337-C13C-F24D-C8B0-48A9FECC3D66}"/>
+              </a:ext>
+            </a:extLst>
+          </p:cNvPr>
+          <p:cNvSpPr>
+            <a:spLocks noGrp="1"/>
+          </p:cNvSpPr>
+          <p:nvPr>
+            <p:ph idx="1"/>
+          </p:nvPr>
+        </p:nvSpPr>
+        <p:spPr/>
+        <p:txBody>
+          <a:bodyPr numCol="2">
+            <a:normAutofit/>
+          </a:bodyPr>
+          <a:lstStyle/>
+          <a:p>
+            <a:r>
+              <a:rPr lang="en-US" dirty="0" err="1">
+                <a:solidFill>
+                  <a:srgbClr val="FF0000"/>
+                </a:solidFill>
+              </a:rPr>
+              <a:t>Keydown</a:t>
+            </a:r>
+            <a:endParaRPr lang="en-US" dirty="0">
+              <a:solidFill>
+                <a:srgbClr val="FF0000"/>
+              </a:solidFill>
+            </a:endParaRPr>
+          </a:p>
+          <a:p>
+            <a:r>
+              <a:rPr lang="en-US" dirty="0">
+                <a:solidFill>
+                  <a:srgbClr val="FF0000"/>
+                </a:solidFill>
+              </a:rPr>
+              <a:t>Keypress</a:t>
+            </a:r>
+          </a:p>
+          <a:p>
+            <a:r>
+              <a:rPr lang="en-US" dirty="0" err="1">
+                <a:solidFill>
+                  <a:srgbClr val="FF0000"/>
+                </a:solidFill>
+              </a:rPr>
+              <a:t>Keyup</a:t>
+            </a:r>
+            <a:endParaRPr lang="en-US" dirty="0">
+              <a:solidFill>
+                <a:srgbClr val="FF0000"/>
+              </a:solidFill>
+            </a:endParaRPr>
+          </a:p>
+          <a:p>
+            <a:r>
+              <a:rPr lang="en-US" dirty="0">
+                <a:solidFill>
+                  <a:srgbClr val="FF0000"/>
+                </a:solidFill>
+              </a:rPr>
+              <a:t>Focus()</a:t>
+            </a:r>
+          </a:p>
+          <a:p>
+            <a:r>
+              <a:rPr lang="en-US" dirty="0">
+                <a:solidFill>
+                  <a:srgbClr val="FF0000"/>
+                </a:solidFill>
+              </a:rPr>
+              <a:t>Blur()</a:t>
+            </a:r>
+          </a:p>
+          <a:p>
+            <a:r>
+              <a:rPr lang="en-US" dirty="0">
+                <a:solidFill>
+                  <a:srgbClr val="FF0000"/>
+                </a:solidFill>
+              </a:rPr>
+              <a:t>Input</a:t>
+            </a:r>
+          </a:p>
+          <a:p>
+            <a:r>
+              <a:rPr lang="en-US" dirty="0"/>
+              <a:t>Change</a:t>
+            </a:r>
+          </a:p>
+          <a:p>
+            <a:r>
+              <a:rPr lang="en-US" dirty="0"/>
+              <a:t>Select</a:t>
+            </a:r>
+          </a:p>
+          <a:p>
+            <a:r>
+              <a:rPr lang="en-US" dirty="0"/>
+              <a:t>Submit</a:t>
+            </a:r>
+          </a:p>
+          <a:p>
+            <a:r>
+              <a:rPr lang="en-US" dirty="0"/>
+              <a:t>invalid</a:t>
+            </a:r>
+          </a:p>
+        </p:txBody>
+      </p:sp>
+    </p:spTree>
+    <p:extLst>
+      <p:ext uri="{BB962C8B-B14F-4D97-AF65-F5344CB8AC3E}">
+        <p14:creationId xmlns:p14="http://schemas.microsoft.com/office/powerpoint/2010/main" val="423210078"/>
+      </p:ext>
+    </p:extLst>
+  </p:cSld>
+  <p:clrMapOvr>
+    <a:masterClrMapping/>
+  </p:clrMapOvr>
+</p:sld>
+</file>
+
+<file path=ppt/slides/slide107.xml><?xml version="1.0" encoding="utf-8"?>
+<p:sld xmlns:a="http://schemas.openxmlformats.org/drawingml/2006/main" xmlns:r="http://schemas.openxmlformats.org/officeDocument/2006/relationships" xmlns:p="http://schemas.openxmlformats.org/presentationml/2006/main">
+  <p:cSld>
+    <p:spTree>
+      <p:nvGrpSpPr>
+        <p:cNvPr id="1" name=""/>
+        <p:cNvGrpSpPr/>
+        <p:nvPr/>
+      </p:nvGrpSpPr>
+      <p:grpSpPr>
+        <a:xfrm>
+          <a:off x="0" y="0"/>
+          <a:ext cx="0" cy="0"/>
+          <a:chOff x="0" y="0"/>
+          <a:chExt cx="0" cy="0"/>
+        </a:xfrm>
+      </p:grpSpPr>
+      <p:sp>
+        <p:nvSpPr>
+          <p:cNvPr id="2" name="Title 1">
+            <a:extLst>
+              <a:ext uri="{FF2B5EF4-FFF2-40B4-BE49-F238E27FC236}">
+                <a16:creationId xmlns:a16="http://schemas.microsoft.com/office/drawing/2014/main" id="{7E3BB233-4A6F-F614-FAB4-2049ED3A8058}"/>
+              </a:ext>
+            </a:extLst>
+          </p:cNvPr>
+          <p:cNvSpPr>
+            <a:spLocks noGrp="1"/>
+          </p:cNvSpPr>
+          <p:nvPr>
+            <p:ph type="title"/>
+          </p:nvPr>
+        </p:nvSpPr>
+        <p:spPr/>
+        <p:txBody>
+          <a:bodyPr/>
+          <a:lstStyle/>
+          <a:p>
+            <a:r>
+              <a:rPr lang="en-US" dirty="0"/>
+              <a:t>JS: </a:t>
+            </a:r>
+            <a:r>
+              <a:rPr lang="en-US" dirty="0" err="1"/>
+              <a:t>setInterval</a:t>
+            </a:r>
+            <a:r>
+              <a:rPr lang="en-US" dirty="0"/>
+              <a:t>() &amp; </a:t>
+            </a:r>
+            <a:r>
+              <a:rPr lang="en-US" dirty="0" err="1"/>
+              <a:t>clearInterval</a:t>
+            </a:r>
+            <a:r>
+              <a:rPr lang="en-US" dirty="0"/>
+              <a:t>()</a:t>
+            </a:r>
+          </a:p>
+        </p:txBody>
+      </p:sp>
+      <p:sp>
+        <p:nvSpPr>
+          <p:cNvPr id="3" name="Content Placeholder 2">
+            <a:extLst>
+              <a:ext uri="{FF2B5EF4-FFF2-40B4-BE49-F238E27FC236}">
+                <a16:creationId xmlns:a16="http://schemas.microsoft.com/office/drawing/2014/main" id="{92EF9A8A-8629-4146-549E-F373AA8E9D02}"/>
+              </a:ext>
+            </a:extLst>
+          </p:cNvPr>
+          <p:cNvSpPr>
+            <a:spLocks noGrp="1"/>
+          </p:cNvSpPr>
+          <p:nvPr>
+            <p:ph idx="1"/>
+          </p:nvPr>
+        </p:nvSpPr>
+        <p:spPr/>
+        <p:txBody>
+          <a:bodyPr/>
+          <a:lstStyle/>
+          <a:p>
+            <a:pPr marL="0" indent="0">
+              <a:buNone/>
+            </a:pPr>
+            <a:r>
+              <a:rPr lang="en-US" dirty="0" err="1"/>
+              <a:t>setInterval</a:t>
+            </a:r>
+            <a:r>
+              <a:rPr lang="en-US" dirty="0"/>
+              <a:t>(</a:t>
+            </a:r>
+            <a:r>
+              <a:rPr lang="en-US" dirty="0" err="1"/>
+              <a:t>functionbName</a:t>
+            </a:r>
+            <a:r>
+              <a:rPr lang="en-US" dirty="0"/>
+              <a:t>, millisecond)</a:t>
+            </a:r>
+          </a:p>
+          <a:p>
+            <a:pPr marL="0" indent="0">
+              <a:buNone/>
+            </a:pPr>
+            <a:r>
+              <a:rPr lang="en-US" dirty="0"/>
+              <a:t>(1000ms = 1 second</a:t>
+            </a:r>
+          </a:p>
+          <a:p>
+            <a:pPr marL="0" indent="0">
+              <a:buNone/>
+            </a:pPr>
+            <a:r>
+              <a:rPr lang="en-US" dirty="0"/>
+              <a:t>2000ms = 2 second)</a:t>
+            </a:r>
+          </a:p>
+          <a:p>
+            <a:pPr marL="0" indent="0">
+              <a:buNone/>
+            </a:pPr>
+            <a:endParaRPr lang="en-US" dirty="0"/>
+          </a:p>
+          <a:p>
+            <a:pPr marL="0" indent="0">
+              <a:buNone/>
+            </a:pPr>
+            <a:r>
+              <a:rPr lang="en-US" dirty="0" err="1"/>
+              <a:t>clearInterval</a:t>
+            </a:r>
+            <a:r>
+              <a:rPr lang="en-US" dirty="0"/>
+              <a:t>()</a:t>
+            </a:r>
+          </a:p>
+        </p:txBody>
+      </p:sp>
+    </p:spTree>
+    <p:extLst>
+      <p:ext uri="{BB962C8B-B14F-4D97-AF65-F5344CB8AC3E}">
+        <p14:creationId xmlns:p14="http://schemas.microsoft.com/office/powerpoint/2010/main" val="1089400549"/>
+      </p:ext>
+    </p:extLst>
+  </p:cSld>
+  <p:clrMapOvr>
+    <a:masterClrMapping/>
+  </p:clrMapOvr>
+</p:sld>
+</file>
+
+<file path=ppt/slides/slide108.xml><?xml version="1.0" encoding="utf-8"?>
+<p:sld xmlns:a="http://schemas.openxmlformats.org/drawingml/2006/main" xmlns:r="http://schemas.openxmlformats.org/officeDocument/2006/relationships" xmlns:p="http://schemas.openxmlformats.org/presentationml/2006/main">
+  <p:cSld>
+    <p:spTree>
+      <p:nvGrpSpPr>
+        <p:cNvPr id="1" name=""/>
+        <p:cNvGrpSpPr/>
+        <p:nvPr/>
+      </p:nvGrpSpPr>
+      <p:grpSpPr>
+        <a:xfrm>
+          <a:off x="0" y="0"/>
+          <a:ext cx="0" cy="0"/>
+          <a:chOff x="0" y="0"/>
+          <a:chExt cx="0" cy="0"/>
+        </a:xfrm>
+      </p:grpSpPr>
+      <p:sp>
+        <p:nvSpPr>
+          <p:cNvPr id="2" name="Title 1">
+            <a:extLst>
+              <a:ext uri="{FF2B5EF4-FFF2-40B4-BE49-F238E27FC236}">
+                <a16:creationId xmlns:a16="http://schemas.microsoft.com/office/drawing/2014/main" id="{503B35AA-0FE5-0225-A9A1-DF396E1C4FDF}"/>
+              </a:ext>
+            </a:extLst>
+          </p:cNvPr>
+          <p:cNvSpPr>
+            <a:spLocks noGrp="1"/>
+          </p:cNvSpPr>
+          <p:nvPr>
+            <p:ph type="title"/>
+          </p:nvPr>
+        </p:nvSpPr>
+        <p:spPr/>
+        <p:txBody>
+          <a:bodyPr/>
+          <a:lstStyle/>
+          <a:p>
+            <a:r>
+              <a:rPr lang="en-US" dirty="0"/>
+              <a:t>JS: </a:t>
+            </a:r>
+            <a:r>
+              <a:rPr lang="en-US" dirty="0" err="1"/>
+              <a:t>setTimeout</a:t>
+            </a:r>
+            <a:r>
+              <a:rPr lang="en-US" dirty="0"/>
+              <a:t>() &amp; </a:t>
+            </a:r>
+            <a:r>
+              <a:rPr lang="en-US" dirty="0" err="1"/>
+              <a:t>clearTimeout</a:t>
+            </a:r>
+            <a:r>
+              <a:rPr lang="en-US" dirty="0"/>
+              <a:t>()</a:t>
+            </a:r>
+          </a:p>
+        </p:txBody>
+      </p:sp>
+      <p:sp>
+        <p:nvSpPr>
+          <p:cNvPr id="3" name="Content Placeholder 2">
+            <a:extLst>
+              <a:ext uri="{FF2B5EF4-FFF2-40B4-BE49-F238E27FC236}">
+                <a16:creationId xmlns:a16="http://schemas.microsoft.com/office/drawing/2014/main" id="{BBFC2E2C-6EEA-6BEB-E766-5B9E8ACD3A5B}"/>
+              </a:ext>
+            </a:extLst>
+          </p:cNvPr>
+          <p:cNvSpPr>
+            <a:spLocks noGrp="1"/>
+          </p:cNvSpPr>
+          <p:nvPr>
+            <p:ph idx="1"/>
+          </p:nvPr>
+        </p:nvSpPr>
+        <p:spPr/>
+        <p:txBody>
+          <a:bodyPr/>
+          <a:lstStyle/>
+          <a:p>
+            <a:pPr marL="0" indent="0">
+              <a:buNone/>
+            </a:pPr>
+            <a:r>
+              <a:rPr lang="en-US" dirty="0" err="1"/>
+              <a:t>setTimeout</a:t>
+            </a:r>
+            <a:r>
+              <a:rPr lang="en-US" dirty="0"/>
+              <a:t>(</a:t>
+            </a:r>
+            <a:r>
+              <a:rPr lang="en-US" dirty="0" err="1"/>
+              <a:t>functionName</a:t>
+            </a:r>
+            <a:r>
+              <a:rPr lang="en-US" dirty="0"/>
+              <a:t>, millisecond)</a:t>
+            </a:r>
+          </a:p>
+          <a:p>
+            <a:pPr marL="0" indent="0">
+              <a:buNone/>
+            </a:pPr>
+            <a:r>
+              <a:rPr lang="en-US" dirty="0" err="1"/>
+              <a:t>clearTimeout</a:t>
+            </a:r>
+            <a:r>
+              <a:rPr lang="en-US" dirty="0"/>
+              <a:t>()</a:t>
+            </a:r>
+          </a:p>
+        </p:txBody>
+      </p:sp>
+    </p:spTree>
+    <p:extLst>
+      <p:ext uri="{BB962C8B-B14F-4D97-AF65-F5344CB8AC3E}">
+        <p14:creationId xmlns:p14="http://schemas.microsoft.com/office/powerpoint/2010/main" val="3456338572"/>
       </p:ext>
     </p:extLst>
   </p:cSld>

--- a/JavaScript.pptx
+++ b/JavaScript.pptx
@@ -113,6 +113,11 @@
     <p:sldId id="361" r:id="rId107"/>
     <p:sldId id="362" r:id="rId108"/>
     <p:sldId id="363" r:id="rId109"/>
+    <p:sldId id="364" r:id="rId110"/>
+    <p:sldId id="365" r:id="rId111"/>
+    <p:sldId id="366" r:id="rId112"/>
+    <p:sldId id="367" r:id="rId113"/>
+    <p:sldId id="368" r:id="rId114"/>
   </p:sldIdLst>
   <p:sldSz cx="12192000" cy="6858000"/>
   <p:notesSz cx="6858000" cy="9144000"/>
@@ -328,6 +333,11 @@
             <p14:sldId id="361"/>
             <p14:sldId id="362"/>
             <p14:sldId id="363"/>
+            <p14:sldId id="364"/>
+            <p14:sldId id="365"/>
+            <p14:sldId id="366"/>
+            <p14:sldId id="367"/>
+            <p14:sldId id="368"/>
           </p14:sldIdLst>
         </p14:section>
       </p14:sectionLst>
@@ -486,7 +496,7 @@
           <a:p>
             <a:fld id="{B0FD79F2-F8AC-467F-AA9E-9C9DDF51E646}" type="datetimeFigureOut">
               <a:rPr lang="en-US" smtClean="0"/>
-              <a:t>2/8/2023</a:t>
+              <a:t>2/9/2023</a:t>
             </a:fld>
             <a:endParaRPr lang="en-US"/>
           </a:p>
@@ -684,7 +694,7 @@
           <a:p>
             <a:fld id="{B0FD79F2-F8AC-467F-AA9E-9C9DDF51E646}" type="datetimeFigureOut">
               <a:rPr lang="en-US" smtClean="0"/>
-              <a:t>2/8/2023</a:t>
+              <a:t>2/9/2023</a:t>
             </a:fld>
             <a:endParaRPr lang="en-US"/>
           </a:p>
@@ -892,7 +902,7 @@
           <a:p>
             <a:fld id="{B0FD79F2-F8AC-467F-AA9E-9C9DDF51E646}" type="datetimeFigureOut">
               <a:rPr lang="en-US" smtClean="0"/>
-              <a:t>2/8/2023</a:t>
+              <a:t>2/9/2023</a:t>
             </a:fld>
             <a:endParaRPr lang="en-US"/>
           </a:p>
@@ -1090,7 +1100,7 @@
           <a:p>
             <a:fld id="{B0FD79F2-F8AC-467F-AA9E-9C9DDF51E646}" type="datetimeFigureOut">
               <a:rPr lang="en-US" smtClean="0"/>
-              <a:t>2/8/2023</a:t>
+              <a:t>2/9/2023</a:t>
             </a:fld>
             <a:endParaRPr lang="en-US"/>
           </a:p>
@@ -1365,7 +1375,7 @@
           <a:p>
             <a:fld id="{B0FD79F2-F8AC-467F-AA9E-9C9DDF51E646}" type="datetimeFigureOut">
               <a:rPr lang="en-US" smtClean="0"/>
-              <a:t>2/8/2023</a:t>
+              <a:t>2/9/2023</a:t>
             </a:fld>
             <a:endParaRPr lang="en-US"/>
           </a:p>
@@ -1630,7 +1640,7 @@
           <a:p>
             <a:fld id="{B0FD79F2-F8AC-467F-AA9E-9C9DDF51E646}" type="datetimeFigureOut">
               <a:rPr lang="en-US" smtClean="0"/>
-              <a:t>2/8/2023</a:t>
+              <a:t>2/9/2023</a:t>
             </a:fld>
             <a:endParaRPr lang="en-US"/>
           </a:p>
@@ -2042,7 +2052,7 @@
           <a:p>
             <a:fld id="{B0FD79F2-F8AC-467F-AA9E-9C9DDF51E646}" type="datetimeFigureOut">
               <a:rPr lang="en-US" smtClean="0"/>
-              <a:t>2/8/2023</a:t>
+              <a:t>2/9/2023</a:t>
             </a:fld>
             <a:endParaRPr lang="en-US"/>
           </a:p>
@@ -2183,7 +2193,7 @@
           <a:p>
             <a:fld id="{B0FD79F2-F8AC-467F-AA9E-9C9DDF51E646}" type="datetimeFigureOut">
               <a:rPr lang="en-US" smtClean="0"/>
-              <a:t>2/8/2023</a:t>
+              <a:t>2/9/2023</a:t>
             </a:fld>
             <a:endParaRPr lang="en-US"/>
           </a:p>
@@ -2296,7 +2306,7 @@
           <a:p>
             <a:fld id="{B0FD79F2-F8AC-467F-AA9E-9C9DDF51E646}" type="datetimeFigureOut">
               <a:rPr lang="en-US" smtClean="0"/>
-              <a:t>2/8/2023</a:t>
+              <a:t>2/9/2023</a:t>
             </a:fld>
             <a:endParaRPr lang="en-US"/>
           </a:p>
@@ -2607,7 +2617,7 @@
           <a:p>
             <a:fld id="{B0FD79F2-F8AC-467F-AA9E-9C9DDF51E646}" type="datetimeFigureOut">
               <a:rPr lang="en-US" smtClean="0"/>
-              <a:t>2/8/2023</a:t>
+              <a:t>2/9/2023</a:t>
             </a:fld>
             <a:endParaRPr lang="en-US"/>
           </a:p>
@@ -2895,7 +2905,7 @@
           <a:p>
             <a:fld id="{B0FD79F2-F8AC-467F-AA9E-9C9DDF51E646}" type="datetimeFigureOut">
               <a:rPr lang="en-US" smtClean="0"/>
-              <a:t>2/8/2023</a:t>
+              <a:t>2/9/2023</a:t>
             </a:fld>
             <a:endParaRPr lang="en-US"/>
           </a:p>
@@ -3136,7 +3146,7 @@
           <a:p>
             <a:fld id="{B0FD79F2-F8AC-467F-AA9E-9C9DDF51E646}" type="datetimeFigureOut">
               <a:rPr lang="en-US" smtClean="0"/>
-              <a:t>2/8/2023</a:t>
+              <a:t>2/9/2023</a:t>
             </a:fld>
             <a:endParaRPr lang="en-US"/>
           </a:p>
@@ -5404,6 +5414,131 @@
 </p:sld>
 </file>
 
+<file path=ppt/slides/slide109.xml><?xml version="1.0" encoding="utf-8"?>
+<p:sld xmlns:a="http://schemas.openxmlformats.org/drawingml/2006/main" xmlns:r="http://schemas.openxmlformats.org/officeDocument/2006/relationships" xmlns:p="http://schemas.openxmlformats.org/presentationml/2006/main">
+  <p:cSld>
+    <p:spTree>
+      <p:nvGrpSpPr>
+        <p:cNvPr id="1" name=""/>
+        <p:cNvGrpSpPr/>
+        <p:nvPr/>
+      </p:nvGrpSpPr>
+      <p:grpSpPr>
+        <a:xfrm>
+          <a:off x="0" y="0"/>
+          <a:ext cx="0" cy="0"/>
+          <a:chOff x="0" y="0"/>
+          <a:chExt cx="0" cy="0"/>
+        </a:xfrm>
+      </p:grpSpPr>
+      <p:sp>
+        <p:nvSpPr>
+          <p:cNvPr id="2" name="Title 1">
+            <a:extLst>
+              <a:ext uri="{FF2B5EF4-FFF2-40B4-BE49-F238E27FC236}">
+                <a16:creationId xmlns:a16="http://schemas.microsoft.com/office/drawing/2014/main" id="{9ED7410B-0FB2-9FB2-B28D-9ED4004CF882}"/>
+              </a:ext>
+            </a:extLst>
+          </p:cNvPr>
+          <p:cNvSpPr>
+            <a:spLocks noGrp="1"/>
+          </p:cNvSpPr>
+          <p:nvPr>
+            <p:ph type="title"/>
+          </p:nvPr>
+        </p:nvSpPr>
+        <p:spPr/>
+        <p:txBody>
+          <a:bodyPr/>
+          <a:lstStyle/>
+          <a:p>
+            <a:r>
+              <a:rPr lang="en-US" dirty="0"/>
+              <a:t>BOM: Browser Object Model</a:t>
+            </a:r>
+          </a:p>
+        </p:txBody>
+      </p:sp>
+      <p:sp>
+        <p:nvSpPr>
+          <p:cNvPr id="3" name="Content Placeholder 2">
+            <a:extLst>
+              <a:ext uri="{FF2B5EF4-FFF2-40B4-BE49-F238E27FC236}">
+                <a16:creationId xmlns:a16="http://schemas.microsoft.com/office/drawing/2014/main" id="{2D8BD96A-0990-C4D8-3A6F-39E089A9FE5B}"/>
+              </a:ext>
+            </a:extLst>
+          </p:cNvPr>
+          <p:cNvSpPr>
+            <a:spLocks noGrp="1"/>
+          </p:cNvSpPr>
+          <p:nvPr>
+            <p:ph idx="1"/>
+          </p:nvPr>
+        </p:nvSpPr>
+        <p:spPr/>
+        <p:txBody>
+          <a:bodyPr/>
+          <a:lstStyle/>
+          <a:p>
+            <a:r>
+              <a:rPr lang="en-US" dirty="0"/>
+              <a:t>Chrome</a:t>
+            </a:r>
+          </a:p>
+          <a:p>
+            <a:r>
+              <a:rPr lang="en-US" dirty="0"/>
+              <a:t>Firefox</a:t>
+            </a:r>
+          </a:p>
+          <a:p>
+            <a:r>
+              <a:rPr lang="en-US" dirty="0"/>
+              <a:t>Opera</a:t>
+            </a:r>
+          </a:p>
+          <a:p>
+            <a:r>
+              <a:rPr lang="en-US" dirty="0"/>
+              <a:t>Internet Explorer</a:t>
+            </a:r>
+          </a:p>
+          <a:p>
+            <a:r>
+              <a:rPr lang="en-US" dirty="0"/>
+              <a:t>Edge</a:t>
+            </a:r>
+          </a:p>
+          <a:p>
+            <a:r>
+              <a:rPr lang="en-US" dirty="0"/>
+              <a:t>Brave</a:t>
+            </a:r>
+          </a:p>
+          <a:p>
+            <a:r>
+              <a:rPr lang="en-US" dirty="0"/>
+              <a:t>Tor</a:t>
+            </a:r>
+          </a:p>
+          <a:p>
+            <a:endParaRPr lang="en-US" dirty="0"/>
+          </a:p>
+        </p:txBody>
+      </p:sp>
+    </p:spTree>
+    <p:extLst>
+      <p:ext uri="{BB962C8B-B14F-4D97-AF65-F5344CB8AC3E}">
+        <p14:creationId xmlns:p14="http://schemas.microsoft.com/office/powerpoint/2010/main" val="1684201768"/>
+      </p:ext>
+    </p:extLst>
+  </p:cSld>
+  <p:clrMapOvr>
+    <a:masterClrMapping/>
+  </p:clrMapOvr>
+</p:sld>
+</file>
+
 <file path=ppt/slides/slide11.xml><?xml version="1.0" encoding="utf-8"?>
 <p:sld xmlns:a="http://schemas.openxmlformats.org/drawingml/2006/main" xmlns:r="http://schemas.openxmlformats.org/officeDocument/2006/relationships" xmlns:p="http://schemas.openxmlformats.org/presentationml/2006/main">
   <p:cSld>
@@ -5510,6 +5645,490 @@
     <p:extLst>
       <p:ext uri="{BB962C8B-B14F-4D97-AF65-F5344CB8AC3E}">
         <p14:creationId xmlns:p14="http://schemas.microsoft.com/office/powerpoint/2010/main" val="2746184319"/>
+      </p:ext>
+    </p:extLst>
+  </p:cSld>
+  <p:clrMapOvr>
+    <a:masterClrMapping/>
+  </p:clrMapOvr>
+</p:sld>
+</file>
+
+<file path=ppt/slides/slide110.xml><?xml version="1.0" encoding="utf-8"?>
+<p:sld xmlns:a="http://schemas.openxmlformats.org/drawingml/2006/main" xmlns:r="http://schemas.openxmlformats.org/officeDocument/2006/relationships" xmlns:p="http://schemas.openxmlformats.org/presentationml/2006/main">
+  <p:cSld>
+    <p:spTree>
+      <p:nvGrpSpPr>
+        <p:cNvPr id="1" name=""/>
+        <p:cNvGrpSpPr/>
+        <p:nvPr/>
+      </p:nvGrpSpPr>
+      <p:grpSpPr>
+        <a:xfrm>
+          <a:off x="0" y="0"/>
+          <a:ext cx="0" cy="0"/>
+          <a:chOff x="0" y="0"/>
+          <a:chExt cx="0" cy="0"/>
+        </a:xfrm>
+      </p:grpSpPr>
+      <p:sp>
+        <p:nvSpPr>
+          <p:cNvPr id="2" name="Title 1">
+            <a:extLst>
+              <a:ext uri="{FF2B5EF4-FFF2-40B4-BE49-F238E27FC236}">
+                <a16:creationId xmlns:a16="http://schemas.microsoft.com/office/drawing/2014/main" id="{020D42F6-8A04-2ED7-735C-D956D9470C53}"/>
+              </a:ext>
+            </a:extLst>
+          </p:cNvPr>
+          <p:cNvSpPr>
+            <a:spLocks noGrp="1"/>
+          </p:cNvSpPr>
+          <p:nvPr>
+            <p:ph type="title"/>
+          </p:nvPr>
+        </p:nvSpPr>
+        <p:spPr/>
+        <p:txBody>
+          <a:bodyPr/>
+          <a:lstStyle/>
+          <a:p>
+            <a:r>
+              <a:rPr lang="en-US" dirty="0"/>
+              <a:t>BOM</a:t>
+            </a:r>
+          </a:p>
+        </p:txBody>
+      </p:sp>
+      <p:sp>
+        <p:nvSpPr>
+          <p:cNvPr id="3" name="Content Placeholder 2">
+            <a:extLst>
+              <a:ext uri="{FF2B5EF4-FFF2-40B4-BE49-F238E27FC236}">
+                <a16:creationId xmlns:a16="http://schemas.microsoft.com/office/drawing/2014/main" id="{F4DD86F9-BEB9-0638-5263-36B9C5C65BFC}"/>
+              </a:ext>
+            </a:extLst>
+          </p:cNvPr>
+          <p:cNvSpPr>
+            <a:spLocks noGrp="1"/>
+          </p:cNvSpPr>
+          <p:nvPr>
+            <p:ph idx="1"/>
+          </p:nvPr>
+        </p:nvSpPr>
+        <p:spPr/>
+        <p:txBody>
+          <a:bodyPr/>
+          <a:lstStyle/>
+          <a:p>
+            <a:r>
+              <a:rPr lang="en-US" dirty="0"/>
+              <a:t>Get width &amp; height of Browser Window</a:t>
+            </a:r>
+          </a:p>
+          <a:p>
+            <a:r>
+              <a:rPr lang="en-US" dirty="0"/>
+              <a:t>Open &amp; close browser window</a:t>
+            </a:r>
+          </a:p>
+          <a:p>
+            <a:r>
+              <a:rPr lang="en-US" dirty="0"/>
+              <a:t>Move &amp; resize browser window</a:t>
+            </a:r>
+          </a:p>
+          <a:p>
+            <a:r>
+              <a:rPr lang="en-US" dirty="0"/>
+              <a:t>Scroll to browser window</a:t>
+            </a:r>
+          </a:p>
+          <a:p>
+            <a:r>
+              <a:rPr lang="en-US" dirty="0"/>
+              <a:t>Get URL, Hostname, Protocol of Browser Window</a:t>
+            </a:r>
+          </a:p>
+          <a:p>
+            <a:r>
+              <a:rPr lang="en-US" dirty="0"/>
+              <a:t>Get History of Browser Window</a:t>
+            </a:r>
+          </a:p>
+        </p:txBody>
+      </p:sp>
+    </p:spTree>
+    <p:extLst>
+      <p:ext uri="{BB962C8B-B14F-4D97-AF65-F5344CB8AC3E}">
+        <p14:creationId xmlns:p14="http://schemas.microsoft.com/office/powerpoint/2010/main" val="312884209"/>
+      </p:ext>
+    </p:extLst>
+  </p:cSld>
+  <p:clrMapOvr>
+    <a:masterClrMapping/>
+  </p:clrMapOvr>
+</p:sld>
+</file>
+
+<file path=ppt/slides/slide111.xml><?xml version="1.0" encoding="utf-8"?>
+<p:sld xmlns:a="http://schemas.openxmlformats.org/drawingml/2006/main" xmlns:r="http://schemas.openxmlformats.org/officeDocument/2006/relationships" xmlns:p="http://schemas.openxmlformats.org/presentationml/2006/main">
+  <p:cSld>
+    <p:spTree>
+      <p:nvGrpSpPr>
+        <p:cNvPr id="1" name=""/>
+        <p:cNvGrpSpPr/>
+        <p:nvPr/>
+      </p:nvGrpSpPr>
+      <p:grpSpPr>
+        <a:xfrm>
+          <a:off x="0" y="0"/>
+          <a:ext cx="0" cy="0"/>
+          <a:chOff x="0" y="0"/>
+          <a:chExt cx="0" cy="0"/>
+        </a:xfrm>
+      </p:grpSpPr>
+      <p:sp>
+        <p:nvSpPr>
+          <p:cNvPr id="2" name="Title 1">
+            <a:extLst>
+              <a:ext uri="{FF2B5EF4-FFF2-40B4-BE49-F238E27FC236}">
+                <a16:creationId xmlns:a16="http://schemas.microsoft.com/office/drawing/2014/main" id="{8BB0F85A-8306-243F-1DB6-83FA774355EF}"/>
+              </a:ext>
+            </a:extLst>
+          </p:cNvPr>
+          <p:cNvSpPr>
+            <a:spLocks noGrp="1"/>
+          </p:cNvSpPr>
+          <p:nvPr>
+            <p:ph type="title"/>
+          </p:nvPr>
+        </p:nvSpPr>
+        <p:spPr/>
+        <p:txBody>
+          <a:bodyPr/>
+          <a:lstStyle/>
+          <a:p>
+            <a:r>
+              <a:rPr lang="en-US" dirty="0"/>
+              <a:t>Window Height &amp; Width Methods:</a:t>
+            </a:r>
+          </a:p>
+        </p:txBody>
+      </p:sp>
+      <p:sp>
+        <p:nvSpPr>
+          <p:cNvPr id="3" name="Content Placeholder 2">
+            <a:extLst>
+              <a:ext uri="{FF2B5EF4-FFF2-40B4-BE49-F238E27FC236}">
+                <a16:creationId xmlns:a16="http://schemas.microsoft.com/office/drawing/2014/main" id="{6C56CBEA-6D3F-A963-0493-CE6807BDB620}"/>
+              </a:ext>
+            </a:extLst>
+          </p:cNvPr>
+          <p:cNvSpPr>
+            <a:spLocks noGrp="1"/>
+          </p:cNvSpPr>
+          <p:nvPr>
+            <p:ph idx="1"/>
+          </p:nvPr>
+        </p:nvSpPr>
+        <p:spPr/>
+        <p:txBody>
+          <a:bodyPr/>
+          <a:lstStyle/>
+          <a:p>
+            <a:r>
+              <a:rPr lang="en-US" dirty="0" err="1"/>
+              <a:t>innerHeight</a:t>
+            </a:r>
+            <a:endParaRPr lang="en-US" dirty="0"/>
+          </a:p>
+          <a:p>
+            <a:r>
+              <a:rPr lang="en-US" dirty="0" err="1"/>
+              <a:t>innerWidth</a:t>
+            </a:r>
+            <a:endParaRPr lang="en-US" dirty="0"/>
+          </a:p>
+          <a:p>
+            <a:r>
+              <a:rPr lang="en-US" dirty="0" err="1"/>
+              <a:t>outerHeight</a:t>
+            </a:r>
+            <a:endParaRPr lang="en-US" dirty="0"/>
+          </a:p>
+          <a:p>
+            <a:r>
+              <a:rPr lang="en-US" dirty="0" err="1"/>
+              <a:t>outerWidth</a:t>
+            </a:r>
+            <a:endParaRPr lang="en-US" dirty="0"/>
+          </a:p>
+        </p:txBody>
+      </p:sp>
+    </p:spTree>
+    <p:extLst>
+      <p:ext uri="{BB962C8B-B14F-4D97-AF65-F5344CB8AC3E}">
+        <p14:creationId xmlns:p14="http://schemas.microsoft.com/office/powerpoint/2010/main" val="2053874181"/>
+      </p:ext>
+    </p:extLst>
+  </p:cSld>
+  <p:clrMapOvr>
+    <a:masterClrMapping/>
+  </p:clrMapOvr>
+</p:sld>
+</file>
+
+<file path=ppt/slides/slide112.xml><?xml version="1.0" encoding="utf-8"?>
+<p:sld xmlns:a="http://schemas.openxmlformats.org/drawingml/2006/main" xmlns:r="http://schemas.openxmlformats.org/officeDocument/2006/relationships" xmlns:p="http://schemas.openxmlformats.org/presentationml/2006/main">
+  <p:cSld>
+    <p:spTree>
+      <p:nvGrpSpPr>
+        <p:cNvPr id="1" name=""/>
+        <p:cNvGrpSpPr/>
+        <p:nvPr/>
+      </p:nvGrpSpPr>
+      <p:grpSpPr>
+        <a:xfrm>
+          <a:off x="0" y="0"/>
+          <a:ext cx="0" cy="0"/>
+          <a:chOff x="0" y="0"/>
+          <a:chExt cx="0" cy="0"/>
+        </a:xfrm>
+      </p:grpSpPr>
+      <p:sp>
+        <p:nvSpPr>
+          <p:cNvPr id="2" name="Title 1">
+            <a:extLst>
+              <a:ext uri="{FF2B5EF4-FFF2-40B4-BE49-F238E27FC236}">
+                <a16:creationId xmlns:a16="http://schemas.microsoft.com/office/drawing/2014/main" id="{E5FAA734-31AA-874B-7779-A0863A5BF55C}"/>
+              </a:ext>
+            </a:extLst>
+          </p:cNvPr>
+          <p:cNvSpPr>
+            <a:spLocks noGrp="1"/>
+          </p:cNvSpPr>
+          <p:nvPr>
+            <p:ph type="title"/>
+          </p:nvPr>
+        </p:nvSpPr>
+        <p:spPr/>
+        <p:txBody>
+          <a:bodyPr/>
+          <a:lstStyle/>
+          <a:p>
+            <a:r>
+              <a:rPr lang="en-US" dirty="0"/>
+              <a:t>Window open() &amp; close()</a:t>
+            </a:r>
+          </a:p>
+        </p:txBody>
+      </p:sp>
+      <p:sp>
+        <p:nvSpPr>
+          <p:cNvPr id="3" name="Content Placeholder 2">
+            <a:extLst>
+              <a:ext uri="{FF2B5EF4-FFF2-40B4-BE49-F238E27FC236}">
+                <a16:creationId xmlns:a16="http://schemas.microsoft.com/office/drawing/2014/main" id="{12F78CB5-F95E-D0F5-035E-4146E7ADCEC8}"/>
+              </a:ext>
+            </a:extLst>
+          </p:cNvPr>
+          <p:cNvSpPr>
+            <a:spLocks noGrp="1"/>
+          </p:cNvSpPr>
+          <p:nvPr>
+            <p:ph idx="1"/>
+          </p:nvPr>
+        </p:nvSpPr>
+        <p:spPr/>
+        <p:txBody>
+          <a:bodyPr/>
+          <a:lstStyle/>
+          <a:p>
+            <a:pPr marL="0" indent="0">
+              <a:buNone/>
+            </a:pPr>
+            <a:r>
+              <a:rPr lang="en-US" dirty="0" err="1"/>
+              <a:t>Window.open</a:t>
+            </a:r>
+            <a:r>
+              <a:rPr lang="en-US" dirty="0"/>
+              <a:t>(</a:t>
+            </a:r>
+            <a:r>
+              <a:rPr lang="en-US" dirty="0" err="1"/>
+              <a:t>URL,name,specs</a:t>
+            </a:r>
+            <a:r>
+              <a:rPr lang="en-US" dirty="0"/>
+              <a:t>);</a:t>
+            </a:r>
+          </a:p>
+          <a:p>
+            <a:pPr marL="0" indent="0">
+              <a:buNone/>
+            </a:pPr>
+            <a:endParaRPr lang="en-US" dirty="0"/>
+          </a:p>
+          <a:p>
+            <a:pPr marL="0" indent="0">
+              <a:buNone/>
+            </a:pPr>
+            <a:endParaRPr lang="en-US" dirty="0"/>
+          </a:p>
+          <a:p>
+            <a:pPr marL="0" indent="0">
+              <a:buNone/>
+            </a:pPr>
+            <a:r>
+              <a:rPr lang="en-US" dirty="0"/>
+              <a:t>URL – https://www.Aeeron.in</a:t>
+            </a:r>
+          </a:p>
+          <a:p>
+            <a:pPr marL="0" indent="0">
+              <a:buNone/>
+            </a:pPr>
+            <a:r>
+              <a:rPr lang="en-US" dirty="0"/>
+              <a:t>Name – </a:t>
+            </a:r>
+            <a:r>
+              <a:rPr lang="en-US" dirty="0" err="1"/>
+              <a:t>firstWindow</a:t>
+            </a:r>
+            <a:r>
+              <a:rPr lang="en-US" dirty="0"/>
+              <a:t>, _</a:t>
+            </a:r>
+            <a:r>
+              <a:rPr lang="en-US" dirty="0" err="1"/>
+              <a:t>blank,_parent,_self,_top</a:t>
+            </a:r>
+            <a:endParaRPr lang="en-US" dirty="0"/>
+          </a:p>
+          <a:p>
+            <a:pPr marL="0" indent="0">
+              <a:buNone/>
+            </a:pPr>
+            <a:r>
+              <a:rPr lang="en-US" dirty="0"/>
+              <a:t>Specs – width, </a:t>
+            </a:r>
+            <a:r>
+              <a:rPr lang="en-US" dirty="0" err="1"/>
+              <a:t>height,left</a:t>
+            </a:r>
+            <a:r>
+              <a:rPr lang="en-US" dirty="0"/>
+              <a:t>, top</a:t>
+            </a:r>
+          </a:p>
+        </p:txBody>
+      </p:sp>
+    </p:spTree>
+    <p:extLst>
+      <p:ext uri="{BB962C8B-B14F-4D97-AF65-F5344CB8AC3E}">
+        <p14:creationId xmlns:p14="http://schemas.microsoft.com/office/powerpoint/2010/main" val="1916186816"/>
+      </p:ext>
+    </p:extLst>
+  </p:cSld>
+  <p:clrMapOvr>
+    <a:masterClrMapping/>
+  </p:clrMapOvr>
+</p:sld>
+</file>
+
+<file path=ppt/slides/slide113.xml><?xml version="1.0" encoding="utf-8"?>
+<p:sld xmlns:a="http://schemas.openxmlformats.org/drawingml/2006/main" xmlns:r="http://schemas.openxmlformats.org/officeDocument/2006/relationships" xmlns:p="http://schemas.openxmlformats.org/presentationml/2006/main">
+  <p:cSld>
+    <p:spTree>
+      <p:nvGrpSpPr>
+        <p:cNvPr id="1" name=""/>
+        <p:cNvGrpSpPr/>
+        <p:nvPr/>
+      </p:nvGrpSpPr>
+      <p:grpSpPr>
+        <a:xfrm>
+          <a:off x="0" y="0"/>
+          <a:ext cx="0" cy="0"/>
+          <a:chOff x="0" y="0"/>
+          <a:chExt cx="0" cy="0"/>
+        </a:xfrm>
+      </p:grpSpPr>
+      <p:sp>
+        <p:nvSpPr>
+          <p:cNvPr id="2" name="Title 1">
+            <a:extLst>
+              <a:ext uri="{FF2B5EF4-FFF2-40B4-BE49-F238E27FC236}">
+                <a16:creationId xmlns:a16="http://schemas.microsoft.com/office/drawing/2014/main" id="{A375C185-A348-AB55-5650-432F917FD0C7}"/>
+              </a:ext>
+            </a:extLst>
+          </p:cNvPr>
+          <p:cNvSpPr>
+            <a:spLocks noGrp="1"/>
+          </p:cNvSpPr>
+          <p:nvPr>
+            <p:ph type="title"/>
+          </p:nvPr>
+        </p:nvSpPr>
+        <p:spPr/>
+        <p:txBody>
+          <a:bodyPr/>
+          <a:lstStyle/>
+          <a:p>
+            <a:r>
+              <a:rPr lang="en-US" dirty="0"/>
+              <a:t>Window : </a:t>
+            </a:r>
+            <a:r>
+              <a:rPr lang="en-US" dirty="0" err="1"/>
+              <a:t>moveBy</a:t>
+            </a:r>
+            <a:r>
+              <a:rPr lang="en-US" dirty="0"/>
+              <a:t>() &amp; </a:t>
+            </a:r>
+            <a:r>
+              <a:rPr lang="en-US" dirty="0" err="1"/>
+              <a:t>moveTo</a:t>
+            </a:r>
+            <a:r>
+              <a:rPr lang="en-US" dirty="0"/>
+              <a:t>()</a:t>
+            </a:r>
+          </a:p>
+        </p:txBody>
+      </p:sp>
+      <p:sp>
+        <p:nvSpPr>
+          <p:cNvPr id="3" name="Content Placeholder 2">
+            <a:extLst>
+              <a:ext uri="{FF2B5EF4-FFF2-40B4-BE49-F238E27FC236}">
+                <a16:creationId xmlns:a16="http://schemas.microsoft.com/office/drawing/2014/main" id="{0BD8C175-A841-B5C0-0432-B2EF36D937D5}"/>
+              </a:ext>
+            </a:extLst>
+          </p:cNvPr>
+          <p:cNvSpPr>
+            <a:spLocks noGrp="1"/>
+          </p:cNvSpPr>
+          <p:nvPr>
+            <p:ph idx="1"/>
+          </p:nvPr>
+        </p:nvSpPr>
+        <p:spPr/>
+        <p:txBody>
+          <a:bodyPr/>
+          <a:lstStyle/>
+          <a:p>
+            <a:endParaRPr lang="en-US"/>
+          </a:p>
+        </p:txBody>
+      </p:sp>
+    </p:spTree>
+    <p:extLst>
+      <p:ext uri="{BB962C8B-B14F-4D97-AF65-F5344CB8AC3E}">
+        <p14:creationId xmlns:p14="http://schemas.microsoft.com/office/powerpoint/2010/main" val="247786343"/>
       </p:ext>
     </p:extLst>
   </p:cSld>

--- a/JavaScript.pptx
+++ b/JavaScript.pptx
@@ -118,6 +118,9 @@
     <p:sldId id="366" r:id="rId112"/>
     <p:sldId id="367" r:id="rId113"/>
     <p:sldId id="368" r:id="rId114"/>
+    <p:sldId id="369" r:id="rId115"/>
+    <p:sldId id="370" r:id="rId116"/>
+    <p:sldId id="371" r:id="rId117"/>
   </p:sldIdLst>
   <p:sldSz cx="12192000" cy="6858000"/>
   <p:notesSz cx="6858000" cy="9144000"/>
@@ -338,6 +341,9 @@
             <p14:sldId id="366"/>
             <p14:sldId id="367"/>
             <p14:sldId id="368"/>
+            <p14:sldId id="369"/>
+            <p14:sldId id="370"/>
+            <p14:sldId id="371"/>
           </p14:sldIdLst>
         </p14:section>
       </p14:sectionLst>
@@ -496,7 +502,7 @@
           <a:p>
             <a:fld id="{B0FD79F2-F8AC-467F-AA9E-9C9DDF51E646}" type="datetimeFigureOut">
               <a:rPr lang="en-US" smtClean="0"/>
-              <a:t>2/9/2023</a:t>
+              <a:t>2/13/2023</a:t>
             </a:fld>
             <a:endParaRPr lang="en-US"/>
           </a:p>
@@ -694,7 +700,7 @@
           <a:p>
             <a:fld id="{B0FD79F2-F8AC-467F-AA9E-9C9DDF51E646}" type="datetimeFigureOut">
               <a:rPr lang="en-US" smtClean="0"/>
-              <a:t>2/9/2023</a:t>
+              <a:t>2/13/2023</a:t>
             </a:fld>
             <a:endParaRPr lang="en-US"/>
           </a:p>
@@ -902,7 +908,7 @@
           <a:p>
             <a:fld id="{B0FD79F2-F8AC-467F-AA9E-9C9DDF51E646}" type="datetimeFigureOut">
               <a:rPr lang="en-US" smtClean="0"/>
-              <a:t>2/9/2023</a:t>
+              <a:t>2/13/2023</a:t>
             </a:fld>
             <a:endParaRPr lang="en-US"/>
           </a:p>
@@ -1100,7 +1106,7 @@
           <a:p>
             <a:fld id="{B0FD79F2-F8AC-467F-AA9E-9C9DDF51E646}" type="datetimeFigureOut">
               <a:rPr lang="en-US" smtClean="0"/>
-              <a:t>2/9/2023</a:t>
+              <a:t>2/13/2023</a:t>
             </a:fld>
             <a:endParaRPr lang="en-US"/>
           </a:p>
@@ -1375,7 +1381,7 @@
           <a:p>
             <a:fld id="{B0FD79F2-F8AC-467F-AA9E-9C9DDF51E646}" type="datetimeFigureOut">
               <a:rPr lang="en-US" smtClean="0"/>
-              <a:t>2/9/2023</a:t>
+              <a:t>2/13/2023</a:t>
             </a:fld>
             <a:endParaRPr lang="en-US"/>
           </a:p>
@@ -1640,7 +1646,7 @@
           <a:p>
             <a:fld id="{B0FD79F2-F8AC-467F-AA9E-9C9DDF51E646}" type="datetimeFigureOut">
               <a:rPr lang="en-US" smtClean="0"/>
-              <a:t>2/9/2023</a:t>
+              <a:t>2/13/2023</a:t>
             </a:fld>
             <a:endParaRPr lang="en-US"/>
           </a:p>
@@ -2052,7 +2058,7 @@
           <a:p>
             <a:fld id="{B0FD79F2-F8AC-467F-AA9E-9C9DDF51E646}" type="datetimeFigureOut">
               <a:rPr lang="en-US" smtClean="0"/>
-              <a:t>2/9/2023</a:t>
+              <a:t>2/13/2023</a:t>
             </a:fld>
             <a:endParaRPr lang="en-US"/>
           </a:p>
@@ -2193,7 +2199,7 @@
           <a:p>
             <a:fld id="{B0FD79F2-F8AC-467F-AA9E-9C9DDF51E646}" type="datetimeFigureOut">
               <a:rPr lang="en-US" smtClean="0"/>
-              <a:t>2/9/2023</a:t>
+              <a:t>2/13/2023</a:t>
             </a:fld>
             <a:endParaRPr lang="en-US"/>
           </a:p>
@@ -2306,7 +2312,7 @@
           <a:p>
             <a:fld id="{B0FD79F2-F8AC-467F-AA9E-9C9DDF51E646}" type="datetimeFigureOut">
               <a:rPr lang="en-US" smtClean="0"/>
-              <a:t>2/9/2023</a:t>
+              <a:t>2/13/2023</a:t>
             </a:fld>
             <a:endParaRPr lang="en-US"/>
           </a:p>
@@ -2617,7 +2623,7 @@
           <a:p>
             <a:fld id="{B0FD79F2-F8AC-467F-AA9E-9C9DDF51E646}" type="datetimeFigureOut">
               <a:rPr lang="en-US" smtClean="0"/>
-              <a:t>2/9/2023</a:t>
+              <a:t>2/13/2023</a:t>
             </a:fld>
             <a:endParaRPr lang="en-US"/>
           </a:p>
@@ -2905,7 +2911,7 @@
           <a:p>
             <a:fld id="{B0FD79F2-F8AC-467F-AA9E-9C9DDF51E646}" type="datetimeFigureOut">
               <a:rPr lang="en-US" smtClean="0"/>
-              <a:t>2/9/2023</a:t>
+              <a:t>2/13/2023</a:t>
             </a:fld>
             <a:endParaRPr lang="en-US"/>
           </a:p>
@@ -3146,7 +3152,7 @@
           <a:p>
             <a:fld id="{B0FD79F2-F8AC-467F-AA9E-9C9DDF51E646}" type="datetimeFigureOut">
               <a:rPr lang="en-US" smtClean="0"/>
-              <a:t>2/9/2023</a:t>
+              <a:t>2/13/2023</a:t>
             </a:fld>
             <a:endParaRPr lang="en-US"/>
           </a:p>
@@ -6116,12 +6122,54 @@
             <p:ph idx="1"/>
           </p:nvPr>
         </p:nvSpPr>
-        <p:spPr/>
+        <p:spPr>
+          <a:xfrm>
+            <a:off x="838200" y="1690688"/>
+            <a:ext cx="10515600" cy="4351338"/>
+          </a:xfrm>
+        </p:spPr>
         <p:txBody>
           <a:bodyPr/>
           <a:lstStyle/>
           <a:p>
-            <a:endParaRPr lang="en-US"/>
+            <a:pPr marL="0" indent="0">
+              <a:buNone/>
+            </a:pPr>
+            <a:r>
+              <a:rPr lang="en-US" dirty="0"/>
+              <a:t>Window </a:t>
+            </a:r>
+            <a:r>
+              <a:rPr lang="en-US" dirty="0" err="1"/>
+              <a:t>resizeBy</a:t>
+            </a:r>
+            <a:r>
+              <a:rPr lang="en-US" dirty="0"/>
+              <a:t>() &amp; resizeT0()</a:t>
+            </a:r>
+          </a:p>
+          <a:p>
+            <a:pPr marL="0" indent="0">
+              <a:buNone/>
+            </a:pPr>
+            <a:endParaRPr lang="en-US" dirty="0"/>
+          </a:p>
+          <a:p>
+            <a:pPr marL="0" indent="0">
+              <a:buNone/>
+            </a:pPr>
+            <a:r>
+              <a:rPr lang="en-US" dirty="0"/>
+              <a:t>Window scrollBy90 &amp; </a:t>
+            </a:r>
+            <a:r>
+              <a:rPr lang="en-US" dirty="0" err="1"/>
+              <a:t>scrollTo</a:t>
+            </a:r>
+            <a:r>
+              <a:rPr lang="en-US" dirty="0"/>
+              <a:t>()</a:t>
+            </a:r>
           </a:p>
         </p:txBody>
       </p:sp>
@@ -6129,6 +6177,544 @@
     <p:extLst>
       <p:ext uri="{BB962C8B-B14F-4D97-AF65-F5344CB8AC3E}">
         <p14:creationId xmlns:p14="http://schemas.microsoft.com/office/powerpoint/2010/main" val="247786343"/>
+      </p:ext>
+    </p:extLst>
+  </p:cSld>
+  <p:clrMapOvr>
+    <a:masterClrMapping/>
+  </p:clrMapOvr>
+</p:sld>
+</file>
+
+<file path=ppt/slides/slide114.xml><?xml version="1.0" encoding="utf-8"?>
+<p:sld xmlns:a="http://schemas.openxmlformats.org/drawingml/2006/main" xmlns:r="http://schemas.openxmlformats.org/officeDocument/2006/relationships" xmlns:p="http://schemas.openxmlformats.org/presentationml/2006/main">
+  <p:cSld>
+    <p:spTree>
+      <p:nvGrpSpPr>
+        <p:cNvPr id="1" name=""/>
+        <p:cNvGrpSpPr/>
+        <p:nvPr/>
+      </p:nvGrpSpPr>
+      <p:grpSpPr>
+        <a:xfrm>
+          <a:off x="0" y="0"/>
+          <a:ext cx="0" cy="0"/>
+          <a:chOff x="0" y="0"/>
+          <a:chExt cx="0" cy="0"/>
+        </a:xfrm>
+      </p:grpSpPr>
+      <p:sp>
+        <p:nvSpPr>
+          <p:cNvPr id="2" name="Title 1">
+            <a:extLst>
+              <a:ext uri="{FF2B5EF4-FFF2-40B4-BE49-F238E27FC236}">
+                <a16:creationId xmlns:a16="http://schemas.microsoft.com/office/drawing/2014/main" id="{6793D437-9A5B-54F5-DBC8-EE08F7A39E46}"/>
+              </a:ext>
+            </a:extLst>
+          </p:cNvPr>
+          <p:cNvSpPr>
+            <a:spLocks noGrp="1"/>
+          </p:cNvSpPr>
+          <p:nvPr>
+            <p:ph type="title"/>
+          </p:nvPr>
+        </p:nvSpPr>
+        <p:spPr/>
+        <p:txBody>
+          <a:bodyPr/>
+          <a:lstStyle/>
+          <a:p>
+            <a:r>
+              <a:rPr lang="en-US" dirty="0"/>
+              <a:t>JS: Location Object</a:t>
+            </a:r>
+          </a:p>
+        </p:txBody>
+      </p:sp>
+      <p:sp>
+        <p:nvSpPr>
+          <p:cNvPr id="3" name="Content Placeholder 2">
+            <a:extLst>
+              <a:ext uri="{FF2B5EF4-FFF2-40B4-BE49-F238E27FC236}">
+                <a16:creationId xmlns:a16="http://schemas.microsoft.com/office/drawing/2014/main" id="{3650219F-84F9-3C41-A600-6A68EB013816}"/>
+              </a:ext>
+            </a:extLst>
+          </p:cNvPr>
+          <p:cNvSpPr>
+            <a:spLocks noGrp="1"/>
+          </p:cNvSpPr>
+          <p:nvPr>
+            <p:ph idx="1"/>
+          </p:nvPr>
+        </p:nvSpPr>
+        <p:spPr/>
+        <p:txBody>
+          <a:bodyPr>
+            <a:normAutofit lnSpcReduction="10000"/>
+          </a:bodyPr>
+          <a:lstStyle/>
+          <a:p>
+            <a:r>
+              <a:rPr lang="en-US" dirty="0"/>
+              <a:t>Hash</a:t>
+            </a:r>
+          </a:p>
+          <a:p>
+            <a:r>
+              <a:rPr lang="en-US" dirty="0"/>
+              <a:t>Host</a:t>
+            </a:r>
+          </a:p>
+          <a:p>
+            <a:r>
+              <a:rPr lang="en-US" dirty="0"/>
+              <a:t>Hostname</a:t>
+            </a:r>
+          </a:p>
+          <a:p>
+            <a:r>
+              <a:rPr lang="en-US" dirty="0" err="1"/>
+              <a:t>Href</a:t>
+            </a:r>
+            <a:endParaRPr lang="en-US" dirty="0"/>
+          </a:p>
+          <a:p>
+            <a:r>
+              <a:rPr lang="en-US" dirty="0"/>
+              <a:t>Origin</a:t>
+            </a:r>
+          </a:p>
+          <a:p>
+            <a:r>
+              <a:rPr lang="en-US" dirty="0"/>
+              <a:t>Pathname</a:t>
+            </a:r>
+          </a:p>
+          <a:p>
+            <a:r>
+              <a:rPr lang="en-US" dirty="0"/>
+              <a:t>Port</a:t>
+            </a:r>
+          </a:p>
+          <a:p>
+            <a:r>
+              <a:rPr lang="en-US" dirty="0" err="1"/>
+              <a:t>Portocol</a:t>
+            </a:r>
+            <a:endParaRPr lang="en-US" dirty="0"/>
+          </a:p>
+          <a:p>
+            <a:r>
+              <a:rPr lang="en-US" dirty="0"/>
+              <a:t>search</a:t>
+            </a:r>
+          </a:p>
+        </p:txBody>
+      </p:sp>
+    </p:spTree>
+    <p:extLst>
+      <p:ext uri="{BB962C8B-B14F-4D97-AF65-F5344CB8AC3E}">
+        <p14:creationId xmlns:p14="http://schemas.microsoft.com/office/powerpoint/2010/main" val="642907398"/>
+      </p:ext>
+    </p:extLst>
+  </p:cSld>
+  <p:clrMapOvr>
+    <a:masterClrMapping/>
+  </p:clrMapOvr>
+</p:sld>
+</file>
+
+<file path=ppt/slides/slide115.xml><?xml version="1.0" encoding="utf-8"?>
+<p:sld xmlns:a="http://schemas.openxmlformats.org/drawingml/2006/main" xmlns:r="http://schemas.openxmlformats.org/officeDocument/2006/relationships" xmlns:p="http://schemas.openxmlformats.org/presentationml/2006/main">
+  <p:cSld>
+    <p:spTree>
+      <p:nvGrpSpPr>
+        <p:cNvPr id="1" name=""/>
+        <p:cNvGrpSpPr/>
+        <p:nvPr/>
+      </p:nvGrpSpPr>
+      <p:grpSpPr>
+        <a:xfrm>
+          <a:off x="0" y="0"/>
+          <a:ext cx="0" cy="0"/>
+          <a:chOff x="0" y="0"/>
+          <a:chExt cx="0" cy="0"/>
+        </a:xfrm>
+      </p:grpSpPr>
+      <p:sp>
+        <p:nvSpPr>
+          <p:cNvPr id="2" name="Title 1">
+            <a:extLst>
+              <a:ext uri="{FF2B5EF4-FFF2-40B4-BE49-F238E27FC236}">
+                <a16:creationId xmlns:a16="http://schemas.microsoft.com/office/drawing/2014/main" id="{CB794DB1-D1E2-A086-538A-9DE8A7CC8357}"/>
+              </a:ext>
+            </a:extLst>
+          </p:cNvPr>
+          <p:cNvSpPr>
+            <a:spLocks noGrp="1"/>
+          </p:cNvSpPr>
+          <p:nvPr>
+            <p:ph type="title"/>
+          </p:nvPr>
+        </p:nvSpPr>
+        <p:spPr/>
+        <p:txBody>
+          <a:bodyPr/>
+          <a:lstStyle/>
+          <a:p>
+            <a:r>
+              <a:rPr lang="en-US" dirty="0"/>
+              <a:t>Location Object Methods	</a:t>
+            </a:r>
+          </a:p>
+        </p:txBody>
+      </p:sp>
+      <p:sp>
+        <p:nvSpPr>
+          <p:cNvPr id="3" name="Content Placeholder 2">
+            <a:extLst>
+              <a:ext uri="{FF2B5EF4-FFF2-40B4-BE49-F238E27FC236}">
+                <a16:creationId xmlns:a16="http://schemas.microsoft.com/office/drawing/2014/main" id="{040589D7-0791-7947-701A-65D3B46C7C98}"/>
+              </a:ext>
+            </a:extLst>
+          </p:cNvPr>
+          <p:cNvSpPr>
+            <a:spLocks noGrp="1"/>
+          </p:cNvSpPr>
+          <p:nvPr>
+            <p:ph idx="1"/>
+          </p:nvPr>
+        </p:nvSpPr>
+        <p:spPr/>
+        <p:txBody>
+          <a:bodyPr/>
+          <a:lstStyle/>
+          <a:p>
+            <a:r>
+              <a:rPr lang="en-US" dirty="0"/>
+              <a:t>Assign()</a:t>
+            </a:r>
+          </a:p>
+          <a:p>
+            <a:r>
+              <a:rPr lang="en-US" dirty="0"/>
+              <a:t>Reload()</a:t>
+            </a:r>
+          </a:p>
+          <a:p>
+            <a:r>
+              <a:rPr lang="en-US" dirty="0"/>
+              <a:t>Replace()</a:t>
+            </a:r>
+          </a:p>
+        </p:txBody>
+      </p:sp>
+    </p:spTree>
+    <p:extLst>
+      <p:ext uri="{BB962C8B-B14F-4D97-AF65-F5344CB8AC3E}">
+        <p14:creationId xmlns:p14="http://schemas.microsoft.com/office/powerpoint/2010/main" val="2570695435"/>
+      </p:ext>
+    </p:extLst>
+  </p:cSld>
+  <p:clrMapOvr>
+    <a:masterClrMapping/>
+  </p:clrMapOvr>
+</p:sld>
+</file>
+
+<file path=ppt/slides/slide116.xml><?xml version="1.0" encoding="utf-8"?>
+<p:sld xmlns:a="http://schemas.openxmlformats.org/drawingml/2006/main" xmlns:r="http://schemas.openxmlformats.org/officeDocument/2006/relationships" xmlns:p="http://schemas.openxmlformats.org/presentationml/2006/main">
+  <p:cSld>
+    <p:spTree>
+      <p:nvGrpSpPr>
+        <p:cNvPr id="1" name=""/>
+        <p:cNvGrpSpPr/>
+        <p:nvPr/>
+      </p:nvGrpSpPr>
+      <p:grpSpPr>
+        <a:xfrm>
+          <a:off x="0" y="0"/>
+          <a:ext cx="0" cy="0"/>
+          <a:chOff x="0" y="0"/>
+          <a:chExt cx="0" cy="0"/>
+        </a:xfrm>
+      </p:grpSpPr>
+      <p:sp>
+        <p:nvSpPr>
+          <p:cNvPr id="2" name="Title 1">
+            <a:extLst>
+              <a:ext uri="{FF2B5EF4-FFF2-40B4-BE49-F238E27FC236}">
+                <a16:creationId xmlns:a16="http://schemas.microsoft.com/office/drawing/2014/main" id="{A2367732-72F0-84CC-BC06-CD6CFCF5474A}"/>
+              </a:ext>
+            </a:extLst>
+          </p:cNvPr>
+          <p:cNvSpPr>
+            <a:spLocks noGrp="1"/>
+          </p:cNvSpPr>
+          <p:nvPr>
+            <p:ph type="title"/>
+          </p:nvPr>
+        </p:nvSpPr>
+        <p:spPr/>
+        <p:txBody>
+          <a:bodyPr/>
+          <a:lstStyle/>
+          <a:p>
+            <a:r>
+              <a:rPr lang="en-US" dirty="0"/>
+              <a:t>JS: History Object</a:t>
+            </a:r>
+          </a:p>
+        </p:txBody>
+      </p:sp>
+      <p:sp>
+        <p:nvSpPr>
+          <p:cNvPr id="3" name="Content Placeholder 2">
+            <a:extLst>
+              <a:ext uri="{FF2B5EF4-FFF2-40B4-BE49-F238E27FC236}">
+                <a16:creationId xmlns:a16="http://schemas.microsoft.com/office/drawing/2014/main" id="{9DCC6FE8-4EC9-8AAC-1F5F-6DD5D72AE9AE}"/>
+              </a:ext>
+            </a:extLst>
+          </p:cNvPr>
+          <p:cNvSpPr>
+            <a:spLocks noGrp="1"/>
+          </p:cNvSpPr>
+          <p:nvPr>
+            <p:ph idx="1"/>
+          </p:nvPr>
+        </p:nvSpPr>
+        <p:spPr>
+          <a:xfrm>
+            <a:off x="838200" y="1825625"/>
+            <a:ext cx="2610394" cy="1988729"/>
+          </a:xfrm>
+        </p:spPr>
+        <p:txBody>
+          <a:bodyPr/>
+          <a:lstStyle/>
+          <a:p>
+            <a:r>
+              <a:rPr lang="en-US" dirty="0"/>
+              <a:t>length</a:t>
+            </a:r>
+          </a:p>
+        </p:txBody>
+      </p:sp>
+      <p:sp>
+        <p:nvSpPr>
+          <p:cNvPr id="4" name="Content Placeholder 2">
+            <a:extLst>
+              <a:ext uri="{FF2B5EF4-FFF2-40B4-BE49-F238E27FC236}">
+                <a16:creationId xmlns:a16="http://schemas.microsoft.com/office/drawing/2014/main" id="{4C6BA75D-6119-8A39-49C7-AAF7D863D6AD}"/>
+              </a:ext>
+            </a:extLst>
+          </p:cNvPr>
+          <p:cNvSpPr txBox="1">
+            <a:spLocks/>
+          </p:cNvSpPr>
+          <p:nvPr/>
+        </p:nvSpPr>
+        <p:spPr>
+          <a:xfrm>
+            <a:off x="7438211" y="1825625"/>
+            <a:ext cx="3612966" cy="1988729"/>
+          </a:xfrm>
+          <a:prstGeom prst="rect">
+            <a:avLst/>
+          </a:prstGeom>
+        </p:spPr>
+        <p:txBody>
+          <a:bodyPr vert="horz" lIns="91440" tIns="45720" rIns="91440" bIns="45720" rtlCol="0">
+            <a:normAutofit/>
+          </a:bodyPr>
+          <a:lstStyle>
+            <a:lvl1pPr marL="228600" indent="-228600" algn="l" defTabSz="914400" rtl="0" eaLnBrk="1" latinLnBrk="0" hangingPunct="1">
+              <a:lnSpc>
+                <a:spcPct val="90000"/>
+              </a:lnSpc>
+              <a:spcBef>
+                <a:spcPts val="1000"/>
+              </a:spcBef>
+              <a:buFont typeface="Arial" panose="020B0604020202020204" pitchFamily="34" charset="0"/>
+              <a:buChar char="•"/>
+              <a:defRPr sz="2800" kern="1200">
+                <a:solidFill>
+                  <a:schemeClr val="tx1"/>
+                </a:solidFill>
+                <a:latin typeface="+mn-lt"/>
+                <a:ea typeface="+mn-ea"/>
+                <a:cs typeface="+mn-cs"/>
+              </a:defRPr>
+            </a:lvl1pPr>
+            <a:lvl2pPr marL="685800" indent="-228600" algn="l" defTabSz="914400" rtl="0" eaLnBrk="1" latinLnBrk="0" hangingPunct="1">
+              <a:lnSpc>
+                <a:spcPct val="90000"/>
+              </a:lnSpc>
+              <a:spcBef>
+                <a:spcPts val="500"/>
+              </a:spcBef>
+              <a:buFont typeface="Arial" panose="020B0604020202020204" pitchFamily="34" charset="0"/>
+              <a:buChar char="•"/>
+              <a:defRPr sz="2400" kern="1200">
+                <a:solidFill>
+                  <a:schemeClr val="tx1"/>
+                </a:solidFill>
+                <a:latin typeface="+mn-lt"/>
+                <a:ea typeface="+mn-ea"/>
+                <a:cs typeface="+mn-cs"/>
+              </a:defRPr>
+            </a:lvl2pPr>
+            <a:lvl3pPr marL="1143000" indent="-228600" algn="l" defTabSz="914400" rtl="0" eaLnBrk="1" latinLnBrk="0" hangingPunct="1">
+              <a:lnSpc>
+                <a:spcPct val="90000"/>
+              </a:lnSpc>
+              <a:spcBef>
+                <a:spcPts val="500"/>
+              </a:spcBef>
+              <a:buFont typeface="Arial" panose="020B0604020202020204" pitchFamily="34" charset="0"/>
+              <a:buChar char="•"/>
+              <a:defRPr sz="2000" kern="1200">
+                <a:solidFill>
+                  <a:schemeClr val="tx1"/>
+                </a:solidFill>
+                <a:latin typeface="+mn-lt"/>
+                <a:ea typeface="+mn-ea"/>
+                <a:cs typeface="+mn-cs"/>
+              </a:defRPr>
+            </a:lvl3pPr>
+            <a:lvl4pPr marL="1600200" indent="-228600" algn="l" defTabSz="914400" rtl="0" eaLnBrk="1" latinLnBrk="0" hangingPunct="1">
+              <a:lnSpc>
+                <a:spcPct val="90000"/>
+              </a:lnSpc>
+              <a:spcBef>
+                <a:spcPts val="500"/>
+              </a:spcBef>
+              <a:buFont typeface="Arial" panose="020B0604020202020204" pitchFamily="34" charset="0"/>
+              <a:buChar char="•"/>
+              <a:defRPr sz="1800" kern="1200">
+                <a:solidFill>
+                  <a:schemeClr val="tx1"/>
+                </a:solidFill>
+                <a:latin typeface="+mn-lt"/>
+                <a:ea typeface="+mn-ea"/>
+                <a:cs typeface="+mn-cs"/>
+              </a:defRPr>
+            </a:lvl4pPr>
+            <a:lvl5pPr marL="2057400" indent="-228600" algn="l" defTabSz="914400" rtl="0" eaLnBrk="1" latinLnBrk="0" hangingPunct="1">
+              <a:lnSpc>
+                <a:spcPct val="90000"/>
+              </a:lnSpc>
+              <a:spcBef>
+                <a:spcPts val="500"/>
+              </a:spcBef>
+              <a:buFont typeface="Arial" panose="020B0604020202020204" pitchFamily="34" charset="0"/>
+              <a:buChar char="•"/>
+              <a:defRPr sz="1800" kern="1200">
+                <a:solidFill>
+                  <a:schemeClr val="tx1"/>
+                </a:solidFill>
+                <a:latin typeface="+mn-lt"/>
+                <a:ea typeface="+mn-ea"/>
+                <a:cs typeface="+mn-cs"/>
+              </a:defRPr>
+            </a:lvl5pPr>
+            <a:lvl6pPr marL="2514600" indent="-228600" algn="l" defTabSz="914400" rtl="0" eaLnBrk="1" latinLnBrk="0" hangingPunct="1">
+              <a:lnSpc>
+                <a:spcPct val="90000"/>
+              </a:lnSpc>
+              <a:spcBef>
+                <a:spcPts val="500"/>
+              </a:spcBef>
+              <a:buFont typeface="Arial" panose="020B0604020202020204" pitchFamily="34" charset="0"/>
+              <a:buChar char="•"/>
+              <a:defRPr sz="1800" kern="1200">
+                <a:solidFill>
+                  <a:schemeClr val="tx1"/>
+                </a:solidFill>
+                <a:latin typeface="+mn-lt"/>
+                <a:ea typeface="+mn-ea"/>
+                <a:cs typeface="+mn-cs"/>
+              </a:defRPr>
+            </a:lvl6pPr>
+            <a:lvl7pPr marL="2971800" indent="-228600" algn="l" defTabSz="914400" rtl="0" eaLnBrk="1" latinLnBrk="0" hangingPunct="1">
+              <a:lnSpc>
+                <a:spcPct val="90000"/>
+              </a:lnSpc>
+              <a:spcBef>
+                <a:spcPts val="500"/>
+              </a:spcBef>
+              <a:buFont typeface="Arial" panose="020B0604020202020204" pitchFamily="34" charset="0"/>
+              <a:buChar char="•"/>
+              <a:defRPr sz="1800" kern="1200">
+                <a:solidFill>
+                  <a:schemeClr val="tx1"/>
+                </a:solidFill>
+                <a:latin typeface="+mn-lt"/>
+                <a:ea typeface="+mn-ea"/>
+                <a:cs typeface="+mn-cs"/>
+              </a:defRPr>
+            </a:lvl7pPr>
+            <a:lvl8pPr marL="3429000" indent="-228600" algn="l" defTabSz="914400" rtl="0" eaLnBrk="1" latinLnBrk="0" hangingPunct="1">
+              <a:lnSpc>
+                <a:spcPct val="90000"/>
+              </a:lnSpc>
+              <a:spcBef>
+                <a:spcPts val="500"/>
+              </a:spcBef>
+              <a:buFont typeface="Arial" panose="020B0604020202020204" pitchFamily="34" charset="0"/>
+              <a:buChar char="•"/>
+              <a:defRPr sz="1800" kern="1200">
+                <a:solidFill>
+                  <a:schemeClr val="tx1"/>
+                </a:solidFill>
+                <a:latin typeface="+mn-lt"/>
+                <a:ea typeface="+mn-ea"/>
+                <a:cs typeface="+mn-cs"/>
+              </a:defRPr>
+            </a:lvl8pPr>
+            <a:lvl9pPr marL="3886200" indent="-228600" algn="l" defTabSz="914400" rtl="0" eaLnBrk="1" latinLnBrk="0" hangingPunct="1">
+              <a:lnSpc>
+                <a:spcPct val="90000"/>
+              </a:lnSpc>
+              <a:spcBef>
+                <a:spcPts val="500"/>
+              </a:spcBef>
+              <a:buFont typeface="Arial" panose="020B0604020202020204" pitchFamily="34" charset="0"/>
+              <a:buChar char="•"/>
+              <a:defRPr sz="1800" kern="1200">
+                <a:solidFill>
+                  <a:schemeClr val="tx1"/>
+                </a:solidFill>
+                <a:latin typeface="+mn-lt"/>
+                <a:ea typeface="+mn-ea"/>
+                <a:cs typeface="+mn-cs"/>
+              </a:defRPr>
+            </a:lvl9pPr>
+          </a:lstStyle>
+          <a:p>
+            <a:r>
+              <a:rPr lang="en-US" dirty="0"/>
+              <a:t>Back()</a:t>
+            </a:r>
+          </a:p>
+          <a:p>
+            <a:r>
+              <a:rPr lang="en-US" dirty="0"/>
+              <a:t>Forward()</a:t>
+            </a:r>
+          </a:p>
+          <a:p>
+            <a:r>
+              <a:rPr lang="en-US" dirty="0"/>
+              <a:t>Go()</a:t>
+            </a:r>
+          </a:p>
+        </p:txBody>
+      </p:sp>
+    </p:spTree>
+    <p:extLst>
+      <p:ext uri="{BB962C8B-B14F-4D97-AF65-F5344CB8AC3E}">
+        <p14:creationId xmlns:p14="http://schemas.microsoft.com/office/powerpoint/2010/main" val="2086771618"/>
       </p:ext>
     </p:extLst>
   </p:cSld>

--- a/JavaScript.pptx
+++ b/JavaScript.pptx
@@ -502,7 +502,7 @@
           <a:p>
             <a:fld id="{B0FD79F2-F8AC-467F-AA9E-9C9DDF51E646}" type="datetimeFigureOut">
               <a:rPr lang="en-US" smtClean="0"/>
-              <a:t>2/13/2023</a:t>
+              <a:t>2/15/2023</a:t>
             </a:fld>
             <a:endParaRPr lang="en-US"/>
           </a:p>
@@ -700,7 +700,7 @@
           <a:p>
             <a:fld id="{B0FD79F2-F8AC-467F-AA9E-9C9DDF51E646}" type="datetimeFigureOut">
               <a:rPr lang="en-US" smtClean="0"/>
-              <a:t>2/13/2023</a:t>
+              <a:t>2/15/2023</a:t>
             </a:fld>
             <a:endParaRPr lang="en-US"/>
           </a:p>
@@ -908,7 +908,7 @@
           <a:p>
             <a:fld id="{B0FD79F2-F8AC-467F-AA9E-9C9DDF51E646}" type="datetimeFigureOut">
               <a:rPr lang="en-US" smtClean="0"/>
-              <a:t>2/13/2023</a:t>
+              <a:t>2/15/2023</a:t>
             </a:fld>
             <a:endParaRPr lang="en-US"/>
           </a:p>
@@ -1106,7 +1106,7 @@
           <a:p>
             <a:fld id="{B0FD79F2-F8AC-467F-AA9E-9C9DDF51E646}" type="datetimeFigureOut">
               <a:rPr lang="en-US" smtClean="0"/>
-              <a:t>2/13/2023</a:t>
+              <a:t>2/15/2023</a:t>
             </a:fld>
             <a:endParaRPr lang="en-US"/>
           </a:p>
@@ -1381,7 +1381,7 @@
           <a:p>
             <a:fld id="{B0FD79F2-F8AC-467F-AA9E-9C9DDF51E646}" type="datetimeFigureOut">
               <a:rPr lang="en-US" smtClean="0"/>
-              <a:t>2/13/2023</a:t>
+              <a:t>2/15/2023</a:t>
             </a:fld>
             <a:endParaRPr lang="en-US"/>
           </a:p>
@@ -1646,7 +1646,7 @@
           <a:p>
             <a:fld id="{B0FD79F2-F8AC-467F-AA9E-9C9DDF51E646}" type="datetimeFigureOut">
               <a:rPr lang="en-US" smtClean="0"/>
-              <a:t>2/13/2023</a:t>
+              <a:t>2/15/2023</a:t>
             </a:fld>
             <a:endParaRPr lang="en-US"/>
           </a:p>
@@ -2058,7 +2058,7 @@
           <a:p>
             <a:fld id="{B0FD79F2-F8AC-467F-AA9E-9C9DDF51E646}" type="datetimeFigureOut">
               <a:rPr lang="en-US" smtClean="0"/>
-              <a:t>2/13/2023</a:t>
+              <a:t>2/15/2023</a:t>
             </a:fld>
             <a:endParaRPr lang="en-US"/>
           </a:p>
@@ -2199,7 +2199,7 @@
           <a:p>
             <a:fld id="{B0FD79F2-F8AC-467F-AA9E-9C9DDF51E646}" type="datetimeFigureOut">
               <a:rPr lang="en-US" smtClean="0"/>
-              <a:t>2/13/2023</a:t>
+              <a:t>2/15/2023</a:t>
             </a:fld>
             <a:endParaRPr lang="en-US"/>
           </a:p>
@@ -2312,7 +2312,7 @@
           <a:p>
             <a:fld id="{B0FD79F2-F8AC-467F-AA9E-9C9DDF51E646}" type="datetimeFigureOut">
               <a:rPr lang="en-US" smtClean="0"/>
-              <a:t>2/13/2023</a:t>
+              <a:t>2/15/2023</a:t>
             </a:fld>
             <a:endParaRPr lang="en-US"/>
           </a:p>
@@ -2623,7 +2623,7 @@
           <a:p>
             <a:fld id="{B0FD79F2-F8AC-467F-AA9E-9C9DDF51E646}" type="datetimeFigureOut">
               <a:rPr lang="en-US" smtClean="0"/>
-              <a:t>2/13/2023</a:t>
+              <a:t>2/15/2023</a:t>
             </a:fld>
             <a:endParaRPr lang="en-US"/>
           </a:p>
@@ -2911,7 +2911,7 @@
           <a:p>
             <a:fld id="{B0FD79F2-F8AC-467F-AA9E-9C9DDF51E646}" type="datetimeFigureOut">
               <a:rPr lang="en-US" smtClean="0"/>
-              <a:t>2/13/2023</a:t>
+              <a:t>2/15/2023</a:t>
             </a:fld>
             <a:endParaRPr lang="en-US"/>
           </a:p>
@@ -3152,7 +3152,7 @@
           <a:p>
             <a:fld id="{B0FD79F2-F8AC-467F-AA9E-9C9DDF51E646}" type="datetimeFigureOut">
               <a:rPr lang="en-US" smtClean="0"/>
-              <a:t>2/13/2023</a:t>
+              <a:t>2/15/2023</a:t>
             </a:fld>
             <a:endParaRPr lang="en-US"/>
           </a:p>
@@ -26306,6 +26306,53 @@
           </a:p>
         </p:txBody>
       </p:sp>
+      <p:sp>
+        <p:nvSpPr>
+          <p:cNvPr id="4" name="TextBox 3">
+            <a:extLst>
+              <a:ext uri="{FF2B5EF4-FFF2-40B4-BE49-F238E27FC236}">
+                <a16:creationId xmlns:a16="http://schemas.microsoft.com/office/drawing/2014/main" id="{69EF9876-9015-44F7-C71C-AC6CA49BF428}"/>
+              </a:ext>
+            </a:extLst>
+          </p:cNvPr>
+          <p:cNvSpPr txBox="1"/>
+          <p:nvPr/>
+        </p:nvSpPr>
+        <p:spPr>
+          <a:xfrm>
+            <a:off x="3698543" y="5942568"/>
+            <a:ext cx="7129709" cy="369332"/>
+          </a:xfrm>
+          <a:prstGeom prst="rect">
+            <a:avLst/>
+          </a:prstGeom>
+          <a:noFill/>
+        </p:spPr>
+        <p:txBody>
+          <a:bodyPr wrap="none" rtlCol="0">
+            <a:spAutoFit/>
+          </a:bodyPr>
+          <a:lstStyle/>
+          <a:p>
+            <a:r>
+              <a:rPr lang="en-US" dirty="0" err="1"/>
+              <a:t>document.getelementbyid</a:t>
+            </a:r>
+            <a:r>
+              <a:rPr lang="en-US" dirty="0"/>
+              <a:t>(“container”).</a:t>
+            </a:r>
+            <a:r>
+              <a:rPr lang="en-US" dirty="0" err="1"/>
+              <a:t>addeventlistener</a:t>
+            </a:r>
+            <a:r>
+              <a:rPr lang="en-US" dirty="0"/>
+              <a:t>(click, function())</a:t>
+            </a:r>
+          </a:p>
+        </p:txBody>
+      </p:sp>
     </p:spTree>
     <p:extLst>
       <p:ext uri="{BB962C8B-B14F-4D97-AF65-F5344CB8AC3E}">
